--- a/DataEnggFinalProjectPPT.pptx
+++ b/DataEnggFinalProjectPPT.pptx
@@ -7571,8 +7571,8 @@
         </p:nvSpPr>
         <p:spPr>
           <a:xfrm>
-            <a:off x="2152652" y="1880675"/>
-            <a:ext cx="3781571" cy="3825130"/>
+            <a:off x="900332" y="1375248"/>
+            <a:ext cx="5033892" cy="4881489"/>
           </a:xfrm>
         </p:spPr>
         <p:txBody>
@@ -7601,6 +7601,11 @@
               </a:rPr>
               <a:t>Data</a:t>
             </a:r>
+            <a:br>
+              <a:rPr lang="en-US" sz="2400" dirty="0">
+                <a:cs typeface="Arial" panose="020B0604020202020204" pitchFamily="34" charset="0"/>
+              </a:rPr>
+            </a:br>
             <a:br>
               <a:rPr lang="en-US" sz="2400" dirty="0">
                 <a:cs typeface="Arial" panose="020B0604020202020204" pitchFamily="34" charset="0"/>
@@ -7609,9 +7614,6 @@
             <a:br>
               <a:rPr lang="en-US" dirty="0"/>
             </a:br>
-            <a:br>
-              <a:rPr lang="en-US" dirty="0"/>
-            </a:br>
             <a:r>
               <a:rPr lang="en-US" sz="2400" dirty="0">
                 <a:latin typeface="+mn-lt"/>
@@ -7645,13 +7647,13 @@
         </p:nvSpPr>
         <p:spPr>
           <a:xfrm>
-            <a:off x="6096000" y="2028384"/>
-            <a:ext cx="3943350" cy="3825130"/>
+            <a:off x="6096000" y="1757574"/>
+            <a:ext cx="5195668" cy="4095940"/>
           </a:xfrm>
         </p:spPr>
         <p:txBody>
           <a:bodyPr>
-            <a:normAutofit lnSpcReduction="10000"/>
+            <a:normAutofit/>
           </a:bodyPr>
           <a:lstStyle/>
           <a:p>
@@ -7709,7 +7711,7 @@
         </p:blipFill>
         <p:spPr>
           <a:xfrm>
-            <a:off x="2152651" y="2340300"/>
+            <a:off x="1055371" y="1757574"/>
             <a:ext cx="3472346" cy="689089"/>
           </a:xfrm>
           <a:prstGeom prst="rect">
@@ -7739,8 +7741,8 @@
         </p:blipFill>
         <p:spPr>
           <a:xfrm>
-            <a:off x="2152650" y="3543558"/>
-            <a:ext cx="3472347" cy="528711"/>
+            <a:off x="1055370" y="3006475"/>
+            <a:ext cx="3472347" cy="689088"/>
           </a:xfrm>
           <a:prstGeom prst="rect">
             <a:avLst/>
@@ -7769,8 +7771,8 @@
         </p:blipFill>
         <p:spPr>
           <a:xfrm>
-            <a:off x="2152651" y="4073001"/>
-            <a:ext cx="3472347" cy="528711"/>
+            <a:off x="1055370" y="3815993"/>
+            <a:ext cx="3472347" cy="640810"/>
           </a:xfrm>
           <a:prstGeom prst="rect">
             <a:avLst/>
@@ -7799,8 +7801,8 @@
         </p:blipFill>
         <p:spPr>
           <a:xfrm>
-            <a:off x="2152651" y="4598138"/>
-            <a:ext cx="3472347" cy="535856"/>
+            <a:off x="1055370" y="4579292"/>
+            <a:ext cx="3472347" cy="640809"/>
           </a:xfrm>
           <a:prstGeom prst="rect">
             <a:avLst/>
@@ -7829,8 +7831,8 @@
         </p:blipFill>
         <p:spPr>
           <a:xfrm>
-            <a:off x="2152649" y="5115149"/>
-            <a:ext cx="1607568" cy="550145"/>
+            <a:off x="1055370" y="5337472"/>
+            <a:ext cx="1607568" cy="640809"/>
           </a:xfrm>
           <a:prstGeom prst="rect">
             <a:avLst/>
@@ -7853,8 +7855,8 @@
         </p:nvSpPr>
         <p:spPr>
           <a:xfrm>
-            <a:off x="2152650" y="1131095"/>
-            <a:ext cx="7886700" cy="749581"/>
+            <a:off x="1277817" y="494556"/>
+            <a:ext cx="8801393" cy="749581"/>
           </a:xfrm>
           <a:prstGeom prst="rect">
             <a:avLst/>
@@ -7946,7 +7948,7 @@
         </p:nvSpPr>
         <p:spPr>
           <a:xfrm>
-            <a:off x="1738532" y="304972"/>
+            <a:off x="1738530" y="314522"/>
             <a:ext cx="8714935" cy="633046"/>
           </a:xfrm>
         </p:spPr>
@@ -7956,11 +7958,11 @@
           </a:bodyPr>
           <a:lstStyle/>
           <a:p>
-            <a:r>
-              <a:rPr lang="en-US"/>
+            <a:pPr algn="ctr"/>
+            <a:r>
+              <a:rPr lang="en-US" dirty="0"/>
               <a:t>Aggregation Approach</a:t>
             </a:r>
-            <a:endParaRPr lang="en-US" dirty="0"/>
           </a:p>
         </p:txBody>
       </p:sp>
@@ -7976,13 +7978,13 @@
         </p:nvSpPr>
         <p:spPr>
           <a:xfrm>
-            <a:off x="1738532" y="1139484"/>
-            <a:ext cx="8714935" cy="1913206"/>
+            <a:off x="647114" y="1139484"/>
+            <a:ext cx="10902461" cy="1913206"/>
           </a:xfrm>
         </p:spPr>
         <p:txBody>
           <a:bodyPr>
-            <a:normAutofit fontScale="92500" lnSpcReduction="20000"/>
+            <a:normAutofit fontScale="92500" lnSpcReduction="10000"/>
           </a:bodyPr>
           <a:lstStyle/>
           <a:p>
@@ -7990,7 +7992,7 @@
               <a:buNone/>
             </a:pPr>
             <a:r>
-              <a:rPr lang="en-US" sz="1500"/>
+              <a:rPr lang="en-US" sz="1700" dirty="0"/>
               <a:t>1. Numerical Feature Aggregation:</a:t>
             </a:r>
           </a:p>
@@ -7999,7 +8001,7 @@
               <a:buNone/>
             </a:pPr>
             <a:r>
-              <a:rPr lang="en-US" sz="1500"/>
+              <a:rPr lang="en-US" sz="1700" dirty="0"/>
               <a:t>	Calculated the average for all numerical features (e.g., Temperature, Humidity).</a:t>
             </a:r>
           </a:p>
@@ -8008,12 +8010,8 @@
               <a:buNone/>
             </a:pPr>
             <a:r>
-              <a:rPr lang="en-US" sz="1500"/>
-              <a:t>2. </a:t>
-            </a:r>
-            <a:r>
-              <a:rPr lang="en-US" sz="1600"/>
-              <a:t>Categorical Feature Aggregation:</a:t>
+              <a:rPr lang="en-US" sz="1700" dirty="0"/>
+              <a:t>2. Categorical Feature Aggregation:</a:t>
             </a:r>
           </a:p>
           <a:p>
@@ -8021,22 +8019,22 @@
               <a:buNone/>
             </a:pPr>
             <a:r>
-              <a:rPr lang="en-US" sz="1600"/>
-              <a:t>	Applied mode operation to find the most frequent value for categorical features (e.g., Weather 	Description).</a:t>
+              <a:rPr lang="en-US" sz="1700" dirty="0"/>
+              <a:t>	Applied mode operation to find the most frequent value for categorical features (e.g., Weather Description).</a:t>
             </a:r>
           </a:p>
           <a:p>
             <a:pPr marL="0" indent="0">
               <a:buNone/>
             </a:pPr>
-            <a:endParaRPr lang="en-US" sz="1600"/>
+            <a:endParaRPr lang="en-US" sz="1700" dirty="0"/>
           </a:p>
           <a:p>
             <a:pPr marL="0" indent="0">
               <a:buNone/>
             </a:pPr>
             <a:r>
-              <a:rPr lang="en-US" sz="1600"/>
+              <a:rPr lang="en-US" sz="1700" dirty="0"/>
               <a:t>Result: Transformed minute-wise data into a single record for each day, simplifying the dataset.</a:t>
             </a:r>
           </a:p>
@@ -8044,7 +8042,7 @@
             <a:pPr marL="0" indent="0">
               <a:buNone/>
             </a:pPr>
-            <a:endParaRPr lang="en-US" sz="1600"/>
+            <a:endParaRPr lang="en-US" sz="1600" dirty="0"/>
           </a:p>
           <a:p>
             <a:pPr marL="0" indent="0">
@@ -8076,8 +8074,8 @@
         </p:blipFill>
         <p:spPr>
           <a:xfrm>
-            <a:off x="1738530" y="3052690"/>
-            <a:ext cx="8714936" cy="3500338"/>
+            <a:off x="642425" y="3052690"/>
+            <a:ext cx="10902461" cy="3500338"/>
           </a:xfrm>
           <a:prstGeom prst="rect">
             <a:avLst/>
@@ -8143,6 +8141,7 @@
           </a:bodyPr>
           <a:lstStyle/>
           <a:p>
+            <a:pPr algn="ctr"/>
             <a:r>
               <a:rPr lang="en-US" dirty="0"/>
               <a:t>Merging Approach</a:t>
@@ -8169,8 +8168,8 @@
         </p:nvSpPr>
         <p:spPr>
           <a:xfrm>
-            <a:off x="1631266" y="1139484"/>
-            <a:ext cx="8929469" cy="1758461"/>
+            <a:off x="858129" y="938018"/>
+            <a:ext cx="10607039" cy="1758461"/>
           </a:xfrm>
         </p:spPr>
         <p:txBody>
@@ -8183,19 +8182,15 @@
               <a:buNone/>
             </a:pPr>
             <a:r>
-              <a:rPr sz="1500" dirty="0"/>
+              <a:rPr sz="1700" dirty="0"/>
               <a:t>1.</a:t>
             </a:r>
             <a:r>
-              <a:rPr lang="en-US" sz="1500" dirty="0"/>
-              <a:t> </a:t>
-            </a:r>
-            <a:r>
-              <a:rPr lang="en-US" sz="1600" dirty="0"/>
-              <a:t>Merging Data Frames</a:t>
-            </a:r>
-            <a:r>
-              <a:rPr lang="en-GB" sz="1500" dirty="0"/>
+              <a:rPr lang="en-US" sz="1700" dirty="0"/>
+              <a:t> Merging Data Frames</a:t>
+            </a:r>
+            <a:r>
+              <a:rPr lang="en-GB" sz="1700" dirty="0"/>
               <a:t>:</a:t>
             </a:r>
           </a:p>
@@ -8204,29 +8199,24 @@
               <a:buNone/>
             </a:pPr>
             <a:r>
-              <a:rPr lang="en-GB" sz="1500" dirty="0"/>
-              <a:t>	</a:t>
-            </a:r>
-            <a:r>
-              <a:rPr lang="en-GB" sz="1600" dirty="0"/>
-              <a:t>Merged weather and electricity datasets based on the 'Date' column.</a:t>
-            </a:r>
-            <a:endParaRPr lang="en-GB" sz="1500" dirty="0"/>
+              <a:rPr lang="en-GB" sz="1700" dirty="0"/>
+              <a:t>	Merged weather and electricity datasets based on the 'Date' column.</a:t>
+            </a:r>
           </a:p>
           <a:p>
             <a:pPr marL="0" indent="0">
               <a:buNone/>
             </a:pPr>
             <a:r>
-              <a:rPr lang="en-GB" sz="1500" dirty="0"/>
+              <a:rPr lang="en-GB" sz="1700" dirty="0"/>
               <a:t>2. </a:t>
             </a:r>
             <a:r>
-              <a:rPr lang="en-US" sz="1600" dirty="0"/>
+              <a:rPr lang="en-US" sz="1700" dirty="0"/>
               <a:t>Cleaning the Data</a:t>
             </a:r>
             <a:r>
-              <a:rPr lang="en-GB" sz="1600" dirty="0"/>
+              <a:rPr lang="en-GB" sz="1700" dirty="0"/>
               <a:t>:</a:t>
             </a:r>
           </a:p>
@@ -8235,7 +8225,7 @@
               <a:buNone/>
             </a:pPr>
             <a:r>
-              <a:rPr lang="en-GB" sz="1600" dirty="0"/>
+              <a:rPr lang="en-GB" sz="1700" dirty="0"/>
               <a:t>	Removed one redundant 'City' column to avoid duplication</a:t>
             </a:r>
           </a:p>
@@ -8243,14 +8233,14 @@
             <a:pPr marL="0" indent="0">
               <a:buNone/>
             </a:pPr>
-            <a:endParaRPr lang="en-GB" sz="1600" dirty="0"/>
+            <a:endParaRPr lang="en-GB" sz="1700" dirty="0"/>
           </a:p>
           <a:p>
             <a:pPr marL="0" indent="0">
               <a:buNone/>
             </a:pPr>
             <a:r>
-              <a:rPr lang="en-GB" sz="1600" dirty="0"/>
+              <a:rPr lang="en-GB" sz="1700" dirty="0"/>
               <a:t>Result: Combined dataset ready for further analysis.</a:t>
             </a:r>
           </a:p>
@@ -8290,8 +8280,8 @@
         </p:blipFill>
         <p:spPr>
           <a:xfrm>
-            <a:off x="1631266" y="2897945"/>
-            <a:ext cx="8929469" cy="3912287"/>
+            <a:off x="858129" y="2696479"/>
+            <a:ext cx="10607039" cy="3856549"/>
           </a:xfrm>
           <a:prstGeom prst="rect">
             <a:avLst/>
@@ -8350,11 +8340,17 @@
             <p:ph type="title"/>
           </p:nvPr>
         </p:nvSpPr>
-        <p:spPr/>
+        <p:spPr>
+          <a:xfrm>
+            <a:off x="838200" y="365125"/>
+            <a:ext cx="10515600" cy="788107"/>
+          </a:xfrm>
+        </p:spPr>
         <p:txBody>
           <a:bodyPr/>
           <a:lstStyle/>
           <a:p>
+            <a:pPr algn="ctr"/>
             <a:r>
               <a:rPr dirty="0"/>
               <a:t>Forecasting Model Overview</a:t>
@@ -8380,13 +8376,13 @@
         </p:nvSpPr>
         <p:spPr>
           <a:xfrm>
-            <a:off x="1981201" y="1414122"/>
-            <a:ext cx="5071403" cy="4846002"/>
+            <a:off x="644770" y="1283677"/>
+            <a:ext cx="6276535" cy="5209198"/>
           </a:xfrm>
         </p:spPr>
         <p:txBody>
           <a:bodyPr>
-            <a:normAutofit fontScale="62500" lnSpcReduction="20000"/>
+            <a:noAutofit/>
           </a:bodyPr>
           <a:lstStyle/>
           <a:p>
@@ -8394,29 +8390,29 @@
               <a:buNone/>
             </a:pPr>
             <a:r>
-              <a:rPr dirty="0"/>
+              <a:rPr sz="2000" dirty="0"/>
               <a:t>1. Historical Data Preparation:</a:t>
             </a:r>
-            <a:endParaRPr lang="en-US" dirty="0"/>
-          </a:p>
-          <a:p>
-            <a:r>
-              <a:rPr dirty="0"/>
+            <a:endParaRPr lang="en-US" sz="2000" dirty="0"/>
+          </a:p>
+          <a:p>
+            <a:r>
+              <a:rPr sz="2000" dirty="0"/>
               <a:t>Data includes features like Temperature, Humidity, Wind Speed, and Consumption.</a:t>
             </a:r>
-            <a:endParaRPr lang="en-US" dirty="0"/>
-          </a:p>
-          <a:p>
-            <a:r>
-              <a:rPr lang="en-GB" sz="3100" dirty="0"/>
+            <a:endParaRPr lang="en-US" sz="2000" dirty="0"/>
+          </a:p>
+          <a:p>
+            <a:r>
+              <a:rPr lang="en-GB" sz="2000" dirty="0"/>
               <a:t>Target variable: </a:t>
             </a:r>
             <a:r>
-              <a:rPr lang="en-GB" sz="3100" dirty="0" err="1"/>
+              <a:rPr lang="en-GB" sz="2000" dirty="0" err="1"/>
               <a:t>Avg</a:t>
             </a:r>
             <a:r>
-              <a:rPr lang="en-GB" sz="3100" dirty="0"/>
+              <a:rPr lang="en-GB" sz="2000" dirty="0"/>
               <a:t> Consumption (MW).</a:t>
             </a:r>
           </a:p>
@@ -8424,54 +8420,58 @@
             <a:pPr marL="0" indent="0">
               <a:buNone/>
             </a:pPr>
-            <a:endParaRPr lang="en-US" dirty="0"/>
+            <a:endParaRPr lang="en-US" sz="2000" dirty="0"/>
           </a:p>
           <a:p>
             <a:pPr marL="0" indent="0">
               <a:buNone/>
             </a:pPr>
             <a:r>
-              <a:rPr dirty="0"/>
+              <a:rPr sz="2000" dirty="0"/>
               <a:t>2. Model Training:</a:t>
             </a:r>
-            <a:endParaRPr lang="en-US" dirty="0"/>
-          </a:p>
-          <a:p>
-            <a:r>
-              <a:rPr dirty="0"/>
+            <a:endParaRPr lang="en-US" sz="2000" dirty="0"/>
+          </a:p>
+          <a:p>
+            <a:r>
+              <a:rPr sz="2000" dirty="0"/>
               <a:t>Split historical data into Train (80%) and Test (20%).</a:t>
             </a:r>
-            <a:endParaRPr lang="en-US" dirty="0"/>
-          </a:p>
-          <a:p>
-            <a:r>
-              <a:rPr dirty="0"/>
+            <a:endParaRPr lang="en-US" sz="2000" dirty="0"/>
+          </a:p>
+          <a:p>
+            <a:r>
+              <a:rPr sz="2000" dirty="0"/>
               <a:t>Trained Gradient Boosted Tree (GBT) Regressor.</a:t>
             </a:r>
-          </a:p>
-          <a:p>
-            <a:endParaRPr dirty="0"/>
+            <a:endParaRPr lang="en-US" sz="2000" dirty="0"/>
           </a:p>
           <a:p>
             <a:pPr marL="0" indent="0">
               <a:buNone/>
             </a:pPr>
-            <a:r>
-              <a:rPr dirty="0"/>
+            <a:endParaRPr sz="2000" dirty="0"/>
+          </a:p>
+          <a:p>
+            <a:pPr marL="0" indent="0">
+              <a:buNone/>
+            </a:pPr>
+            <a:r>
+              <a:rPr sz="2000" dirty="0"/>
               <a:t>3. Forecasting:</a:t>
             </a:r>
-            <a:endParaRPr lang="en-US" dirty="0"/>
-          </a:p>
-          <a:p>
-            <a:r>
-              <a:rPr dirty="0"/>
+            <a:endParaRPr lang="en-US" sz="2000" dirty="0"/>
+          </a:p>
+          <a:p>
+            <a:r>
+              <a:rPr sz="2000" dirty="0"/>
               <a:t>Generated future dates and derived features (e.g., Year, Month).</a:t>
             </a:r>
-            <a:endParaRPr lang="en-US" dirty="0"/>
-          </a:p>
-          <a:p>
-            <a:r>
-              <a:rPr dirty="0"/>
+            <a:endParaRPr lang="en-US" sz="2000" dirty="0"/>
+          </a:p>
+          <a:p>
+            <a:r>
+              <a:rPr sz="2000" dirty="0"/>
               <a:t>Predicted Avg Consumption for the next 30 days using trained model.</a:t>
             </a:r>
           </a:p>
@@ -8499,8 +8499,8 @@
         </p:blipFill>
         <p:spPr>
           <a:xfrm>
-            <a:off x="7052604" y="1969477"/>
-            <a:ext cx="3474719" cy="3474402"/>
+            <a:off x="7052604" y="1477108"/>
+            <a:ext cx="4494626" cy="3966771"/>
           </a:xfrm>
           <a:prstGeom prst="rect">
             <a:avLst/>

--- a/DataEnggFinalProjectPPT.pptx
+++ b/DataEnggFinalProjectPPT.pptx
@@ -6,28 +6,29 @@
     <p:sldMasterId id="2147483673" r:id="rId2"/>
   </p:sldMasterIdLst>
   <p:notesMasterIdLst>
-    <p:notesMasterId r:id="rId22"/>
+    <p:notesMasterId r:id="rId23"/>
   </p:notesMasterIdLst>
   <p:sldIdLst>
-    <p:sldId id="266" r:id="rId3"/>
+    <p:sldId id="1607" r:id="rId3"/>
     <p:sldId id="273" r:id="rId4"/>
-    <p:sldId id="1608" r:id="rId5"/>
-    <p:sldId id="257" r:id="rId6"/>
-    <p:sldId id="258" r:id="rId7"/>
-    <p:sldId id="260" r:id="rId8"/>
-    <p:sldId id="259" r:id="rId9"/>
-    <p:sldId id="1614" r:id="rId10"/>
-    <p:sldId id="1615" r:id="rId11"/>
-    <p:sldId id="1612" r:id="rId12"/>
-    <p:sldId id="1609" r:id="rId13"/>
-    <p:sldId id="1610" r:id="rId14"/>
-    <p:sldId id="1611" r:id="rId15"/>
-    <p:sldId id="1616" r:id="rId16"/>
-    <p:sldId id="268" r:id="rId17"/>
-    <p:sldId id="269" r:id="rId18"/>
-    <p:sldId id="270" r:id="rId19"/>
-    <p:sldId id="1613" r:id="rId20"/>
-    <p:sldId id="265" r:id="rId21"/>
+    <p:sldId id="1619" r:id="rId5"/>
+    <p:sldId id="1620" r:id="rId6"/>
+    <p:sldId id="257" r:id="rId7"/>
+    <p:sldId id="258" r:id="rId8"/>
+    <p:sldId id="260" r:id="rId9"/>
+    <p:sldId id="259" r:id="rId10"/>
+    <p:sldId id="1614" r:id="rId11"/>
+    <p:sldId id="1615" r:id="rId12"/>
+    <p:sldId id="1612" r:id="rId13"/>
+    <p:sldId id="1609" r:id="rId14"/>
+    <p:sldId id="1610" r:id="rId15"/>
+    <p:sldId id="1611" r:id="rId16"/>
+    <p:sldId id="1616" r:id="rId17"/>
+    <p:sldId id="268" r:id="rId18"/>
+    <p:sldId id="269" r:id="rId19"/>
+    <p:sldId id="270" r:id="rId20"/>
+    <p:sldId id="1613" r:id="rId21"/>
+    <p:sldId id="265" r:id="rId22"/>
   </p:sldIdLst>
   <p:sldSz cx="12192000" cy="6858000"/>
   <p:notesSz cx="6858000" cy="9144000"/>
@@ -134,6 +135,5864 @@
 </p:presentation>
 </file>
 
+<file path=ppt/diagrams/colors1.xml><?xml version="1.0" encoding="utf-8"?>
+<dgm:colorsDef xmlns:dgm="http://schemas.openxmlformats.org/drawingml/2006/diagram" xmlns:a="http://schemas.openxmlformats.org/drawingml/2006/main" uniqueId="urn:microsoft.com/office/officeart/2018/5/colors/Iconchunking_neutralbg_accent1_2">
+  <dgm:title val=""/>
+  <dgm:desc val=""/>
+  <dgm:catLst>
+    <dgm:cat type="accent1" pri="11200"/>
+  </dgm:catLst>
+  <dgm:styleLbl name="node0">
+    <dgm:fillClrLst meth="repeat">
+      <a:schemeClr val="accent1"/>
+    </dgm:fillClrLst>
+    <dgm:linClrLst meth="repeat">
+      <a:schemeClr val="lt1"/>
+    </dgm:linClrLst>
+    <dgm:effectClrLst/>
+    <dgm:txLinClrLst/>
+    <dgm:txFillClrLst/>
+    <dgm:txEffectClrLst/>
+  </dgm:styleLbl>
+  <dgm:styleLbl name="alignNode1">
+    <dgm:fillClrLst meth="repeat">
+      <a:schemeClr val="accent1"/>
+    </dgm:fillClrLst>
+    <dgm:linClrLst meth="repeat">
+      <a:schemeClr val="accent1"/>
+    </dgm:linClrLst>
+    <dgm:effectClrLst/>
+    <dgm:txLinClrLst/>
+    <dgm:txFillClrLst/>
+    <dgm:txEffectClrLst/>
+  </dgm:styleLbl>
+  <dgm:styleLbl name="node1">
+    <dgm:fillClrLst meth="repeat">
+      <a:schemeClr val="accent1"/>
+    </dgm:fillClrLst>
+    <dgm:linClrLst meth="repeat">
+      <a:schemeClr val="lt1">
+        <a:alpha val="0"/>
+      </a:schemeClr>
+    </dgm:linClrLst>
+    <dgm:effectClrLst/>
+    <dgm:txLinClrLst/>
+    <dgm:txFillClrLst/>
+    <dgm:txEffectClrLst/>
+  </dgm:styleLbl>
+  <dgm:styleLbl name="lnNode1">
+    <dgm:fillClrLst meth="repeat">
+      <a:schemeClr val="accent1"/>
+    </dgm:fillClrLst>
+    <dgm:linClrLst meth="repeat">
+      <a:schemeClr val="lt1"/>
+    </dgm:linClrLst>
+    <dgm:effectClrLst/>
+    <dgm:txLinClrLst/>
+    <dgm:txFillClrLst/>
+    <dgm:txEffectClrLst/>
+  </dgm:styleLbl>
+  <dgm:styleLbl name="vennNode1">
+    <dgm:fillClrLst meth="repeat">
+      <a:schemeClr val="accent1">
+        <a:alpha val="50000"/>
+      </a:schemeClr>
+    </dgm:fillClrLst>
+    <dgm:linClrLst meth="repeat">
+      <a:schemeClr val="lt1"/>
+    </dgm:linClrLst>
+    <dgm:effectClrLst/>
+    <dgm:txLinClrLst/>
+    <dgm:txFillClrLst/>
+    <dgm:txEffectClrLst/>
+  </dgm:styleLbl>
+  <dgm:styleLbl name="node2">
+    <dgm:fillClrLst meth="repeat">
+      <a:schemeClr val="accent1"/>
+    </dgm:fillClrLst>
+    <dgm:linClrLst meth="repeat">
+      <a:schemeClr val="lt1"/>
+    </dgm:linClrLst>
+    <dgm:effectClrLst/>
+    <dgm:txLinClrLst/>
+    <dgm:txFillClrLst/>
+    <dgm:txEffectClrLst/>
+  </dgm:styleLbl>
+  <dgm:styleLbl name="node3">
+    <dgm:fillClrLst meth="repeat">
+      <a:schemeClr val="accent1"/>
+    </dgm:fillClrLst>
+    <dgm:linClrLst meth="repeat">
+      <a:schemeClr val="lt1"/>
+    </dgm:linClrLst>
+    <dgm:effectClrLst/>
+    <dgm:txLinClrLst/>
+    <dgm:txFillClrLst/>
+    <dgm:txEffectClrLst/>
+  </dgm:styleLbl>
+  <dgm:styleLbl name="node4">
+    <dgm:fillClrLst meth="repeat">
+      <a:schemeClr val="accent1"/>
+    </dgm:fillClrLst>
+    <dgm:linClrLst meth="repeat">
+      <a:schemeClr val="lt1"/>
+    </dgm:linClrLst>
+    <dgm:effectClrLst/>
+    <dgm:txLinClrLst/>
+    <dgm:txFillClrLst/>
+    <dgm:txEffectClrLst/>
+  </dgm:styleLbl>
+  <dgm:styleLbl name="fgImgPlace1">
+    <dgm:fillClrLst meth="repeat">
+      <a:schemeClr val="accent1">
+        <a:tint val="50000"/>
+      </a:schemeClr>
+    </dgm:fillClrLst>
+    <dgm:linClrLst meth="repeat">
+      <a:schemeClr val="lt1"/>
+    </dgm:linClrLst>
+    <dgm:effectClrLst/>
+    <dgm:txLinClrLst/>
+    <dgm:txFillClrLst meth="repeat">
+      <a:schemeClr val="lt1"/>
+    </dgm:txFillClrLst>
+    <dgm:txEffectClrLst/>
+  </dgm:styleLbl>
+  <dgm:styleLbl name="alignImgPlace1">
+    <dgm:fillClrLst meth="repeat">
+      <a:schemeClr val="accent1">
+        <a:tint val="50000"/>
+      </a:schemeClr>
+    </dgm:fillClrLst>
+    <dgm:linClrLst meth="repeat">
+      <a:schemeClr val="lt1"/>
+    </dgm:linClrLst>
+    <dgm:effectClrLst/>
+    <dgm:txLinClrLst/>
+    <dgm:txFillClrLst meth="repeat">
+      <a:schemeClr val="lt1"/>
+    </dgm:txFillClrLst>
+    <dgm:txEffectClrLst/>
+  </dgm:styleLbl>
+  <dgm:styleLbl name="bgImgPlace1">
+    <dgm:fillClrLst meth="repeat">
+      <a:schemeClr val="accent1">
+        <a:tint val="50000"/>
+      </a:schemeClr>
+    </dgm:fillClrLst>
+    <dgm:linClrLst meth="repeat">
+      <a:schemeClr val="lt1"/>
+    </dgm:linClrLst>
+    <dgm:effectClrLst/>
+    <dgm:txLinClrLst/>
+    <dgm:txFillClrLst meth="repeat">
+      <a:schemeClr val="lt1"/>
+    </dgm:txFillClrLst>
+    <dgm:txEffectClrLst/>
+  </dgm:styleLbl>
+  <dgm:styleLbl name="sibTrans2D1">
+    <dgm:fillClrLst meth="repeat">
+      <a:schemeClr val="accent1">
+        <a:tint val="60000"/>
+      </a:schemeClr>
+    </dgm:fillClrLst>
+    <dgm:linClrLst meth="repeat">
+      <a:schemeClr val="accent1">
+        <a:tint val="60000"/>
+      </a:schemeClr>
+    </dgm:linClrLst>
+    <dgm:effectClrLst/>
+    <dgm:txLinClrLst/>
+    <dgm:txFillClrLst/>
+    <dgm:txEffectClrLst/>
+  </dgm:styleLbl>
+  <dgm:styleLbl name="fgSibTrans2D1">
+    <dgm:fillClrLst meth="repeat">
+      <a:schemeClr val="accent1">
+        <a:tint val="60000"/>
+      </a:schemeClr>
+    </dgm:fillClrLst>
+    <dgm:linClrLst meth="repeat">
+      <a:schemeClr val="accent1">
+        <a:tint val="60000"/>
+      </a:schemeClr>
+    </dgm:linClrLst>
+    <dgm:effectClrLst/>
+    <dgm:txLinClrLst/>
+    <dgm:txFillClrLst/>
+    <dgm:txEffectClrLst/>
+  </dgm:styleLbl>
+  <dgm:styleLbl name="bgSibTrans2D1">
+    <dgm:fillClrLst meth="repeat">
+      <a:schemeClr val="accent1">
+        <a:tint val="60000"/>
+      </a:schemeClr>
+    </dgm:fillClrLst>
+    <dgm:linClrLst meth="repeat">
+      <a:schemeClr val="accent1">
+        <a:tint val="60000"/>
+      </a:schemeClr>
+    </dgm:linClrLst>
+    <dgm:effectClrLst/>
+    <dgm:txLinClrLst/>
+    <dgm:txFillClrLst/>
+    <dgm:txEffectClrLst/>
+  </dgm:styleLbl>
+  <dgm:styleLbl name="sibTrans1D1">
+    <dgm:fillClrLst meth="repeat">
+      <a:schemeClr val="accent1"/>
+    </dgm:fillClrLst>
+    <dgm:linClrLst meth="repeat">
+      <a:schemeClr val="accent1"/>
+    </dgm:linClrLst>
+    <dgm:effectClrLst/>
+    <dgm:txLinClrLst/>
+    <dgm:txFillClrLst meth="repeat">
+      <a:schemeClr val="tx1"/>
+    </dgm:txFillClrLst>
+    <dgm:txEffectClrLst/>
+  </dgm:styleLbl>
+  <dgm:styleLbl name="callout">
+    <dgm:fillClrLst meth="repeat">
+      <a:schemeClr val="accent1"/>
+    </dgm:fillClrLst>
+    <dgm:linClrLst meth="repeat">
+      <a:schemeClr val="accent1">
+        <a:tint val="50000"/>
+      </a:schemeClr>
+    </dgm:linClrLst>
+    <dgm:effectClrLst/>
+    <dgm:txLinClrLst/>
+    <dgm:txFillClrLst meth="repeat">
+      <a:schemeClr val="tx1"/>
+    </dgm:txFillClrLst>
+    <dgm:txEffectClrLst/>
+  </dgm:styleLbl>
+  <dgm:styleLbl name="asst0">
+    <dgm:fillClrLst meth="repeat">
+      <a:schemeClr val="accent1"/>
+    </dgm:fillClrLst>
+    <dgm:linClrLst meth="repeat">
+      <a:schemeClr val="lt1"/>
+    </dgm:linClrLst>
+    <dgm:effectClrLst/>
+    <dgm:txLinClrLst/>
+    <dgm:txFillClrLst/>
+    <dgm:txEffectClrLst/>
+  </dgm:styleLbl>
+  <dgm:styleLbl name="asst1">
+    <dgm:fillClrLst meth="repeat">
+      <a:schemeClr val="accent1"/>
+    </dgm:fillClrLst>
+    <dgm:linClrLst meth="repeat">
+      <a:schemeClr val="lt1"/>
+    </dgm:linClrLst>
+    <dgm:effectClrLst/>
+    <dgm:txLinClrLst/>
+    <dgm:txFillClrLst/>
+    <dgm:txEffectClrLst/>
+  </dgm:styleLbl>
+  <dgm:styleLbl name="asst2">
+    <dgm:fillClrLst meth="repeat">
+      <a:schemeClr val="accent1"/>
+    </dgm:fillClrLst>
+    <dgm:linClrLst meth="repeat">
+      <a:schemeClr val="lt1"/>
+    </dgm:linClrLst>
+    <dgm:effectClrLst/>
+    <dgm:txLinClrLst/>
+    <dgm:txFillClrLst/>
+    <dgm:txEffectClrLst/>
+  </dgm:styleLbl>
+  <dgm:styleLbl name="asst3">
+    <dgm:fillClrLst meth="repeat">
+      <a:schemeClr val="accent1"/>
+    </dgm:fillClrLst>
+    <dgm:linClrLst meth="repeat">
+      <a:schemeClr val="lt1"/>
+    </dgm:linClrLst>
+    <dgm:effectClrLst/>
+    <dgm:txLinClrLst/>
+    <dgm:txFillClrLst/>
+    <dgm:txEffectClrLst/>
+  </dgm:styleLbl>
+  <dgm:styleLbl name="asst4">
+    <dgm:fillClrLst meth="repeat">
+      <a:schemeClr val="accent1"/>
+    </dgm:fillClrLst>
+    <dgm:linClrLst meth="repeat">
+      <a:schemeClr val="lt1"/>
+    </dgm:linClrLst>
+    <dgm:effectClrLst/>
+    <dgm:txLinClrLst/>
+    <dgm:txFillClrLst/>
+    <dgm:txEffectClrLst/>
+  </dgm:styleLbl>
+  <dgm:styleLbl name="parChTrans2D1">
+    <dgm:fillClrLst meth="repeat">
+      <a:schemeClr val="accent1">
+        <a:tint val="60000"/>
+      </a:schemeClr>
+    </dgm:fillClrLst>
+    <dgm:linClrLst meth="repeat">
+      <a:schemeClr val="accent1">
+        <a:tint val="60000"/>
+      </a:schemeClr>
+    </dgm:linClrLst>
+    <dgm:effectClrLst/>
+    <dgm:txLinClrLst/>
+    <dgm:txFillClrLst meth="repeat">
+      <a:schemeClr val="lt1"/>
+    </dgm:txFillClrLst>
+    <dgm:txEffectClrLst/>
+  </dgm:styleLbl>
+  <dgm:styleLbl name="parChTrans2D2">
+    <dgm:fillClrLst meth="repeat">
+      <a:schemeClr val="accent1"/>
+    </dgm:fillClrLst>
+    <dgm:linClrLst meth="repeat">
+      <a:schemeClr val="accent1"/>
+    </dgm:linClrLst>
+    <dgm:effectClrLst/>
+    <dgm:txLinClrLst/>
+    <dgm:txFillClrLst meth="repeat">
+      <a:schemeClr val="lt1"/>
+    </dgm:txFillClrLst>
+    <dgm:txEffectClrLst/>
+  </dgm:styleLbl>
+  <dgm:styleLbl name="parChTrans2D3">
+    <dgm:fillClrLst meth="repeat">
+      <a:schemeClr val="accent1"/>
+    </dgm:fillClrLst>
+    <dgm:linClrLst meth="repeat">
+      <a:schemeClr val="accent1"/>
+    </dgm:linClrLst>
+    <dgm:effectClrLst/>
+    <dgm:txLinClrLst/>
+    <dgm:txFillClrLst meth="repeat">
+      <a:schemeClr val="lt1"/>
+    </dgm:txFillClrLst>
+    <dgm:txEffectClrLst/>
+  </dgm:styleLbl>
+  <dgm:styleLbl name="parChTrans2D4">
+    <dgm:fillClrLst meth="repeat">
+      <a:schemeClr val="accent1"/>
+    </dgm:fillClrLst>
+    <dgm:linClrLst meth="repeat">
+      <a:schemeClr val="accent1"/>
+    </dgm:linClrLst>
+    <dgm:effectClrLst/>
+    <dgm:txLinClrLst/>
+    <dgm:txFillClrLst meth="repeat">
+      <a:schemeClr val="lt1"/>
+    </dgm:txFillClrLst>
+    <dgm:txEffectClrLst/>
+  </dgm:styleLbl>
+  <dgm:styleLbl name="parChTrans1D1">
+    <dgm:fillClrLst meth="repeat">
+      <a:schemeClr val="accent1"/>
+    </dgm:fillClrLst>
+    <dgm:linClrLst meth="repeat">
+      <a:schemeClr val="accent1">
+        <a:shade val="60000"/>
+      </a:schemeClr>
+    </dgm:linClrLst>
+    <dgm:effectClrLst/>
+    <dgm:txLinClrLst/>
+    <dgm:txFillClrLst meth="repeat">
+      <a:schemeClr val="tx1"/>
+    </dgm:txFillClrLst>
+    <dgm:txEffectClrLst/>
+  </dgm:styleLbl>
+  <dgm:styleLbl name="parChTrans1D2">
+    <dgm:fillClrLst meth="repeat">
+      <a:schemeClr val="accent1"/>
+    </dgm:fillClrLst>
+    <dgm:linClrLst meth="repeat">
+      <a:schemeClr val="accent1">
+        <a:shade val="60000"/>
+      </a:schemeClr>
+    </dgm:linClrLst>
+    <dgm:effectClrLst/>
+    <dgm:txLinClrLst/>
+    <dgm:txFillClrLst meth="repeat">
+      <a:schemeClr val="tx1"/>
+    </dgm:txFillClrLst>
+    <dgm:txEffectClrLst/>
+  </dgm:styleLbl>
+  <dgm:styleLbl name="parChTrans1D3">
+    <dgm:fillClrLst meth="repeat">
+      <a:schemeClr val="accent1"/>
+    </dgm:fillClrLst>
+    <dgm:linClrLst meth="repeat">
+      <a:schemeClr val="accent1">
+        <a:shade val="80000"/>
+      </a:schemeClr>
+    </dgm:linClrLst>
+    <dgm:effectClrLst/>
+    <dgm:txLinClrLst/>
+    <dgm:txFillClrLst meth="repeat">
+      <a:schemeClr val="tx1"/>
+    </dgm:txFillClrLst>
+    <dgm:txEffectClrLst/>
+  </dgm:styleLbl>
+  <dgm:styleLbl name="parChTrans1D4">
+    <dgm:fillClrLst meth="repeat">
+      <a:schemeClr val="accent1"/>
+    </dgm:fillClrLst>
+    <dgm:linClrLst meth="repeat">
+      <a:schemeClr val="accent1">
+        <a:shade val="80000"/>
+      </a:schemeClr>
+    </dgm:linClrLst>
+    <dgm:effectClrLst/>
+    <dgm:txLinClrLst/>
+    <dgm:txFillClrLst meth="repeat">
+      <a:schemeClr val="tx1"/>
+    </dgm:txFillClrLst>
+    <dgm:txEffectClrLst/>
+  </dgm:styleLbl>
+  <dgm:styleLbl name="fgAcc1">
+    <dgm:fillClrLst meth="repeat">
+      <a:schemeClr val="lt1">
+        <a:alpha val="90000"/>
+      </a:schemeClr>
+    </dgm:fillClrLst>
+    <dgm:linClrLst meth="repeat">
+      <a:schemeClr val="accent1"/>
+    </dgm:linClrLst>
+    <dgm:effectClrLst/>
+    <dgm:txLinClrLst/>
+    <dgm:txFillClrLst meth="repeat">
+      <a:schemeClr val="dk1"/>
+    </dgm:txFillClrLst>
+    <dgm:txEffectClrLst/>
+  </dgm:styleLbl>
+  <dgm:styleLbl name="conFgAcc1">
+    <dgm:fillClrLst meth="repeat">
+      <a:schemeClr val="lt1">
+        <a:alpha val="90000"/>
+      </a:schemeClr>
+    </dgm:fillClrLst>
+    <dgm:linClrLst meth="repeat">
+      <a:schemeClr val="accent1"/>
+    </dgm:linClrLst>
+    <dgm:effectClrLst/>
+    <dgm:txLinClrLst/>
+    <dgm:txFillClrLst meth="repeat">
+      <a:schemeClr val="dk1"/>
+    </dgm:txFillClrLst>
+    <dgm:txEffectClrLst/>
+  </dgm:styleLbl>
+  <dgm:styleLbl name="alignAcc1">
+    <dgm:fillClrLst meth="repeat">
+      <a:schemeClr val="lt1">
+        <a:alpha val="90000"/>
+      </a:schemeClr>
+    </dgm:fillClrLst>
+    <dgm:linClrLst meth="repeat">
+      <a:schemeClr val="accent1"/>
+    </dgm:linClrLst>
+    <dgm:effectClrLst/>
+    <dgm:txLinClrLst/>
+    <dgm:txFillClrLst meth="repeat">
+      <a:schemeClr val="dk1"/>
+    </dgm:txFillClrLst>
+    <dgm:txEffectClrLst/>
+  </dgm:styleLbl>
+  <dgm:styleLbl name="trAlignAcc1">
+    <dgm:fillClrLst meth="repeat">
+      <a:schemeClr val="lt1">
+        <a:alpha val="40000"/>
+      </a:schemeClr>
+    </dgm:fillClrLst>
+    <dgm:linClrLst meth="repeat">
+      <a:schemeClr val="accent1"/>
+    </dgm:linClrLst>
+    <dgm:effectClrLst/>
+    <dgm:txLinClrLst/>
+    <dgm:txFillClrLst meth="repeat">
+      <a:schemeClr val="dk1"/>
+    </dgm:txFillClrLst>
+    <dgm:txEffectClrLst/>
+  </dgm:styleLbl>
+  <dgm:styleLbl name="bgAcc1">
+    <dgm:fillClrLst meth="repeat">
+      <a:schemeClr val="lt1">
+        <a:alpha val="90000"/>
+      </a:schemeClr>
+    </dgm:fillClrLst>
+    <dgm:linClrLst meth="repeat">
+      <a:schemeClr val="accent1"/>
+    </dgm:linClrLst>
+    <dgm:effectClrLst/>
+    <dgm:txLinClrLst/>
+    <dgm:txFillClrLst meth="repeat">
+      <a:schemeClr val="dk1"/>
+    </dgm:txFillClrLst>
+    <dgm:txEffectClrLst/>
+  </dgm:styleLbl>
+  <dgm:styleLbl name="solidFgAcc1">
+    <dgm:fillClrLst meth="repeat">
+      <a:schemeClr val="lt1"/>
+    </dgm:fillClrLst>
+    <dgm:linClrLst meth="repeat">
+      <a:schemeClr val="accent1"/>
+    </dgm:linClrLst>
+    <dgm:effectClrLst/>
+    <dgm:txLinClrLst/>
+    <dgm:txFillClrLst meth="repeat">
+      <a:schemeClr val="dk1"/>
+    </dgm:txFillClrLst>
+    <dgm:txEffectClrLst/>
+  </dgm:styleLbl>
+  <dgm:styleLbl name="solidAlignAcc1">
+    <dgm:fillClrLst meth="repeat">
+      <a:schemeClr val="lt1"/>
+    </dgm:fillClrLst>
+    <dgm:linClrLst meth="repeat">
+      <a:schemeClr val="accent1"/>
+    </dgm:linClrLst>
+    <dgm:effectClrLst/>
+    <dgm:txLinClrLst/>
+    <dgm:txFillClrLst meth="repeat">
+      <a:schemeClr val="dk1"/>
+    </dgm:txFillClrLst>
+    <dgm:txEffectClrLst/>
+  </dgm:styleLbl>
+  <dgm:styleLbl name="solidBgAcc1">
+    <dgm:fillClrLst meth="repeat">
+      <a:schemeClr val="lt1"/>
+    </dgm:fillClrLst>
+    <dgm:linClrLst meth="repeat">
+      <a:schemeClr val="accent1"/>
+    </dgm:linClrLst>
+    <dgm:effectClrLst/>
+    <dgm:txLinClrLst/>
+    <dgm:txFillClrLst meth="repeat">
+      <a:schemeClr val="dk1"/>
+    </dgm:txFillClrLst>
+    <dgm:txEffectClrLst/>
+  </dgm:styleLbl>
+  <dgm:styleLbl name="fgAccFollowNode1">
+    <dgm:fillClrLst meth="repeat">
+      <a:schemeClr val="accent1">
+        <a:alpha val="90000"/>
+        <a:tint val="40000"/>
+      </a:schemeClr>
+    </dgm:fillClrLst>
+    <dgm:linClrLst meth="repeat">
+      <a:schemeClr val="accent1">
+        <a:alpha val="90000"/>
+        <a:tint val="40000"/>
+      </a:schemeClr>
+    </dgm:linClrLst>
+    <dgm:effectClrLst/>
+    <dgm:txLinClrLst/>
+    <dgm:txFillClrLst meth="repeat">
+      <a:schemeClr val="dk1"/>
+    </dgm:txFillClrLst>
+    <dgm:txEffectClrLst/>
+  </dgm:styleLbl>
+  <dgm:styleLbl name="alignAccFollowNode1">
+    <dgm:fillClrLst meth="repeat">
+      <a:schemeClr val="accent1">
+        <a:alpha val="90000"/>
+        <a:tint val="40000"/>
+      </a:schemeClr>
+    </dgm:fillClrLst>
+    <dgm:linClrLst meth="repeat">
+      <a:schemeClr val="accent1">
+        <a:alpha val="90000"/>
+        <a:tint val="40000"/>
+      </a:schemeClr>
+    </dgm:linClrLst>
+    <dgm:effectClrLst/>
+    <dgm:txLinClrLst/>
+    <dgm:txFillClrLst meth="repeat">
+      <a:schemeClr val="dk1"/>
+    </dgm:txFillClrLst>
+    <dgm:txEffectClrLst/>
+  </dgm:styleLbl>
+  <dgm:styleLbl name="bgAccFollowNode1">
+    <dgm:fillClrLst meth="repeat">
+      <a:schemeClr val="accent1">
+        <a:alpha val="90000"/>
+        <a:tint val="40000"/>
+      </a:schemeClr>
+    </dgm:fillClrLst>
+    <dgm:linClrLst meth="repeat">
+      <a:schemeClr val="accent1">
+        <a:alpha val="90000"/>
+        <a:tint val="40000"/>
+      </a:schemeClr>
+    </dgm:linClrLst>
+    <dgm:effectClrLst/>
+    <dgm:txLinClrLst/>
+    <dgm:txFillClrLst meth="repeat">
+      <a:schemeClr val="dk1"/>
+    </dgm:txFillClrLst>
+    <dgm:txEffectClrLst/>
+  </dgm:styleLbl>
+  <dgm:styleLbl name="fgAcc0">
+    <dgm:fillClrLst meth="repeat">
+      <a:schemeClr val="lt1">
+        <a:alpha val="90000"/>
+      </a:schemeClr>
+    </dgm:fillClrLst>
+    <dgm:linClrLst meth="repeat">
+      <a:schemeClr val="accent1"/>
+    </dgm:linClrLst>
+    <dgm:effectClrLst/>
+    <dgm:txLinClrLst/>
+    <dgm:txFillClrLst meth="repeat">
+      <a:schemeClr val="dk1"/>
+    </dgm:txFillClrLst>
+    <dgm:txEffectClrLst/>
+  </dgm:styleLbl>
+  <dgm:styleLbl name="fgAcc2">
+    <dgm:fillClrLst meth="repeat">
+      <a:schemeClr val="lt1">
+        <a:alpha val="90000"/>
+      </a:schemeClr>
+    </dgm:fillClrLst>
+    <dgm:linClrLst meth="repeat">
+      <a:schemeClr val="accent1"/>
+    </dgm:linClrLst>
+    <dgm:effectClrLst/>
+    <dgm:txLinClrLst/>
+    <dgm:txFillClrLst meth="repeat">
+      <a:schemeClr val="dk1"/>
+    </dgm:txFillClrLst>
+    <dgm:txEffectClrLst/>
+  </dgm:styleLbl>
+  <dgm:styleLbl name="fgAcc3">
+    <dgm:fillClrLst meth="repeat">
+      <a:schemeClr val="lt1">
+        <a:alpha val="90000"/>
+      </a:schemeClr>
+    </dgm:fillClrLst>
+    <dgm:linClrLst meth="repeat">
+      <a:schemeClr val="accent1"/>
+    </dgm:linClrLst>
+    <dgm:effectClrLst/>
+    <dgm:txLinClrLst/>
+    <dgm:txFillClrLst meth="repeat">
+      <a:schemeClr val="dk1"/>
+    </dgm:txFillClrLst>
+    <dgm:txEffectClrLst/>
+  </dgm:styleLbl>
+  <dgm:styleLbl name="fgAcc4">
+    <dgm:fillClrLst meth="repeat">
+      <a:schemeClr val="lt1">
+        <a:alpha val="90000"/>
+      </a:schemeClr>
+    </dgm:fillClrLst>
+    <dgm:linClrLst meth="repeat">
+      <a:schemeClr val="accent1"/>
+    </dgm:linClrLst>
+    <dgm:effectClrLst/>
+    <dgm:txLinClrLst/>
+    <dgm:txFillClrLst meth="repeat">
+      <a:schemeClr val="dk1"/>
+    </dgm:txFillClrLst>
+    <dgm:txEffectClrLst/>
+  </dgm:styleLbl>
+  <dgm:styleLbl name="bgShp">
+    <dgm:fillClrLst meth="repeat">
+      <a:schemeClr val="bg1">
+        <a:lumMod val="95000"/>
+      </a:schemeClr>
+    </dgm:fillClrLst>
+    <dgm:linClrLst meth="repeat">
+      <a:schemeClr val="accent1"/>
+    </dgm:linClrLst>
+    <dgm:effectClrLst/>
+    <dgm:txLinClrLst/>
+    <dgm:txFillClrLst meth="repeat">
+      <a:schemeClr val="dk1"/>
+    </dgm:txFillClrLst>
+    <dgm:txEffectClrLst/>
+  </dgm:styleLbl>
+  <dgm:styleLbl name="dkBgShp">
+    <dgm:fillClrLst meth="repeat">
+      <a:schemeClr val="accent1">
+        <a:shade val="80000"/>
+      </a:schemeClr>
+    </dgm:fillClrLst>
+    <dgm:linClrLst meth="repeat">
+      <a:schemeClr val="accent1"/>
+    </dgm:linClrLst>
+    <dgm:effectClrLst/>
+    <dgm:txLinClrLst/>
+    <dgm:txFillClrLst meth="repeat">
+      <a:schemeClr val="lt1"/>
+    </dgm:txFillClrLst>
+    <dgm:txEffectClrLst/>
+  </dgm:styleLbl>
+  <dgm:styleLbl name="trBgShp">
+    <dgm:fillClrLst meth="repeat">
+      <a:schemeClr val="accent1">
+        <a:tint val="50000"/>
+        <a:alpha val="40000"/>
+      </a:schemeClr>
+    </dgm:fillClrLst>
+    <dgm:linClrLst meth="repeat">
+      <a:schemeClr val="accent1"/>
+    </dgm:linClrLst>
+    <dgm:effectClrLst/>
+    <dgm:txLinClrLst/>
+    <dgm:txFillClrLst meth="repeat">
+      <a:schemeClr val="lt1"/>
+    </dgm:txFillClrLst>
+    <dgm:txEffectClrLst/>
+  </dgm:styleLbl>
+  <dgm:styleLbl name="fgShp">
+    <dgm:fillClrLst meth="repeat">
+      <a:schemeClr val="accent1">
+        <a:tint val="60000"/>
+      </a:schemeClr>
+    </dgm:fillClrLst>
+    <dgm:linClrLst meth="repeat">
+      <a:schemeClr val="lt1"/>
+    </dgm:linClrLst>
+    <dgm:effectClrLst/>
+    <dgm:txLinClrLst/>
+    <dgm:txFillClrLst meth="repeat">
+      <a:schemeClr val="dk1"/>
+    </dgm:txFillClrLst>
+    <dgm:txEffectClrLst/>
+  </dgm:styleLbl>
+  <dgm:styleLbl name="revTx">
+    <dgm:fillClrLst meth="repeat">
+      <a:schemeClr val="lt1">
+        <a:alpha val="0"/>
+      </a:schemeClr>
+    </dgm:fillClrLst>
+    <dgm:linClrLst meth="repeat">
+      <a:schemeClr val="dk1">
+        <a:alpha val="0"/>
+      </a:schemeClr>
+    </dgm:linClrLst>
+    <dgm:effectClrLst/>
+    <dgm:txLinClrLst/>
+    <dgm:txFillClrLst meth="repeat">
+      <a:schemeClr val="tx1"/>
+    </dgm:txFillClrLst>
+    <dgm:txEffectClrLst/>
+  </dgm:styleLbl>
+</dgm:colorsDef>
+</file>
+
+<file path=ppt/diagrams/colors2.xml><?xml version="1.0" encoding="utf-8"?>
+<dgm:colorsDef xmlns:dgm="http://schemas.openxmlformats.org/drawingml/2006/diagram" xmlns:a="http://schemas.openxmlformats.org/drawingml/2006/main" uniqueId="urn:microsoft.com/office/officeart/2005/8/colors/accent1_2">
+  <dgm:title val=""/>
+  <dgm:desc val=""/>
+  <dgm:catLst>
+    <dgm:cat type="accent1" pri="11200"/>
+  </dgm:catLst>
+  <dgm:styleLbl name="node0">
+    <dgm:fillClrLst meth="repeat">
+      <a:schemeClr val="accent1"/>
+    </dgm:fillClrLst>
+    <dgm:linClrLst meth="repeat">
+      <a:schemeClr val="lt1"/>
+    </dgm:linClrLst>
+    <dgm:effectClrLst/>
+    <dgm:txLinClrLst/>
+    <dgm:txFillClrLst/>
+    <dgm:txEffectClrLst/>
+  </dgm:styleLbl>
+  <dgm:styleLbl name="alignNode1">
+    <dgm:fillClrLst meth="repeat">
+      <a:schemeClr val="accent1"/>
+    </dgm:fillClrLst>
+    <dgm:linClrLst meth="repeat">
+      <a:schemeClr val="accent1"/>
+    </dgm:linClrLst>
+    <dgm:effectClrLst/>
+    <dgm:txLinClrLst/>
+    <dgm:txFillClrLst/>
+    <dgm:txEffectClrLst/>
+  </dgm:styleLbl>
+  <dgm:styleLbl name="node1">
+    <dgm:fillClrLst meth="repeat">
+      <a:schemeClr val="accent1"/>
+    </dgm:fillClrLst>
+    <dgm:linClrLst meth="repeat">
+      <a:schemeClr val="lt1"/>
+    </dgm:linClrLst>
+    <dgm:effectClrLst/>
+    <dgm:txLinClrLst/>
+    <dgm:txFillClrLst/>
+    <dgm:txEffectClrLst/>
+  </dgm:styleLbl>
+  <dgm:styleLbl name="lnNode1">
+    <dgm:fillClrLst meth="repeat">
+      <a:schemeClr val="accent1"/>
+    </dgm:fillClrLst>
+    <dgm:linClrLst meth="repeat">
+      <a:schemeClr val="lt1"/>
+    </dgm:linClrLst>
+    <dgm:effectClrLst/>
+    <dgm:txLinClrLst/>
+    <dgm:txFillClrLst/>
+    <dgm:txEffectClrLst/>
+  </dgm:styleLbl>
+  <dgm:styleLbl name="vennNode1">
+    <dgm:fillClrLst meth="repeat">
+      <a:schemeClr val="accent1">
+        <a:alpha val="50000"/>
+      </a:schemeClr>
+    </dgm:fillClrLst>
+    <dgm:linClrLst meth="repeat">
+      <a:schemeClr val="lt1"/>
+    </dgm:linClrLst>
+    <dgm:effectClrLst/>
+    <dgm:txLinClrLst/>
+    <dgm:txFillClrLst/>
+    <dgm:txEffectClrLst/>
+  </dgm:styleLbl>
+  <dgm:styleLbl name="node2">
+    <dgm:fillClrLst meth="repeat">
+      <a:schemeClr val="accent1"/>
+    </dgm:fillClrLst>
+    <dgm:linClrLst meth="repeat">
+      <a:schemeClr val="lt1"/>
+    </dgm:linClrLst>
+    <dgm:effectClrLst/>
+    <dgm:txLinClrLst/>
+    <dgm:txFillClrLst/>
+    <dgm:txEffectClrLst/>
+  </dgm:styleLbl>
+  <dgm:styleLbl name="node3">
+    <dgm:fillClrLst meth="repeat">
+      <a:schemeClr val="accent1"/>
+    </dgm:fillClrLst>
+    <dgm:linClrLst meth="repeat">
+      <a:schemeClr val="lt1"/>
+    </dgm:linClrLst>
+    <dgm:effectClrLst/>
+    <dgm:txLinClrLst/>
+    <dgm:txFillClrLst/>
+    <dgm:txEffectClrLst/>
+  </dgm:styleLbl>
+  <dgm:styleLbl name="node4">
+    <dgm:fillClrLst meth="repeat">
+      <a:schemeClr val="accent1"/>
+    </dgm:fillClrLst>
+    <dgm:linClrLst meth="repeat">
+      <a:schemeClr val="lt1"/>
+    </dgm:linClrLst>
+    <dgm:effectClrLst/>
+    <dgm:txLinClrLst/>
+    <dgm:txFillClrLst/>
+    <dgm:txEffectClrLst/>
+  </dgm:styleLbl>
+  <dgm:styleLbl name="fgImgPlace1">
+    <dgm:fillClrLst meth="repeat">
+      <a:schemeClr val="accent1">
+        <a:tint val="50000"/>
+      </a:schemeClr>
+    </dgm:fillClrLst>
+    <dgm:linClrLst meth="repeat">
+      <a:schemeClr val="lt1"/>
+    </dgm:linClrLst>
+    <dgm:effectClrLst/>
+    <dgm:txLinClrLst/>
+    <dgm:txFillClrLst meth="repeat">
+      <a:schemeClr val="lt1"/>
+    </dgm:txFillClrLst>
+    <dgm:txEffectClrLst/>
+  </dgm:styleLbl>
+  <dgm:styleLbl name="alignImgPlace1">
+    <dgm:fillClrLst meth="repeat">
+      <a:schemeClr val="accent1">
+        <a:tint val="50000"/>
+      </a:schemeClr>
+    </dgm:fillClrLst>
+    <dgm:linClrLst meth="repeat">
+      <a:schemeClr val="lt1"/>
+    </dgm:linClrLst>
+    <dgm:effectClrLst/>
+    <dgm:txLinClrLst/>
+    <dgm:txFillClrLst meth="repeat">
+      <a:schemeClr val="lt1"/>
+    </dgm:txFillClrLst>
+    <dgm:txEffectClrLst/>
+  </dgm:styleLbl>
+  <dgm:styleLbl name="bgImgPlace1">
+    <dgm:fillClrLst meth="repeat">
+      <a:schemeClr val="accent1">
+        <a:tint val="50000"/>
+      </a:schemeClr>
+    </dgm:fillClrLst>
+    <dgm:linClrLst meth="repeat">
+      <a:schemeClr val="lt1"/>
+    </dgm:linClrLst>
+    <dgm:effectClrLst/>
+    <dgm:txLinClrLst/>
+    <dgm:txFillClrLst meth="repeat">
+      <a:schemeClr val="lt1"/>
+    </dgm:txFillClrLst>
+    <dgm:txEffectClrLst/>
+  </dgm:styleLbl>
+  <dgm:styleLbl name="sibTrans2D1">
+    <dgm:fillClrLst meth="repeat">
+      <a:schemeClr val="accent1">
+        <a:tint val="60000"/>
+      </a:schemeClr>
+    </dgm:fillClrLst>
+    <dgm:linClrLst meth="repeat">
+      <a:schemeClr val="accent1">
+        <a:tint val="60000"/>
+      </a:schemeClr>
+    </dgm:linClrLst>
+    <dgm:effectClrLst/>
+    <dgm:txLinClrLst/>
+    <dgm:txFillClrLst/>
+    <dgm:txEffectClrLst/>
+  </dgm:styleLbl>
+  <dgm:styleLbl name="fgSibTrans2D1">
+    <dgm:fillClrLst meth="repeat">
+      <a:schemeClr val="accent1">
+        <a:tint val="60000"/>
+      </a:schemeClr>
+    </dgm:fillClrLst>
+    <dgm:linClrLst meth="repeat">
+      <a:schemeClr val="accent1">
+        <a:tint val="60000"/>
+      </a:schemeClr>
+    </dgm:linClrLst>
+    <dgm:effectClrLst/>
+    <dgm:txLinClrLst/>
+    <dgm:txFillClrLst/>
+    <dgm:txEffectClrLst/>
+  </dgm:styleLbl>
+  <dgm:styleLbl name="bgSibTrans2D1">
+    <dgm:fillClrLst meth="repeat">
+      <a:schemeClr val="accent1">
+        <a:tint val="60000"/>
+      </a:schemeClr>
+    </dgm:fillClrLst>
+    <dgm:linClrLst meth="repeat">
+      <a:schemeClr val="accent1">
+        <a:tint val="60000"/>
+      </a:schemeClr>
+    </dgm:linClrLst>
+    <dgm:effectClrLst/>
+    <dgm:txLinClrLst/>
+    <dgm:txFillClrLst/>
+    <dgm:txEffectClrLst/>
+  </dgm:styleLbl>
+  <dgm:styleLbl name="sibTrans1D1">
+    <dgm:fillClrLst meth="repeat">
+      <a:schemeClr val="accent1"/>
+    </dgm:fillClrLst>
+    <dgm:linClrLst meth="repeat">
+      <a:schemeClr val="accent1"/>
+    </dgm:linClrLst>
+    <dgm:effectClrLst/>
+    <dgm:txLinClrLst/>
+    <dgm:txFillClrLst meth="repeat">
+      <a:schemeClr val="tx1"/>
+    </dgm:txFillClrLst>
+    <dgm:txEffectClrLst/>
+  </dgm:styleLbl>
+  <dgm:styleLbl name="callout">
+    <dgm:fillClrLst meth="repeat">
+      <a:schemeClr val="accent1"/>
+    </dgm:fillClrLst>
+    <dgm:linClrLst meth="repeat">
+      <a:schemeClr val="accent1">
+        <a:tint val="50000"/>
+      </a:schemeClr>
+    </dgm:linClrLst>
+    <dgm:effectClrLst/>
+    <dgm:txLinClrLst/>
+    <dgm:txFillClrLst meth="repeat">
+      <a:schemeClr val="tx1"/>
+    </dgm:txFillClrLst>
+    <dgm:txEffectClrLst/>
+  </dgm:styleLbl>
+  <dgm:styleLbl name="asst0">
+    <dgm:fillClrLst meth="repeat">
+      <a:schemeClr val="accent1"/>
+    </dgm:fillClrLst>
+    <dgm:linClrLst meth="repeat">
+      <a:schemeClr val="lt1"/>
+    </dgm:linClrLst>
+    <dgm:effectClrLst/>
+    <dgm:txLinClrLst/>
+    <dgm:txFillClrLst/>
+    <dgm:txEffectClrLst/>
+  </dgm:styleLbl>
+  <dgm:styleLbl name="asst1">
+    <dgm:fillClrLst meth="repeat">
+      <a:schemeClr val="accent1"/>
+    </dgm:fillClrLst>
+    <dgm:linClrLst meth="repeat">
+      <a:schemeClr val="lt1"/>
+    </dgm:linClrLst>
+    <dgm:effectClrLst/>
+    <dgm:txLinClrLst/>
+    <dgm:txFillClrLst/>
+    <dgm:txEffectClrLst/>
+  </dgm:styleLbl>
+  <dgm:styleLbl name="asst2">
+    <dgm:fillClrLst meth="repeat">
+      <a:schemeClr val="accent1"/>
+    </dgm:fillClrLst>
+    <dgm:linClrLst meth="repeat">
+      <a:schemeClr val="lt1"/>
+    </dgm:linClrLst>
+    <dgm:effectClrLst/>
+    <dgm:txLinClrLst/>
+    <dgm:txFillClrLst/>
+    <dgm:txEffectClrLst/>
+  </dgm:styleLbl>
+  <dgm:styleLbl name="asst3">
+    <dgm:fillClrLst meth="repeat">
+      <a:schemeClr val="accent1"/>
+    </dgm:fillClrLst>
+    <dgm:linClrLst meth="repeat">
+      <a:schemeClr val="lt1"/>
+    </dgm:linClrLst>
+    <dgm:effectClrLst/>
+    <dgm:txLinClrLst/>
+    <dgm:txFillClrLst/>
+    <dgm:txEffectClrLst/>
+  </dgm:styleLbl>
+  <dgm:styleLbl name="asst4">
+    <dgm:fillClrLst meth="repeat">
+      <a:schemeClr val="accent1"/>
+    </dgm:fillClrLst>
+    <dgm:linClrLst meth="repeat">
+      <a:schemeClr val="lt1"/>
+    </dgm:linClrLst>
+    <dgm:effectClrLst/>
+    <dgm:txLinClrLst/>
+    <dgm:txFillClrLst/>
+    <dgm:txEffectClrLst/>
+  </dgm:styleLbl>
+  <dgm:styleLbl name="parChTrans2D1">
+    <dgm:fillClrLst meth="repeat">
+      <a:schemeClr val="accent1">
+        <a:tint val="60000"/>
+      </a:schemeClr>
+    </dgm:fillClrLst>
+    <dgm:linClrLst meth="repeat">
+      <a:schemeClr val="accent1">
+        <a:tint val="60000"/>
+      </a:schemeClr>
+    </dgm:linClrLst>
+    <dgm:effectClrLst/>
+    <dgm:txLinClrLst/>
+    <dgm:txFillClrLst meth="repeat">
+      <a:schemeClr val="lt1"/>
+    </dgm:txFillClrLst>
+    <dgm:txEffectClrLst/>
+  </dgm:styleLbl>
+  <dgm:styleLbl name="parChTrans2D2">
+    <dgm:fillClrLst meth="repeat">
+      <a:schemeClr val="accent1"/>
+    </dgm:fillClrLst>
+    <dgm:linClrLst meth="repeat">
+      <a:schemeClr val="accent1"/>
+    </dgm:linClrLst>
+    <dgm:effectClrLst/>
+    <dgm:txLinClrLst/>
+    <dgm:txFillClrLst meth="repeat">
+      <a:schemeClr val="lt1"/>
+    </dgm:txFillClrLst>
+    <dgm:txEffectClrLst/>
+  </dgm:styleLbl>
+  <dgm:styleLbl name="parChTrans2D3">
+    <dgm:fillClrLst meth="repeat">
+      <a:schemeClr val="accent1"/>
+    </dgm:fillClrLst>
+    <dgm:linClrLst meth="repeat">
+      <a:schemeClr val="accent1"/>
+    </dgm:linClrLst>
+    <dgm:effectClrLst/>
+    <dgm:txLinClrLst/>
+    <dgm:txFillClrLst meth="repeat">
+      <a:schemeClr val="lt1"/>
+    </dgm:txFillClrLst>
+    <dgm:txEffectClrLst/>
+  </dgm:styleLbl>
+  <dgm:styleLbl name="parChTrans2D4">
+    <dgm:fillClrLst meth="repeat">
+      <a:schemeClr val="accent1"/>
+    </dgm:fillClrLst>
+    <dgm:linClrLst meth="repeat">
+      <a:schemeClr val="accent1"/>
+    </dgm:linClrLst>
+    <dgm:effectClrLst/>
+    <dgm:txLinClrLst/>
+    <dgm:txFillClrLst meth="repeat">
+      <a:schemeClr val="lt1"/>
+    </dgm:txFillClrLst>
+    <dgm:txEffectClrLst/>
+  </dgm:styleLbl>
+  <dgm:styleLbl name="parChTrans1D1">
+    <dgm:fillClrLst meth="repeat">
+      <a:schemeClr val="accent1"/>
+    </dgm:fillClrLst>
+    <dgm:linClrLst meth="repeat">
+      <a:schemeClr val="accent1">
+        <a:shade val="60000"/>
+      </a:schemeClr>
+    </dgm:linClrLst>
+    <dgm:effectClrLst/>
+    <dgm:txLinClrLst/>
+    <dgm:txFillClrLst meth="repeat">
+      <a:schemeClr val="tx1"/>
+    </dgm:txFillClrLst>
+    <dgm:txEffectClrLst/>
+  </dgm:styleLbl>
+  <dgm:styleLbl name="parChTrans1D2">
+    <dgm:fillClrLst meth="repeat">
+      <a:schemeClr val="accent1"/>
+    </dgm:fillClrLst>
+    <dgm:linClrLst meth="repeat">
+      <a:schemeClr val="accent1">
+        <a:shade val="60000"/>
+      </a:schemeClr>
+    </dgm:linClrLst>
+    <dgm:effectClrLst/>
+    <dgm:txLinClrLst/>
+    <dgm:txFillClrLst meth="repeat">
+      <a:schemeClr val="tx1"/>
+    </dgm:txFillClrLst>
+    <dgm:txEffectClrLst/>
+  </dgm:styleLbl>
+  <dgm:styleLbl name="parChTrans1D3">
+    <dgm:fillClrLst meth="repeat">
+      <a:schemeClr val="accent1"/>
+    </dgm:fillClrLst>
+    <dgm:linClrLst meth="repeat">
+      <a:schemeClr val="accent1">
+        <a:shade val="80000"/>
+      </a:schemeClr>
+    </dgm:linClrLst>
+    <dgm:effectClrLst/>
+    <dgm:txLinClrLst/>
+    <dgm:txFillClrLst meth="repeat">
+      <a:schemeClr val="tx1"/>
+    </dgm:txFillClrLst>
+    <dgm:txEffectClrLst/>
+  </dgm:styleLbl>
+  <dgm:styleLbl name="parChTrans1D4">
+    <dgm:fillClrLst meth="repeat">
+      <a:schemeClr val="accent1"/>
+    </dgm:fillClrLst>
+    <dgm:linClrLst meth="repeat">
+      <a:schemeClr val="accent1">
+        <a:shade val="80000"/>
+      </a:schemeClr>
+    </dgm:linClrLst>
+    <dgm:effectClrLst/>
+    <dgm:txLinClrLst/>
+    <dgm:txFillClrLst meth="repeat">
+      <a:schemeClr val="tx1"/>
+    </dgm:txFillClrLst>
+    <dgm:txEffectClrLst/>
+  </dgm:styleLbl>
+  <dgm:styleLbl name="fgAcc1">
+    <dgm:fillClrLst meth="repeat">
+      <a:schemeClr val="lt1">
+        <a:alpha val="90000"/>
+      </a:schemeClr>
+    </dgm:fillClrLst>
+    <dgm:linClrLst meth="repeat">
+      <a:schemeClr val="accent1"/>
+    </dgm:linClrLst>
+    <dgm:effectClrLst/>
+    <dgm:txLinClrLst/>
+    <dgm:txFillClrLst meth="repeat">
+      <a:schemeClr val="dk1"/>
+    </dgm:txFillClrLst>
+    <dgm:txEffectClrLst/>
+  </dgm:styleLbl>
+  <dgm:styleLbl name="conFgAcc1">
+    <dgm:fillClrLst meth="repeat">
+      <a:schemeClr val="lt1">
+        <a:alpha val="90000"/>
+      </a:schemeClr>
+    </dgm:fillClrLst>
+    <dgm:linClrLst meth="repeat">
+      <a:schemeClr val="accent1"/>
+    </dgm:linClrLst>
+    <dgm:effectClrLst/>
+    <dgm:txLinClrLst/>
+    <dgm:txFillClrLst meth="repeat">
+      <a:schemeClr val="dk1"/>
+    </dgm:txFillClrLst>
+    <dgm:txEffectClrLst/>
+  </dgm:styleLbl>
+  <dgm:styleLbl name="alignAcc1">
+    <dgm:fillClrLst meth="repeat">
+      <a:schemeClr val="lt1">
+        <a:alpha val="90000"/>
+      </a:schemeClr>
+    </dgm:fillClrLst>
+    <dgm:linClrLst meth="repeat">
+      <a:schemeClr val="accent1"/>
+    </dgm:linClrLst>
+    <dgm:effectClrLst/>
+    <dgm:txLinClrLst/>
+    <dgm:txFillClrLst meth="repeat">
+      <a:schemeClr val="dk1"/>
+    </dgm:txFillClrLst>
+    <dgm:txEffectClrLst/>
+  </dgm:styleLbl>
+  <dgm:styleLbl name="trAlignAcc1">
+    <dgm:fillClrLst meth="repeat">
+      <a:schemeClr val="lt1">
+        <a:alpha val="40000"/>
+      </a:schemeClr>
+    </dgm:fillClrLst>
+    <dgm:linClrLst meth="repeat">
+      <a:schemeClr val="accent1"/>
+    </dgm:linClrLst>
+    <dgm:effectClrLst/>
+    <dgm:txLinClrLst/>
+    <dgm:txFillClrLst meth="repeat">
+      <a:schemeClr val="dk1"/>
+    </dgm:txFillClrLst>
+    <dgm:txEffectClrLst/>
+  </dgm:styleLbl>
+  <dgm:styleLbl name="bgAcc1">
+    <dgm:fillClrLst meth="repeat">
+      <a:schemeClr val="lt1">
+        <a:alpha val="90000"/>
+      </a:schemeClr>
+    </dgm:fillClrLst>
+    <dgm:linClrLst meth="repeat">
+      <a:schemeClr val="accent1"/>
+    </dgm:linClrLst>
+    <dgm:effectClrLst/>
+    <dgm:txLinClrLst/>
+    <dgm:txFillClrLst meth="repeat">
+      <a:schemeClr val="dk1"/>
+    </dgm:txFillClrLst>
+    <dgm:txEffectClrLst/>
+  </dgm:styleLbl>
+  <dgm:styleLbl name="solidFgAcc1">
+    <dgm:fillClrLst meth="repeat">
+      <a:schemeClr val="lt1"/>
+    </dgm:fillClrLst>
+    <dgm:linClrLst meth="repeat">
+      <a:schemeClr val="accent1"/>
+    </dgm:linClrLst>
+    <dgm:effectClrLst/>
+    <dgm:txLinClrLst/>
+    <dgm:txFillClrLst meth="repeat">
+      <a:schemeClr val="dk1"/>
+    </dgm:txFillClrLst>
+    <dgm:txEffectClrLst/>
+  </dgm:styleLbl>
+  <dgm:styleLbl name="solidAlignAcc1">
+    <dgm:fillClrLst meth="repeat">
+      <a:schemeClr val="lt1"/>
+    </dgm:fillClrLst>
+    <dgm:linClrLst meth="repeat">
+      <a:schemeClr val="accent1"/>
+    </dgm:linClrLst>
+    <dgm:effectClrLst/>
+    <dgm:txLinClrLst/>
+    <dgm:txFillClrLst meth="repeat">
+      <a:schemeClr val="dk1"/>
+    </dgm:txFillClrLst>
+    <dgm:txEffectClrLst/>
+  </dgm:styleLbl>
+  <dgm:styleLbl name="solidBgAcc1">
+    <dgm:fillClrLst meth="repeat">
+      <a:schemeClr val="lt1"/>
+    </dgm:fillClrLst>
+    <dgm:linClrLst meth="repeat">
+      <a:schemeClr val="accent1"/>
+    </dgm:linClrLst>
+    <dgm:effectClrLst/>
+    <dgm:txLinClrLst/>
+    <dgm:txFillClrLst meth="repeat">
+      <a:schemeClr val="dk1"/>
+    </dgm:txFillClrLst>
+    <dgm:txEffectClrLst/>
+  </dgm:styleLbl>
+  <dgm:styleLbl name="fgAccFollowNode1">
+    <dgm:fillClrLst meth="repeat">
+      <a:schemeClr val="accent1">
+        <a:alpha val="90000"/>
+        <a:tint val="40000"/>
+      </a:schemeClr>
+    </dgm:fillClrLst>
+    <dgm:linClrLst meth="repeat">
+      <a:schemeClr val="accent1">
+        <a:alpha val="90000"/>
+        <a:tint val="40000"/>
+      </a:schemeClr>
+    </dgm:linClrLst>
+    <dgm:effectClrLst/>
+    <dgm:txLinClrLst/>
+    <dgm:txFillClrLst meth="repeat">
+      <a:schemeClr val="dk1"/>
+    </dgm:txFillClrLst>
+    <dgm:txEffectClrLst/>
+  </dgm:styleLbl>
+  <dgm:styleLbl name="alignAccFollowNode1">
+    <dgm:fillClrLst meth="repeat">
+      <a:schemeClr val="accent1">
+        <a:alpha val="90000"/>
+        <a:tint val="40000"/>
+      </a:schemeClr>
+    </dgm:fillClrLst>
+    <dgm:linClrLst meth="repeat">
+      <a:schemeClr val="accent1">
+        <a:alpha val="90000"/>
+        <a:tint val="40000"/>
+      </a:schemeClr>
+    </dgm:linClrLst>
+    <dgm:effectClrLst/>
+    <dgm:txLinClrLst/>
+    <dgm:txFillClrLst meth="repeat">
+      <a:schemeClr val="dk1"/>
+    </dgm:txFillClrLst>
+    <dgm:txEffectClrLst/>
+  </dgm:styleLbl>
+  <dgm:styleLbl name="bgAccFollowNode1">
+    <dgm:fillClrLst meth="repeat">
+      <a:schemeClr val="accent1">
+        <a:alpha val="90000"/>
+        <a:tint val="40000"/>
+      </a:schemeClr>
+    </dgm:fillClrLst>
+    <dgm:linClrLst meth="repeat">
+      <a:schemeClr val="accent1">
+        <a:alpha val="90000"/>
+        <a:tint val="40000"/>
+      </a:schemeClr>
+    </dgm:linClrLst>
+    <dgm:effectClrLst/>
+    <dgm:txLinClrLst/>
+    <dgm:txFillClrLst meth="repeat">
+      <a:schemeClr val="dk1"/>
+    </dgm:txFillClrLst>
+    <dgm:txEffectClrLst/>
+  </dgm:styleLbl>
+  <dgm:styleLbl name="fgAcc0">
+    <dgm:fillClrLst meth="repeat">
+      <a:schemeClr val="lt1">
+        <a:alpha val="90000"/>
+      </a:schemeClr>
+    </dgm:fillClrLst>
+    <dgm:linClrLst meth="repeat">
+      <a:schemeClr val="accent1"/>
+    </dgm:linClrLst>
+    <dgm:effectClrLst/>
+    <dgm:txLinClrLst/>
+    <dgm:txFillClrLst meth="repeat">
+      <a:schemeClr val="dk1"/>
+    </dgm:txFillClrLst>
+    <dgm:txEffectClrLst/>
+  </dgm:styleLbl>
+  <dgm:styleLbl name="fgAcc2">
+    <dgm:fillClrLst meth="repeat">
+      <a:schemeClr val="lt1">
+        <a:alpha val="90000"/>
+      </a:schemeClr>
+    </dgm:fillClrLst>
+    <dgm:linClrLst meth="repeat">
+      <a:schemeClr val="accent1"/>
+    </dgm:linClrLst>
+    <dgm:effectClrLst/>
+    <dgm:txLinClrLst/>
+    <dgm:txFillClrLst meth="repeat">
+      <a:schemeClr val="dk1"/>
+    </dgm:txFillClrLst>
+    <dgm:txEffectClrLst/>
+  </dgm:styleLbl>
+  <dgm:styleLbl name="fgAcc3">
+    <dgm:fillClrLst meth="repeat">
+      <a:schemeClr val="lt1">
+        <a:alpha val="90000"/>
+      </a:schemeClr>
+    </dgm:fillClrLst>
+    <dgm:linClrLst meth="repeat">
+      <a:schemeClr val="accent1"/>
+    </dgm:linClrLst>
+    <dgm:effectClrLst/>
+    <dgm:txLinClrLst/>
+    <dgm:txFillClrLst meth="repeat">
+      <a:schemeClr val="dk1"/>
+    </dgm:txFillClrLst>
+    <dgm:txEffectClrLst/>
+  </dgm:styleLbl>
+  <dgm:styleLbl name="fgAcc4">
+    <dgm:fillClrLst meth="repeat">
+      <a:schemeClr val="lt1">
+        <a:alpha val="90000"/>
+      </a:schemeClr>
+    </dgm:fillClrLst>
+    <dgm:linClrLst meth="repeat">
+      <a:schemeClr val="accent1"/>
+    </dgm:linClrLst>
+    <dgm:effectClrLst/>
+    <dgm:txLinClrLst/>
+    <dgm:txFillClrLst meth="repeat">
+      <a:schemeClr val="dk1"/>
+    </dgm:txFillClrLst>
+    <dgm:txEffectClrLst/>
+  </dgm:styleLbl>
+  <dgm:styleLbl name="bgShp">
+    <dgm:fillClrLst meth="repeat">
+      <a:schemeClr val="accent1">
+        <a:tint val="40000"/>
+      </a:schemeClr>
+    </dgm:fillClrLst>
+    <dgm:linClrLst meth="repeat">
+      <a:schemeClr val="accent1"/>
+    </dgm:linClrLst>
+    <dgm:effectClrLst/>
+    <dgm:txLinClrLst/>
+    <dgm:txFillClrLst meth="repeat">
+      <a:schemeClr val="dk1"/>
+    </dgm:txFillClrLst>
+    <dgm:txEffectClrLst/>
+  </dgm:styleLbl>
+  <dgm:styleLbl name="dkBgShp">
+    <dgm:fillClrLst meth="repeat">
+      <a:schemeClr val="accent1">
+        <a:shade val="80000"/>
+      </a:schemeClr>
+    </dgm:fillClrLst>
+    <dgm:linClrLst meth="repeat">
+      <a:schemeClr val="accent1"/>
+    </dgm:linClrLst>
+    <dgm:effectClrLst/>
+    <dgm:txLinClrLst/>
+    <dgm:txFillClrLst meth="repeat">
+      <a:schemeClr val="lt1"/>
+    </dgm:txFillClrLst>
+    <dgm:txEffectClrLst/>
+  </dgm:styleLbl>
+  <dgm:styleLbl name="trBgShp">
+    <dgm:fillClrLst meth="repeat">
+      <a:schemeClr val="accent1">
+        <a:tint val="50000"/>
+        <a:alpha val="40000"/>
+      </a:schemeClr>
+    </dgm:fillClrLst>
+    <dgm:linClrLst meth="repeat">
+      <a:schemeClr val="accent1"/>
+    </dgm:linClrLst>
+    <dgm:effectClrLst/>
+    <dgm:txLinClrLst/>
+    <dgm:txFillClrLst meth="repeat">
+      <a:schemeClr val="lt1"/>
+    </dgm:txFillClrLst>
+    <dgm:txEffectClrLst/>
+  </dgm:styleLbl>
+  <dgm:styleLbl name="fgShp">
+    <dgm:fillClrLst meth="repeat">
+      <a:schemeClr val="accent1">
+        <a:tint val="60000"/>
+      </a:schemeClr>
+    </dgm:fillClrLst>
+    <dgm:linClrLst meth="repeat">
+      <a:schemeClr val="lt1"/>
+    </dgm:linClrLst>
+    <dgm:effectClrLst/>
+    <dgm:txLinClrLst/>
+    <dgm:txFillClrLst meth="repeat">
+      <a:schemeClr val="dk1"/>
+    </dgm:txFillClrLst>
+    <dgm:txEffectClrLst/>
+  </dgm:styleLbl>
+  <dgm:styleLbl name="revTx">
+    <dgm:fillClrLst meth="repeat">
+      <a:schemeClr val="lt1">
+        <a:alpha val="0"/>
+      </a:schemeClr>
+    </dgm:fillClrLst>
+    <dgm:linClrLst meth="repeat">
+      <a:schemeClr val="dk1">
+        <a:alpha val="0"/>
+      </a:schemeClr>
+    </dgm:linClrLst>
+    <dgm:effectClrLst/>
+    <dgm:txLinClrLst/>
+    <dgm:txFillClrLst meth="repeat">
+      <a:schemeClr val="tx1"/>
+    </dgm:txFillClrLst>
+    <dgm:txEffectClrLst/>
+  </dgm:styleLbl>
+</dgm:colorsDef>
+</file>
+
+<file path=ppt/diagrams/data1.xml><?xml version="1.0" encoding="utf-8"?>
+<dgm:dataModel xmlns:dgm="http://schemas.openxmlformats.org/drawingml/2006/diagram" xmlns:a="http://schemas.openxmlformats.org/drawingml/2006/main">
+  <dgm:ptLst>
+    <dgm:pt modelId="{D9D9BE32-417E-4224-BAB0-7933B1157AB9}" type="doc">
+      <dgm:prSet loTypeId="urn:microsoft.com/office/officeart/2018/2/layout/IconLabelDescriptionList" loCatId="icon" qsTypeId="urn:microsoft.com/office/officeart/2005/8/quickstyle/simple1" qsCatId="simple" csTypeId="urn:microsoft.com/office/officeart/2018/5/colors/Iconchunking_neutralbg_accent1_2" csCatId="accent1" phldr="1"/>
+      <dgm:spPr/>
+      <dgm:t>
+        <a:bodyPr/>
+        <a:lstStyle/>
+        <a:p>
+          <a:endParaRPr lang="en-US"/>
+        </a:p>
+      </dgm:t>
+    </dgm:pt>
+    <dgm:pt modelId="{4C7743BD-7C99-45F2-B98B-9BF8F0E223E6}">
+      <dgm:prSet/>
+      <dgm:spPr/>
+      <dgm:t>
+        <a:bodyPr/>
+        <a:lstStyle/>
+        <a:p>
+          <a:pPr>
+            <a:lnSpc>
+              <a:spcPct val="100000"/>
+            </a:lnSpc>
+            <a:defRPr b="1"/>
+          </a:pPr>
+          <a:r>
+            <a:rPr lang="en-US" b="1" i="0"/>
+            <a:t>Data Collection and Challenges</a:t>
+          </a:r>
+          <a:endParaRPr lang="en-US"/>
+        </a:p>
+      </dgm:t>
+    </dgm:pt>
+    <dgm:pt modelId="{5B630D7A-68C7-44D9-BEF8-B28E0E48FC92}" type="parTrans" cxnId="{2C336E8D-0775-4B93-B422-92DF59898631}">
+      <dgm:prSet/>
+      <dgm:spPr/>
+      <dgm:t>
+        <a:bodyPr/>
+        <a:lstStyle/>
+        <a:p>
+          <a:endParaRPr lang="en-US"/>
+        </a:p>
+      </dgm:t>
+    </dgm:pt>
+    <dgm:pt modelId="{4D2BE505-7FFE-4A34-922D-C48753F9405A}" type="sibTrans" cxnId="{2C336E8D-0775-4B93-B422-92DF59898631}">
+      <dgm:prSet/>
+      <dgm:spPr/>
+      <dgm:t>
+        <a:bodyPr/>
+        <a:lstStyle/>
+        <a:p>
+          <a:endParaRPr lang="en-US"/>
+        </a:p>
+      </dgm:t>
+    </dgm:pt>
+    <dgm:pt modelId="{38E0C723-13A0-4449-BC94-6587892EA2F3}">
+      <dgm:prSet/>
+      <dgm:spPr/>
+      <dgm:t>
+        <a:bodyPr/>
+        <a:lstStyle/>
+        <a:p>
+          <a:pPr>
+            <a:lnSpc>
+              <a:spcPct val="100000"/>
+            </a:lnSpc>
+          </a:pPr>
+          <a:r>
+            <a:rPr lang="en-US" b="1" i="0"/>
+            <a:t>Data Source</a:t>
+          </a:r>
+          <a:r>
+            <a:rPr lang="en-US" b="0" i="0"/>
+            <a:t>: Attempted to collect bulk weather data from OpenWeatherMap API using Python for the past 45 years.</a:t>
+          </a:r>
+          <a:endParaRPr lang="en-US"/>
+        </a:p>
+      </dgm:t>
+    </dgm:pt>
+    <dgm:pt modelId="{1A63C3C3-973D-45D3-BCF5-075E7AD08784}" type="parTrans" cxnId="{AC790DE4-28CB-49D1-9428-3C90B913EBC0}">
+      <dgm:prSet/>
+      <dgm:spPr/>
+      <dgm:t>
+        <a:bodyPr/>
+        <a:lstStyle/>
+        <a:p>
+          <a:endParaRPr lang="en-US"/>
+        </a:p>
+      </dgm:t>
+    </dgm:pt>
+    <dgm:pt modelId="{556FE32F-255C-4F4A-966A-9844627858A9}" type="sibTrans" cxnId="{AC790DE4-28CB-49D1-9428-3C90B913EBC0}">
+      <dgm:prSet/>
+      <dgm:spPr/>
+      <dgm:t>
+        <a:bodyPr/>
+        <a:lstStyle/>
+        <a:p>
+          <a:endParaRPr lang="en-US"/>
+        </a:p>
+      </dgm:t>
+    </dgm:pt>
+    <dgm:pt modelId="{D4B8E38F-D4BA-4C07-84BB-9B78A7D1FF94}">
+      <dgm:prSet/>
+      <dgm:spPr/>
+      <dgm:t>
+        <a:bodyPr/>
+        <a:lstStyle/>
+        <a:p>
+          <a:pPr>
+            <a:lnSpc>
+              <a:spcPct val="100000"/>
+            </a:lnSpc>
+          </a:pPr>
+          <a:r>
+            <a:rPr lang="en-US" b="1" i="0"/>
+            <a:t>Challenges</a:t>
+          </a:r>
+          <a:r>
+            <a:rPr lang="en-US" b="0" i="0"/>
+            <a:t>:</a:t>
+          </a:r>
+          <a:endParaRPr lang="en-US"/>
+        </a:p>
+      </dgm:t>
+    </dgm:pt>
+    <dgm:pt modelId="{BE4F2FD1-E469-4CAD-BA11-4FEF7CBA3885}" type="parTrans" cxnId="{231D969F-459D-409F-8BC3-371A8C59FCF6}">
+      <dgm:prSet/>
+      <dgm:spPr/>
+      <dgm:t>
+        <a:bodyPr/>
+        <a:lstStyle/>
+        <a:p>
+          <a:endParaRPr lang="en-US"/>
+        </a:p>
+      </dgm:t>
+    </dgm:pt>
+    <dgm:pt modelId="{8C54AE00-DFFB-49DB-AB1D-F80AEFD681A0}" type="sibTrans" cxnId="{231D969F-459D-409F-8BC3-371A8C59FCF6}">
+      <dgm:prSet/>
+      <dgm:spPr/>
+      <dgm:t>
+        <a:bodyPr/>
+        <a:lstStyle/>
+        <a:p>
+          <a:endParaRPr lang="en-US"/>
+        </a:p>
+      </dgm:t>
+    </dgm:pt>
+    <dgm:pt modelId="{B3A8EE05-B091-42C1-93DB-033AF52CFF22}">
+      <dgm:prSet/>
+      <dgm:spPr/>
+      <dgm:t>
+        <a:bodyPr/>
+        <a:lstStyle/>
+        <a:p>
+          <a:r>
+            <a:rPr lang="en-US" b="0" i="0"/>
+            <a:t>Data retrieved contained only a few unique timestamps due to subscription limitations.</a:t>
+          </a:r>
+          <a:endParaRPr lang="en-US"/>
+        </a:p>
+      </dgm:t>
+    </dgm:pt>
+    <dgm:pt modelId="{19E996CD-78F2-4AF6-B855-5FAB71E83372}" type="parTrans" cxnId="{803BC40C-CF61-448F-A4A6-913FBBD472A5}">
+      <dgm:prSet/>
+      <dgm:spPr/>
+      <dgm:t>
+        <a:bodyPr/>
+        <a:lstStyle/>
+        <a:p>
+          <a:endParaRPr lang="en-US"/>
+        </a:p>
+      </dgm:t>
+    </dgm:pt>
+    <dgm:pt modelId="{C655C038-57EC-4FC9-B362-A4B5E85BE1D9}" type="sibTrans" cxnId="{803BC40C-CF61-448F-A4A6-913FBBD472A5}">
+      <dgm:prSet/>
+      <dgm:spPr/>
+      <dgm:t>
+        <a:bodyPr/>
+        <a:lstStyle/>
+        <a:p>
+          <a:endParaRPr lang="en-US"/>
+        </a:p>
+      </dgm:t>
+    </dgm:pt>
+    <dgm:pt modelId="{11927494-446B-43B0-BF8C-05EFBD24A84D}">
+      <dgm:prSet/>
+      <dgm:spPr/>
+      <dgm:t>
+        <a:bodyPr/>
+        <a:lstStyle/>
+        <a:p>
+          <a:r>
+            <a:rPr lang="en-US" b="0" i="0"/>
+            <a:t>Unable to find real weather data through alternative sources.</a:t>
+          </a:r>
+          <a:endParaRPr lang="en-US"/>
+        </a:p>
+      </dgm:t>
+    </dgm:pt>
+    <dgm:pt modelId="{74DCB0DE-8766-424F-9F89-922A5FACA3C2}" type="parTrans" cxnId="{514D811C-E91B-446F-B8E7-C6288B06CB2C}">
+      <dgm:prSet/>
+      <dgm:spPr/>
+      <dgm:t>
+        <a:bodyPr/>
+        <a:lstStyle/>
+        <a:p>
+          <a:endParaRPr lang="en-US"/>
+        </a:p>
+      </dgm:t>
+    </dgm:pt>
+    <dgm:pt modelId="{C2DB35A8-E94C-4271-AAEF-0ED17D820858}" type="sibTrans" cxnId="{514D811C-E91B-446F-B8E7-C6288B06CB2C}">
+      <dgm:prSet/>
+      <dgm:spPr/>
+      <dgm:t>
+        <a:bodyPr/>
+        <a:lstStyle/>
+        <a:p>
+          <a:endParaRPr lang="en-US"/>
+        </a:p>
+      </dgm:t>
+    </dgm:pt>
+    <dgm:pt modelId="{26A76B25-48EA-4743-ACCC-E1447941F0FF}">
+      <dgm:prSet/>
+      <dgm:spPr/>
+      <dgm:t>
+        <a:bodyPr/>
+        <a:lstStyle/>
+        <a:p>
+          <a:pPr>
+            <a:lnSpc>
+              <a:spcPct val="100000"/>
+            </a:lnSpc>
+            <a:defRPr b="1"/>
+          </a:pPr>
+          <a:r>
+            <a:rPr lang="en-US" b="1" i="0"/>
+            <a:t>Solution</a:t>
+          </a:r>
+          <a:r>
+            <a:rPr lang="en-US" b="0" i="0"/>
+            <a:t>:</a:t>
+          </a:r>
+          <a:endParaRPr lang="en-US"/>
+        </a:p>
+      </dgm:t>
+    </dgm:pt>
+    <dgm:pt modelId="{054D4BAE-B355-4EBE-B75F-A82D5D37088A}" type="parTrans" cxnId="{B45E9AFE-856E-46B8-B320-11BD356880E1}">
+      <dgm:prSet/>
+      <dgm:spPr/>
+      <dgm:t>
+        <a:bodyPr/>
+        <a:lstStyle/>
+        <a:p>
+          <a:endParaRPr lang="en-US"/>
+        </a:p>
+      </dgm:t>
+    </dgm:pt>
+    <dgm:pt modelId="{FE267A1E-10BC-4C82-85F9-89CE884B97F0}" type="sibTrans" cxnId="{B45E9AFE-856E-46B8-B320-11BD356880E1}">
+      <dgm:prSet/>
+      <dgm:spPr/>
+      <dgm:t>
+        <a:bodyPr/>
+        <a:lstStyle/>
+        <a:p>
+          <a:endParaRPr lang="en-US"/>
+        </a:p>
+      </dgm:t>
+    </dgm:pt>
+    <dgm:pt modelId="{619D9F95-4E26-43E8-B086-C8B515D864F1}">
+      <dgm:prSet/>
+      <dgm:spPr/>
+      <dgm:t>
+        <a:bodyPr/>
+        <a:lstStyle/>
+        <a:p>
+          <a:pPr>
+            <a:lnSpc>
+              <a:spcPct val="100000"/>
+            </a:lnSpc>
+          </a:pPr>
+          <a:r>
+            <a:rPr lang="en-US" b="0" i="0" dirty="0"/>
+            <a:t>Created a Python utility to generate 2GB of synthetic data, simulating the typical response from </a:t>
+          </a:r>
+          <a:r>
+            <a:rPr lang="en-US" b="0" i="0" dirty="0" err="1"/>
+            <a:t>OpenWeatherMap</a:t>
+          </a:r>
+          <a:r>
+            <a:rPr lang="en-US" b="0" i="0" dirty="0"/>
+            <a:t> API.</a:t>
+          </a:r>
+          <a:endParaRPr lang="en-US" dirty="0"/>
+        </a:p>
+      </dgm:t>
+    </dgm:pt>
+    <dgm:pt modelId="{AB1E6CB0-36BD-4C66-8230-91B0A40C5658}" type="parTrans" cxnId="{914141C6-2107-4ECA-99CB-34C14164CAA8}">
+      <dgm:prSet/>
+      <dgm:spPr/>
+      <dgm:t>
+        <a:bodyPr/>
+        <a:lstStyle/>
+        <a:p>
+          <a:endParaRPr lang="en-US"/>
+        </a:p>
+      </dgm:t>
+    </dgm:pt>
+    <dgm:pt modelId="{659541CB-111B-4C9E-84EB-BA886CBB7617}" type="sibTrans" cxnId="{914141C6-2107-4ECA-99CB-34C14164CAA8}">
+      <dgm:prSet/>
+      <dgm:spPr/>
+      <dgm:t>
+        <a:bodyPr/>
+        <a:lstStyle/>
+        <a:p>
+          <a:endParaRPr lang="en-US"/>
+        </a:p>
+      </dgm:t>
+    </dgm:pt>
+    <dgm:pt modelId="{93AE977C-1848-4312-A023-8ACA575FB54B}" type="pres">
+      <dgm:prSet presAssocID="{D9D9BE32-417E-4224-BAB0-7933B1157AB9}" presName="root" presStyleCnt="0">
+        <dgm:presLayoutVars>
+          <dgm:dir/>
+          <dgm:resizeHandles val="exact"/>
+        </dgm:presLayoutVars>
+      </dgm:prSet>
+      <dgm:spPr/>
+    </dgm:pt>
+    <dgm:pt modelId="{DC7E8E2D-5059-4423-B0CC-A618856B85D1}" type="pres">
+      <dgm:prSet presAssocID="{4C7743BD-7C99-45F2-B98B-9BF8F0E223E6}" presName="compNode" presStyleCnt="0"/>
+      <dgm:spPr/>
+    </dgm:pt>
+    <dgm:pt modelId="{04C74D0D-EAF3-44A5-A749-06A61D0A6F4A}" type="pres">
+      <dgm:prSet presAssocID="{4C7743BD-7C99-45F2-B98B-9BF8F0E223E6}" presName="iconRect" presStyleLbl="node1" presStyleIdx="0" presStyleCnt="2"/>
+      <dgm:spPr>
+        <a:blipFill>
+          <a:blip xmlns:r="http://schemas.openxmlformats.org/officeDocument/2006/relationships" r:embed="rId1">
+            <a:extLst>
+              <a:ext uri="{28A0092B-C50C-407E-A947-70E740481C1C}">
+                <a14:useLocalDpi xmlns:a14="http://schemas.microsoft.com/office/drawing/2010/main" val="0"/>
+              </a:ext>
+              <a:ext uri="{96DAC541-7B7A-43D3-8B79-37D633B846F1}">
+                <asvg:svgBlip xmlns:asvg="http://schemas.microsoft.com/office/drawing/2016/SVG/main" r:embed="rId2"/>
+              </a:ext>
+            </a:extLst>
+          </a:blip>
+          <a:stretch>
+            <a:fillRect/>
+          </a:stretch>
+        </a:blipFill>
+      </dgm:spPr>
+      <dgm:extLst>
+        <a:ext uri="{E40237B7-FDA0-4F09-8148-C483321AD2D9}">
+          <dgm14:cNvPr xmlns:dgm14="http://schemas.microsoft.com/office/drawing/2010/diagram" id="0" name="" descr="Syncing Cloud"/>
+        </a:ext>
+      </dgm:extLst>
+    </dgm:pt>
+    <dgm:pt modelId="{D179D109-70E0-4B2B-8C2E-5A6BA1F0A7D0}" type="pres">
+      <dgm:prSet presAssocID="{4C7743BD-7C99-45F2-B98B-9BF8F0E223E6}" presName="iconSpace" presStyleCnt="0"/>
+      <dgm:spPr/>
+    </dgm:pt>
+    <dgm:pt modelId="{8A51C4C9-8945-4398-9608-4C75880FBD45}" type="pres">
+      <dgm:prSet presAssocID="{4C7743BD-7C99-45F2-B98B-9BF8F0E223E6}" presName="parTx" presStyleLbl="revTx" presStyleIdx="0" presStyleCnt="4">
+        <dgm:presLayoutVars>
+          <dgm:chMax val="0"/>
+          <dgm:chPref val="0"/>
+        </dgm:presLayoutVars>
+      </dgm:prSet>
+      <dgm:spPr/>
+    </dgm:pt>
+    <dgm:pt modelId="{8524BCF6-5461-4AFE-BFB3-B2DC9F071615}" type="pres">
+      <dgm:prSet presAssocID="{4C7743BD-7C99-45F2-B98B-9BF8F0E223E6}" presName="txSpace" presStyleCnt="0"/>
+      <dgm:spPr/>
+    </dgm:pt>
+    <dgm:pt modelId="{5366B811-1A62-4ABD-8B39-308C8A6A2D6B}" type="pres">
+      <dgm:prSet presAssocID="{4C7743BD-7C99-45F2-B98B-9BF8F0E223E6}" presName="desTx" presStyleLbl="revTx" presStyleIdx="1" presStyleCnt="4">
+        <dgm:presLayoutVars/>
+      </dgm:prSet>
+      <dgm:spPr/>
+    </dgm:pt>
+    <dgm:pt modelId="{8EE5519D-9E11-4107-BCDF-BCED60488CA4}" type="pres">
+      <dgm:prSet presAssocID="{4D2BE505-7FFE-4A34-922D-C48753F9405A}" presName="sibTrans" presStyleCnt="0"/>
+      <dgm:spPr/>
+    </dgm:pt>
+    <dgm:pt modelId="{1F01F1C9-BE58-4EA0-852E-78800069A326}" type="pres">
+      <dgm:prSet presAssocID="{26A76B25-48EA-4743-ACCC-E1447941F0FF}" presName="compNode" presStyleCnt="0"/>
+      <dgm:spPr/>
+    </dgm:pt>
+    <dgm:pt modelId="{47D6DE55-F62F-4F49-B579-4CEFCECD7DD6}" type="pres">
+      <dgm:prSet presAssocID="{26A76B25-48EA-4743-ACCC-E1447941F0FF}" presName="iconRect" presStyleLbl="node1" presStyleIdx="1" presStyleCnt="2"/>
+      <dgm:spPr>
+        <a:blipFill>
+          <a:blip xmlns:r="http://schemas.openxmlformats.org/officeDocument/2006/relationships" r:embed="rId3">
+            <a:extLst>
+              <a:ext uri="{28A0092B-C50C-407E-A947-70E740481C1C}">
+                <a14:useLocalDpi xmlns:a14="http://schemas.microsoft.com/office/drawing/2010/main" val="0"/>
+              </a:ext>
+              <a:ext uri="{96DAC541-7B7A-43D3-8B79-37D633B846F1}">
+                <asvg:svgBlip xmlns:asvg="http://schemas.microsoft.com/office/drawing/2016/SVG/main" r:embed="rId4"/>
+              </a:ext>
+            </a:extLst>
+          </a:blip>
+          <a:stretch>
+            <a:fillRect/>
+          </a:stretch>
+        </a:blipFill>
+      </dgm:spPr>
+      <dgm:extLst>
+        <a:ext uri="{E40237B7-FDA0-4F09-8148-C483321AD2D9}">
+          <dgm14:cNvPr xmlns:dgm14="http://schemas.microsoft.com/office/drawing/2010/diagram" id="0" name="" descr="Processor"/>
+        </a:ext>
+      </dgm:extLst>
+    </dgm:pt>
+    <dgm:pt modelId="{2F8A0C32-10F4-4B5E-B061-DF2A29FF8B24}" type="pres">
+      <dgm:prSet presAssocID="{26A76B25-48EA-4743-ACCC-E1447941F0FF}" presName="iconSpace" presStyleCnt="0"/>
+      <dgm:spPr/>
+    </dgm:pt>
+    <dgm:pt modelId="{B5E7056B-2B58-4AAC-91A1-AA46BE788678}" type="pres">
+      <dgm:prSet presAssocID="{26A76B25-48EA-4743-ACCC-E1447941F0FF}" presName="parTx" presStyleLbl="revTx" presStyleIdx="2" presStyleCnt="4">
+        <dgm:presLayoutVars>
+          <dgm:chMax val="0"/>
+          <dgm:chPref val="0"/>
+        </dgm:presLayoutVars>
+      </dgm:prSet>
+      <dgm:spPr/>
+    </dgm:pt>
+    <dgm:pt modelId="{DCC95F2C-D33A-4BF6-85CF-041700D364C2}" type="pres">
+      <dgm:prSet presAssocID="{26A76B25-48EA-4743-ACCC-E1447941F0FF}" presName="txSpace" presStyleCnt="0"/>
+      <dgm:spPr/>
+    </dgm:pt>
+    <dgm:pt modelId="{5E3F5CE1-3BE0-45EC-B586-41E2FBCFFDEC}" type="pres">
+      <dgm:prSet presAssocID="{26A76B25-48EA-4743-ACCC-E1447941F0FF}" presName="desTx" presStyleLbl="revTx" presStyleIdx="3" presStyleCnt="4">
+        <dgm:presLayoutVars/>
+      </dgm:prSet>
+      <dgm:spPr/>
+    </dgm:pt>
+  </dgm:ptLst>
+  <dgm:cxnLst>
+    <dgm:cxn modelId="{803BC40C-CF61-448F-A4A6-913FBBD472A5}" srcId="{D4B8E38F-D4BA-4C07-84BB-9B78A7D1FF94}" destId="{B3A8EE05-B091-42C1-93DB-033AF52CFF22}" srcOrd="0" destOrd="0" parTransId="{19E996CD-78F2-4AF6-B855-5FAB71E83372}" sibTransId="{C655C038-57EC-4FC9-B362-A4B5E85BE1D9}"/>
+    <dgm:cxn modelId="{CAE8A00F-3EBB-D14B-A935-74F8DCE57D77}" type="presOf" srcId="{4C7743BD-7C99-45F2-B98B-9BF8F0E223E6}" destId="{8A51C4C9-8945-4398-9608-4C75880FBD45}" srcOrd="0" destOrd="0" presId="urn:microsoft.com/office/officeart/2018/2/layout/IconLabelDescriptionList"/>
+    <dgm:cxn modelId="{7487F419-93A8-2144-8426-046D4425E3F2}" type="presOf" srcId="{38E0C723-13A0-4449-BC94-6587892EA2F3}" destId="{5366B811-1A62-4ABD-8B39-308C8A6A2D6B}" srcOrd="0" destOrd="0" presId="urn:microsoft.com/office/officeart/2018/2/layout/IconLabelDescriptionList"/>
+    <dgm:cxn modelId="{514D811C-E91B-446F-B8E7-C6288B06CB2C}" srcId="{D4B8E38F-D4BA-4C07-84BB-9B78A7D1FF94}" destId="{11927494-446B-43B0-BF8C-05EFBD24A84D}" srcOrd="1" destOrd="0" parTransId="{74DCB0DE-8766-424F-9F89-922A5FACA3C2}" sibTransId="{C2DB35A8-E94C-4271-AAEF-0ED17D820858}"/>
+    <dgm:cxn modelId="{4753744B-E42E-714A-9A1B-E144B90577F8}" type="presOf" srcId="{26A76B25-48EA-4743-ACCC-E1447941F0FF}" destId="{B5E7056B-2B58-4AAC-91A1-AA46BE788678}" srcOrd="0" destOrd="0" presId="urn:microsoft.com/office/officeart/2018/2/layout/IconLabelDescriptionList"/>
+    <dgm:cxn modelId="{18F07968-E0EE-8C44-821A-CFE07A04A322}" type="presOf" srcId="{619D9F95-4E26-43E8-B086-C8B515D864F1}" destId="{5E3F5CE1-3BE0-45EC-B586-41E2FBCFFDEC}" srcOrd="0" destOrd="0" presId="urn:microsoft.com/office/officeart/2018/2/layout/IconLabelDescriptionList"/>
+    <dgm:cxn modelId="{7C34C371-5EA5-CC41-B4B6-239C477343F7}" type="presOf" srcId="{D4B8E38F-D4BA-4C07-84BB-9B78A7D1FF94}" destId="{5366B811-1A62-4ABD-8B39-308C8A6A2D6B}" srcOrd="0" destOrd="1" presId="urn:microsoft.com/office/officeart/2018/2/layout/IconLabelDescriptionList"/>
+    <dgm:cxn modelId="{C0C0E177-D809-DD4A-A95B-CDBADBFFF76F}" type="presOf" srcId="{D9D9BE32-417E-4224-BAB0-7933B1157AB9}" destId="{93AE977C-1848-4312-A023-8ACA575FB54B}" srcOrd="0" destOrd="0" presId="urn:microsoft.com/office/officeart/2018/2/layout/IconLabelDescriptionList"/>
+    <dgm:cxn modelId="{2C336E8D-0775-4B93-B422-92DF59898631}" srcId="{D9D9BE32-417E-4224-BAB0-7933B1157AB9}" destId="{4C7743BD-7C99-45F2-B98B-9BF8F0E223E6}" srcOrd="0" destOrd="0" parTransId="{5B630D7A-68C7-44D9-BEF8-B28E0E48FC92}" sibTransId="{4D2BE505-7FFE-4A34-922D-C48753F9405A}"/>
+    <dgm:cxn modelId="{A19E279E-EE25-174E-9F0F-0A9E70B49643}" type="presOf" srcId="{B3A8EE05-B091-42C1-93DB-033AF52CFF22}" destId="{5366B811-1A62-4ABD-8B39-308C8A6A2D6B}" srcOrd="0" destOrd="2" presId="urn:microsoft.com/office/officeart/2018/2/layout/IconLabelDescriptionList"/>
+    <dgm:cxn modelId="{231D969F-459D-409F-8BC3-371A8C59FCF6}" srcId="{4C7743BD-7C99-45F2-B98B-9BF8F0E223E6}" destId="{D4B8E38F-D4BA-4C07-84BB-9B78A7D1FF94}" srcOrd="1" destOrd="0" parTransId="{BE4F2FD1-E469-4CAD-BA11-4FEF7CBA3885}" sibTransId="{8C54AE00-DFFB-49DB-AB1D-F80AEFD681A0}"/>
+    <dgm:cxn modelId="{914141C6-2107-4ECA-99CB-34C14164CAA8}" srcId="{26A76B25-48EA-4743-ACCC-E1447941F0FF}" destId="{619D9F95-4E26-43E8-B086-C8B515D864F1}" srcOrd="0" destOrd="0" parTransId="{AB1E6CB0-36BD-4C66-8230-91B0A40C5658}" sibTransId="{659541CB-111B-4C9E-84EB-BA886CBB7617}"/>
+    <dgm:cxn modelId="{AC790DE4-28CB-49D1-9428-3C90B913EBC0}" srcId="{4C7743BD-7C99-45F2-B98B-9BF8F0E223E6}" destId="{38E0C723-13A0-4449-BC94-6587892EA2F3}" srcOrd="0" destOrd="0" parTransId="{1A63C3C3-973D-45D3-BCF5-075E7AD08784}" sibTransId="{556FE32F-255C-4F4A-966A-9844627858A9}"/>
+    <dgm:cxn modelId="{35005EF6-EF6D-914B-A9CE-9780294B73EE}" type="presOf" srcId="{11927494-446B-43B0-BF8C-05EFBD24A84D}" destId="{5366B811-1A62-4ABD-8B39-308C8A6A2D6B}" srcOrd="0" destOrd="3" presId="urn:microsoft.com/office/officeart/2018/2/layout/IconLabelDescriptionList"/>
+    <dgm:cxn modelId="{B45E9AFE-856E-46B8-B320-11BD356880E1}" srcId="{D9D9BE32-417E-4224-BAB0-7933B1157AB9}" destId="{26A76B25-48EA-4743-ACCC-E1447941F0FF}" srcOrd="1" destOrd="0" parTransId="{054D4BAE-B355-4EBE-B75F-A82D5D37088A}" sibTransId="{FE267A1E-10BC-4C82-85F9-89CE884B97F0}"/>
+    <dgm:cxn modelId="{2E58919A-03D1-4443-AE48-1B47805DD343}" type="presParOf" srcId="{93AE977C-1848-4312-A023-8ACA575FB54B}" destId="{DC7E8E2D-5059-4423-B0CC-A618856B85D1}" srcOrd="0" destOrd="0" presId="urn:microsoft.com/office/officeart/2018/2/layout/IconLabelDescriptionList"/>
+    <dgm:cxn modelId="{6AD545C8-346E-0F42-A915-45312CE20879}" type="presParOf" srcId="{DC7E8E2D-5059-4423-B0CC-A618856B85D1}" destId="{04C74D0D-EAF3-44A5-A749-06A61D0A6F4A}" srcOrd="0" destOrd="0" presId="urn:microsoft.com/office/officeart/2018/2/layout/IconLabelDescriptionList"/>
+    <dgm:cxn modelId="{52EC8EEB-D613-5047-9221-F262A9A4EEB8}" type="presParOf" srcId="{DC7E8E2D-5059-4423-B0CC-A618856B85D1}" destId="{D179D109-70E0-4B2B-8C2E-5A6BA1F0A7D0}" srcOrd="1" destOrd="0" presId="urn:microsoft.com/office/officeart/2018/2/layout/IconLabelDescriptionList"/>
+    <dgm:cxn modelId="{D19C5551-C4DE-BC4F-B5EB-E846472689CE}" type="presParOf" srcId="{DC7E8E2D-5059-4423-B0CC-A618856B85D1}" destId="{8A51C4C9-8945-4398-9608-4C75880FBD45}" srcOrd="2" destOrd="0" presId="urn:microsoft.com/office/officeart/2018/2/layout/IconLabelDescriptionList"/>
+    <dgm:cxn modelId="{DA64681B-0D63-8C4B-BD8A-F62BAAF0B9C9}" type="presParOf" srcId="{DC7E8E2D-5059-4423-B0CC-A618856B85D1}" destId="{8524BCF6-5461-4AFE-BFB3-B2DC9F071615}" srcOrd="3" destOrd="0" presId="urn:microsoft.com/office/officeart/2018/2/layout/IconLabelDescriptionList"/>
+    <dgm:cxn modelId="{35D52B75-C623-9C47-BC91-7C2709F517E0}" type="presParOf" srcId="{DC7E8E2D-5059-4423-B0CC-A618856B85D1}" destId="{5366B811-1A62-4ABD-8B39-308C8A6A2D6B}" srcOrd="4" destOrd="0" presId="urn:microsoft.com/office/officeart/2018/2/layout/IconLabelDescriptionList"/>
+    <dgm:cxn modelId="{8BCA2FBF-6573-CC43-9819-5FD5006438C7}" type="presParOf" srcId="{93AE977C-1848-4312-A023-8ACA575FB54B}" destId="{8EE5519D-9E11-4107-BCDF-BCED60488CA4}" srcOrd="1" destOrd="0" presId="urn:microsoft.com/office/officeart/2018/2/layout/IconLabelDescriptionList"/>
+    <dgm:cxn modelId="{5C015B3B-9F3C-4244-8661-BF5092C7D210}" type="presParOf" srcId="{93AE977C-1848-4312-A023-8ACA575FB54B}" destId="{1F01F1C9-BE58-4EA0-852E-78800069A326}" srcOrd="2" destOrd="0" presId="urn:microsoft.com/office/officeart/2018/2/layout/IconLabelDescriptionList"/>
+    <dgm:cxn modelId="{C0B51FAE-498C-7D4F-A02C-DAB62FD3CC35}" type="presParOf" srcId="{1F01F1C9-BE58-4EA0-852E-78800069A326}" destId="{47D6DE55-F62F-4F49-B579-4CEFCECD7DD6}" srcOrd="0" destOrd="0" presId="urn:microsoft.com/office/officeart/2018/2/layout/IconLabelDescriptionList"/>
+    <dgm:cxn modelId="{56431FDF-B893-3449-A17B-91F85DA25E96}" type="presParOf" srcId="{1F01F1C9-BE58-4EA0-852E-78800069A326}" destId="{2F8A0C32-10F4-4B5E-B061-DF2A29FF8B24}" srcOrd="1" destOrd="0" presId="urn:microsoft.com/office/officeart/2018/2/layout/IconLabelDescriptionList"/>
+    <dgm:cxn modelId="{D95E6738-3BDA-134A-8452-90CEFE6CAD5E}" type="presParOf" srcId="{1F01F1C9-BE58-4EA0-852E-78800069A326}" destId="{B5E7056B-2B58-4AAC-91A1-AA46BE788678}" srcOrd="2" destOrd="0" presId="urn:microsoft.com/office/officeart/2018/2/layout/IconLabelDescriptionList"/>
+    <dgm:cxn modelId="{43124EE5-243F-AC41-A738-E213C01F08B2}" type="presParOf" srcId="{1F01F1C9-BE58-4EA0-852E-78800069A326}" destId="{DCC95F2C-D33A-4BF6-85CF-041700D364C2}" srcOrd="3" destOrd="0" presId="urn:microsoft.com/office/officeart/2018/2/layout/IconLabelDescriptionList"/>
+    <dgm:cxn modelId="{0F056FF6-BE38-F749-A7DC-D070DC9687F2}" type="presParOf" srcId="{1F01F1C9-BE58-4EA0-852E-78800069A326}" destId="{5E3F5CE1-3BE0-45EC-B586-41E2FBCFFDEC}" srcOrd="4" destOrd="0" presId="urn:microsoft.com/office/officeart/2018/2/layout/IconLabelDescriptionList"/>
+  </dgm:cxnLst>
+  <dgm:bg/>
+  <dgm:whole/>
+  <dgm:extLst>
+    <a:ext uri="http://schemas.microsoft.com/office/drawing/2008/diagram">
+      <dsp:dataModelExt xmlns:dsp="http://schemas.microsoft.com/office/drawing/2008/diagram" relId="rId6" minVer="http://schemas.openxmlformats.org/drawingml/2006/diagram"/>
+    </a:ext>
+  </dgm:extLst>
+</dgm:dataModel>
+</file>
+
+<file path=ppt/diagrams/data2.xml><?xml version="1.0" encoding="utf-8"?>
+<dgm:dataModel xmlns:dgm="http://schemas.openxmlformats.org/drawingml/2006/diagram" xmlns:a="http://schemas.openxmlformats.org/drawingml/2006/main">
+  <dgm:ptLst>
+    <dgm:pt modelId="{19F4A02B-EDEE-4943-956A-3A910969B46A}" type="doc">
+      <dgm:prSet loTypeId="urn:microsoft.com/office/officeart/2018/2/layout/IconVerticalSolidList" loCatId="icon" qsTypeId="urn:microsoft.com/office/officeart/2005/8/quickstyle/simple1" qsCatId="simple" csTypeId="urn:microsoft.com/office/officeart/2005/8/colors/accent1_2" csCatId="accent1" phldr="1"/>
+      <dgm:spPr/>
+      <dgm:t>
+        <a:bodyPr/>
+        <a:lstStyle/>
+        <a:p>
+          <a:endParaRPr lang="en-US"/>
+        </a:p>
+      </dgm:t>
+    </dgm:pt>
+    <dgm:pt modelId="{E20B94AB-9272-420C-96E5-1235D6E289DA}">
+      <dgm:prSet/>
+      <dgm:spPr/>
+      <dgm:t>
+        <a:bodyPr/>
+        <a:lstStyle/>
+        <a:p>
+          <a:pPr>
+            <a:lnSpc>
+              <a:spcPct val="100000"/>
+            </a:lnSpc>
+          </a:pPr>
+          <a:r>
+            <a:rPr lang="en-US"/>
+            <a:t>While creating spark session set jar  </a:t>
+          </a:r>
+          <a:r>
+            <a:rPr lang="en-US" b="1"/>
+            <a:t>config("spark.jars.packages", "org.apache.spark:spark-sql-kafka-0-10_2.12:3.2.0,org.apache.kafka:kafka-clients:3.5.2") \</a:t>
+          </a:r>
+          <a:endParaRPr lang="en-US"/>
+        </a:p>
+      </dgm:t>
+    </dgm:pt>
+    <dgm:pt modelId="{60F459F5-0DB5-465B-87D0-AFE5F421B463}" type="parTrans" cxnId="{F846EAD5-0828-4FFA-8F31-E30547B1176E}">
+      <dgm:prSet/>
+      <dgm:spPr/>
+      <dgm:t>
+        <a:bodyPr/>
+        <a:lstStyle/>
+        <a:p>
+          <a:endParaRPr lang="en-US"/>
+        </a:p>
+      </dgm:t>
+    </dgm:pt>
+    <dgm:pt modelId="{11AAC632-4792-47DA-B470-BF48E0E11BA9}" type="sibTrans" cxnId="{F846EAD5-0828-4FFA-8F31-E30547B1176E}">
+      <dgm:prSet/>
+      <dgm:spPr/>
+      <dgm:t>
+        <a:bodyPr/>
+        <a:lstStyle/>
+        <a:p>
+          <a:endParaRPr lang="en-US"/>
+        </a:p>
+      </dgm:t>
+    </dgm:pt>
+    <dgm:pt modelId="{1C1000FD-EA76-46B4-8C4A-BCF5A172BB41}">
+      <dgm:prSet/>
+      <dgm:spPr/>
+      <dgm:t>
+        <a:bodyPr/>
+        <a:lstStyle/>
+        <a:p>
+          <a:pPr>
+            <a:lnSpc>
+              <a:spcPct val="100000"/>
+            </a:lnSpc>
+          </a:pPr>
+          <a:r>
+            <a:rPr lang="en-US"/>
+            <a:t>Also pass right Kafka bootstrap.servers and kafka topic while  </a:t>
+          </a:r>
+          <a:r>
+            <a:rPr lang="en-US" b="1"/>
+            <a:t>spark.readStream</a:t>
+          </a:r>
+          <a:endParaRPr lang="en-US"/>
+        </a:p>
+      </dgm:t>
+    </dgm:pt>
+    <dgm:pt modelId="{DBFC032B-43CE-4580-8172-69EABDB76CF4}" type="parTrans" cxnId="{4DF52FD9-44CE-4ECD-A45E-8ACD451E2735}">
+      <dgm:prSet/>
+      <dgm:spPr/>
+      <dgm:t>
+        <a:bodyPr/>
+        <a:lstStyle/>
+        <a:p>
+          <a:endParaRPr lang="en-US"/>
+        </a:p>
+      </dgm:t>
+    </dgm:pt>
+    <dgm:pt modelId="{A43D16A7-080B-4FB1-A632-F26B2A5EF855}" type="sibTrans" cxnId="{4DF52FD9-44CE-4ECD-A45E-8ACD451E2735}">
+      <dgm:prSet/>
+      <dgm:spPr/>
+      <dgm:t>
+        <a:bodyPr/>
+        <a:lstStyle/>
+        <a:p>
+          <a:endParaRPr lang="en-US"/>
+        </a:p>
+      </dgm:t>
+    </dgm:pt>
+    <dgm:pt modelId="{316ED605-EF21-457F-9D22-5D89071568C3}">
+      <dgm:prSet/>
+      <dgm:spPr/>
+      <dgm:t>
+        <a:bodyPr/>
+        <a:lstStyle/>
+        <a:p>
+          <a:pPr>
+            <a:lnSpc>
+              <a:spcPct val="100000"/>
+            </a:lnSpc>
+          </a:pPr>
+          <a:r>
+            <a:rPr lang="en-US" b="1"/>
+            <a:t>Cast</a:t>
+          </a:r>
+          <a:r>
+            <a:rPr lang="en-US"/>
+            <a:t> value to string and then use from_jsom to take Json data and use explode to </a:t>
+          </a:r>
+          <a:r>
+            <a:rPr lang="en-US" b="1"/>
+            <a:t>flatten</a:t>
+          </a:r>
+          <a:r>
+            <a:rPr lang="en-US"/>
+            <a:t> the json </a:t>
+          </a:r>
+        </a:p>
+      </dgm:t>
+    </dgm:pt>
+    <dgm:pt modelId="{D7D9D109-5537-4656-BF52-740D12C2F3E6}" type="parTrans" cxnId="{31AD2FDC-2699-417B-B762-CB0482160E2A}">
+      <dgm:prSet/>
+      <dgm:spPr/>
+      <dgm:t>
+        <a:bodyPr/>
+        <a:lstStyle/>
+        <a:p>
+          <a:endParaRPr lang="en-US"/>
+        </a:p>
+      </dgm:t>
+    </dgm:pt>
+    <dgm:pt modelId="{028DAB25-AE43-462E-8EA8-3CCE99CF0E02}" type="sibTrans" cxnId="{31AD2FDC-2699-417B-B762-CB0482160E2A}">
+      <dgm:prSet/>
+      <dgm:spPr/>
+      <dgm:t>
+        <a:bodyPr/>
+        <a:lstStyle/>
+        <a:p>
+          <a:endParaRPr lang="en-US"/>
+        </a:p>
+      </dgm:t>
+    </dgm:pt>
+    <dgm:pt modelId="{57703C2A-53A9-4B5A-A6C8-A5A3DA61DF7D}" type="pres">
+      <dgm:prSet presAssocID="{19F4A02B-EDEE-4943-956A-3A910969B46A}" presName="root" presStyleCnt="0">
+        <dgm:presLayoutVars>
+          <dgm:dir/>
+          <dgm:resizeHandles val="exact"/>
+        </dgm:presLayoutVars>
+      </dgm:prSet>
+      <dgm:spPr/>
+    </dgm:pt>
+    <dgm:pt modelId="{49583B7D-65EF-4648-859C-5DB9E8793A25}" type="pres">
+      <dgm:prSet presAssocID="{E20B94AB-9272-420C-96E5-1235D6E289DA}" presName="compNode" presStyleCnt="0"/>
+      <dgm:spPr/>
+    </dgm:pt>
+    <dgm:pt modelId="{E3CD08B8-FF5A-4086-A5F9-0E330F224475}" type="pres">
+      <dgm:prSet presAssocID="{E20B94AB-9272-420C-96E5-1235D6E289DA}" presName="bgRect" presStyleLbl="bgShp" presStyleIdx="0" presStyleCnt="3"/>
+      <dgm:spPr/>
+    </dgm:pt>
+    <dgm:pt modelId="{273E2B9C-046D-495D-9A46-2796EBD44ED1}" type="pres">
+      <dgm:prSet presAssocID="{E20B94AB-9272-420C-96E5-1235D6E289DA}" presName="iconRect" presStyleLbl="node1" presStyleIdx="0" presStyleCnt="3"/>
+      <dgm:spPr>
+        <a:blipFill>
+          <a:blip xmlns:r="http://schemas.openxmlformats.org/officeDocument/2006/relationships" r:embed="rId1">
+            <a:extLst>
+              <a:ext uri="{28A0092B-C50C-407E-A947-70E740481C1C}">
+                <a14:useLocalDpi xmlns:a14="http://schemas.microsoft.com/office/drawing/2010/main" val="0"/>
+              </a:ext>
+              <a:ext uri="{96DAC541-7B7A-43D3-8B79-37D633B846F1}">
+                <asvg:svgBlip xmlns:asvg="http://schemas.microsoft.com/office/drawing/2016/SVG/main" r:embed="rId2"/>
+              </a:ext>
+            </a:extLst>
+          </a:blip>
+          <a:stretch>
+            <a:fillRect/>
+          </a:stretch>
+        </a:blipFill>
+      </dgm:spPr>
+      <dgm:extLst>
+        <a:ext uri="{E40237B7-FDA0-4F09-8148-C483321AD2D9}">
+          <dgm14:cNvPr xmlns:dgm14="http://schemas.microsoft.com/office/drawing/2010/diagram" id="0" name="" descr="Database"/>
+        </a:ext>
+      </dgm:extLst>
+    </dgm:pt>
+    <dgm:pt modelId="{E976BA04-2DD7-4A41-9694-172D4B88EDFB}" type="pres">
+      <dgm:prSet presAssocID="{E20B94AB-9272-420C-96E5-1235D6E289DA}" presName="spaceRect" presStyleCnt="0"/>
+      <dgm:spPr/>
+    </dgm:pt>
+    <dgm:pt modelId="{A8601971-CC11-47F9-82BC-7325D3EFAC1F}" type="pres">
+      <dgm:prSet presAssocID="{E20B94AB-9272-420C-96E5-1235D6E289DA}" presName="parTx" presStyleLbl="revTx" presStyleIdx="0" presStyleCnt="3">
+        <dgm:presLayoutVars>
+          <dgm:chMax val="0"/>
+          <dgm:chPref val="0"/>
+        </dgm:presLayoutVars>
+      </dgm:prSet>
+      <dgm:spPr/>
+    </dgm:pt>
+    <dgm:pt modelId="{9997E73F-99AE-4D2E-8CAC-5E29B8469FDA}" type="pres">
+      <dgm:prSet presAssocID="{11AAC632-4792-47DA-B470-BF48E0E11BA9}" presName="sibTrans" presStyleCnt="0"/>
+      <dgm:spPr/>
+    </dgm:pt>
+    <dgm:pt modelId="{950E483B-FD6E-442E-83C7-B99A569DC69A}" type="pres">
+      <dgm:prSet presAssocID="{1C1000FD-EA76-46B4-8C4A-BCF5A172BB41}" presName="compNode" presStyleCnt="0"/>
+      <dgm:spPr/>
+    </dgm:pt>
+    <dgm:pt modelId="{C9C4AD85-9884-44F5-A0CA-40EE1C64E19F}" type="pres">
+      <dgm:prSet presAssocID="{1C1000FD-EA76-46B4-8C4A-BCF5A172BB41}" presName="bgRect" presStyleLbl="bgShp" presStyleIdx="1" presStyleCnt="3"/>
+      <dgm:spPr/>
+    </dgm:pt>
+    <dgm:pt modelId="{DD0E0998-105D-4D35-8AAF-1B9FE23576E4}" type="pres">
+      <dgm:prSet presAssocID="{1C1000FD-EA76-46B4-8C4A-BCF5A172BB41}" presName="iconRect" presStyleLbl="node1" presStyleIdx="1" presStyleCnt="3"/>
+      <dgm:spPr>
+        <a:blipFill>
+          <a:blip xmlns:r="http://schemas.openxmlformats.org/officeDocument/2006/relationships" r:embed="rId3">
+            <a:extLst>
+              <a:ext uri="{28A0092B-C50C-407E-A947-70E740481C1C}">
+                <a14:useLocalDpi xmlns:a14="http://schemas.microsoft.com/office/drawing/2010/main" val="0"/>
+              </a:ext>
+              <a:ext uri="{96DAC541-7B7A-43D3-8B79-37D633B846F1}">
+                <asvg:svgBlip xmlns:asvg="http://schemas.microsoft.com/office/drawing/2016/SVG/main" r:embed="rId4"/>
+              </a:ext>
+            </a:extLst>
+          </a:blip>
+          <a:stretch>
+            <a:fillRect/>
+          </a:stretch>
+        </a:blipFill>
+      </dgm:spPr>
+      <dgm:extLst>
+        <a:ext uri="{E40237B7-FDA0-4F09-8148-C483321AD2D9}">
+          <dgm14:cNvPr xmlns:dgm14="http://schemas.microsoft.com/office/drawing/2010/diagram" id="0" name="" descr="Boot"/>
+        </a:ext>
+      </dgm:extLst>
+    </dgm:pt>
+    <dgm:pt modelId="{8B7C3D19-80E6-4704-9CC8-E890E7316A9F}" type="pres">
+      <dgm:prSet presAssocID="{1C1000FD-EA76-46B4-8C4A-BCF5A172BB41}" presName="spaceRect" presStyleCnt="0"/>
+      <dgm:spPr/>
+    </dgm:pt>
+    <dgm:pt modelId="{C4EA1D67-0FC6-40FC-95F2-FCF69F581F55}" type="pres">
+      <dgm:prSet presAssocID="{1C1000FD-EA76-46B4-8C4A-BCF5A172BB41}" presName="parTx" presStyleLbl="revTx" presStyleIdx="1" presStyleCnt="3">
+        <dgm:presLayoutVars>
+          <dgm:chMax val="0"/>
+          <dgm:chPref val="0"/>
+        </dgm:presLayoutVars>
+      </dgm:prSet>
+      <dgm:spPr/>
+    </dgm:pt>
+    <dgm:pt modelId="{CE96E0E2-2616-4D79-9D38-FF28B9B97661}" type="pres">
+      <dgm:prSet presAssocID="{A43D16A7-080B-4FB1-A632-F26B2A5EF855}" presName="sibTrans" presStyleCnt="0"/>
+      <dgm:spPr/>
+    </dgm:pt>
+    <dgm:pt modelId="{51DF6A8A-3592-4578-BE07-2E5F630681DE}" type="pres">
+      <dgm:prSet presAssocID="{316ED605-EF21-457F-9D22-5D89071568C3}" presName="compNode" presStyleCnt="0"/>
+      <dgm:spPr/>
+    </dgm:pt>
+    <dgm:pt modelId="{A1FF5C0B-8D53-4D3E-A423-5C6420FF8950}" type="pres">
+      <dgm:prSet presAssocID="{316ED605-EF21-457F-9D22-5D89071568C3}" presName="bgRect" presStyleLbl="bgShp" presStyleIdx="2" presStyleCnt="3"/>
+      <dgm:spPr/>
+    </dgm:pt>
+    <dgm:pt modelId="{9355C909-B1BF-4B9E-B652-BBAD0E132603}" type="pres">
+      <dgm:prSet presAssocID="{316ED605-EF21-457F-9D22-5D89071568C3}" presName="iconRect" presStyleLbl="node1" presStyleIdx="2" presStyleCnt="3"/>
+      <dgm:spPr>
+        <a:blipFill>
+          <a:blip xmlns:r="http://schemas.openxmlformats.org/officeDocument/2006/relationships" r:embed="rId5">
+            <a:extLst>
+              <a:ext uri="{28A0092B-C50C-407E-A947-70E740481C1C}">
+                <a14:useLocalDpi xmlns:a14="http://schemas.microsoft.com/office/drawing/2010/main" val="0"/>
+              </a:ext>
+              <a:ext uri="{96DAC541-7B7A-43D3-8B79-37D633B846F1}">
+                <asvg:svgBlip xmlns:asvg="http://schemas.microsoft.com/office/drawing/2016/SVG/main" r:embed="rId6"/>
+              </a:ext>
+            </a:extLst>
+          </a:blip>
+          <a:stretch>
+            <a:fillRect/>
+          </a:stretch>
+        </a:blipFill>
+      </dgm:spPr>
+      <dgm:extLst>
+        <a:ext uri="{E40237B7-FDA0-4F09-8148-C483321AD2D9}">
+          <dgm14:cNvPr xmlns:dgm14="http://schemas.microsoft.com/office/drawing/2010/diagram" id="0" name="" descr="Disconnected"/>
+        </a:ext>
+      </dgm:extLst>
+    </dgm:pt>
+    <dgm:pt modelId="{474FA182-8001-4322-AA2F-3BEE1508D094}" type="pres">
+      <dgm:prSet presAssocID="{316ED605-EF21-457F-9D22-5D89071568C3}" presName="spaceRect" presStyleCnt="0"/>
+      <dgm:spPr/>
+    </dgm:pt>
+    <dgm:pt modelId="{434A464E-7621-4108-AB11-BB0E3E42AF8B}" type="pres">
+      <dgm:prSet presAssocID="{316ED605-EF21-457F-9D22-5D89071568C3}" presName="parTx" presStyleLbl="revTx" presStyleIdx="2" presStyleCnt="3">
+        <dgm:presLayoutVars>
+          <dgm:chMax val="0"/>
+          <dgm:chPref val="0"/>
+        </dgm:presLayoutVars>
+      </dgm:prSet>
+      <dgm:spPr/>
+    </dgm:pt>
+  </dgm:ptLst>
+  <dgm:cxnLst>
+    <dgm:cxn modelId="{F0560525-0870-4CDD-8655-D6231F0312BE}" type="presOf" srcId="{E20B94AB-9272-420C-96E5-1235D6E289DA}" destId="{A8601971-CC11-47F9-82BC-7325D3EFAC1F}" srcOrd="0" destOrd="0" presId="urn:microsoft.com/office/officeart/2018/2/layout/IconVerticalSolidList"/>
+    <dgm:cxn modelId="{17DE856B-E9ED-49B4-A621-4778AC1B8554}" type="presOf" srcId="{316ED605-EF21-457F-9D22-5D89071568C3}" destId="{434A464E-7621-4108-AB11-BB0E3E42AF8B}" srcOrd="0" destOrd="0" presId="urn:microsoft.com/office/officeart/2018/2/layout/IconVerticalSolidList"/>
+    <dgm:cxn modelId="{7DB17AC0-5808-40BE-85DF-7D6E4F0F76DC}" type="presOf" srcId="{1C1000FD-EA76-46B4-8C4A-BCF5A172BB41}" destId="{C4EA1D67-0FC6-40FC-95F2-FCF69F581F55}" srcOrd="0" destOrd="0" presId="urn:microsoft.com/office/officeart/2018/2/layout/IconVerticalSolidList"/>
+    <dgm:cxn modelId="{3D3A89D4-2A93-4813-ADD6-ACF39C202754}" type="presOf" srcId="{19F4A02B-EDEE-4943-956A-3A910969B46A}" destId="{57703C2A-53A9-4B5A-A6C8-A5A3DA61DF7D}" srcOrd="0" destOrd="0" presId="urn:microsoft.com/office/officeart/2018/2/layout/IconVerticalSolidList"/>
+    <dgm:cxn modelId="{F846EAD5-0828-4FFA-8F31-E30547B1176E}" srcId="{19F4A02B-EDEE-4943-956A-3A910969B46A}" destId="{E20B94AB-9272-420C-96E5-1235D6E289DA}" srcOrd="0" destOrd="0" parTransId="{60F459F5-0DB5-465B-87D0-AFE5F421B463}" sibTransId="{11AAC632-4792-47DA-B470-BF48E0E11BA9}"/>
+    <dgm:cxn modelId="{4DF52FD9-44CE-4ECD-A45E-8ACD451E2735}" srcId="{19F4A02B-EDEE-4943-956A-3A910969B46A}" destId="{1C1000FD-EA76-46B4-8C4A-BCF5A172BB41}" srcOrd="1" destOrd="0" parTransId="{DBFC032B-43CE-4580-8172-69EABDB76CF4}" sibTransId="{A43D16A7-080B-4FB1-A632-F26B2A5EF855}"/>
+    <dgm:cxn modelId="{31AD2FDC-2699-417B-B762-CB0482160E2A}" srcId="{19F4A02B-EDEE-4943-956A-3A910969B46A}" destId="{316ED605-EF21-457F-9D22-5D89071568C3}" srcOrd="2" destOrd="0" parTransId="{D7D9D109-5537-4656-BF52-740D12C2F3E6}" sibTransId="{028DAB25-AE43-462E-8EA8-3CCE99CF0E02}"/>
+    <dgm:cxn modelId="{1D89B0C0-E386-42EB-830E-94149C2EA6A4}" type="presParOf" srcId="{57703C2A-53A9-4B5A-A6C8-A5A3DA61DF7D}" destId="{49583B7D-65EF-4648-859C-5DB9E8793A25}" srcOrd="0" destOrd="0" presId="urn:microsoft.com/office/officeart/2018/2/layout/IconVerticalSolidList"/>
+    <dgm:cxn modelId="{8A303D36-37C9-48E1-905B-904485E549A1}" type="presParOf" srcId="{49583B7D-65EF-4648-859C-5DB9E8793A25}" destId="{E3CD08B8-FF5A-4086-A5F9-0E330F224475}" srcOrd="0" destOrd="0" presId="urn:microsoft.com/office/officeart/2018/2/layout/IconVerticalSolidList"/>
+    <dgm:cxn modelId="{05329EAF-0E8D-427F-AFBD-4AE50C37080B}" type="presParOf" srcId="{49583B7D-65EF-4648-859C-5DB9E8793A25}" destId="{273E2B9C-046D-495D-9A46-2796EBD44ED1}" srcOrd="1" destOrd="0" presId="urn:microsoft.com/office/officeart/2018/2/layout/IconVerticalSolidList"/>
+    <dgm:cxn modelId="{DAEA3481-BDE8-4A03-BBF6-1BA6AFC1C164}" type="presParOf" srcId="{49583B7D-65EF-4648-859C-5DB9E8793A25}" destId="{E976BA04-2DD7-4A41-9694-172D4B88EDFB}" srcOrd="2" destOrd="0" presId="urn:microsoft.com/office/officeart/2018/2/layout/IconVerticalSolidList"/>
+    <dgm:cxn modelId="{1B027C3D-90E4-4463-83B9-C5F46D78DFC4}" type="presParOf" srcId="{49583B7D-65EF-4648-859C-5DB9E8793A25}" destId="{A8601971-CC11-47F9-82BC-7325D3EFAC1F}" srcOrd="3" destOrd="0" presId="urn:microsoft.com/office/officeart/2018/2/layout/IconVerticalSolidList"/>
+    <dgm:cxn modelId="{3DED19BD-E010-45EB-948C-6F9437EA7DA6}" type="presParOf" srcId="{57703C2A-53A9-4B5A-A6C8-A5A3DA61DF7D}" destId="{9997E73F-99AE-4D2E-8CAC-5E29B8469FDA}" srcOrd="1" destOrd="0" presId="urn:microsoft.com/office/officeart/2018/2/layout/IconVerticalSolidList"/>
+    <dgm:cxn modelId="{D682FD05-1D3F-455B-8801-84858580F50A}" type="presParOf" srcId="{57703C2A-53A9-4B5A-A6C8-A5A3DA61DF7D}" destId="{950E483B-FD6E-442E-83C7-B99A569DC69A}" srcOrd="2" destOrd="0" presId="urn:microsoft.com/office/officeart/2018/2/layout/IconVerticalSolidList"/>
+    <dgm:cxn modelId="{4F1C867D-FE28-4595-AD5B-877B85875D65}" type="presParOf" srcId="{950E483B-FD6E-442E-83C7-B99A569DC69A}" destId="{C9C4AD85-9884-44F5-A0CA-40EE1C64E19F}" srcOrd="0" destOrd="0" presId="urn:microsoft.com/office/officeart/2018/2/layout/IconVerticalSolidList"/>
+    <dgm:cxn modelId="{C85657B6-3B23-4DB1-B504-20B18E75D74B}" type="presParOf" srcId="{950E483B-FD6E-442E-83C7-B99A569DC69A}" destId="{DD0E0998-105D-4D35-8AAF-1B9FE23576E4}" srcOrd="1" destOrd="0" presId="urn:microsoft.com/office/officeart/2018/2/layout/IconVerticalSolidList"/>
+    <dgm:cxn modelId="{517C3848-7B1A-431B-926D-A3AC1F8C9E1B}" type="presParOf" srcId="{950E483B-FD6E-442E-83C7-B99A569DC69A}" destId="{8B7C3D19-80E6-4704-9CC8-E890E7316A9F}" srcOrd="2" destOrd="0" presId="urn:microsoft.com/office/officeart/2018/2/layout/IconVerticalSolidList"/>
+    <dgm:cxn modelId="{F01AFF72-AF3B-457A-90D7-C42BD4EF048C}" type="presParOf" srcId="{950E483B-FD6E-442E-83C7-B99A569DC69A}" destId="{C4EA1D67-0FC6-40FC-95F2-FCF69F581F55}" srcOrd="3" destOrd="0" presId="urn:microsoft.com/office/officeart/2018/2/layout/IconVerticalSolidList"/>
+    <dgm:cxn modelId="{41F07989-4FDD-4678-A71C-E3E070A9FCA3}" type="presParOf" srcId="{57703C2A-53A9-4B5A-A6C8-A5A3DA61DF7D}" destId="{CE96E0E2-2616-4D79-9D38-FF28B9B97661}" srcOrd="3" destOrd="0" presId="urn:microsoft.com/office/officeart/2018/2/layout/IconVerticalSolidList"/>
+    <dgm:cxn modelId="{6FB4CA20-274F-4CA3-B3B8-90CE70F0D5E0}" type="presParOf" srcId="{57703C2A-53A9-4B5A-A6C8-A5A3DA61DF7D}" destId="{51DF6A8A-3592-4578-BE07-2E5F630681DE}" srcOrd="4" destOrd="0" presId="urn:microsoft.com/office/officeart/2018/2/layout/IconVerticalSolidList"/>
+    <dgm:cxn modelId="{FFAD2753-4611-4EB8-AFDE-7AF4F9BC93E4}" type="presParOf" srcId="{51DF6A8A-3592-4578-BE07-2E5F630681DE}" destId="{A1FF5C0B-8D53-4D3E-A423-5C6420FF8950}" srcOrd="0" destOrd="0" presId="urn:microsoft.com/office/officeart/2018/2/layout/IconVerticalSolidList"/>
+    <dgm:cxn modelId="{D48B6CC5-1379-40D1-B640-9A7DB610ADC5}" type="presParOf" srcId="{51DF6A8A-3592-4578-BE07-2E5F630681DE}" destId="{9355C909-B1BF-4B9E-B652-BBAD0E132603}" srcOrd="1" destOrd="0" presId="urn:microsoft.com/office/officeart/2018/2/layout/IconVerticalSolidList"/>
+    <dgm:cxn modelId="{15C5CF7A-054D-46F2-9812-DFD5021CAE45}" type="presParOf" srcId="{51DF6A8A-3592-4578-BE07-2E5F630681DE}" destId="{474FA182-8001-4322-AA2F-3BEE1508D094}" srcOrd="2" destOrd="0" presId="urn:microsoft.com/office/officeart/2018/2/layout/IconVerticalSolidList"/>
+    <dgm:cxn modelId="{7B0D8D7A-5CA0-48A3-ADDA-AD50147F7EBA}" type="presParOf" srcId="{51DF6A8A-3592-4578-BE07-2E5F630681DE}" destId="{434A464E-7621-4108-AB11-BB0E3E42AF8B}" srcOrd="3" destOrd="0" presId="urn:microsoft.com/office/officeart/2018/2/layout/IconVerticalSolidList"/>
+  </dgm:cxnLst>
+  <dgm:bg/>
+  <dgm:whole/>
+  <dgm:extLst>
+    <a:ext uri="http://schemas.microsoft.com/office/drawing/2008/diagram">
+      <dsp:dataModelExt xmlns:dsp="http://schemas.microsoft.com/office/drawing/2008/diagram" relId="rId6" minVer="http://schemas.openxmlformats.org/drawingml/2006/diagram"/>
+    </a:ext>
+  </dgm:extLst>
+</dgm:dataModel>
+</file>
+
+<file path=ppt/diagrams/drawing1.xml><?xml version="1.0" encoding="utf-8"?>
+<dsp:drawing xmlns:dgm="http://schemas.openxmlformats.org/drawingml/2006/diagram" xmlns:dsp="http://schemas.microsoft.com/office/drawing/2008/diagram" xmlns:a="http://schemas.openxmlformats.org/drawingml/2006/main">
+  <dsp:spTree>
+    <dsp:nvGrpSpPr>
+      <dsp:cNvPr id="0" name=""/>
+      <dsp:cNvGrpSpPr/>
+    </dsp:nvGrpSpPr>
+    <dsp:grpSpPr/>
+    <dsp:sp modelId="{04C74D0D-EAF3-44A5-A749-06A61D0A6F4A}">
+      <dsp:nvSpPr>
+        <dsp:cNvPr id="0" name=""/>
+        <dsp:cNvSpPr/>
+      </dsp:nvSpPr>
+      <dsp:spPr>
+        <a:xfrm>
+          <a:off x="418068" y="305871"/>
+          <a:ext cx="1512000" cy="1512000"/>
+        </a:xfrm>
+        <a:prstGeom prst="rect">
+          <a:avLst/>
+        </a:prstGeom>
+        <a:blipFill>
+          <a:blip xmlns:r="http://schemas.openxmlformats.org/officeDocument/2006/relationships" r:embed="rId1">
+            <a:extLst>
+              <a:ext uri="{28A0092B-C50C-407E-A947-70E740481C1C}">
+                <a14:useLocalDpi xmlns:a14="http://schemas.microsoft.com/office/drawing/2010/main" val="0"/>
+              </a:ext>
+              <a:ext uri="{96DAC541-7B7A-43D3-8B79-37D633B846F1}">
+                <asvg:svgBlip xmlns:asvg="http://schemas.microsoft.com/office/drawing/2016/SVG/main" r:embed="rId2"/>
+              </a:ext>
+            </a:extLst>
+          </a:blip>
+          <a:stretch>
+            <a:fillRect/>
+          </a:stretch>
+        </a:blipFill>
+        <a:ln w="19050" cap="flat" cmpd="sng" algn="ctr">
+          <a:solidFill>
+            <a:schemeClr val="lt1">
+              <a:alpha val="0"/>
+              <a:hueOff val="0"/>
+              <a:satOff val="0"/>
+              <a:lumOff val="0"/>
+              <a:alphaOff val="0"/>
+            </a:schemeClr>
+          </a:solidFill>
+          <a:prstDash val="solid"/>
+          <a:miter lim="800000"/>
+        </a:ln>
+        <a:effectLst/>
+      </dsp:spPr>
+      <dsp:style>
+        <a:lnRef idx="2">
+          <a:scrgbClr r="0" g="0" b="0"/>
+        </a:lnRef>
+        <a:fillRef idx="1">
+          <a:scrgbClr r="0" g="0" b="0"/>
+        </a:fillRef>
+        <a:effectRef idx="0">
+          <a:scrgbClr r="0" g="0" b="0"/>
+        </a:effectRef>
+        <a:fontRef idx="minor">
+          <a:schemeClr val="lt1"/>
+        </a:fontRef>
+      </dsp:style>
+    </dsp:sp>
+    <dsp:sp modelId="{8A51C4C9-8945-4398-9608-4C75880FBD45}">
+      <dsp:nvSpPr>
+        <dsp:cNvPr id="0" name=""/>
+        <dsp:cNvSpPr/>
+      </dsp:nvSpPr>
+      <dsp:spPr>
+        <a:xfrm>
+          <a:off x="418068" y="2021299"/>
+          <a:ext cx="4320000" cy="648000"/>
+        </a:xfrm>
+        <a:prstGeom prst="rect">
+          <a:avLst/>
+        </a:prstGeom>
+        <a:noFill/>
+        <a:ln>
+          <a:noFill/>
+        </a:ln>
+        <a:effectLst/>
+      </dsp:spPr>
+      <dsp:style>
+        <a:lnRef idx="0">
+          <a:scrgbClr r="0" g="0" b="0"/>
+        </a:lnRef>
+        <a:fillRef idx="0">
+          <a:scrgbClr r="0" g="0" b="0"/>
+        </a:fillRef>
+        <a:effectRef idx="0">
+          <a:scrgbClr r="0" g="0" b="0"/>
+        </a:effectRef>
+        <a:fontRef idx="minor"/>
+      </dsp:style>
+      <dsp:txBody>
+        <a:bodyPr spcFirstLastPara="0" vert="horz" wrap="square" lIns="0" tIns="0" rIns="0" bIns="0" numCol="1" spcCol="1270" anchor="t" anchorCtr="0">
+          <a:noAutofit/>
+        </a:bodyPr>
+        <a:lstStyle/>
+        <a:p>
+          <a:pPr marL="0" lvl="0" indent="0" algn="l" defTabSz="1022350">
+            <a:lnSpc>
+              <a:spcPct val="100000"/>
+            </a:lnSpc>
+            <a:spcBef>
+              <a:spcPct val="0"/>
+            </a:spcBef>
+            <a:spcAft>
+              <a:spcPct val="35000"/>
+            </a:spcAft>
+            <a:buNone/>
+            <a:defRPr b="1"/>
+          </a:pPr>
+          <a:r>
+            <a:rPr lang="en-US" sz="2300" b="1" i="0" kern="1200"/>
+            <a:t>Data Collection and Challenges</a:t>
+          </a:r>
+          <a:endParaRPr lang="en-US" sz="2300" kern="1200"/>
+        </a:p>
+      </dsp:txBody>
+      <dsp:txXfrm>
+        <a:off x="418068" y="2021299"/>
+        <a:ext cx="4320000" cy="648000"/>
+      </dsp:txXfrm>
+    </dsp:sp>
+    <dsp:sp modelId="{5366B811-1A62-4ABD-8B39-308C8A6A2D6B}">
+      <dsp:nvSpPr>
+        <dsp:cNvPr id="0" name=""/>
+        <dsp:cNvSpPr/>
+      </dsp:nvSpPr>
+      <dsp:spPr>
+        <a:xfrm>
+          <a:off x="418068" y="2763917"/>
+          <a:ext cx="4320000" cy="2272849"/>
+        </a:xfrm>
+        <a:prstGeom prst="rect">
+          <a:avLst/>
+        </a:prstGeom>
+        <a:noFill/>
+        <a:ln>
+          <a:noFill/>
+        </a:ln>
+        <a:effectLst/>
+      </dsp:spPr>
+      <dsp:style>
+        <a:lnRef idx="0">
+          <a:scrgbClr r="0" g="0" b="0"/>
+        </a:lnRef>
+        <a:fillRef idx="0">
+          <a:scrgbClr r="0" g="0" b="0"/>
+        </a:fillRef>
+        <a:effectRef idx="0">
+          <a:scrgbClr r="0" g="0" b="0"/>
+        </a:effectRef>
+        <a:fontRef idx="minor"/>
+      </dsp:style>
+      <dsp:txBody>
+        <a:bodyPr spcFirstLastPara="0" vert="horz" wrap="square" lIns="0" tIns="0" rIns="0" bIns="0" numCol="1" spcCol="1270" anchor="t" anchorCtr="0">
+          <a:noAutofit/>
+        </a:bodyPr>
+        <a:lstStyle/>
+        <a:p>
+          <a:pPr marL="0" lvl="0" indent="0" algn="l" defTabSz="755650">
+            <a:lnSpc>
+              <a:spcPct val="100000"/>
+            </a:lnSpc>
+            <a:spcBef>
+              <a:spcPct val="0"/>
+            </a:spcBef>
+            <a:spcAft>
+              <a:spcPct val="35000"/>
+            </a:spcAft>
+            <a:buNone/>
+          </a:pPr>
+          <a:r>
+            <a:rPr lang="en-US" sz="1700" b="1" i="0" kern="1200"/>
+            <a:t>Data Source</a:t>
+          </a:r>
+          <a:r>
+            <a:rPr lang="en-US" sz="1700" b="0" i="0" kern="1200"/>
+            <a:t>: Attempted to collect bulk weather data from OpenWeatherMap API using Python for the past 45 years.</a:t>
+          </a:r>
+          <a:endParaRPr lang="en-US" sz="1700" kern="1200"/>
+        </a:p>
+        <a:p>
+          <a:pPr marL="0" lvl="0" indent="0" algn="l" defTabSz="755650">
+            <a:lnSpc>
+              <a:spcPct val="100000"/>
+            </a:lnSpc>
+            <a:spcBef>
+              <a:spcPct val="0"/>
+            </a:spcBef>
+            <a:spcAft>
+              <a:spcPct val="35000"/>
+            </a:spcAft>
+            <a:buNone/>
+          </a:pPr>
+          <a:r>
+            <a:rPr lang="en-US" sz="1700" b="1" i="0" kern="1200"/>
+            <a:t>Challenges</a:t>
+          </a:r>
+          <a:r>
+            <a:rPr lang="en-US" sz="1700" b="0" i="0" kern="1200"/>
+            <a:t>:</a:t>
+          </a:r>
+          <a:endParaRPr lang="en-US" sz="1700" kern="1200"/>
+        </a:p>
+        <a:p>
+          <a:pPr marL="171450" lvl="1" indent="-171450" algn="l" defTabSz="755650">
+            <a:lnSpc>
+              <a:spcPct val="90000"/>
+            </a:lnSpc>
+            <a:spcBef>
+              <a:spcPct val="0"/>
+            </a:spcBef>
+            <a:spcAft>
+              <a:spcPct val="15000"/>
+            </a:spcAft>
+            <a:buChar char="•"/>
+          </a:pPr>
+          <a:r>
+            <a:rPr lang="en-US" sz="1700" b="0" i="0" kern="1200"/>
+            <a:t>Data retrieved contained only a few unique timestamps due to subscription limitations.</a:t>
+          </a:r>
+          <a:endParaRPr lang="en-US" sz="1700" kern="1200"/>
+        </a:p>
+        <a:p>
+          <a:pPr marL="171450" lvl="1" indent="-171450" algn="l" defTabSz="755650">
+            <a:lnSpc>
+              <a:spcPct val="90000"/>
+            </a:lnSpc>
+            <a:spcBef>
+              <a:spcPct val="0"/>
+            </a:spcBef>
+            <a:spcAft>
+              <a:spcPct val="15000"/>
+            </a:spcAft>
+            <a:buChar char="•"/>
+          </a:pPr>
+          <a:r>
+            <a:rPr lang="en-US" sz="1700" b="0" i="0" kern="1200"/>
+            <a:t>Unable to find real weather data through alternative sources.</a:t>
+          </a:r>
+          <a:endParaRPr lang="en-US" sz="1700" kern="1200"/>
+        </a:p>
+      </dsp:txBody>
+      <dsp:txXfrm>
+        <a:off x="418068" y="2763917"/>
+        <a:ext cx="4320000" cy="2272849"/>
+      </dsp:txXfrm>
+    </dsp:sp>
+    <dsp:sp modelId="{47D6DE55-F62F-4F49-B579-4CEFCECD7DD6}">
+      <dsp:nvSpPr>
+        <dsp:cNvPr id="0" name=""/>
+        <dsp:cNvSpPr/>
+      </dsp:nvSpPr>
+      <dsp:spPr>
+        <a:xfrm>
+          <a:off x="5494068" y="305871"/>
+          <a:ext cx="1512000" cy="1512000"/>
+        </a:xfrm>
+        <a:prstGeom prst="rect">
+          <a:avLst/>
+        </a:prstGeom>
+        <a:blipFill>
+          <a:blip xmlns:r="http://schemas.openxmlformats.org/officeDocument/2006/relationships" r:embed="rId3">
+            <a:extLst>
+              <a:ext uri="{28A0092B-C50C-407E-A947-70E740481C1C}">
+                <a14:useLocalDpi xmlns:a14="http://schemas.microsoft.com/office/drawing/2010/main" val="0"/>
+              </a:ext>
+              <a:ext uri="{96DAC541-7B7A-43D3-8B79-37D633B846F1}">
+                <asvg:svgBlip xmlns:asvg="http://schemas.microsoft.com/office/drawing/2016/SVG/main" r:embed="rId4"/>
+              </a:ext>
+            </a:extLst>
+          </a:blip>
+          <a:stretch>
+            <a:fillRect/>
+          </a:stretch>
+        </a:blipFill>
+        <a:ln w="19050" cap="flat" cmpd="sng" algn="ctr">
+          <a:solidFill>
+            <a:schemeClr val="lt1">
+              <a:alpha val="0"/>
+              <a:hueOff val="0"/>
+              <a:satOff val="0"/>
+              <a:lumOff val="0"/>
+              <a:alphaOff val="0"/>
+            </a:schemeClr>
+          </a:solidFill>
+          <a:prstDash val="solid"/>
+          <a:miter lim="800000"/>
+        </a:ln>
+        <a:effectLst/>
+      </dsp:spPr>
+      <dsp:style>
+        <a:lnRef idx="2">
+          <a:scrgbClr r="0" g="0" b="0"/>
+        </a:lnRef>
+        <a:fillRef idx="1">
+          <a:scrgbClr r="0" g="0" b="0"/>
+        </a:fillRef>
+        <a:effectRef idx="0">
+          <a:scrgbClr r="0" g="0" b="0"/>
+        </a:effectRef>
+        <a:fontRef idx="minor">
+          <a:schemeClr val="lt1"/>
+        </a:fontRef>
+      </dsp:style>
+    </dsp:sp>
+    <dsp:sp modelId="{B5E7056B-2B58-4AAC-91A1-AA46BE788678}">
+      <dsp:nvSpPr>
+        <dsp:cNvPr id="0" name=""/>
+        <dsp:cNvSpPr/>
+      </dsp:nvSpPr>
+      <dsp:spPr>
+        <a:xfrm>
+          <a:off x="5494068" y="2021299"/>
+          <a:ext cx="4320000" cy="648000"/>
+        </a:xfrm>
+        <a:prstGeom prst="rect">
+          <a:avLst/>
+        </a:prstGeom>
+        <a:noFill/>
+        <a:ln>
+          <a:noFill/>
+        </a:ln>
+        <a:effectLst/>
+      </dsp:spPr>
+      <dsp:style>
+        <a:lnRef idx="0">
+          <a:scrgbClr r="0" g="0" b="0"/>
+        </a:lnRef>
+        <a:fillRef idx="0">
+          <a:scrgbClr r="0" g="0" b="0"/>
+        </a:fillRef>
+        <a:effectRef idx="0">
+          <a:scrgbClr r="0" g="0" b="0"/>
+        </a:effectRef>
+        <a:fontRef idx="minor"/>
+      </dsp:style>
+      <dsp:txBody>
+        <a:bodyPr spcFirstLastPara="0" vert="horz" wrap="square" lIns="0" tIns="0" rIns="0" bIns="0" numCol="1" spcCol="1270" anchor="t" anchorCtr="0">
+          <a:noAutofit/>
+        </a:bodyPr>
+        <a:lstStyle/>
+        <a:p>
+          <a:pPr marL="0" lvl="0" indent="0" algn="l" defTabSz="1022350">
+            <a:lnSpc>
+              <a:spcPct val="100000"/>
+            </a:lnSpc>
+            <a:spcBef>
+              <a:spcPct val="0"/>
+            </a:spcBef>
+            <a:spcAft>
+              <a:spcPct val="35000"/>
+            </a:spcAft>
+            <a:buNone/>
+            <a:defRPr b="1"/>
+          </a:pPr>
+          <a:r>
+            <a:rPr lang="en-US" sz="2300" b="1" i="0" kern="1200"/>
+            <a:t>Solution</a:t>
+          </a:r>
+          <a:r>
+            <a:rPr lang="en-US" sz="2300" b="0" i="0" kern="1200"/>
+            <a:t>:</a:t>
+          </a:r>
+          <a:endParaRPr lang="en-US" sz="2300" kern="1200"/>
+        </a:p>
+      </dsp:txBody>
+      <dsp:txXfrm>
+        <a:off x="5494068" y="2021299"/>
+        <a:ext cx="4320000" cy="648000"/>
+      </dsp:txXfrm>
+    </dsp:sp>
+    <dsp:sp modelId="{5E3F5CE1-3BE0-45EC-B586-41E2FBCFFDEC}">
+      <dsp:nvSpPr>
+        <dsp:cNvPr id="0" name=""/>
+        <dsp:cNvSpPr/>
+      </dsp:nvSpPr>
+      <dsp:spPr>
+        <a:xfrm>
+          <a:off x="5494068" y="2763917"/>
+          <a:ext cx="4320000" cy="2272849"/>
+        </a:xfrm>
+        <a:prstGeom prst="rect">
+          <a:avLst/>
+        </a:prstGeom>
+        <a:noFill/>
+        <a:ln>
+          <a:noFill/>
+        </a:ln>
+        <a:effectLst/>
+      </dsp:spPr>
+      <dsp:style>
+        <a:lnRef idx="0">
+          <a:scrgbClr r="0" g="0" b="0"/>
+        </a:lnRef>
+        <a:fillRef idx="0">
+          <a:scrgbClr r="0" g="0" b="0"/>
+        </a:fillRef>
+        <a:effectRef idx="0">
+          <a:scrgbClr r="0" g="0" b="0"/>
+        </a:effectRef>
+        <a:fontRef idx="minor"/>
+      </dsp:style>
+      <dsp:txBody>
+        <a:bodyPr spcFirstLastPara="0" vert="horz" wrap="square" lIns="0" tIns="0" rIns="0" bIns="0" numCol="1" spcCol="1270" anchor="t" anchorCtr="0">
+          <a:noAutofit/>
+        </a:bodyPr>
+        <a:lstStyle/>
+        <a:p>
+          <a:pPr marL="0" lvl="0" indent="0" algn="l" defTabSz="755650">
+            <a:lnSpc>
+              <a:spcPct val="100000"/>
+            </a:lnSpc>
+            <a:spcBef>
+              <a:spcPct val="0"/>
+            </a:spcBef>
+            <a:spcAft>
+              <a:spcPct val="35000"/>
+            </a:spcAft>
+            <a:buNone/>
+          </a:pPr>
+          <a:r>
+            <a:rPr lang="en-US" sz="1700" b="0" i="0" kern="1200" dirty="0"/>
+            <a:t>Created a Python utility to generate 2GB of synthetic data, simulating the typical response from </a:t>
+          </a:r>
+          <a:r>
+            <a:rPr lang="en-US" sz="1700" b="0" i="0" kern="1200" dirty="0" err="1"/>
+            <a:t>OpenWeatherMap</a:t>
+          </a:r>
+          <a:r>
+            <a:rPr lang="en-US" sz="1700" b="0" i="0" kern="1200" dirty="0"/>
+            <a:t> API.</a:t>
+          </a:r>
+          <a:endParaRPr lang="en-US" sz="1700" kern="1200" dirty="0"/>
+        </a:p>
+      </dsp:txBody>
+      <dsp:txXfrm>
+        <a:off x="5494068" y="2763917"/>
+        <a:ext cx="4320000" cy="2272849"/>
+      </dsp:txXfrm>
+    </dsp:sp>
+  </dsp:spTree>
+</dsp:drawing>
+</file>
+
+<file path=ppt/diagrams/drawing2.xml><?xml version="1.0" encoding="utf-8"?>
+<dsp:drawing xmlns:dgm="http://schemas.openxmlformats.org/drawingml/2006/diagram" xmlns:dsp="http://schemas.microsoft.com/office/drawing/2008/diagram" xmlns:a="http://schemas.openxmlformats.org/drawingml/2006/main">
+  <dsp:spTree>
+    <dsp:nvGrpSpPr>
+      <dsp:cNvPr id="0" name=""/>
+      <dsp:cNvGrpSpPr/>
+    </dsp:nvGrpSpPr>
+    <dsp:grpSpPr/>
+    <dsp:sp modelId="{E3CD08B8-FF5A-4086-A5F9-0E330F224475}">
+      <dsp:nvSpPr>
+        <dsp:cNvPr id="0" name=""/>
+        <dsp:cNvSpPr/>
+      </dsp:nvSpPr>
+      <dsp:spPr>
+        <a:xfrm>
+          <a:off x="0" y="2113"/>
+          <a:ext cx="5520447" cy="1081401"/>
+        </a:xfrm>
+        <a:prstGeom prst="roundRect">
+          <a:avLst>
+            <a:gd name="adj" fmla="val 10000"/>
+          </a:avLst>
+        </a:prstGeom>
+        <a:solidFill>
+          <a:schemeClr val="accent1">
+            <a:tint val="40000"/>
+            <a:hueOff val="0"/>
+            <a:satOff val="0"/>
+            <a:lumOff val="0"/>
+            <a:alphaOff val="0"/>
+          </a:schemeClr>
+        </a:solidFill>
+        <a:ln>
+          <a:noFill/>
+        </a:ln>
+        <a:effectLst/>
+      </dsp:spPr>
+      <dsp:style>
+        <a:lnRef idx="0">
+          <a:scrgbClr r="0" g="0" b="0"/>
+        </a:lnRef>
+        <a:fillRef idx="1">
+          <a:scrgbClr r="0" g="0" b="0"/>
+        </a:fillRef>
+        <a:effectRef idx="0">
+          <a:scrgbClr r="0" g="0" b="0"/>
+        </a:effectRef>
+        <a:fontRef idx="minor"/>
+      </dsp:style>
+    </dsp:sp>
+    <dsp:sp modelId="{273E2B9C-046D-495D-9A46-2796EBD44ED1}">
+      <dsp:nvSpPr>
+        <dsp:cNvPr id="0" name=""/>
+        <dsp:cNvSpPr/>
+      </dsp:nvSpPr>
+      <dsp:spPr>
+        <a:xfrm>
+          <a:off x="327124" y="245429"/>
+          <a:ext cx="595352" cy="594771"/>
+        </a:xfrm>
+        <a:prstGeom prst="rect">
+          <a:avLst/>
+        </a:prstGeom>
+        <a:blipFill>
+          <a:blip xmlns:r="http://schemas.openxmlformats.org/officeDocument/2006/relationships" r:embed="rId1">
+            <a:extLst>
+              <a:ext uri="{28A0092B-C50C-407E-A947-70E740481C1C}">
+                <a14:useLocalDpi xmlns:a14="http://schemas.microsoft.com/office/drawing/2010/main" val="0"/>
+              </a:ext>
+              <a:ext uri="{96DAC541-7B7A-43D3-8B79-37D633B846F1}">
+                <asvg:svgBlip xmlns:asvg="http://schemas.microsoft.com/office/drawing/2016/SVG/main" r:embed="rId2"/>
+              </a:ext>
+            </a:extLst>
+          </a:blip>
+          <a:stretch>
+            <a:fillRect/>
+          </a:stretch>
+        </a:blipFill>
+        <a:ln w="19050" cap="flat" cmpd="sng" algn="ctr">
+          <a:solidFill>
+            <a:schemeClr val="lt1">
+              <a:hueOff val="0"/>
+              <a:satOff val="0"/>
+              <a:lumOff val="0"/>
+              <a:alphaOff val="0"/>
+            </a:schemeClr>
+          </a:solidFill>
+          <a:prstDash val="solid"/>
+          <a:miter lim="800000"/>
+        </a:ln>
+        <a:effectLst/>
+      </dsp:spPr>
+      <dsp:style>
+        <a:lnRef idx="2">
+          <a:scrgbClr r="0" g="0" b="0"/>
+        </a:lnRef>
+        <a:fillRef idx="1">
+          <a:scrgbClr r="0" g="0" b="0"/>
+        </a:fillRef>
+        <a:effectRef idx="0">
+          <a:scrgbClr r="0" g="0" b="0"/>
+        </a:effectRef>
+        <a:fontRef idx="minor">
+          <a:schemeClr val="lt1"/>
+        </a:fontRef>
+      </dsp:style>
+    </dsp:sp>
+    <dsp:sp modelId="{A8601971-CC11-47F9-82BC-7325D3EFAC1F}">
+      <dsp:nvSpPr>
+        <dsp:cNvPr id="0" name=""/>
+        <dsp:cNvSpPr/>
+      </dsp:nvSpPr>
+      <dsp:spPr>
+        <a:xfrm>
+          <a:off x="1249600" y="2113"/>
+          <a:ext cx="4104972" cy="1082459"/>
+        </a:xfrm>
+        <a:prstGeom prst="rect">
+          <a:avLst/>
+        </a:prstGeom>
+        <a:noFill/>
+        <a:ln>
+          <a:noFill/>
+        </a:ln>
+        <a:effectLst/>
+      </dsp:spPr>
+      <dsp:style>
+        <a:lnRef idx="0">
+          <a:scrgbClr r="0" g="0" b="0"/>
+        </a:lnRef>
+        <a:fillRef idx="0">
+          <a:scrgbClr r="0" g="0" b="0"/>
+        </a:fillRef>
+        <a:effectRef idx="0">
+          <a:scrgbClr r="0" g="0" b="0"/>
+        </a:effectRef>
+        <a:fontRef idx="minor"/>
+      </dsp:style>
+      <dsp:txBody>
+        <a:bodyPr spcFirstLastPara="0" vert="horz" wrap="square" lIns="114560" tIns="114560" rIns="114560" bIns="114560" numCol="1" spcCol="1270" anchor="ctr" anchorCtr="0">
+          <a:noAutofit/>
+        </a:bodyPr>
+        <a:lstStyle/>
+        <a:p>
+          <a:pPr marL="0" lvl="0" indent="0" algn="l" defTabSz="622300">
+            <a:lnSpc>
+              <a:spcPct val="100000"/>
+            </a:lnSpc>
+            <a:spcBef>
+              <a:spcPct val="0"/>
+            </a:spcBef>
+            <a:spcAft>
+              <a:spcPct val="35000"/>
+            </a:spcAft>
+            <a:buNone/>
+          </a:pPr>
+          <a:r>
+            <a:rPr lang="en-US" sz="1400" kern="1200"/>
+            <a:t>While creating spark session set jar  </a:t>
+          </a:r>
+          <a:r>
+            <a:rPr lang="en-US" sz="1400" b="1" kern="1200"/>
+            <a:t>config("spark.jars.packages", "org.apache.spark:spark-sql-kafka-0-10_2.12:3.2.0,org.apache.kafka:kafka-clients:3.5.2") \</a:t>
+          </a:r>
+          <a:endParaRPr lang="en-US" sz="1400" kern="1200"/>
+        </a:p>
+      </dsp:txBody>
+      <dsp:txXfrm>
+        <a:off x="1249600" y="2113"/>
+        <a:ext cx="4104972" cy="1082459"/>
+      </dsp:txXfrm>
+    </dsp:sp>
+    <dsp:sp modelId="{C9C4AD85-9884-44F5-A0CA-40EE1C64E19F}">
+      <dsp:nvSpPr>
+        <dsp:cNvPr id="0" name=""/>
+        <dsp:cNvSpPr/>
+      </dsp:nvSpPr>
+      <dsp:spPr>
+        <a:xfrm>
+          <a:off x="0" y="1301064"/>
+          <a:ext cx="5520447" cy="1081401"/>
+        </a:xfrm>
+        <a:prstGeom prst="roundRect">
+          <a:avLst>
+            <a:gd name="adj" fmla="val 10000"/>
+          </a:avLst>
+        </a:prstGeom>
+        <a:solidFill>
+          <a:schemeClr val="accent1">
+            <a:tint val="40000"/>
+            <a:hueOff val="0"/>
+            <a:satOff val="0"/>
+            <a:lumOff val="0"/>
+            <a:alphaOff val="0"/>
+          </a:schemeClr>
+        </a:solidFill>
+        <a:ln>
+          <a:noFill/>
+        </a:ln>
+        <a:effectLst/>
+      </dsp:spPr>
+      <dsp:style>
+        <a:lnRef idx="0">
+          <a:scrgbClr r="0" g="0" b="0"/>
+        </a:lnRef>
+        <a:fillRef idx="1">
+          <a:scrgbClr r="0" g="0" b="0"/>
+        </a:fillRef>
+        <a:effectRef idx="0">
+          <a:scrgbClr r="0" g="0" b="0"/>
+        </a:effectRef>
+        <a:fontRef idx="minor"/>
+      </dsp:style>
+    </dsp:sp>
+    <dsp:sp modelId="{DD0E0998-105D-4D35-8AAF-1B9FE23576E4}">
+      <dsp:nvSpPr>
+        <dsp:cNvPr id="0" name=""/>
+        <dsp:cNvSpPr/>
+      </dsp:nvSpPr>
+      <dsp:spPr>
+        <a:xfrm>
+          <a:off x="327124" y="1544379"/>
+          <a:ext cx="595352" cy="594771"/>
+        </a:xfrm>
+        <a:prstGeom prst="rect">
+          <a:avLst/>
+        </a:prstGeom>
+        <a:blipFill>
+          <a:blip xmlns:r="http://schemas.openxmlformats.org/officeDocument/2006/relationships" r:embed="rId3">
+            <a:extLst>
+              <a:ext uri="{28A0092B-C50C-407E-A947-70E740481C1C}">
+                <a14:useLocalDpi xmlns:a14="http://schemas.microsoft.com/office/drawing/2010/main" val="0"/>
+              </a:ext>
+              <a:ext uri="{96DAC541-7B7A-43D3-8B79-37D633B846F1}">
+                <asvg:svgBlip xmlns:asvg="http://schemas.microsoft.com/office/drawing/2016/SVG/main" r:embed="rId4"/>
+              </a:ext>
+            </a:extLst>
+          </a:blip>
+          <a:stretch>
+            <a:fillRect/>
+          </a:stretch>
+        </a:blipFill>
+        <a:ln w="19050" cap="flat" cmpd="sng" algn="ctr">
+          <a:solidFill>
+            <a:schemeClr val="lt1">
+              <a:hueOff val="0"/>
+              <a:satOff val="0"/>
+              <a:lumOff val="0"/>
+              <a:alphaOff val="0"/>
+            </a:schemeClr>
+          </a:solidFill>
+          <a:prstDash val="solid"/>
+          <a:miter lim="800000"/>
+        </a:ln>
+        <a:effectLst/>
+      </dsp:spPr>
+      <dsp:style>
+        <a:lnRef idx="2">
+          <a:scrgbClr r="0" g="0" b="0"/>
+        </a:lnRef>
+        <a:fillRef idx="1">
+          <a:scrgbClr r="0" g="0" b="0"/>
+        </a:fillRef>
+        <a:effectRef idx="0">
+          <a:scrgbClr r="0" g="0" b="0"/>
+        </a:effectRef>
+        <a:fontRef idx="minor">
+          <a:schemeClr val="lt1"/>
+        </a:fontRef>
+      </dsp:style>
+    </dsp:sp>
+    <dsp:sp modelId="{C4EA1D67-0FC6-40FC-95F2-FCF69F581F55}">
+      <dsp:nvSpPr>
+        <dsp:cNvPr id="0" name=""/>
+        <dsp:cNvSpPr/>
+      </dsp:nvSpPr>
+      <dsp:spPr>
+        <a:xfrm>
+          <a:off x="1249600" y="1301064"/>
+          <a:ext cx="4104972" cy="1082459"/>
+        </a:xfrm>
+        <a:prstGeom prst="rect">
+          <a:avLst/>
+        </a:prstGeom>
+        <a:noFill/>
+        <a:ln>
+          <a:noFill/>
+        </a:ln>
+        <a:effectLst/>
+      </dsp:spPr>
+      <dsp:style>
+        <a:lnRef idx="0">
+          <a:scrgbClr r="0" g="0" b="0"/>
+        </a:lnRef>
+        <a:fillRef idx="0">
+          <a:scrgbClr r="0" g="0" b="0"/>
+        </a:fillRef>
+        <a:effectRef idx="0">
+          <a:scrgbClr r="0" g="0" b="0"/>
+        </a:effectRef>
+        <a:fontRef idx="minor"/>
+      </dsp:style>
+      <dsp:txBody>
+        <a:bodyPr spcFirstLastPara="0" vert="horz" wrap="square" lIns="114560" tIns="114560" rIns="114560" bIns="114560" numCol="1" spcCol="1270" anchor="ctr" anchorCtr="0">
+          <a:noAutofit/>
+        </a:bodyPr>
+        <a:lstStyle/>
+        <a:p>
+          <a:pPr marL="0" lvl="0" indent="0" algn="l" defTabSz="622300">
+            <a:lnSpc>
+              <a:spcPct val="100000"/>
+            </a:lnSpc>
+            <a:spcBef>
+              <a:spcPct val="0"/>
+            </a:spcBef>
+            <a:spcAft>
+              <a:spcPct val="35000"/>
+            </a:spcAft>
+            <a:buNone/>
+          </a:pPr>
+          <a:r>
+            <a:rPr lang="en-US" sz="1400" kern="1200"/>
+            <a:t>Also pass right Kafka bootstrap.servers and kafka topic while  </a:t>
+          </a:r>
+          <a:r>
+            <a:rPr lang="en-US" sz="1400" b="1" kern="1200"/>
+            <a:t>spark.readStream</a:t>
+          </a:r>
+          <a:endParaRPr lang="en-US" sz="1400" kern="1200"/>
+        </a:p>
+      </dsp:txBody>
+      <dsp:txXfrm>
+        <a:off x="1249600" y="1301064"/>
+        <a:ext cx="4104972" cy="1082459"/>
+      </dsp:txXfrm>
+    </dsp:sp>
+    <dsp:sp modelId="{A1FF5C0B-8D53-4D3E-A423-5C6420FF8950}">
+      <dsp:nvSpPr>
+        <dsp:cNvPr id="0" name=""/>
+        <dsp:cNvSpPr/>
+      </dsp:nvSpPr>
+      <dsp:spPr>
+        <a:xfrm>
+          <a:off x="0" y="2600015"/>
+          <a:ext cx="5520447" cy="1081401"/>
+        </a:xfrm>
+        <a:prstGeom prst="roundRect">
+          <a:avLst>
+            <a:gd name="adj" fmla="val 10000"/>
+          </a:avLst>
+        </a:prstGeom>
+        <a:solidFill>
+          <a:schemeClr val="accent1">
+            <a:tint val="40000"/>
+            <a:hueOff val="0"/>
+            <a:satOff val="0"/>
+            <a:lumOff val="0"/>
+            <a:alphaOff val="0"/>
+          </a:schemeClr>
+        </a:solidFill>
+        <a:ln>
+          <a:noFill/>
+        </a:ln>
+        <a:effectLst/>
+      </dsp:spPr>
+      <dsp:style>
+        <a:lnRef idx="0">
+          <a:scrgbClr r="0" g="0" b="0"/>
+        </a:lnRef>
+        <a:fillRef idx="1">
+          <a:scrgbClr r="0" g="0" b="0"/>
+        </a:fillRef>
+        <a:effectRef idx="0">
+          <a:scrgbClr r="0" g="0" b="0"/>
+        </a:effectRef>
+        <a:fontRef idx="minor"/>
+      </dsp:style>
+    </dsp:sp>
+    <dsp:sp modelId="{9355C909-B1BF-4B9E-B652-BBAD0E132603}">
+      <dsp:nvSpPr>
+        <dsp:cNvPr id="0" name=""/>
+        <dsp:cNvSpPr/>
+      </dsp:nvSpPr>
+      <dsp:spPr>
+        <a:xfrm>
+          <a:off x="327124" y="2843330"/>
+          <a:ext cx="595352" cy="594771"/>
+        </a:xfrm>
+        <a:prstGeom prst="rect">
+          <a:avLst/>
+        </a:prstGeom>
+        <a:blipFill>
+          <a:blip xmlns:r="http://schemas.openxmlformats.org/officeDocument/2006/relationships" r:embed="rId5">
+            <a:extLst>
+              <a:ext uri="{28A0092B-C50C-407E-A947-70E740481C1C}">
+                <a14:useLocalDpi xmlns:a14="http://schemas.microsoft.com/office/drawing/2010/main" val="0"/>
+              </a:ext>
+              <a:ext uri="{96DAC541-7B7A-43D3-8B79-37D633B846F1}">
+                <asvg:svgBlip xmlns:asvg="http://schemas.microsoft.com/office/drawing/2016/SVG/main" r:embed="rId6"/>
+              </a:ext>
+            </a:extLst>
+          </a:blip>
+          <a:stretch>
+            <a:fillRect/>
+          </a:stretch>
+        </a:blipFill>
+        <a:ln w="19050" cap="flat" cmpd="sng" algn="ctr">
+          <a:solidFill>
+            <a:schemeClr val="lt1">
+              <a:hueOff val="0"/>
+              <a:satOff val="0"/>
+              <a:lumOff val="0"/>
+              <a:alphaOff val="0"/>
+            </a:schemeClr>
+          </a:solidFill>
+          <a:prstDash val="solid"/>
+          <a:miter lim="800000"/>
+        </a:ln>
+        <a:effectLst/>
+      </dsp:spPr>
+      <dsp:style>
+        <a:lnRef idx="2">
+          <a:scrgbClr r="0" g="0" b="0"/>
+        </a:lnRef>
+        <a:fillRef idx="1">
+          <a:scrgbClr r="0" g="0" b="0"/>
+        </a:fillRef>
+        <a:effectRef idx="0">
+          <a:scrgbClr r="0" g="0" b="0"/>
+        </a:effectRef>
+        <a:fontRef idx="minor">
+          <a:schemeClr val="lt1"/>
+        </a:fontRef>
+      </dsp:style>
+    </dsp:sp>
+    <dsp:sp modelId="{434A464E-7621-4108-AB11-BB0E3E42AF8B}">
+      <dsp:nvSpPr>
+        <dsp:cNvPr id="0" name=""/>
+        <dsp:cNvSpPr/>
+      </dsp:nvSpPr>
+      <dsp:spPr>
+        <a:xfrm>
+          <a:off x="1249600" y="2600015"/>
+          <a:ext cx="4104972" cy="1082459"/>
+        </a:xfrm>
+        <a:prstGeom prst="rect">
+          <a:avLst/>
+        </a:prstGeom>
+        <a:noFill/>
+        <a:ln>
+          <a:noFill/>
+        </a:ln>
+        <a:effectLst/>
+      </dsp:spPr>
+      <dsp:style>
+        <a:lnRef idx="0">
+          <a:scrgbClr r="0" g="0" b="0"/>
+        </a:lnRef>
+        <a:fillRef idx="0">
+          <a:scrgbClr r="0" g="0" b="0"/>
+        </a:fillRef>
+        <a:effectRef idx="0">
+          <a:scrgbClr r="0" g="0" b="0"/>
+        </a:effectRef>
+        <a:fontRef idx="minor"/>
+      </dsp:style>
+      <dsp:txBody>
+        <a:bodyPr spcFirstLastPara="0" vert="horz" wrap="square" lIns="114560" tIns="114560" rIns="114560" bIns="114560" numCol="1" spcCol="1270" anchor="ctr" anchorCtr="0">
+          <a:noAutofit/>
+        </a:bodyPr>
+        <a:lstStyle/>
+        <a:p>
+          <a:pPr marL="0" lvl="0" indent="0" algn="l" defTabSz="622300">
+            <a:lnSpc>
+              <a:spcPct val="100000"/>
+            </a:lnSpc>
+            <a:spcBef>
+              <a:spcPct val="0"/>
+            </a:spcBef>
+            <a:spcAft>
+              <a:spcPct val="35000"/>
+            </a:spcAft>
+            <a:buNone/>
+          </a:pPr>
+          <a:r>
+            <a:rPr lang="en-US" sz="1400" b="1" kern="1200"/>
+            <a:t>Cast</a:t>
+          </a:r>
+          <a:r>
+            <a:rPr lang="en-US" sz="1400" kern="1200"/>
+            <a:t> value to string and then use from_jsom to take Json data and use explode to </a:t>
+          </a:r>
+          <a:r>
+            <a:rPr lang="en-US" sz="1400" b="1" kern="1200"/>
+            <a:t>flatten</a:t>
+          </a:r>
+          <a:r>
+            <a:rPr lang="en-US" sz="1400" kern="1200"/>
+            <a:t> the json </a:t>
+          </a:r>
+        </a:p>
+      </dsp:txBody>
+      <dsp:txXfrm>
+        <a:off x="1249600" y="2600015"/>
+        <a:ext cx="4104972" cy="1082459"/>
+      </dsp:txXfrm>
+    </dsp:sp>
+  </dsp:spTree>
+</dsp:drawing>
+</file>
+
+<file path=ppt/diagrams/layout1.xml><?xml version="1.0" encoding="utf-8"?>
+<dgm:layoutDef xmlns:dgm="http://schemas.openxmlformats.org/drawingml/2006/diagram" xmlns:a="http://schemas.openxmlformats.org/drawingml/2006/main" uniqueId="urn:microsoft.com/office/officeart/2018/2/layout/IconLabelDescriptionList">
+  <dgm:title val="Icon Label Description List"/>
+  <dgm:desc val="Use to show non-sequential or grouped chunks of information. The placeholder holds an icon or small picture, and corresponding text boxes show Level 1 and Level 2 text respectively. Works well for minimal Level 1 text accompanied by lengthier Level two text."/>
+  <dgm:catLst>
+    <dgm:cat type="icon" pri="500"/>
+  </dgm:catLst>
+  <dgm:sampData useDef="1">
+    <dgm:dataModel>
+      <dgm:ptLst/>
+      <dgm:bg/>
+      <dgm:whole/>
+    </dgm:dataModel>
+  </dgm:sampData>
+  <dgm:styleData useDef="1">
+    <dgm:dataModel>
+      <dgm:ptLst/>
+      <dgm:bg/>
+      <dgm:whole/>
+    </dgm:dataModel>
+  </dgm:styleData>
+  <dgm:clrData useDef="1">
+    <dgm:dataModel>
+      <dgm:ptLst/>
+      <dgm:bg/>
+      <dgm:whole/>
+    </dgm:dataModel>
+  </dgm:clrData>
+  <dgm:layoutNode name="root">
+    <dgm:varLst>
+      <dgm:dir/>
+      <dgm:resizeHandles val="exact"/>
+    </dgm:varLst>
+    <dgm:choose name="Name0">
+      <dgm:if name="Name1" axis="self" func="var" arg="dir" op="equ" val="norm">
+        <dgm:alg type="lin"/>
+      </dgm:if>
+      <dgm:else name="Name2">
+        <dgm:alg type="lin">
+          <dgm:param type="linDir" val="fromR"/>
+        </dgm:alg>
+      </dgm:else>
+    </dgm:choose>
+    <dgm:shape xmlns:r="http://schemas.openxmlformats.org/officeDocument/2006/relationships" r:blip="">
+      <dgm:adjLst/>
+    </dgm:shape>
+    <dgm:presOf/>
+    <dgm:constrLst>
+      <dgm:constr type="h" for="ch" forName="compNode" refType="h" fact="0.45"/>
+      <dgm:constr type="w" for="ch" forName="compNode" val="120"/>
+      <dgm:constr type="w" for="ch" forName="sibTrans" refType="w" refFor="ch" refForName="compNode" fact="0.175"/>
+      <dgm:constr type="primFontSz" for="des" forName="parTx" val="36"/>
+      <dgm:constr type="primFontSz" for="des" forName="desTx" refType="primFontSz" refFor="des" refForName="parTx" op="lte" fact="0.75"/>
+      <dgm:constr type="h" for="des" forName="compNode" op="equ"/>
+      <dgm:constr type="h" for="des" forName="iconRect" op="equ"/>
+      <dgm:constr type="w" for="des" forName="iconRect" op="equ"/>
+      <dgm:constr type="h" for="des" forName="iconSpace" op="equ"/>
+      <dgm:constr type="h" for="des" forName="parTx" op="equ"/>
+      <dgm:constr type="h" for="des" forName="txSpace" op="equ"/>
+      <dgm:constr type="h" for="des" forName="desTx" op="equ"/>
+    </dgm:constrLst>
+    <dgm:ruleLst>
+      <dgm:rule type="w" for="ch" forName="compNode" val="0" fact="NaN" max="NaN"/>
+    </dgm:ruleLst>
+    <dgm:forEach name="Name3" axis="ch" ptType="node">
+      <dgm:layoutNode name="compNode">
+        <dgm:alg type="composite"/>
+        <dgm:shape xmlns:r="http://schemas.openxmlformats.org/officeDocument/2006/relationships" r:blip="">
+          <dgm:adjLst/>
+        </dgm:shape>
+        <dgm:presOf axis="self"/>
+        <dgm:constrLst>
+          <dgm:constr type="w" for="ch" forName="iconRect" refType="w" fact="0.35"/>
+          <dgm:constr type="h" for="ch" forName="iconRect" refType="w" refFor="ch" refForName="iconRect"/>
+          <dgm:constr type="l" for="ch" forName="iconRect"/>
+          <dgm:constr type="t" for="ch" forName="iconRect"/>
+          <dgm:constr type="w" for="ch" forName="iconSpace" refType="w"/>
+          <dgm:constr type="h" for="ch" forName="iconSpace" refType="h" fact="0.043"/>
+          <dgm:constr type="l" for="ch" forName="iconSpace"/>
+          <dgm:constr type="t" for="ch" forName="iconSpace" refType="b" refFor="ch" refForName="iconRect"/>
+          <dgm:constr type="w" for="ch" forName="parTx" refType="w"/>
+          <dgm:constr type="h" for="ch" forName="parTx" refType="w" fact="0.15"/>
+          <dgm:constr type="l" for="ch" forName="parTx"/>
+          <dgm:constr type="t" for="ch" forName="parTx" refType="b" refFor="ch" refForName="iconSpace"/>
+          <dgm:constr type="h" for="ch" forName="txSpace" refType="h" fact="0.02"/>
+          <dgm:constr type="w" for="ch" forName="txSpace" refType="w"/>
+          <dgm:constr type="l" for="ch" forName="txSpace"/>
+          <dgm:constr type="t" for="ch" forName="txSpace" refType="b" refFor="ch" refForName="parTx"/>
+          <dgm:constr type="w" for="ch" forName="desTx" refType="w"/>
+          <dgm:constr type="l" for="ch" forName="desTx"/>
+          <dgm:constr type="t" for="ch" forName="desTx" refType="b" refFor="ch" refForName="txSpace"/>
+        </dgm:constrLst>
+        <dgm:ruleLst>
+          <dgm:rule type="h" val="INF" fact="NaN" max="NaN"/>
+        </dgm:ruleLst>
+        <dgm:layoutNode name="iconRect" styleLbl="node1">
+          <dgm:alg type="sp"/>
+          <dgm:shape xmlns:r="http://schemas.openxmlformats.org/officeDocument/2006/relationships" type="rect" r:blip="" blipPhldr="1">
+            <dgm:adjLst/>
+          </dgm:shape>
+          <dgm:presOf/>
+          <dgm:constrLst/>
+          <dgm:ruleLst/>
+        </dgm:layoutNode>
+        <dgm:layoutNode name="iconSpace">
+          <dgm:alg type="sp"/>
+          <dgm:shape xmlns:r="http://schemas.openxmlformats.org/officeDocument/2006/relationships" r:blip="">
+            <dgm:adjLst/>
+          </dgm:shape>
+          <dgm:presOf/>
+          <dgm:constrLst/>
+          <dgm:ruleLst/>
+        </dgm:layoutNode>
+        <dgm:layoutNode name="parTx" styleLbl="revTx">
+          <dgm:varLst>
+            <dgm:chMax val="0"/>
+            <dgm:chPref val="0"/>
+          </dgm:varLst>
+          <dgm:alg type="tx">
+            <dgm:param type="txAnchorVert" val="t"/>
+            <dgm:param type="parTxLTRAlign" val="l"/>
+            <dgm:param type="shpTxLTRAlignCh" val="l"/>
+            <dgm:param type="parTxRTLAlign" val="r"/>
+            <dgm:param type="shpTxRTLAlignCh" val="r"/>
+          </dgm:alg>
+          <dgm:shape xmlns:r="http://schemas.openxmlformats.org/officeDocument/2006/relationships" type="rect" r:blip="">
+            <dgm:adjLst/>
+          </dgm:shape>
+          <dgm:presOf axis="self" ptType="node"/>
+          <dgm:constrLst>
+            <dgm:constr type="lMarg"/>
+            <dgm:constr type="rMarg"/>
+            <dgm:constr type="tMarg"/>
+            <dgm:constr type="bMarg"/>
+          </dgm:constrLst>
+          <dgm:ruleLst>
+            <dgm:rule type="primFontSz" val="14" fact="NaN" max="NaN"/>
+            <dgm:rule type="h" val="INF" fact="NaN" max="NaN"/>
+          </dgm:ruleLst>
+        </dgm:layoutNode>
+        <dgm:layoutNode name="txSpace">
+          <dgm:alg type="sp"/>
+          <dgm:shape xmlns:r="http://schemas.openxmlformats.org/officeDocument/2006/relationships" r:blip="">
+            <dgm:adjLst/>
+          </dgm:shape>
+          <dgm:presOf/>
+          <dgm:constrLst/>
+          <dgm:ruleLst/>
+        </dgm:layoutNode>
+        <dgm:layoutNode name="desTx" styleLbl="revTx">
+          <dgm:varLst/>
+          <dgm:alg type="tx">
+            <dgm:param type="stBulletLvl" val="0"/>
+            <dgm:param type="txAnchorVert" val="t"/>
+            <dgm:param type="parTxLTRAlign" val="l"/>
+            <dgm:param type="shpTxLTRAlignCh" val="l"/>
+            <dgm:param type="parTxRTLAlign" val="r"/>
+            <dgm:param type="shpTxRTLAlignCh" val="r"/>
+          </dgm:alg>
+          <dgm:shape xmlns:r="http://schemas.openxmlformats.org/officeDocument/2006/relationships" type="rect" r:blip="">
+            <dgm:adjLst/>
+          </dgm:shape>
+          <dgm:presOf axis="des" ptType="node"/>
+          <dgm:constrLst>
+            <dgm:constr type="secFontSz" refType="primFontSz"/>
+            <dgm:constr type="lMarg"/>
+            <dgm:constr type="rMarg"/>
+            <dgm:constr type="tMarg"/>
+            <dgm:constr type="bMarg"/>
+          </dgm:constrLst>
+          <dgm:ruleLst>
+            <dgm:rule type="primFontSz" val="NaN" fact="NaN" max="17"/>
+            <dgm:rule type="h" val="INF" fact="NaN" max="NaN"/>
+          </dgm:ruleLst>
+        </dgm:layoutNode>
+      </dgm:layoutNode>
+      <dgm:forEach name="Name4" axis="followSib" ptType="sibTrans" cnt="1">
+        <dgm:layoutNode name="sibTrans">
+          <dgm:alg type="sp"/>
+          <dgm:shape xmlns:r="http://schemas.openxmlformats.org/officeDocument/2006/relationships" r:blip="">
+            <dgm:adjLst/>
+          </dgm:shape>
+          <dgm:presOf axis="self"/>
+          <dgm:constrLst/>
+          <dgm:ruleLst/>
+        </dgm:layoutNode>
+      </dgm:forEach>
+    </dgm:forEach>
+  </dgm:layoutNode>
+  <dgm:extLst>
+    <a:ext uri="{68A01E43-0DF5-4B5B-8FA6-DAF915123BFB}">
+      <dgm1612:lstStyle xmlns:dgm1612="http://schemas.microsoft.com/office/drawing/2016/12/diagram">
+        <a:lvl1pPr>
+          <a:lnSpc>
+            <a:spcPct val="100000"/>
+          </a:lnSpc>
+          <a:defRPr b="1"/>
+        </a:lvl1pPr>
+        <a:lvl2pPr>
+          <a:lnSpc>
+            <a:spcPct val="100000"/>
+          </a:lnSpc>
+        </a:lvl2pPr>
+      </dgm1612:lstStyle>
+    </a:ext>
+  </dgm:extLst>
+</dgm:layoutDef>
+</file>
+
+<file path=ppt/diagrams/layout2.xml><?xml version="1.0" encoding="utf-8"?>
+<dgm:layoutDef xmlns:dgm="http://schemas.openxmlformats.org/drawingml/2006/diagram" xmlns:a="http://schemas.openxmlformats.org/drawingml/2006/main" uniqueId="urn:microsoft.com/office/officeart/2018/2/layout/IconVerticalSolidList">
+  <dgm:title val="Icon Vertical Solid List"/>
+  <dgm:desc val="Use to show a series of visuals from top to bottom with Level 1 or Level 1 and Level 2 text grouped in a shape. Works best with icons or small pictures with lengthier descriptions."/>
+  <dgm:catLst>
+    <dgm:cat type="icon" pri="500"/>
+  </dgm:catLst>
+  <dgm:sampData useDef="1">
+    <dgm:dataModel>
+      <dgm:ptLst/>
+      <dgm:bg/>
+      <dgm:whole/>
+    </dgm:dataModel>
+  </dgm:sampData>
+  <dgm:styleData useDef="1">
+    <dgm:dataModel>
+      <dgm:ptLst/>
+      <dgm:bg/>
+      <dgm:whole/>
+    </dgm:dataModel>
+  </dgm:styleData>
+  <dgm:clrData useDef="1">
+    <dgm:dataModel>
+      <dgm:ptLst/>
+      <dgm:bg/>
+      <dgm:whole/>
+    </dgm:dataModel>
+  </dgm:clrData>
+  <dgm:layoutNode name="root">
+    <dgm:varLst>
+      <dgm:dir/>
+      <dgm:resizeHandles val="exact"/>
+    </dgm:varLst>
+    <dgm:choose name="Name0">
+      <dgm:if name="Name1" axis="self" func="var" arg="dir" op="equ" val="norm">
+        <dgm:alg type="lin">
+          <dgm:param type="linDir" val="fromT"/>
+          <dgm:param type="nodeHorzAlign" val="l"/>
+        </dgm:alg>
+      </dgm:if>
+      <dgm:else name="Name2">
+        <dgm:alg type="lin">
+          <dgm:param type="linDir" val="fromT"/>
+          <dgm:param type="nodeHorzAlign" val="r"/>
+        </dgm:alg>
+      </dgm:else>
+    </dgm:choose>
+    <dgm:shape xmlns:r="http://schemas.openxmlformats.org/officeDocument/2006/relationships" r:blip="">
+      <dgm:adjLst/>
+    </dgm:shape>
+    <dgm:presOf/>
+    <dgm:choose name="Name3">
+      <dgm:if name="Name4" axis="ch" ptType="node" func="cnt" op="lte" val="3">
+        <dgm:constrLst>
+          <dgm:constr type="h" for="ch" forName="compNode" refType="h" fact="0.3"/>
+          <dgm:constr type="w" for="ch" forName="compNode" refType="w"/>
+          <dgm:constr type="h" for="ch" forName="sibTrans" refType="h" refFor="ch" refForName="compNode" fact="0.25"/>
+          <dgm:constr type="primFontSz" for="des" forName="parTx" val="25"/>
+          <dgm:constr type="primFontSz" for="des" forName="desTx" refType="primFontSz" refFor="des" refForName="parTx" op="lte" fact="0.75"/>
+          <dgm:constr type="h" for="des" forName="compNode" op="equ"/>
+          <dgm:constr type="h" for="des" forName="bgRect" op="equ"/>
+          <dgm:constr type="h" for="des" forName="iconRect" op="equ"/>
+          <dgm:constr type="w" for="des" forName="iconRect" op="equ"/>
+          <dgm:constr type="h" for="des" forName="spaceRect" op="equ"/>
+          <dgm:constr type="h" for="des" forName="parTx" op="equ"/>
+          <dgm:constr type="h" for="des" forName="desTx" op="equ"/>
+        </dgm:constrLst>
+      </dgm:if>
+      <dgm:if name="Name5" axis="ch" ptType="node" func="cnt" op="lte" val="4">
+        <dgm:constrLst>
+          <dgm:constr type="h" for="ch" forName="compNode" refType="h" fact="0.3"/>
+          <dgm:constr type="w" for="ch" forName="compNode" refType="w"/>
+          <dgm:constr type="h" for="ch" forName="sibTrans" refType="h" refFor="ch" refForName="compNode" fact="0.25"/>
+          <dgm:constr type="primFontSz" for="des" forName="parTx" val="22"/>
+          <dgm:constr type="primFontSz" for="des" forName="desTx" refType="primFontSz" refFor="des" refForName="parTx" op="lte" fact="0.75"/>
+          <dgm:constr type="h" for="des" forName="compNode" op="equ"/>
+          <dgm:constr type="h" for="des" forName="bgRect" op="equ"/>
+          <dgm:constr type="h" for="des" forName="iconRect" op="equ"/>
+          <dgm:constr type="w" for="des" forName="iconRect" op="equ"/>
+          <dgm:constr type="h" for="des" forName="spaceRect" op="equ"/>
+          <dgm:constr type="h" for="des" forName="parTx" op="equ"/>
+          <dgm:constr type="h" for="des" forName="desTx" op="equ"/>
+        </dgm:constrLst>
+      </dgm:if>
+      <dgm:if name="Name6" axis="ch" ptType="node" func="cnt" op="lte" val="6">
+        <dgm:constrLst>
+          <dgm:constr type="h" for="ch" forName="compNode" refType="h" fact="0.3"/>
+          <dgm:constr type="w" for="ch" forName="compNode" refType="w"/>
+          <dgm:constr type="h" for="ch" forName="sibTrans" refType="h" refFor="ch" refForName="compNode" fact="0.25"/>
+          <dgm:constr type="primFontSz" for="des" forName="parTx" val="19"/>
+          <dgm:constr type="primFontSz" for="des" forName="desTx" refType="primFontSz" refFor="des" refForName="parTx" op="lte" fact="0.75"/>
+          <dgm:constr type="h" for="des" forName="compNode" op="equ"/>
+          <dgm:constr type="h" for="des" forName="bgRect" op="equ"/>
+          <dgm:constr type="h" for="des" forName="iconRect" op="equ"/>
+          <dgm:constr type="w" for="des" forName="iconRect" op="equ"/>
+          <dgm:constr type="h" for="des" forName="spaceRect" op="equ"/>
+          <dgm:constr type="h" for="des" forName="parTx" op="equ"/>
+          <dgm:constr type="h" for="des" forName="desTx" op="equ"/>
+        </dgm:constrLst>
+      </dgm:if>
+      <dgm:else name="Name7">
+        <dgm:constrLst>
+          <dgm:constr type="h" for="ch" forName="compNode" refType="h" fact="0.3"/>
+          <dgm:constr type="w" for="ch" forName="compNode" refType="w"/>
+          <dgm:constr type="h" for="ch" forName="sibTrans" refType="h" refFor="ch" refForName="compNode" fact="0.25"/>
+          <dgm:constr type="primFontSz" for="des" forName="parTx" val="16"/>
+          <dgm:constr type="primFontSz" for="des" forName="desTx" refType="primFontSz" refFor="des" refForName="parTx" op="lte" fact="0.75"/>
+          <dgm:constr type="h" for="des" forName="compNode" op="equ"/>
+          <dgm:constr type="h" for="des" forName="bgRect" op="equ"/>
+          <dgm:constr type="h" for="des" forName="iconRect" op="equ"/>
+          <dgm:constr type="w" for="des" forName="iconRect" op="equ"/>
+          <dgm:constr type="h" for="des" forName="spaceRect" op="equ"/>
+          <dgm:constr type="h" for="des" forName="parTx" op="equ"/>
+          <dgm:constr type="h" for="des" forName="desTx" op="equ"/>
+        </dgm:constrLst>
+      </dgm:else>
+    </dgm:choose>
+    <dgm:ruleLst>
+      <dgm:rule type="h" for="ch" forName="compNode" val="0" fact="NaN" max="NaN"/>
+    </dgm:ruleLst>
+    <dgm:forEach name="Name8" axis="ch" ptType="node">
+      <dgm:layoutNode name="compNode">
+        <dgm:alg type="composite"/>
+        <dgm:shape xmlns:r="http://schemas.openxmlformats.org/officeDocument/2006/relationships" r:blip="">
+          <dgm:adjLst/>
+        </dgm:shape>
+        <dgm:presOf axis="self"/>
+        <dgm:choose name="Name9">
+          <dgm:if name="Name10" axis="ch" ptType="node" func="cnt" op="gte" val="1">
+            <dgm:constrLst>
+              <dgm:constr type="w" for="ch" forName="bgRect" refType="w"/>
+              <dgm:constr type="h" for="ch" forName="bgRect" refType="h"/>
+              <dgm:constr type="l" for="ch" forName="bgRect"/>
+              <dgm:constr type="t" for="ch" forName="bgRect"/>
+              <dgm:constr type="h" for="ch" forName="iconRect" refType="h" fact="0.55"/>
+              <dgm:constr type="w" for="ch" forName="iconRect" refType="h" refFor="ch" refForName="iconRect"/>
+              <dgm:constr type="l" for="ch" forName="iconRect" refType="h" refFor="ch" refForName="iconRect" fact="0.55"/>
+              <dgm:constr type="ctrY" for="ch" forName="iconRect" refType="ctrY" refFor="ch" refForName="bgRect"/>
+              <dgm:constr type="w" for="ch" forName="spaceRect" refType="l" refFor="ch" refForName="iconRect"/>
+              <dgm:constr type="h" for="ch" forName="spaceRect" refType="h"/>
+              <dgm:constr type="l" for="ch" forName="spaceRect" refType="r" refFor="ch" refForName="iconRect"/>
+              <dgm:constr type="t" for="ch" forName="spaceRect"/>
+              <dgm:constr type="w" for="ch" forName="parTx" refType="w" fact="0.45"/>
+              <dgm:constr type="h" for="ch" forName="parTx" refType="h"/>
+              <dgm:constr type="l" for="ch" forName="parTx" refType="r" refFor="ch" refForName="spaceRect"/>
+              <dgm:constr type="t" for="ch" forName="parTx"/>
+              <dgm:constr type="h" for="ch" forName="desTx" refType="h"/>
+              <dgm:constr type="l" for="ch" forName="desTx" refType="r" refFor="ch" refForName="parTx"/>
+              <dgm:constr type="t" for="ch" forName="desTx"/>
+            </dgm:constrLst>
+          </dgm:if>
+          <dgm:else name="Name11">
+            <dgm:constrLst>
+              <dgm:constr type="w" for="ch" forName="bgRect" refType="w"/>
+              <dgm:constr type="h" for="ch" forName="bgRect" refType="h"/>
+              <dgm:constr type="l" for="ch" forName="bgRect"/>
+              <dgm:constr type="t" for="ch" forName="bgRect"/>
+              <dgm:constr type="h" for="ch" forName="iconRect" refType="h" fact="0.55"/>
+              <dgm:constr type="w" for="ch" forName="iconRect" refType="h" refFor="ch" refForName="iconRect"/>
+              <dgm:constr type="l" for="ch" forName="iconRect" refType="h" refFor="ch" refForName="iconRect" fact="0.55"/>
+              <dgm:constr type="ctrY" for="ch" forName="iconRect" refType="ctrY" refFor="ch" refForName="bgRect"/>
+              <dgm:constr type="w" for="ch" forName="spaceRect" refType="l" refFor="ch" refForName="iconRect"/>
+              <dgm:constr type="h" for="ch" forName="spaceRect" refType="h"/>
+              <dgm:constr type="l" for="ch" forName="spaceRect" refType="r" refFor="ch" refForName="iconRect"/>
+              <dgm:constr type="t" for="ch" forName="spaceRect"/>
+              <dgm:constr type="h" for="ch" forName="parTx" refType="h"/>
+              <dgm:constr type="l" for="ch" forName="parTx" refType="r" refFor="ch" refForName="spaceRect"/>
+              <dgm:constr type="t" for="ch" forName="parTx"/>
+            </dgm:constrLst>
+          </dgm:else>
+        </dgm:choose>
+        <dgm:ruleLst>
+          <dgm:rule type="h" val="INF" fact="NaN" max="NaN"/>
+        </dgm:ruleLst>
+        <dgm:layoutNode name="bgRect" styleLbl="bgShp">
+          <dgm:alg type="sp"/>
+          <dgm:shape xmlns:r="http://schemas.openxmlformats.org/officeDocument/2006/relationships" type="roundRect" r:blip="">
+            <dgm:adjLst>
+              <dgm:adj idx="1" val="0.1"/>
+            </dgm:adjLst>
+          </dgm:shape>
+          <dgm:presOf/>
+          <dgm:constrLst/>
+          <dgm:ruleLst/>
+        </dgm:layoutNode>
+        <dgm:layoutNode name="iconRect" styleLbl="node1">
+          <dgm:alg type="sp"/>
+          <dgm:shape xmlns:r="http://schemas.openxmlformats.org/officeDocument/2006/relationships" type="rect" r:blip="" blipPhldr="1">
+            <dgm:adjLst/>
+          </dgm:shape>
+          <dgm:presOf/>
+          <dgm:constrLst/>
+          <dgm:ruleLst/>
+        </dgm:layoutNode>
+        <dgm:layoutNode name="spaceRect">
+          <dgm:alg type="sp"/>
+          <dgm:shape xmlns:r="http://schemas.openxmlformats.org/officeDocument/2006/relationships" r:blip="">
+            <dgm:adjLst/>
+          </dgm:shape>
+          <dgm:presOf/>
+          <dgm:constrLst/>
+          <dgm:ruleLst/>
+        </dgm:layoutNode>
+        <dgm:layoutNode name="parTx" styleLbl="revTx">
+          <dgm:varLst>
+            <dgm:chMax val="0"/>
+            <dgm:chPref val="0"/>
+          </dgm:varLst>
+          <dgm:alg type="tx">
+            <dgm:param type="txAnchorVert" val="mid"/>
+            <dgm:param type="parTxLTRAlign" val="l"/>
+            <dgm:param type="shpTxLTRAlignCh" val="l"/>
+            <dgm:param type="parTxRTLAlign" val="r"/>
+            <dgm:param type="shpTxRTLAlignCh" val="r"/>
+          </dgm:alg>
+          <dgm:shape xmlns:r="http://schemas.openxmlformats.org/officeDocument/2006/relationships" type="rect" r:blip="">
+            <dgm:adjLst/>
+          </dgm:shape>
+          <dgm:presOf axis="self" ptType="node"/>
+          <dgm:constrLst>
+            <dgm:constr type="lMarg" refType="h" fact="0.3"/>
+            <dgm:constr type="rMarg" refType="h" fact="0.3"/>
+            <dgm:constr type="tMarg" refType="h" fact="0.3"/>
+            <dgm:constr type="bMarg" refType="h" fact="0.3"/>
+          </dgm:constrLst>
+          <dgm:ruleLst>
+            <dgm:rule type="primFontSz" val="14" fact="NaN" max="NaN"/>
+            <dgm:rule type="h" val="INF" fact="NaN" max="NaN"/>
+          </dgm:ruleLst>
+        </dgm:layoutNode>
+        <dgm:choose name="Name12">
+          <dgm:if name="Name13" axis="ch" ptType="node" func="cnt" op="gte" val="1">
+            <dgm:layoutNode name="desTx" styleLbl="revTx">
+              <dgm:varLst/>
+              <dgm:alg type="tx">
+                <dgm:param type="txAnchorVertCh" val="mid"/>
+                <dgm:param type="parTxLTRAlign" val="l"/>
+                <dgm:param type="shpTxLTRAlignCh" val="l"/>
+                <dgm:param type="parTxRTLAlign" val="r"/>
+                <dgm:param type="shpTxRTLAlignCh" val="r"/>
+                <dgm:param type="stBulletLvl" val="0"/>
+              </dgm:alg>
+              <dgm:shape xmlns:r="http://schemas.openxmlformats.org/officeDocument/2006/relationships" type="rect" r:blip="">
+                <dgm:adjLst/>
+              </dgm:shape>
+              <dgm:presOf axis="des" ptType="node"/>
+              <dgm:constrLst>
+                <dgm:constr type="primFontSz" val="18"/>
+                <dgm:constr type="secFontSz" refType="primFontSz"/>
+                <dgm:constr type="lMarg" refType="h" fact="0.3"/>
+                <dgm:constr type="rMarg" refType="h" fact="0.3"/>
+                <dgm:constr type="tMarg" refType="h" fact="0.3"/>
+                <dgm:constr type="bMarg" refType="h" fact="0.3"/>
+              </dgm:constrLst>
+              <dgm:ruleLst>
+                <dgm:rule type="primFontSz" val="11" fact="NaN" max="NaN"/>
+              </dgm:ruleLst>
+            </dgm:layoutNode>
+          </dgm:if>
+          <dgm:else name="Name14"/>
+        </dgm:choose>
+      </dgm:layoutNode>
+      <dgm:forEach name="Name15" axis="followSib" ptType="sibTrans" cnt="1">
+        <dgm:layoutNode name="sibTrans">
+          <dgm:alg type="sp"/>
+          <dgm:shape xmlns:r="http://schemas.openxmlformats.org/officeDocument/2006/relationships" r:blip="">
+            <dgm:adjLst/>
+          </dgm:shape>
+          <dgm:presOf axis="self"/>
+          <dgm:constrLst/>
+          <dgm:ruleLst/>
+        </dgm:layoutNode>
+      </dgm:forEach>
+    </dgm:forEach>
+  </dgm:layoutNode>
+  <dgm:extLst>
+    <a:ext uri="{68A01E43-0DF5-4B5B-8FA6-DAF915123BFB}">
+      <dgm1612:lstStyle xmlns:dgm1612="http://schemas.microsoft.com/office/drawing/2016/12/diagram">
+        <a:lvl1pPr>
+          <a:lnSpc>
+            <a:spcPct val="100000"/>
+          </a:lnSpc>
+        </a:lvl1pPr>
+        <a:lvl2pPr>
+          <a:lnSpc>
+            <a:spcPct val="100000"/>
+          </a:lnSpc>
+        </a:lvl2pPr>
+      </dgm1612:lstStyle>
+    </a:ext>
+  </dgm:extLst>
+</dgm:layoutDef>
+</file>
+
+<file path=ppt/diagrams/quickStyle1.xml><?xml version="1.0" encoding="utf-8"?>
+<dgm:styleDef xmlns:dgm="http://schemas.openxmlformats.org/drawingml/2006/diagram" xmlns:a="http://schemas.openxmlformats.org/drawingml/2006/main" uniqueId="urn:microsoft.com/office/officeart/2005/8/quickstyle/simple1">
+  <dgm:title val=""/>
+  <dgm:desc val=""/>
+  <dgm:catLst>
+    <dgm:cat type="simple" pri="10100"/>
+  </dgm:catLst>
+  <dgm:scene3d>
+    <a:camera prst="orthographicFront"/>
+    <a:lightRig rig="threePt" dir="t"/>
+  </dgm:scene3d>
+  <dgm:styleLbl name="node0">
+    <dgm:scene3d>
+      <a:camera prst="orthographicFront"/>
+      <a:lightRig rig="threePt" dir="t"/>
+    </dgm:scene3d>
+    <dgm:sp3d/>
+    <dgm:txPr/>
+    <dgm:style>
+      <a:lnRef idx="2">
+        <a:scrgbClr r="0" g="0" b="0"/>
+      </a:lnRef>
+      <a:fillRef idx="1">
+        <a:scrgbClr r="0" g="0" b="0"/>
+      </a:fillRef>
+      <a:effectRef idx="0">
+        <a:scrgbClr r="0" g="0" b="0"/>
+      </a:effectRef>
+      <a:fontRef idx="minor">
+        <a:schemeClr val="lt1"/>
+      </a:fontRef>
+    </dgm:style>
+  </dgm:styleLbl>
+  <dgm:styleLbl name="lnNode1">
+    <dgm:scene3d>
+      <a:camera prst="orthographicFront"/>
+      <a:lightRig rig="threePt" dir="t"/>
+    </dgm:scene3d>
+    <dgm:sp3d/>
+    <dgm:txPr/>
+    <dgm:style>
+      <a:lnRef idx="2">
+        <a:scrgbClr r="0" g="0" b="0"/>
+      </a:lnRef>
+      <a:fillRef idx="1">
+        <a:scrgbClr r="0" g="0" b="0"/>
+      </a:fillRef>
+      <a:effectRef idx="0">
+        <a:scrgbClr r="0" g="0" b="0"/>
+      </a:effectRef>
+      <a:fontRef idx="minor">
+        <a:schemeClr val="lt1"/>
+      </a:fontRef>
+    </dgm:style>
+  </dgm:styleLbl>
+  <dgm:styleLbl name="vennNode1">
+    <dgm:scene3d>
+      <a:camera prst="orthographicFront"/>
+      <a:lightRig rig="threePt" dir="t"/>
+    </dgm:scene3d>
+    <dgm:sp3d/>
+    <dgm:txPr/>
+    <dgm:style>
+      <a:lnRef idx="2">
+        <a:scrgbClr r="0" g="0" b="0"/>
+      </a:lnRef>
+      <a:fillRef idx="1">
+        <a:scrgbClr r="0" g="0" b="0"/>
+      </a:fillRef>
+      <a:effectRef idx="0">
+        <a:scrgbClr r="0" g="0" b="0"/>
+      </a:effectRef>
+      <a:fontRef idx="minor">
+        <a:schemeClr val="tx1"/>
+      </a:fontRef>
+    </dgm:style>
+  </dgm:styleLbl>
+  <dgm:styleLbl name="alignNode1">
+    <dgm:scene3d>
+      <a:camera prst="orthographicFront"/>
+      <a:lightRig rig="threePt" dir="t"/>
+    </dgm:scene3d>
+    <dgm:sp3d/>
+    <dgm:txPr/>
+    <dgm:style>
+      <a:lnRef idx="2">
+        <a:scrgbClr r="0" g="0" b="0"/>
+      </a:lnRef>
+      <a:fillRef idx="1">
+        <a:scrgbClr r="0" g="0" b="0"/>
+      </a:fillRef>
+      <a:effectRef idx="0">
+        <a:scrgbClr r="0" g="0" b="0"/>
+      </a:effectRef>
+      <a:fontRef idx="minor">
+        <a:schemeClr val="lt1"/>
+      </a:fontRef>
+    </dgm:style>
+  </dgm:styleLbl>
+  <dgm:styleLbl name="node1">
+    <dgm:scene3d>
+      <a:camera prst="orthographicFront"/>
+      <a:lightRig rig="threePt" dir="t"/>
+    </dgm:scene3d>
+    <dgm:sp3d/>
+    <dgm:txPr/>
+    <dgm:style>
+      <a:lnRef idx="2">
+        <a:scrgbClr r="0" g="0" b="0"/>
+      </a:lnRef>
+      <a:fillRef idx="1">
+        <a:scrgbClr r="0" g="0" b="0"/>
+      </a:fillRef>
+      <a:effectRef idx="0">
+        <a:scrgbClr r="0" g="0" b="0"/>
+      </a:effectRef>
+      <a:fontRef idx="minor">
+        <a:schemeClr val="lt1"/>
+      </a:fontRef>
+    </dgm:style>
+  </dgm:styleLbl>
+  <dgm:styleLbl name="node2">
+    <dgm:scene3d>
+      <a:camera prst="orthographicFront"/>
+      <a:lightRig rig="threePt" dir="t"/>
+    </dgm:scene3d>
+    <dgm:sp3d/>
+    <dgm:txPr/>
+    <dgm:style>
+      <a:lnRef idx="2">
+        <a:scrgbClr r="0" g="0" b="0"/>
+      </a:lnRef>
+      <a:fillRef idx="1">
+        <a:scrgbClr r="0" g="0" b="0"/>
+      </a:fillRef>
+      <a:effectRef idx="0">
+        <a:scrgbClr r="0" g="0" b="0"/>
+      </a:effectRef>
+      <a:fontRef idx="minor">
+        <a:schemeClr val="lt1"/>
+      </a:fontRef>
+    </dgm:style>
+  </dgm:styleLbl>
+  <dgm:styleLbl name="node3">
+    <dgm:scene3d>
+      <a:camera prst="orthographicFront"/>
+      <a:lightRig rig="threePt" dir="t"/>
+    </dgm:scene3d>
+    <dgm:sp3d/>
+    <dgm:txPr/>
+    <dgm:style>
+      <a:lnRef idx="2">
+        <a:scrgbClr r="0" g="0" b="0"/>
+      </a:lnRef>
+      <a:fillRef idx="1">
+        <a:scrgbClr r="0" g="0" b="0"/>
+      </a:fillRef>
+      <a:effectRef idx="0">
+        <a:scrgbClr r="0" g="0" b="0"/>
+      </a:effectRef>
+      <a:fontRef idx="minor">
+        <a:schemeClr val="lt1"/>
+      </a:fontRef>
+    </dgm:style>
+  </dgm:styleLbl>
+  <dgm:styleLbl name="node4">
+    <dgm:scene3d>
+      <a:camera prst="orthographicFront"/>
+      <a:lightRig rig="threePt" dir="t"/>
+    </dgm:scene3d>
+    <dgm:sp3d/>
+    <dgm:txPr/>
+    <dgm:style>
+      <a:lnRef idx="2">
+        <a:scrgbClr r="0" g="0" b="0"/>
+      </a:lnRef>
+      <a:fillRef idx="1">
+        <a:scrgbClr r="0" g="0" b="0"/>
+      </a:fillRef>
+      <a:effectRef idx="0">
+        <a:scrgbClr r="0" g="0" b="0"/>
+      </a:effectRef>
+      <a:fontRef idx="minor">
+        <a:schemeClr val="lt1"/>
+      </a:fontRef>
+    </dgm:style>
+  </dgm:styleLbl>
+  <dgm:styleLbl name="fgImgPlace1">
+    <dgm:scene3d>
+      <a:camera prst="orthographicFront"/>
+      <a:lightRig rig="threePt" dir="t"/>
+    </dgm:scene3d>
+    <dgm:sp3d/>
+    <dgm:txPr/>
+    <dgm:style>
+      <a:lnRef idx="2">
+        <a:scrgbClr r="0" g="0" b="0"/>
+      </a:lnRef>
+      <a:fillRef idx="1">
+        <a:scrgbClr r="0" g="0" b="0"/>
+      </a:fillRef>
+      <a:effectRef idx="0">
+        <a:scrgbClr r="0" g="0" b="0"/>
+      </a:effectRef>
+      <a:fontRef idx="minor"/>
+    </dgm:style>
+  </dgm:styleLbl>
+  <dgm:styleLbl name="alignImgPlace1">
+    <dgm:scene3d>
+      <a:camera prst="orthographicFront"/>
+      <a:lightRig rig="threePt" dir="t"/>
+    </dgm:scene3d>
+    <dgm:sp3d/>
+    <dgm:txPr/>
+    <dgm:style>
+      <a:lnRef idx="2">
+        <a:scrgbClr r="0" g="0" b="0"/>
+      </a:lnRef>
+      <a:fillRef idx="1">
+        <a:scrgbClr r="0" g="0" b="0"/>
+      </a:fillRef>
+      <a:effectRef idx="0">
+        <a:scrgbClr r="0" g="0" b="0"/>
+      </a:effectRef>
+      <a:fontRef idx="minor"/>
+    </dgm:style>
+  </dgm:styleLbl>
+  <dgm:styleLbl name="bgImgPlace1">
+    <dgm:scene3d>
+      <a:camera prst="orthographicFront"/>
+      <a:lightRig rig="threePt" dir="t"/>
+    </dgm:scene3d>
+    <dgm:sp3d/>
+    <dgm:txPr/>
+    <dgm:style>
+      <a:lnRef idx="2">
+        <a:scrgbClr r="0" g="0" b="0"/>
+      </a:lnRef>
+      <a:fillRef idx="1">
+        <a:scrgbClr r="0" g="0" b="0"/>
+      </a:fillRef>
+      <a:effectRef idx="0">
+        <a:scrgbClr r="0" g="0" b="0"/>
+      </a:effectRef>
+      <a:fontRef idx="minor"/>
+    </dgm:style>
+  </dgm:styleLbl>
+  <dgm:styleLbl name="sibTrans2D1">
+    <dgm:scene3d>
+      <a:camera prst="orthographicFront"/>
+      <a:lightRig rig="threePt" dir="t"/>
+    </dgm:scene3d>
+    <dgm:sp3d/>
+    <dgm:txPr/>
+    <dgm:style>
+      <a:lnRef idx="0">
+        <a:scrgbClr r="0" g="0" b="0"/>
+      </a:lnRef>
+      <a:fillRef idx="1">
+        <a:scrgbClr r="0" g="0" b="0"/>
+      </a:fillRef>
+      <a:effectRef idx="0">
+        <a:scrgbClr r="0" g="0" b="0"/>
+      </a:effectRef>
+      <a:fontRef idx="minor">
+        <a:schemeClr val="lt1"/>
+      </a:fontRef>
+    </dgm:style>
+  </dgm:styleLbl>
+  <dgm:styleLbl name="fgSibTrans2D1">
+    <dgm:scene3d>
+      <a:camera prst="orthographicFront"/>
+      <a:lightRig rig="threePt" dir="t"/>
+    </dgm:scene3d>
+    <dgm:sp3d/>
+    <dgm:txPr/>
+    <dgm:style>
+      <a:lnRef idx="0">
+        <a:scrgbClr r="0" g="0" b="0"/>
+      </a:lnRef>
+      <a:fillRef idx="1">
+        <a:scrgbClr r="0" g="0" b="0"/>
+      </a:fillRef>
+      <a:effectRef idx="0">
+        <a:scrgbClr r="0" g="0" b="0"/>
+      </a:effectRef>
+      <a:fontRef idx="minor">
+        <a:schemeClr val="lt1"/>
+      </a:fontRef>
+    </dgm:style>
+  </dgm:styleLbl>
+  <dgm:styleLbl name="bgSibTrans2D1">
+    <dgm:scene3d>
+      <a:camera prst="orthographicFront"/>
+      <a:lightRig rig="threePt" dir="t"/>
+    </dgm:scene3d>
+    <dgm:sp3d/>
+    <dgm:txPr/>
+    <dgm:style>
+      <a:lnRef idx="0">
+        <a:scrgbClr r="0" g="0" b="0"/>
+      </a:lnRef>
+      <a:fillRef idx="1">
+        <a:scrgbClr r="0" g="0" b="0"/>
+      </a:fillRef>
+      <a:effectRef idx="0">
+        <a:scrgbClr r="0" g="0" b="0"/>
+      </a:effectRef>
+      <a:fontRef idx="minor">
+        <a:schemeClr val="lt1"/>
+      </a:fontRef>
+    </dgm:style>
+  </dgm:styleLbl>
+  <dgm:styleLbl name="sibTrans1D1">
+    <dgm:scene3d>
+      <a:camera prst="orthographicFront"/>
+      <a:lightRig rig="threePt" dir="t"/>
+    </dgm:scene3d>
+    <dgm:sp3d/>
+    <dgm:txPr/>
+    <dgm:style>
+      <a:lnRef idx="1">
+        <a:scrgbClr r="0" g="0" b="0"/>
+      </a:lnRef>
+      <a:fillRef idx="0">
+        <a:scrgbClr r="0" g="0" b="0"/>
+      </a:fillRef>
+      <a:effectRef idx="0">
+        <a:scrgbClr r="0" g="0" b="0"/>
+      </a:effectRef>
+      <a:fontRef idx="minor"/>
+    </dgm:style>
+  </dgm:styleLbl>
+  <dgm:styleLbl name="callout">
+    <dgm:scene3d>
+      <a:camera prst="orthographicFront"/>
+      <a:lightRig rig="threePt" dir="t"/>
+    </dgm:scene3d>
+    <dgm:sp3d/>
+    <dgm:txPr/>
+    <dgm:style>
+      <a:lnRef idx="2">
+        <a:scrgbClr r="0" g="0" b="0"/>
+      </a:lnRef>
+      <a:fillRef idx="1">
+        <a:scrgbClr r="0" g="0" b="0"/>
+      </a:fillRef>
+      <a:effectRef idx="0">
+        <a:scrgbClr r="0" g="0" b="0"/>
+      </a:effectRef>
+      <a:fontRef idx="minor"/>
+    </dgm:style>
+  </dgm:styleLbl>
+  <dgm:styleLbl name="asst0">
+    <dgm:scene3d>
+      <a:camera prst="orthographicFront"/>
+      <a:lightRig rig="threePt" dir="t"/>
+    </dgm:scene3d>
+    <dgm:sp3d/>
+    <dgm:txPr/>
+    <dgm:style>
+      <a:lnRef idx="2">
+        <a:scrgbClr r="0" g="0" b="0"/>
+      </a:lnRef>
+      <a:fillRef idx="1">
+        <a:scrgbClr r="0" g="0" b="0"/>
+      </a:fillRef>
+      <a:effectRef idx="0">
+        <a:scrgbClr r="0" g="0" b="0"/>
+      </a:effectRef>
+      <a:fontRef idx="minor">
+        <a:schemeClr val="lt1"/>
+      </a:fontRef>
+    </dgm:style>
+  </dgm:styleLbl>
+  <dgm:styleLbl name="asst1">
+    <dgm:scene3d>
+      <a:camera prst="orthographicFront"/>
+      <a:lightRig rig="threePt" dir="t"/>
+    </dgm:scene3d>
+    <dgm:sp3d/>
+    <dgm:txPr/>
+    <dgm:style>
+      <a:lnRef idx="2">
+        <a:scrgbClr r="0" g="0" b="0"/>
+      </a:lnRef>
+      <a:fillRef idx="1">
+        <a:scrgbClr r="0" g="0" b="0"/>
+      </a:fillRef>
+      <a:effectRef idx="0">
+        <a:scrgbClr r="0" g="0" b="0"/>
+      </a:effectRef>
+      <a:fontRef idx="minor">
+        <a:schemeClr val="lt1"/>
+      </a:fontRef>
+    </dgm:style>
+  </dgm:styleLbl>
+  <dgm:styleLbl name="asst2">
+    <dgm:scene3d>
+      <a:camera prst="orthographicFront"/>
+      <a:lightRig rig="threePt" dir="t"/>
+    </dgm:scene3d>
+    <dgm:sp3d/>
+    <dgm:txPr/>
+    <dgm:style>
+      <a:lnRef idx="2">
+        <a:scrgbClr r="0" g="0" b="0"/>
+      </a:lnRef>
+      <a:fillRef idx="1">
+        <a:scrgbClr r="0" g="0" b="0"/>
+      </a:fillRef>
+      <a:effectRef idx="0">
+        <a:scrgbClr r="0" g="0" b="0"/>
+      </a:effectRef>
+      <a:fontRef idx="minor">
+        <a:schemeClr val="lt1"/>
+      </a:fontRef>
+    </dgm:style>
+  </dgm:styleLbl>
+  <dgm:styleLbl name="asst3">
+    <dgm:scene3d>
+      <a:camera prst="orthographicFront"/>
+      <a:lightRig rig="threePt" dir="t"/>
+    </dgm:scene3d>
+    <dgm:sp3d/>
+    <dgm:txPr/>
+    <dgm:style>
+      <a:lnRef idx="2">
+        <a:scrgbClr r="0" g="0" b="0"/>
+      </a:lnRef>
+      <a:fillRef idx="1">
+        <a:scrgbClr r="0" g="0" b="0"/>
+      </a:fillRef>
+      <a:effectRef idx="0">
+        <a:scrgbClr r="0" g="0" b="0"/>
+      </a:effectRef>
+      <a:fontRef idx="minor">
+        <a:schemeClr val="lt1"/>
+      </a:fontRef>
+    </dgm:style>
+  </dgm:styleLbl>
+  <dgm:styleLbl name="asst4">
+    <dgm:scene3d>
+      <a:camera prst="orthographicFront"/>
+      <a:lightRig rig="threePt" dir="t"/>
+    </dgm:scene3d>
+    <dgm:sp3d/>
+    <dgm:txPr/>
+    <dgm:style>
+      <a:lnRef idx="2">
+        <a:scrgbClr r="0" g="0" b="0"/>
+      </a:lnRef>
+      <a:fillRef idx="1">
+        <a:scrgbClr r="0" g="0" b="0"/>
+      </a:fillRef>
+      <a:effectRef idx="0">
+        <a:scrgbClr r="0" g="0" b="0"/>
+      </a:effectRef>
+      <a:fontRef idx="minor">
+        <a:schemeClr val="lt1"/>
+      </a:fontRef>
+    </dgm:style>
+  </dgm:styleLbl>
+  <dgm:styleLbl name="parChTrans2D1">
+    <dgm:scene3d>
+      <a:camera prst="orthographicFront"/>
+      <a:lightRig rig="threePt" dir="t"/>
+    </dgm:scene3d>
+    <dgm:sp3d/>
+    <dgm:txPr/>
+    <dgm:style>
+      <a:lnRef idx="2">
+        <a:scrgbClr r="0" g="0" b="0"/>
+      </a:lnRef>
+      <a:fillRef idx="1">
+        <a:scrgbClr r="0" g="0" b="0"/>
+      </a:fillRef>
+      <a:effectRef idx="0">
+        <a:scrgbClr r="0" g="0" b="0"/>
+      </a:effectRef>
+      <a:fontRef idx="minor">
+        <a:schemeClr val="lt1"/>
+      </a:fontRef>
+    </dgm:style>
+  </dgm:styleLbl>
+  <dgm:styleLbl name="parChTrans2D2">
+    <dgm:scene3d>
+      <a:camera prst="orthographicFront"/>
+      <a:lightRig rig="threePt" dir="t"/>
+    </dgm:scene3d>
+    <dgm:sp3d/>
+    <dgm:txPr/>
+    <dgm:style>
+      <a:lnRef idx="2">
+        <a:scrgbClr r="0" g="0" b="0"/>
+      </a:lnRef>
+      <a:fillRef idx="1">
+        <a:scrgbClr r="0" g="0" b="0"/>
+      </a:fillRef>
+      <a:effectRef idx="0">
+        <a:scrgbClr r="0" g="0" b="0"/>
+      </a:effectRef>
+      <a:fontRef idx="minor">
+        <a:schemeClr val="lt1"/>
+      </a:fontRef>
+    </dgm:style>
+  </dgm:styleLbl>
+  <dgm:styleLbl name="parChTrans2D3">
+    <dgm:scene3d>
+      <a:camera prst="orthographicFront"/>
+      <a:lightRig rig="threePt" dir="t"/>
+    </dgm:scene3d>
+    <dgm:sp3d/>
+    <dgm:txPr/>
+    <dgm:style>
+      <a:lnRef idx="2">
+        <a:scrgbClr r="0" g="0" b="0"/>
+      </a:lnRef>
+      <a:fillRef idx="1">
+        <a:scrgbClr r="0" g="0" b="0"/>
+      </a:fillRef>
+      <a:effectRef idx="0">
+        <a:scrgbClr r="0" g="0" b="0"/>
+      </a:effectRef>
+      <a:fontRef idx="minor">
+        <a:schemeClr val="lt1"/>
+      </a:fontRef>
+    </dgm:style>
+  </dgm:styleLbl>
+  <dgm:styleLbl name="parChTrans2D4">
+    <dgm:scene3d>
+      <a:camera prst="orthographicFront"/>
+      <a:lightRig rig="threePt" dir="t"/>
+    </dgm:scene3d>
+    <dgm:sp3d/>
+    <dgm:txPr/>
+    <dgm:style>
+      <a:lnRef idx="2">
+        <a:scrgbClr r="0" g="0" b="0"/>
+      </a:lnRef>
+      <a:fillRef idx="1">
+        <a:scrgbClr r="0" g="0" b="0"/>
+      </a:fillRef>
+      <a:effectRef idx="0">
+        <a:scrgbClr r="0" g="0" b="0"/>
+      </a:effectRef>
+      <a:fontRef idx="minor">
+        <a:schemeClr val="lt1"/>
+      </a:fontRef>
+    </dgm:style>
+  </dgm:styleLbl>
+  <dgm:styleLbl name="parChTrans1D1">
+    <dgm:scene3d>
+      <a:camera prst="orthographicFront"/>
+      <a:lightRig rig="threePt" dir="t"/>
+    </dgm:scene3d>
+    <dgm:sp3d/>
+    <dgm:txPr/>
+    <dgm:style>
+      <a:lnRef idx="2">
+        <a:scrgbClr r="0" g="0" b="0"/>
+      </a:lnRef>
+      <a:fillRef idx="0">
+        <a:scrgbClr r="0" g="0" b="0"/>
+      </a:fillRef>
+      <a:effectRef idx="0">
+        <a:scrgbClr r="0" g="0" b="0"/>
+      </a:effectRef>
+      <a:fontRef idx="minor"/>
+    </dgm:style>
+  </dgm:styleLbl>
+  <dgm:styleLbl name="parChTrans1D2">
+    <dgm:scene3d>
+      <a:camera prst="orthographicFront"/>
+      <a:lightRig rig="threePt" dir="t"/>
+    </dgm:scene3d>
+    <dgm:sp3d/>
+    <dgm:txPr/>
+    <dgm:style>
+      <a:lnRef idx="2">
+        <a:scrgbClr r="0" g="0" b="0"/>
+      </a:lnRef>
+      <a:fillRef idx="0">
+        <a:scrgbClr r="0" g="0" b="0"/>
+      </a:fillRef>
+      <a:effectRef idx="0">
+        <a:scrgbClr r="0" g="0" b="0"/>
+      </a:effectRef>
+      <a:fontRef idx="minor"/>
+    </dgm:style>
+  </dgm:styleLbl>
+  <dgm:styleLbl name="parChTrans1D3">
+    <dgm:scene3d>
+      <a:camera prst="orthographicFront"/>
+      <a:lightRig rig="threePt" dir="t"/>
+    </dgm:scene3d>
+    <dgm:sp3d/>
+    <dgm:txPr/>
+    <dgm:style>
+      <a:lnRef idx="2">
+        <a:scrgbClr r="0" g="0" b="0"/>
+      </a:lnRef>
+      <a:fillRef idx="0">
+        <a:scrgbClr r="0" g="0" b="0"/>
+      </a:fillRef>
+      <a:effectRef idx="0">
+        <a:scrgbClr r="0" g="0" b="0"/>
+      </a:effectRef>
+      <a:fontRef idx="minor"/>
+    </dgm:style>
+  </dgm:styleLbl>
+  <dgm:styleLbl name="parChTrans1D4">
+    <dgm:scene3d>
+      <a:camera prst="orthographicFront"/>
+      <a:lightRig rig="threePt" dir="t"/>
+    </dgm:scene3d>
+    <dgm:sp3d/>
+    <dgm:txPr/>
+    <dgm:style>
+      <a:lnRef idx="2">
+        <a:scrgbClr r="0" g="0" b="0"/>
+      </a:lnRef>
+      <a:fillRef idx="0">
+        <a:scrgbClr r="0" g="0" b="0"/>
+      </a:fillRef>
+      <a:effectRef idx="0">
+        <a:scrgbClr r="0" g="0" b="0"/>
+      </a:effectRef>
+      <a:fontRef idx="minor"/>
+    </dgm:style>
+  </dgm:styleLbl>
+  <dgm:styleLbl name="fgAcc1">
+    <dgm:scene3d>
+      <a:camera prst="orthographicFront"/>
+      <a:lightRig rig="threePt" dir="t"/>
+    </dgm:scene3d>
+    <dgm:sp3d/>
+    <dgm:txPr/>
+    <dgm:style>
+      <a:lnRef idx="2">
+        <a:scrgbClr r="0" g="0" b="0"/>
+      </a:lnRef>
+      <a:fillRef idx="1">
+        <a:scrgbClr r="0" g="0" b="0"/>
+      </a:fillRef>
+      <a:effectRef idx="0">
+        <a:scrgbClr r="0" g="0" b="0"/>
+      </a:effectRef>
+      <a:fontRef idx="minor"/>
+    </dgm:style>
+  </dgm:styleLbl>
+  <dgm:styleLbl name="conFgAcc1">
+    <dgm:scene3d>
+      <a:camera prst="orthographicFront"/>
+      <a:lightRig rig="threePt" dir="t"/>
+    </dgm:scene3d>
+    <dgm:sp3d/>
+    <dgm:txPr/>
+    <dgm:style>
+      <a:lnRef idx="2">
+        <a:scrgbClr r="0" g="0" b="0"/>
+      </a:lnRef>
+      <a:fillRef idx="1">
+        <a:scrgbClr r="0" g="0" b="0"/>
+      </a:fillRef>
+      <a:effectRef idx="0">
+        <a:scrgbClr r="0" g="0" b="0"/>
+      </a:effectRef>
+      <a:fontRef idx="minor"/>
+    </dgm:style>
+  </dgm:styleLbl>
+  <dgm:styleLbl name="alignAcc1">
+    <dgm:scene3d>
+      <a:camera prst="orthographicFront"/>
+      <a:lightRig rig="threePt" dir="t"/>
+    </dgm:scene3d>
+    <dgm:sp3d/>
+    <dgm:txPr/>
+    <dgm:style>
+      <a:lnRef idx="2">
+        <a:scrgbClr r="0" g="0" b="0"/>
+      </a:lnRef>
+      <a:fillRef idx="1">
+        <a:scrgbClr r="0" g="0" b="0"/>
+      </a:fillRef>
+      <a:effectRef idx="0">
+        <a:scrgbClr r="0" g="0" b="0"/>
+      </a:effectRef>
+      <a:fontRef idx="minor"/>
+    </dgm:style>
+  </dgm:styleLbl>
+  <dgm:styleLbl name="trAlignAcc1">
+    <dgm:scene3d>
+      <a:camera prst="orthographicFront"/>
+      <a:lightRig rig="threePt" dir="t"/>
+    </dgm:scene3d>
+    <dgm:sp3d/>
+    <dgm:txPr/>
+    <dgm:style>
+      <a:lnRef idx="1">
+        <a:scrgbClr r="0" g="0" b="0"/>
+      </a:lnRef>
+      <a:fillRef idx="1">
+        <a:scrgbClr r="0" g="0" b="0"/>
+      </a:fillRef>
+      <a:effectRef idx="0">
+        <a:scrgbClr r="0" g="0" b="0"/>
+      </a:effectRef>
+      <a:fontRef idx="minor"/>
+    </dgm:style>
+  </dgm:styleLbl>
+  <dgm:styleLbl name="bgAcc1">
+    <dgm:scene3d>
+      <a:camera prst="orthographicFront"/>
+      <a:lightRig rig="threePt" dir="t"/>
+    </dgm:scene3d>
+    <dgm:sp3d/>
+    <dgm:txPr/>
+    <dgm:style>
+      <a:lnRef idx="2">
+        <a:scrgbClr r="0" g="0" b="0"/>
+      </a:lnRef>
+      <a:fillRef idx="1">
+        <a:scrgbClr r="0" g="0" b="0"/>
+      </a:fillRef>
+      <a:effectRef idx="0">
+        <a:scrgbClr r="0" g="0" b="0"/>
+      </a:effectRef>
+      <a:fontRef idx="minor"/>
+    </dgm:style>
+  </dgm:styleLbl>
+  <dgm:styleLbl name="solidFgAcc1">
+    <dgm:scene3d>
+      <a:camera prst="orthographicFront"/>
+      <a:lightRig rig="threePt" dir="t"/>
+    </dgm:scene3d>
+    <dgm:sp3d/>
+    <dgm:txPr/>
+    <dgm:style>
+      <a:lnRef idx="2">
+        <a:scrgbClr r="0" g="0" b="0"/>
+      </a:lnRef>
+      <a:fillRef idx="1">
+        <a:scrgbClr r="0" g="0" b="0"/>
+      </a:fillRef>
+      <a:effectRef idx="0">
+        <a:scrgbClr r="0" g="0" b="0"/>
+      </a:effectRef>
+      <a:fontRef idx="minor"/>
+    </dgm:style>
+  </dgm:styleLbl>
+  <dgm:styleLbl name="solidAlignAcc1">
+    <dgm:scene3d>
+      <a:camera prst="orthographicFront"/>
+      <a:lightRig rig="threePt" dir="t"/>
+    </dgm:scene3d>
+    <dgm:sp3d/>
+    <dgm:txPr/>
+    <dgm:style>
+      <a:lnRef idx="2">
+        <a:scrgbClr r="0" g="0" b="0"/>
+      </a:lnRef>
+      <a:fillRef idx="1">
+        <a:scrgbClr r="0" g="0" b="0"/>
+      </a:fillRef>
+      <a:effectRef idx="0">
+        <a:scrgbClr r="0" g="0" b="0"/>
+      </a:effectRef>
+      <a:fontRef idx="minor"/>
+    </dgm:style>
+  </dgm:styleLbl>
+  <dgm:styleLbl name="solidBgAcc1">
+    <dgm:scene3d>
+      <a:camera prst="orthographicFront"/>
+      <a:lightRig rig="threePt" dir="t"/>
+    </dgm:scene3d>
+    <dgm:sp3d/>
+    <dgm:txPr/>
+    <dgm:style>
+      <a:lnRef idx="2">
+        <a:scrgbClr r="0" g="0" b="0"/>
+      </a:lnRef>
+      <a:fillRef idx="1">
+        <a:scrgbClr r="0" g="0" b="0"/>
+      </a:fillRef>
+      <a:effectRef idx="0">
+        <a:scrgbClr r="0" g="0" b="0"/>
+      </a:effectRef>
+      <a:fontRef idx="minor"/>
+    </dgm:style>
+  </dgm:styleLbl>
+  <dgm:styleLbl name="fgAccFollowNode1">
+    <dgm:scene3d>
+      <a:camera prst="orthographicFront"/>
+      <a:lightRig rig="threePt" dir="t"/>
+    </dgm:scene3d>
+    <dgm:sp3d/>
+    <dgm:txPr/>
+    <dgm:style>
+      <a:lnRef idx="2">
+        <a:scrgbClr r="0" g="0" b="0"/>
+      </a:lnRef>
+      <a:fillRef idx="1">
+        <a:scrgbClr r="0" g="0" b="0"/>
+      </a:fillRef>
+      <a:effectRef idx="0">
+        <a:scrgbClr r="0" g="0" b="0"/>
+      </a:effectRef>
+      <a:fontRef idx="minor"/>
+    </dgm:style>
+  </dgm:styleLbl>
+  <dgm:styleLbl name="alignAccFollowNode1">
+    <dgm:scene3d>
+      <a:camera prst="orthographicFront"/>
+      <a:lightRig rig="threePt" dir="t"/>
+    </dgm:scene3d>
+    <dgm:sp3d/>
+    <dgm:txPr/>
+    <dgm:style>
+      <a:lnRef idx="2">
+        <a:scrgbClr r="0" g="0" b="0"/>
+      </a:lnRef>
+      <a:fillRef idx="1">
+        <a:scrgbClr r="0" g="0" b="0"/>
+      </a:fillRef>
+      <a:effectRef idx="0">
+        <a:scrgbClr r="0" g="0" b="0"/>
+      </a:effectRef>
+      <a:fontRef idx="minor"/>
+    </dgm:style>
+  </dgm:styleLbl>
+  <dgm:styleLbl name="bgAccFollowNode1">
+    <dgm:scene3d>
+      <a:camera prst="orthographicFront"/>
+      <a:lightRig rig="threePt" dir="t"/>
+    </dgm:scene3d>
+    <dgm:sp3d/>
+    <dgm:txPr/>
+    <dgm:style>
+      <a:lnRef idx="2">
+        <a:scrgbClr r="0" g="0" b="0"/>
+      </a:lnRef>
+      <a:fillRef idx="1">
+        <a:scrgbClr r="0" g="0" b="0"/>
+      </a:fillRef>
+      <a:effectRef idx="0">
+        <a:scrgbClr r="0" g="0" b="0"/>
+      </a:effectRef>
+      <a:fontRef idx="minor"/>
+    </dgm:style>
+  </dgm:styleLbl>
+  <dgm:styleLbl name="fgAcc0">
+    <dgm:scene3d>
+      <a:camera prst="orthographicFront"/>
+      <a:lightRig rig="threePt" dir="t"/>
+    </dgm:scene3d>
+    <dgm:sp3d/>
+    <dgm:txPr/>
+    <dgm:style>
+      <a:lnRef idx="2">
+        <a:scrgbClr r="0" g="0" b="0"/>
+      </a:lnRef>
+      <a:fillRef idx="1">
+        <a:scrgbClr r="0" g="0" b="0"/>
+      </a:fillRef>
+      <a:effectRef idx="0">
+        <a:scrgbClr r="0" g="0" b="0"/>
+      </a:effectRef>
+      <a:fontRef idx="minor"/>
+    </dgm:style>
+  </dgm:styleLbl>
+  <dgm:styleLbl name="fgAcc2">
+    <dgm:scene3d>
+      <a:camera prst="orthographicFront"/>
+      <a:lightRig rig="threePt" dir="t"/>
+    </dgm:scene3d>
+    <dgm:sp3d/>
+    <dgm:txPr/>
+    <dgm:style>
+      <a:lnRef idx="2">
+        <a:scrgbClr r="0" g="0" b="0"/>
+      </a:lnRef>
+      <a:fillRef idx="1">
+        <a:scrgbClr r="0" g="0" b="0"/>
+      </a:fillRef>
+      <a:effectRef idx="0">
+        <a:scrgbClr r="0" g="0" b="0"/>
+      </a:effectRef>
+      <a:fontRef idx="minor"/>
+    </dgm:style>
+  </dgm:styleLbl>
+  <dgm:styleLbl name="fgAcc3">
+    <dgm:scene3d>
+      <a:camera prst="orthographicFront"/>
+      <a:lightRig rig="threePt" dir="t"/>
+    </dgm:scene3d>
+    <dgm:sp3d/>
+    <dgm:txPr/>
+    <dgm:style>
+      <a:lnRef idx="2">
+        <a:scrgbClr r="0" g="0" b="0"/>
+      </a:lnRef>
+      <a:fillRef idx="1">
+        <a:scrgbClr r="0" g="0" b="0"/>
+      </a:fillRef>
+      <a:effectRef idx="0">
+        <a:scrgbClr r="0" g="0" b="0"/>
+      </a:effectRef>
+      <a:fontRef idx="minor"/>
+    </dgm:style>
+  </dgm:styleLbl>
+  <dgm:styleLbl name="fgAcc4">
+    <dgm:scene3d>
+      <a:camera prst="orthographicFront"/>
+      <a:lightRig rig="threePt" dir="t"/>
+    </dgm:scene3d>
+    <dgm:sp3d/>
+    <dgm:txPr/>
+    <dgm:style>
+      <a:lnRef idx="2">
+        <a:scrgbClr r="0" g="0" b="0"/>
+      </a:lnRef>
+      <a:fillRef idx="1">
+        <a:scrgbClr r="0" g="0" b="0"/>
+      </a:fillRef>
+      <a:effectRef idx="0">
+        <a:scrgbClr r="0" g="0" b="0"/>
+      </a:effectRef>
+      <a:fontRef idx="minor"/>
+    </dgm:style>
+  </dgm:styleLbl>
+  <dgm:styleLbl name="bgShp">
+    <dgm:scene3d>
+      <a:camera prst="orthographicFront"/>
+      <a:lightRig rig="threePt" dir="t"/>
+    </dgm:scene3d>
+    <dgm:sp3d/>
+    <dgm:txPr/>
+    <dgm:style>
+      <a:lnRef idx="0">
+        <a:scrgbClr r="0" g="0" b="0"/>
+      </a:lnRef>
+      <a:fillRef idx="1">
+        <a:scrgbClr r="0" g="0" b="0"/>
+      </a:fillRef>
+      <a:effectRef idx="0">
+        <a:scrgbClr r="0" g="0" b="0"/>
+      </a:effectRef>
+      <a:fontRef idx="minor"/>
+    </dgm:style>
+  </dgm:styleLbl>
+  <dgm:styleLbl name="dkBgShp">
+    <dgm:scene3d>
+      <a:camera prst="orthographicFront"/>
+      <a:lightRig rig="threePt" dir="t"/>
+    </dgm:scene3d>
+    <dgm:sp3d/>
+    <dgm:txPr/>
+    <dgm:style>
+      <a:lnRef idx="0">
+        <a:scrgbClr r="0" g="0" b="0"/>
+      </a:lnRef>
+      <a:fillRef idx="1">
+        <a:scrgbClr r="0" g="0" b="0"/>
+      </a:fillRef>
+      <a:effectRef idx="0">
+        <a:scrgbClr r="0" g="0" b="0"/>
+      </a:effectRef>
+      <a:fontRef idx="minor"/>
+    </dgm:style>
+  </dgm:styleLbl>
+  <dgm:styleLbl name="trBgShp">
+    <dgm:scene3d>
+      <a:camera prst="orthographicFront"/>
+      <a:lightRig rig="threePt" dir="t"/>
+    </dgm:scene3d>
+    <dgm:sp3d/>
+    <dgm:txPr/>
+    <dgm:style>
+      <a:lnRef idx="0">
+        <a:scrgbClr r="0" g="0" b="0"/>
+      </a:lnRef>
+      <a:fillRef idx="1">
+        <a:scrgbClr r="0" g="0" b="0"/>
+      </a:fillRef>
+      <a:effectRef idx="0">
+        <a:scrgbClr r="0" g="0" b="0"/>
+      </a:effectRef>
+      <a:fontRef idx="minor"/>
+    </dgm:style>
+  </dgm:styleLbl>
+  <dgm:styleLbl name="fgShp">
+    <dgm:scene3d>
+      <a:camera prst="orthographicFront"/>
+      <a:lightRig rig="threePt" dir="t"/>
+    </dgm:scene3d>
+    <dgm:sp3d/>
+    <dgm:txPr/>
+    <dgm:style>
+      <a:lnRef idx="2">
+        <a:scrgbClr r="0" g="0" b="0"/>
+      </a:lnRef>
+      <a:fillRef idx="1">
+        <a:scrgbClr r="0" g="0" b="0"/>
+      </a:fillRef>
+      <a:effectRef idx="0">
+        <a:scrgbClr r="0" g="0" b="0"/>
+      </a:effectRef>
+      <a:fontRef idx="minor"/>
+    </dgm:style>
+  </dgm:styleLbl>
+  <dgm:styleLbl name="revTx">
+    <dgm:scene3d>
+      <a:camera prst="orthographicFront"/>
+      <a:lightRig rig="threePt" dir="t"/>
+    </dgm:scene3d>
+    <dgm:sp3d/>
+    <dgm:txPr/>
+    <dgm:style>
+      <a:lnRef idx="0">
+        <a:scrgbClr r="0" g="0" b="0"/>
+      </a:lnRef>
+      <a:fillRef idx="0">
+        <a:scrgbClr r="0" g="0" b="0"/>
+      </a:fillRef>
+      <a:effectRef idx="0">
+        <a:scrgbClr r="0" g="0" b="0"/>
+      </a:effectRef>
+      <a:fontRef idx="minor"/>
+    </dgm:style>
+  </dgm:styleLbl>
+</dgm:styleDef>
+</file>
+
+<file path=ppt/diagrams/quickStyle2.xml><?xml version="1.0" encoding="utf-8"?>
+<dgm:styleDef xmlns:dgm="http://schemas.openxmlformats.org/drawingml/2006/diagram" xmlns:a="http://schemas.openxmlformats.org/drawingml/2006/main" uniqueId="urn:microsoft.com/office/officeart/2005/8/quickstyle/simple1">
+  <dgm:title val=""/>
+  <dgm:desc val=""/>
+  <dgm:catLst>
+    <dgm:cat type="simple" pri="10100"/>
+  </dgm:catLst>
+  <dgm:scene3d>
+    <a:camera prst="orthographicFront"/>
+    <a:lightRig rig="threePt" dir="t"/>
+  </dgm:scene3d>
+  <dgm:styleLbl name="node0">
+    <dgm:scene3d>
+      <a:camera prst="orthographicFront"/>
+      <a:lightRig rig="threePt" dir="t"/>
+    </dgm:scene3d>
+    <dgm:sp3d/>
+    <dgm:txPr/>
+    <dgm:style>
+      <a:lnRef idx="2">
+        <a:scrgbClr r="0" g="0" b="0"/>
+      </a:lnRef>
+      <a:fillRef idx="1">
+        <a:scrgbClr r="0" g="0" b="0"/>
+      </a:fillRef>
+      <a:effectRef idx="0">
+        <a:scrgbClr r="0" g="0" b="0"/>
+      </a:effectRef>
+      <a:fontRef idx="minor">
+        <a:schemeClr val="lt1"/>
+      </a:fontRef>
+    </dgm:style>
+  </dgm:styleLbl>
+  <dgm:styleLbl name="lnNode1">
+    <dgm:scene3d>
+      <a:camera prst="orthographicFront"/>
+      <a:lightRig rig="threePt" dir="t"/>
+    </dgm:scene3d>
+    <dgm:sp3d/>
+    <dgm:txPr/>
+    <dgm:style>
+      <a:lnRef idx="2">
+        <a:scrgbClr r="0" g="0" b="0"/>
+      </a:lnRef>
+      <a:fillRef idx="1">
+        <a:scrgbClr r="0" g="0" b="0"/>
+      </a:fillRef>
+      <a:effectRef idx="0">
+        <a:scrgbClr r="0" g="0" b="0"/>
+      </a:effectRef>
+      <a:fontRef idx="minor">
+        <a:schemeClr val="lt1"/>
+      </a:fontRef>
+    </dgm:style>
+  </dgm:styleLbl>
+  <dgm:styleLbl name="vennNode1">
+    <dgm:scene3d>
+      <a:camera prst="orthographicFront"/>
+      <a:lightRig rig="threePt" dir="t"/>
+    </dgm:scene3d>
+    <dgm:sp3d/>
+    <dgm:txPr/>
+    <dgm:style>
+      <a:lnRef idx="2">
+        <a:scrgbClr r="0" g="0" b="0"/>
+      </a:lnRef>
+      <a:fillRef idx="1">
+        <a:scrgbClr r="0" g="0" b="0"/>
+      </a:fillRef>
+      <a:effectRef idx="0">
+        <a:scrgbClr r="0" g="0" b="0"/>
+      </a:effectRef>
+      <a:fontRef idx="minor">
+        <a:schemeClr val="tx1"/>
+      </a:fontRef>
+    </dgm:style>
+  </dgm:styleLbl>
+  <dgm:styleLbl name="alignNode1">
+    <dgm:scene3d>
+      <a:camera prst="orthographicFront"/>
+      <a:lightRig rig="threePt" dir="t"/>
+    </dgm:scene3d>
+    <dgm:sp3d/>
+    <dgm:txPr/>
+    <dgm:style>
+      <a:lnRef idx="2">
+        <a:scrgbClr r="0" g="0" b="0"/>
+      </a:lnRef>
+      <a:fillRef idx="1">
+        <a:scrgbClr r="0" g="0" b="0"/>
+      </a:fillRef>
+      <a:effectRef idx="0">
+        <a:scrgbClr r="0" g="0" b="0"/>
+      </a:effectRef>
+      <a:fontRef idx="minor">
+        <a:schemeClr val="lt1"/>
+      </a:fontRef>
+    </dgm:style>
+  </dgm:styleLbl>
+  <dgm:styleLbl name="node1">
+    <dgm:scene3d>
+      <a:camera prst="orthographicFront"/>
+      <a:lightRig rig="threePt" dir="t"/>
+    </dgm:scene3d>
+    <dgm:sp3d/>
+    <dgm:txPr/>
+    <dgm:style>
+      <a:lnRef idx="2">
+        <a:scrgbClr r="0" g="0" b="0"/>
+      </a:lnRef>
+      <a:fillRef idx="1">
+        <a:scrgbClr r="0" g="0" b="0"/>
+      </a:fillRef>
+      <a:effectRef idx="0">
+        <a:scrgbClr r="0" g="0" b="0"/>
+      </a:effectRef>
+      <a:fontRef idx="minor">
+        <a:schemeClr val="lt1"/>
+      </a:fontRef>
+    </dgm:style>
+  </dgm:styleLbl>
+  <dgm:styleLbl name="node2">
+    <dgm:scene3d>
+      <a:camera prst="orthographicFront"/>
+      <a:lightRig rig="threePt" dir="t"/>
+    </dgm:scene3d>
+    <dgm:sp3d/>
+    <dgm:txPr/>
+    <dgm:style>
+      <a:lnRef idx="2">
+        <a:scrgbClr r="0" g="0" b="0"/>
+      </a:lnRef>
+      <a:fillRef idx="1">
+        <a:scrgbClr r="0" g="0" b="0"/>
+      </a:fillRef>
+      <a:effectRef idx="0">
+        <a:scrgbClr r="0" g="0" b="0"/>
+      </a:effectRef>
+      <a:fontRef idx="minor">
+        <a:schemeClr val="lt1"/>
+      </a:fontRef>
+    </dgm:style>
+  </dgm:styleLbl>
+  <dgm:styleLbl name="node3">
+    <dgm:scene3d>
+      <a:camera prst="orthographicFront"/>
+      <a:lightRig rig="threePt" dir="t"/>
+    </dgm:scene3d>
+    <dgm:sp3d/>
+    <dgm:txPr/>
+    <dgm:style>
+      <a:lnRef idx="2">
+        <a:scrgbClr r="0" g="0" b="0"/>
+      </a:lnRef>
+      <a:fillRef idx="1">
+        <a:scrgbClr r="0" g="0" b="0"/>
+      </a:fillRef>
+      <a:effectRef idx="0">
+        <a:scrgbClr r="0" g="0" b="0"/>
+      </a:effectRef>
+      <a:fontRef idx="minor">
+        <a:schemeClr val="lt1"/>
+      </a:fontRef>
+    </dgm:style>
+  </dgm:styleLbl>
+  <dgm:styleLbl name="node4">
+    <dgm:scene3d>
+      <a:camera prst="orthographicFront"/>
+      <a:lightRig rig="threePt" dir="t"/>
+    </dgm:scene3d>
+    <dgm:sp3d/>
+    <dgm:txPr/>
+    <dgm:style>
+      <a:lnRef idx="2">
+        <a:scrgbClr r="0" g="0" b="0"/>
+      </a:lnRef>
+      <a:fillRef idx="1">
+        <a:scrgbClr r="0" g="0" b="0"/>
+      </a:fillRef>
+      <a:effectRef idx="0">
+        <a:scrgbClr r="0" g="0" b="0"/>
+      </a:effectRef>
+      <a:fontRef idx="minor">
+        <a:schemeClr val="lt1"/>
+      </a:fontRef>
+    </dgm:style>
+  </dgm:styleLbl>
+  <dgm:styleLbl name="fgImgPlace1">
+    <dgm:scene3d>
+      <a:camera prst="orthographicFront"/>
+      <a:lightRig rig="threePt" dir="t"/>
+    </dgm:scene3d>
+    <dgm:sp3d/>
+    <dgm:txPr/>
+    <dgm:style>
+      <a:lnRef idx="2">
+        <a:scrgbClr r="0" g="0" b="0"/>
+      </a:lnRef>
+      <a:fillRef idx="1">
+        <a:scrgbClr r="0" g="0" b="0"/>
+      </a:fillRef>
+      <a:effectRef idx="0">
+        <a:scrgbClr r="0" g="0" b="0"/>
+      </a:effectRef>
+      <a:fontRef idx="minor"/>
+    </dgm:style>
+  </dgm:styleLbl>
+  <dgm:styleLbl name="alignImgPlace1">
+    <dgm:scene3d>
+      <a:camera prst="orthographicFront"/>
+      <a:lightRig rig="threePt" dir="t"/>
+    </dgm:scene3d>
+    <dgm:sp3d/>
+    <dgm:txPr/>
+    <dgm:style>
+      <a:lnRef idx="2">
+        <a:scrgbClr r="0" g="0" b="0"/>
+      </a:lnRef>
+      <a:fillRef idx="1">
+        <a:scrgbClr r="0" g="0" b="0"/>
+      </a:fillRef>
+      <a:effectRef idx="0">
+        <a:scrgbClr r="0" g="0" b="0"/>
+      </a:effectRef>
+      <a:fontRef idx="minor"/>
+    </dgm:style>
+  </dgm:styleLbl>
+  <dgm:styleLbl name="bgImgPlace1">
+    <dgm:scene3d>
+      <a:camera prst="orthographicFront"/>
+      <a:lightRig rig="threePt" dir="t"/>
+    </dgm:scene3d>
+    <dgm:sp3d/>
+    <dgm:txPr/>
+    <dgm:style>
+      <a:lnRef idx="2">
+        <a:scrgbClr r="0" g="0" b="0"/>
+      </a:lnRef>
+      <a:fillRef idx="1">
+        <a:scrgbClr r="0" g="0" b="0"/>
+      </a:fillRef>
+      <a:effectRef idx="0">
+        <a:scrgbClr r="0" g="0" b="0"/>
+      </a:effectRef>
+      <a:fontRef idx="minor"/>
+    </dgm:style>
+  </dgm:styleLbl>
+  <dgm:styleLbl name="sibTrans2D1">
+    <dgm:scene3d>
+      <a:camera prst="orthographicFront"/>
+      <a:lightRig rig="threePt" dir="t"/>
+    </dgm:scene3d>
+    <dgm:sp3d/>
+    <dgm:txPr/>
+    <dgm:style>
+      <a:lnRef idx="0">
+        <a:scrgbClr r="0" g="0" b="0"/>
+      </a:lnRef>
+      <a:fillRef idx="1">
+        <a:scrgbClr r="0" g="0" b="0"/>
+      </a:fillRef>
+      <a:effectRef idx="0">
+        <a:scrgbClr r="0" g="0" b="0"/>
+      </a:effectRef>
+      <a:fontRef idx="minor">
+        <a:schemeClr val="lt1"/>
+      </a:fontRef>
+    </dgm:style>
+  </dgm:styleLbl>
+  <dgm:styleLbl name="fgSibTrans2D1">
+    <dgm:scene3d>
+      <a:camera prst="orthographicFront"/>
+      <a:lightRig rig="threePt" dir="t"/>
+    </dgm:scene3d>
+    <dgm:sp3d/>
+    <dgm:txPr/>
+    <dgm:style>
+      <a:lnRef idx="0">
+        <a:scrgbClr r="0" g="0" b="0"/>
+      </a:lnRef>
+      <a:fillRef idx="1">
+        <a:scrgbClr r="0" g="0" b="0"/>
+      </a:fillRef>
+      <a:effectRef idx="0">
+        <a:scrgbClr r="0" g="0" b="0"/>
+      </a:effectRef>
+      <a:fontRef idx="minor">
+        <a:schemeClr val="lt1"/>
+      </a:fontRef>
+    </dgm:style>
+  </dgm:styleLbl>
+  <dgm:styleLbl name="bgSibTrans2D1">
+    <dgm:scene3d>
+      <a:camera prst="orthographicFront"/>
+      <a:lightRig rig="threePt" dir="t"/>
+    </dgm:scene3d>
+    <dgm:sp3d/>
+    <dgm:txPr/>
+    <dgm:style>
+      <a:lnRef idx="0">
+        <a:scrgbClr r="0" g="0" b="0"/>
+      </a:lnRef>
+      <a:fillRef idx="1">
+        <a:scrgbClr r="0" g="0" b="0"/>
+      </a:fillRef>
+      <a:effectRef idx="0">
+        <a:scrgbClr r="0" g="0" b="0"/>
+      </a:effectRef>
+      <a:fontRef idx="minor">
+        <a:schemeClr val="lt1"/>
+      </a:fontRef>
+    </dgm:style>
+  </dgm:styleLbl>
+  <dgm:styleLbl name="sibTrans1D1">
+    <dgm:scene3d>
+      <a:camera prst="orthographicFront"/>
+      <a:lightRig rig="threePt" dir="t"/>
+    </dgm:scene3d>
+    <dgm:sp3d/>
+    <dgm:txPr/>
+    <dgm:style>
+      <a:lnRef idx="1">
+        <a:scrgbClr r="0" g="0" b="0"/>
+      </a:lnRef>
+      <a:fillRef idx="0">
+        <a:scrgbClr r="0" g="0" b="0"/>
+      </a:fillRef>
+      <a:effectRef idx="0">
+        <a:scrgbClr r="0" g="0" b="0"/>
+      </a:effectRef>
+      <a:fontRef idx="minor"/>
+    </dgm:style>
+  </dgm:styleLbl>
+  <dgm:styleLbl name="callout">
+    <dgm:scene3d>
+      <a:camera prst="orthographicFront"/>
+      <a:lightRig rig="threePt" dir="t"/>
+    </dgm:scene3d>
+    <dgm:sp3d/>
+    <dgm:txPr/>
+    <dgm:style>
+      <a:lnRef idx="2">
+        <a:scrgbClr r="0" g="0" b="0"/>
+      </a:lnRef>
+      <a:fillRef idx="1">
+        <a:scrgbClr r="0" g="0" b="0"/>
+      </a:fillRef>
+      <a:effectRef idx="0">
+        <a:scrgbClr r="0" g="0" b="0"/>
+      </a:effectRef>
+      <a:fontRef idx="minor"/>
+    </dgm:style>
+  </dgm:styleLbl>
+  <dgm:styleLbl name="asst0">
+    <dgm:scene3d>
+      <a:camera prst="orthographicFront"/>
+      <a:lightRig rig="threePt" dir="t"/>
+    </dgm:scene3d>
+    <dgm:sp3d/>
+    <dgm:txPr/>
+    <dgm:style>
+      <a:lnRef idx="2">
+        <a:scrgbClr r="0" g="0" b="0"/>
+      </a:lnRef>
+      <a:fillRef idx="1">
+        <a:scrgbClr r="0" g="0" b="0"/>
+      </a:fillRef>
+      <a:effectRef idx="0">
+        <a:scrgbClr r="0" g="0" b="0"/>
+      </a:effectRef>
+      <a:fontRef idx="minor">
+        <a:schemeClr val="lt1"/>
+      </a:fontRef>
+    </dgm:style>
+  </dgm:styleLbl>
+  <dgm:styleLbl name="asst1">
+    <dgm:scene3d>
+      <a:camera prst="orthographicFront"/>
+      <a:lightRig rig="threePt" dir="t"/>
+    </dgm:scene3d>
+    <dgm:sp3d/>
+    <dgm:txPr/>
+    <dgm:style>
+      <a:lnRef idx="2">
+        <a:scrgbClr r="0" g="0" b="0"/>
+      </a:lnRef>
+      <a:fillRef idx="1">
+        <a:scrgbClr r="0" g="0" b="0"/>
+      </a:fillRef>
+      <a:effectRef idx="0">
+        <a:scrgbClr r="0" g="0" b="0"/>
+      </a:effectRef>
+      <a:fontRef idx="minor">
+        <a:schemeClr val="lt1"/>
+      </a:fontRef>
+    </dgm:style>
+  </dgm:styleLbl>
+  <dgm:styleLbl name="asst2">
+    <dgm:scene3d>
+      <a:camera prst="orthographicFront"/>
+      <a:lightRig rig="threePt" dir="t"/>
+    </dgm:scene3d>
+    <dgm:sp3d/>
+    <dgm:txPr/>
+    <dgm:style>
+      <a:lnRef idx="2">
+        <a:scrgbClr r="0" g="0" b="0"/>
+      </a:lnRef>
+      <a:fillRef idx="1">
+        <a:scrgbClr r="0" g="0" b="0"/>
+      </a:fillRef>
+      <a:effectRef idx="0">
+        <a:scrgbClr r="0" g="0" b="0"/>
+      </a:effectRef>
+      <a:fontRef idx="minor">
+        <a:schemeClr val="lt1"/>
+      </a:fontRef>
+    </dgm:style>
+  </dgm:styleLbl>
+  <dgm:styleLbl name="asst3">
+    <dgm:scene3d>
+      <a:camera prst="orthographicFront"/>
+      <a:lightRig rig="threePt" dir="t"/>
+    </dgm:scene3d>
+    <dgm:sp3d/>
+    <dgm:txPr/>
+    <dgm:style>
+      <a:lnRef idx="2">
+        <a:scrgbClr r="0" g="0" b="0"/>
+      </a:lnRef>
+      <a:fillRef idx="1">
+        <a:scrgbClr r="0" g="0" b="0"/>
+      </a:fillRef>
+      <a:effectRef idx="0">
+        <a:scrgbClr r="0" g="0" b="0"/>
+      </a:effectRef>
+      <a:fontRef idx="minor">
+        <a:schemeClr val="lt1"/>
+      </a:fontRef>
+    </dgm:style>
+  </dgm:styleLbl>
+  <dgm:styleLbl name="asst4">
+    <dgm:scene3d>
+      <a:camera prst="orthographicFront"/>
+      <a:lightRig rig="threePt" dir="t"/>
+    </dgm:scene3d>
+    <dgm:sp3d/>
+    <dgm:txPr/>
+    <dgm:style>
+      <a:lnRef idx="2">
+        <a:scrgbClr r="0" g="0" b="0"/>
+      </a:lnRef>
+      <a:fillRef idx="1">
+        <a:scrgbClr r="0" g="0" b="0"/>
+      </a:fillRef>
+      <a:effectRef idx="0">
+        <a:scrgbClr r="0" g="0" b="0"/>
+      </a:effectRef>
+      <a:fontRef idx="minor">
+        <a:schemeClr val="lt1"/>
+      </a:fontRef>
+    </dgm:style>
+  </dgm:styleLbl>
+  <dgm:styleLbl name="parChTrans2D1">
+    <dgm:scene3d>
+      <a:camera prst="orthographicFront"/>
+      <a:lightRig rig="threePt" dir="t"/>
+    </dgm:scene3d>
+    <dgm:sp3d/>
+    <dgm:txPr/>
+    <dgm:style>
+      <a:lnRef idx="2">
+        <a:scrgbClr r="0" g="0" b="0"/>
+      </a:lnRef>
+      <a:fillRef idx="1">
+        <a:scrgbClr r="0" g="0" b="0"/>
+      </a:fillRef>
+      <a:effectRef idx="0">
+        <a:scrgbClr r="0" g="0" b="0"/>
+      </a:effectRef>
+      <a:fontRef idx="minor">
+        <a:schemeClr val="lt1"/>
+      </a:fontRef>
+    </dgm:style>
+  </dgm:styleLbl>
+  <dgm:styleLbl name="parChTrans2D2">
+    <dgm:scene3d>
+      <a:camera prst="orthographicFront"/>
+      <a:lightRig rig="threePt" dir="t"/>
+    </dgm:scene3d>
+    <dgm:sp3d/>
+    <dgm:txPr/>
+    <dgm:style>
+      <a:lnRef idx="2">
+        <a:scrgbClr r="0" g="0" b="0"/>
+      </a:lnRef>
+      <a:fillRef idx="1">
+        <a:scrgbClr r="0" g="0" b="0"/>
+      </a:fillRef>
+      <a:effectRef idx="0">
+        <a:scrgbClr r="0" g="0" b="0"/>
+      </a:effectRef>
+      <a:fontRef idx="minor">
+        <a:schemeClr val="lt1"/>
+      </a:fontRef>
+    </dgm:style>
+  </dgm:styleLbl>
+  <dgm:styleLbl name="parChTrans2D3">
+    <dgm:scene3d>
+      <a:camera prst="orthographicFront"/>
+      <a:lightRig rig="threePt" dir="t"/>
+    </dgm:scene3d>
+    <dgm:sp3d/>
+    <dgm:txPr/>
+    <dgm:style>
+      <a:lnRef idx="2">
+        <a:scrgbClr r="0" g="0" b="0"/>
+      </a:lnRef>
+      <a:fillRef idx="1">
+        <a:scrgbClr r="0" g="0" b="0"/>
+      </a:fillRef>
+      <a:effectRef idx="0">
+        <a:scrgbClr r="0" g="0" b="0"/>
+      </a:effectRef>
+      <a:fontRef idx="minor">
+        <a:schemeClr val="lt1"/>
+      </a:fontRef>
+    </dgm:style>
+  </dgm:styleLbl>
+  <dgm:styleLbl name="parChTrans2D4">
+    <dgm:scene3d>
+      <a:camera prst="orthographicFront"/>
+      <a:lightRig rig="threePt" dir="t"/>
+    </dgm:scene3d>
+    <dgm:sp3d/>
+    <dgm:txPr/>
+    <dgm:style>
+      <a:lnRef idx="2">
+        <a:scrgbClr r="0" g="0" b="0"/>
+      </a:lnRef>
+      <a:fillRef idx="1">
+        <a:scrgbClr r="0" g="0" b="0"/>
+      </a:fillRef>
+      <a:effectRef idx="0">
+        <a:scrgbClr r="0" g="0" b="0"/>
+      </a:effectRef>
+      <a:fontRef idx="minor">
+        <a:schemeClr val="lt1"/>
+      </a:fontRef>
+    </dgm:style>
+  </dgm:styleLbl>
+  <dgm:styleLbl name="parChTrans1D1">
+    <dgm:scene3d>
+      <a:camera prst="orthographicFront"/>
+      <a:lightRig rig="threePt" dir="t"/>
+    </dgm:scene3d>
+    <dgm:sp3d/>
+    <dgm:txPr/>
+    <dgm:style>
+      <a:lnRef idx="2">
+        <a:scrgbClr r="0" g="0" b="0"/>
+      </a:lnRef>
+      <a:fillRef idx="0">
+        <a:scrgbClr r="0" g="0" b="0"/>
+      </a:fillRef>
+      <a:effectRef idx="0">
+        <a:scrgbClr r="0" g="0" b="0"/>
+      </a:effectRef>
+      <a:fontRef idx="minor"/>
+    </dgm:style>
+  </dgm:styleLbl>
+  <dgm:styleLbl name="parChTrans1D2">
+    <dgm:scene3d>
+      <a:camera prst="orthographicFront"/>
+      <a:lightRig rig="threePt" dir="t"/>
+    </dgm:scene3d>
+    <dgm:sp3d/>
+    <dgm:txPr/>
+    <dgm:style>
+      <a:lnRef idx="2">
+        <a:scrgbClr r="0" g="0" b="0"/>
+      </a:lnRef>
+      <a:fillRef idx="0">
+        <a:scrgbClr r="0" g="0" b="0"/>
+      </a:fillRef>
+      <a:effectRef idx="0">
+        <a:scrgbClr r="0" g="0" b="0"/>
+      </a:effectRef>
+      <a:fontRef idx="minor"/>
+    </dgm:style>
+  </dgm:styleLbl>
+  <dgm:styleLbl name="parChTrans1D3">
+    <dgm:scene3d>
+      <a:camera prst="orthographicFront"/>
+      <a:lightRig rig="threePt" dir="t"/>
+    </dgm:scene3d>
+    <dgm:sp3d/>
+    <dgm:txPr/>
+    <dgm:style>
+      <a:lnRef idx="2">
+        <a:scrgbClr r="0" g="0" b="0"/>
+      </a:lnRef>
+      <a:fillRef idx="0">
+        <a:scrgbClr r="0" g="0" b="0"/>
+      </a:fillRef>
+      <a:effectRef idx="0">
+        <a:scrgbClr r="0" g="0" b="0"/>
+      </a:effectRef>
+      <a:fontRef idx="minor"/>
+    </dgm:style>
+  </dgm:styleLbl>
+  <dgm:styleLbl name="parChTrans1D4">
+    <dgm:scene3d>
+      <a:camera prst="orthographicFront"/>
+      <a:lightRig rig="threePt" dir="t"/>
+    </dgm:scene3d>
+    <dgm:sp3d/>
+    <dgm:txPr/>
+    <dgm:style>
+      <a:lnRef idx="2">
+        <a:scrgbClr r="0" g="0" b="0"/>
+      </a:lnRef>
+      <a:fillRef idx="0">
+        <a:scrgbClr r="0" g="0" b="0"/>
+      </a:fillRef>
+      <a:effectRef idx="0">
+        <a:scrgbClr r="0" g="0" b="0"/>
+      </a:effectRef>
+      <a:fontRef idx="minor"/>
+    </dgm:style>
+  </dgm:styleLbl>
+  <dgm:styleLbl name="fgAcc1">
+    <dgm:scene3d>
+      <a:camera prst="orthographicFront"/>
+      <a:lightRig rig="threePt" dir="t"/>
+    </dgm:scene3d>
+    <dgm:sp3d/>
+    <dgm:txPr/>
+    <dgm:style>
+      <a:lnRef idx="2">
+        <a:scrgbClr r="0" g="0" b="0"/>
+      </a:lnRef>
+      <a:fillRef idx="1">
+        <a:scrgbClr r="0" g="0" b="0"/>
+      </a:fillRef>
+      <a:effectRef idx="0">
+        <a:scrgbClr r="0" g="0" b="0"/>
+      </a:effectRef>
+      <a:fontRef idx="minor"/>
+    </dgm:style>
+  </dgm:styleLbl>
+  <dgm:styleLbl name="conFgAcc1">
+    <dgm:scene3d>
+      <a:camera prst="orthographicFront"/>
+      <a:lightRig rig="threePt" dir="t"/>
+    </dgm:scene3d>
+    <dgm:sp3d/>
+    <dgm:txPr/>
+    <dgm:style>
+      <a:lnRef idx="2">
+        <a:scrgbClr r="0" g="0" b="0"/>
+      </a:lnRef>
+      <a:fillRef idx="1">
+        <a:scrgbClr r="0" g="0" b="0"/>
+      </a:fillRef>
+      <a:effectRef idx="0">
+        <a:scrgbClr r="0" g="0" b="0"/>
+      </a:effectRef>
+      <a:fontRef idx="minor"/>
+    </dgm:style>
+  </dgm:styleLbl>
+  <dgm:styleLbl name="alignAcc1">
+    <dgm:scene3d>
+      <a:camera prst="orthographicFront"/>
+      <a:lightRig rig="threePt" dir="t"/>
+    </dgm:scene3d>
+    <dgm:sp3d/>
+    <dgm:txPr/>
+    <dgm:style>
+      <a:lnRef idx="2">
+        <a:scrgbClr r="0" g="0" b="0"/>
+      </a:lnRef>
+      <a:fillRef idx="1">
+        <a:scrgbClr r="0" g="0" b="0"/>
+      </a:fillRef>
+      <a:effectRef idx="0">
+        <a:scrgbClr r="0" g="0" b="0"/>
+      </a:effectRef>
+      <a:fontRef idx="minor"/>
+    </dgm:style>
+  </dgm:styleLbl>
+  <dgm:styleLbl name="trAlignAcc1">
+    <dgm:scene3d>
+      <a:camera prst="orthographicFront"/>
+      <a:lightRig rig="threePt" dir="t"/>
+    </dgm:scene3d>
+    <dgm:sp3d/>
+    <dgm:txPr/>
+    <dgm:style>
+      <a:lnRef idx="1">
+        <a:scrgbClr r="0" g="0" b="0"/>
+      </a:lnRef>
+      <a:fillRef idx="1">
+        <a:scrgbClr r="0" g="0" b="0"/>
+      </a:fillRef>
+      <a:effectRef idx="0">
+        <a:scrgbClr r="0" g="0" b="0"/>
+      </a:effectRef>
+      <a:fontRef idx="minor"/>
+    </dgm:style>
+  </dgm:styleLbl>
+  <dgm:styleLbl name="bgAcc1">
+    <dgm:scene3d>
+      <a:camera prst="orthographicFront"/>
+      <a:lightRig rig="threePt" dir="t"/>
+    </dgm:scene3d>
+    <dgm:sp3d/>
+    <dgm:txPr/>
+    <dgm:style>
+      <a:lnRef idx="2">
+        <a:scrgbClr r="0" g="0" b="0"/>
+      </a:lnRef>
+      <a:fillRef idx="1">
+        <a:scrgbClr r="0" g="0" b="0"/>
+      </a:fillRef>
+      <a:effectRef idx="0">
+        <a:scrgbClr r="0" g="0" b="0"/>
+      </a:effectRef>
+      <a:fontRef idx="minor"/>
+    </dgm:style>
+  </dgm:styleLbl>
+  <dgm:styleLbl name="solidFgAcc1">
+    <dgm:scene3d>
+      <a:camera prst="orthographicFront"/>
+      <a:lightRig rig="threePt" dir="t"/>
+    </dgm:scene3d>
+    <dgm:sp3d/>
+    <dgm:txPr/>
+    <dgm:style>
+      <a:lnRef idx="2">
+        <a:scrgbClr r="0" g="0" b="0"/>
+      </a:lnRef>
+      <a:fillRef idx="1">
+        <a:scrgbClr r="0" g="0" b="0"/>
+      </a:fillRef>
+      <a:effectRef idx="0">
+        <a:scrgbClr r="0" g="0" b="0"/>
+      </a:effectRef>
+      <a:fontRef idx="minor"/>
+    </dgm:style>
+  </dgm:styleLbl>
+  <dgm:styleLbl name="solidAlignAcc1">
+    <dgm:scene3d>
+      <a:camera prst="orthographicFront"/>
+      <a:lightRig rig="threePt" dir="t"/>
+    </dgm:scene3d>
+    <dgm:sp3d/>
+    <dgm:txPr/>
+    <dgm:style>
+      <a:lnRef idx="2">
+        <a:scrgbClr r="0" g="0" b="0"/>
+      </a:lnRef>
+      <a:fillRef idx="1">
+        <a:scrgbClr r="0" g="0" b="0"/>
+      </a:fillRef>
+      <a:effectRef idx="0">
+        <a:scrgbClr r="0" g="0" b="0"/>
+      </a:effectRef>
+      <a:fontRef idx="minor"/>
+    </dgm:style>
+  </dgm:styleLbl>
+  <dgm:styleLbl name="solidBgAcc1">
+    <dgm:scene3d>
+      <a:camera prst="orthographicFront"/>
+      <a:lightRig rig="threePt" dir="t"/>
+    </dgm:scene3d>
+    <dgm:sp3d/>
+    <dgm:txPr/>
+    <dgm:style>
+      <a:lnRef idx="2">
+        <a:scrgbClr r="0" g="0" b="0"/>
+      </a:lnRef>
+      <a:fillRef idx="1">
+        <a:scrgbClr r="0" g="0" b="0"/>
+      </a:fillRef>
+      <a:effectRef idx="0">
+        <a:scrgbClr r="0" g="0" b="0"/>
+      </a:effectRef>
+      <a:fontRef idx="minor"/>
+    </dgm:style>
+  </dgm:styleLbl>
+  <dgm:styleLbl name="fgAccFollowNode1">
+    <dgm:scene3d>
+      <a:camera prst="orthographicFront"/>
+      <a:lightRig rig="threePt" dir="t"/>
+    </dgm:scene3d>
+    <dgm:sp3d/>
+    <dgm:txPr/>
+    <dgm:style>
+      <a:lnRef idx="2">
+        <a:scrgbClr r="0" g="0" b="0"/>
+      </a:lnRef>
+      <a:fillRef idx="1">
+        <a:scrgbClr r="0" g="0" b="0"/>
+      </a:fillRef>
+      <a:effectRef idx="0">
+        <a:scrgbClr r="0" g="0" b="0"/>
+      </a:effectRef>
+      <a:fontRef idx="minor"/>
+    </dgm:style>
+  </dgm:styleLbl>
+  <dgm:styleLbl name="alignAccFollowNode1">
+    <dgm:scene3d>
+      <a:camera prst="orthographicFront"/>
+      <a:lightRig rig="threePt" dir="t"/>
+    </dgm:scene3d>
+    <dgm:sp3d/>
+    <dgm:txPr/>
+    <dgm:style>
+      <a:lnRef idx="2">
+        <a:scrgbClr r="0" g="0" b="0"/>
+      </a:lnRef>
+      <a:fillRef idx="1">
+        <a:scrgbClr r="0" g="0" b="0"/>
+      </a:fillRef>
+      <a:effectRef idx="0">
+        <a:scrgbClr r="0" g="0" b="0"/>
+      </a:effectRef>
+      <a:fontRef idx="minor"/>
+    </dgm:style>
+  </dgm:styleLbl>
+  <dgm:styleLbl name="bgAccFollowNode1">
+    <dgm:scene3d>
+      <a:camera prst="orthographicFront"/>
+      <a:lightRig rig="threePt" dir="t"/>
+    </dgm:scene3d>
+    <dgm:sp3d/>
+    <dgm:txPr/>
+    <dgm:style>
+      <a:lnRef idx="2">
+        <a:scrgbClr r="0" g="0" b="0"/>
+      </a:lnRef>
+      <a:fillRef idx="1">
+        <a:scrgbClr r="0" g="0" b="0"/>
+      </a:fillRef>
+      <a:effectRef idx="0">
+        <a:scrgbClr r="0" g="0" b="0"/>
+      </a:effectRef>
+      <a:fontRef idx="minor"/>
+    </dgm:style>
+  </dgm:styleLbl>
+  <dgm:styleLbl name="fgAcc0">
+    <dgm:scene3d>
+      <a:camera prst="orthographicFront"/>
+      <a:lightRig rig="threePt" dir="t"/>
+    </dgm:scene3d>
+    <dgm:sp3d/>
+    <dgm:txPr/>
+    <dgm:style>
+      <a:lnRef idx="2">
+        <a:scrgbClr r="0" g="0" b="0"/>
+      </a:lnRef>
+      <a:fillRef idx="1">
+        <a:scrgbClr r="0" g="0" b="0"/>
+      </a:fillRef>
+      <a:effectRef idx="0">
+        <a:scrgbClr r="0" g="0" b="0"/>
+      </a:effectRef>
+      <a:fontRef idx="minor"/>
+    </dgm:style>
+  </dgm:styleLbl>
+  <dgm:styleLbl name="fgAcc2">
+    <dgm:scene3d>
+      <a:camera prst="orthographicFront"/>
+      <a:lightRig rig="threePt" dir="t"/>
+    </dgm:scene3d>
+    <dgm:sp3d/>
+    <dgm:txPr/>
+    <dgm:style>
+      <a:lnRef idx="2">
+        <a:scrgbClr r="0" g="0" b="0"/>
+      </a:lnRef>
+      <a:fillRef idx="1">
+        <a:scrgbClr r="0" g="0" b="0"/>
+      </a:fillRef>
+      <a:effectRef idx="0">
+        <a:scrgbClr r="0" g="0" b="0"/>
+      </a:effectRef>
+      <a:fontRef idx="minor"/>
+    </dgm:style>
+  </dgm:styleLbl>
+  <dgm:styleLbl name="fgAcc3">
+    <dgm:scene3d>
+      <a:camera prst="orthographicFront"/>
+      <a:lightRig rig="threePt" dir="t"/>
+    </dgm:scene3d>
+    <dgm:sp3d/>
+    <dgm:txPr/>
+    <dgm:style>
+      <a:lnRef idx="2">
+        <a:scrgbClr r="0" g="0" b="0"/>
+      </a:lnRef>
+      <a:fillRef idx="1">
+        <a:scrgbClr r="0" g="0" b="0"/>
+      </a:fillRef>
+      <a:effectRef idx="0">
+        <a:scrgbClr r="0" g="0" b="0"/>
+      </a:effectRef>
+      <a:fontRef idx="minor"/>
+    </dgm:style>
+  </dgm:styleLbl>
+  <dgm:styleLbl name="fgAcc4">
+    <dgm:scene3d>
+      <a:camera prst="orthographicFront"/>
+      <a:lightRig rig="threePt" dir="t"/>
+    </dgm:scene3d>
+    <dgm:sp3d/>
+    <dgm:txPr/>
+    <dgm:style>
+      <a:lnRef idx="2">
+        <a:scrgbClr r="0" g="0" b="0"/>
+      </a:lnRef>
+      <a:fillRef idx="1">
+        <a:scrgbClr r="0" g="0" b="0"/>
+      </a:fillRef>
+      <a:effectRef idx="0">
+        <a:scrgbClr r="0" g="0" b="0"/>
+      </a:effectRef>
+      <a:fontRef idx="minor"/>
+    </dgm:style>
+  </dgm:styleLbl>
+  <dgm:styleLbl name="bgShp">
+    <dgm:scene3d>
+      <a:camera prst="orthographicFront"/>
+      <a:lightRig rig="threePt" dir="t"/>
+    </dgm:scene3d>
+    <dgm:sp3d/>
+    <dgm:txPr/>
+    <dgm:style>
+      <a:lnRef idx="0">
+        <a:scrgbClr r="0" g="0" b="0"/>
+      </a:lnRef>
+      <a:fillRef idx="1">
+        <a:scrgbClr r="0" g="0" b="0"/>
+      </a:fillRef>
+      <a:effectRef idx="0">
+        <a:scrgbClr r="0" g="0" b="0"/>
+      </a:effectRef>
+      <a:fontRef idx="minor"/>
+    </dgm:style>
+  </dgm:styleLbl>
+  <dgm:styleLbl name="dkBgShp">
+    <dgm:scene3d>
+      <a:camera prst="orthographicFront"/>
+      <a:lightRig rig="threePt" dir="t"/>
+    </dgm:scene3d>
+    <dgm:sp3d/>
+    <dgm:txPr/>
+    <dgm:style>
+      <a:lnRef idx="0">
+        <a:scrgbClr r="0" g="0" b="0"/>
+      </a:lnRef>
+      <a:fillRef idx="1">
+        <a:scrgbClr r="0" g="0" b="0"/>
+      </a:fillRef>
+      <a:effectRef idx="0">
+        <a:scrgbClr r="0" g="0" b="0"/>
+      </a:effectRef>
+      <a:fontRef idx="minor"/>
+    </dgm:style>
+  </dgm:styleLbl>
+  <dgm:styleLbl name="trBgShp">
+    <dgm:scene3d>
+      <a:camera prst="orthographicFront"/>
+      <a:lightRig rig="threePt" dir="t"/>
+    </dgm:scene3d>
+    <dgm:sp3d/>
+    <dgm:txPr/>
+    <dgm:style>
+      <a:lnRef idx="0">
+        <a:scrgbClr r="0" g="0" b="0"/>
+      </a:lnRef>
+      <a:fillRef idx="1">
+        <a:scrgbClr r="0" g="0" b="0"/>
+      </a:fillRef>
+      <a:effectRef idx="0">
+        <a:scrgbClr r="0" g="0" b="0"/>
+      </a:effectRef>
+      <a:fontRef idx="minor"/>
+    </dgm:style>
+  </dgm:styleLbl>
+  <dgm:styleLbl name="fgShp">
+    <dgm:scene3d>
+      <a:camera prst="orthographicFront"/>
+      <a:lightRig rig="threePt" dir="t"/>
+    </dgm:scene3d>
+    <dgm:sp3d/>
+    <dgm:txPr/>
+    <dgm:style>
+      <a:lnRef idx="2">
+        <a:scrgbClr r="0" g="0" b="0"/>
+      </a:lnRef>
+      <a:fillRef idx="1">
+        <a:scrgbClr r="0" g="0" b="0"/>
+      </a:fillRef>
+      <a:effectRef idx="0">
+        <a:scrgbClr r="0" g="0" b="0"/>
+      </a:effectRef>
+      <a:fontRef idx="minor"/>
+    </dgm:style>
+  </dgm:styleLbl>
+  <dgm:styleLbl name="revTx">
+    <dgm:scene3d>
+      <a:camera prst="orthographicFront"/>
+      <a:lightRig rig="threePt" dir="t"/>
+    </dgm:scene3d>
+    <dgm:sp3d/>
+    <dgm:txPr/>
+    <dgm:style>
+      <a:lnRef idx="0">
+        <a:scrgbClr r="0" g="0" b="0"/>
+      </a:lnRef>
+      <a:fillRef idx="0">
+        <a:scrgbClr r="0" g="0" b="0"/>
+      </a:fillRef>
+      <a:effectRef idx="0">
+        <a:scrgbClr r="0" g="0" b="0"/>
+      </a:effectRef>
+      <a:fontRef idx="minor"/>
+    </dgm:style>
+  </dgm:styleLbl>
+</dgm:styleDef>
+</file>
+
 <file path=ppt/notesMasters/notesMaster1.xml><?xml version="1.0" encoding="utf-8"?>
 <p:notesMaster xmlns:a="http://schemas.openxmlformats.org/drawingml/2006/main" xmlns:r="http://schemas.openxmlformats.org/officeDocument/2006/relationships" xmlns:p="http://schemas.openxmlformats.org/presentationml/2006/main">
   <p:cSld>
@@ -216,7 +6075,7 @@
           <a:p>
             <a:fld id="{93967DB5-A3E6-4610-A4F6-DB08F46D69A3}" type="datetimeFigureOut">
               <a:rPr lang="en-US" smtClean="0"/>
-              <a:t>12/6/2024</a:t>
+              <a:t>12/6/24</a:t>
             </a:fld>
             <a:endParaRPr lang="en-US"/>
           </a:p>
@@ -548,7 +6407,7 @@
           <a:p>
             <a:fld id="{D9DC0902-B928-4F0F-BBCD-04DEB66ED9A2}" type="slidenum">
               <a:rPr lang="en-US" smtClean="0"/>
-              <a:t>19</a:t>
+              <a:t>20</a:t>
             </a:fld>
             <a:endParaRPr lang="en-US"/>
           </a:p>
@@ -1673,7 +7532,7 @@
           <a:p>
             <a:fld id="{B07D26D2-3556-45FC-B13E-3E27378A0FD4}" type="datetimeFigureOut">
               <a:rPr lang="en-US" smtClean="0"/>
-              <a:t>12/6/2024</a:t>
+              <a:t>12/6/24</a:t>
             </a:fld>
             <a:endParaRPr lang="en-US"/>
           </a:p>
@@ -1873,7 +7732,7 @@
           <a:p>
             <a:fld id="{B07D26D2-3556-45FC-B13E-3E27378A0FD4}" type="datetimeFigureOut">
               <a:rPr lang="en-US" smtClean="0"/>
-              <a:t>12/6/2024</a:t>
+              <a:t>12/6/24</a:t>
             </a:fld>
             <a:endParaRPr lang="en-US"/>
           </a:p>
@@ -2149,7 +8008,7 @@
           <a:p>
             <a:fld id="{B07D26D2-3556-45FC-B13E-3E27378A0FD4}" type="datetimeFigureOut">
               <a:rPr lang="en-US" smtClean="0"/>
-              <a:t>12/6/2024</a:t>
+              <a:t>12/6/24</a:t>
             </a:fld>
             <a:endParaRPr lang="en-US"/>
           </a:p>
@@ -2417,7 +8276,7 @@
           <a:p>
             <a:fld id="{B07D26D2-3556-45FC-B13E-3E27378A0FD4}" type="datetimeFigureOut">
               <a:rPr lang="en-US" smtClean="0"/>
-              <a:t>12/6/2024</a:t>
+              <a:t>12/6/24</a:t>
             </a:fld>
             <a:endParaRPr lang="en-US"/>
           </a:p>
@@ -2832,7 +8691,7 @@
           <a:p>
             <a:fld id="{B07D26D2-3556-45FC-B13E-3E27378A0FD4}" type="datetimeFigureOut">
               <a:rPr lang="en-US" smtClean="0"/>
-              <a:t>12/6/2024</a:t>
+              <a:t>12/6/24</a:t>
             </a:fld>
             <a:endParaRPr lang="en-US"/>
           </a:p>
@@ -2974,7 +8833,7 @@
           <a:p>
             <a:fld id="{B07D26D2-3556-45FC-B13E-3E27378A0FD4}" type="datetimeFigureOut">
               <a:rPr lang="en-US" smtClean="0"/>
-              <a:t>12/6/2024</a:t>
+              <a:t>12/6/24</a:t>
             </a:fld>
             <a:endParaRPr lang="en-US"/>
           </a:p>
@@ -3087,7 +8946,7 @@
           <a:p>
             <a:fld id="{B07D26D2-3556-45FC-B13E-3E27378A0FD4}" type="datetimeFigureOut">
               <a:rPr lang="en-US" smtClean="0"/>
-              <a:t>12/6/2024</a:t>
+              <a:t>12/6/24</a:t>
             </a:fld>
             <a:endParaRPr lang="en-US"/>
           </a:p>
@@ -3595,7 +9454,7 @@
           <a:p>
             <a:fld id="{B07D26D2-3556-45FC-B13E-3E27378A0FD4}" type="datetimeFigureOut">
               <a:rPr lang="en-US" smtClean="0"/>
-              <a:t>12/6/2024</a:t>
+              <a:t>12/6/24</a:t>
             </a:fld>
             <a:endParaRPr lang="en-US"/>
           </a:p>
@@ -3884,7 +9743,7 @@
           <a:p>
             <a:fld id="{B07D26D2-3556-45FC-B13E-3E27378A0FD4}" type="datetimeFigureOut">
               <a:rPr lang="en-US" smtClean="0"/>
-              <a:t>12/6/2024</a:t>
+              <a:t>12/6/24</a:t>
             </a:fld>
             <a:endParaRPr lang="en-US"/>
           </a:p>
@@ -4084,7 +9943,7 @@
           <a:p>
             <a:fld id="{B07D26D2-3556-45FC-B13E-3E27378A0FD4}" type="datetimeFigureOut">
               <a:rPr lang="en-US" smtClean="0"/>
-              <a:t>12/6/2024</a:t>
+              <a:t>12/6/24</a:t>
             </a:fld>
             <a:endParaRPr lang="en-US"/>
           </a:p>
@@ -4294,7 +10153,7 @@
           <a:p>
             <a:fld id="{B07D26D2-3556-45FC-B13E-3E27378A0FD4}" type="datetimeFigureOut">
               <a:rPr lang="en-US" smtClean="0"/>
-              <a:t>12/6/2024</a:t>
+              <a:t>12/6/24</a:t>
             </a:fld>
             <a:endParaRPr lang="en-US"/>
           </a:p>
@@ -6874,7 +12733,7 @@
           <a:p>
             <a:fld id="{B07D26D2-3556-45FC-B13E-3E27378A0FD4}" type="datetimeFigureOut">
               <a:rPr lang="en-US" smtClean="0"/>
-              <a:t>12/6/2024</a:t>
+              <a:t>12/6/24</a:t>
             </a:fld>
             <a:endParaRPr lang="en-US"/>
           </a:p>
@@ -7293,10 +13152,10 @@
       </p:grpSpPr>
       <p:sp>
         <p:nvSpPr>
-          <p:cNvPr id="2" name="Title 1">
+          <p:cNvPr id="5" name="Title 4">
             <a:extLst>
               <a:ext uri="{FF2B5EF4-FFF2-40B4-BE49-F238E27FC236}">
-                <a16:creationId xmlns:a16="http://schemas.microsoft.com/office/drawing/2014/main" id="{CD550F1E-6FAE-0E52-FF0D-C6BD35E9F61C}"/>
+                <a16:creationId xmlns:a16="http://schemas.microsoft.com/office/drawing/2014/main" id="{62BFB357-27F2-CAB3-DB8A-349B06BE1AF8}"/>
               </a:ext>
             </a:extLst>
           </p:cNvPr>
@@ -7304,192 +13163,77 @@
             <a:spLocks noGrp="1"/>
           </p:cNvSpPr>
           <p:nvPr>
-            <p:ph type="title"/>
+            <p:ph type="ctrTitle"/>
           </p:nvPr>
         </p:nvSpPr>
-        <p:spPr/>
-        <p:txBody>
-          <a:bodyPr>
-            <a:normAutofit fontScale="90000"/>
-          </a:bodyPr>
-          <a:lstStyle/>
-          <a:p>
-            <a:r>
-              <a:rPr lang="en-US" sz="4400" b="1" dirty="0">
-                <a:latin typeface="Graphik Bold" panose="020B0803030202060203" pitchFamily="34" charset="0"/>
-              </a:rPr>
-              <a:t>Grid optimization with weather</a:t>
-            </a:r>
-            <a:br>
-              <a:rPr lang="en-US" sz="4400" b="1" dirty="0"/>
-            </a:br>
-            <a:endParaRPr lang="en-US" dirty="0"/>
-          </a:p>
-        </p:txBody>
-      </p:sp>
-      <p:sp>
-        <p:nvSpPr>
-          <p:cNvPr id="3" name="Content Placeholder 2">
-            <a:extLst>
-              <a:ext uri="{FF2B5EF4-FFF2-40B4-BE49-F238E27FC236}">
-                <a16:creationId xmlns:a16="http://schemas.microsoft.com/office/drawing/2014/main" id="{71511211-508D-6CC8-4FEB-165C9481CDE2}"/>
-              </a:ext>
-            </a:extLst>
-          </p:cNvPr>
-          <p:cNvSpPr>
-            <a:spLocks noGrp="1"/>
-          </p:cNvSpPr>
-          <p:nvPr>
-            <p:ph idx="1"/>
-          </p:nvPr>
-        </p:nvSpPr>
-        <p:spPr/>
+        <p:spPr>
+          <a:xfrm>
+            <a:off x="1955339" y="2125764"/>
+            <a:ext cx="7018301" cy="1879172"/>
+          </a:xfrm>
+        </p:spPr>
         <p:txBody>
           <a:bodyPr>
             <a:normAutofit/>
           </a:bodyPr>
           <a:lstStyle/>
           <a:p>
-            <a:pPr marL="0" indent="0">
-              <a:buNone/>
+            <a:pPr>
+              <a:lnSpc>
+                <a:spcPct val="125000"/>
+              </a:lnSpc>
+              <a:spcBef>
+                <a:spcPts val="900"/>
+              </a:spcBef>
+              <a:spcAft>
+                <a:spcPts val="1350"/>
+              </a:spcAft>
             </a:pPr>
             <a:r>
-              <a:rPr lang="en-SG" sz="2800" b="1" dirty="0">
+              <a:rPr lang="en-SG" sz="2400" b="1" dirty="0">
                 <a:latin typeface="Graphik Bold" panose="020B0803030202060203" pitchFamily="34" charset="0"/>
               </a:rPr>
               <a:t>DA 231o Data Engineering at Scale </a:t>
             </a:r>
             <a:br>
-              <a:rPr lang="en-SG" sz="2800" b="1" dirty="0">
+              <a:rPr lang="en-SG" sz="2400" b="1" dirty="0">
                 <a:latin typeface="Graphik Bold" panose="020B0803030202060203" pitchFamily="34" charset="0"/>
               </a:rPr>
             </a:br>
             <a:r>
-              <a:rPr lang="en-US" sz="2800" i="1" dirty="0">
+              <a:rPr lang="en-US" sz="2400" i="1" dirty="0">
                 <a:latin typeface="Graphik Regular" panose="020B0503030202060203" pitchFamily="34" charset="0"/>
               </a:rPr>
               <a:t>Course Project Presentation</a:t>
             </a:r>
             <a:br>
-              <a:rPr lang="en-US" sz="2800" i="1" dirty="0">
+              <a:rPr lang="en-US" sz="2100" i="1" dirty="0">
                 <a:latin typeface="Graphik Regular" panose="020B0503030202060203" pitchFamily="34" charset="0"/>
               </a:rPr>
             </a:br>
             <a:br>
-              <a:rPr lang="en-US" sz="2800" i="1" dirty="0">
+              <a:rPr lang="en-US" sz="1800" i="1" dirty="0">
                 <a:latin typeface="Graphik Regular" panose="020B0503030202060203" pitchFamily="34" charset="0"/>
               </a:rPr>
             </a:br>
-            <a:endParaRPr lang="en-US" sz="2800" dirty="0"/>
-          </a:p>
-          <a:p>
-            <a:endParaRPr lang="en-US" sz="2800" dirty="0"/>
-          </a:p>
-          <a:p>
-            <a:endParaRPr lang="en-US" sz="2800" dirty="0"/>
-          </a:p>
-          <a:p>
-            <a:pPr>
-              <a:spcBef>
-                <a:spcPts val="0"/>
-              </a:spcBef>
-            </a:pPr>
-            <a:r>
-              <a:rPr lang="en-SG" sz="3200" b="1" spc="10" dirty="0">
-                <a:latin typeface="Graphik Semibold" panose="020B0703030202060203" pitchFamily="34" charset="0"/>
+            <a:r>
+              <a:rPr lang="en-US" sz="2800" b="1" dirty="0">
+                <a:latin typeface="Graphik Bold" panose="020B0803030202060203" pitchFamily="34" charset="0"/>
               </a:rPr>
-              <a:t>Chandan Kumar Singh, </a:t>
-            </a:r>
-            <a:r>
-              <a:rPr lang="en-SG" sz="3200" spc="10" dirty="0">
-                <a:latin typeface="Graphik Regular" panose="020B0503030202060203" pitchFamily="34" charset="0"/>
-              </a:rPr>
-              <a:t>IISC, </a:t>
-            </a:r>
-            <a:r>
-              <a:rPr lang="en-IN" sz="3200" spc="10" dirty="0">
-                <a:latin typeface="Graphik Regular" panose="020B0503030202060203" pitchFamily="34" charset="0"/>
-              </a:rPr>
-              <a:t>chandansingh@iisc.ac.in</a:t>
-            </a:r>
-            <a:endParaRPr lang="en-SG" sz="3200" spc="10" dirty="0">
-              <a:latin typeface="Graphik Regular" panose="020B0503030202060203" pitchFamily="34" charset="0"/>
+              <a:t>Grid optimization with weather</a:t>
+            </a:r>
+            <a:endParaRPr lang="en-SG" sz="2700" b="1" dirty="0">
+              <a:latin typeface="Graphik Bold" panose="020B0803030202060203" pitchFamily="34" charset="0"/>
             </a:endParaRPr>
-          </a:p>
-          <a:p>
-            <a:pPr>
-              <a:spcBef>
-                <a:spcPts val="0"/>
-              </a:spcBef>
-            </a:pPr>
-            <a:r>
-              <a:rPr lang="en-SG" sz="3200" b="1" spc="10" dirty="0">
-                <a:latin typeface="Graphik Semibold" panose="020B0703030202060203" pitchFamily="34" charset="0"/>
-              </a:rPr>
-              <a:t>Monika Tyagi, </a:t>
-            </a:r>
-            <a:r>
-              <a:rPr lang="en-SG" sz="3200" spc="10" dirty="0">
-                <a:latin typeface="Graphik Regular" panose="020B0503030202060203" pitchFamily="34" charset="0"/>
-              </a:rPr>
-              <a:t>IISC, monikatyagi@iisc.ac.in</a:t>
-            </a:r>
-            <a:endParaRPr lang="en-SG" sz="3200" b="1" spc="10" dirty="0">
-              <a:latin typeface="Graphik Semibold" panose="020B0703030202060203" pitchFamily="34" charset="0"/>
-            </a:endParaRPr>
-          </a:p>
-          <a:p>
-            <a:pPr>
-              <a:spcBef>
-                <a:spcPts val="0"/>
-              </a:spcBef>
-            </a:pPr>
-            <a:r>
-              <a:rPr lang="en-SG" sz="3200" b="1" spc="10" dirty="0">
-                <a:latin typeface="Graphik Semibold" panose="020B0703030202060203" pitchFamily="34" charset="0"/>
-              </a:rPr>
-              <a:t>Mukesh Kumar Yadav, </a:t>
-            </a:r>
-            <a:r>
-              <a:rPr lang="en-SG" sz="3200" spc="10" dirty="0">
-                <a:latin typeface="Graphik Regular" panose="020B0503030202060203" pitchFamily="34" charset="0"/>
-              </a:rPr>
-              <a:t>IISC, mukeshyadav@iisc.ac.in</a:t>
-            </a:r>
-          </a:p>
-          <a:p>
-            <a:pPr>
-              <a:spcBef>
-                <a:spcPts val="0"/>
-              </a:spcBef>
-            </a:pPr>
-            <a:r>
-              <a:rPr lang="en-SG" sz="3200" b="1" spc="10" dirty="0">
-                <a:latin typeface="Graphik Semibold" panose="020B0703030202060203" pitchFamily="34" charset="0"/>
-              </a:rPr>
-              <a:t>Rishabh Mehrotra, </a:t>
-            </a:r>
-            <a:r>
-              <a:rPr lang="en-SG" sz="3200" spc="10" dirty="0">
-                <a:latin typeface="Graphik Regular" panose="020B0503030202060203" pitchFamily="34" charset="0"/>
-              </a:rPr>
-              <a:t>IISC, rishabhmehro@iisc.ac.in</a:t>
-            </a:r>
-          </a:p>
-          <a:p>
-            <a:endParaRPr lang="en-US" sz="2800" dirty="0"/>
-          </a:p>
-          <a:p>
-            <a:endParaRPr lang="en-US" dirty="0"/>
           </a:p>
         </p:txBody>
       </p:sp>
       <p:pic>
         <p:nvPicPr>
-          <p:cNvPr id="4" name="Picture 6">
+          <p:cNvPr id="1030" name="Picture 6">
             <a:extLst>
               <a:ext uri="{FF2B5EF4-FFF2-40B4-BE49-F238E27FC236}">
-                <a16:creationId xmlns:a16="http://schemas.microsoft.com/office/drawing/2014/main" id="{058F59C2-2512-9928-9AAE-EA6E2107F88B}"/>
+                <a16:creationId xmlns:a16="http://schemas.microsoft.com/office/drawing/2014/main" id="{D3E81A4C-F5FA-837F-A4BE-59A4EBDF1955}"/>
               </a:ext>
             </a:extLst>
           </p:cNvPr>
@@ -7512,8 +13256,91 @@
         </p:blipFill>
         <p:spPr bwMode="auto">
           <a:xfrm>
-            <a:off x="9922292" y="614924"/>
+            <a:off x="1955338" y="1001173"/>
             <a:ext cx="1088792" cy="1032956"/>
+          </a:xfrm>
+          <a:prstGeom prst="rect">
+            <a:avLst/>
+          </a:prstGeom>
+          <a:noFill/>
+          <a:extLst>
+            <a:ext uri="{909E8E84-426E-40DD-AFC4-6F175D3DCCD1}">
+              <a14:hiddenFill xmlns:a14="http://schemas.microsoft.com/office/drawing/2010/main">
+                <a:solidFill>
+                  <a:srgbClr val="FFFFFF"/>
+                </a:solidFill>
+              </a14:hiddenFill>
+            </a:ext>
+          </a:extLst>
+        </p:spPr>
+      </p:pic>
+      <p:cxnSp>
+        <p:nvCxnSpPr>
+          <p:cNvPr id="13" name="Straight Connector 12"/>
+          <p:cNvCxnSpPr>
+            <a:cxnSpLocks/>
+          </p:cNvCxnSpPr>
+          <p:nvPr/>
+        </p:nvCxnSpPr>
+        <p:spPr>
+          <a:xfrm>
+            <a:off x="2050588" y="4126379"/>
+            <a:ext cx="5607512" cy="0"/>
+          </a:xfrm>
+          <a:prstGeom prst="line">
+            <a:avLst/>
+          </a:prstGeom>
+          <a:ln w="19050">
+            <a:gradFill flip="none" rotWithShape="1">
+              <a:gsLst>
+                <a:gs pos="0">
+                  <a:schemeClr val="accent1">
+                    <a:lumMod val="0"/>
+                    <a:lumOff val="100000"/>
+                  </a:schemeClr>
+                </a:gs>
+                <a:gs pos="79000">
+                  <a:schemeClr val="accent1"/>
+                </a:gs>
+              </a:gsLst>
+              <a:path path="circle">
+                <a:fillToRect l="50000" t="50000" r="50000" b="50000"/>
+              </a:path>
+              <a:tileRect/>
+            </a:gradFill>
+          </a:ln>
+        </p:spPr>
+        <p:style>
+          <a:lnRef idx="1">
+            <a:schemeClr val="accent1"/>
+          </a:lnRef>
+          <a:fillRef idx="0">
+            <a:schemeClr val="accent1"/>
+          </a:fillRef>
+          <a:effectRef idx="0">
+            <a:schemeClr val="accent1"/>
+          </a:effectRef>
+          <a:fontRef idx="minor">
+            <a:schemeClr val="tx1"/>
+          </a:fontRef>
+        </p:style>
+      </p:cxnSp>
+      <p:sp>
+        <p:nvSpPr>
+          <p:cNvPr id="16" name="Rectangle 15">
+            <a:extLst>
+              <a:ext uri="{FF2B5EF4-FFF2-40B4-BE49-F238E27FC236}">
+                <a16:creationId xmlns:a16="http://schemas.microsoft.com/office/drawing/2014/main" id="{55D6878F-6FFC-FAE5-07B1-73AB5479E4B6}"/>
+              </a:ext>
+            </a:extLst>
+          </p:cNvPr>
+          <p:cNvSpPr/>
+          <p:nvPr/>
+        </p:nvSpPr>
+        <p:spPr>
+          <a:xfrm rot="18513442">
+            <a:off x="9633827" y="500487"/>
+            <a:ext cx="3349158" cy="3301871"/>
           </a:xfrm>
           <a:prstGeom prst="rect">
             <a:avLst/>
@@ -7521,12 +13348,308 @@
           <a:solidFill>
             <a:schemeClr val="accent2"/>
           </a:solidFill>
+          <a:ln w="28575">
+            <a:gradFill flip="none" rotWithShape="1">
+              <a:gsLst>
+                <a:gs pos="0">
+                  <a:schemeClr val="accent1">
+                    <a:lumMod val="0"/>
+                    <a:lumOff val="100000"/>
+                  </a:schemeClr>
+                </a:gs>
+                <a:gs pos="35000">
+                  <a:schemeClr val="accent1">
+                    <a:lumMod val="0"/>
+                    <a:lumOff val="100000"/>
+                  </a:schemeClr>
+                </a:gs>
+                <a:gs pos="100000">
+                  <a:schemeClr val="accent3"/>
+                </a:gs>
+              </a:gsLst>
+              <a:path path="circle">
+                <a:fillToRect l="50000" t="-80000" r="50000" b="180000"/>
+              </a:path>
+              <a:tileRect/>
+            </a:gradFill>
+          </a:ln>
         </p:spPr>
-      </p:pic>
+        <p:style>
+          <a:lnRef idx="2">
+            <a:schemeClr val="accent1">
+              <a:shade val="15000"/>
+            </a:schemeClr>
+          </a:lnRef>
+          <a:fillRef idx="1">
+            <a:schemeClr val="accent1"/>
+          </a:fillRef>
+          <a:effectRef idx="0">
+            <a:schemeClr val="accent1"/>
+          </a:effectRef>
+          <a:fontRef idx="minor">
+            <a:schemeClr val="lt1"/>
+          </a:fontRef>
+        </p:style>
+        <p:txBody>
+          <a:bodyPr rtlCol="0" anchor="ctr"/>
+          <a:lstStyle/>
+          <a:p>
+            <a:pPr algn="ctr" defTabSz="342900"/>
+            <a:endParaRPr lang="en-SG" sz="1350">
+              <a:solidFill>
+                <a:prstClr val="white"/>
+              </a:solidFill>
+              <a:latin typeface="Calibri" panose="020F0502020204030204"/>
+            </a:endParaRPr>
+          </a:p>
+        </p:txBody>
+      </p:sp>
+      <p:sp>
+        <p:nvSpPr>
+          <p:cNvPr id="11" name="Rectangle 10">
+            <a:extLst>
+              <a:ext uri="{FF2B5EF4-FFF2-40B4-BE49-F238E27FC236}">
+                <a16:creationId xmlns:a16="http://schemas.microsoft.com/office/drawing/2014/main" id="{DE00920B-79FB-6857-F3B1-ECD8CE96BE76}"/>
+              </a:ext>
+            </a:extLst>
+          </p:cNvPr>
+          <p:cNvSpPr/>
+          <p:nvPr/>
+        </p:nvSpPr>
+        <p:spPr>
+          <a:xfrm rot="18513442">
+            <a:off x="8836412" y="3347958"/>
+            <a:ext cx="3349158" cy="3301871"/>
+          </a:xfrm>
+          <a:prstGeom prst="rect">
+            <a:avLst/>
+          </a:prstGeom>
+          <a:solidFill>
+            <a:schemeClr val="accent2"/>
+          </a:solidFill>
+          <a:ln w="28575">
+            <a:gradFill flip="none" rotWithShape="1">
+              <a:gsLst>
+                <a:gs pos="0">
+                  <a:schemeClr val="accent1">
+                    <a:lumMod val="0"/>
+                    <a:lumOff val="100000"/>
+                  </a:schemeClr>
+                </a:gs>
+                <a:gs pos="35000">
+                  <a:schemeClr val="accent1">
+                    <a:lumMod val="0"/>
+                    <a:lumOff val="100000"/>
+                  </a:schemeClr>
+                </a:gs>
+                <a:gs pos="100000">
+                  <a:schemeClr val="accent1">
+                    <a:lumMod val="100000"/>
+                  </a:schemeClr>
+                </a:gs>
+              </a:gsLst>
+              <a:path path="circle">
+                <a:fillToRect l="50000" t="-80000" r="50000" b="180000"/>
+              </a:path>
+              <a:tileRect/>
+            </a:gradFill>
+          </a:ln>
+        </p:spPr>
+        <p:style>
+          <a:lnRef idx="2">
+            <a:schemeClr val="accent1">
+              <a:shade val="15000"/>
+            </a:schemeClr>
+          </a:lnRef>
+          <a:fillRef idx="1">
+            <a:schemeClr val="accent1"/>
+          </a:fillRef>
+          <a:effectRef idx="0">
+            <a:schemeClr val="accent1"/>
+          </a:effectRef>
+          <a:fontRef idx="minor">
+            <a:schemeClr val="lt1"/>
+          </a:fontRef>
+        </p:style>
+        <p:txBody>
+          <a:bodyPr rtlCol="0" anchor="ctr"/>
+          <a:lstStyle/>
+          <a:p>
+            <a:pPr algn="ctr" defTabSz="342900"/>
+            <a:endParaRPr lang="en-SG" sz="1350">
+              <a:solidFill>
+                <a:prstClr val="white"/>
+              </a:solidFill>
+              <a:latin typeface="Calibri" panose="020F0502020204030204"/>
+            </a:endParaRPr>
+          </a:p>
+        </p:txBody>
+      </p:sp>
+      <p:sp>
+        <p:nvSpPr>
+          <p:cNvPr id="3" name="Subtitle 5">
+            <a:extLst>
+              <a:ext uri="{FF2B5EF4-FFF2-40B4-BE49-F238E27FC236}">
+                <a16:creationId xmlns:a16="http://schemas.microsoft.com/office/drawing/2014/main" id="{D5480749-82AF-F03F-1C0D-58404E7EB273}"/>
+              </a:ext>
+            </a:extLst>
+          </p:cNvPr>
+          <p:cNvSpPr>
+            <a:spLocks noGrp="1"/>
+          </p:cNvSpPr>
+          <p:nvPr>
+            <p:ph type="subTitle" idx="1"/>
+          </p:nvPr>
+        </p:nvSpPr>
+        <p:spPr>
+          <a:xfrm>
+            <a:off x="1955007" y="4246961"/>
+            <a:ext cx="6138863" cy="1541859"/>
+          </a:xfrm>
+        </p:spPr>
+        <p:txBody>
+          <a:bodyPr>
+            <a:normAutofit/>
+          </a:bodyPr>
+          <a:lstStyle/>
+          <a:p>
+            <a:pPr>
+              <a:spcBef>
+                <a:spcPts val="0"/>
+              </a:spcBef>
+            </a:pPr>
+            <a:r>
+              <a:rPr lang="en-SG" b="1" spc="8" dirty="0">
+                <a:latin typeface="Graphik Semibold" panose="020B0703030202060203" pitchFamily="34" charset="0"/>
+              </a:rPr>
+              <a:t>Chandan Kumar Singh, </a:t>
+            </a:r>
+            <a:r>
+              <a:rPr lang="en-SG" spc="8" dirty="0">
+                <a:latin typeface="Graphik Regular" panose="020B0503030202060203" pitchFamily="34" charset="0"/>
+              </a:rPr>
+              <a:t>IISC, </a:t>
+            </a:r>
+            <a:r>
+              <a:rPr lang="en-IN" spc="8" dirty="0" err="1">
+                <a:latin typeface="Graphik Regular" panose="020B0503030202060203" pitchFamily="34" charset="0"/>
+              </a:rPr>
+              <a:t>chandansingh@iisc.ac.in</a:t>
+            </a:r>
+            <a:endParaRPr lang="en-SG" spc="8" dirty="0">
+              <a:latin typeface="Graphik Regular" panose="020B0503030202060203" pitchFamily="34" charset="0"/>
+            </a:endParaRPr>
+          </a:p>
+          <a:p>
+            <a:pPr>
+              <a:spcBef>
+                <a:spcPts val="0"/>
+              </a:spcBef>
+            </a:pPr>
+            <a:r>
+              <a:rPr lang="en-SG" b="1" spc="8" dirty="0">
+                <a:latin typeface="Graphik Semibold" panose="020B0703030202060203" pitchFamily="34" charset="0"/>
+              </a:rPr>
+              <a:t>Monika Tyagi, </a:t>
+            </a:r>
+            <a:r>
+              <a:rPr lang="en-SG" spc="8" dirty="0">
+                <a:latin typeface="Graphik Regular" panose="020B0503030202060203" pitchFamily="34" charset="0"/>
+              </a:rPr>
+              <a:t>IISC, </a:t>
+            </a:r>
+            <a:r>
+              <a:rPr lang="en-SG" spc="8" dirty="0" err="1">
+                <a:latin typeface="Graphik Regular" panose="020B0503030202060203" pitchFamily="34" charset="0"/>
+              </a:rPr>
+              <a:t>monikatyagi@iisc.ac.in</a:t>
+            </a:r>
+            <a:endParaRPr lang="en-SG" b="1" spc="8" dirty="0">
+              <a:latin typeface="Graphik Semibold" panose="020B0703030202060203" pitchFamily="34" charset="0"/>
+            </a:endParaRPr>
+          </a:p>
+          <a:p>
+            <a:pPr>
+              <a:spcBef>
+                <a:spcPts val="0"/>
+              </a:spcBef>
+            </a:pPr>
+            <a:r>
+              <a:rPr lang="en-SG" b="1" spc="8" dirty="0">
+                <a:latin typeface="Graphik Semibold" panose="020B0703030202060203" pitchFamily="34" charset="0"/>
+              </a:rPr>
+              <a:t>Mukesh Kumar Yadav, </a:t>
+            </a:r>
+            <a:r>
+              <a:rPr lang="en-SG" spc="8" dirty="0">
+                <a:latin typeface="Graphik Regular" panose="020B0503030202060203" pitchFamily="34" charset="0"/>
+              </a:rPr>
+              <a:t>IISC, </a:t>
+            </a:r>
+            <a:r>
+              <a:rPr lang="en-SG" spc="8" dirty="0" err="1">
+                <a:latin typeface="Graphik Regular" panose="020B0503030202060203" pitchFamily="34" charset="0"/>
+              </a:rPr>
+              <a:t>mukeshyadav@iisc.ac.in</a:t>
+            </a:r>
+            <a:endParaRPr lang="en-SG" spc="8" dirty="0">
+              <a:latin typeface="Graphik Regular" panose="020B0503030202060203" pitchFamily="34" charset="0"/>
+            </a:endParaRPr>
+          </a:p>
+          <a:p>
+            <a:pPr>
+              <a:spcBef>
+                <a:spcPts val="0"/>
+              </a:spcBef>
+            </a:pPr>
+            <a:r>
+              <a:rPr lang="en-SG" b="1" spc="8" dirty="0">
+                <a:latin typeface="Graphik Semibold" panose="020B0703030202060203" pitchFamily="34" charset="0"/>
+              </a:rPr>
+              <a:t>Rishabh Mehrotra, </a:t>
+            </a:r>
+            <a:r>
+              <a:rPr lang="en-SG" spc="8" dirty="0">
+                <a:latin typeface="Graphik Regular" panose="020B0503030202060203" pitchFamily="34" charset="0"/>
+              </a:rPr>
+              <a:t>IISC, </a:t>
+            </a:r>
+            <a:r>
+              <a:rPr lang="en-SG" spc="8" dirty="0" err="1">
+                <a:latin typeface="Graphik Regular" panose="020B0503030202060203" pitchFamily="34" charset="0"/>
+              </a:rPr>
+              <a:t>rishabhmehro@iisc.ac.in</a:t>
+            </a:r>
+            <a:endParaRPr lang="en-SG" spc="8" dirty="0">
+              <a:latin typeface="Graphik Regular" panose="020B0503030202060203" pitchFamily="34" charset="0"/>
+            </a:endParaRPr>
+          </a:p>
+          <a:p>
+            <a:pPr>
+              <a:spcBef>
+                <a:spcPts val="0"/>
+              </a:spcBef>
+            </a:pPr>
+            <a:endParaRPr lang="en-SG" spc="8" dirty="0">
+              <a:latin typeface="Graphik Regular" panose="020B0503030202060203" pitchFamily="34" charset="0"/>
+            </a:endParaRPr>
+          </a:p>
+          <a:p>
+            <a:pPr>
+              <a:spcBef>
+                <a:spcPts val="0"/>
+              </a:spcBef>
+            </a:pPr>
+            <a:endParaRPr lang="en-SG" spc="8" dirty="0">
+              <a:latin typeface="Graphik Regular" panose="020B0503030202060203" pitchFamily="34" charset="0"/>
+            </a:endParaRPr>
+          </a:p>
+        </p:txBody>
+      </p:sp>
     </p:spTree>
     <p:extLst>
       <p:ext uri="{BB962C8B-B14F-4D97-AF65-F5344CB8AC3E}">
-        <p14:creationId xmlns:p14="http://schemas.microsoft.com/office/powerpoint/2010/main" val="48375417"/>
+        <p14:creationId xmlns:p14="http://schemas.microsoft.com/office/powerpoint/2010/main" val="845678951"/>
       </p:ext>
     </p:extLst>
   </p:cSld>
@@ -7537,6 +13660,190 @@
 </file>
 
 <file path=ppt/slides/slide10.xml><?xml version="1.0" encoding="utf-8"?>
+<p:sld xmlns:a="http://schemas.openxmlformats.org/drawingml/2006/main" xmlns:r="http://schemas.openxmlformats.org/officeDocument/2006/relationships" xmlns:p="http://schemas.openxmlformats.org/presentationml/2006/main">
+  <p:cSld>
+    <p:spTree>
+      <p:nvGrpSpPr>
+        <p:cNvPr id="1" name=""/>
+        <p:cNvGrpSpPr/>
+        <p:nvPr/>
+      </p:nvGrpSpPr>
+      <p:grpSpPr>
+        <a:xfrm>
+          <a:off x="0" y="0"/>
+          <a:ext cx="0" cy="0"/>
+          <a:chOff x="0" y="0"/>
+          <a:chExt cx="0" cy="0"/>
+        </a:xfrm>
+      </p:grpSpPr>
+      <p:sp>
+        <p:nvSpPr>
+          <p:cNvPr id="2" name="Title 1">
+            <a:extLst>
+              <a:ext uri="{FF2B5EF4-FFF2-40B4-BE49-F238E27FC236}">
+                <a16:creationId xmlns:a16="http://schemas.microsoft.com/office/drawing/2014/main" id="{0C90C232-8A23-40FA-03A3-3E3F5CE3FD7D}"/>
+              </a:ext>
+            </a:extLst>
+          </p:cNvPr>
+          <p:cNvSpPr>
+            <a:spLocks noGrp="1"/>
+          </p:cNvSpPr>
+          <p:nvPr>
+            <p:ph type="title"/>
+          </p:nvPr>
+        </p:nvSpPr>
+        <p:spPr/>
+        <p:txBody>
+          <a:bodyPr/>
+          <a:lstStyle/>
+          <a:p>
+            <a:endParaRPr lang="en-US" dirty="0"/>
+          </a:p>
+        </p:txBody>
+      </p:sp>
+      <p:sp>
+        <p:nvSpPr>
+          <p:cNvPr id="3" name="Text Placeholder 2">
+            <a:extLst>
+              <a:ext uri="{FF2B5EF4-FFF2-40B4-BE49-F238E27FC236}">
+                <a16:creationId xmlns:a16="http://schemas.microsoft.com/office/drawing/2014/main" id="{6906A950-CF65-58FB-54E7-CA37CFFBE985}"/>
+              </a:ext>
+            </a:extLst>
+          </p:cNvPr>
+          <p:cNvSpPr>
+            <a:spLocks noGrp="1"/>
+          </p:cNvSpPr>
+          <p:nvPr>
+            <p:ph type="body" idx="1"/>
+          </p:nvPr>
+        </p:nvSpPr>
+        <p:spPr/>
+        <p:txBody>
+          <a:bodyPr/>
+          <a:lstStyle/>
+          <a:p>
+            <a:r>
+              <a:rPr lang="en-US" dirty="0"/>
+              <a:t>Problem faced</a:t>
+            </a:r>
+          </a:p>
+        </p:txBody>
+      </p:sp>
+      <p:sp>
+        <p:nvSpPr>
+          <p:cNvPr id="4" name="Content Placeholder 3">
+            <a:extLst>
+              <a:ext uri="{FF2B5EF4-FFF2-40B4-BE49-F238E27FC236}">
+                <a16:creationId xmlns:a16="http://schemas.microsoft.com/office/drawing/2014/main" id="{BB5774D5-7B33-8FE1-4D6D-8CDD9DE975E5}"/>
+              </a:ext>
+            </a:extLst>
+          </p:cNvPr>
+          <p:cNvSpPr>
+            <a:spLocks noGrp="1"/>
+          </p:cNvSpPr>
+          <p:nvPr>
+            <p:ph sz="half" idx="2"/>
+          </p:nvPr>
+        </p:nvSpPr>
+        <p:spPr/>
+        <p:txBody>
+          <a:bodyPr>
+            <a:normAutofit/>
+          </a:bodyPr>
+          <a:lstStyle/>
+          <a:p>
+            <a:r>
+              <a:rPr lang="en-US" sz="2000" dirty="0"/>
+              <a:t>Failed to create new </a:t>
+            </a:r>
+            <a:r>
+              <a:rPr lang="en-US" sz="2000" dirty="0" err="1"/>
+              <a:t>KafkaAdminClient</a:t>
+            </a:r>
+            <a:endParaRPr lang="en-US" sz="2000" dirty="0"/>
+          </a:p>
+          <a:p>
+            <a:r>
+              <a:rPr lang="en-US" sz="2000" dirty="0"/>
+              <a:t>getting error -Py4JJavaError: An error occurred while calling o39.load. </a:t>
+            </a:r>
+          </a:p>
+          <a:p>
+            <a:r>
+              <a:rPr lang="en-US" sz="2000" dirty="0"/>
+              <a:t>Main Data was stored only in  value .</a:t>
+            </a:r>
+          </a:p>
+        </p:txBody>
+      </p:sp>
+      <p:sp>
+        <p:nvSpPr>
+          <p:cNvPr id="5" name="Text Placeholder 4">
+            <a:extLst>
+              <a:ext uri="{FF2B5EF4-FFF2-40B4-BE49-F238E27FC236}">
+                <a16:creationId xmlns:a16="http://schemas.microsoft.com/office/drawing/2014/main" id="{C0103F4F-BD45-AB84-C979-C3271EBAA840}"/>
+              </a:ext>
+            </a:extLst>
+          </p:cNvPr>
+          <p:cNvSpPr>
+            <a:spLocks noGrp="1"/>
+          </p:cNvSpPr>
+          <p:nvPr>
+            <p:ph type="body" sz="quarter" idx="3"/>
+          </p:nvPr>
+        </p:nvSpPr>
+        <p:spPr/>
+        <p:txBody>
+          <a:bodyPr/>
+          <a:lstStyle/>
+          <a:p>
+            <a:r>
+              <a:rPr lang="en-US" dirty="0"/>
+              <a:t>Solution to the Problem </a:t>
+            </a:r>
+          </a:p>
+        </p:txBody>
+      </p:sp>
+      <p:graphicFrame>
+        <p:nvGraphicFramePr>
+          <p:cNvPr id="8" name="Content Placeholder 5">
+            <a:extLst>
+              <a:ext uri="{FF2B5EF4-FFF2-40B4-BE49-F238E27FC236}">
+                <a16:creationId xmlns:a16="http://schemas.microsoft.com/office/drawing/2014/main" id="{DD505AE0-C7D8-2D4C-C687-0966CCCBD426}"/>
+              </a:ext>
+            </a:extLst>
+          </p:cNvPr>
+          <p:cNvGraphicFramePr>
+            <a:graphicFrameLocks noGrp="1"/>
+          </p:cNvGraphicFramePr>
+          <p:nvPr>
+            <p:ph sz="quarter" idx="4"/>
+          </p:nvPr>
+        </p:nvGraphicFramePr>
+        <p:xfrm>
+          <a:off x="6172199" y="2505075"/>
+          <a:ext cx="5520447" cy="3684588"/>
+        </p:xfrm>
+        <a:graphic>
+          <a:graphicData uri="http://schemas.openxmlformats.org/drawingml/2006/diagram">
+            <dgm:relIds xmlns:dgm="http://schemas.openxmlformats.org/drawingml/2006/diagram" xmlns:r="http://schemas.openxmlformats.org/officeDocument/2006/relationships" r:dm="rId2" r:lo="rId3" r:qs="rId4" r:cs="rId5"/>
+          </a:graphicData>
+        </a:graphic>
+      </p:graphicFrame>
+    </p:spTree>
+    <p:extLst>
+      <p:ext uri="{BB962C8B-B14F-4D97-AF65-F5344CB8AC3E}">
+        <p14:creationId xmlns:p14="http://schemas.microsoft.com/office/powerpoint/2010/main" val="3567786875"/>
+      </p:ext>
+    </p:extLst>
+  </p:cSld>
+  <p:clrMapOvr>
+    <a:masterClrMapping/>
+  </p:clrMapOvr>
+</p:sld>
+</file>
+
+<file path=ppt/slides/slide11.xml><?xml version="1.0" encoding="utf-8"?>
 <p:sld xmlns:a="http://schemas.openxmlformats.org/drawingml/2006/main" xmlns:r="http://schemas.openxmlformats.org/officeDocument/2006/relationships" xmlns:p="http://schemas.openxmlformats.org/presentationml/2006/main">
   <p:cSld>
     <p:spTree>
@@ -7919,7 +14226,7 @@
 </p:sld>
 </file>
 
-<file path=ppt/slides/slide11.xml><?xml version="1.0" encoding="utf-8"?>
+<file path=ppt/slides/slide12.xml><?xml version="1.0" encoding="utf-8"?>
 <p:sld xmlns:a="http://schemas.openxmlformats.org/drawingml/2006/main" xmlns:r="http://schemas.openxmlformats.org/officeDocument/2006/relationships" xmlns:p="http://schemas.openxmlformats.org/presentationml/2006/main">
   <p:cSld>
     <p:spTree>
@@ -7960,9 +14267,10 @@
           <a:p>
             <a:pPr algn="ctr"/>
             <a:r>
-              <a:rPr lang="en-US" dirty="0"/>
+              <a:rPr lang="en-US"/>
               <a:t>Aggregation Approach</a:t>
             </a:r>
+            <a:endParaRPr lang="en-US" dirty="0"/>
           </a:p>
         </p:txBody>
       </p:sp>
@@ -7992,7 +14300,7 @@
               <a:buNone/>
             </a:pPr>
             <a:r>
-              <a:rPr lang="en-US" sz="1700" dirty="0"/>
+              <a:rPr lang="en-US" sz="1700"/>
               <a:t>1. Numerical Feature Aggregation:</a:t>
             </a:r>
           </a:p>
@@ -8001,7 +14309,7 @@
               <a:buNone/>
             </a:pPr>
             <a:r>
-              <a:rPr lang="en-US" sz="1700" dirty="0"/>
+              <a:rPr lang="en-US" sz="1700"/>
               <a:t>	Calculated the average for all numerical features (e.g., Temperature, Humidity).</a:t>
             </a:r>
           </a:p>
@@ -8010,7 +14318,7 @@
               <a:buNone/>
             </a:pPr>
             <a:r>
-              <a:rPr lang="en-US" sz="1700" dirty="0"/>
+              <a:rPr lang="en-US" sz="1700"/>
               <a:t>2. Categorical Feature Aggregation:</a:t>
             </a:r>
           </a:p>
@@ -8019,7 +14327,7 @@
               <a:buNone/>
             </a:pPr>
             <a:r>
-              <a:rPr lang="en-US" sz="1700" dirty="0"/>
+              <a:rPr lang="en-US" sz="1700"/>
               <a:t>	Applied mode operation to find the most frequent value for categorical features (e.g., Weather Description).</a:t>
             </a:r>
           </a:p>
@@ -8027,14 +14335,14 @@
             <a:pPr marL="0" indent="0">
               <a:buNone/>
             </a:pPr>
-            <a:endParaRPr lang="en-US" sz="1700" dirty="0"/>
+            <a:endParaRPr lang="en-US" sz="1700"/>
           </a:p>
           <a:p>
             <a:pPr marL="0" indent="0">
               <a:buNone/>
             </a:pPr>
             <a:r>
-              <a:rPr lang="en-US" sz="1700" dirty="0"/>
+              <a:rPr lang="en-US" sz="1700"/>
               <a:t>Result: Transformed minute-wise data into a single record for each day, simplifying the dataset.</a:t>
             </a:r>
           </a:p>
@@ -8042,7 +14350,7 @@
             <a:pPr marL="0" indent="0">
               <a:buNone/>
             </a:pPr>
-            <a:endParaRPr lang="en-US" sz="1600" dirty="0"/>
+            <a:endParaRPr lang="en-US" sz="1600"/>
           </a:p>
           <a:p>
             <a:pPr marL="0" indent="0">
@@ -8090,7 +14398,7 @@
 </p:sld>
 </file>
 
-<file path=ppt/slides/slide12.xml><?xml version="1.0" encoding="utf-8"?>
+<file path=ppt/slides/slide13.xml><?xml version="1.0" encoding="utf-8"?>
 <p:sld xmlns:a="http://schemas.openxmlformats.org/drawingml/2006/main" xmlns:r="http://schemas.openxmlformats.org/officeDocument/2006/relationships" xmlns:p="http://schemas.openxmlformats.org/presentationml/2006/main">
   <p:cSld>
     <p:spTree>
@@ -8301,7 +14609,7 @@
 </p:sld>
 </file>
 
-<file path=ppt/slides/slide13.xml><?xml version="1.0" encoding="utf-8"?>
+<file path=ppt/slides/slide14.xml><?xml version="1.0" encoding="utf-8"?>
 <p:sld xmlns:a="http://schemas.openxmlformats.org/drawingml/2006/main" xmlns:r="http://schemas.openxmlformats.org/officeDocument/2006/relationships" xmlns:p="http://schemas.openxmlformats.org/presentationml/2006/main">
   <p:cSld>
     <p:spTree>
@@ -8520,7 +14828,7 @@
 </p:sld>
 </file>
 
-<file path=ppt/slides/slide14.xml><?xml version="1.0" encoding="utf-8"?>
+<file path=ppt/slides/slide15.xml><?xml version="1.0" encoding="utf-8"?>
 <p:sld xmlns:a="http://schemas.openxmlformats.org/drawingml/2006/main" xmlns:r="http://schemas.openxmlformats.org/officeDocument/2006/relationships" xmlns:p="http://schemas.openxmlformats.org/presentationml/2006/main">
   <p:cSld>
     <p:bg>
@@ -8934,7 +15242,7 @@
 </p:sld>
 </file>
 
-<file path=ppt/slides/slide15.xml><?xml version="1.0" encoding="utf-8"?>
+<file path=ppt/slides/slide16.xml><?xml version="1.0" encoding="utf-8"?>
 <p:sld xmlns:a="http://schemas.openxmlformats.org/drawingml/2006/main" xmlns:r="http://schemas.openxmlformats.org/officeDocument/2006/relationships" xmlns:p="http://schemas.openxmlformats.org/presentationml/2006/main">
   <p:cSld>
     <p:spTree>
@@ -9630,7 +15938,7 @@
 </p:sld>
 </file>
 
-<file path=ppt/slides/slide16.xml><?xml version="1.0" encoding="utf-8"?>
+<file path=ppt/slides/slide17.xml><?xml version="1.0" encoding="utf-8"?>
 <p:sld xmlns:a="http://schemas.openxmlformats.org/drawingml/2006/main" xmlns:r="http://schemas.openxmlformats.org/officeDocument/2006/relationships" xmlns:p="http://schemas.openxmlformats.org/presentationml/2006/main">
   <p:cSld>
     <p:spTree>
@@ -10298,7 +16606,7 @@
 </p:sld>
 </file>
 
-<file path=ppt/slides/slide17.xml><?xml version="1.0" encoding="utf-8"?>
+<file path=ppt/slides/slide18.xml><?xml version="1.0" encoding="utf-8"?>
 <p:sld xmlns:a="http://schemas.openxmlformats.org/drawingml/2006/main" xmlns:r="http://schemas.openxmlformats.org/officeDocument/2006/relationships" xmlns:p="http://schemas.openxmlformats.org/presentationml/2006/main">
   <p:cSld>
     <p:spTree>
@@ -11121,7 +17429,7 @@
 </p:sld>
 </file>
 
-<file path=ppt/slides/slide18.xml><?xml version="1.0" encoding="utf-8"?>
+<file path=ppt/slides/slide19.xml><?xml version="1.0" encoding="utf-8"?>
 <p:sld xmlns:a="http://schemas.openxmlformats.org/drawingml/2006/main" xmlns:r="http://schemas.openxmlformats.org/officeDocument/2006/relationships" xmlns:p="http://schemas.openxmlformats.org/presentationml/2006/main">
   <p:cSld>
     <p:bg>
@@ -11476,7 +17784,287 @@
 </p:sld>
 </file>
 
-<file path=ppt/slides/slide19.xml><?xml version="1.0" encoding="utf-8"?>
+<file path=ppt/slides/slide2.xml><?xml version="1.0" encoding="utf-8"?>
+<p:sld xmlns:a="http://schemas.openxmlformats.org/drawingml/2006/main" xmlns:r="http://schemas.openxmlformats.org/officeDocument/2006/relationships" xmlns:p="http://schemas.openxmlformats.org/presentationml/2006/main">
+  <p:cSld>
+    <p:bg>
+      <p:bgPr>
+        <a:solidFill>
+          <a:schemeClr val="bg1"/>
+        </a:solidFill>
+        <a:effectLst/>
+      </p:bgPr>
+    </p:bg>
+    <p:spTree>
+      <p:nvGrpSpPr>
+        <p:cNvPr id="1" name=""/>
+        <p:cNvGrpSpPr/>
+        <p:nvPr/>
+      </p:nvGrpSpPr>
+      <p:grpSpPr>
+        <a:xfrm>
+          <a:off x="0" y="0"/>
+          <a:ext cx="0" cy="0"/>
+          <a:chOff x="0" y="0"/>
+          <a:chExt cx="0" cy="0"/>
+        </a:xfrm>
+      </p:grpSpPr>
+      <p:sp useBgFill="1">
+        <p:nvSpPr>
+          <p:cNvPr id="26" name="Rectangle 25">
+            <a:extLst>
+              <a:ext uri="{FF2B5EF4-FFF2-40B4-BE49-F238E27FC236}">
+                <a16:creationId xmlns:a16="http://schemas.microsoft.com/office/drawing/2014/main" id="{081EA652-8C6A-4E69-BEB9-170809474553}"/>
+              </a:ext>
+              <a:ext uri="{C183D7F6-B498-43B3-948B-1728B52AA6E4}">
+                <adec:decorative xmlns:adec="http://schemas.microsoft.com/office/drawing/2017/decorative" val="1"/>
+              </a:ext>
+            </a:extLst>
+          </p:cNvPr>
+          <p:cNvSpPr>
+            <a:spLocks noGrp="1" noRot="1" noChangeAspect="1" noMove="1" noResize="1" noEditPoints="1" noAdjustHandles="1" noChangeArrowheads="1" noChangeShapeType="1" noTextEdit="1"/>
+          </p:cNvSpPr>
+          <p:nvPr>
+            <p:extLst>
+              <p:ext uri="{386F3935-93C4-4BCD-93E2-E3B085C9AB24}">
+                <p16:designElem xmlns:p16="http://schemas.microsoft.com/office/powerpoint/2015/main" val="1"/>
+              </p:ext>
+            </p:extLst>
+          </p:nvPr>
+        </p:nvSpPr>
+        <p:spPr>
+          <a:xfrm>
+            <a:off x="0" y="0"/>
+            <a:ext cx="12192000" cy="6858000"/>
+          </a:xfrm>
+          <a:prstGeom prst="rect">
+            <a:avLst/>
+          </a:prstGeom>
+          <a:ln>
+            <a:noFill/>
+          </a:ln>
+        </p:spPr>
+        <p:style>
+          <a:lnRef idx="2">
+            <a:schemeClr val="accent1">
+              <a:shade val="50000"/>
+            </a:schemeClr>
+          </a:lnRef>
+          <a:fillRef idx="1">
+            <a:schemeClr val="accent1"/>
+          </a:fillRef>
+          <a:effectRef idx="0">
+            <a:schemeClr val="accent1"/>
+          </a:effectRef>
+          <a:fontRef idx="minor">
+            <a:schemeClr val="lt1"/>
+          </a:fontRef>
+        </p:style>
+        <p:txBody>
+          <a:bodyPr rtlCol="0" anchor="ctr"/>
+          <a:lstStyle/>
+          <a:p>
+            <a:pPr algn="ctr"/>
+            <a:endParaRPr lang="en-US"/>
+          </a:p>
+        </p:txBody>
+      </p:sp>
+      <p:sp>
+        <p:nvSpPr>
+          <p:cNvPr id="28" name="Right Triangle 27">
+            <a:extLst>
+              <a:ext uri="{FF2B5EF4-FFF2-40B4-BE49-F238E27FC236}">
+                <a16:creationId xmlns:a16="http://schemas.microsoft.com/office/drawing/2014/main" id="{5298780A-33B9-4EA2-8F67-DE68AD62841B}"/>
+              </a:ext>
+              <a:ext uri="{C183D7F6-B498-43B3-948B-1728B52AA6E4}">
+                <adec:decorative xmlns:adec="http://schemas.microsoft.com/office/drawing/2017/decorative" val="1"/>
+              </a:ext>
+            </a:extLst>
+          </p:cNvPr>
+          <p:cNvSpPr>
+            <a:spLocks noGrp="1" noRot="1" noChangeAspect="1" noMove="1" noResize="1" noEditPoints="1" noAdjustHandles="1" noChangeArrowheads="1" noChangeShapeType="1" noTextEdit="1"/>
+          </p:cNvSpPr>
+          <p:nvPr>
+            <p:extLst>
+              <p:ext uri="{386F3935-93C4-4BCD-93E2-E3B085C9AB24}">
+                <p16:designElem xmlns:p16="http://schemas.microsoft.com/office/powerpoint/2015/main" val="1"/>
+              </p:ext>
+            </p:extLst>
+          </p:nvPr>
+        </p:nvSpPr>
+        <p:spPr>
+          <a:xfrm flipH="1">
+            <a:off x="8576720" y="3335867"/>
+            <a:ext cx="3291840" cy="3200400"/>
+          </a:xfrm>
+          <a:prstGeom prst="rtTriangle">
+            <a:avLst/>
+          </a:prstGeom>
+          <a:solidFill>
+            <a:schemeClr val="accent4"/>
+          </a:solidFill>
+          <a:ln>
+            <a:noFill/>
+          </a:ln>
+        </p:spPr>
+        <p:style>
+          <a:lnRef idx="2">
+            <a:schemeClr val="accent1">
+              <a:shade val="50000"/>
+            </a:schemeClr>
+          </a:lnRef>
+          <a:fillRef idx="1">
+            <a:schemeClr val="accent1"/>
+          </a:fillRef>
+          <a:effectRef idx="0">
+            <a:schemeClr val="accent1"/>
+          </a:effectRef>
+          <a:fontRef idx="minor">
+            <a:schemeClr val="lt1"/>
+          </a:fontRef>
+        </p:style>
+        <p:txBody>
+          <a:bodyPr rtlCol="0" anchor="ctr"/>
+          <a:lstStyle/>
+          <a:p>
+            <a:pPr algn="ctr"/>
+            <a:endParaRPr lang="en-US" dirty="0"/>
+          </a:p>
+        </p:txBody>
+      </p:sp>
+      <p:sp>
+        <p:nvSpPr>
+          <p:cNvPr id="30" name="Rectangle 29">
+            <a:extLst>
+              <a:ext uri="{FF2B5EF4-FFF2-40B4-BE49-F238E27FC236}">
+                <a16:creationId xmlns:a16="http://schemas.microsoft.com/office/drawing/2014/main" id="{7F488E8B-4E1E-4402-8935-D4E6C02615C7}"/>
+              </a:ext>
+              <a:ext uri="{C183D7F6-B498-43B3-948B-1728B52AA6E4}">
+                <adec:decorative xmlns:adec="http://schemas.microsoft.com/office/drawing/2017/decorative" val="1"/>
+              </a:ext>
+            </a:extLst>
+          </p:cNvPr>
+          <p:cNvSpPr>
+            <a:spLocks noGrp="1" noRot="1" noChangeAspect="1" noMove="1" noResize="1" noEditPoints="1" noAdjustHandles="1" noChangeArrowheads="1" noChangeShapeType="1" noTextEdit="1"/>
+          </p:cNvSpPr>
+          <p:nvPr>
+            <p:extLst>
+              <p:ext uri="{386F3935-93C4-4BCD-93E2-E3B085C9AB24}">
+                <p16:designElem xmlns:p16="http://schemas.microsoft.com/office/powerpoint/2015/main" val="1"/>
+              </p:ext>
+            </p:extLst>
+          </p:nvPr>
+        </p:nvSpPr>
+        <p:spPr>
+          <a:xfrm>
+            <a:off x="641774" y="623275"/>
+            <a:ext cx="10905053" cy="5607882"/>
+          </a:xfrm>
+          <a:prstGeom prst="rect">
+            <a:avLst/>
+          </a:prstGeom>
+          <a:noFill/>
+          <a:ln w="19050">
+            <a:solidFill>
+              <a:schemeClr val="tx1">
+                <a:lumMod val="75000"/>
+                <a:lumOff val="25000"/>
+              </a:schemeClr>
+            </a:solidFill>
+          </a:ln>
+        </p:spPr>
+        <p:style>
+          <a:lnRef idx="2">
+            <a:schemeClr val="accent1">
+              <a:shade val="50000"/>
+            </a:schemeClr>
+          </a:lnRef>
+          <a:fillRef idx="1">
+            <a:schemeClr val="accent1"/>
+          </a:fillRef>
+          <a:effectRef idx="0">
+            <a:schemeClr val="accent1"/>
+          </a:effectRef>
+          <a:fontRef idx="minor">
+            <a:schemeClr val="lt1"/>
+          </a:fontRef>
+        </p:style>
+        <p:txBody>
+          <a:bodyPr rtlCol="0" anchor="ctr"/>
+          <a:lstStyle/>
+          <a:p>
+            <a:pPr algn="ctr"/>
+            <a:endParaRPr lang="en-US"/>
+          </a:p>
+        </p:txBody>
+      </p:sp>
+      <p:sp>
+        <p:nvSpPr>
+          <p:cNvPr id="2" name="Title 1"/>
+          <p:cNvSpPr>
+            <a:spLocks noGrp="1"/>
+          </p:cNvSpPr>
+          <p:nvPr>
+            <p:ph type="title"/>
+          </p:nvPr>
+        </p:nvSpPr>
+        <p:spPr>
+          <a:xfrm>
+            <a:off x="1285240" y="1050595"/>
+            <a:ext cx="8074815" cy="1618489"/>
+          </a:xfrm>
+        </p:spPr>
+        <p:txBody>
+          <a:bodyPr anchor="ctr">
+            <a:normAutofit/>
+          </a:bodyPr>
+          <a:lstStyle/>
+          <a:p>
+            <a:r>
+              <a:rPr lang="en-IN" sz="7200" dirty="0"/>
+              <a:t>Problem Definition</a:t>
+            </a:r>
+          </a:p>
+        </p:txBody>
+      </p:sp>
+      <p:sp>
+        <p:nvSpPr>
+          <p:cNvPr id="3" name="Content Placeholder 2"/>
+          <p:cNvSpPr>
+            <a:spLocks noGrp="1"/>
+          </p:cNvSpPr>
+          <p:nvPr>
+            <p:ph idx="1"/>
+          </p:nvPr>
+        </p:nvSpPr>
+        <p:spPr>
+          <a:xfrm>
+            <a:off x="1285240" y="2969469"/>
+            <a:ext cx="8074815" cy="2800395"/>
+          </a:xfrm>
+        </p:spPr>
+        <p:txBody>
+          <a:bodyPr anchor="t">
+            <a:normAutofit/>
+          </a:bodyPr>
+          <a:lstStyle/>
+          <a:p>
+            <a:r>
+              <a:rPr lang="en-IN" sz="2400"/>
+              <a:t>The project aims to optimize the energy grid by forecasting electricity demand using historical weather data and power consumption patterns. Accurate forecasting enables better grid management, reduces energy waste, and balances demand-supply distribution.</a:t>
+            </a:r>
+          </a:p>
+        </p:txBody>
+      </p:sp>
+    </p:spTree>
+  </p:cSld>
+  <p:clrMapOvr>
+    <a:masterClrMapping/>
+  </p:clrMapOvr>
+</p:sld>
+</file>
+
+<file path=ppt/slides/slide20.xml><?xml version="1.0" encoding="utf-8"?>
 <p:sld xmlns:a="http://schemas.openxmlformats.org/drawingml/2006/main" xmlns:r="http://schemas.openxmlformats.org/officeDocument/2006/relationships" xmlns:p="http://schemas.openxmlformats.org/presentationml/2006/main">
   <p:cSld>
     <p:bg>
@@ -12143,7 +18731,71 @@
 </p:sld>
 </file>
 
-<file path=ppt/slides/slide2.xml><?xml version="1.0" encoding="utf-8"?>
+<file path=ppt/slides/slide3.xml><?xml version="1.0" encoding="utf-8"?>
+<p:sld xmlns:a="http://schemas.openxmlformats.org/drawingml/2006/main" xmlns:r="http://schemas.openxmlformats.org/officeDocument/2006/relationships" xmlns:p="http://schemas.openxmlformats.org/presentationml/2006/main">
+  <p:cSld>
+    <p:spTree>
+      <p:nvGrpSpPr>
+        <p:cNvPr id="1" name="">
+          <a:extLst>
+            <a:ext uri="{FF2B5EF4-FFF2-40B4-BE49-F238E27FC236}">
+              <a16:creationId xmlns:a16="http://schemas.microsoft.com/office/drawing/2014/main" id="{AB3897E4-E9ED-3D2E-808C-698FDE3C1DBB}"/>
+            </a:ext>
+          </a:extLst>
+        </p:cNvPr>
+        <p:cNvGrpSpPr/>
+        <p:nvPr/>
+      </p:nvGrpSpPr>
+      <p:grpSpPr>
+        <a:xfrm>
+          <a:off x="0" y="0"/>
+          <a:ext cx="0" cy="0"/>
+          <a:chOff x="0" y="0"/>
+          <a:chExt cx="0" cy="0"/>
+        </a:xfrm>
+      </p:grpSpPr>
+      <p:graphicFrame>
+        <p:nvGraphicFramePr>
+          <p:cNvPr id="153" name="TextBox 85">
+            <a:extLst>
+              <a:ext uri="{FF2B5EF4-FFF2-40B4-BE49-F238E27FC236}">
+                <a16:creationId xmlns:a16="http://schemas.microsoft.com/office/drawing/2014/main" id="{8D12CA76-BC71-AAB4-A000-B742A3B92B5C}"/>
+              </a:ext>
+            </a:extLst>
+          </p:cNvPr>
+          <p:cNvGraphicFramePr/>
+          <p:nvPr>
+            <p:extLst>
+              <p:ext uri="{D42A27DB-BD31-4B8C-83A1-F6EECF244321}">
+                <p14:modId xmlns:p14="http://schemas.microsoft.com/office/powerpoint/2010/main" val="3460059561"/>
+              </p:ext>
+            </p:extLst>
+          </p:nvPr>
+        </p:nvGraphicFramePr>
+        <p:xfrm>
+          <a:off x="1115568" y="664969"/>
+          <a:ext cx="10232136" cy="5342639"/>
+        </p:xfrm>
+        <a:graphic>
+          <a:graphicData uri="http://schemas.openxmlformats.org/drawingml/2006/diagram">
+            <dgm:relIds xmlns:dgm="http://schemas.openxmlformats.org/drawingml/2006/diagram" xmlns:r="http://schemas.openxmlformats.org/officeDocument/2006/relationships" r:dm="rId2" r:lo="rId3" r:qs="rId4" r:cs="rId5"/>
+          </a:graphicData>
+        </a:graphic>
+      </p:graphicFrame>
+    </p:spTree>
+    <p:extLst>
+      <p:ext uri="{BB962C8B-B14F-4D97-AF65-F5344CB8AC3E}">
+        <p14:creationId xmlns:p14="http://schemas.microsoft.com/office/powerpoint/2010/main" val="3913561698"/>
+      </p:ext>
+    </p:extLst>
+  </p:cSld>
+  <p:clrMapOvr>
+    <a:masterClrMapping/>
+  </p:clrMapOvr>
+</p:sld>
+</file>
+
+<file path=ppt/slides/slide4.xml><?xml version="1.0" encoding="utf-8"?>
 <p:sld xmlns:a="http://schemas.openxmlformats.org/drawingml/2006/main" xmlns:r="http://schemas.openxmlformats.org/officeDocument/2006/relationships" xmlns:p="http://schemas.openxmlformats.org/presentationml/2006/main">
   <p:cSld>
     <p:bg>
@@ -12168,12 +18820,12 @@
           <a:chExt cx="0" cy="0"/>
         </a:xfrm>
       </p:grpSpPr>
-      <p:sp useBgFill="1">
-        <p:nvSpPr>
-          <p:cNvPr id="17" name="Rectangle 16">
+      <p:sp>
+        <p:nvSpPr>
+          <p:cNvPr id="1043" name="Rectangle 1042">
             <a:extLst>
               <a:ext uri="{FF2B5EF4-FFF2-40B4-BE49-F238E27FC236}">
-                <a16:creationId xmlns:a16="http://schemas.microsoft.com/office/drawing/2014/main" id="{1BB867FF-FC45-48F7-8104-F89BE54909F1}"/>
+                <a16:creationId xmlns:a16="http://schemas.microsoft.com/office/drawing/2014/main" id="{42A4FC2C-047E-45A5-965D-8E1E3BF09BC6}"/>
               </a:ext>
               <a:ext uri="{C183D7F6-B498-43B3-948B-1728B52AA6E4}">
                 <adec:decorative xmlns:adec="http://schemas.microsoft.com/office/drawing/2017/decorative" val="1"/>
@@ -12191,14 +18843,15 @@
             </p:extLst>
           </p:nvPr>
         </p:nvSpPr>
-        <p:spPr>
+        <p:spPr bwMode="white">
           <a:xfrm>
-            <a:off x="3048" y="0"/>
+            <a:off x="1524" y="0"/>
             <a:ext cx="12188952" cy="6858000"/>
           </a:xfrm>
           <a:prstGeom prst="rect">
             <a:avLst/>
           </a:prstGeom>
+          <a:noFill/>
           <a:ln>
             <a:noFill/>
           </a:ln>
@@ -12221,633 +18874,156 @@
         </p:style>
         <p:txBody>
           <a:bodyPr rtlCol="0" anchor="ctr"/>
-          <a:lstStyle/>
+          <a:lstStyle>
+            <a:defPPr>
+              <a:defRPr lang="en-US"/>
+            </a:defPPr>
+            <a:lvl1pPr marL="0" algn="l" defTabSz="914400" rtl="0" eaLnBrk="1" latinLnBrk="0" hangingPunct="1">
+              <a:defRPr sz="1800" kern="1200">
+                <a:solidFill>
+                  <a:schemeClr val="lt1"/>
+                </a:solidFill>
+                <a:latin typeface="+mn-lt"/>
+                <a:ea typeface="+mn-ea"/>
+                <a:cs typeface="+mn-cs"/>
+              </a:defRPr>
+            </a:lvl1pPr>
+            <a:lvl2pPr marL="457200" algn="l" defTabSz="914400" rtl="0" eaLnBrk="1" latinLnBrk="0" hangingPunct="1">
+              <a:defRPr sz="1800" kern="1200">
+                <a:solidFill>
+                  <a:schemeClr val="lt1"/>
+                </a:solidFill>
+                <a:latin typeface="+mn-lt"/>
+                <a:ea typeface="+mn-ea"/>
+                <a:cs typeface="+mn-cs"/>
+              </a:defRPr>
+            </a:lvl2pPr>
+            <a:lvl3pPr marL="914400" algn="l" defTabSz="914400" rtl="0" eaLnBrk="1" latinLnBrk="0" hangingPunct="1">
+              <a:defRPr sz="1800" kern="1200">
+                <a:solidFill>
+                  <a:schemeClr val="lt1"/>
+                </a:solidFill>
+                <a:latin typeface="+mn-lt"/>
+                <a:ea typeface="+mn-ea"/>
+                <a:cs typeface="+mn-cs"/>
+              </a:defRPr>
+            </a:lvl3pPr>
+            <a:lvl4pPr marL="1371600" algn="l" defTabSz="914400" rtl="0" eaLnBrk="1" latinLnBrk="0" hangingPunct="1">
+              <a:defRPr sz="1800" kern="1200">
+                <a:solidFill>
+                  <a:schemeClr val="lt1"/>
+                </a:solidFill>
+                <a:latin typeface="+mn-lt"/>
+                <a:ea typeface="+mn-ea"/>
+                <a:cs typeface="+mn-cs"/>
+              </a:defRPr>
+            </a:lvl4pPr>
+            <a:lvl5pPr marL="1828800" algn="l" defTabSz="914400" rtl="0" eaLnBrk="1" latinLnBrk="0" hangingPunct="1">
+              <a:defRPr sz="1800" kern="1200">
+                <a:solidFill>
+                  <a:schemeClr val="lt1"/>
+                </a:solidFill>
+                <a:latin typeface="+mn-lt"/>
+                <a:ea typeface="+mn-ea"/>
+                <a:cs typeface="+mn-cs"/>
+              </a:defRPr>
+            </a:lvl5pPr>
+            <a:lvl6pPr marL="2286000" algn="l" defTabSz="914400" rtl="0" eaLnBrk="1" latinLnBrk="0" hangingPunct="1">
+              <a:defRPr sz="1800" kern="1200">
+                <a:solidFill>
+                  <a:schemeClr val="lt1"/>
+                </a:solidFill>
+                <a:latin typeface="+mn-lt"/>
+                <a:ea typeface="+mn-ea"/>
+                <a:cs typeface="+mn-cs"/>
+              </a:defRPr>
+            </a:lvl6pPr>
+            <a:lvl7pPr marL="2743200" algn="l" defTabSz="914400" rtl="0" eaLnBrk="1" latinLnBrk="0" hangingPunct="1">
+              <a:defRPr sz="1800" kern="1200">
+                <a:solidFill>
+                  <a:schemeClr val="lt1"/>
+                </a:solidFill>
+                <a:latin typeface="+mn-lt"/>
+                <a:ea typeface="+mn-ea"/>
+                <a:cs typeface="+mn-cs"/>
+              </a:defRPr>
+            </a:lvl7pPr>
+            <a:lvl8pPr marL="3200400" algn="l" defTabSz="914400" rtl="0" eaLnBrk="1" latinLnBrk="0" hangingPunct="1">
+              <a:defRPr sz="1800" kern="1200">
+                <a:solidFill>
+                  <a:schemeClr val="lt1"/>
+                </a:solidFill>
+                <a:latin typeface="+mn-lt"/>
+                <a:ea typeface="+mn-ea"/>
+                <a:cs typeface="+mn-cs"/>
+              </a:defRPr>
+            </a:lvl8pPr>
+            <a:lvl9pPr marL="3657600" algn="l" defTabSz="914400" rtl="0" eaLnBrk="1" latinLnBrk="0" hangingPunct="1">
+              <a:defRPr sz="1800" kern="1200">
+                <a:solidFill>
+                  <a:schemeClr val="lt1"/>
+                </a:solidFill>
+                <a:latin typeface="+mn-lt"/>
+                <a:ea typeface="+mn-ea"/>
+                <a:cs typeface="+mn-cs"/>
+              </a:defRPr>
+            </a:lvl9pPr>
+          </a:lstStyle>
           <a:p>
             <a:pPr algn="ctr"/>
             <a:endParaRPr lang="en-US"/>
           </a:p>
         </p:txBody>
       </p:sp>
-      <p:sp>
-        <p:nvSpPr>
-          <p:cNvPr id="19" name="Freeform: Shape 18">
+      <p:pic>
+        <p:nvPicPr>
+          <p:cNvPr id="1028" name="Picture 4">
             <a:extLst>
               <a:ext uri="{FF2B5EF4-FFF2-40B4-BE49-F238E27FC236}">
-                <a16:creationId xmlns:a16="http://schemas.microsoft.com/office/drawing/2014/main" id="{8BB56887-D0D5-4F0C-9E19-7247EB83C8B7}"/>
-              </a:ext>
-              <a:ext uri="{C183D7F6-B498-43B3-948B-1728B52AA6E4}">
-                <adec:decorative xmlns:adec="http://schemas.microsoft.com/office/drawing/2017/decorative" val="1"/>
+                <a16:creationId xmlns:a16="http://schemas.microsoft.com/office/drawing/2014/main" id="{B377FAA2-80F6-F057-943B-26A2BBD60D74}"/>
               </a:ext>
             </a:extLst>
           </p:cNvPr>
-          <p:cNvSpPr>
-            <a:spLocks noGrp="1" noRot="1" noChangeAspect="1" noMove="1" noResize="1" noEditPoints="1" noAdjustHandles="1" noChangeArrowheads="1" noChangeShapeType="1" noTextEdit="1"/>
-          </p:cNvSpPr>
-          <p:nvPr>
-            <p:extLst>
-              <p:ext uri="{386F3935-93C4-4BCD-93E2-E3B085C9AB24}">
-                <p16:designElem xmlns:p16="http://schemas.microsoft.com/office/powerpoint/2015/main" val="1"/>
-              </p:ext>
-            </p:extLst>
-          </p:nvPr>
-        </p:nvSpPr>
-        <p:spPr>
+          <p:cNvPicPr>
+            <a:picLocks noChangeAspect="1" noChangeArrowheads="1"/>
+          </p:cNvPicPr>
+          <p:nvPr/>
+        </p:nvPicPr>
+        <p:blipFill>
+          <a:blip r:embed="rId2">
+            <a:extLst>
+              <a:ext uri="{28A0092B-C50C-407E-A947-70E740481C1C}">
+                <a14:useLocalDpi xmlns:a14="http://schemas.microsoft.com/office/drawing/2010/main" val="0"/>
+              </a:ext>
+            </a:extLst>
+          </a:blip>
+          <a:srcRect b="19"/>
+          <a:stretch/>
+        </p:blipFill>
+        <p:spPr bwMode="auto">
           <a:xfrm>
-            <a:off x="10208695" y="1"/>
-            <a:ext cx="1135066" cy="477997"/>
-          </a:xfrm>
-          <a:custGeom>
-            <a:avLst/>
-            <a:gdLst>
-              <a:gd name="connsiteX0" fmla="*/ 0 w 1135066"/>
-              <a:gd name="connsiteY0" fmla="*/ 0 h 477997"/>
-              <a:gd name="connsiteX1" fmla="*/ 1135066 w 1135066"/>
-              <a:gd name="connsiteY1" fmla="*/ 0 h 477997"/>
-              <a:gd name="connsiteX2" fmla="*/ 1133370 w 1135066"/>
-              <a:gd name="connsiteY2" fmla="*/ 16827 h 477997"/>
-              <a:gd name="connsiteX3" fmla="*/ 567533 w 1135066"/>
-              <a:gd name="connsiteY3" fmla="*/ 477997 h 477997"/>
-              <a:gd name="connsiteX4" fmla="*/ 1696 w 1135066"/>
-              <a:gd name="connsiteY4" fmla="*/ 16827 h 477997"/>
-            </a:gdLst>
-            <a:ahLst/>
-            <a:cxnLst>
-              <a:cxn ang="0">
-                <a:pos x="connsiteX0" y="connsiteY0"/>
-              </a:cxn>
-              <a:cxn ang="0">
-                <a:pos x="connsiteX1" y="connsiteY1"/>
-              </a:cxn>
-              <a:cxn ang="0">
-                <a:pos x="connsiteX2" y="connsiteY2"/>
-              </a:cxn>
-              <a:cxn ang="0">
-                <a:pos x="connsiteX3" y="connsiteY3"/>
-              </a:cxn>
-              <a:cxn ang="0">
-                <a:pos x="connsiteX4" y="connsiteY4"/>
-              </a:cxn>
-            </a:cxnLst>
-            <a:rect l="l" t="t" r="r" b="b"/>
-            <a:pathLst>
-              <a:path w="1135066" h="477997">
-                <a:moveTo>
-                  <a:pt x="0" y="0"/>
-                </a:moveTo>
-                <a:lnTo>
-                  <a:pt x="1135066" y="0"/>
-                </a:lnTo>
-                <a:lnTo>
-                  <a:pt x="1133370" y="16827"/>
-                </a:lnTo>
-                <a:cubicBezTo>
-                  <a:pt x="1079514" y="280016"/>
-                  <a:pt x="846644" y="477997"/>
-                  <a:pt x="567533" y="477997"/>
-                </a:cubicBezTo>
-                <a:cubicBezTo>
-                  <a:pt x="288422" y="477997"/>
-                  <a:pt x="55552" y="280016"/>
-                  <a:pt x="1696" y="16827"/>
-                </a:cubicBezTo>
-                <a:close/>
-              </a:path>
-            </a:pathLst>
-          </a:custGeom>
-          <a:solidFill>
-            <a:schemeClr val="accent4"/>
-          </a:solidFill>
-          <a:ln>
-            <a:noFill/>
-          </a:ln>
-        </p:spPr>
-        <p:style>
-          <a:lnRef idx="2">
-            <a:schemeClr val="accent1">
-              <a:shade val="50000"/>
-            </a:schemeClr>
-          </a:lnRef>
-          <a:fillRef idx="1">
-            <a:schemeClr val="accent1"/>
-          </a:fillRef>
-          <a:effectRef idx="0">
-            <a:schemeClr val="accent1"/>
-          </a:effectRef>
-          <a:fontRef idx="minor">
-            <a:schemeClr val="lt1"/>
-          </a:fontRef>
-        </p:style>
-        <p:txBody>
-          <a:bodyPr wrap="square" rtlCol="0" anchor="ctr">
-            <a:noAutofit/>
-          </a:bodyPr>
-          <a:lstStyle/>
-          <a:p>
-            <a:pPr algn="ctr"/>
-            <a:endParaRPr lang="en-US"/>
-          </a:p>
-        </p:txBody>
-      </p:sp>
-      <p:sp>
-        <p:nvSpPr>
-          <p:cNvPr id="2" name="Title 1"/>
-          <p:cNvSpPr>
-            <a:spLocks noGrp="1"/>
-          </p:cNvSpPr>
-          <p:nvPr>
-            <p:ph type="title"/>
-          </p:nvPr>
-        </p:nvSpPr>
-        <p:spPr>
-          <a:xfrm>
-            <a:off x="838200" y="365125"/>
-            <a:ext cx="10515600" cy="1325563"/>
-          </a:xfrm>
-        </p:spPr>
-        <p:txBody>
-          <a:bodyPr>
-            <a:normAutofit/>
-          </a:bodyPr>
-          <a:lstStyle/>
-          <a:p>
-            <a:r>
-              <a:rPr lang="en-IN"/>
-              <a:t>Problem Definition</a:t>
-            </a:r>
-          </a:p>
-        </p:txBody>
-      </p:sp>
-      <p:sp>
-        <p:nvSpPr>
-          <p:cNvPr id="21" name="Arc 20">
-            <a:extLst>
-              <a:ext uri="{FF2B5EF4-FFF2-40B4-BE49-F238E27FC236}">
-                <a16:creationId xmlns:a16="http://schemas.microsoft.com/office/drawing/2014/main" id="{081E4A58-353D-44AE-B2FC-2A74E2E400F7}"/>
-              </a:ext>
-              <a:ext uri="{C183D7F6-B498-43B3-948B-1728B52AA6E4}">
-                <adec:decorative xmlns:adec="http://schemas.microsoft.com/office/drawing/2017/decorative" val="1"/>
-              </a:ext>
-            </a:extLst>
-          </p:cNvPr>
-          <p:cNvSpPr>
-            <a:spLocks noGrp="1" noRot="1" noChangeAspect="1" noMove="1" noResize="1" noEditPoints="1" noAdjustHandles="1" noChangeArrowheads="1" noChangeShapeType="1" noTextEdit="1"/>
-          </p:cNvSpPr>
-          <p:nvPr>
-            <p:extLst>
-              <p:ext uri="{386F3935-93C4-4BCD-93E2-E3B085C9AB24}">
-                <p16:designElem xmlns:p16="http://schemas.microsoft.com/office/powerpoint/2015/main" val="1"/>
-              </p:ext>
-            </p:extLst>
-          </p:nvPr>
-        </p:nvSpPr>
-        <p:spPr>
-          <a:xfrm rot="5400000" flipV="1">
-            <a:off x="555710" y="2183223"/>
-            <a:ext cx="4083433" cy="4083433"/>
-          </a:xfrm>
-          <a:prstGeom prst="arc">
-            <a:avLst/>
-          </a:prstGeom>
-          <a:ln w="127000" cap="rnd">
-            <a:solidFill>
-              <a:schemeClr val="accent4"/>
-            </a:solidFill>
-            <a:prstDash val="dash"/>
-          </a:ln>
-        </p:spPr>
-        <p:style>
-          <a:lnRef idx="1">
-            <a:schemeClr val="accent1"/>
-          </a:lnRef>
-          <a:fillRef idx="0">
-            <a:schemeClr val="accent1"/>
-          </a:fillRef>
-          <a:effectRef idx="0">
-            <a:schemeClr val="accent1"/>
-          </a:effectRef>
-          <a:fontRef idx="minor">
-            <a:schemeClr val="tx1"/>
-          </a:fontRef>
-        </p:style>
-        <p:txBody>
-          <a:bodyPr rtlCol="0" anchor="ctr"/>
-          <a:lstStyle/>
-          <a:p>
-            <a:pPr algn="ctr"/>
-            <a:endParaRPr lang="en-US" dirty="0"/>
-          </a:p>
-        </p:txBody>
-      </p:sp>
-      <p:sp>
-        <p:nvSpPr>
-          <p:cNvPr id="3" name="Content Placeholder 2"/>
-          <p:cNvSpPr>
-            <a:spLocks noGrp="1"/>
-          </p:cNvSpPr>
-          <p:nvPr>
-            <p:ph idx="1"/>
-          </p:nvPr>
-        </p:nvSpPr>
-        <p:spPr>
-          <a:xfrm>
-            <a:off x="838200" y="1825625"/>
-            <a:ext cx="10515600" cy="4351338"/>
-          </a:xfrm>
-        </p:spPr>
-        <p:txBody>
-          <a:bodyPr>
-            <a:normAutofit/>
-          </a:bodyPr>
-          <a:lstStyle/>
-          <a:p>
-            <a:r>
-              <a:rPr lang="en-IN"/>
-              <a:t>The project aims to optimize the energy grid by forecasting electricity demand using historical weather data and power consumption patterns. Accurate forecasting enables better grid management, reduces energy waste, and balances demand-supply distribution.</a:t>
-            </a:r>
-          </a:p>
-        </p:txBody>
-      </p:sp>
-    </p:spTree>
-  </p:cSld>
-  <p:clrMapOvr>
-    <a:masterClrMapping/>
-  </p:clrMapOvr>
-</p:sld>
-</file>
-
-<file path=ppt/slides/slide3.xml><?xml version="1.0" encoding="utf-8"?>
-<p:sld xmlns:a="http://schemas.openxmlformats.org/drawingml/2006/main" xmlns:r="http://schemas.openxmlformats.org/officeDocument/2006/relationships" xmlns:p="http://schemas.openxmlformats.org/presentationml/2006/main">
-  <p:cSld>
-    <p:bg>
-      <p:bgPr>
-        <a:solidFill>
-          <a:schemeClr val="bg1"/>
-        </a:solidFill>
-        <a:effectLst/>
-      </p:bgPr>
-    </p:bg>
-    <p:spTree>
-      <p:nvGrpSpPr>
-        <p:cNvPr id="1" name=""/>
-        <p:cNvGrpSpPr/>
-        <p:nvPr/>
-      </p:nvGrpSpPr>
-      <p:grpSpPr>
-        <a:xfrm>
-          <a:off x="0" y="0"/>
-          <a:ext cx="0" cy="0"/>
-          <a:chOff x="0" y="0"/>
-          <a:chExt cx="0" cy="0"/>
-        </a:xfrm>
-      </p:grpSpPr>
-      <p:sp useBgFill="1">
-        <p:nvSpPr>
-          <p:cNvPr id="8" name="Rectangle 7">
-            <a:extLst>
-              <a:ext uri="{FF2B5EF4-FFF2-40B4-BE49-F238E27FC236}">
-                <a16:creationId xmlns:a16="http://schemas.microsoft.com/office/drawing/2014/main" id="{1BB867FF-FC45-48F7-8104-F89BE54909F1}"/>
-              </a:ext>
-              <a:ext uri="{C183D7F6-B498-43B3-948B-1728B52AA6E4}">
-                <adec:decorative xmlns:adec="http://schemas.microsoft.com/office/drawing/2017/decorative" val="1"/>
-              </a:ext>
-            </a:extLst>
-          </p:cNvPr>
-          <p:cNvSpPr>
-            <a:spLocks noGrp="1" noRot="1" noChangeAspect="1" noMove="1" noResize="1" noEditPoints="1" noAdjustHandles="1" noChangeArrowheads="1" noChangeShapeType="1" noTextEdit="1"/>
-          </p:cNvSpPr>
-          <p:nvPr>
-            <p:extLst>
-              <p:ext uri="{386F3935-93C4-4BCD-93E2-E3B085C9AB24}">
-                <p16:designElem xmlns:p16="http://schemas.microsoft.com/office/powerpoint/2015/main" val="1"/>
-              </p:ext>
-            </p:extLst>
-          </p:nvPr>
-        </p:nvSpPr>
-        <p:spPr>
-          <a:xfrm>
-            <a:off x="3048" y="0"/>
-            <a:ext cx="12188952" cy="6858000"/>
+            <a:off x="20" y="1282"/>
+            <a:ext cx="12191980" cy="6856718"/>
           </a:xfrm>
           <a:prstGeom prst="rect">
             <a:avLst/>
           </a:prstGeom>
-          <a:ln>
-            <a:noFill/>
-          </a:ln>
+          <a:noFill/>
+          <a:extLst>
+            <a:ext uri="{909E8E84-426E-40DD-AFC4-6F175D3DCCD1}">
+              <a14:hiddenFill xmlns:a14="http://schemas.microsoft.com/office/drawing/2010/main">
+                <a:solidFill>
+                  <a:srgbClr val="FFFFFF"/>
+                </a:solidFill>
+              </a14:hiddenFill>
+            </a:ext>
+          </a:extLst>
         </p:spPr>
-        <p:style>
-          <a:lnRef idx="2">
-            <a:schemeClr val="accent1">
-              <a:shade val="50000"/>
-            </a:schemeClr>
-          </a:lnRef>
-          <a:fillRef idx="1">
-            <a:schemeClr val="accent1"/>
-          </a:fillRef>
-          <a:effectRef idx="0">
-            <a:schemeClr val="accent1"/>
-          </a:effectRef>
-          <a:fontRef idx="minor">
-            <a:schemeClr val="lt1"/>
-          </a:fontRef>
-        </p:style>
-        <p:txBody>
-          <a:bodyPr rtlCol="0" anchor="ctr"/>
-          <a:lstStyle/>
-          <a:p>
-            <a:pPr algn="ctr"/>
-            <a:endParaRPr lang="en-US"/>
-          </a:p>
-        </p:txBody>
-      </p:sp>
-      <p:sp>
-        <p:nvSpPr>
-          <p:cNvPr id="10" name="Freeform: Shape 9">
-            <a:extLst>
-              <a:ext uri="{FF2B5EF4-FFF2-40B4-BE49-F238E27FC236}">
-                <a16:creationId xmlns:a16="http://schemas.microsoft.com/office/drawing/2014/main" id="{8BB56887-D0D5-4F0C-9E19-7247EB83C8B7}"/>
-              </a:ext>
-              <a:ext uri="{C183D7F6-B498-43B3-948B-1728B52AA6E4}">
-                <adec:decorative xmlns:adec="http://schemas.microsoft.com/office/drawing/2017/decorative" val="1"/>
-              </a:ext>
-            </a:extLst>
-          </p:cNvPr>
-          <p:cNvSpPr>
-            <a:spLocks noGrp="1" noRot="1" noChangeAspect="1" noMove="1" noResize="1" noEditPoints="1" noAdjustHandles="1" noChangeArrowheads="1" noChangeShapeType="1" noTextEdit="1"/>
-          </p:cNvSpPr>
-          <p:nvPr>
-            <p:extLst>
-              <p:ext uri="{386F3935-93C4-4BCD-93E2-E3B085C9AB24}">
-                <p16:designElem xmlns:p16="http://schemas.microsoft.com/office/powerpoint/2015/main" val="1"/>
-              </p:ext>
-            </p:extLst>
-          </p:nvPr>
-        </p:nvSpPr>
-        <p:spPr>
-          <a:xfrm>
-            <a:off x="10208695" y="1"/>
-            <a:ext cx="1135066" cy="477997"/>
-          </a:xfrm>
-          <a:custGeom>
-            <a:avLst/>
-            <a:gdLst>
-              <a:gd name="connsiteX0" fmla="*/ 0 w 1135066"/>
-              <a:gd name="connsiteY0" fmla="*/ 0 h 477997"/>
-              <a:gd name="connsiteX1" fmla="*/ 1135066 w 1135066"/>
-              <a:gd name="connsiteY1" fmla="*/ 0 h 477997"/>
-              <a:gd name="connsiteX2" fmla="*/ 1133370 w 1135066"/>
-              <a:gd name="connsiteY2" fmla="*/ 16827 h 477997"/>
-              <a:gd name="connsiteX3" fmla="*/ 567533 w 1135066"/>
-              <a:gd name="connsiteY3" fmla="*/ 477997 h 477997"/>
-              <a:gd name="connsiteX4" fmla="*/ 1696 w 1135066"/>
-              <a:gd name="connsiteY4" fmla="*/ 16827 h 477997"/>
-            </a:gdLst>
-            <a:ahLst/>
-            <a:cxnLst>
-              <a:cxn ang="0">
-                <a:pos x="connsiteX0" y="connsiteY0"/>
-              </a:cxn>
-              <a:cxn ang="0">
-                <a:pos x="connsiteX1" y="connsiteY1"/>
-              </a:cxn>
-              <a:cxn ang="0">
-                <a:pos x="connsiteX2" y="connsiteY2"/>
-              </a:cxn>
-              <a:cxn ang="0">
-                <a:pos x="connsiteX3" y="connsiteY3"/>
-              </a:cxn>
-              <a:cxn ang="0">
-                <a:pos x="connsiteX4" y="connsiteY4"/>
-              </a:cxn>
-            </a:cxnLst>
-            <a:rect l="l" t="t" r="r" b="b"/>
-            <a:pathLst>
-              <a:path w="1135066" h="477997">
-                <a:moveTo>
-                  <a:pt x="0" y="0"/>
-                </a:moveTo>
-                <a:lnTo>
-                  <a:pt x="1135066" y="0"/>
-                </a:lnTo>
-                <a:lnTo>
-                  <a:pt x="1133370" y="16827"/>
-                </a:lnTo>
-                <a:cubicBezTo>
-                  <a:pt x="1079514" y="280016"/>
-                  <a:pt x="846644" y="477997"/>
-                  <a:pt x="567533" y="477997"/>
-                </a:cubicBezTo>
-                <a:cubicBezTo>
-                  <a:pt x="288422" y="477997"/>
-                  <a:pt x="55552" y="280016"/>
-                  <a:pt x="1696" y="16827"/>
-                </a:cubicBezTo>
-                <a:close/>
-              </a:path>
-            </a:pathLst>
-          </a:custGeom>
-          <a:solidFill>
-            <a:schemeClr val="accent4"/>
-          </a:solidFill>
-          <a:ln>
-            <a:noFill/>
-          </a:ln>
-        </p:spPr>
-        <p:style>
-          <a:lnRef idx="2">
-            <a:schemeClr val="accent1">
-              <a:shade val="50000"/>
-            </a:schemeClr>
-          </a:lnRef>
-          <a:fillRef idx="1">
-            <a:schemeClr val="accent1"/>
-          </a:fillRef>
-          <a:effectRef idx="0">
-            <a:schemeClr val="accent1"/>
-          </a:effectRef>
-          <a:fontRef idx="minor">
-            <a:schemeClr val="lt1"/>
-          </a:fontRef>
-        </p:style>
-        <p:txBody>
-          <a:bodyPr wrap="square" rtlCol="0" anchor="ctr">
-            <a:noAutofit/>
-          </a:bodyPr>
-          <a:lstStyle/>
-          <a:p>
-            <a:pPr algn="ctr"/>
-            <a:endParaRPr lang="en-US"/>
-          </a:p>
-        </p:txBody>
-      </p:sp>
-      <p:sp>
-        <p:nvSpPr>
-          <p:cNvPr id="2" name="Title 1">
-            <a:extLst>
-              <a:ext uri="{FF2B5EF4-FFF2-40B4-BE49-F238E27FC236}">
-                <a16:creationId xmlns:a16="http://schemas.microsoft.com/office/drawing/2014/main" id="{6260972B-9874-90C3-C64E-07D183CF1D19}"/>
-              </a:ext>
-            </a:extLst>
-          </p:cNvPr>
-          <p:cNvSpPr>
-            <a:spLocks noGrp="1"/>
-          </p:cNvSpPr>
-          <p:nvPr>
-            <p:ph type="title"/>
-          </p:nvPr>
-        </p:nvSpPr>
-        <p:spPr>
-          <a:xfrm>
-            <a:off x="838200" y="365125"/>
-            <a:ext cx="10515600" cy="1325563"/>
-          </a:xfrm>
-        </p:spPr>
-        <p:txBody>
-          <a:bodyPr>
-            <a:normAutofit/>
-          </a:bodyPr>
-          <a:lstStyle/>
-          <a:p>
-            <a:r>
-              <a:rPr lang="en-US" dirty="0"/>
-              <a:t>Data Creation </a:t>
-            </a:r>
-          </a:p>
-        </p:txBody>
-      </p:sp>
-      <p:sp>
-        <p:nvSpPr>
-          <p:cNvPr id="12" name="Arc 11">
-            <a:extLst>
-              <a:ext uri="{FF2B5EF4-FFF2-40B4-BE49-F238E27FC236}">
-                <a16:creationId xmlns:a16="http://schemas.microsoft.com/office/drawing/2014/main" id="{081E4A58-353D-44AE-B2FC-2A74E2E400F7}"/>
-              </a:ext>
-              <a:ext uri="{C183D7F6-B498-43B3-948B-1728B52AA6E4}">
-                <adec:decorative xmlns:adec="http://schemas.microsoft.com/office/drawing/2017/decorative" val="1"/>
-              </a:ext>
-            </a:extLst>
-          </p:cNvPr>
-          <p:cNvSpPr>
-            <a:spLocks noGrp="1" noRot="1" noChangeAspect="1" noMove="1" noResize="1" noEditPoints="1" noAdjustHandles="1" noChangeArrowheads="1" noChangeShapeType="1" noTextEdit="1"/>
-          </p:cNvSpPr>
-          <p:nvPr>
-            <p:extLst>
-              <p:ext uri="{386F3935-93C4-4BCD-93E2-E3B085C9AB24}">
-                <p16:designElem xmlns:p16="http://schemas.microsoft.com/office/powerpoint/2015/main" val="1"/>
-              </p:ext>
-            </p:extLst>
-          </p:nvPr>
-        </p:nvSpPr>
-        <p:spPr>
-          <a:xfrm rot="5400000" flipV="1">
-            <a:off x="555710" y="2183223"/>
-            <a:ext cx="4083433" cy="4083433"/>
-          </a:xfrm>
-          <a:prstGeom prst="arc">
-            <a:avLst/>
-          </a:prstGeom>
-          <a:ln w="127000" cap="rnd">
-            <a:solidFill>
-              <a:schemeClr val="accent4"/>
-            </a:solidFill>
-            <a:prstDash val="dash"/>
-          </a:ln>
-        </p:spPr>
-        <p:style>
-          <a:lnRef idx="1">
-            <a:schemeClr val="accent1"/>
-          </a:lnRef>
-          <a:fillRef idx="0">
-            <a:schemeClr val="accent1"/>
-          </a:fillRef>
-          <a:effectRef idx="0">
-            <a:schemeClr val="accent1"/>
-          </a:effectRef>
-          <a:fontRef idx="minor">
-            <a:schemeClr val="tx1"/>
-          </a:fontRef>
-        </p:style>
-        <p:txBody>
-          <a:bodyPr rtlCol="0" anchor="ctr"/>
-          <a:lstStyle/>
-          <a:p>
-            <a:pPr algn="ctr"/>
-            <a:endParaRPr lang="en-US" dirty="0"/>
-          </a:p>
-        </p:txBody>
-      </p:sp>
-      <p:sp>
-        <p:nvSpPr>
-          <p:cNvPr id="3" name="Content Placeholder 2">
-            <a:extLst>
-              <a:ext uri="{FF2B5EF4-FFF2-40B4-BE49-F238E27FC236}">
-                <a16:creationId xmlns:a16="http://schemas.microsoft.com/office/drawing/2014/main" id="{4C7D04E2-AEA9-79CD-C4A2-D3F387ADBC8C}"/>
-              </a:ext>
-            </a:extLst>
-          </p:cNvPr>
-          <p:cNvSpPr>
-            <a:spLocks noGrp="1"/>
-          </p:cNvSpPr>
-          <p:nvPr>
-            <p:ph idx="1"/>
-          </p:nvPr>
-        </p:nvSpPr>
-        <p:spPr>
-          <a:xfrm>
-            <a:off x="838200" y="1825625"/>
-            <a:ext cx="10515600" cy="4351338"/>
-          </a:xfrm>
-        </p:spPr>
-        <p:txBody>
-          <a:bodyPr>
-            <a:normAutofit/>
-          </a:bodyPr>
-          <a:lstStyle/>
-          <a:p>
-            <a:r>
-              <a:rPr lang="en-US" sz="2600"/>
-              <a:t>Open Weather provides different APIs to pull weather data .</a:t>
-            </a:r>
-          </a:p>
-          <a:p>
-            <a:r>
-              <a:rPr lang="en-US" sz="2600"/>
-              <a:t>Updated Python code to pull bulk data from past 3 years. </a:t>
-            </a:r>
-          </a:p>
-          <a:p>
-            <a:r>
-              <a:rPr lang="en-US" sz="2600"/>
-              <a:t>When we run the code and get the data , it was actually created rows based on number of time our loop ran but the unique unix time was just duplicate ( only 2-3 unique time data in those data ) </a:t>
-            </a:r>
-          </a:p>
-          <a:p>
-            <a:r>
-              <a:rPr lang="en-US" sz="2600"/>
-              <a:t>We come to know that We need Subscription to get real data . </a:t>
-            </a:r>
-          </a:p>
-          <a:p>
-            <a:r>
-              <a:rPr lang="en-US" sz="2600"/>
-              <a:t>Search through different available source also but not able to find real data  .</a:t>
-            </a:r>
-          </a:p>
-          <a:p>
-            <a:r>
-              <a:rPr lang="en-US" sz="2600"/>
-              <a:t>We used python utility to generate 2GB of similar data which openWeather API use to return . </a:t>
-            </a:r>
-          </a:p>
-          <a:p>
-            <a:endParaRPr lang="en-US" sz="2600"/>
-          </a:p>
-        </p:txBody>
-      </p:sp>
+      </p:pic>
     </p:spTree>
     <p:extLst>
       <p:ext uri="{BB962C8B-B14F-4D97-AF65-F5344CB8AC3E}">
-        <p14:creationId xmlns:p14="http://schemas.microsoft.com/office/powerpoint/2010/main" val="1227620139"/>
+        <p14:creationId xmlns:p14="http://schemas.microsoft.com/office/powerpoint/2010/main" val="2876386044"/>
       </p:ext>
     </p:extLst>
   </p:cSld>
@@ -12857,7 +19033,7 @@
 </p:sld>
 </file>
 
-<file path=ppt/slides/slide4.xml><?xml version="1.0" encoding="utf-8"?>
+<file path=ppt/slides/slide5.xml><?xml version="1.0" encoding="utf-8"?>
 <p:sld xmlns:a="http://schemas.openxmlformats.org/drawingml/2006/main" xmlns:r="http://schemas.openxmlformats.org/officeDocument/2006/relationships" xmlns:p="http://schemas.openxmlformats.org/presentationml/2006/main">
   <p:cSld>
     <p:spTree>
@@ -12896,7 +19072,7 @@
         </p:blipFill>
         <p:spPr>
           <a:xfrm>
-            <a:off x="2260878" y="1350559"/>
+            <a:off x="2710581" y="1350559"/>
             <a:ext cx="1388827" cy="721915"/>
           </a:xfrm>
           <a:prstGeom prst="rect">
@@ -12926,7 +19102,7 @@
         </p:blipFill>
         <p:spPr>
           <a:xfrm>
-            <a:off x="4214802" y="1121097"/>
+            <a:off x="4664505" y="1121097"/>
             <a:ext cx="1145058" cy="1180841"/>
           </a:xfrm>
           <a:prstGeom prst="rect">
@@ -12956,7 +19132,7 @@
         </p:blipFill>
         <p:spPr>
           <a:xfrm>
-            <a:off x="6178532" y="830768"/>
+            <a:off x="6628235" y="830768"/>
             <a:ext cx="1724025" cy="1619250"/>
           </a:xfrm>
           <a:prstGeom prst="rect">
@@ -12986,7 +19162,7 @@
         </p:blipFill>
         <p:spPr>
           <a:xfrm>
-            <a:off x="8967734" y="1520888"/>
+            <a:off x="9417437" y="1520888"/>
             <a:ext cx="876300" cy="781050"/>
           </a:xfrm>
           <a:prstGeom prst="rect">
@@ -13016,7 +19192,7 @@
         </p:blipFill>
         <p:spPr>
           <a:xfrm>
-            <a:off x="129014" y="2619376"/>
+            <a:off x="578717" y="2619376"/>
             <a:ext cx="1603138" cy="998032"/>
           </a:xfrm>
           <a:prstGeom prst="rect">
@@ -13046,7 +19222,7 @@
         </p:blipFill>
         <p:spPr>
           <a:xfrm>
-            <a:off x="2953476" y="3759740"/>
+            <a:off x="3428021" y="3687742"/>
             <a:ext cx="876300" cy="781050"/>
           </a:xfrm>
           <a:prstGeom prst="rect">
@@ -13076,7 +19252,7 @@
         </p:blipFill>
         <p:spPr>
           <a:xfrm>
-            <a:off x="2904432" y="5173696"/>
+            <a:off x="3354135" y="5173696"/>
             <a:ext cx="876300" cy="781050"/>
           </a:xfrm>
           <a:prstGeom prst="rect">
@@ -13098,7 +19274,7 @@
         </p:nvCxnSpPr>
         <p:spPr>
           <a:xfrm flipV="1">
-            <a:off x="1336431" y="1911413"/>
+            <a:off x="1786134" y="1911413"/>
             <a:ext cx="803868" cy="538605"/>
           </a:xfrm>
           <a:prstGeom prst="straightConnector1">
@@ -13137,7 +19313,7 @@
         </p:nvCxnSpPr>
         <p:spPr>
           <a:xfrm>
-            <a:off x="3832698" y="1640393"/>
+            <a:off x="4282401" y="1640393"/>
             <a:ext cx="262647" cy="0"/>
           </a:xfrm>
           <a:prstGeom prst="straightConnector1">
@@ -13178,7 +19354,7 @@
         </p:nvCxnSpPr>
         <p:spPr>
           <a:xfrm>
-            <a:off x="5564221" y="1640393"/>
+            <a:off x="6013924" y="1640393"/>
             <a:ext cx="614311" cy="0"/>
           </a:xfrm>
           <a:prstGeom prst="straightConnector1">
@@ -13217,7 +19393,7 @@
         </p:nvCxnSpPr>
         <p:spPr>
           <a:xfrm>
-            <a:off x="8180962" y="1640393"/>
+            <a:off x="8630665" y="1640393"/>
             <a:ext cx="612842" cy="188407"/>
           </a:xfrm>
           <a:prstGeom prst="straightConnector1">
@@ -13264,7 +19440,7 @@
         </p:blipFill>
         <p:spPr>
           <a:xfrm>
-            <a:off x="183906" y="4844273"/>
+            <a:off x="633609" y="4844273"/>
             <a:ext cx="1152525" cy="1819275"/>
           </a:xfrm>
           <a:prstGeom prst="rect">
@@ -13294,7 +19470,7 @@
         </p:blipFill>
         <p:spPr>
           <a:xfrm>
-            <a:off x="5614241" y="4556063"/>
+            <a:off x="6063944" y="4556063"/>
             <a:ext cx="876300" cy="781050"/>
           </a:xfrm>
           <a:prstGeom prst="rect">
@@ -13324,7 +19500,7 @@
         </p:blipFill>
         <p:spPr>
           <a:xfrm>
-            <a:off x="8643884" y="4458814"/>
+            <a:off x="9093587" y="4458814"/>
             <a:ext cx="1524000" cy="1085850"/>
           </a:xfrm>
           <a:prstGeom prst="rect">
@@ -13341,13 +19517,15 @@
               </a:ext>
             </a:extLst>
           </p:cNvPr>
-          <p:cNvCxnSpPr/>
+          <p:cNvCxnSpPr>
+            <a:cxnSpLocks/>
+          </p:cNvCxnSpPr>
           <p:nvPr/>
         </p:nvCxnSpPr>
         <p:spPr>
           <a:xfrm>
-            <a:off x="1857983" y="3429000"/>
-            <a:ext cx="924128" cy="627434"/>
+            <a:off x="2307686" y="3334864"/>
+            <a:ext cx="1046449" cy="547588"/>
           </a:xfrm>
           <a:prstGeom prst="straightConnector1">
             <a:avLst/>
@@ -13380,13 +19558,15 @@
               </a:ext>
             </a:extLst>
           </p:cNvPr>
-          <p:cNvCxnSpPr/>
+          <p:cNvCxnSpPr>
+            <a:cxnSpLocks/>
+          </p:cNvCxnSpPr>
           <p:nvPr/>
         </p:nvCxnSpPr>
         <p:spPr>
           <a:xfrm flipV="1">
-            <a:off x="1643974" y="5564221"/>
-            <a:ext cx="1001949" cy="282102"/>
+            <a:off x="2093677" y="5705272"/>
+            <a:ext cx="1138137" cy="141051"/>
           </a:xfrm>
           <a:prstGeom prst="straightConnector1">
             <a:avLst/>
@@ -13420,14 +19600,14 @@
             </a:extLst>
           </p:cNvPr>
           <p:cNvCxnSpPr>
-            <a:stCxn id="14" idx="3"/>
+            <a:cxnSpLocks/>
           </p:cNvCxnSpPr>
           <p:nvPr/>
         </p:nvCxnSpPr>
         <p:spPr>
           <a:xfrm>
-            <a:off x="3829776" y="4150265"/>
-            <a:ext cx="1423160" cy="694008"/>
+            <a:off x="4304321" y="4307731"/>
+            <a:ext cx="1350086" cy="638857"/>
           </a:xfrm>
           <a:prstGeom prst="straightConnector1">
             <a:avLst/>
@@ -13460,13 +19640,15 @@
               </a:ext>
             </a:extLst>
           </p:cNvPr>
-          <p:cNvCxnSpPr/>
+          <p:cNvCxnSpPr>
+            <a:cxnSpLocks/>
+          </p:cNvCxnSpPr>
           <p:nvPr/>
         </p:nvCxnSpPr>
         <p:spPr>
           <a:xfrm flipV="1">
-            <a:off x="4001141" y="5173696"/>
-            <a:ext cx="1154519" cy="531576"/>
+            <a:off x="4279479" y="5217607"/>
+            <a:ext cx="1374928" cy="390525"/>
           </a:xfrm>
           <a:prstGeom prst="straightConnector1">
             <a:avLst/>
@@ -13504,7 +19686,7 @@
         </p:nvCxnSpPr>
         <p:spPr>
           <a:xfrm>
-            <a:off x="6770451" y="5001739"/>
+            <a:off x="7220154" y="5001739"/>
             <a:ext cx="1536970" cy="0"/>
           </a:xfrm>
           <a:prstGeom prst="straightConnector1">
@@ -13543,7 +19725,7 @@
         </p:nvCxnSpPr>
         <p:spPr>
           <a:xfrm>
-            <a:off x="9377464" y="2519464"/>
+            <a:off x="9827167" y="2519464"/>
             <a:ext cx="0" cy="1630801"/>
           </a:xfrm>
           <a:prstGeom prst="straightConnector1">
@@ -13582,7 +19764,7 @@
         </p:nvSpPr>
         <p:spPr>
           <a:xfrm>
-            <a:off x="10593421" y="4844273"/>
+            <a:off x="11043124" y="4844273"/>
             <a:ext cx="749030" cy="329423"/>
           </a:xfrm>
           <a:prstGeom prst="rightArrow">
@@ -13627,7 +19809,7 @@
 </p:sld>
 </file>
 
-<file path=ppt/slides/slide5.xml><?xml version="1.0" encoding="utf-8"?>
+<file path=ppt/slides/slide6.xml><?xml version="1.0" encoding="utf-8"?>
 <p:sld xmlns:a="http://schemas.openxmlformats.org/drawingml/2006/main" xmlns:r="http://schemas.openxmlformats.org/officeDocument/2006/relationships" xmlns:p="http://schemas.openxmlformats.org/presentationml/2006/main">
   <p:cSld>
     <p:spTree>
@@ -13932,7 +20114,7 @@
 </p:sld>
 </file>
 
-<file path=ppt/slides/slide6.xml><?xml version="1.0" encoding="utf-8"?>
+<file path=ppt/slides/slide7.xml><?xml version="1.0" encoding="utf-8"?>
 <p:sld xmlns:a="http://schemas.openxmlformats.org/drawingml/2006/main" xmlns:r="http://schemas.openxmlformats.org/officeDocument/2006/relationships" xmlns:p="http://schemas.openxmlformats.org/presentationml/2006/main">
   <p:cSld>
     <p:spTree>
@@ -14025,7 +20207,7 @@
 </p:sld>
 </file>
 
-<file path=ppt/slides/slide7.xml><?xml version="1.0" encoding="utf-8"?>
+<file path=ppt/slides/slide8.xml><?xml version="1.0" encoding="utf-8"?>
 <p:sld xmlns:a="http://schemas.openxmlformats.org/drawingml/2006/main" xmlns:r="http://schemas.openxmlformats.org/officeDocument/2006/relationships" xmlns:p="http://schemas.openxmlformats.org/presentationml/2006/main">
   <p:cSld>
     <p:spTree>
@@ -14294,7 +20476,7 @@
 </p:sld>
 </file>
 
-<file path=ppt/slides/slide8.xml><?xml version="1.0" encoding="utf-8"?>
+<file path=ppt/slides/slide9.xml><?xml version="1.0" encoding="utf-8"?>
 <p:sld xmlns:a="http://schemas.openxmlformats.org/drawingml/2006/main" xmlns:r="http://schemas.openxmlformats.org/officeDocument/2006/relationships" xmlns:p="http://schemas.openxmlformats.org/presentationml/2006/main">
   <p:cSld>
     <p:bg>
@@ -14500,272 +20682,6 @@
     <p:extLst>
       <p:ext uri="{BB962C8B-B14F-4D97-AF65-F5344CB8AC3E}">
         <p14:creationId xmlns:p14="http://schemas.microsoft.com/office/powerpoint/2010/main" val="1191957055"/>
-      </p:ext>
-    </p:extLst>
-  </p:cSld>
-  <p:clrMapOvr>
-    <a:masterClrMapping/>
-  </p:clrMapOvr>
-</p:sld>
-</file>
-
-<file path=ppt/slides/slide9.xml><?xml version="1.0" encoding="utf-8"?>
-<p:sld xmlns:a="http://schemas.openxmlformats.org/drawingml/2006/main" xmlns:r="http://schemas.openxmlformats.org/officeDocument/2006/relationships" xmlns:p="http://schemas.openxmlformats.org/presentationml/2006/main">
-  <p:cSld>
-    <p:spTree>
-      <p:nvGrpSpPr>
-        <p:cNvPr id="1" name=""/>
-        <p:cNvGrpSpPr/>
-        <p:nvPr/>
-      </p:nvGrpSpPr>
-      <p:grpSpPr>
-        <a:xfrm>
-          <a:off x="0" y="0"/>
-          <a:ext cx="0" cy="0"/>
-          <a:chOff x="0" y="0"/>
-          <a:chExt cx="0" cy="0"/>
-        </a:xfrm>
-      </p:grpSpPr>
-      <p:sp>
-        <p:nvSpPr>
-          <p:cNvPr id="2" name="Title 1">
-            <a:extLst>
-              <a:ext uri="{FF2B5EF4-FFF2-40B4-BE49-F238E27FC236}">
-                <a16:creationId xmlns:a16="http://schemas.microsoft.com/office/drawing/2014/main" id="{0C90C232-8A23-40FA-03A3-3E3F5CE3FD7D}"/>
-              </a:ext>
-            </a:extLst>
-          </p:cNvPr>
-          <p:cNvSpPr>
-            <a:spLocks noGrp="1"/>
-          </p:cNvSpPr>
-          <p:nvPr>
-            <p:ph type="title"/>
-          </p:nvPr>
-        </p:nvSpPr>
-        <p:spPr/>
-        <p:txBody>
-          <a:bodyPr/>
-          <a:lstStyle/>
-          <a:p>
-            <a:endParaRPr lang="en-US" dirty="0"/>
-          </a:p>
-        </p:txBody>
-      </p:sp>
-      <p:sp>
-        <p:nvSpPr>
-          <p:cNvPr id="3" name="Text Placeholder 2">
-            <a:extLst>
-              <a:ext uri="{FF2B5EF4-FFF2-40B4-BE49-F238E27FC236}">
-                <a16:creationId xmlns:a16="http://schemas.microsoft.com/office/drawing/2014/main" id="{6906A950-CF65-58FB-54E7-CA37CFFBE985}"/>
-              </a:ext>
-            </a:extLst>
-          </p:cNvPr>
-          <p:cNvSpPr>
-            <a:spLocks noGrp="1"/>
-          </p:cNvSpPr>
-          <p:nvPr>
-            <p:ph type="body" idx="1"/>
-          </p:nvPr>
-        </p:nvSpPr>
-        <p:spPr/>
-        <p:txBody>
-          <a:bodyPr/>
-          <a:lstStyle/>
-          <a:p>
-            <a:r>
-              <a:rPr lang="en-US" dirty="0"/>
-              <a:t>Problem faced</a:t>
-            </a:r>
-          </a:p>
-        </p:txBody>
-      </p:sp>
-      <p:sp>
-        <p:nvSpPr>
-          <p:cNvPr id="4" name="Content Placeholder 3">
-            <a:extLst>
-              <a:ext uri="{FF2B5EF4-FFF2-40B4-BE49-F238E27FC236}">
-                <a16:creationId xmlns:a16="http://schemas.microsoft.com/office/drawing/2014/main" id="{BB5774D5-7B33-8FE1-4D6D-8CDD9DE975E5}"/>
-              </a:ext>
-            </a:extLst>
-          </p:cNvPr>
-          <p:cNvSpPr>
-            <a:spLocks noGrp="1"/>
-          </p:cNvSpPr>
-          <p:nvPr>
-            <p:ph sz="half" idx="2"/>
-          </p:nvPr>
-        </p:nvSpPr>
-        <p:spPr/>
-        <p:txBody>
-          <a:bodyPr>
-            <a:normAutofit/>
-          </a:bodyPr>
-          <a:lstStyle/>
-          <a:p>
-            <a:r>
-              <a:rPr lang="en-US" sz="2000" dirty="0"/>
-              <a:t>Failed to create new </a:t>
-            </a:r>
-            <a:r>
-              <a:rPr lang="en-US" sz="2000" dirty="0" err="1"/>
-              <a:t>KafkaAdminClient</a:t>
-            </a:r>
-            <a:endParaRPr lang="en-US" sz="2000" dirty="0"/>
-          </a:p>
-          <a:p>
-            <a:r>
-              <a:rPr lang="en-US" sz="2000" dirty="0"/>
-              <a:t>getting error -Py4JJavaError: An error occurred while calling o39.load. </a:t>
-            </a:r>
-          </a:p>
-          <a:p>
-            <a:r>
-              <a:rPr lang="en-US" sz="2000" dirty="0"/>
-              <a:t>Main Data was stored only in  value .</a:t>
-            </a:r>
-          </a:p>
-        </p:txBody>
-      </p:sp>
-      <p:sp>
-        <p:nvSpPr>
-          <p:cNvPr id="5" name="Text Placeholder 4">
-            <a:extLst>
-              <a:ext uri="{FF2B5EF4-FFF2-40B4-BE49-F238E27FC236}">
-                <a16:creationId xmlns:a16="http://schemas.microsoft.com/office/drawing/2014/main" id="{C0103F4F-BD45-AB84-C979-C3271EBAA840}"/>
-              </a:ext>
-            </a:extLst>
-          </p:cNvPr>
-          <p:cNvSpPr>
-            <a:spLocks noGrp="1"/>
-          </p:cNvSpPr>
-          <p:nvPr>
-            <p:ph type="body" sz="quarter" idx="3"/>
-          </p:nvPr>
-        </p:nvSpPr>
-        <p:spPr/>
-        <p:txBody>
-          <a:bodyPr/>
-          <a:lstStyle/>
-          <a:p>
-            <a:r>
-              <a:rPr lang="en-US" dirty="0"/>
-              <a:t>Solution to the Problem </a:t>
-            </a:r>
-          </a:p>
-        </p:txBody>
-      </p:sp>
-      <p:sp>
-        <p:nvSpPr>
-          <p:cNvPr id="6" name="Content Placeholder 5">
-            <a:extLst>
-              <a:ext uri="{FF2B5EF4-FFF2-40B4-BE49-F238E27FC236}">
-                <a16:creationId xmlns:a16="http://schemas.microsoft.com/office/drawing/2014/main" id="{B3619215-945E-BA38-A04D-5CC0369BEB67}"/>
-              </a:ext>
-            </a:extLst>
-          </p:cNvPr>
-          <p:cNvSpPr>
-            <a:spLocks noGrp="1"/>
-          </p:cNvSpPr>
-          <p:nvPr>
-            <p:ph sz="quarter" idx="4"/>
-          </p:nvPr>
-        </p:nvSpPr>
-        <p:spPr>
-          <a:xfrm>
-            <a:off x="6172199" y="2505075"/>
-            <a:ext cx="5520447" cy="3684588"/>
-          </a:xfrm>
-        </p:spPr>
-        <p:txBody>
-          <a:bodyPr>
-            <a:normAutofit/>
-          </a:bodyPr>
-          <a:lstStyle/>
-          <a:p>
-            <a:r>
-              <a:rPr lang="en-US" sz="2000" dirty="0"/>
-              <a:t>While creating spark session set jar  </a:t>
-            </a:r>
-            <a:r>
-              <a:rPr lang="en-US" sz="1000" b="1" dirty="0"/>
-              <a:t>config("</a:t>
-            </a:r>
-            <a:r>
-              <a:rPr lang="en-US" sz="1000" b="1" dirty="0" err="1"/>
-              <a:t>spark.jars.packages</a:t>
-            </a:r>
-            <a:r>
-              <a:rPr lang="en-US" sz="1000" b="1" dirty="0"/>
-              <a:t>", "org.apache.spark:spark-sql-kafka-0-10_2.12:3.2.0,org.apache.kafka:kafka-clients:3.5.2") \</a:t>
-            </a:r>
-          </a:p>
-          <a:p>
-            <a:r>
-              <a:rPr lang="en-US" sz="2000" dirty="0"/>
-              <a:t>Also pass right Kafka </a:t>
-            </a:r>
-            <a:r>
-              <a:rPr lang="en-US" sz="2000" dirty="0" err="1"/>
-              <a:t>bootstrap.servers</a:t>
-            </a:r>
-            <a:r>
-              <a:rPr lang="en-US" sz="2000" dirty="0"/>
-              <a:t> and </a:t>
-            </a:r>
-            <a:r>
-              <a:rPr lang="en-US" sz="2000" dirty="0" err="1"/>
-              <a:t>kafka</a:t>
-            </a:r>
-            <a:r>
-              <a:rPr lang="en-US" sz="2000" dirty="0"/>
-              <a:t> topic while  </a:t>
-            </a:r>
-            <a:r>
-              <a:rPr lang="en-US" sz="2000" b="1" dirty="0" err="1"/>
-              <a:t>spark.readStream</a:t>
-            </a:r>
-            <a:endParaRPr lang="en-US" sz="2000" b="1" dirty="0"/>
-          </a:p>
-          <a:p>
-            <a:r>
-              <a:rPr lang="en-US" sz="2000" b="1" dirty="0"/>
-              <a:t>Cast</a:t>
-            </a:r>
-            <a:r>
-              <a:rPr lang="en-US" sz="2000" dirty="0"/>
-              <a:t> value to string and then use </a:t>
-            </a:r>
-            <a:r>
-              <a:rPr lang="en-US" sz="2000" dirty="0" err="1"/>
-              <a:t>from_jsom</a:t>
-            </a:r>
-            <a:r>
-              <a:rPr lang="en-US" sz="2000" dirty="0"/>
-              <a:t> to take Json data and use explode to </a:t>
-            </a:r>
-            <a:r>
-              <a:rPr lang="en-US" sz="2000" b="1" dirty="0"/>
-              <a:t>flatten</a:t>
-            </a:r>
-            <a:r>
-              <a:rPr lang="en-US" sz="2000" dirty="0"/>
-              <a:t> the </a:t>
-            </a:r>
-            <a:r>
-              <a:rPr lang="en-US" sz="2000" dirty="0" err="1"/>
-              <a:t>json</a:t>
-            </a:r>
-            <a:r>
-              <a:rPr lang="en-US" sz="2000" dirty="0"/>
-              <a:t> </a:t>
-            </a:r>
-          </a:p>
-        </p:txBody>
-      </p:sp>
-    </p:spTree>
-    <p:extLst>
-      <p:ext uri="{BB962C8B-B14F-4D97-AF65-F5344CB8AC3E}">
-        <p14:creationId xmlns:p14="http://schemas.microsoft.com/office/powerpoint/2010/main" val="3567786875"/>
       </p:ext>
     </p:extLst>
   </p:cSld>

--- a/DataEnggFinalProjectPPT.pptx
+++ b/DataEnggFinalProjectPPT.pptx
@@ -216,7 +216,7 @@
           <a:p>
             <a:fld id="{93967DB5-A3E6-4610-A4F6-DB08F46D69A3}" type="datetimeFigureOut">
               <a:rPr lang="en-US" smtClean="0"/>
-              <a:t>12/6/2024</a:t>
+              <a:t>12/6/24</a:t>
             </a:fld>
             <a:endParaRPr lang="en-US"/>
           </a:p>
@@ -1673,7 +1673,7 @@
           <a:p>
             <a:fld id="{B07D26D2-3556-45FC-B13E-3E27378A0FD4}" type="datetimeFigureOut">
               <a:rPr lang="en-US" smtClean="0"/>
-              <a:t>12/6/2024</a:t>
+              <a:t>12/6/24</a:t>
             </a:fld>
             <a:endParaRPr lang="en-US"/>
           </a:p>
@@ -1873,7 +1873,7 @@
           <a:p>
             <a:fld id="{B07D26D2-3556-45FC-B13E-3E27378A0FD4}" type="datetimeFigureOut">
               <a:rPr lang="en-US" smtClean="0"/>
-              <a:t>12/6/2024</a:t>
+              <a:t>12/6/24</a:t>
             </a:fld>
             <a:endParaRPr lang="en-US"/>
           </a:p>
@@ -2149,7 +2149,7 @@
           <a:p>
             <a:fld id="{B07D26D2-3556-45FC-B13E-3E27378A0FD4}" type="datetimeFigureOut">
               <a:rPr lang="en-US" smtClean="0"/>
-              <a:t>12/6/2024</a:t>
+              <a:t>12/6/24</a:t>
             </a:fld>
             <a:endParaRPr lang="en-US"/>
           </a:p>
@@ -2417,7 +2417,7 @@
           <a:p>
             <a:fld id="{B07D26D2-3556-45FC-B13E-3E27378A0FD4}" type="datetimeFigureOut">
               <a:rPr lang="en-US" smtClean="0"/>
-              <a:t>12/6/2024</a:t>
+              <a:t>12/6/24</a:t>
             </a:fld>
             <a:endParaRPr lang="en-US"/>
           </a:p>
@@ -2832,7 +2832,7 @@
           <a:p>
             <a:fld id="{B07D26D2-3556-45FC-B13E-3E27378A0FD4}" type="datetimeFigureOut">
               <a:rPr lang="en-US" smtClean="0"/>
-              <a:t>12/6/2024</a:t>
+              <a:t>12/6/24</a:t>
             </a:fld>
             <a:endParaRPr lang="en-US"/>
           </a:p>
@@ -2974,7 +2974,7 @@
           <a:p>
             <a:fld id="{B07D26D2-3556-45FC-B13E-3E27378A0FD4}" type="datetimeFigureOut">
               <a:rPr lang="en-US" smtClean="0"/>
-              <a:t>12/6/2024</a:t>
+              <a:t>12/6/24</a:t>
             </a:fld>
             <a:endParaRPr lang="en-US"/>
           </a:p>
@@ -3087,7 +3087,7 @@
           <a:p>
             <a:fld id="{B07D26D2-3556-45FC-B13E-3E27378A0FD4}" type="datetimeFigureOut">
               <a:rPr lang="en-US" smtClean="0"/>
-              <a:t>12/6/2024</a:t>
+              <a:t>12/6/24</a:t>
             </a:fld>
             <a:endParaRPr lang="en-US"/>
           </a:p>
@@ -3595,7 +3595,7 @@
           <a:p>
             <a:fld id="{B07D26D2-3556-45FC-B13E-3E27378A0FD4}" type="datetimeFigureOut">
               <a:rPr lang="en-US" smtClean="0"/>
-              <a:t>12/6/2024</a:t>
+              <a:t>12/6/24</a:t>
             </a:fld>
             <a:endParaRPr lang="en-US"/>
           </a:p>
@@ -3884,7 +3884,7 @@
           <a:p>
             <a:fld id="{B07D26D2-3556-45FC-B13E-3E27378A0FD4}" type="datetimeFigureOut">
               <a:rPr lang="en-US" smtClean="0"/>
-              <a:t>12/6/2024</a:t>
+              <a:t>12/6/24</a:t>
             </a:fld>
             <a:endParaRPr lang="en-US"/>
           </a:p>
@@ -4084,7 +4084,7 @@
           <a:p>
             <a:fld id="{B07D26D2-3556-45FC-B13E-3E27378A0FD4}" type="datetimeFigureOut">
               <a:rPr lang="en-US" smtClean="0"/>
-              <a:t>12/6/2024</a:t>
+              <a:t>12/6/24</a:t>
             </a:fld>
             <a:endParaRPr lang="en-US"/>
           </a:p>
@@ -4294,7 +4294,7 @@
           <a:p>
             <a:fld id="{B07D26D2-3556-45FC-B13E-3E27378A0FD4}" type="datetimeFigureOut">
               <a:rPr lang="en-US" smtClean="0"/>
-              <a:t>12/6/2024</a:t>
+              <a:t>12/6/24</a:t>
             </a:fld>
             <a:endParaRPr lang="en-US"/>
           </a:p>
@@ -6874,7 +6874,7 @@
           <a:p>
             <a:fld id="{B07D26D2-3556-45FC-B13E-3E27378A0FD4}" type="datetimeFigureOut">
               <a:rPr lang="en-US" smtClean="0"/>
-              <a:t>12/6/2024</a:t>
+              <a:t>12/6/24</a:t>
             </a:fld>
             <a:endParaRPr lang="en-US"/>
           </a:p>
@@ -12876,744 +12876,51 @@
       </p:grpSpPr>
       <p:pic>
         <p:nvPicPr>
-          <p:cNvPr id="3" name="Picture 2">
-            <a:extLst>
-              <a:ext uri="{FF2B5EF4-FFF2-40B4-BE49-F238E27FC236}">
-                <a16:creationId xmlns:a16="http://schemas.microsoft.com/office/drawing/2014/main" id="{DA1D40E4-1E38-F69B-3C27-DB671F73D104}"/>
+          <p:cNvPr id="1026" name="Picture 2">
+            <a:extLst>
+              <a:ext uri="{FF2B5EF4-FFF2-40B4-BE49-F238E27FC236}">
+                <a16:creationId xmlns:a16="http://schemas.microsoft.com/office/drawing/2014/main" id="{C4378562-C366-EE9C-D3DD-9F10058F2E60}"/>
               </a:ext>
             </a:extLst>
           </p:cNvPr>
           <p:cNvPicPr>
-            <a:picLocks noChangeAspect="1"/>
+            <a:picLocks noChangeAspect="1" noChangeArrowheads="1"/>
           </p:cNvPicPr>
           <p:nvPr/>
         </p:nvPicPr>
         <p:blipFill>
-          <a:blip r:embed="rId2"/>
+          <a:blip r:embed="rId2">
+            <a:extLst>
+              <a:ext uri="{28A0092B-C50C-407E-A947-70E740481C1C}">
+                <a14:useLocalDpi xmlns:a14="http://schemas.microsoft.com/office/drawing/2010/main" val="0"/>
+              </a:ext>
+            </a:extLst>
+          </a:blip>
+          <a:srcRect/>
           <a:stretch>
             <a:fillRect/>
           </a:stretch>
         </p:blipFill>
-        <p:spPr>
-          <a:xfrm>
-            <a:off x="2260878" y="1350559"/>
-            <a:ext cx="1388827" cy="721915"/>
+        <p:spPr bwMode="auto">
+          <a:xfrm>
+            <a:off x="188119" y="0"/>
+            <a:ext cx="11815762" cy="7157060"/>
           </a:xfrm>
           <a:prstGeom prst="rect">
             <a:avLst/>
           </a:prstGeom>
+          <a:noFill/>
+          <a:extLst>
+            <a:ext uri="{909E8E84-426E-40DD-AFC4-6F175D3DCCD1}">
+              <a14:hiddenFill xmlns:a14="http://schemas.microsoft.com/office/drawing/2010/main">
+                <a:solidFill>
+                  <a:srgbClr val="FFFFFF"/>
+                </a:solidFill>
+              </a14:hiddenFill>
+            </a:ext>
+          </a:extLst>
         </p:spPr>
       </p:pic>
-      <p:pic>
-        <p:nvPicPr>
-          <p:cNvPr id="5" name="Picture 4">
-            <a:extLst>
-              <a:ext uri="{FF2B5EF4-FFF2-40B4-BE49-F238E27FC236}">
-                <a16:creationId xmlns:a16="http://schemas.microsoft.com/office/drawing/2014/main" id="{DDEACB79-3300-6FF3-944E-1D09E9008EE7}"/>
-              </a:ext>
-            </a:extLst>
-          </p:cNvPr>
-          <p:cNvPicPr>
-            <a:picLocks noChangeAspect="1"/>
-          </p:cNvPicPr>
-          <p:nvPr/>
-        </p:nvPicPr>
-        <p:blipFill>
-          <a:blip r:embed="rId3"/>
-          <a:stretch>
-            <a:fillRect/>
-          </a:stretch>
-        </p:blipFill>
-        <p:spPr>
-          <a:xfrm>
-            <a:off x="4214802" y="1121097"/>
-            <a:ext cx="1145058" cy="1180841"/>
-          </a:xfrm>
-          <a:prstGeom prst="rect">
-            <a:avLst/>
-          </a:prstGeom>
-        </p:spPr>
-      </p:pic>
-      <p:pic>
-        <p:nvPicPr>
-          <p:cNvPr id="7" name="Picture 6">
-            <a:extLst>
-              <a:ext uri="{FF2B5EF4-FFF2-40B4-BE49-F238E27FC236}">
-                <a16:creationId xmlns:a16="http://schemas.microsoft.com/office/drawing/2014/main" id="{E720DF20-0507-AD05-F194-D54F3A0D9A71}"/>
-              </a:ext>
-            </a:extLst>
-          </p:cNvPr>
-          <p:cNvPicPr>
-            <a:picLocks noChangeAspect="1"/>
-          </p:cNvPicPr>
-          <p:nvPr/>
-        </p:nvPicPr>
-        <p:blipFill>
-          <a:blip r:embed="rId4"/>
-          <a:stretch>
-            <a:fillRect/>
-          </a:stretch>
-        </p:blipFill>
-        <p:spPr>
-          <a:xfrm>
-            <a:off x="6178532" y="830768"/>
-            <a:ext cx="1724025" cy="1619250"/>
-          </a:xfrm>
-          <a:prstGeom prst="rect">
-            <a:avLst/>
-          </a:prstGeom>
-        </p:spPr>
-      </p:pic>
-      <p:pic>
-        <p:nvPicPr>
-          <p:cNvPr id="11" name="Picture 10">
-            <a:extLst>
-              <a:ext uri="{FF2B5EF4-FFF2-40B4-BE49-F238E27FC236}">
-                <a16:creationId xmlns:a16="http://schemas.microsoft.com/office/drawing/2014/main" id="{24EA1C7E-C67B-9E40-0722-200A33981D25}"/>
-              </a:ext>
-            </a:extLst>
-          </p:cNvPr>
-          <p:cNvPicPr>
-            <a:picLocks noChangeAspect="1"/>
-          </p:cNvPicPr>
-          <p:nvPr/>
-        </p:nvPicPr>
-        <p:blipFill>
-          <a:blip r:embed="rId5"/>
-          <a:stretch>
-            <a:fillRect/>
-          </a:stretch>
-        </p:blipFill>
-        <p:spPr>
-          <a:xfrm>
-            <a:off x="8967734" y="1520888"/>
-            <a:ext cx="876300" cy="781050"/>
-          </a:xfrm>
-          <a:prstGeom prst="rect">
-            <a:avLst/>
-          </a:prstGeom>
-        </p:spPr>
-      </p:pic>
-      <p:pic>
-        <p:nvPicPr>
-          <p:cNvPr id="13" name="Picture 12">
-            <a:extLst>
-              <a:ext uri="{FF2B5EF4-FFF2-40B4-BE49-F238E27FC236}">
-                <a16:creationId xmlns:a16="http://schemas.microsoft.com/office/drawing/2014/main" id="{E7690171-2F57-2FA6-220E-B6E0D549D565}"/>
-              </a:ext>
-            </a:extLst>
-          </p:cNvPr>
-          <p:cNvPicPr>
-            <a:picLocks noChangeAspect="1"/>
-          </p:cNvPicPr>
-          <p:nvPr/>
-        </p:nvPicPr>
-        <p:blipFill>
-          <a:blip r:embed="rId6"/>
-          <a:stretch>
-            <a:fillRect/>
-          </a:stretch>
-        </p:blipFill>
-        <p:spPr>
-          <a:xfrm>
-            <a:off x="129014" y="2619376"/>
-            <a:ext cx="1603138" cy="998032"/>
-          </a:xfrm>
-          <a:prstGeom prst="rect">
-            <a:avLst/>
-          </a:prstGeom>
-        </p:spPr>
-      </p:pic>
-      <p:pic>
-        <p:nvPicPr>
-          <p:cNvPr id="14" name="Picture 13">
-            <a:extLst>
-              <a:ext uri="{FF2B5EF4-FFF2-40B4-BE49-F238E27FC236}">
-                <a16:creationId xmlns:a16="http://schemas.microsoft.com/office/drawing/2014/main" id="{0A877248-324A-146A-285E-6D506D322999}"/>
-              </a:ext>
-            </a:extLst>
-          </p:cNvPr>
-          <p:cNvPicPr>
-            <a:picLocks noChangeAspect="1"/>
-          </p:cNvPicPr>
-          <p:nvPr/>
-        </p:nvPicPr>
-        <p:blipFill>
-          <a:blip r:embed="rId5"/>
-          <a:stretch>
-            <a:fillRect/>
-          </a:stretch>
-        </p:blipFill>
-        <p:spPr>
-          <a:xfrm>
-            <a:off x="2953476" y="3759740"/>
-            <a:ext cx="876300" cy="781050"/>
-          </a:xfrm>
-          <a:prstGeom prst="rect">
-            <a:avLst/>
-          </a:prstGeom>
-        </p:spPr>
-      </p:pic>
-      <p:pic>
-        <p:nvPicPr>
-          <p:cNvPr id="15" name="Picture 14">
-            <a:extLst>
-              <a:ext uri="{FF2B5EF4-FFF2-40B4-BE49-F238E27FC236}">
-                <a16:creationId xmlns:a16="http://schemas.microsoft.com/office/drawing/2014/main" id="{74F754FF-3434-FDF1-A61E-0218667E8C40}"/>
-              </a:ext>
-            </a:extLst>
-          </p:cNvPr>
-          <p:cNvPicPr>
-            <a:picLocks noChangeAspect="1"/>
-          </p:cNvPicPr>
-          <p:nvPr/>
-        </p:nvPicPr>
-        <p:blipFill>
-          <a:blip r:embed="rId5"/>
-          <a:stretch>
-            <a:fillRect/>
-          </a:stretch>
-        </p:blipFill>
-        <p:spPr>
-          <a:xfrm>
-            <a:off x="2904432" y="5173696"/>
-            <a:ext cx="876300" cy="781050"/>
-          </a:xfrm>
-          <a:prstGeom prst="rect">
-            <a:avLst/>
-          </a:prstGeom>
-        </p:spPr>
-      </p:pic>
-      <p:cxnSp>
-        <p:nvCxnSpPr>
-          <p:cNvPr id="17" name="Straight Arrow Connector 16">
-            <a:extLst>
-              <a:ext uri="{FF2B5EF4-FFF2-40B4-BE49-F238E27FC236}">
-                <a16:creationId xmlns:a16="http://schemas.microsoft.com/office/drawing/2014/main" id="{E0488218-2BA3-656E-58EC-3A7D2F14544D}"/>
-              </a:ext>
-            </a:extLst>
-          </p:cNvPr>
-          <p:cNvCxnSpPr/>
-          <p:nvPr/>
-        </p:nvCxnSpPr>
-        <p:spPr>
-          <a:xfrm flipV="1">
-            <a:off x="1336431" y="1911413"/>
-            <a:ext cx="803868" cy="538605"/>
-          </a:xfrm>
-          <a:prstGeom prst="straightConnector1">
-            <a:avLst/>
-          </a:prstGeom>
-          <a:ln>
-            <a:tailEnd type="triangle"/>
-          </a:ln>
-        </p:spPr>
-        <p:style>
-          <a:lnRef idx="2">
-            <a:schemeClr val="accent1"/>
-          </a:lnRef>
-          <a:fillRef idx="0">
-            <a:schemeClr val="accent1"/>
-          </a:fillRef>
-          <a:effectRef idx="1">
-            <a:schemeClr val="accent1"/>
-          </a:effectRef>
-          <a:fontRef idx="minor">
-            <a:schemeClr val="tx1"/>
-          </a:fontRef>
-        </p:style>
-      </p:cxnSp>
-      <p:cxnSp>
-        <p:nvCxnSpPr>
-          <p:cNvPr id="21" name="Straight Arrow Connector 20">
-            <a:extLst>
-              <a:ext uri="{FF2B5EF4-FFF2-40B4-BE49-F238E27FC236}">
-                <a16:creationId xmlns:a16="http://schemas.microsoft.com/office/drawing/2014/main" id="{8CFE9E0F-77FB-FBF2-D926-5F6B5859C463}"/>
-              </a:ext>
-            </a:extLst>
-          </p:cNvPr>
-          <p:cNvCxnSpPr/>
-          <p:nvPr/>
-        </p:nvCxnSpPr>
-        <p:spPr>
-          <a:xfrm>
-            <a:off x="3832698" y="1640393"/>
-            <a:ext cx="262647" cy="0"/>
-          </a:xfrm>
-          <a:prstGeom prst="straightConnector1">
-            <a:avLst/>
-          </a:prstGeom>
-          <a:ln>
-            <a:tailEnd type="triangle"/>
-          </a:ln>
-        </p:spPr>
-        <p:style>
-          <a:lnRef idx="2">
-            <a:schemeClr val="accent1"/>
-          </a:lnRef>
-          <a:fillRef idx="0">
-            <a:schemeClr val="accent1"/>
-          </a:fillRef>
-          <a:effectRef idx="1">
-            <a:schemeClr val="accent1"/>
-          </a:effectRef>
-          <a:fontRef idx="minor">
-            <a:schemeClr val="tx1"/>
-          </a:fontRef>
-        </p:style>
-      </p:cxnSp>
-      <p:cxnSp>
-        <p:nvCxnSpPr>
-          <p:cNvPr id="23" name="Straight Arrow Connector 22">
-            <a:extLst>
-              <a:ext uri="{FF2B5EF4-FFF2-40B4-BE49-F238E27FC236}">
-                <a16:creationId xmlns:a16="http://schemas.microsoft.com/office/drawing/2014/main" id="{6C6EAFD8-337B-D2D5-CD6F-7339EC10C3B6}"/>
-              </a:ext>
-            </a:extLst>
-          </p:cNvPr>
-          <p:cNvCxnSpPr>
-            <a:endCxn id="7" idx="1"/>
-          </p:cNvCxnSpPr>
-          <p:nvPr/>
-        </p:nvCxnSpPr>
-        <p:spPr>
-          <a:xfrm>
-            <a:off x="5564221" y="1640393"/>
-            <a:ext cx="614311" cy="0"/>
-          </a:xfrm>
-          <a:prstGeom prst="straightConnector1">
-            <a:avLst/>
-          </a:prstGeom>
-          <a:ln>
-            <a:tailEnd type="triangle"/>
-          </a:ln>
-        </p:spPr>
-        <p:style>
-          <a:lnRef idx="2">
-            <a:schemeClr val="accent1"/>
-          </a:lnRef>
-          <a:fillRef idx="0">
-            <a:schemeClr val="accent1"/>
-          </a:fillRef>
-          <a:effectRef idx="1">
-            <a:schemeClr val="accent1"/>
-          </a:effectRef>
-          <a:fontRef idx="minor">
-            <a:schemeClr val="tx1"/>
-          </a:fontRef>
-        </p:style>
-      </p:cxnSp>
-      <p:cxnSp>
-        <p:nvCxnSpPr>
-          <p:cNvPr id="25" name="Straight Arrow Connector 24">
-            <a:extLst>
-              <a:ext uri="{FF2B5EF4-FFF2-40B4-BE49-F238E27FC236}">
-                <a16:creationId xmlns:a16="http://schemas.microsoft.com/office/drawing/2014/main" id="{C1BE7475-1E91-41B6-CAB9-5A8E75DB1E8F}"/>
-              </a:ext>
-            </a:extLst>
-          </p:cNvPr>
-          <p:cNvCxnSpPr/>
-          <p:nvPr/>
-        </p:nvCxnSpPr>
-        <p:spPr>
-          <a:xfrm>
-            <a:off x="8180962" y="1640393"/>
-            <a:ext cx="612842" cy="188407"/>
-          </a:xfrm>
-          <a:prstGeom prst="straightConnector1">
-            <a:avLst/>
-          </a:prstGeom>
-          <a:ln>
-            <a:tailEnd type="triangle"/>
-          </a:ln>
-        </p:spPr>
-        <p:style>
-          <a:lnRef idx="2">
-            <a:schemeClr val="accent1"/>
-          </a:lnRef>
-          <a:fillRef idx="0">
-            <a:schemeClr val="accent1"/>
-          </a:fillRef>
-          <a:effectRef idx="1">
-            <a:schemeClr val="accent1"/>
-          </a:effectRef>
-          <a:fontRef idx="minor">
-            <a:schemeClr val="tx1"/>
-          </a:fontRef>
-        </p:style>
-      </p:cxnSp>
-      <p:pic>
-        <p:nvPicPr>
-          <p:cNvPr id="27" name="Picture 26">
-            <a:extLst>
-              <a:ext uri="{FF2B5EF4-FFF2-40B4-BE49-F238E27FC236}">
-                <a16:creationId xmlns:a16="http://schemas.microsoft.com/office/drawing/2014/main" id="{20941FE0-B65C-0E63-C9E5-EEE6DFCFBD10}"/>
-              </a:ext>
-            </a:extLst>
-          </p:cNvPr>
-          <p:cNvPicPr>
-            <a:picLocks noChangeAspect="1"/>
-          </p:cNvPicPr>
-          <p:nvPr/>
-        </p:nvPicPr>
-        <p:blipFill>
-          <a:blip r:embed="rId7"/>
-          <a:stretch>
-            <a:fillRect/>
-          </a:stretch>
-        </p:blipFill>
-        <p:spPr>
-          <a:xfrm>
-            <a:off x="183906" y="4844273"/>
-            <a:ext cx="1152525" cy="1819275"/>
-          </a:xfrm>
-          <a:prstGeom prst="rect">
-            <a:avLst/>
-          </a:prstGeom>
-        </p:spPr>
-      </p:pic>
-      <p:pic>
-        <p:nvPicPr>
-          <p:cNvPr id="2" name="Picture 1">
-            <a:extLst>
-              <a:ext uri="{FF2B5EF4-FFF2-40B4-BE49-F238E27FC236}">
-                <a16:creationId xmlns:a16="http://schemas.microsoft.com/office/drawing/2014/main" id="{6C8D37F8-58BC-92A1-3DC7-982E40CBF2F8}"/>
-              </a:ext>
-            </a:extLst>
-          </p:cNvPr>
-          <p:cNvPicPr>
-            <a:picLocks noChangeAspect="1"/>
-          </p:cNvPicPr>
-          <p:nvPr/>
-        </p:nvPicPr>
-        <p:blipFill>
-          <a:blip r:embed="rId5"/>
-          <a:stretch>
-            <a:fillRect/>
-          </a:stretch>
-        </p:blipFill>
-        <p:spPr>
-          <a:xfrm>
-            <a:off x="5614241" y="4556063"/>
-            <a:ext cx="876300" cy="781050"/>
-          </a:xfrm>
-          <a:prstGeom prst="rect">
-            <a:avLst/>
-          </a:prstGeom>
-        </p:spPr>
-      </p:pic>
-      <p:pic>
-        <p:nvPicPr>
-          <p:cNvPr id="10" name="Picture 9">
-            <a:extLst>
-              <a:ext uri="{FF2B5EF4-FFF2-40B4-BE49-F238E27FC236}">
-                <a16:creationId xmlns:a16="http://schemas.microsoft.com/office/drawing/2014/main" id="{99B0B577-29CF-9730-AE9B-549717D84D55}"/>
-              </a:ext>
-            </a:extLst>
-          </p:cNvPr>
-          <p:cNvPicPr>
-            <a:picLocks noChangeAspect="1"/>
-          </p:cNvPicPr>
-          <p:nvPr/>
-        </p:nvPicPr>
-        <p:blipFill>
-          <a:blip r:embed="rId8"/>
-          <a:stretch>
-            <a:fillRect/>
-          </a:stretch>
-        </p:blipFill>
-        <p:spPr>
-          <a:xfrm>
-            <a:off x="8643884" y="4458814"/>
-            <a:ext cx="1524000" cy="1085850"/>
-          </a:xfrm>
-          <a:prstGeom prst="rect">
-            <a:avLst/>
-          </a:prstGeom>
-        </p:spPr>
-      </p:pic>
-      <p:cxnSp>
-        <p:nvCxnSpPr>
-          <p:cNvPr id="24" name="Straight Arrow Connector 23">
-            <a:extLst>
-              <a:ext uri="{FF2B5EF4-FFF2-40B4-BE49-F238E27FC236}">
-                <a16:creationId xmlns:a16="http://schemas.microsoft.com/office/drawing/2014/main" id="{246FD011-F805-7EFA-BA98-C9856254B9D6}"/>
-              </a:ext>
-            </a:extLst>
-          </p:cNvPr>
-          <p:cNvCxnSpPr/>
-          <p:nvPr/>
-        </p:nvCxnSpPr>
-        <p:spPr>
-          <a:xfrm>
-            <a:off x="1857983" y="3429000"/>
-            <a:ext cx="924128" cy="627434"/>
-          </a:xfrm>
-          <a:prstGeom prst="straightConnector1">
-            <a:avLst/>
-          </a:prstGeom>
-          <a:ln>
-            <a:tailEnd type="triangle"/>
-          </a:ln>
-        </p:spPr>
-        <p:style>
-          <a:lnRef idx="2">
-            <a:schemeClr val="accent1"/>
-          </a:lnRef>
-          <a:fillRef idx="0">
-            <a:schemeClr val="accent1"/>
-          </a:fillRef>
-          <a:effectRef idx="1">
-            <a:schemeClr val="accent1"/>
-          </a:effectRef>
-          <a:fontRef idx="minor">
-            <a:schemeClr val="tx1"/>
-          </a:fontRef>
-        </p:style>
-      </p:cxnSp>
-      <p:cxnSp>
-        <p:nvCxnSpPr>
-          <p:cNvPr id="28" name="Straight Arrow Connector 27">
-            <a:extLst>
-              <a:ext uri="{FF2B5EF4-FFF2-40B4-BE49-F238E27FC236}">
-                <a16:creationId xmlns:a16="http://schemas.microsoft.com/office/drawing/2014/main" id="{71F86427-4242-DCF5-EE03-003CC692DDBD}"/>
-              </a:ext>
-            </a:extLst>
-          </p:cNvPr>
-          <p:cNvCxnSpPr/>
-          <p:nvPr/>
-        </p:nvCxnSpPr>
-        <p:spPr>
-          <a:xfrm flipV="1">
-            <a:off x="1643974" y="5564221"/>
-            <a:ext cx="1001949" cy="282102"/>
-          </a:xfrm>
-          <a:prstGeom prst="straightConnector1">
-            <a:avLst/>
-          </a:prstGeom>
-          <a:ln>
-            <a:tailEnd type="triangle"/>
-          </a:ln>
-        </p:spPr>
-        <p:style>
-          <a:lnRef idx="2">
-            <a:schemeClr val="accent1"/>
-          </a:lnRef>
-          <a:fillRef idx="0">
-            <a:schemeClr val="accent1"/>
-          </a:fillRef>
-          <a:effectRef idx="1">
-            <a:schemeClr val="accent1"/>
-          </a:effectRef>
-          <a:fontRef idx="minor">
-            <a:schemeClr val="tx1"/>
-          </a:fontRef>
-        </p:style>
-      </p:cxnSp>
-      <p:cxnSp>
-        <p:nvCxnSpPr>
-          <p:cNvPr id="31" name="Straight Arrow Connector 30">
-            <a:extLst>
-              <a:ext uri="{FF2B5EF4-FFF2-40B4-BE49-F238E27FC236}">
-                <a16:creationId xmlns:a16="http://schemas.microsoft.com/office/drawing/2014/main" id="{91472116-FF80-5FFD-C13D-91217E30553A}"/>
-              </a:ext>
-            </a:extLst>
-          </p:cNvPr>
-          <p:cNvCxnSpPr>
-            <a:stCxn id="14" idx="3"/>
-          </p:cNvCxnSpPr>
-          <p:nvPr/>
-        </p:nvCxnSpPr>
-        <p:spPr>
-          <a:xfrm>
-            <a:off x="3829776" y="4150265"/>
-            <a:ext cx="1423160" cy="694008"/>
-          </a:xfrm>
-          <a:prstGeom prst="straightConnector1">
-            <a:avLst/>
-          </a:prstGeom>
-          <a:ln>
-            <a:tailEnd type="triangle"/>
-          </a:ln>
-        </p:spPr>
-        <p:style>
-          <a:lnRef idx="2">
-            <a:schemeClr val="accent1"/>
-          </a:lnRef>
-          <a:fillRef idx="0">
-            <a:schemeClr val="accent1"/>
-          </a:fillRef>
-          <a:effectRef idx="1">
-            <a:schemeClr val="accent1"/>
-          </a:effectRef>
-          <a:fontRef idx="minor">
-            <a:schemeClr val="tx1"/>
-          </a:fontRef>
-        </p:style>
-      </p:cxnSp>
-      <p:cxnSp>
-        <p:nvCxnSpPr>
-          <p:cNvPr id="33" name="Straight Arrow Connector 32">
-            <a:extLst>
-              <a:ext uri="{FF2B5EF4-FFF2-40B4-BE49-F238E27FC236}">
-                <a16:creationId xmlns:a16="http://schemas.microsoft.com/office/drawing/2014/main" id="{E4BF43D6-F783-D73A-1E08-876F3E37A052}"/>
-              </a:ext>
-            </a:extLst>
-          </p:cNvPr>
-          <p:cNvCxnSpPr/>
-          <p:nvPr/>
-        </p:nvCxnSpPr>
-        <p:spPr>
-          <a:xfrm flipV="1">
-            <a:off x="4001141" y="5173696"/>
-            <a:ext cx="1154519" cy="531576"/>
-          </a:xfrm>
-          <a:prstGeom prst="straightConnector1">
-            <a:avLst/>
-          </a:prstGeom>
-          <a:ln>
-            <a:tailEnd type="triangle"/>
-          </a:ln>
-        </p:spPr>
-        <p:style>
-          <a:lnRef idx="2">
-            <a:schemeClr val="accent1"/>
-          </a:lnRef>
-          <a:fillRef idx="0">
-            <a:schemeClr val="accent1"/>
-          </a:fillRef>
-          <a:effectRef idx="1">
-            <a:schemeClr val="accent1"/>
-          </a:effectRef>
-          <a:fontRef idx="minor">
-            <a:schemeClr val="tx1"/>
-          </a:fontRef>
-        </p:style>
-      </p:cxnSp>
-      <p:cxnSp>
-        <p:nvCxnSpPr>
-          <p:cNvPr id="35" name="Straight Arrow Connector 34">
-            <a:extLst>
-              <a:ext uri="{FF2B5EF4-FFF2-40B4-BE49-F238E27FC236}">
-                <a16:creationId xmlns:a16="http://schemas.microsoft.com/office/drawing/2014/main" id="{8509FA7B-293E-1847-4745-AF79F69BEDC7}"/>
-              </a:ext>
-            </a:extLst>
-          </p:cNvPr>
-          <p:cNvCxnSpPr/>
-          <p:nvPr/>
-        </p:nvCxnSpPr>
-        <p:spPr>
-          <a:xfrm>
-            <a:off x="6770451" y="5001739"/>
-            <a:ext cx="1536970" cy="0"/>
-          </a:xfrm>
-          <a:prstGeom prst="straightConnector1">
-            <a:avLst/>
-          </a:prstGeom>
-          <a:ln>
-            <a:tailEnd type="triangle"/>
-          </a:ln>
-        </p:spPr>
-        <p:style>
-          <a:lnRef idx="2">
-            <a:schemeClr val="accent1"/>
-          </a:lnRef>
-          <a:fillRef idx="0">
-            <a:schemeClr val="accent1"/>
-          </a:fillRef>
-          <a:effectRef idx="1">
-            <a:schemeClr val="accent1"/>
-          </a:effectRef>
-          <a:fontRef idx="minor">
-            <a:schemeClr val="tx1"/>
-          </a:fontRef>
-        </p:style>
-      </p:cxnSp>
-      <p:cxnSp>
-        <p:nvCxnSpPr>
-          <p:cNvPr id="6" name="Straight Arrow Connector 5">
-            <a:extLst>
-              <a:ext uri="{FF2B5EF4-FFF2-40B4-BE49-F238E27FC236}">
-                <a16:creationId xmlns:a16="http://schemas.microsoft.com/office/drawing/2014/main" id="{58901D2D-01C7-0591-71D3-163F44689745}"/>
-              </a:ext>
-            </a:extLst>
-          </p:cNvPr>
-          <p:cNvCxnSpPr/>
-          <p:nvPr/>
-        </p:nvCxnSpPr>
-        <p:spPr>
-          <a:xfrm>
-            <a:off x="9377464" y="2519464"/>
-            <a:ext cx="0" cy="1630801"/>
-          </a:xfrm>
-          <a:prstGeom prst="straightConnector1">
-            <a:avLst/>
-          </a:prstGeom>
-          <a:ln>
-            <a:tailEnd type="triangle"/>
-          </a:ln>
-        </p:spPr>
-        <p:style>
-          <a:lnRef idx="2">
-            <a:schemeClr val="accent1"/>
-          </a:lnRef>
-          <a:fillRef idx="0">
-            <a:schemeClr val="accent1"/>
-          </a:fillRef>
-          <a:effectRef idx="1">
-            <a:schemeClr val="accent1"/>
-          </a:effectRef>
-          <a:fontRef idx="minor">
-            <a:schemeClr val="tx1"/>
-          </a:fontRef>
-        </p:style>
-      </p:cxnSp>
-      <p:sp>
-        <p:nvSpPr>
-          <p:cNvPr id="8" name="Arrow: Right 7">
-            <a:extLst>
-              <a:ext uri="{FF2B5EF4-FFF2-40B4-BE49-F238E27FC236}">
-                <a16:creationId xmlns:a16="http://schemas.microsoft.com/office/drawing/2014/main" id="{62AB387F-89D2-D6CB-CD78-9C0DC2013904}"/>
-              </a:ext>
-            </a:extLst>
-          </p:cNvPr>
-          <p:cNvSpPr/>
-          <p:nvPr/>
-        </p:nvSpPr>
-        <p:spPr>
-          <a:xfrm>
-            <a:off x="10593421" y="4844273"/>
-            <a:ext cx="749030" cy="329423"/>
-          </a:xfrm>
-          <a:prstGeom prst="rightArrow">
-            <a:avLst/>
-          </a:prstGeom>
-        </p:spPr>
-        <p:style>
-          <a:lnRef idx="2">
-            <a:schemeClr val="accent1">
-              <a:shade val="15000"/>
-            </a:schemeClr>
-          </a:lnRef>
-          <a:fillRef idx="1">
-            <a:schemeClr val="accent1"/>
-          </a:fillRef>
-          <a:effectRef idx="0">
-            <a:schemeClr val="accent1"/>
-          </a:effectRef>
-          <a:fontRef idx="minor">
-            <a:schemeClr val="lt1"/>
-          </a:fontRef>
-        </p:style>
-        <p:txBody>
-          <a:bodyPr rtlCol="0" anchor="ctr"/>
-          <a:lstStyle/>
-          <a:p>
-            <a:pPr algn="ctr"/>
-            <a:endParaRPr lang="en-US"/>
-          </a:p>
-        </p:txBody>
-      </p:sp>
     </p:spTree>
     <p:extLst>
       <p:ext uri="{BB962C8B-B14F-4D97-AF65-F5344CB8AC3E}">

--- a/DataEnggFinalProjectPPT.pptx
+++ b/DataEnggFinalProjectPPT.pptx
@@ -6,28 +6,30 @@
     <p:sldMasterId id="2147483673" r:id="rId2"/>
   </p:sldMasterIdLst>
   <p:notesMasterIdLst>
-    <p:notesMasterId r:id="rId22"/>
+    <p:notesMasterId r:id="rId24"/>
   </p:notesMasterIdLst>
   <p:sldIdLst>
     <p:sldId id="266" r:id="rId3"/>
     <p:sldId id="273" r:id="rId4"/>
-    <p:sldId id="1608" r:id="rId5"/>
-    <p:sldId id="257" r:id="rId6"/>
-    <p:sldId id="258" r:id="rId7"/>
-    <p:sldId id="260" r:id="rId8"/>
-    <p:sldId id="259" r:id="rId9"/>
-    <p:sldId id="1614" r:id="rId10"/>
-    <p:sldId id="1615" r:id="rId11"/>
-    <p:sldId id="1612" r:id="rId12"/>
-    <p:sldId id="1609" r:id="rId13"/>
-    <p:sldId id="1610" r:id="rId14"/>
-    <p:sldId id="1611" r:id="rId15"/>
-    <p:sldId id="1616" r:id="rId16"/>
-    <p:sldId id="268" r:id="rId17"/>
-    <p:sldId id="269" r:id="rId18"/>
-    <p:sldId id="270" r:id="rId19"/>
-    <p:sldId id="1613" r:id="rId20"/>
-    <p:sldId id="265" r:id="rId21"/>
+    <p:sldId id="1619" r:id="rId5"/>
+    <p:sldId id="1617" r:id="rId6"/>
+    <p:sldId id="1608" r:id="rId7"/>
+    <p:sldId id="257" r:id="rId8"/>
+    <p:sldId id="258" r:id="rId9"/>
+    <p:sldId id="260" r:id="rId10"/>
+    <p:sldId id="259" r:id="rId11"/>
+    <p:sldId id="1614" r:id="rId12"/>
+    <p:sldId id="1615" r:id="rId13"/>
+    <p:sldId id="1612" r:id="rId14"/>
+    <p:sldId id="1609" r:id="rId15"/>
+    <p:sldId id="1610" r:id="rId16"/>
+    <p:sldId id="1611" r:id="rId17"/>
+    <p:sldId id="1616" r:id="rId18"/>
+    <p:sldId id="268" r:id="rId19"/>
+    <p:sldId id="269" r:id="rId20"/>
+    <p:sldId id="270" r:id="rId21"/>
+    <p:sldId id="1613" r:id="rId22"/>
+    <p:sldId id="265" r:id="rId23"/>
   </p:sldIdLst>
   <p:sldSz cx="12192000" cy="6858000"/>
   <p:notesSz cx="6858000" cy="9144000"/>
@@ -132,6 +134,2927 @@
     </p:ext>
   </p:extLst>
 </p:presentation>
+</file>
+
+<file path=ppt/diagrams/colors1.xml><?xml version="1.0" encoding="utf-8"?>
+<dgm:colorsDef xmlns:dgm="http://schemas.openxmlformats.org/drawingml/2006/diagram" xmlns:a="http://schemas.openxmlformats.org/drawingml/2006/main" uniqueId="urn:microsoft.com/office/officeart/2018/5/colors/Iconchunking_neutralbg_accent1_2">
+  <dgm:title val=""/>
+  <dgm:desc val=""/>
+  <dgm:catLst>
+    <dgm:cat type="accent1" pri="11200"/>
+  </dgm:catLst>
+  <dgm:styleLbl name="node0">
+    <dgm:fillClrLst meth="repeat">
+      <a:schemeClr val="accent1"/>
+    </dgm:fillClrLst>
+    <dgm:linClrLst meth="repeat">
+      <a:schemeClr val="lt1"/>
+    </dgm:linClrLst>
+    <dgm:effectClrLst/>
+    <dgm:txLinClrLst/>
+    <dgm:txFillClrLst/>
+    <dgm:txEffectClrLst/>
+  </dgm:styleLbl>
+  <dgm:styleLbl name="alignNode1">
+    <dgm:fillClrLst meth="repeat">
+      <a:schemeClr val="accent1"/>
+    </dgm:fillClrLst>
+    <dgm:linClrLst meth="repeat">
+      <a:schemeClr val="accent1"/>
+    </dgm:linClrLst>
+    <dgm:effectClrLst/>
+    <dgm:txLinClrLst/>
+    <dgm:txFillClrLst/>
+    <dgm:txEffectClrLst/>
+  </dgm:styleLbl>
+  <dgm:styleLbl name="node1">
+    <dgm:fillClrLst meth="repeat">
+      <a:schemeClr val="accent1"/>
+    </dgm:fillClrLst>
+    <dgm:linClrLst meth="repeat">
+      <a:schemeClr val="lt1">
+        <a:alpha val="0"/>
+      </a:schemeClr>
+    </dgm:linClrLst>
+    <dgm:effectClrLst/>
+    <dgm:txLinClrLst/>
+    <dgm:txFillClrLst/>
+    <dgm:txEffectClrLst/>
+  </dgm:styleLbl>
+  <dgm:styleLbl name="lnNode1">
+    <dgm:fillClrLst meth="repeat">
+      <a:schemeClr val="accent1"/>
+    </dgm:fillClrLst>
+    <dgm:linClrLst meth="repeat">
+      <a:schemeClr val="lt1"/>
+    </dgm:linClrLst>
+    <dgm:effectClrLst/>
+    <dgm:txLinClrLst/>
+    <dgm:txFillClrLst/>
+    <dgm:txEffectClrLst/>
+  </dgm:styleLbl>
+  <dgm:styleLbl name="vennNode1">
+    <dgm:fillClrLst meth="repeat">
+      <a:schemeClr val="accent1">
+        <a:alpha val="50000"/>
+      </a:schemeClr>
+    </dgm:fillClrLst>
+    <dgm:linClrLst meth="repeat">
+      <a:schemeClr val="lt1"/>
+    </dgm:linClrLst>
+    <dgm:effectClrLst/>
+    <dgm:txLinClrLst/>
+    <dgm:txFillClrLst/>
+    <dgm:txEffectClrLst/>
+  </dgm:styleLbl>
+  <dgm:styleLbl name="node2">
+    <dgm:fillClrLst meth="repeat">
+      <a:schemeClr val="accent1"/>
+    </dgm:fillClrLst>
+    <dgm:linClrLst meth="repeat">
+      <a:schemeClr val="lt1"/>
+    </dgm:linClrLst>
+    <dgm:effectClrLst/>
+    <dgm:txLinClrLst/>
+    <dgm:txFillClrLst/>
+    <dgm:txEffectClrLst/>
+  </dgm:styleLbl>
+  <dgm:styleLbl name="node3">
+    <dgm:fillClrLst meth="repeat">
+      <a:schemeClr val="accent1"/>
+    </dgm:fillClrLst>
+    <dgm:linClrLst meth="repeat">
+      <a:schemeClr val="lt1"/>
+    </dgm:linClrLst>
+    <dgm:effectClrLst/>
+    <dgm:txLinClrLst/>
+    <dgm:txFillClrLst/>
+    <dgm:txEffectClrLst/>
+  </dgm:styleLbl>
+  <dgm:styleLbl name="node4">
+    <dgm:fillClrLst meth="repeat">
+      <a:schemeClr val="accent1"/>
+    </dgm:fillClrLst>
+    <dgm:linClrLst meth="repeat">
+      <a:schemeClr val="lt1"/>
+    </dgm:linClrLst>
+    <dgm:effectClrLst/>
+    <dgm:txLinClrLst/>
+    <dgm:txFillClrLst/>
+    <dgm:txEffectClrLst/>
+  </dgm:styleLbl>
+  <dgm:styleLbl name="fgImgPlace1">
+    <dgm:fillClrLst meth="repeat">
+      <a:schemeClr val="accent1">
+        <a:tint val="50000"/>
+      </a:schemeClr>
+    </dgm:fillClrLst>
+    <dgm:linClrLst meth="repeat">
+      <a:schemeClr val="lt1"/>
+    </dgm:linClrLst>
+    <dgm:effectClrLst/>
+    <dgm:txLinClrLst/>
+    <dgm:txFillClrLst meth="repeat">
+      <a:schemeClr val="lt1"/>
+    </dgm:txFillClrLst>
+    <dgm:txEffectClrLst/>
+  </dgm:styleLbl>
+  <dgm:styleLbl name="alignImgPlace1">
+    <dgm:fillClrLst meth="repeat">
+      <a:schemeClr val="accent1">
+        <a:tint val="50000"/>
+      </a:schemeClr>
+    </dgm:fillClrLst>
+    <dgm:linClrLst meth="repeat">
+      <a:schemeClr val="lt1"/>
+    </dgm:linClrLst>
+    <dgm:effectClrLst/>
+    <dgm:txLinClrLst/>
+    <dgm:txFillClrLst meth="repeat">
+      <a:schemeClr val="lt1"/>
+    </dgm:txFillClrLst>
+    <dgm:txEffectClrLst/>
+  </dgm:styleLbl>
+  <dgm:styleLbl name="bgImgPlace1">
+    <dgm:fillClrLst meth="repeat">
+      <a:schemeClr val="accent1">
+        <a:tint val="50000"/>
+      </a:schemeClr>
+    </dgm:fillClrLst>
+    <dgm:linClrLst meth="repeat">
+      <a:schemeClr val="lt1"/>
+    </dgm:linClrLst>
+    <dgm:effectClrLst/>
+    <dgm:txLinClrLst/>
+    <dgm:txFillClrLst meth="repeat">
+      <a:schemeClr val="lt1"/>
+    </dgm:txFillClrLst>
+    <dgm:txEffectClrLst/>
+  </dgm:styleLbl>
+  <dgm:styleLbl name="sibTrans2D1">
+    <dgm:fillClrLst meth="repeat">
+      <a:schemeClr val="accent1">
+        <a:tint val="60000"/>
+      </a:schemeClr>
+    </dgm:fillClrLst>
+    <dgm:linClrLst meth="repeat">
+      <a:schemeClr val="accent1">
+        <a:tint val="60000"/>
+      </a:schemeClr>
+    </dgm:linClrLst>
+    <dgm:effectClrLst/>
+    <dgm:txLinClrLst/>
+    <dgm:txFillClrLst/>
+    <dgm:txEffectClrLst/>
+  </dgm:styleLbl>
+  <dgm:styleLbl name="fgSibTrans2D1">
+    <dgm:fillClrLst meth="repeat">
+      <a:schemeClr val="accent1">
+        <a:tint val="60000"/>
+      </a:schemeClr>
+    </dgm:fillClrLst>
+    <dgm:linClrLst meth="repeat">
+      <a:schemeClr val="accent1">
+        <a:tint val="60000"/>
+      </a:schemeClr>
+    </dgm:linClrLst>
+    <dgm:effectClrLst/>
+    <dgm:txLinClrLst/>
+    <dgm:txFillClrLst/>
+    <dgm:txEffectClrLst/>
+  </dgm:styleLbl>
+  <dgm:styleLbl name="bgSibTrans2D1">
+    <dgm:fillClrLst meth="repeat">
+      <a:schemeClr val="accent1">
+        <a:tint val="60000"/>
+      </a:schemeClr>
+    </dgm:fillClrLst>
+    <dgm:linClrLst meth="repeat">
+      <a:schemeClr val="accent1">
+        <a:tint val="60000"/>
+      </a:schemeClr>
+    </dgm:linClrLst>
+    <dgm:effectClrLst/>
+    <dgm:txLinClrLst/>
+    <dgm:txFillClrLst/>
+    <dgm:txEffectClrLst/>
+  </dgm:styleLbl>
+  <dgm:styleLbl name="sibTrans1D1">
+    <dgm:fillClrLst meth="repeat">
+      <a:schemeClr val="accent1"/>
+    </dgm:fillClrLst>
+    <dgm:linClrLst meth="repeat">
+      <a:schemeClr val="accent1"/>
+    </dgm:linClrLst>
+    <dgm:effectClrLst/>
+    <dgm:txLinClrLst/>
+    <dgm:txFillClrLst meth="repeat">
+      <a:schemeClr val="tx1"/>
+    </dgm:txFillClrLst>
+    <dgm:txEffectClrLst/>
+  </dgm:styleLbl>
+  <dgm:styleLbl name="callout">
+    <dgm:fillClrLst meth="repeat">
+      <a:schemeClr val="accent1"/>
+    </dgm:fillClrLst>
+    <dgm:linClrLst meth="repeat">
+      <a:schemeClr val="accent1">
+        <a:tint val="50000"/>
+      </a:schemeClr>
+    </dgm:linClrLst>
+    <dgm:effectClrLst/>
+    <dgm:txLinClrLst/>
+    <dgm:txFillClrLst meth="repeat">
+      <a:schemeClr val="tx1"/>
+    </dgm:txFillClrLst>
+    <dgm:txEffectClrLst/>
+  </dgm:styleLbl>
+  <dgm:styleLbl name="asst0">
+    <dgm:fillClrLst meth="repeat">
+      <a:schemeClr val="accent1"/>
+    </dgm:fillClrLst>
+    <dgm:linClrLst meth="repeat">
+      <a:schemeClr val="lt1"/>
+    </dgm:linClrLst>
+    <dgm:effectClrLst/>
+    <dgm:txLinClrLst/>
+    <dgm:txFillClrLst/>
+    <dgm:txEffectClrLst/>
+  </dgm:styleLbl>
+  <dgm:styleLbl name="asst1">
+    <dgm:fillClrLst meth="repeat">
+      <a:schemeClr val="accent1"/>
+    </dgm:fillClrLst>
+    <dgm:linClrLst meth="repeat">
+      <a:schemeClr val="lt1"/>
+    </dgm:linClrLst>
+    <dgm:effectClrLst/>
+    <dgm:txLinClrLst/>
+    <dgm:txFillClrLst/>
+    <dgm:txEffectClrLst/>
+  </dgm:styleLbl>
+  <dgm:styleLbl name="asst2">
+    <dgm:fillClrLst meth="repeat">
+      <a:schemeClr val="accent1"/>
+    </dgm:fillClrLst>
+    <dgm:linClrLst meth="repeat">
+      <a:schemeClr val="lt1"/>
+    </dgm:linClrLst>
+    <dgm:effectClrLst/>
+    <dgm:txLinClrLst/>
+    <dgm:txFillClrLst/>
+    <dgm:txEffectClrLst/>
+  </dgm:styleLbl>
+  <dgm:styleLbl name="asst3">
+    <dgm:fillClrLst meth="repeat">
+      <a:schemeClr val="accent1"/>
+    </dgm:fillClrLst>
+    <dgm:linClrLst meth="repeat">
+      <a:schemeClr val="lt1"/>
+    </dgm:linClrLst>
+    <dgm:effectClrLst/>
+    <dgm:txLinClrLst/>
+    <dgm:txFillClrLst/>
+    <dgm:txEffectClrLst/>
+  </dgm:styleLbl>
+  <dgm:styleLbl name="asst4">
+    <dgm:fillClrLst meth="repeat">
+      <a:schemeClr val="accent1"/>
+    </dgm:fillClrLst>
+    <dgm:linClrLst meth="repeat">
+      <a:schemeClr val="lt1"/>
+    </dgm:linClrLst>
+    <dgm:effectClrLst/>
+    <dgm:txLinClrLst/>
+    <dgm:txFillClrLst/>
+    <dgm:txEffectClrLst/>
+  </dgm:styleLbl>
+  <dgm:styleLbl name="parChTrans2D1">
+    <dgm:fillClrLst meth="repeat">
+      <a:schemeClr val="accent1">
+        <a:tint val="60000"/>
+      </a:schemeClr>
+    </dgm:fillClrLst>
+    <dgm:linClrLst meth="repeat">
+      <a:schemeClr val="accent1">
+        <a:tint val="60000"/>
+      </a:schemeClr>
+    </dgm:linClrLst>
+    <dgm:effectClrLst/>
+    <dgm:txLinClrLst/>
+    <dgm:txFillClrLst meth="repeat">
+      <a:schemeClr val="lt1"/>
+    </dgm:txFillClrLst>
+    <dgm:txEffectClrLst/>
+  </dgm:styleLbl>
+  <dgm:styleLbl name="parChTrans2D2">
+    <dgm:fillClrLst meth="repeat">
+      <a:schemeClr val="accent1"/>
+    </dgm:fillClrLst>
+    <dgm:linClrLst meth="repeat">
+      <a:schemeClr val="accent1"/>
+    </dgm:linClrLst>
+    <dgm:effectClrLst/>
+    <dgm:txLinClrLst/>
+    <dgm:txFillClrLst meth="repeat">
+      <a:schemeClr val="lt1"/>
+    </dgm:txFillClrLst>
+    <dgm:txEffectClrLst/>
+  </dgm:styleLbl>
+  <dgm:styleLbl name="parChTrans2D3">
+    <dgm:fillClrLst meth="repeat">
+      <a:schemeClr val="accent1"/>
+    </dgm:fillClrLst>
+    <dgm:linClrLst meth="repeat">
+      <a:schemeClr val="accent1"/>
+    </dgm:linClrLst>
+    <dgm:effectClrLst/>
+    <dgm:txLinClrLst/>
+    <dgm:txFillClrLst meth="repeat">
+      <a:schemeClr val="lt1"/>
+    </dgm:txFillClrLst>
+    <dgm:txEffectClrLst/>
+  </dgm:styleLbl>
+  <dgm:styleLbl name="parChTrans2D4">
+    <dgm:fillClrLst meth="repeat">
+      <a:schemeClr val="accent1"/>
+    </dgm:fillClrLst>
+    <dgm:linClrLst meth="repeat">
+      <a:schemeClr val="accent1"/>
+    </dgm:linClrLst>
+    <dgm:effectClrLst/>
+    <dgm:txLinClrLst/>
+    <dgm:txFillClrLst meth="repeat">
+      <a:schemeClr val="lt1"/>
+    </dgm:txFillClrLst>
+    <dgm:txEffectClrLst/>
+  </dgm:styleLbl>
+  <dgm:styleLbl name="parChTrans1D1">
+    <dgm:fillClrLst meth="repeat">
+      <a:schemeClr val="accent1"/>
+    </dgm:fillClrLst>
+    <dgm:linClrLst meth="repeat">
+      <a:schemeClr val="accent1">
+        <a:shade val="60000"/>
+      </a:schemeClr>
+    </dgm:linClrLst>
+    <dgm:effectClrLst/>
+    <dgm:txLinClrLst/>
+    <dgm:txFillClrLst meth="repeat">
+      <a:schemeClr val="tx1"/>
+    </dgm:txFillClrLst>
+    <dgm:txEffectClrLst/>
+  </dgm:styleLbl>
+  <dgm:styleLbl name="parChTrans1D2">
+    <dgm:fillClrLst meth="repeat">
+      <a:schemeClr val="accent1"/>
+    </dgm:fillClrLst>
+    <dgm:linClrLst meth="repeat">
+      <a:schemeClr val="accent1">
+        <a:shade val="60000"/>
+      </a:schemeClr>
+    </dgm:linClrLst>
+    <dgm:effectClrLst/>
+    <dgm:txLinClrLst/>
+    <dgm:txFillClrLst meth="repeat">
+      <a:schemeClr val="tx1"/>
+    </dgm:txFillClrLst>
+    <dgm:txEffectClrLst/>
+  </dgm:styleLbl>
+  <dgm:styleLbl name="parChTrans1D3">
+    <dgm:fillClrLst meth="repeat">
+      <a:schemeClr val="accent1"/>
+    </dgm:fillClrLst>
+    <dgm:linClrLst meth="repeat">
+      <a:schemeClr val="accent1">
+        <a:shade val="80000"/>
+      </a:schemeClr>
+    </dgm:linClrLst>
+    <dgm:effectClrLst/>
+    <dgm:txLinClrLst/>
+    <dgm:txFillClrLst meth="repeat">
+      <a:schemeClr val="tx1"/>
+    </dgm:txFillClrLst>
+    <dgm:txEffectClrLst/>
+  </dgm:styleLbl>
+  <dgm:styleLbl name="parChTrans1D4">
+    <dgm:fillClrLst meth="repeat">
+      <a:schemeClr val="accent1"/>
+    </dgm:fillClrLst>
+    <dgm:linClrLst meth="repeat">
+      <a:schemeClr val="accent1">
+        <a:shade val="80000"/>
+      </a:schemeClr>
+    </dgm:linClrLst>
+    <dgm:effectClrLst/>
+    <dgm:txLinClrLst/>
+    <dgm:txFillClrLst meth="repeat">
+      <a:schemeClr val="tx1"/>
+    </dgm:txFillClrLst>
+    <dgm:txEffectClrLst/>
+  </dgm:styleLbl>
+  <dgm:styleLbl name="fgAcc1">
+    <dgm:fillClrLst meth="repeat">
+      <a:schemeClr val="lt1">
+        <a:alpha val="90000"/>
+      </a:schemeClr>
+    </dgm:fillClrLst>
+    <dgm:linClrLst meth="repeat">
+      <a:schemeClr val="accent1"/>
+    </dgm:linClrLst>
+    <dgm:effectClrLst/>
+    <dgm:txLinClrLst/>
+    <dgm:txFillClrLst meth="repeat">
+      <a:schemeClr val="dk1"/>
+    </dgm:txFillClrLst>
+    <dgm:txEffectClrLst/>
+  </dgm:styleLbl>
+  <dgm:styleLbl name="conFgAcc1">
+    <dgm:fillClrLst meth="repeat">
+      <a:schemeClr val="lt1">
+        <a:alpha val="90000"/>
+      </a:schemeClr>
+    </dgm:fillClrLst>
+    <dgm:linClrLst meth="repeat">
+      <a:schemeClr val="accent1"/>
+    </dgm:linClrLst>
+    <dgm:effectClrLst/>
+    <dgm:txLinClrLst/>
+    <dgm:txFillClrLst meth="repeat">
+      <a:schemeClr val="dk1"/>
+    </dgm:txFillClrLst>
+    <dgm:txEffectClrLst/>
+  </dgm:styleLbl>
+  <dgm:styleLbl name="alignAcc1">
+    <dgm:fillClrLst meth="repeat">
+      <a:schemeClr val="lt1">
+        <a:alpha val="90000"/>
+      </a:schemeClr>
+    </dgm:fillClrLst>
+    <dgm:linClrLst meth="repeat">
+      <a:schemeClr val="accent1"/>
+    </dgm:linClrLst>
+    <dgm:effectClrLst/>
+    <dgm:txLinClrLst/>
+    <dgm:txFillClrLst meth="repeat">
+      <a:schemeClr val="dk1"/>
+    </dgm:txFillClrLst>
+    <dgm:txEffectClrLst/>
+  </dgm:styleLbl>
+  <dgm:styleLbl name="trAlignAcc1">
+    <dgm:fillClrLst meth="repeat">
+      <a:schemeClr val="lt1">
+        <a:alpha val="40000"/>
+      </a:schemeClr>
+    </dgm:fillClrLst>
+    <dgm:linClrLst meth="repeat">
+      <a:schemeClr val="accent1"/>
+    </dgm:linClrLst>
+    <dgm:effectClrLst/>
+    <dgm:txLinClrLst/>
+    <dgm:txFillClrLst meth="repeat">
+      <a:schemeClr val="dk1"/>
+    </dgm:txFillClrLst>
+    <dgm:txEffectClrLst/>
+  </dgm:styleLbl>
+  <dgm:styleLbl name="bgAcc1">
+    <dgm:fillClrLst meth="repeat">
+      <a:schemeClr val="lt1">
+        <a:alpha val="90000"/>
+      </a:schemeClr>
+    </dgm:fillClrLst>
+    <dgm:linClrLst meth="repeat">
+      <a:schemeClr val="accent1"/>
+    </dgm:linClrLst>
+    <dgm:effectClrLst/>
+    <dgm:txLinClrLst/>
+    <dgm:txFillClrLst meth="repeat">
+      <a:schemeClr val="dk1"/>
+    </dgm:txFillClrLst>
+    <dgm:txEffectClrLst/>
+  </dgm:styleLbl>
+  <dgm:styleLbl name="solidFgAcc1">
+    <dgm:fillClrLst meth="repeat">
+      <a:schemeClr val="lt1"/>
+    </dgm:fillClrLst>
+    <dgm:linClrLst meth="repeat">
+      <a:schemeClr val="accent1"/>
+    </dgm:linClrLst>
+    <dgm:effectClrLst/>
+    <dgm:txLinClrLst/>
+    <dgm:txFillClrLst meth="repeat">
+      <a:schemeClr val="dk1"/>
+    </dgm:txFillClrLst>
+    <dgm:txEffectClrLst/>
+  </dgm:styleLbl>
+  <dgm:styleLbl name="solidAlignAcc1">
+    <dgm:fillClrLst meth="repeat">
+      <a:schemeClr val="lt1"/>
+    </dgm:fillClrLst>
+    <dgm:linClrLst meth="repeat">
+      <a:schemeClr val="accent1"/>
+    </dgm:linClrLst>
+    <dgm:effectClrLst/>
+    <dgm:txLinClrLst/>
+    <dgm:txFillClrLst meth="repeat">
+      <a:schemeClr val="dk1"/>
+    </dgm:txFillClrLst>
+    <dgm:txEffectClrLst/>
+  </dgm:styleLbl>
+  <dgm:styleLbl name="solidBgAcc1">
+    <dgm:fillClrLst meth="repeat">
+      <a:schemeClr val="lt1"/>
+    </dgm:fillClrLst>
+    <dgm:linClrLst meth="repeat">
+      <a:schemeClr val="accent1"/>
+    </dgm:linClrLst>
+    <dgm:effectClrLst/>
+    <dgm:txLinClrLst/>
+    <dgm:txFillClrLst meth="repeat">
+      <a:schemeClr val="dk1"/>
+    </dgm:txFillClrLst>
+    <dgm:txEffectClrLst/>
+  </dgm:styleLbl>
+  <dgm:styleLbl name="fgAccFollowNode1">
+    <dgm:fillClrLst meth="repeat">
+      <a:schemeClr val="accent1">
+        <a:alpha val="90000"/>
+        <a:tint val="40000"/>
+      </a:schemeClr>
+    </dgm:fillClrLst>
+    <dgm:linClrLst meth="repeat">
+      <a:schemeClr val="accent1">
+        <a:alpha val="90000"/>
+        <a:tint val="40000"/>
+      </a:schemeClr>
+    </dgm:linClrLst>
+    <dgm:effectClrLst/>
+    <dgm:txLinClrLst/>
+    <dgm:txFillClrLst meth="repeat">
+      <a:schemeClr val="dk1"/>
+    </dgm:txFillClrLst>
+    <dgm:txEffectClrLst/>
+  </dgm:styleLbl>
+  <dgm:styleLbl name="alignAccFollowNode1">
+    <dgm:fillClrLst meth="repeat">
+      <a:schemeClr val="accent1">
+        <a:alpha val="90000"/>
+        <a:tint val="40000"/>
+      </a:schemeClr>
+    </dgm:fillClrLst>
+    <dgm:linClrLst meth="repeat">
+      <a:schemeClr val="accent1">
+        <a:alpha val="90000"/>
+        <a:tint val="40000"/>
+      </a:schemeClr>
+    </dgm:linClrLst>
+    <dgm:effectClrLst/>
+    <dgm:txLinClrLst/>
+    <dgm:txFillClrLst meth="repeat">
+      <a:schemeClr val="dk1"/>
+    </dgm:txFillClrLst>
+    <dgm:txEffectClrLst/>
+  </dgm:styleLbl>
+  <dgm:styleLbl name="bgAccFollowNode1">
+    <dgm:fillClrLst meth="repeat">
+      <a:schemeClr val="accent1">
+        <a:alpha val="90000"/>
+        <a:tint val="40000"/>
+      </a:schemeClr>
+    </dgm:fillClrLst>
+    <dgm:linClrLst meth="repeat">
+      <a:schemeClr val="accent1">
+        <a:alpha val="90000"/>
+        <a:tint val="40000"/>
+      </a:schemeClr>
+    </dgm:linClrLst>
+    <dgm:effectClrLst/>
+    <dgm:txLinClrLst/>
+    <dgm:txFillClrLst meth="repeat">
+      <a:schemeClr val="dk1"/>
+    </dgm:txFillClrLst>
+    <dgm:txEffectClrLst/>
+  </dgm:styleLbl>
+  <dgm:styleLbl name="fgAcc0">
+    <dgm:fillClrLst meth="repeat">
+      <a:schemeClr val="lt1">
+        <a:alpha val="90000"/>
+      </a:schemeClr>
+    </dgm:fillClrLst>
+    <dgm:linClrLst meth="repeat">
+      <a:schemeClr val="accent1"/>
+    </dgm:linClrLst>
+    <dgm:effectClrLst/>
+    <dgm:txLinClrLst/>
+    <dgm:txFillClrLst meth="repeat">
+      <a:schemeClr val="dk1"/>
+    </dgm:txFillClrLst>
+    <dgm:txEffectClrLst/>
+  </dgm:styleLbl>
+  <dgm:styleLbl name="fgAcc2">
+    <dgm:fillClrLst meth="repeat">
+      <a:schemeClr val="lt1">
+        <a:alpha val="90000"/>
+      </a:schemeClr>
+    </dgm:fillClrLst>
+    <dgm:linClrLst meth="repeat">
+      <a:schemeClr val="accent1"/>
+    </dgm:linClrLst>
+    <dgm:effectClrLst/>
+    <dgm:txLinClrLst/>
+    <dgm:txFillClrLst meth="repeat">
+      <a:schemeClr val="dk1"/>
+    </dgm:txFillClrLst>
+    <dgm:txEffectClrLst/>
+  </dgm:styleLbl>
+  <dgm:styleLbl name="fgAcc3">
+    <dgm:fillClrLst meth="repeat">
+      <a:schemeClr val="lt1">
+        <a:alpha val="90000"/>
+      </a:schemeClr>
+    </dgm:fillClrLst>
+    <dgm:linClrLst meth="repeat">
+      <a:schemeClr val="accent1"/>
+    </dgm:linClrLst>
+    <dgm:effectClrLst/>
+    <dgm:txLinClrLst/>
+    <dgm:txFillClrLst meth="repeat">
+      <a:schemeClr val="dk1"/>
+    </dgm:txFillClrLst>
+    <dgm:txEffectClrLst/>
+  </dgm:styleLbl>
+  <dgm:styleLbl name="fgAcc4">
+    <dgm:fillClrLst meth="repeat">
+      <a:schemeClr val="lt1">
+        <a:alpha val="90000"/>
+      </a:schemeClr>
+    </dgm:fillClrLst>
+    <dgm:linClrLst meth="repeat">
+      <a:schemeClr val="accent1"/>
+    </dgm:linClrLst>
+    <dgm:effectClrLst/>
+    <dgm:txLinClrLst/>
+    <dgm:txFillClrLst meth="repeat">
+      <a:schemeClr val="dk1"/>
+    </dgm:txFillClrLst>
+    <dgm:txEffectClrLst/>
+  </dgm:styleLbl>
+  <dgm:styleLbl name="bgShp">
+    <dgm:fillClrLst meth="repeat">
+      <a:schemeClr val="bg1">
+        <a:lumMod val="95000"/>
+      </a:schemeClr>
+    </dgm:fillClrLst>
+    <dgm:linClrLst meth="repeat">
+      <a:schemeClr val="accent1"/>
+    </dgm:linClrLst>
+    <dgm:effectClrLst/>
+    <dgm:txLinClrLst/>
+    <dgm:txFillClrLst meth="repeat">
+      <a:schemeClr val="dk1"/>
+    </dgm:txFillClrLst>
+    <dgm:txEffectClrLst/>
+  </dgm:styleLbl>
+  <dgm:styleLbl name="dkBgShp">
+    <dgm:fillClrLst meth="repeat">
+      <a:schemeClr val="accent1">
+        <a:shade val="80000"/>
+      </a:schemeClr>
+    </dgm:fillClrLst>
+    <dgm:linClrLst meth="repeat">
+      <a:schemeClr val="accent1"/>
+    </dgm:linClrLst>
+    <dgm:effectClrLst/>
+    <dgm:txLinClrLst/>
+    <dgm:txFillClrLst meth="repeat">
+      <a:schemeClr val="lt1"/>
+    </dgm:txFillClrLst>
+    <dgm:txEffectClrLst/>
+  </dgm:styleLbl>
+  <dgm:styleLbl name="trBgShp">
+    <dgm:fillClrLst meth="repeat">
+      <a:schemeClr val="accent1">
+        <a:tint val="50000"/>
+        <a:alpha val="40000"/>
+      </a:schemeClr>
+    </dgm:fillClrLst>
+    <dgm:linClrLst meth="repeat">
+      <a:schemeClr val="accent1"/>
+    </dgm:linClrLst>
+    <dgm:effectClrLst/>
+    <dgm:txLinClrLst/>
+    <dgm:txFillClrLst meth="repeat">
+      <a:schemeClr val="lt1"/>
+    </dgm:txFillClrLst>
+    <dgm:txEffectClrLst/>
+  </dgm:styleLbl>
+  <dgm:styleLbl name="fgShp">
+    <dgm:fillClrLst meth="repeat">
+      <a:schemeClr val="accent1">
+        <a:tint val="60000"/>
+      </a:schemeClr>
+    </dgm:fillClrLst>
+    <dgm:linClrLst meth="repeat">
+      <a:schemeClr val="lt1"/>
+    </dgm:linClrLst>
+    <dgm:effectClrLst/>
+    <dgm:txLinClrLst/>
+    <dgm:txFillClrLst meth="repeat">
+      <a:schemeClr val="dk1"/>
+    </dgm:txFillClrLst>
+    <dgm:txEffectClrLst/>
+  </dgm:styleLbl>
+  <dgm:styleLbl name="revTx">
+    <dgm:fillClrLst meth="repeat">
+      <a:schemeClr val="lt1">
+        <a:alpha val="0"/>
+      </a:schemeClr>
+    </dgm:fillClrLst>
+    <dgm:linClrLst meth="repeat">
+      <a:schemeClr val="dk1">
+        <a:alpha val="0"/>
+      </a:schemeClr>
+    </dgm:linClrLst>
+    <dgm:effectClrLst/>
+    <dgm:txLinClrLst/>
+    <dgm:txFillClrLst meth="repeat">
+      <a:schemeClr val="tx1"/>
+    </dgm:txFillClrLst>
+    <dgm:txEffectClrLst/>
+  </dgm:styleLbl>
+</dgm:colorsDef>
+</file>
+
+<file path=ppt/diagrams/data1.xml><?xml version="1.0" encoding="utf-8"?>
+<dgm:dataModel xmlns:dgm="http://schemas.openxmlformats.org/drawingml/2006/diagram" xmlns:a="http://schemas.openxmlformats.org/drawingml/2006/main">
+  <dgm:ptLst>
+    <dgm:pt modelId="{D9D9BE32-417E-4224-BAB0-7933B1157AB9}" type="doc">
+      <dgm:prSet loTypeId="urn:microsoft.com/office/officeart/2018/2/layout/IconLabelDescriptionList" loCatId="icon" qsTypeId="urn:microsoft.com/office/officeart/2005/8/quickstyle/simple1" qsCatId="simple" csTypeId="urn:microsoft.com/office/officeart/2018/5/colors/Iconchunking_neutralbg_accent1_2" csCatId="accent1" phldr="1"/>
+      <dgm:spPr/>
+      <dgm:t>
+        <a:bodyPr/>
+        <a:lstStyle/>
+        <a:p>
+          <a:endParaRPr lang="en-US"/>
+        </a:p>
+      </dgm:t>
+    </dgm:pt>
+    <dgm:pt modelId="{4C7743BD-7C99-45F2-B98B-9BF8F0E223E6}">
+      <dgm:prSet/>
+      <dgm:spPr/>
+      <dgm:t>
+        <a:bodyPr/>
+        <a:lstStyle/>
+        <a:p>
+          <a:pPr>
+            <a:lnSpc>
+              <a:spcPct val="100000"/>
+            </a:lnSpc>
+            <a:defRPr b="1"/>
+          </a:pPr>
+          <a:r>
+            <a:rPr lang="en-US" b="1" i="0"/>
+            <a:t>Data Collection and Challenges</a:t>
+          </a:r>
+          <a:endParaRPr lang="en-US"/>
+        </a:p>
+      </dgm:t>
+    </dgm:pt>
+    <dgm:pt modelId="{5B630D7A-68C7-44D9-BEF8-B28E0E48FC92}" type="parTrans" cxnId="{2C336E8D-0775-4B93-B422-92DF59898631}">
+      <dgm:prSet/>
+      <dgm:spPr/>
+      <dgm:t>
+        <a:bodyPr/>
+        <a:lstStyle/>
+        <a:p>
+          <a:endParaRPr lang="en-US"/>
+        </a:p>
+      </dgm:t>
+    </dgm:pt>
+    <dgm:pt modelId="{4D2BE505-7FFE-4A34-922D-C48753F9405A}" type="sibTrans" cxnId="{2C336E8D-0775-4B93-B422-92DF59898631}">
+      <dgm:prSet/>
+      <dgm:spPr/>
+      <dgm:t>
+        <a:bodyPr/>
+        <a:lstStyle/>
+        <a:p>
+          <a:endParaRPr lang="en-US"/>
+        </a:p>
+      </dgm:t>
+    </dgm:pt>
+    <dgm:pt modelId="{38E0C723-13A0-4449-BC94-6587892EA2F3}">
+      <dgm:prSet/>
+      <dgm:spPr/>
+      <dgm:t>
+        <a:bodyPr/>
+        <a:lstStyle/>
+        <a:p>
+          <a:pPr>
+            <a:lnSpc>
+              <a:spcPct val="100000"/>
+            </a:lnSpc>
+          </a:pPr>
+          <a:r>
+            <a:rPr lang="en-US" b="1" i="0"/>
+            <a:t>Data Source</a:t>
+          </a:r>
+          <a:r>
+            <a:rPr lang="en-US" b="0" i="0"/>
+            <a:t>: </a:t>
+          </a:r>
+          <a:r>
+            <a:rPr lang="en-US"/>
+            <a:t>Open Weather provides different APIs to pull weather data. </a:t>
+          </a:r>
+          <a:r>
+            <a:rPr lang="en-US" b="0" i="0"/>
+            <a:t>Attempted to collect bulk weather data from OpenWeatherMap API using Python for the past 45 years.</a:t>
+          </a:r>
+          <a:endParaRPr lang="en-US" dirty="0"/>
+        </a:p>
+      </dgm:t>
+    </dgm:pt>
+    <dgm:pt modelId="{1A63C3C3-973D-45D3-BCF5-075E7AD08784}" type="parTrans" cxnId="{AC790DE4-28CB-49D1-9428-3C90B913EBC0}">
+      <dgm:prSet/>
+      <dgm:spPr/>
+      <dgm:t>
+        <a:bodyPr/>
+        <a:lstStyle/>
+        <a:p>
+          <a:endParaRPr lang="en-US"/>
+        </a:p>
+      </dgm:t>
+    </dgm:pt>
+    <dgm:pt modelId="{556FE32F-255C-4F4A-966A-9844627858A9}" type="sibTrans" cxnId="{AC790DE4-28CB-49D1-9428-3C90B913EBC0}">
+      <dgm:prSet/>
+      <dgm:spPr/>
+      <dgm:t>
+        <a:bodyPr/>
+        <a:lstStyle/>
+        <a:p>
+          <a:endParaRPr lang="en-US"/>
+        </a:p>
+      </dgm:t>
+    </dgm:pt>
+    <dgm:pt modelId="{D4B8E38F-D4BA-4C07-84BB-9B78A7D1FF94}">
+      <dgm:prSet/>
+      <dgm:spPr/>
+      <dgm:t>
+        <a:bodyPr/>
+        <a:lstStyle/>
+        <a:p>
+          <a:pPr>
+            <a:lnSpc>
+              <a:spcPct val="100000"/>
+            </a:lnSpc>
+          </a:pPr>
+          <a:r>
+            <a:rPr lang="en-US" b="1" i="0"/>
+            <a:t>Challenges</a:t>
+          </a:r>
+          <a:r>
+            <a:rPr lang="en-US" b="0" i="0"/>
+            <a:t>:</a:t>
+          </a:r>
+          <a:endParaRPr lang="en-US"/>
+        </a:p>
+      </dgm:t>
+    </dgm:pt>
+    <dgm:pt modelId="{BE4F2FD1-E469-4CAD-BA11-4FEF7CBA3885}" type="parTrans" cxnId="{231D969F-459D-409F-8BC3-371A8C59FCF6}">
+      <dgm:prSet/>
+      <dgm:spPr/>
+      <dgm:t>
+        <a:bodyPr/>
+        <a:lstStyle/>
+        <a:p>
+          <a:endParaRPr lang="en-US"/>
+        </a:p>
+      </dgm:t>
+    </dgm:pt>
+    <dgm:pt modelId="{8C54AE00-DFFB-49DB-AB1D-F80AEFD681A0}" type="sibTrans" cxnId="{231D969F-459D-409F-8BC3-371A8C59FCF6}">
+      <dgm:prSet/>
+      <dgm:spPr/>
+      <dgm:t>
+        <a:bodyPr/>
+        <a:lstStyle/>
+        <a:p>
+          <a:endParaRPr lang="en-US"/>
+        </a:p>
+      </dgm:t>
+    </dgm:pt>
+    <dgm:pt modelId="{B3A8EE05-B091-42C1-93DB-033AF52CFF22}">
+      <dgm:prSet/>
+      <dgm:spPr/>
+      <dgm:t>
+        <a:bodyPr/>
+        <a:lstStyle/>
+        <a:p>
+          <a:r>
+            <a:rPr lang="en-US" b="0" i="0"/>
+            <a:t>Data retrieved contained only a few unique timestamps due to subscription limitations.</a:t>
+          </a:r>
+          <a:endParaRPr lang="en-US"/>
+        </a:p>
+      </dgm:t>
+    </dgm:pt>
+    <dgm:pt modelId="{19E996CD-78F2-4AF6-B855-5FAB71E83372}" type="parTrans" cxnId="{803BC40C-CF61-448F-A4A6-913FBBD472A5}">
+      <dgm:prSet/>
+      <dgm:spPr/>
+      <dgm:t>
+        <a:bodyPr/>
+        <a:lstStyle/>
+        <a:p>
+          <a:endParaRPr lang="en-US"/>
+        </a:p>
+      </dgm:t>
+    </dgm:pt>
+    <dgm:pt modelId="{C655C038-57EC-4FC9-B362-A4B5E85BE1D9}" type="sibTrans" cxnId="{803BC40C-CF61-448F-A4A6-913FBBD472A5}">
+      <dgm:prSet/>
+      <dgm:spPr/>
+      <dgm:t>
+        <a:bodyPr/>
+        <a:lstStyle/>
+        <a:p>
+          <a:endParaRPr lang="en-US"/>
+        </a:p>
+      </dgm:t>
+    </dgm:pt>
+    <dgm:pt modelId="{11927494-446B-43B0-BF8C-05EFBD24A84D}">
+      <dgm:prSet/>
+      <dgm:spPr/>
+      <dgm:t>
+        <a:bodyPr/>
+        <a:lstStyle/>
+        <a:p>
+          <a:r>
+            <a:rPr lang="en-US" b="0" i="0"/>
+            <a:t>Unable to find real weather data through alternative sources.</a:t>
+          </a:r>
+          <a:endParaRPr lang="en-US"/>
+        </a:p>
+      </dgm:t>
+    </dgm:pt>
+    <dgm:pt modelId="{74DCB0DE-8766-424F-9F89-922A5FACA3C2}" type="parTrans" cxnId="{514D811C-E91B-446F-B8E7-C6288B06CB2C}">
+      <dgm:prSet/>
+      <dgm:spPr/>
+      <dgm:t>
+        <a:bodyPr/>
+        <a:lstStyle/>
+        <a:p>
+          <a:endParaRPr lang="en-US"/>
+        </a:p>
+      </dgm:t>
+    </dgm:pt>
+    <dgm:pt modelId="{C2DB35A8-E94C-4271-AAEF-0ED17D820858}" type="sibTrans" cxnId="{514D811C-E91B-446F-B8E7-C6288B06CB2C}">
+      <dgm:prSet/>
+      <dgm:spPr/>
+      <dgm:t>
+        <a:bodyPr/>
+        <a:lstStyle/>
+        <a:p>
+          <a:endParaRPr lang="en-US"/>
+        </a:p>
+      </dgm:t>
+    </dgm:pt>
+    <dgm:pt modelId="{26A76B25-48EA-4743-ACCC-E1447941F0FF}">
+      <dgm:prSet/>
+      <dgm:spPr/>
+      <dgm:t>
+        <a:bodyPr/>
+        <a:lstStyle/>
+        <a:p>
+          <a:pPr>
+            <a:lnSpc>
+              <a:spcPct val="100000"/>
+            </a:lnSpc>
+            <a:defRPr b="1"/>
+          </a:pPr>
+          <a:r>
+            <a:rPr lang="en-US" b="1" i="0"/>
+            <a:t>Solution</a:t>
+          </a:r>
+          <a:r>
+            <a:rPr lang="en-US" b="0" i="0"/>
+            <a:t>:</a:t>
+          </a:r>
+          <a:endParaRPr lang="en-US"/>
+        </a:p>
+      </dgm:t>
+    </dgm:pt>
+    <dgm:pt modelId="{054D4BAE-B355-4EBE-B75F-A82D5D37088A}" type="parTrans" cxnId="{B45E9AFE-856E-46B8-B320-11BD356880E1}">
+      <dgm:prSet/>
+      <dgm:spPr/>
+      <dgm:t>
+        <a:bodyPr/>
+        <a:lstStyle/>
+        <a:p>
+          <a:endParaRPr lang="en-US"/>
+        </a:p>
+      </dgm:t>
+    </dgm:pt>
+    <dgm:pt modelId="{FE267A1E-10BC-4C82-85F9-89CE884B97F0}" type="sibTrans" cxnId="{B45E9AFE-856E-46B8-B320-11BD356880E1}">
+      <dgm:prSet/>
+      <dgm:spPr/>
+      <dgm:t>
+        <a:bodyPr/>
+        <a:lstStyle/>
+        <a:p>
+          <a:endParaRPr lang="en-US"/>
+        </a:p>
+      </dgm:t>
+    </dgm:pt>
+    <dgm:pt modelId="{619D9F95-4E26-43E8-B086-C8B515D864F1}">
+      <dgm:prSet/>
+      <dgm:spPr/>
+      <dgm:t>
+        <a:bodyPr/>
+        <a:lstStyle/>
+        <a:p>
+          <a:pPr>
+            <a:lnSpc>
+              <a:spcPct val="100000"/>
+            </a:lnSpc>
+          </a:pPr>
+          <a:r>
+            <a:rPr lang="en-US" b="0" i="0"/>
+            <a:t>Created a Python utility to generate 2GB of synthetic data, simulating the typical response from OpenWeatherMap API.</a:t>
+          </a:r>
+          <a:endParaRPr lang="en-US" dirty="0"/>
+        </a:p>
+      </dgm:t>
+    </dgm:pt>
+    <dgm:pt modelId="{AB1E6CB0-36BD-4C66-8230-91B0A40C5658}" type="parTrans" cxnId="{914141C6-2107-4ECA-99CB-34C14164CAA8}">
+      <dgm:prSet/>
+      <dgm:spPr/>
+      <dgm:t>
+        <a:bodyPr/>
+        <a:lstStyle/>
+        <a:p>
+          <a:endParaRPr lang="en-US"/>
+        </a:p>
+      </dgm:t>
+    </dgm:pt>
+    <dgm:pt modelId="{659541CB-111B-4C9E-84EB-BA886CBB7617}" type="sibTrans" cxnId="{914141C6-2107-4ECA-99CB-34C14164CAA8}">
+      <dgm:prSet/>
+      <dgm:spPr/>
+      <dgm:t>
+        <a:bodyPr/>
+        <a:lstStyle/>
+        <a:p>
+          <a:endParaRPr lang="en-US"/>
+        </a:p>
+      </dgm:t>
+    </dgm:pt>
+    <dgm:pt modelId="{93AE977C-1848-4312-A023-8ACA575FB54B}" type="pres">
+      <dgm:prSet presAssocID="{D9D9BE32-417E-4224-BAB0-7933B1157AB9}" presName="root" presStyleCnt="0">
+        <dgm:presLayoutVars>
+          <dgm:dir/>
+          <dgm:resizeHandles val="exact"/>
+        </dgm:presLayoutVars>
+      </dgm:prSet>
+      <dgm:spPr/>
+    </dgm:pt>
+    <dgm:pt modelId="{DC7E8E2D-5059-4423-B0CC-A618856B85D1}" type="pres">
+      <dgm:prSet presAssocID="{4C7743BD-7C99-45F2-B98B-9BF8F0E223E6}" presName="compNode" presStyleCnt="0"/>
+      <dgm:spPr/>
+    </dgm:pt>
+    <dgm:pt modelId="{04C74D0D-EAF3-44A5-A749-06A61D0A6F4A}" type="pres">
+      <dgm:prSet presAssocID="{4C7743BD-7C99-45F2-B98B-9BF8F0E223E6}" presName="iconRect" presStyleLbl="node1" presStyleIdx="0" presStyleCnt="2"/>
+      <dgm:spPr>
+        <a:blipFill>
+          <a:blip xmlns:r="http://schemas.openxmlformats.org/officeDocument/2006/relationships" r:embed="rId1">
+            <a:extLst>
+              <a:ext uri="{28A0092B-C50C-407E-A947-70E740481C1C}">
+                <a14:useLocalDpi xmlns:a14="http://schemas.microsoft.com/office/drawing/2010/main" val="0"/>
+              </a:ext>
+              <a:ext uri="{96DAC541-7B7A-43D3-8B79-37D633B846F1}">
+                <asvg:svgBlip xmlns:asvg="http://schemas.microsoft.com/office/drawing/2016/SVG/main" r:embed="rId2"/>
+              </a:ext>
+            </a:extLst>
+          </a:blip>
+          <a:stretch>
+            <a:fillRect/>
+          </a:stretch>
+        </a:blipFill>
+      </dgm:spPr>
+      <dgm:extLst>
+        <a:ext uri="{E40237B7-FDA0-4F09-8148-C483321AD2D9}">
+          <dgm14:cNvPr xmlns:dgm14="http://schemas.microsoft.com/office/drawing/2010/diagram" id="0" name="" descr="Syncing Cloud"/>
+        </a:ext>
+      </dgm:extLst>
+    </dgm:pt>
+    <dgm:pt modelId="{D179D109-70E0-4B2B-8C2E-5A6BA1F0A7D0}" type="pres">
+      <dgm:prSet presAssocID="{4C7743BD-7C99-45F2-B98B-9BF8F0E223E6}" presName="iconSpace" presStyleCnt="0"/>
+      <dgm:spPr/>
+    </dgm:pt>
+    <dgm:pt modelId="{8A51C4C9-8945-4398-9608-4C75880FBD45}" type="pres">
+      <dgm:prSet presAssocID="{4C7743BD-7C99-45F2-B98B-9BF8F0E223E6}" presName="parTx" presStyleLbl="revTx" presStyleIdx="0" presStyleCnt="4">
+        <dgm:presLayoutVars>
+          <dgm:chMax val="0"/>
+          <dgm:chPref val="0"/>
+        </dgm:presLayoutVars>
+      </dgm:prSet>
+      <dgm:spPr/>
+    </dgm:pt>
+    <dgm:pt modelId="{8524BCF6-5461-4AFE-BFB3-B2DC9F071615}" type="pres">
+      <dgm:prSet presAssocID="{4C7743BD-7C99-45F2-B98B-9BF8F0E223E6}" presName="txSpace" presStyleCnt="0"/>
+      <dgm:spPr/>
+    </dgm:pt>
+    <dgm:pt modelId="{5366B811-1A62-4ABD-8B39-308C8A6A2D6B}" type="pres">
+      <dgm:prSet presAssocID="{4C7743BD-7C99-45F2-B98B-9BF8F0E223E6}" presName="desTx" presStyleLbl="revTx" presStyleIdx="1" presStyleCnt="4">
+        <dgm:presLayoutVars/>
+      </dgm:prSet>
+      <dgm:spPr/>
+    </dgm:pt>
+    <dgm:pt modelId="{8EE5519D-9E11-4107-BCDF-BCED60488CA4}" type="pres">
+      <dgm:prSet presAssocID="{4D2BE505-7FFE-4A34-922D-C48753F9405A}" presName="sibTrans" presStyleCnt="0"/>
+      <dgm:spPr/>
+    </dgm:pt>
+    <dgm:pt modelId="{1F01F1C9-BE58-4EA0-852E-78800069A326}" type="pres">
+      <dgm:prSet presAssocID="{26A76B25-48EA-4743-ACCC-E1447941F0FF}" presName="compNode" presStyleCnt="0"/>
+      <dgm:spPr/>
+    </dgm:pt>
+    <dgm:pt modelId="{47D6DE55-F62F-4F49-B579-4CEFCECD7DD6}" type="pres">
+      <dgm:prSet presAssocID="{26A76B25-48EA-4743-ACCC-E1447941F0FF}" presName="iconRect" presStyleLbl="node1" presStyleIdx="1" presStyleCnt="2"/>
+      <dgm:spPr>
+        <a:blipFill>
+          <a:blip xmlns:r="http://schemas.openxmlformats.org/officeDocument/2006/relationships" r:embed="rId3">
+            <a:extLst>
+              <a:ext uri="{28A0092B-C50C-407E-A947-70E740481C1C}">
+                <a14:useLocalDpi xmlns:a14="http://schemas.microsoft.com/office/drawing/2010/main" val="0"/>
+              </a:ext>
+              <a:ext uri="{96DAC541-7B7A-43D3-8B79-37D633B846F1}">
+                <asvg:svgBlip xmlns:asvg="http://schemas.microsoft.com/office/drawing/2016/SVG/main" r:embed="rId4"/>
+              </a:ext>
+            </a:extLst>
+          </a:blip>
+          <a:stretch>
+            <a:fillRect/>
+          </a:stretch>
+        </a:blipFill>
+      </dgm:spPr>
+      <dgm:extLst>
+        <a:ext uri="{E40237B7-FDA0-4F09-8148-C483321AD2D9}">
+          <dgm14:cNvPr xmlns:dgm14="http://schemas.microsoft.com/office/drawing/2010/diagram" id="0" name="" descr="Processor"/>
+        </a:ext>
+      </dgm:extLst>
+    </dgm:pt>
+    <dgm:pt modelId="{2F8A0C32-10F4-4B5E-B061-DF2A29FF8B24}" type="pres">
+      <dgm:prSet presAssocID="{26A76B25-48EA-4743-ACCC-E1447941F0FF}" presName="iconSpace" presStyleCnt="0"/>
+      <dgm:spPr/>
+    </dgm:pt>
+    <dgm:pt modelId="{B5E7056B-2B58-4AAC-91A1-AA46BE788678}" type="pres">
+      <dgm:prSet presAssocID="{26A76B25-48EA-4743-ACCC-E1447941F0FF}" presName="parTx" presStyleLbl="revTx" presStyleIdx="2" presStyleCnt="4">
+        <dgm:presLayoutVars>
+          <dgm:chMax val="0"/>
+          <dgm:chPref val="0"/>
+        </dgm:presLayoutVars>
+      </dgm:prSet>
+      <dgm:spPr/>
+    </dgm:pt>
+    <dgm:pt modelId="{DCC95F2C-D33A-4BF6-85CF-041700D364C2}" type="pres">
+      <dgm:prSet presAssocID="{26A76B25-48EA-4743-ACCC-E1447941F0FF}" presName="txSpace" presStyleCnt="0"/>
+      <dgm:spPr/>
+    </dgm:pt>
+    <dgm:pt modelId="{5E3F5CE1-3BE0-45EC-B586-41E2FBCFFDEC}" type="pres">
+      <dgm:prSet presAssocID="{26A76B25-48EA-4743-ACCC-E1447941F0FF}" presName="desTx" presStyleLbl="revTx" presStyleIdx="3" presStyleCnt="4">
+        <dgm:presLayoutVars/>
+      </dgm:prSet>
+      <dgm:spPr/>
+    </dgm:pt>
+  </dgm:ptLst>
+  <dgm:cxnLst>
+    <dgm:cxn modelId="{803BC40C-CF61-448F-A4A6-913FBBD472A5}" srcId="{D4B8E38F-D4BA-4C07-84BB-9B78A7D1FF94}" destId="{B3A8EE05-B091-42C1-93DB-033AF52CFF22}" srcOrd="0" destOrd="0" parTransId="{19E996CD-78F2-4AF6-B855-5FAB71E83372}" sibTransId="{C655C038-57EC-4FC9-B362-A4B5E85BE1D9}"/>
+    <dgm:cxn modelId="{514D811C-E91B-446F-B8E7-C6288B06CB2C}" srcId="{D4B8E38F-D4BA-4C07-84BB-9B78A7D1FF94}" destId="{11927494-446B-43B0-BF8C-05EFBD24A84D}" srcOrd="1" destOrd="0" parTransId="{74DCB0DE-8766-424F-9F89-922A5FACA3C2}" sibTransId="{C2DB35A8-E94C-4271-AAEF-0ED17D820858}"/>
+    <dgm:cxn modelId="{26083825-3317-8546-BB57-EFBAEDEC2E99}" type="presOf" srcId="{38E0C723-13A0-4449-BC94-6587892EA2F3}" destId="{5366B811-1A62-4ABD-8B39-308C8A6A2D6B}" srcOrd="0" destOrd="0" presId="urn:microsoft.com/office/officeart/2018/2/layout/IconLabelDescriptionList"/>
+    <dgm:cxn modelId="{72A86745-CD89-B140-A600-797174694B14}" type="presOf" srcId="{D4B8E38F-D4BA-4C07-84BB-9B78A7D1FF94}" destId="{5366B811-1A62-4ABD-8B39-308C8A6A2D6B}" srcOrd="0" destOrd="1" presId="urn:microsoft.com/office/officeart/2018/2/layout/IconLabelDescriptionList"/>
+    <dgm:cxn modelId="{10968852-469E-5F4F-AC17-8C9956E5909D}" type="presOf" srcId="{26A76B25-48EA-4743-ACCC-E1447941F0FF}" destId="{B5E7056B-2B58-4AAC-91A1-AA46BE788678}" srcOrd="0" destOrd="0" presId="urn:microsoft.com/office/officeart/2018/2/layout/IconLabelDescriptionList"/>
+    <dgm:cxn modelId="{FCE65274-5CD0-B54C-BC8D-BC358923BCE8}" type="presOf" srcId="{11927494-446B-43B0-BF8C-05EFBD24A84D}" destId="{5366B811-1A62-4ABD-8B39-308C8A6A2D6B}" srcOrd="0" destOrd="3" presId="urn:microsoft.com/office/officeart/2018/2/layout/IconLabelDescriptionList"/>
+    <dgm:cxn modelId="{858EC775-258A-D54D-9E9D-D6DF4C071F67}" type="presOf" srcId="{D9D9BE32-417E-4224-BAB0-7933B1157AB9}" destId="{93AE977C-1848-4312-A023-8ACA575FB54B}" srcOrd="0" destOrd="0" presId="urn:microsoft.com/office/officeart/2018/2/layout/IconLabelDescriptionList"/>
+    <dgm:cxn modelId="{2C336E8D-0775-4B93-B422-92DF59898631}" srcId="{D9D9BE32-417E-4224-BAB0-7933B1157AB9}" destId="{4C7743BD-7C99-45F2-B98B-9BF8F0E223E6}" srcOrd="0" destOrd="0" parTransId="{5B630D7A-68C7-44D9-BEF8-B28E0E48FC92}" sibTransId="{4D2BE505-7FFE-4A34-922D-C48753F9405A}"/>
+    <dgm:cxn modelId="{60BA8496-8B3A-7B49-8BFA-8907925CFB3B}" type="presOf" srcId="{B3A8EE05-B091-42C1-93DB-033AF52CFF22}" destId="{5366B811-1A62-4ABD-8B39-308C8A6A2D6B}" srcOrd="0" destOrd="2" presId="urn:microsoft.com/office/officeart/2018/2/layout/IconLabelDescriptionList"/>
+    <dgm:cxn modelId="{6CCE399B-E953-484D-BE25-F9A801C7C8B0}" type="presOf" srcId="{4C7743BD-7C99-45F2-B98B-9BF8F0E223E6}" destId="{8A51C4C9-8945-4398-9608-4C75880FBD45}" srcOrd="0" destOrd="0" presId="urn:microsoft.com/office/officeart/2018/2/layout/IconLabelDescriptionList"/>
+    <dgm:cxn modelId="{231D969F-459D-409F-8BC3-371A8C59FCF6}" srcId="{4C7743BD-7C99-45F2-B98B-9BF8F0E223E6}" destId="{D4B8E38F-D4BA-4C07-84BB-9B78A7D1FF94}" srcOrd="1" destOrd="0" parTransId="{BE4F2FD1-E469-4CAD-BA11-4FEF7CBA3885}" sibTransId="{8C54AE00-DFFB-49DB-AB1D-F80AEFD681A0}"/>
+    <dgm:cxn modelId="{4B47D6AE-A18B-464D-B7F4-1F390880FDAB}" type="presOf" srcId="{619D9F95-4E26-43E8-B086-C8B515D864F1}" destId="{5E3F5CE1-3BE0-45EC-B586-41E2FBCFFDEC}" srcOrd="0" destOrd="0" presId="urn:microsoft.com/office/officeart/2018/2/layout/IconLabelDescriptionList"/>
+    <dgm:cxn modelId="{914141C6-2107-4ECA-99CB-34C14164CAA8}" srcId="{26A76B25-48EA-4743-ACCC-E1447941F0FF}" destId="{619D9F95-4E26-43E8-B086-C8B515D864F1}" srcOrd="0" destOrd="0" parTransId="{AB1E6CB0-36BD-4C66-8230-91B0A40C5658}" sibTransId="{659541CB-111B-4C9E-84EB-BA886CBB7617}"/>
+    <dgm:cxn modelId="{AC790DE4-28CB-49D1-9428-3C90B913EBC0}" srcId="{4C7743BD-7C99-45F2-B98B-9BF8F0E223E6}" destId="{38E0C723-13A0-4449-BC94-6587892EA2F3}" srcOrd="0" destOrd="0" parTransId="{1A63C3C3-973D-45D3-BCF5-075E7AD08784}" sibTransId="{556FE32F-255C-4F4A-966A-9844627858A9}"/>
+    <dgm:cxn modelId="{B45E9AFE-856E-46B8-B320-11BD356880E1}" srcId="{D9D9BE32-417E-4224-BAB0-7933B1157AB9}" destId="{26A76B25-48EA-4743-ACCC-E1447941F0FF}" srcOrd="1" destOrd="0" parTransId="{054D4BAE-B355-4EBE-B75F-A82D5D37088A}" sibTransId="{FE267A1E-10BC-4C82-85F9-89CE884B97F0}"/>
+    <dgm:cxn modelId="{118C117D-12E3-F240-B03D-6C446F182566}" type="presParOf" srcId="{93AE977C-1848-4312-A023-8ACA575FB54B}" destId="{DC7E8E2D-5059-4423-B0CC-A618856B85D1}" srcOrd="0" destOrd="0" presId="urn:microsoft.com/office/officeart/2018/2/layout/IconLabelDescriptionList"/>
+    <dgm:cxn modelId="{8F7E1FC5-655D-E241-94B0-6331A787035D}" type="presParOf" srcId="{DC7E8E2D-5059-4423-B0CC-A618856B85D1}" destId="{04C74D0D-EAF3-44A5-A749-06A61D0A6F4A}" srcOrd="0" destOrd="0" presId="urn:microsoft.com/office/officeart/2018/2/layout/IconLabelDescriptionList"/>
+    <dgm:cxn modelId="{1C94A230-2B1D-804E-AB4D-3B47DA57F4E0}" type="presParOf" srcId="{DC7E8E2D-5059-4423-B0CC-A618856B85D1}" destId="{D179D109-70E0-4B2B-8C2E-5A6BA1F0A7D0}" srcOrd="1" destOrd="0" presId="urn:microsoft.com/office/officeart/2018/2/layout/IconLabelDescriptionList"/>
+    <dgm:cxn modelId="{4BE7759D-5BC2-EA45-BA6F-7DEE74BD87CB}" type="presParOf" srcId="{DC7E8E2D-5059-4423-B0CC-A618856B85D1}" destId="{8A51C4C9-8945-4398-9608-4C75880FBD45}" srcOrd="2" destOrd="0" presId="urn:microsoft.com/office/officeart/2018/2/layout/IconLabelDescriptionList"/>
+    <dgm:cxn modelId="{4085A372-3FD9-DF42-BD04-AEF93265AE84}" type="presParOf" srcId="{DC7E8E2D-5059-4423-B0CC-A618856B85D1}" destId="{8524BCF6-5461-4AFE-BFB3-B2DC9F071615}" srcOrd="3" destOrd="0" presId="urn:microsoft.com/office/officeart/2018/2/layout/IconLabelDescriptionList"/>
+    <dgm:cxn modelId="{0178DBE4-9A74-034F-AEE0-A801FA815DD9}" type="presParOf" srcId="{DC7E8E2D-5059-4423-B0CC-A618856B85D1}" destId="{5366B811-1A62-4ABD-8B39-308C8A6A2D6B}" srcOrd="4" destOrd="0" presId="urn:microsoft.com/office/officeart/2018/2/layout/IconLabelDescriptionList"/>
+    <dgm:cxn modelId="{67530FD5-EF53-484E-B510-921ABEFA3712}" type="presParOf" srcId="{93AE977C-1848-4312-A023-8ACA575FB54B}" destId="{8EE5519D-9E11-4107-BCDF-BCED60488CA4}" srcOrd="1" destOrd="0" presId="urn:microsoft.com/office/officeart/2018/2/layout/IconLabelDescriptionList"/>
+    <dgm:cxn modelId="{1EBB9EC1-4C92-9B45-9C3D-817650951816}" type="presParOf" srcId="{93AE977C-1848-4312-A023-8ACA575FB54B}" destId="{1F01F1C9-BE58-4EA0-852E-78800069A326}" srcOrd="2" destOrd="0" presId="urn:microsoft.com/office/officeart/2018/2/layout/IconLabelDescriptionList"/>
+    <dgm:cxn modelId="{45226E93-94FD-7040-A436-D9B9EF53B604}" type="presParOf" srcId="{1F01F1C9-BE58-4EA0-852E-78800069A326}" destId="{47D6DE55-F62F-4F49-B579-4CEFCECD7DD6}" srcOrd="0" destOrd="0" presId="urn:microsoft.com/office/officeart/2018/2/layout/IconLabelDescriptionList"/>
+    <dgm:cxn modelId="{77F7BA55-8665-9C42-AF20-828508DF3FA1}" type="presParOf" srcId="{1F01F1C9-BE58-4EA0-852E-78800069A326}" destId="{2F8A0C32-10F4-4B5E-B061-DF2A29FF8B24}" srcOrd="1" destOrd="0" presId="urn:microsoft.com/office/officeart/2018/2/layout/IconLabelDescriptionList"/>
+    <dgm:cxn modelId="{E711FEB2-B671-EA43-85B1-B4744818F8AF}" type="presParOf" srcId="{1F01F1C9-BE58-4EA0-852E-78800069A326}" destId="{B5E7056B-2B58-4AAC-91A1-AA46BE788678}" srcOrd="2" destOrd="0" presId="urn:microsoft.com/office/officeart/2018/2/layout/IconLabelDescriptionList"/>
+    <dgm:cxn modelId="{7410EDD8-4089-4741-8B6F-2D6D80286017}" type="presParOf" srcId="{1F01F1C9-BE58-4EA0-852E-78800069A326}" destId="{DCC95F2C-D33A-4BF6-85CF-041700D364C2}" srcOrd="3" destOrd="0" presId="urn:microsoft.com/office/officeart/2018/2/layout/IconLabelDescriptionList"/>
+    <dgm:cxn modelId="{984B7B07-63BA-5343-A956-FB70A1444E7E}" type="presParOf" srcId="{1F01F1C9-BE58-4EA0-852E-78800069A326}" destId="{5E3F5CE1-3BE0-45EC-B586-41E2FBCFFDEC}" srcOrd="4" destOrd="0" presId="urn:microsoft.com/office/officeart/2018/2/layout/IconLabelDescriptionList"/>
+  </dgm:cxnLst>
+  <dgm:bg/>
+  <dgm:whole/>
+  <dgm:extLst>
+    <a:ext uri="http://schemas.microsoft.com/office/drawing/2008/diagram">
+      <dsp:dataModelExt xmlns:dsp="http://schemas.microsoft.com/office/drawing/2008/diagram" relId="rId6" minVer="http://schemas.openxmlformats.org/drawingml/2006/diagram"/>
+    </a:ext>
+  </dgm:extLst>
+</dgm:dataModel>
+</file>
+
+<file path=ppt/diagrams/drawing1.xml><?xml version="1.0" encoding="utf-8"?>
+<dsp:drawing xmlns:dgm="http://schemas.openxmlformats.org/drawingml/2006/diagram" xmlns:dsp="http://schemas.microsoft.com/office/drawing/2008/diagram" xmlns:a="http://schemas.openxmlformats.org/drawingml/2006/main">
+  <dsp:spTree>
+    <dsp:nvGrpSpPr>
+      <dsp:cNvPr id="0" name=""/>
+      <dsp:cNvGrpSpPr/>
+    </dsp:nvGrpSpPr>
+    <dsp:grpSpPr/>
+    <dsp:sp modelId="{04C74D0D-EAF3-44A5-A749-06A61D0A6F4A}">
+      <dsp:nvSpPr>
+        <dsp:cNvPr id="0" name=""/>
+        <dsp:cNvSpPr/>
+      </dsp:nvSpPr>
+      <dsp:spPr>
+        <a:xfrm>
+          <a:off x="418068" y="32348"/>
+          <a:ext cx="1512000" cy="1512000"/>
+        </a:xfrm>
+        <a:prstGeom prst="rect">
+          <a:avLst/>
+        </a:prstGeom>
+        <a:blipFill>
+          <a:blip xmlns:r="http://schemas.openxmlformats.org/officeDocument/2006/relationships" r:embed="rId1">
+            <a:extLst>
+              <a:ext uri="{28A0092B-C50C-407E-A947-70E740481C1C}">
+                <a14:useLocalDpi xmlns:a14="http://schemas.microsoft.com/office/drawing/2010/main" val="0"/>
+              </a:ext>
+              <a:ext uri="{96DAC541-7B7A-43D3-8B79-37D633B846F1}">
+                <asvg:svgBlip xmlns:asvg="http://schemas.microsoft.com/office/drawing/2016/SVG/main" r:embed="rId2"/>
+              </a:ext>
+            </a:extLst>
+          </a:blip>
+          <a:stretch>
+            <a:fillRect/>
+          </a:stretch>
+        </a:blipFill>
+        <a:ln w="19050" cap="flat" cmpd="sng" algn="ctr">
+          <a:solidFill>
+            <a:schemeClr val="lt1">
+              <a:alpha val="0"/>
+              <a:hueOff val="0"/>
+              <a:satOff val="0"/>
+              <a:lumOff val="0"/>
+              <a:alphaOff val="0"/>
+            </a:schemeClr>
+          </a:solidFill>
+          <a:prstDash val="solid"/>
+          <a:miter lim="800000"/>
+        </a:ln>
+        <a:effectLst/>
+      </dsp:spPr>
+      <dsp:style>
+        <a:lnRef idx="2">
+          <a:scrgbClr r="0" g="0" b="0"/>
+        </a:lnRef>
+        <a:fillRef idx="1">
+          <a:scrgbClr r="0" g="0" b="0"/>
+        </a:fillRef>
+        <a:effectRef idx="0">
+          <a:scrgbClr r="0" g="0" b="0"/>
+        </a:effectRef>
+        <a:fontRef idx="minor">
+          <a:schemeClr val="lt1"/>
+        </a:fontRef>
+      </dsp:style>
+    </dsp:sp>
+    <dsp:sp modelId="{8A51C4C9-8945-4398-9608-4C75880FBD45}">
+      <dsp:nvSpPr>
+        <dsp:cNvPr id="0" name=""/>
+        <dsp:cNvSpPr/>
+      </dsp:nvSpPr>
+      <dsp:spPr>
+        <a:xfrm>
+          <a:off x="418068" y="1771299"/>
+          <a:ext cx="4320000" cy="648000"/>
+        </a:xfrm>
+        <a:prstGeom prst="rect">
+          <a:avLst/>
+        </a:prstGeom>
+        <a:noFill/>
+        <a:ln>
+          <a:noFill/>
+        </a:ln>
+        <a:effectLst/>
+      </dsp:spPr>
+      <dsp:style>
+        <a:lnRef idx="0">
+          <a:scrgbClr r="0" g="0" b="0"/>
+        </a:lnRef>
+        <a:fillRef idx="0">
+          <a:scrgbClr r="0" g="0" b="0"/>
+        </a:fillRef>
+        <a:effectRef idx="0">
+          <a:scrgbClr r="0" g="0" b="0"/>
+        </a:effectRef>
+        <a:fontRef idx="minor"/>
+      </dsp:style>
+      <dsp:txBody>
+        <a:bodyPr spcFirstLastPara="0" vert="horz" wrap="square" lIns="0" tIns="0" rIns="0" bIns="0" numCol="1" spcCol="1270" anchor="t" anchorCtr="0">
+          <a:noAutofit/>
+        </a:bodyPr>
+        <a:lstStyle/>
+        <a:p>
+          <a:pPr marL="0" lvl="0" indent="0" algn="l" defTabSz="1022350">
+            <a:lnSpc>
+              <a:spcPct val="100000"/>
+            </a:lnSpc>
+            <a:spcBef>
+              <a:spcPct val="0"/>
+            </a:spcBef>
+            <a:spcAft>
+              <a:spcPct val="35000"/>
+            </a:spcAft>
+            <a:buNone/>
+            <a:defRPr b="1"/>
+          </a:pPr>
+          <a:r>
+            <a:rPr lang="en-US" sz="2300" b="1" i="0" kern="1200"/>
+            <a:t>Data Collection and Challenges</a:t>
+          </a:r>
+          <a:endParaRPr lang="en-US" sz="2300" kern="1200"/>
+        </a:p>
+      </dsp:txBody>
+      <dsp:txXfrm>
+        <a:off x="418068" y="1771299"/>
+        <a:ext cx="4320000" cy="648000"/>
+      </dsp:txXfrm>
+    </dsp:sp>
+    <dsp:sp modelId="{5366B811-1A62-4ABD-8B39-308C8A6A2D6B}">
+      <dsp:nvSpPr>
+        <dsp:cNvPr id="0" name=""/>
+        <dsp:cNvSpPr/>
+      </dsp:nvSpPr>
+      <dsp:spPr>
+        <a:xfrm>
+          <a:off x="418068" y="2524858"/>
+          <a:ext cx="4320000" cy="2785432"/>
+        </a:xfrm>
+        <a:prstGeom prst="rect">
+          <a:avLst/>
+        </a:prstGeom>
+        <a:noFill/>
+        <a:ln>
+          <a:noFill/>
+        </a:ln>
+        <a:effectLst/>
+      </dsp:spPr>
+      <dsp:style>
+        <a:lnRef idx="0">
+          <a:scrgbClr r="0" g="0" b="0"/>
+        </a:lnRef>
+        <a:fillRef idx="0">
+          <a:scrgbClr r="0" g="0" b="0"/>
+        </a:fillRef>
+        <a:effectRef idx="0">
+          <a:scrgbClr r="0" g="0" b="0"/>
+        </a:effectRef>
+        <a:fontRef idx="minor"/>
+      </dsp:style>
+      <dsp:txBody>
+        <a:bodyPr spcFirstLastPara="0" vert="horz" wrap="square" lIns="0" tIns="0" rIns="0" bIns="0" numCol="1" spcCol="1270" anchor="t" anchorCtr="0">
+          <a:noAutofit/>
+        </a:bodyPr>
+        <a:lstStyle/>
+        <a:p>
+          <a:pPr marL="0" lvl="0" indent="0" algn="l" defTabSz="755650">
+            <a:lnSpc>
+              <a:spcPct val="100000"/>
+            </a:lnSpc>
+            <a:spcBef>
+              <a:spcPct val="0"/>
+            </a:spcBef>
+            <a:spcAft>
+              <a:spcPct val="35000"/>
+            </a:spcAft>
+            <a:buNone/>
+          </a:pPr>
+          <a:r>
+            <a:rPr lang="en-US" sz="1700" b="1" i="0" kern="1200"/>
+            <a:t>Data Source</a:t>
+          </a:r>
+          <a:r>
+            <a:rPr lang="en-US" sz="1700" b="0" i="0" kern="1200"/>
+            <a:t>: </a:t>
+          </a:r>
+          <a:r>
+            <a:rPr lang="en-US" sz="1700" kern="1200"/>
+            <a:t>Open Weather provides different APIs to pull weather data. </a:t>
+          </a:r>
+          <a:r>
+            <a:rPr lang="en-US" sz="1700" b="0" i="0" kern="1200"/>
+            <a:t>Attempted to collect bulk weather data from OpenWeatherMap API using Python for the past 45 years.</a:t>
+          </a:r>
+          <a:endParaRPr lang="en-US" sz="1700" kern="1200" dirty="0"/>
+        </a:p>
+        <a:p>
+          <a:pPr marL="0" lvl="0" indent="0" algn="l" defTabSz="755650">
+            <a:lnSpc>
+              <a:spcPct val="100000"/>
+            </a:lnSpc>
+            <a:spcBef>
+              <a:spcPct val="0"/>
+            </a:spcBef>
+            <a:spcAft>
+              <a:spcPct val="35000"/>
+            </a:spcAft>
+            <a:buNone/>
+          </a:pPr>
+          <a:r>
+            <a:rPr lang="en-US" sz="1700" b="1" i="0" kern="1200"/>
+            <a:t>Challenges</a:t>
+          </a:r>
+          <a:r>
+            <a:rPr lang="en-US" sz="1700" b="0" i="0" kern="1200"/>
+            <a:t>:</a:t>
+          </a:r>
+          <a:endParaRPr lang="en-US" sz="1700" kern="1200"/>
+        </a:p>
+        <a:p>
+          <a:pPr marL="171450" lvl="1" indent="-171450" algn="l" defTabSz="755650">
+            <a:lnSpc>
+              <a:spcPct val="90000"/>
+            </a:lnSpc>
+            <a:spcBef>
+              <a:spcPct val="0"/>
+            </a:spcBef>
+            <a:spcAft>
+              <a:spcPct val="15000"/>
+            </a:spcAft>
+            <a:buChar char="•"/>
+          </a:pPr>
+          <a:r>
+            <a:rPr lang="en-US" sz="1700" b="0" i="0" kern="1200"/>
+            <a:t>Data retrieved contained only a few unique timestamps due to subscription limitations.</a:t>
+          </a:r>
+          <a:endParaRPr lang="en-US" sz="1700" kern="1200"/>
+        </a:p>
+        <a:p>
+          <a:pPr marL="171450" lvl="1" indent="-171450" algn="l" defTabSz="755650">
+            <a:lnSpc>
+              <a:spcPct val="90000"/>
+            </a:lnSpc>
+            <a:spcBef>
+              <a:spcPct val="0"/>
+            </a:spcBef>
+            <a:spcAft>
+              <a:spcPct val="15000"/>
+            </a:spcAft>
+            <a:buChar char="•"/>
+          </a:pPr>
+          <a:r>
+            <a:rPr lang="en-US" sz="1700" b="0" i="0" kern="1200"/>
+            <a:t>Unable to find real weather data through alternative sources.</a:t>
+          </a:r>
+          <a:endParaRPr lang="en-US" sz="1700" kern="1200"/>
+        </a:p>
+      </dsp:txBody>
+      <dsp:txXfrm>
+        <a:off x="418068" y="2524858"/>
+        <a:ext cx="4320000" cy="2785432"/>
+      </dsp:txXfrm>
+    </dsp:sp>
+    <dsp:sp modelId="{47D6DE55-F62F-4F49-B579-4CEFCECD7DD6}">
+      <dsp:nvSpPr>
+        <dsp:cNvPr id="0" name=""/>
+        <dsp:cNvSpPr/>
+      </dsp:nvSpPr>
+      <dsp:spPr>
+        <a:xfrm>
+          <a:off x="5494068" y="32348"/>
+          <a:ext cx="1512000" cy="1512000"/>
+        </a:xfrm>
+        <a:prstGeom prst="rect">
+          <a:avLst/>
+        </a:prstGeom>
+        <a:blipFill>
+          <a:blip xmlns:r="http://schemas.openxmlformats.org/officeDocument/2006/relationships" r:embed="rId3">
+            <a:extLst>
+              <a:ext uri="{28A0092B-C50C-407E-A947-70E740481C1C}">
+                <a14:useLocalDpi xmlns:a14="http://schemas.microsoft.com/office/drawing/2010/main" val="0"/>
+              </a:ext>
+              <a:ext uri="{96DAC541-7B7A-43D3-8B79-37D633B846F1}">
+                <asvg:svgBlip xmlns:asvg="http://schemas.microsoft.com/office/drawing/2016/SVG/main" r:embed="rId4"/>
+              </a:ext>
+            </a:extLst>
+          </a:blip>
+          <a:stretch>
+            <a:fillRect/>
+          </a:stretch>
+        </a:blipFill>
+        <a:ln w="19050" cap="flat" cmpd="sng" algn="ctr">
+          <a:solidFill>
+            <a:schemeClr val="lt1">
+              <a:alpha val="0"/>
+              <a:hueOff val="0"/>
+              <a:satOff val="0"/>
+              <a:lumOff val="0"/>
+              <a:alphaOff val="0"/>
+            </a:schemeClr>
+          </a:solidFill>
+          <a:prstDash val="solid"/>
+          <a:miter lim="800000"/>
+        </a:ln>
+        <a:effectLst/>
+      </dsp:spPr>
+      <dsp:style>
+        <a:lnRef idx="2">
+          <a:scrgbClr r="0" g="0" b="0"/>
+        </a:lnRef>
+        <a:fillRef idx="1">
+          <a:scrgbClr r="0" g="0" b="0"/>
+        </a:fillRef>
+        <a:effectRef idx="0">
+          <a:scrgbClr r="0" g="0" b="0"/>
+        </a:effectRef>
+        <a:fontRef idx="minor">
+          <a:schemeClr val="lt1"/>
+        </a:fontRef>
+      </dsp:style>
+    </dsp:sp>
+    <dsp:sp modelId="{B5E7056B-2B58-4AAC-91A1-AA46BE788678}">
+      <dsp:nvSpPr>
+        <dsp:cNvPr id="0" name=""/>
+        <dsp:cNvSpPr/>
+      </dsp:nvSpPr>
+      <dsp:spPr>
+        <a:xfrm>
+          <a:off x="5494068" y="1771299"/>
+          <a:ext cx="4320000" cy="648000"/>
+        </a:xfrm>
+        <a:prstGeom prst="rect">
+          <a:avLst/>
+        </a:prstGeom>
+        <a:noFill/>
+        <a:ln>
+          <a:noFill/>
+        </a:ln>
+        <a:effectLst/>
+      </dsp:spPr>
+      <dsp:style>
+        <a:lnRef idx="0">
+          <a:scrgbClr r="0" g="0" b="0"/>
+        </a:lnRef>
+        <a:fillRef idx="0">
+          <a:scrgbClr r="0" g="0" b="0"/>
+        </a:fillRef>
+        <a:effectRef idx="0">
+          <a:scrgbClr r="0" g="0" b="0"/>
+        </a:effectRef>
+        <a:fontRef idx="minor"/>
+      </dsp:style>
+      <dsp:txBody>
+        <a:bodyPr spcFirstLastPara="0" vert="horz" wrap="square" lIns="0" tIns="0" rIns="0" bIns="0" numCol="1" spcCol="1270" anchor="t" anchorCtr="0">
+          <a:noAutofit/>
+        </a:bodyPr>
+        <a:lstStyle/>
+        <a:p>
+          <a:pPr marL="0" lvl="0" indent="0" algn="l" defTabSz="1022350">
+            <a:lnSpc>
+              <a:spcPct val="100000"/>
+            </a:lnSpc>
+            <a:spcBef>
+              <a:spcPct val="0"/>
+            </a:spcBef>
+            <a:spcAft>
+              <a:spcPct val="35000"/>
+            </a:spcAft>
+            <a:buNone/>
+            <a:defRPr b="1"/>
+          </a:pPr>
+          <a:r>
+            <a:rPr lang="en-US" sz="2300" b="1" i="0" kern="1200"/>
+            <a:t>Solution</a:t>
+          </a:r>
+          <a:r>
+            <a:rPr lang="en-US" sz="2300" b="0" i="0" kern="1200"/>
+            <a:t>:</a:t>
+          </a:r>
+          <a:endParaRPr lang="en-US" sz="2300" kern="1200"/>
+        </a:p>
+      </dsp:txBody>
+      <dsp:txXfrm>
+        <a:off x="5494068" y="1771299"/>
+        <a:ext cx="4320000" cy="648000"/>
+      </dsp:txXfrm>
+    </dsp:sp>
+    <dsp:sp modelId="{5E3F5CE1-3BE0-45EC-B586-41E2FBCFFDEC}">
+      <dsp:nvSpPr>
+        <dsp:cNvPr id="0" name=""/>
+        <dsp:cNvSpPr/>
+      </dsp:nvSpPr>
+      <dsp:spPr>
+        <a:xfrm>
+          <a:off x="5494068" y="2524858"/>
+          <a:ext cx="4320000" cy="2785432"/>
+        </a:xfrm>
+        <a:prstGeom prst="rect">
+          <a:avLst/>
+        </a:prstGeom>
+        <a:noFill/>
+        <a:ln>
+          <a:noFill/>
+        </a:ln>
+        <a:effectLst/>
+      </dsp:spPr>
+      <dsp:style>
+        <a:lnRef idx="0">
+          <a:scrgbClr r="0" g="0" b="0"/>
+        </a:lnRef>
+        <a:fillRef idx="0">
+          <a:scrgbClr r="0" g="0" b="0"/>
+        </a:fillRef>
+        <a:effectRef idx="0">
+          <a:scrgbClr r="0" g="0" b="0"/>
+        </a:effectRef>
+        <a:fontRef idx="minor"/>
+      </dsp:style>
+      <dsp:txBody>
+        <a:bodyPr spcFirstLastPara="0" vert="horz" wrap="square" lIns="0" tIns="0" rIns="0" bIns="0" numCol="1" spcCol="1270" anchor="t" anchorCtr="0">
+          <a:noAutofit/>
+        </a:bodyPr>
+        <a:lstStyle/>
+        <a:p>
+          <a:pPr marL="0" lvl="0" indent="0" algn="l" defTabSz="755650">
+            <a:lnSpc>
+              <a:spcPct val="100000"/>
+            </a:lnSpc>
+            <a:spcBef>
+              <a:spcPct val="0"/>
+            </a:spcBef>
+            <a:spcAft>
+              <a:spcPct val="35000"/>
+            </a:spcAft>
+            <a:buNone/>
+          </a:pPr>
+          <a:r>
+            <a:rPr lang="en-US" sz="1700" b="0" i="0" kern="1200"/>
+            <a:t>Created a Python utility to generate 2GB of synthetic data, simulating the typical response from OpenWeatherMap API.</a:t>
+          </a:r>
+          <a:endParaRPr lang="en-US" sz="1700" kern="1200" dirty="0"/>
+        </a:p>
+      </dsp:txBody>
+      <dsp:txXfrm>
+        <a:off x="5494068" y="2524858"/>
+        <a:ext cx="4320000" cy="2785432"/>
+      </dsp:txXfrm>
+    </dsp:sp>
+  </dsp:spTree>
+</dsp:drawing>
+</file>
+
+<file path=ppt/diagrams/layout1.xml><?xml version="1.0" encoding="utf-8"?>
+<dgm:layoutDef xmlns:dgm="http://schemas.openxmlformats.org/drawingml/2006/diagram" xmlns:a="http://schemas.openxmlformats.org/drawingml/2006/main" uniqueId="urn:microsoft.com/office/officeart/2018/2/layout/IconLabelDescriptionList">
+  <dgm:title val="Icon Label Description List"/>
+  <dgm:desc val="Use to show non-sequential or grouped chunks of information. The placeholder holds an icon or small picture, and corresponding text boxes show Level 1 and Level 2 text respectively. Works well for minimal Level 1 text accompanied by lengthier Level two text."/>
+  <dgm:catLst>
+    <dgm:cat type="icon" pri="500"/>
+  </dgm:catLst>
+  <dgm:sampData useDef="1">
+    <dgm:dataModel>
+      <dgm:ptLst/>
+      <dgm:bg/>
+      <dgm:whole/>
+    </dgm:dataModel>
+  </dgm:sampData>
+  <dgm:styleData useDef="1">
+    <dgm:dataModel>
+      <dgm:ptLst/>
+      <dgm:bg/>
+      <dgm:whole/>
+    </dgm:dataModel>
+  </dgm:styleData>
+  <dgm:clrData useDef="1">
+    <dgm:dataModel>
+      <dgm:ptLst/>
+      <dgm:bg/>
+      <dgm:whole/>
+    </dgm:dataModel>
+  </dgm:clrData>
+  <dgm:layoutNode name="root">
+    <dgm:varLst>
+      <dgm:dir/>
+      <dgm:resizeHandles val="exact"/>
+    </dgm:varLst>
+    <dgm:choose name="Name0">
+      <dgm:if name="Name1" axis="self" func="var" arg="dir" op="equ" val="norm">
+        <dgm:alg type="lin"/>
+      </dgm:if>
+      <dgm:else name="Name2">
+        <dgm:alg type="lin">
+          <dgm:param type="linDir" val="fromR"/>
+        </dgm:alg>
+      </dgm:else>
+    </dgm:choose>
+    <dgm:shape xmlns:r="http://schemas.openxmlformats.org/officeDocument/2006/relationships" r:blip="">
+      <dgm:adjLst/>
+    </dgm:shape>
+    <dgm:presOf/>
+    <dgm:constrLst>
+      <dgm:constr type="h" for="ch" forName="compNode" refType="h" fact="0.45"/>
+      <dgm:constr type="w" for="ch" forName="compNode" val="120"/>
+      <dgm:constr type="w" for="ch" forName="sibTrans" refType="w" refFor="ch" refForName="compNode" fact="0.175"/>
+      <dgm:constr type="primFontSz" for="des" forName="parTx" val="36"/>
+      <dgm:constr type="primFontSz" for="des" forName="desTx" refType="primFontSz" refFor="des" refForName="parTx" op="lte" fact="0.75"/>
+      <dgm:constr type="h" for="des" forName="compNode" op="equ"/>
+      <dgm:constr type="h" for="des" forName="iconRect" op="equ"/>
+      <dgm:constr type="w" for="des" forName="iconRect" op="equ"/>
+      <dgm:constr type="h" for="des" forName="iconSpace" op="equ"/>
+      <dgm:constr type="h" for="des" forName="parTx" op="equ"/>
+      <dgm:constr type="h" for="des" forName="txSpace" op="equ"/>
+      <dgm:constr type="h" for="des" forName="desTx" op="equ"/>
+    </dgm:constrLst>
+    <dgm:ruleLst>
+      <dgm:rule type="w" for="ch" forName="compNode" val="0" fact="NaN" max="NaN"/>
+    </dgm:ruleLst>
+    <dgm:forEach name="Name3" axis="ch" ptType="node">
+      <dgm:layoutNode name="compNode">
+        <dgm:alg type="composite"/>
+        <dgm:shape xmlns:r="http://schemas.openxmlformats.org/officeDocument/2006/relationships" r:blip="">
+          <dgm:adjLst/>
+        </dgm:shape>
+        <dgm:presOf axis="self"/>
+        <dgm:constrLst>
+          <dgm:constr type="w" for="ch" forName="iconRect" refType="w" fact="0.35"/>
+          <dgm:constr type="h" for="ch" forName="iconRect" refType="w" refFor="ch" refForName="iconRect"/>
+          <dgm:constr type="l" for="ch" forName="iconRect"/>
+          <dgm:constr type="t" for="ch" forName="iconRect"/>
+          <dgm:constr type="w" for="ch" forName="iconSpace" refType="w"/>
+          <dgm:constr type="h" for="ch" forName="iconSpace" refType="h" fact="0.043"/>
+          <dgm:constr type="l" for="ch" forName="iconSpace"/>
+          <dgm:constr type="t" for="ch" forName="iconSpace" refType="b" refFor="ch" refForName="iconRect"/>
+          <dgm:constr type="w" for="ch" forName="parTx" refType="w"/>
+          <dgm:constr type="h" for="ch" forName="parTx" refType="w" fact="0.15"/>
+          <dgm:constr type="l" for="ch" forName="parTx"/>
+          <dgm:constr type="t" for="ch" forName="parTx" refType="b" refFor="ch" refForName="iconSpace"/>
+          <dgm:constr type="h" for="ch" forName="txSpace" refType="h" fact="0.02"/>
+          <dgm:constr type="w" for="ch" forName="txSpace" refType="w"/>
+          <dgm:constr type="l" for="ch" forName="txSpace"/>
+          <dgm:constr type="t" for="ch" forName="txSpace" refType="b" refFor="ch" refForName="parTx"/>
+          <dgm:constr type="w" for="ch" forName="desTx" refType="w"/>
+          <dgm:constr type="l" for="ch" forName="desTx"/>
+          <dgm:constr type="t" for="ch" forName="desTx" refType="b" refFor="ch" refForName="txSpace"/>
+        </dgm:constrLst>
+        <dgm:ruleLst>
+          <dgm:rule type="h" val="INF" fact="NaN" max="NaN"/>
+        </dgm:ruleLst>
+        <dgm:layoutNode name="iconRect" styleLbl="node1">
+          <dgm:alg type="sp"/>
+          <dgm:shape xmlns:r="http://schemas.openxmlformats.org/officeDocument/2006/relationships" type="rect" r:blip="" blipPhldr="1">
+            <dgm:adjLst/>
+          </dgm:shape>
+          <dgm:presOf/>
+          <dgm:constrLst/>
+          <dgm:ruleLst/>
+        </dgm:layoutNode>
+        <dgm:layoutNode name="iconSpace">
+          <dgm:alg type="sp"/>
+          <dgm:shape xmlns:r="http://schemas.openxmlformats.org/officeDocument/2006/relationships" r:blip="">
+            <dgm:adjLst/>
+          </dgm:shape>
+          <dgm:presOf/>
+          <dgm:constrLst/>
+          <dgm:ruleLst/>
+        </dgm:layoutNode>
+        <dgm:layoutNode name="parTx" styleLbl="revTx">
+          <dgm:varLst>
+            <dgm:chMax val="0"/>
+            <dgm:chPref val="0"/>
+          </dgm:varLst>
+          <dgm:alg type="tx">
+            <dgm:param type="txAnchorVert" val="t"/>
+            <dgm:param type="parTxLTRAlign" val="l"/>
+            <dgm:param type="shpTxLTRAlignCh" val="l"/>
+            <dgm:param type="parTxRTLAlign" val="r"/>
+            <dgm:param type="shpTxRTLAlignCh" val="r"/>
+          </dgm:alg>
+          <dgm:shape xmlns:r="http://schemas.openxmlformats.org/officeDocument/2006/relationships" type="rect" r:blip="">
+            <dgm:adjLst/>
+          </dgm:shape>
+          <dgm:presOf axis="self" ptType="node"/>
+          <dgm:constrLst>
+            <dgm:constr type="lMarg"/>
+            <dgm:constr type="rMarg"/>
+            <dgm:constr type="tMarg"/>
+            <dgm:constr type="bMarg"/>
+          </dgm:constrLst>
+          <dgm:ruleLst>
+            <dgm:rule type="primFontSz" val="14" fact="NaN" max="NaN"/>
+            <dgm:rule type="h" val="INF" fact="NaN" max="NaN"/>
+          </dgm:ruleLst>
+        </dgm:layoutNode>
+        <dgm:layoutNode name="txSpace">
+          <dgm:alg type="sp"/>
+          <dgm:shape xmlns:r="http://schemas.openxmlformats.org/officeDocument/2006/relationships" r:blip="">
+            <dgm:adjLst/>
+          </dgm:shape>
+          <dgm:presOf/>
+          <dgm:constrLst/>
+          <dgm:ruleLst/>
+        </dgm:layoutNode>
+        <dgm:layoutNode name="desTx" styleLbl="revTx">
+          <dgm:varLst/>
+          <dgm:alg type="tx">
+            <dgm:param type="stBulletLvl" val="0"/>
+            <dgm:param type="txAnchorVert" val="t"/>
+            <dgm:param type="parTxLTRAlign" val="l"/>
+            <dgm:param type="shpTxLTRAlignCh" val="l"/>
+            <dgm:param type="parTxRTLAlign" val="r"/>
+            <dgm:param type="shpTxRTLAlignCh" val="r"/>
+          </dgm:alg>
+          <dgm:shape xmlns:r="http://schemas.openxmlformats.org/officeDocument/2006/relationships" type="rect" r:blip="">
+            <dgm:adjLst/>
+          </dgm:shape>
+          <dgm:presOf axis="des" ptType="node"/>
+          <dgm:constrLst>
+            <dgm:constr type="secFontSz" refType="primFontSz"/>
+            <dgm:constr type="lMarg"/>
+            <dgm:constr type="rMarg"/>
+            <dgm:constr type="tMarg"/>
+            <dgm:constr type="bMarg"/>
+          </dgm:constrLst>
+          <dgm:ruleLst>
+            <dgm:rule type="primFontSz" val="NaN" fact="NaN" max="17"/>
+            <dgm:rule type="h" val="INF" fact="NaN" max="NaN"/>
+          </dgm:ruleLst>
+        </dgm:layoutNode>
+      </dgm:layoutNode>
+      <dgm:forEach name="Name4" axis="followSib" ptType="sibTrans" cnt="1">
+        <dgm:layoutNode name="sibTrans">
+          <dgm:alg type="sp"/>
+          <dgm:shape xmlns:r="http://schemas.openxmlformats.org/officeDocument/2006/relationships" r:blip="">
+            <dgm:adjLst/>
+          </dgm:shape>
+          <dgm:presOf axis="self"/>
+          <dgm:constrLst/>
+          <dgm:ruleLst/>
+        </dgm:layoutNode>
+      </dgm:forEach>
+    </dgm:forEach>
+  </dgm:layoutNode>
+  <dgm:extLst>
+    <a:ext uri="{68A01E43-0DF5-4B5B-8FA6-DAF915123BFB}">
+      <dgm1612:lstStyle xmlns:dgm1612="http://schemas.microsoft.com/office/drawing/2016/12/diagram">
+        <a:lvl1pPr>
+          <a:lnSpc>
+            <a:spcPct val="100000"/>
+          </a:lnSpc>
+          <a:defRPr b="1"/>
+        </a:lvl1pPr>
+        <a:lvl2pPr>
+          <a:lnSpc>
+            <a:spcPct val="100000"/>
+          </a:lnSpc>
+        </a:lvl2pPr>
+      </dgm1612:lstStyle>
+    </a:ext>
+  </dgm:extLst>
+</dgm:layoutDef>
+</file>
+
+<file path=ppt/diagrams/quickStyle1.xml><?xml version="1.0" encoding="utf-8"?>
+<dgm:styleDef xmlns:dgm="http://schemas.openxmlformats.org/drawingml/2006/diagram" xmlns:a="http://schemas.openxmlformats.org/drawingml/2006/main" uniqueId="urn:microsoft.com/office/officeart/2005/8/quickstyle/simple1">
+  <dgm:title val=""/>
+  <dgm:desc val=""/>
+  <dgm:catLst>
+    <dgm:cat type="simple" pri="10100"/>
+  </dgm:catLst>
+  <dgm:scene3d>
+    <a:camera prst="orthographicFront"/>
+    <a:lightRig rig="threePt" dir="t"/>
+  </dgm:scene3d>
+  <dgm:styleLbl name="node0">
+    <dgm:scene3d>
+      <a:camera prst="orthographicFront"/>
+      <a:lightRig rig="threePt" dir="t"/>
+    </dgm:scene3d>
+    <dgm:sp3d/>
+    <dgm:txPr/>
+    <dgm:style>
+      <a:lnRef idx="2">
+        <a:scrgbClr r="0" g="0" b="0"/>
+      </a:lnRef>
+      <a:fillRef idx="1">
+        <a:scrgbClr r="0" g="0" b="0"/>
+      </a:fillRef>
+      <a:effectRef idx="0">
+        <a:scrgbClr r="0" g="0" b="0"/>
+      </a:effectRef>
+      <a:fontRef idx="minor">
+        <a:schemeClr val="lt1"/>
+      </a:fontRef>
+    </dgm:style>
+  </dgm:styleLbl>
+  <dgm:styleLbl name="lnNode1">
+    <dgm:scene3d>
+      <a:camera prst="orthographicFront"/>
+      <a:lightRig rig="threePt" dir="t"/>
+    </dgm:scene3d>
+    <dgm:sp3d/>
+    <dgm:txPr/>
+    <dgm:style>
+      <a:lnRef idx="2">
+        <a:scrgbClr r="0" g="0" b="0"/>
+      </a:lnRef>
+      <a:fillRef idx="1">
+        <a:scrgbClr r="0" g="0" b="0"/>
+      </a:fillRef>
+      <a:effectRef idx="0">
+        <a:scrgbClr r="0" g="0" b="0"/>
+      </a:effectRef>
+      <a:fontRef idx="minor">
+        <a:schemeClr val="lt1"/>
+      </a:fontRef>
+    </dgm:style>
+  </dgm:styleLbl>
+  <dgm:styleLbl name="vennNode1">
+    <dgm:scene3d>
+      <a:camera prst="orthographicFront"/>
+      <a:lightRig rig="threePt" dir="t"/>
+    </dgm:scene3d>
+    <dgm:sp3d/>
+    <dgm:txPr/>
+    <dgm:style>
+      <a:lnRef idx="2">
+        <a:scrgbClr r="0" g="0" b="0"/>
+      </a:lnRef>
+      <a:fillRef idx="1">
+        <a:scrgbClr r="0" g="0" b="0"/>
+      </a:fillRef>
+      <a:effectRef idx="0">
+        <a:scrgbClr r="0" g="0" b="0"/>
+      </a:effectRef>
+      <a:fontRef idx="minor">
+        <a:schemeClr val="tx1"/>
+      </a:fontRef>
+    </dgm:style>
+  </dgm:styleLbl>
+  <dgm:styleLbl name="alignNode1">
+    <dgm:scene3d>
+      <a:camera prst="orthographicFront"/>
+      <a:lightRig rig="threePt" dir="t"/>
+    </dgm:scene3d>
+    <dgm:sp3d/>
+    <dgm:txPr/>
+    <dgm:style>
+      <a:lnRef idx="2">
+        <a:scrgbClr r="0" g="0" b="0"/>
+      </a:lnRef>
+      <a:fillRef idx="1">
+        <a:scrgbClr r="0" g="0" b="0"/>
+      </a:fillRef>
+      <a:effectRef idx="0">
+        <a:scrgbClr r="0" g="0" b="0"/>
+      </a:effectRef>
+      <a:fontRef idx="minor">
+        <a:schemeClr val="lt1"/>
+      </a:fontRef>
+    </dgm:style>
+  </dgm:styleLbl>
+  <dgm:styleLbl name="node1">
+    <dgm:scene3d>
+      <a:camera prst="orthographicFront"/>
+      <a:lightRig rig="threePt" dir="t"/>
+    </dgm:scene3d>
+    <dgm:sp3d/>
+    <dgm:txPr/>
+    <dgm:style>
+      <a:lnRef idx="2">
+        <a:scrgbClr r="0" g="0" b="0"/>
+      </a:lnRef>
+      <a:fillRef idx="1">
+        <a:scrgbClr r="0" g="0" b="0"/>
+      </a:fillRef>
+      <a:effectRef idx="0">
+        <a:scrgbClr r="0" g="0" b="0"/>
+      </a:effectRef>
+      <a:fontRef idx="minor">
+        <a:schemeClr val="lt1"/>
+      </a:fontRef>
+    </dgm:style>
+  </dgm:styleLbl>
+  <dgm:styleLbl name="node2">
+    <dgm:scene3d>
+      <a:camera prst="orthographicFront"/>
+      <a:lightRig rig="threePt" dir="t"/>
+    </dgm:scene3d>
+    <dgm:sp3d/>
+    <dgm:txPr/>
+    <dgm:style>
+      <a:lnRef idx="2">
+        <a:scrgbClr r="0" g="0" b="0"/>
+      </a:lnRef>
+      <a:fillRef idx="1">
+        <a:scrgbClr r="0" g="0" b="0"/>
+      </a:fillRef>
+      <a:effectRef idx="0">
+        <a:scrgbClr r="0" g="0" b="0"/>
+      </a:effectRef>
+      <a:fontRef idx="minor">
+        <a:schemeClr val="lt1"/>
+      </a:fontRef>
+    </dgm:style>
+  </dgm:styleLbl>
+  <dgm:styleLbl name="node3">
+    <dgm:scene3d>
+      <a:camera prst="orthographicFront"/>
+      <a:lightRig rig="threePt" dir="t"/>
+    </dgm:scene3d>
+    <dgm:sp3d/>
+    <dgm:txPr/>
+    <dgm:style>
+      <a:lnRef idx="2">
+        <a:scrgbClr r="0" g="0" b="0"/>
+      </a:lnRef>
+      <a:fillRef idx="1">
+        <a:scrgbClr r="0" g="0" b="0"/>
+      </a:fillRef>
+      <a:effectRef idx="0">
+        <a:scrgbClr r="0" g="0" b="0"/>
+      </a:effectRef>
+      <a:fontRef idx="minor">
+        <a:schemeClr val="lt1"/>
+      </a:fontRef>
+    </dgm:style>
+  </dgm:styleLbl>
+  <dgm:styleLbl name="node4">
+    <dgm:scene3d>
+      <a:camera prst="orthographicFront"/>
+      <a:lightRig rig="threePt" dir="t"/>
+    </dgm:scene3d>
+    <dgm:sp3d/>
+    <dgm:txPr/>
+    <dgm:style>
+      <a:lnRef idx="2">
+        <a:scrgbClr r="0" g="0" b="0"/>
+      </a:lnRef>
+      <a:fillRef idx="1">
+        <a:scrgbClr r="0" g="0" b="0"/>
+      </a:fillRef>
+      <a:effectRef idx="0">
+        <a:scrgbClr r="0" g="0" b="0"/>
+      </a:effectRef>
+      <a:fontRef idx="minor">
+        <a:schemeClr val="lt1"/>
+      </a:fontRef>
+    </dgm:style>
+  </dgm:styleLbl>
+  <dgm:styleLbl name="fgImgPlace1">
+    <dgm:scene3d>
+      <a:camera prst="orthographicFront"/>
+      <a:lightRig rig="threePt" dir="t"/>
+    </dgm:scene3d>
+    <dgm:sp3d/>
+    <dgm:txPr/>
+    <dgm:style>
+      <a:lnRef idx="2">
+        <a:scrgbClr r="0" g="0" b="0"/>
+      </a:lnRef>
+      <a:fillRef idx="1">
+        <a:scrgbClr r="0" g="0" b="0"/>
+      </a:fillRef>
+      <a:effectRef idx="0">
+        <a:scrgbClr r="0" g="0" b="0"/>
+      </a:effectRef>
+      <a:fontRef idx="minor"/>
+    </dgm:style>
+  </dgm:styleLbl>
+  <dgm:styleLbl name="alignImgPlace1">
+    <dgm:scene3d>
+      <a:camera prst="orthographicFront"/>
+      <a:lightRig rig="threePt" dir="t"/>
+    </dgm:scene3d>
+    <dgm:sp3d/>
+    <dgm:txPr/>
+    <dgm:style>
+      <a:lnRef idx="2">
+        <a:scrgbClr r="0" g="0" b="0"/>
+      </a:lnRef>
+      <a:fillRef idx="1">
+        <a:scrgbClr r="0" g="0" b="0"/>
+      </a:fillRef>
+      <a:effectRef idx="0">
+        <a:scrgbClr r="0" g="0" b="0"/>
+      </a:effectRef>
+      <a:fontRef idx="minor"/>
+    </dgm:style>
+  </dgm:styleLbl>
+  <dgm:styleLbl name="bgImgPlace1">
+    <dgm:scene3d>
+      <a:camera prst="orthographicFront"/>
+      <a:lightRig rig="threePt" dir="t"/>
+    </dgm:scene3d>
+    <dgm:sp3d/>
+    <dgm:txPr/>
+    <dgm:style>
+      <a:lnRef idx="2">
+        <a:scrgbClr r="0" g="0" b="0"/>
+      </a:lnRef>
+      <a:fillRef idx="1">
+        <a:scrgbClr r="0" g="0" b="0"/>
+      </a:fillRef>
+      <a:effectRef idx="0">
+        <a:scrgbClr r="0" g="0" b="0"/>
+      </a:effectRef>
+      <a:fontRef idx="minor"/>
+    </dgm:style>
+  </dgm:styleLbl>
+  <dgm:styleLbl name="sibTrans2D1">
+    <dgm:scene3d>
+      <a:camera prst="orthographicFront"/>
+      <a:lightRig rig="threePt" dir="t"/>
+    </dgm:scene3d>
+    <dgm:sp3d/>
+    <dgm:txPr/>
+    <dgm:style>
+      <a:lnRef idx="0">
+        <a:scrgbClr r="0" g="0" b="0"/>
+      </a:lnRef>
+      <a:fillRef idx="1">
+        <a:scrgbClr r="0" g="0" b="0"/>
+      </a:fillRef>
+      <a:effectRef idx="0">
+        <a:scrgbClr r="0" g="0" b="0"/>
+      </a:effectRef>
+      <a:fontRef idx="minor">
+        <a:schemeClr val="lt1"/>
+      </a:fontRef>
+    </dgm:style>
+  </dgm:styleLbl>
+  <dgm:styleLbl name="fgSibTrans2D1">
+    <dgm:scene3d>
+      <a:camera prst="orthographicFront"/>
+      <a:lightRig rig="threePt" dir="t"/>
+    </dgm:scene3d>
+    <dgm:sp3d/>
+    <dgm:txPr/>
+    <dgm:style>
+      <a:lnRef idx="0">
+        <a:scrgbClr r="0" g="0" b="0"/>
+      </a:lnRef>
+      <a:fillRef idx="1">
+        <a:scrgbClr r="0" g="0" b="0"/>
+      </a:fillRef>
+      <a:effectRef idx="0">
+        <a:scrgbClr r="0" g="0" b="0"/>
+      </a:effectRef>
+      <a:fontRef idx="minor">
+        <a:schemeClr val="lt1"/>
+      </a:fontRef>
+    </dgm:style>
+  </dgm:styleLbl>
+  <dgm:styleLbl name="bgSibTrans2D1">
+    <dgm:scene3d>
+      <a:camera prst="orthographicFront"/>
+      <a:lightRig rig="threePt" dir="t"/>
+    </dgm:scene3d>
+    <dgm:sp3d/>
+    <dgm:txPr/>
+    <dgm:style>
+      <a:lnRef idx="0">
+        <a:scrgbClr r="0" g="0" b="0"/>
+      </a:lnRef>
+      <a:fillRef idx="1">
+        <a:scrgbClr r="0" g="0" b="0"/>
+      </a:fillRef>
+      <a:effectRef idx="0">
+        <a:scrgbClr r="0" g="0" b="0"/>
+      </a:effectRef>
+      <a:fontRef idx="minor">
+        <a:schemeClr val="lt1"/>
+      </a:fontRef>
+    </dgm:style>
+  </dgm:styleLbl>
+  <dgm:styleLbl name="sibTrans1D1">
+    <dgm:scene3d>
+      <a:camera prst="orthographicFront"/>
+      <a:lightRig rig="threePt" dir="t"/>
+    </dgm:scene3d>
+    <dgm:sp3d/>
+    <dgm:txPr/>
+    <dgm:style>
+      <a:lnRef idx="1">
+        <a:scrgbClr r="0" g="0" b="0"/>
+      </a:lnRef>
+      <a:fillRef idx="0">
+        <a:scrgbClr r="0" g="0" b="0"/>
+      </a:fillRef>
+      <a:effectRef idx="0">
+        <a:scrgbClr r="0" g="0" b="0"/>
+      </a:effectRef>
+      <a:fontRef idx="minor"/>
+    </dgm:style>
+  </dgm:styleLbl>
+  <dgm:styleLbl name="callout">
+    <dgm:scene3d>
+      <a:camera prst="orthographicFront"/>
+      <a:lightRig rig="threePt" dir="t"/>
+    </dgm:scene3d>
+    <dgm:sp3d/>
+    <dgm:txPr/>
+    <dgm:style>
+      <a:lnRef idx="2">
+        <a:scrgbClr r="0" g="0" b="0"/>
+      </a:lnRef>
+      <a:fillRef idx="1">
+        <a:scrgbClr r="0" g="0" b="0"/>
+      </a:fillRef>
+      <a:effectRef idx="0">
+        <a:scrgbClr r="0" g="0" b="0"/>
+      </a:effectRef>
+      <a:fontRef idx="minor"/>
+    </dgm:style>
+  </dgm:styleLbl>
+  <dgm:styleLbl name="asst0">
+    <dgm:scene3d>
+      <a:camera prst="orthographicFront"/>
+      <a:lightRig rig="threePt" dir="t"/>
+    </dgm:scene3d>
+    <dgm:sp3d/>
+    <dgm:txPr/>
+    <dgm:style>
+      <a:lnRef idx="2">
+        <a:scrgbClr r="0" g="0" b="0"/>
+      </a:lnRef>
+      <a:fillRef idx="1">
+        <a:scrgbClr r="0" g="0" b="0"/>
+      </a:fillRef>
+      <a:effectRef idx="0">
+        <a:scrgbClr r="0" g="0" b="0"/>
+      </a:effectRef>
+      <a:fontRef idx="minor">
+        <a:schemeClr val="lt1"/>
+      </a:fontRef>
+    </dgm:style>
+  </dgm:styleLbl>
+  <dgm:styleLbl name="asst1">
+    <dgm:scene3d>
+      <a:camera prst="orthographicFront"/>
+      <a:lightRig rig="threePt" dir="t"/>
+    </dgm:scene3d>
+    <dgm:sp3d/>
+    <dgm:txPr/>
+    <dgm:style>
+      <a:lnRef idx="2">
+        <a:scrgbClr r="0" g="0" b="0"/>
+      </a:lnRef>
+      <a:fillRef idx="1">
+        <a:scrgbClr r="0" g="0" b="0"/>
+      </a:fillRef>
+      <a:effectRef idx="0">
+        <a:scrgbClr r="0" g="0" b="0"/>
+      </a:effectRef>
+      <a:fontRef idx="minor">
+        <a:schemeClr val="lt1"/>
+      </a:fontRef>
+    </dgm:style>
+  </dgm:styleLbl>
+  <dgm:styleLbl name="asst2">
+    <dgm:scene3d>
+      <a:camera prst="orthographicFront"/>
+      <a:lightRig rig="threePt" dir="t"/>
+    </dgm:scene3d>
+    <dgm:sp3d/>
+    <dgm:txPr/>
+    <dgm:style>
+      <a:lnRef idx="2">
+        <a:scrgbClr r="0" g="0" b="0"/>
+      </a:lnRef>
+      <a:fillRef idx="1">
+        <a:scrgbClr r="0" g="0" b="0"/>
+      </a:fillRef>
+      <a:effectRef idx="0">
+        <a:scrgbClr r="0" g="0" b="0"/>
+      </a:effectRef>
+      <a:fontRef idx="minor">
+        <a:schemeClr val="lt1"/>
+      </a:fontRef>
+    </dgm:style>
+  </dgm:styleLbl>
+  <dgm:styleLbl name="asst3">
+    <dgm:scene3d>
+      <a:camera prst="orthographicFront"/>
+      <a:lightRig rig="threePt" dir="t"/>
+    </dgm:scene3d>
+    <dgm:sp3d/>
+    <dgm:txPr/>
+    <dgm:style>
+      <a:lnRef idx="2">
+        <a:scrgbClr r="0" g="0" b="0"/>
+      </a:lnRef>
+      <a:fillRef idx="1">
+        <a:scrgbClr r="0" g="0" b="0"/>
+      </a:fillRef>
+      <a:effectRef idx="0">
+        <a:scrgbClr r="0" g="0" b="0"/>
+      </a:effectRef>
+      <a:fontRef idx="minor">
+        <a:schemeClr val="lt1"/>
+      </a:fontRef>
+    </dgm:style>
+  </dgm:styleLbl>
+  <dgm:styleLbl name="asst4">
+    <dgm:scene3d>
+      <a:camera prst="orthographicFront"/>
+      <a:lightRig rig="threePt" dir="t"/>
+    </dgm:scene3d>
+    <dgm:sp3d/>
+    <dgm:txPr/>
+    <dgm:style>
+      <a:lnRef idx="2">
+        <a:scrgbClr r="0" g="0" b="0"/>
+      </a:lnRef>
+      <a:fillRef idx="1">
+        <a:scrgbClr r="0" g="0" b="0"/>
+      </a:fillRef>
+      <a:effectRef idx="0">
+        <a:scrgbClr r="0" g="0" b="0"/>
+      </a:effectRef>
+      <a:fontRef idx="minor">
+        <a:schemeClr val="lt1"/>
+      </a:fontRef>
+    </dgm:style>
+  </dgm:styleLbl>
+  <dgm:styleLbl name="parChTrans2D1">
+    <dgm:scene3d>
+      <a:camera prst="orthographicFront"/>
+      <a:lightRig rig="threePt" dir="t"/>
+    </dgm:scene3d>
+    <dgm:sp3d/>
+    <dgm:txPr/>
+    <dgm:style>
+      <a:lnRef idx="2">
+        <a:scrgbClr r="0" g="0" b="0"/>
+      </a:lnRef>
+      <a:fillRef idx="1">
+        <a:scrgbClr r="0" g="0" b="0"/>
+      </a:fillRef>
+      <a:effectRef idx="0">
+        <a:scrgbClr r="0" g="0" b="0"/>
+      </a:effectRef>
+      <a:fontRef idx="minor">
+        <a:schemeClr val="lt1"/>
+      </a:fontRef>
+    </dgm:style>
+  </dgm:styleLbl>
+  <dgm:styleLbl name="parChTrans2D2">
+    <dgm:scene3d>
+      <a:camera prst="orthographicFront"/>
+      <a:lightRig rig="threePt" dir="t"/>
+    </dgm:scene3d>
+    <dgm:sp3d/>
+    <dgm:txPr/>
+    <dgm:style>
+      <a:lnRef idx="2">
+        <a:scrgbClr r="0" g="0" b="0"/>
+      </a:lnRef>
+      <a:fillRef idx="1">
+        <a:scrgbClr r="0" g="0" b="0"/>
+      </a:fillRef>
+      <a:effectRef idx="0">
+        <a:scrgbClr r="0" g="0" b="0"/>
+      </a:effectRef>
+      <a:fontRef idx="minor">
+        <a:schemeClr val="lt1"/>
+      </a:fontRef>
+    </dgm:style>
+  </dgm:styleLbl>
+  <dgm:styleLbl name="parChTrans2D3">
+    <dgm:scene3d>
+      <a:camera prst="orthographicFront"/>
+      <a:lightRig rig="threePt" dir="t"/>
+    </dgm:scene3d>
+    <dgm:sp3d/>
+    <dgm:txPr/>
+    <dgm:style>
+      <a:lnRef idx="2">
+        <a:scrgbClr r="0" g="0" b="0"/>
+      </a:lnRef>
+      <a:fillRef idx="1">
+        <a:scrgbClr r="0" g="0" b="0"/>
+      </a:fillRef>
+      <a:effectRef idx="0">
+        <a:scrgbClr r="0" g="0" b="0"/>
+      </a:effectRef>
+      <a:fontRef idx="minor">
+        <a:schemeClr val="lt1"/>
+      </a:fontRef>
+    </dgm:style>
+  </dgm:styleLbl>
+  <dgm:styleLbl name="parChTrans2D4">
+    <dgm:scene3d>
+      <a:camera prst="orthographicFront"/>
+      <a:lightRig rig="threePt" dir="t"/>
+    </dgm:scene3d>
+    <dgm:sp3d/>
+    <dgm:txPr/>
+    <dgm:style>
+      <a:lnRef idx="2">
+        <a:scrgbClr r="0" g="0" b="0"/>
+      </a:lnRef>
+      <a:fillRef idx="1">
+        <a:scrgbClr r="0" g="0" b="0"/>
+      </a:fillRef>
+      <a:effectRef idx="0">
+        <a:scrgbClr r="0" g="0" b="0"/>
+      </a:effectRef>
+      <a:fontRef idx="minor">
+        <a:schemeClr val="lt1"/>
+      </a:fontRef>
+    </dgm:style>
+  </dgm:styleLbl>
+  <dgm:styleLbl name="parChTrans1D1">
+    <dgm:scene3d>
+      <a:camera prst="orthographicFront"/>
+      <a:lightRig rig="threePt" dir="t"/>
+    </dgm:scene3d>
+    <dgm:sp3d/>
+    <dgm:txPr/>
+    <dgm:style>
+      <a:lnRef idx="2">
+        <a:scrgbClr r="0" g="0" b="0"/>
+      </a:lnRef>
+      <a:fillRef idx="0">
+        <a:scrgbClr r="0" g="0" b="0"/>
+      </a:fillRef>
+      <a:effectRef idx="0">
+        <a:scrgbClr r="0" g="0" b="0"/>
+      </a:effectRef>
+      <a:fontRef idx="minor"/>
+    </dgm:style>
+  </dgm:styleLbl>
+  <dgm:styleLbl name="parChTrans1D2">
+    <dgm:scene3d>
+      <a:camera prst="orthographicFront"/>
+      <a:lightRig rig="threePt" dir="t"/>
+    </dgm:scene3d>
+    <dgm:sp3d/>
+    <dgm:txPr/>
+    <dgm:style>
+      <a:lnRef idx="2">
+        <a:scrgbClr r="0" g="0" b="0"/>
+      </a:lnRef>
+      <a:fillRef idx="0">
+        <a:scrgbClr r="0" g="0" b="0"/>
+      </a:fillRef>
+      <a:effectRef idx="0">
+        <a:scrgbClr r="0" g="0" b="0"/>
+      </a:effectRef>
+      <a:fontRef idx="minor"/>
+    </dgm:style>
+  </dgm:styleLbl>
+  <dgm:styleLbl name="parChTrans1D3">
+    <dgm:scene3d>
+      <a:camera prst="orthographicFront"/>
+      <a:lightRig rig="threePt" dir="t"/>
+    </dgm:scene3d>
+    <dgm:sp3d/>
+    <dgm:txPr/>
+    <dgm:style>
+      <a:lnRef idx="2">
+        <a:scrgbClr r="0" g="0" b="0"/>
+      </a:lnRef>
+      <a:fillRef idx="0">
+        <a:scrgbClr r="0" g="0" b="0"/>
+      </a:fillRef>
+      <a:effectRef idx="0">
+        <a:scrgbClr r="0" g="0" b="0"/>
+      </a:effectRef>
+      <a:fontRef idx="minor"/>
+    </dgm:style>
+  </dgm:styleLbl>
+  <dgm:styleLbl name="parChTrans1D4">
+    <dgm:scene3d>
+      <a:camera prst="orthographicFront"/>
+      <a:lightRig rig="threePt" dir="t"/>
+    </dgm:scene3d>
+    <dgm:sp3d/>
+    <dgm:txPr/>
+    <dgm:style>
+      <a:lnRef idx="2">
+        <a:scrgbClr r="0" g="0" b="0"/>
+      </a:lnRef>
+      <a:fillRef idx="0">
+        <a:scrgbClr r="0" g="0" b="0"/>
+      </a:fillRef>
+      <a:effectRef idx="0">
+        <a:scrgbClr r="0" g="0" b="0"/>
+      </a:effectRef>
+      <a:fontRef idx="minor"/>
+    </dgm:style>
+  </dgm:styleLbl>
+  <dgm:styleLbl name="fgAcc1">
+    <dgm:scene3d>
+      <a:camera prst="orthographicFront"/>
+      <a:lightRig rig="threePt" dir="t"/>
+    </dgm:scene3d>
+    <dgm:sp3d/>
+    <dgm:txPr/>
+    <dgm:style>
+      <a:lnRef idx="2">
+        <a:scrgbClr r="0" g="0" b="0"/>
+      </a:lnRef>
+      <a:fillRef idx="1">
+        <a:scrgbClr r="0" g="0" b="0"/>
+      </a:fillRef>
+      <a:effectRef idx="0">
+        <a:scrgbClr r="0" g="0" b="0"/>
+      </a:effectRef>
+      <a:fontRef idx="minor"/>
+    </dgm:style>
+  </dgm:styleLbl>
+  <dgm:styleLbl name="conFgAcc1">
+    <dgm:scene3d>
+      <a:camera prst="orthographicFront"/>
+      <a:lightRig rig="threePt" dir="t"/>
+    </dgm:scene3d>
+    <dgm:sp3d/>
+    <dgm:txPr/>
+    <dgm:style>
+      <a:lnRef idx="2">
+        <a:scrgbClr r="0" g="0" b="0"/>
+      </a:lnRef>
+      <a:fillRef idx="1">
+        <a:scrgbClr r="0" g="0" b="0"/>
+      </a:fillRef>
+      <a:effectRef idx="0">
+        <a:scrgbClr r="0" g="0" b="0"/>
+      </a:effectRef>
+      <a:fontRef idx="minor"/>
+    </dgm:style>
+  </dgm:styleLbl>
+  <dgm:styleLbl name="alignAcc1">
+    <dgm:scene3d>
+      <a:camera prst="orthographicFront"/>
+      <a:lightRig rig="threePt" dir="t"/>
+    </dgm:scene3d>
+    <dgm:sp3d/>
+    <dgm:txPr/>
+    <dgm:style>
+      <a:lnRef idx="2">
+        <a:scrgbClr r="0" g="0" b="0"/>
+      </a:lnRef>
+      <a:fillRef idx="1">
+        <a:scrgbClr r="0" g="0" b="0"/>
+      </a:fillRef>
+      <a:effectRef idx="0">
+        <a:scrgbClr r="0" g="0" b="0"/>
+      </a:effectRef>
+      <a:fontRef idx="minor"/>
+    </dgm:style>
+  </dgm:styleLbl>
+  <dgm:styleLbl name="trAlignAcc1">
+    <dgm:scene3d>
+      <a:camera prst="orthographicFront"/>
+      <a:lightRig rig="threePt" dir="t"/>
+    </dgm:scene3d>
+    <dgm:sp3d/>
+    <dgm:txPr/>
+    <dgm:style>
+      <a:lnRef idx="1">
+        <a:scrgbClr r="0" g="0" b="0"/>
+      </a:lnRef>
+      <a:fillRef idx="1">
+        <a:scrgbClr r="0" g="0" b="0"/>
+      </a:fillRef>
+      <a:effectRef idx="0">
+        <a:scrgbClr r="0" g="0" b="0"/>
+      </a:effectRef>
+      <a:fontRef idx="minor"/>
+    </dgm:style>
+  </dgm:styleLbl>
+  <dgm:styleLbl name="bgAcc1">
+    <dgm:scene3d>
+      <a:camera prst="orthographicFront"/>
+      <a:lightRig rig="threePt" dir="t"/>
+    </dgm:scene3d>
+    <dgm:sp3d/>
+    <dgm:txPr/>
+    <dgm:style>
+      <a:lnRef idx="2">
+        <a:scrgbClr r="0" g="0" b="0"/>
+      </a:lnRef>
+      <a:fillRef idx="1">
+        <a:scrgbClr r="0" g="0" b="0"/>
+      </a:fillRef>
+      <a:effectRef idx="0">
+        <a:scrgbClr r="0" g="0" b="0"/>
+      </a:effectRef>
+      <a:fontRef idx="minor"/>
+    </dgm:style>
+  </dgm:styleLbl>
+  <dgm:styleLbl name="solidFgAcc1">
+    <dgm:scene3d>
+      <a:camera prst="orthographicFront"/>
+      <a:lightRig rig="threePt" dir="t"/>
+    </dgm:scene3d>
+    <dgm:sp3d/>
+    <dgm:txPr/>
+    <dgm:style>
+      <a:lnRef idx="2">
+        <a:scrgbClr r="0" g="0" b="0"/>
+      </a:lnRef>
+      <a:fillRef idx="1">
+        <a:scrgbClr r="0" g="0" b="0"/>
+      </a:fillRef>
+      <a:effectRef idx="0">
+        <a:scrgbClr r="0" g="0" b="0"/>
+      </a:effectRef>
+      <a:fontRef idx="minor"/>
+    </dgm:style>
+  </dgm:styleLbl>
+  <dgm:styleLbl name="solidAlignAcc1">
+    <dgm:scene3d>
+      <a:camera prst="orthographicFront"/>
+      <a:lightRig rig="threePt" dir="t"/>
+    </dgm:scene3d>
+    <dgm:sp3d/>
+    <dgm:txPr/>
+    <dgm:style>
+      <a:lnRef idx="2">
+        <a:scrgbClr r="0" g="0" b="0"/>
+      </a:lnRef>
+      <a:fillRef idx="1">
+        <a:scrgbClr r="0" g="0" b="0"/>
+      </a:fillRef>
+      <a:effectRef idx="0">
+        <a:scrgbClr r="0" g="0" b="0"/>
+      </a:effectRef>
+      <a:fontRef idx="minor"/>
+    </dgm:style>
+  </dgm:styleLbl>
+  <dgm:styleLbl name="solidBgAcc1">
+    <dgm:scene3d>
+      <a:camera prst="orthographicFront"/>
+      <a:lightRig rig="threePt" dir="t"/>
+    </dgm:scene3d>
+    <dgm:sp3d/>
+    <dgm:txPr/>
+    <dgm:style>
+      <a:lnRef idx="2">
+        <a:scrgbClr r="0" g="0" b="0"/>
+      </a:lnRef>
+      <a:fillRef idx="1">
+        <a:scrgbClr r="0" g="0" b="0"/>
+      </a:fillRef>
+      <a:effectRef idx="0">
+        <a:scrgbClr r="0" g="0" b="0"/>
+      </a:effectRef>
+      <a:fontRef idx="minor"/>
+    </dgm:style>
+  </dgm:styleLbl>
+  <dgm:styleLbl name="fgAccFollowNode1">
+    <dgm:scene3d>
+      <a:camera prst="orthographicFront"/>
+      <a:lightRig rig="threePt" dir="t"/>
+    </dgm:scene3d>
+    <dgm:sp3d/>
+    <dgm:txPr/>
+    <dgm:style>
+      <a:lnRef idx="2">
+        <a:scrgbClr r="0" g="0" b="0"/>
+      </a:lnRef>
+      <a:fillRef idx="1">
+        <a:scrgbClr r="0" g="0" b="0"/>
+      </a:fillRef>
+      <a:effectRef idx="0">
+        <a:scrgbClr r="0" g="0" b="0"/>
+      </a:effectRef>
+      <a:fontRef idx="minor"/>
+    </dgm:style>
+  </dgm:styleLbl>
+  <dgm:styleLbl name="alignAccFollowNode1">
+    <dgm:scene3d>
+      <a:camera prst="orthographicFront"/>
+      <a:lightRig rig="threePt" dir="t"/>
+    </dgm:scene3d>
+    <dgm:sp3d/>
+    <dgm:txPr/>
+    <dgm:style>
+      <a:lnRef idx="2">
+        <a:scrgbClr r="0" g="0" b="0"/>
+      </a:lnRef>
+      <a:fillRef idx="1">
+        <a:scrgbClr r="0" g="0" b="0"/>
+      </a:fillRef>
+      <a:effectRef idx="0">
+        <a:scrgbClr r="0" g="0" b="0"/>
+      </a:effectRef>
+      <a:fontRef idx="minor"/>
+    </dgm:style>
+  </dgm:styleLbl>
+  <dgm:styleLbl name="bgAccFollowNode1">
+    <dgm:scene3d>
+      <a:camera prst="orthographicFront"/>
+      <a:lightRig rig="threePt" dir="t"/>
+    </dgm:scene3d>
+    <dgm:sp3d/>
+    <dgm:txPr/>
+    <dgm:style>
+      <a:lnRef idx="2">
+        <a:scrgbClr r="0" g="0" b="0"/>
+      </a:lnRef>
+      <a:fillRef idx="1">
+        <a:scrgbClr r="0" g="0" b="0"/>
+      </a:fillRef>
+      <a:effectRef idx="0">
+        <a:scrgbClr r="0" g="0" b="0"/>
+      </a:effectRef>
+      <a:fontRef idx="minor"/>
+    </dgm:style>
+  </dgm:styleLbl>
+  <dgm:styleLbl name="fgAcc0">
+    <dgm:scene3d>
+      <a:camera prst="orthographicFront"/>
+      <a:lightRig rig="threePt" dir="t"/>
+    </dgm:scene3d>
+    <dgm:sp3d/>
+    <dgm:txPr/>
+    <dgm:style>
+      <a:lnRef idx="2">
+        <a:scrgbClr r="0" g="0" b="0"/>
+      </a:lnRef>
+      <a:fillRef idx="1">
+        <a:scrgbClr r="0" g="0" b="0"/>
+      </a:fillRef>
+      <a:effectRef idx="0">
+        <a:scrgbClr r="0" g="0" b="0"/>
+      </a:effectRef>
+      <a:fontRef idx="minor"/>
+    </dgm:style>
+  </dgm:styleLbl>
+  <dgm:styleLbl name="fgAcc2">
+    <dgm:scene3d>
+      <a:camera prst="orthographicFront"/>
+      <a:lightRig rig="threePt" dir="t"/>
+    </dgm:scene3d>
+    <dgm:sp3d/>
+    <dgm:txPr/>
+    <dgm:style>
+      <a:lnRef idx="2">
+        <a:scrgbClr r="0" g="0" b="0"/>
+      </a:lnRef>
+      <a:fillRef idx="1">
+        <a:scrgbClr r="0" g="0" b="0"/>
+      </a:fillRef>
+      <a:effectRef idx="0">
+        <a:scrgbClr r="0" g="0" b="0"/>
+      </a:effectRef>
+      <a:fontRef idx="minor"/>
+    </dgm:style>
+  </dgm:styleLbl>
+  <dgm:styleLbl name="fgAcc3">
+    <dgm:scene3d>
+      <a:camera prst="orthographicFront"/>
+      <a:lightRig rig="threePt" dir="t"/>
+    </dgm:scene3d>
+    <dgm:sp3d/>
+    <dgm:txPr/>
+    <dgm:style>
+      <a:lnRef idx="2">
+        <a:scrgbClr r="0" g="0" b="0"/>
+      </a:lnRef>
+      <a:fillRef idx="1">
+        <a:scrgbClr r="0" g="0" b="0"/>
+      </a:fillRef>
+      <a:effectRef idx="0">
+        <a:scrgbClr r="0" g="0" b="0"/>
+      </a:effectRef>
+      <a:fontRef idx="minor"/>
+    </dgm:style>
+  </dgm:styleLbl>
+  <dgm:styleLbl name="fgAcc4">
+    <dgm:scene3d>
+      <a:camera prst="orthographicFront"/>
+      <a:lightRig rig="threePt" dir="t"/>
+    </dgm:scene3d>
+    <dgm:sp3d/>
+    <dgm:txPr/>
+    <dgm:style>
+      <a:lnRef idx="2">
+        <a:scrgbClr r="0" g="0" b="0"/>
+      </a:lnRef>
+      <a:fillRef idx="1">
+        <a:scrgbClr r="0" g="0" b="0"/>
+      </a:fillRef>
+      <a:effectRef idx="0">
+        <a:scrgbClr r="0" g="0" b="0"/>
+      </a:effectRef>
+      <a:fontRef idx="minor"/>
+    </dgm:style>
+  </dgm:styleLbl>
+  <dgm:styleLbl name="bgShp">
+    <dgm:scene3d>
+      <a:camera prst="orthographicFront"/>
+      <a:lightRig rig="threePt" dir="t"/>
+    </dgm:scene3d>
+    <dgm:sp3d/>
+    <dgm:txPr/>
+    <dgm:style>
+      <a:lnRef idx="0">
+        <a:scrgbClr r="0" g="0" b="0"/>
+      </a:lnRef>
+      <a:fillRef idx="1">
+        <a:scrgbClr r="0" g="0" b="0"/>
+      </a:fillRef>
+      <a:effectRef idx="0">
+        <a:scrgbClr r="0" g="0" b="0"/>
+      </a:effectRef>
+      <a:fontRef idx="minor"/>
+    </dgm:style>
+  </dgm:styleLbl>
+  <dgm:styleLbl name="dkBgShp">
+    <dgm:scene3d>
+      <a:camera prst="orthographicFront"/>
+      <a:lightRig rig="threePt" dir="t"/>
+    </dgm:scene3d>
+    <dgm:sp3d/>
+    <dgm:txPr/>
+    <dgm:style>
+      <a:lnRef idx="0">
+        <a:scrgbClr r="0" g="0" b="0"/>
+      </a:lnRef>
+      <a:fillRef idx="1">
+        <a:scrgbClr r="0" g="0" b="0"/>
+      </a:fillRef>
+      <a:effectRef idx="0">
+        <a:scrgbClr r="0" g="0" b="0"/>
+      </a:effectRef>
+      <a:fontRef idx="minor"/>
+    </dgm:style>
+  </dgm:styleLbl>
+  <dgm:styleLbl name="trBgShp">
+    <dgm:scene3d>
+      <a:camera prst="orthographicFront"/>
+      <a:lightRig rig="threePt" dir="t"/>
+    </dgm:scene3d>
+    <dgm:sp3d/>
+    <dgm:txPr/>
+    <dgm:style>
+      <a:lnRef idx="0">
+        <a:scrgbClr r="0" g="0" b="0"/>
+      </a:lnRef>
+      <a:fillRef idx="1">
+        <a:scrgbClr r="0" g="0" b="0"/>
+      </a:fillRef>
+      <a:effectRef idx="0">
+        <a:scrgbClr r="0" g="0" b="0"/>
+      </a:effectRef>
+      <a:fontRef idx="minor"/>
+    </dgm:style>
+  </dgm:styleLbl>
+  <dgm:styleLbl name="fgShp">
+    <dgm:scene3d>
+      <a:camera prst="orthographicFront"/>
+      <a:lightRig rig="threePt" dir="t"/>
+    </dgm:scene3d>
+    <dgm:sp3d/>
+    <dgm:txPr/>
+    <dgm:style>
+      <a:lnRef idx="2">
+        <a:scrgbClr r="0" g="0" b="0"/>
+      </a:lnRef>
+      <a:fillRef idx="1">
+        <a:scrgbClr r="0" g="0" b="0"/>
+      </a:fillRef>
+      <a:effectRef idx="0">
+        <a:scrgbClr r="0" g="0" b="0"/>
+      </a:effectRef>
+      <a:fontRef idx="minor"/>
+    </dgm:style>
+  </dgm:styleLbl>
+  <dgm:styleLbl name="revTx">
+    <dgm:scene3d>
+      <a:camera prst="orthographicFront"/>
+      <a:lightRig rig="threePt" dir="t"/>
+    </dgm:scene3d>
+    <dgm:sp3d/>
+    <dgm:txPr/>
+    <dgm:style>
+      <a:lnRef idx="0">
+        <a:scrgbClr r="0" g="0" b="0"/>
+      </a:lnRef>
+      <a:fillRef idx="0">
+        <a:scrgbClr r="0" g="0" b="0"/>
+      </a:fillRef>
+      <a:effectRef idx="0">
+        <a:scrgbClr r="0" g="0" b="0"/>
+      </a:effectRef>
+      <a:fontRef idx="minor"/>
+    </dgm:style>
+  </dgm:styleLbl>
+</dgm:styleDef>
 </file>
 
 <file path=ppt/notesMasters/notesMaster1.xml><?xml version="1.0" encoding="utf-8"?>
@@ -548,7 +3471,7 @@
           <a:p>
             <a:fld id="{D9DC0902-B928-4F0F-BBCD-04DEB66ED9A2}" type="slidenum">
               <a:rPr lang="en-US" smtClean="0"/>
-              <a:t>19</a:t>
+              <a:t>21</a:t>
             </a:fld>
             <a:endParaRPr lang="en-US"/>
           </a:p>
@@ -7539,6 +10462,487 @@
 <file path=ppt/slides/slide10.xml><?xml version="1.0" encoding="utf-8"?>
 <p:sld xmlns:a="http://schemas.openxmlformats.org/drawingml/2006/main" xmlns:r="http://schemas.openxmlformats.org/officeDocument/2006/relationships" xmlns:p="http://schemas.openxmlformats.org/presentationml/2006/main">
   <p:cSld>
+    <p:bg>
+      <p:bgPr>
+        <a:solidFill>
+          <a:schemeClr val="bg1"/>
+        </a:solidFill>
+        <a:effectLst/>
+      </p:bgPr>
+    </p:bg>
+    <p:spTree>
+      <p:nvGrpSpPr>
+        <p:cNvPr id="1" name=""/>
+        <p:cNvGrpSpPr/>
+        <p:nvPr/>
+      </p:nvGrpSpPr>
+      <p:grpSpPr>
+        <a:xfrm>
+          <a:off x="0" y="0"/>
+          <a:ext cx="0" cy="0"/>
+          <a:chOff x="0" y="0"/>
+          <a:chExt cx="0" cy="0"/>
+        </a:xfrm>
+      </p:grpSpPr>
+      <p:sp>
+        <p:nvSpPr>
+          <p:cNvPr id="2" name="Title 1">
+            <a:extLst>
+              <a:ext uri="{FF2B5EF4-FFF2-40B4-BE49-F238E27FC236}">
+                <a16:creationId xmlns:a16="http://schemas.microsoft.com/office/drawing/2014/main" id="{9A15630D-E779-7851-CA5E-63630A5C0CAE}"/>
+              </a:ext>
+            </a:extLst>
+          </p:cNvPr>
+          <p:cNvSpPr>
+            <a:spLocks noGrp="1"/>
+          </p:cNvSpPr>
+          <p:nvPr>
+            <p:ph type="title"/>
+          </p:nvPr>
+        </p:nvSpPr>
+        <p:spPr>
+          <a:xfrm>
+            <a:off x="762000" y="1143486"/>
+            <a:ext cx="4267200" cy="1437406"/>
+          </a:xfrm>
+        </p:spPr>
+        <p:txBody>
+          <a:bodyPr anchor="t">
+            <a:normAutofit/>
+          </a:bodyPr>
+          <a:lstStyle/>
+          <a:p>
+            <a:r>
+              <a:rPr lang="en-US" sz="3200"/>
+              <a:t>Read data from topic using spark streaming</a:t>
+            </a:r>
+          </a:p>
+        </p:txBody>
+      </p:sp>
+      <p:cxnSp>
+        <p:nvCxnSpPr>
+          <p:cNvPr id="10" name="Straight Connector 9">
+            <a:extLst>
+              <a:ext uri="{FF2B5EF4-FFF2-40B4-BE49-F238E27FC236}">
+                <a16:creationId xmlns:a16="http://schemas.microsoft.com/office/drawing/2014/main" id="{37C77032-C865-6057-7D7A-E2743CFA20F9}"/>
+              </a:ext>
+              <a:ext uri="{C183D7F6-B498-43B3-948B-1728B52AA6E4}">
+                <adec:decorative xmlns:adec="http://schemas.microsoft.com/office/drawing/2017/decorative" val="1"/>
+              </a:ext>
+            </a:extLst>
+          </p:cNvPr>
+          <p:cNvCxnSpPr>
+            <a:cxnSpLocks noGrp="1" noRot="1" noChangeAspect="1" noMove="1" noResize="1" noEditPoints="1" noAdjustHandles="1" noChangeArrowheads="1" noChangeShapeType="1"/>
+          </p:cNvCxnSpPr>
+          <p:nvPr>
+            <p:extLst>
+              <p:ext uri="{386F3935-93C4-4BCD-93E2-E3B085C9AB24}">
+                <p16:designElem xmlns:p16="http://schemas.microsoft.com/office/powerpoint/2015/main" val="1"/>
+              </p:ext>
+            </p:extLst>
+          </p:nvPr>
+        </p:nvCxnSpPr>
+        <p:spPr>
+          <a:xfrm>
+            <a:off x="865140" y="871146"/>
+            <a:ext cx="736939" cy="0"/>
+          </a:xfrm>
+          <a:prstGeom prst="line">
+            <a:avLst/>
+          </a:prstGeom>
+          <a:ln w="57150">
+            <a:solidFill>
+              <a:schemeClr val="accent4"/>
+            </a:solidFill>
+          </a:ln>
+        </p:spPr>
+        <p:style>
+          <a:lnRef idx="1">
+            <a:schemeClr val="accent1"/>
+          </a:lnRef>
+          <a:fillRef idx="0">
+            <a:schemeClr val="accent1"/>
+          </a:fillRef>
+          <a:effectRef idx="0">
+            <a:schemeClr val="accent1"/>
+          </a:effectRef>
+          <a:fontRef idx="minor">
+            <a:schemeClr val="tx1"/>
+          </a:fontRef>
+        </p:style>
+      </p:cxnSp>
+      <p:sp>
+        <p:nvSpPr>
+          <p:cNvPr id="3" name="Content Placeholder 2">
+            <a:extLst>
+              <a:ext uri="{FF2B5EF4-FFF2-40B4-BE49-F238E27FC236}">
+                <a16:creationId xmlns:a16="http://schemas.microsoft.com/office/drawing/2014/main" id="{DDEC4F10-C6D3-5583-2D58-39B0F55143ED}"/>
+              </a:ext>
+            </a:extLst>
+          </p:cNvPr>
+          <p:cNvSpPr>
+            <a:spLocks noGrp="1"/>
+          </p:cNvSpPr>
+          <p:nvPr>
+            <p:ph idx="1"/>
+          </p:nvPr>
+        </p:nvSpPr>
+        <p:spPr>
+          <a:xfrm>
+            <a:off x="5825613" y="838200"/>
+            <a:ext cx="5501247" cy="1866358"/>
+          </a:xfrm>
+        </p:spPr>
+        <p:txBody>
+          <a:bodyPr>
+            <a:normAutofit/>
+          </a:bodyPr>
+          <a:lstStyle/>
+          <a:p>
+            <a:r>
+              <a:rPr lang="en-US" sz="2000"/>
+              <a:t>While reading using format parquet ( help scale) </a:t>
+            </a:r>
+          </a:p>
+          <a:p>
+            <a:r>
+              <a:rPr lang="en-US" sz="2000"/>
+              <a:t>Also partition by city name ( help scale) </a:t>
+            </a:r>
+          </a:p>
+          <a:p>
+            <a:r>
+              <a:rPr lang="en-US" sz="2000" dirty="0"/>
+              <a:t>Git Code Repo :</a:t>
+            </a:r>
+            <a:r>
+              <a:rPr lang="en-US" sz="2000" dirty="0">
+                <a:hlinkClick r:id="rId2"/>
+              </a:rPr>
+              <a:t>Link</a:t>
+            </a:r>
+            <a:endParaRPr lang="en-US" sz="2000" dirty="0"/>
+          </a:p>
+          <a:p>
+            <a:endParaRPr lang="en-US" sz="2000"/>
+          </a:p>
+          <a:p>
+            <a:endParaRPr lang="en-US" sz="2000"/>
+          </a:p>
+        </p:txBody>
+      </p:sp>
+      <p:pic>
+        <p:nvPicPr>
+          <p:cNvPr id="5" name="Picture 4">
+            <a:extLst>
+              <a:ext uri="{FF2B5EF4-FFF2-40B4-BE49-F238E27FC236}">
+                <a16:creationId xmlns:a16="http://schemas.microsoft.com/office/drawing/2014/main" id="{277E7AB7-B384-52D5-F493-2C88AB589C23}"/>
+              </a:ext>
+            </a:extLst>
+          </p:cNvPr>
+          <p:cNvPicPr>
+            <a:picLocks noChangeAspect="1"/>
+          </p:cNvPicPr>
+          <p:nvPr/>
+        </p:nvPicPr>
+        <p:blipFill>
+          <a:blip r:embed="rId3"/>
+          <a:stretch>
+            <a:fillRect/>
+          </a:stretch>
+        </p:blipFill>
+        <p:spPr>
+          <a:xfrm>
+            <a:off x="801757" y="3431023"/>
+            <a:ext cx="10591800" cy="2489072"/>
+          </a:xfrm>
+          <a:prstGeom prst="rect">
+            <a:avLst/>
+          </a:prstGeom>
+        </p:spPr>
+      </p:pic>
+    </p:spTree>
+    <p:extLst>
+      <p:ext uri="{BB962C8B-B14F-4D97-AF65-F5344CB8AC3E}">
+        <p14:creationId xmlns:p14="http://schemas.microsoft.com/office/powerpoint/2010/main" val="1191957055"/>
+      </p:ext>
+    </p:extLst>
+  </p:cSld>
+  <p:clrMapOvr>
+    <a:masterClrMapping/>
+  </p:clrMapOvr>
+</p:sld>
+</file>
+
+<file path=ppt/slides/slide11.xml><?xml version="1.0" encoding="utf-8"?>
+<p:sld xmlns:a="http://schemas.openxmlformats.org/drawingml/2006/main" xmlns:r="http://schemas.openxmlformats.org/officeDocument/2006/relationships" xmlns:p="http://schemas.openxmlformats.org/presentationml/2006/main">
+  <p:cSld>
+    <p:spTree>
+      <p:nvGrpSpPr>
+        <p:cNvPr id="1" name=""/>
+        <p:cNvGrpSpPr/>
+        <p:nvPr/>
+      </p:nvGrpSpPr>
+      <p:grpSpPr>
+        <a:xfrm>
+          <a:off x="0" y="0"/>
+          <a:ext cx="0" cy="0"/>
+          <a:chOff x="0" y="0"/>
+          <a:chExt cx="0" cy="0"/>
+        </a:xfrm>
+      </p:grpSpPr>
+      <p:sp>
+        <p:nvSpPr>
+          <p:cNvPr id="2" name="Title 1">
+            <a:extLst>
+              <a:ext uri="{FF2B5EF4-FFF2-40B4-BE49-F238E27FC236}">
+                <a16:creationId xmlns:a16="http://schemas.microsoft.com/office/drawing/2014/main" id="{0C90C232-8A23-40FA-03A3-3E3F5CE3FD7D}"/>
+              </a:ext>
+            </a:extLst>
+          </p:cNvPr>
+          <p:cNvSpPr>
+            <a:spLocks noGrp="1"/>
+          </p:cNvSpPr>
+          <p:nvPr>
+            <p:ph type="title"/>
+          </p:nvPr>
+        </p:nvSpPr>
+        <p:spPr/>
+        <p:txBody>
+          <a:bodyPr/>
+          <a:lstStyle/>
+          <a:p>
+            <a:endParaRPr lang="en-US" dirty="0"/>
+          </a:p>
+        </p:txBody>
+      </p:sp>
+      <p:sp>
+        <p:nvSpPr>
+          <p:cNvPr id="3" name="Text Placeholder 2">
+            <a:extLst>
+              <a:ext uri="{FF2B5EF4-FFF2-40B4-BE49-F238E27FC236}">
+                <a16:creationId xmlns:a16="http://schemas.microsoft.com/office/drawing/2014/main" id="{6906A950-CF65-58FB-54E7-CA37CFFBE985}"/>
+              </a:ext>
+            </a:extLst>
+          </p:cNvPr>
+          <p:cNvSpPr>
+            <a:spLocks noGrp="1"/>
+          </p:cNvSpPr>
+          <p:nvPr>
+            <p:ph type="body" idx="1"/>
+          </p:nvPr>
+        </p:nvSpPr>
+        <p:spPr/>
+        <p:txBody>
+          <a:bodyPr/>
+          <a:lstStyle/>
+          <a:p>
+            <a:r>
+              <a:rPr lang="en-US" dirty="0"/>
+              <a:t>Problem faced</a:t>
+            </a:r>
+          </a:p>
+        </p:txBody>
+      </p:sp>
+      <p:sp>
+        <p:nvSpPr>
+          <p:cNvPr id="4" name="Content Placeholder 3">
+            <a:extLst>
+              <a:ext uri="{FF2B5EF4-FFF2-40B4-BE49-F238E27FC236}">
+                <a16:creationId xmlns:a16="http://schemas.microsoft.com/office/drawing/2014/main" id="{BB5774D5-7B33-8FE1-4D6D-8CDD9DE975E5}"/>
+              </a:ext>
+            </a:extLst>
+          </p:cNvPr>
+          <p:cNvSpPr>
+            <a:spLocks noGrp="1"/>
+          </p:cNvSpPr>
+          <p:nvPr>
+            <p:ph sz="half" idx="2"/>
+          </p:nvPr>
+        </p:nvSpPr>
+        <p:spPr/>
+        <p:txBody>
+          <a:bodyPr>
+            <a:normAutofit/>
+          </a:bodyPr>
+          <a:lstStyle/>
+          <a:p>
+            <a:r>
+              <a:rPr lang="en-US" sz="2000" dirty="0"/>
+              <a:t>Failed to create new </a:t>
+            </a:r>
+            <a:r>
+              <a:rPr lang="en-US" sz="2000" dirty="0" err="1"/>
+              <a:t>KafkaAdminClient</a:t>
+            </a:r>
+            <a:endParaRPr lang="en-US" sz="2000" dirty="0"/>
+          </a:p>
+          <a:p>
+            <a:r>
+              <a:rPr lang="en-US" sz="2000" dirty="0"/>
+              <a:t>getting error -Py4JJavaError: An error occurred while calling o39.load. </a:t>
+            </a:r>
+          </a:p>
+          <a:p>
+            <a:r>
+              <a:rPr lang="en-US" sz="2000" dirty="0"/>
+              <a:t>Main Data was stored only in  value .</a:t>
+            </a:r>
+          </a:p>
+        </p:txBody>
+      </p:sp>
+      <p:sp>
+        <p:nvSpPr>
+          <p:cNvPr id="5" name="Text Placeholder 4">
+            <a:extLst>
+              <a:ext uri="{FF2B5EF4-FFF2-40B4-BE49-F238E27FC236}">
+                <a16:creationId xmlns:a16="http://schemas.microsoft.com/office/drawing/2014/main" id="{C0103F4F-BD45-AB84-C979-C3271EBAA840}"/>
+              </a:ext>
+            </a:extLst>
+          </p:cNvPr>
+          <p:cNvSpPr>
+            <a:spLocks noGrp="1"/>
+          </p:cNvSpPr>
+          <p:nvPr>
+            <p:ph type="body" sz="quarter" idx="3"/>
+          </p:nvPr>
+        </p:nvSpPr>
+        <p:spPr/>
+        <p:txBody>
+          <a:bodyPr/>
+          <a:lstStyle/>
+          <a:p>
+            <a:r>
+              <a:rPr lang="en-US" dirty="0"/>
+              <a:t>Solution to the Problem </a:t>
+            </a:r>
+          </a:p>
+        </p:txBody>
+      </p:sp>
+      <p:sp>
+        <p:nvSpPr>
+          <p:cNvPr id="6" name="Content Placeholder 5">
+            <a:extLst>
+              <a:ext uri="{FF2B5EF4-FFF2-40B4-BE49-F238E27FC236}">
+                <a16:creationId xmlns:a16="http://schemas.microsoft.com/office/drawing/2014/main" id="{B3619215-945E-BA38-A04D-5CC0369BEB67}"/>
+              </a:ext>
+            </a:extLst>
+          </p:cNvPr>
+          <p:cNvSpPr>
+            <a:spLocks noGrp="1"/>
+          </p:cNvSpPr>
+          <p:nvPr>
+            <p:ph sz="quarter" idx="4"/>
+          </p:nvPr>
+        </p:nvSpPr>
+        <p:spPr>
+          <a:xfrm>
+            <a:off x="6172199" y="2505075"/>
+            <a:ext cx="5520447" cy="3684588"/>
+          </a:xfrm>
+        </p:spPr>
+        <p:txBody>
+          <a:bodyPr>
+            <a:normAutofit/>
+          </a:bodyPr>
+          <a:lstStyle/>
+          <a:p>
+            <a:r>
+              <a:rPr lang="en-US" sz="2000" dirty="0"/>
+              <a:t>While creating spark session set jar  </a:t>
+            </a:r>
+            <a:r>
+              <a:rPr lang="en-US" sz="1000" b="1" dirty="0"/>
+              <a:t>config("</a:t>
+            </a:r>
+            <a:r>
+              <a:rPr lang="en-US" sz="1000" b="1" dirty="0" err="1"/>
+              <a:t>spark.jars.packages</a:t>
+            </a:r>
+            <a:r>
+              <a:rPr lang="en-US" sz="1000" b="1" dirty="0"/>
+              <a:t>", "org.apache.spark:spark-sql-kafka-0-10_2.12:3.2.0,org.apache.kafka:kafka-clients:3.5.2") \</a:t>
+            </a:r>
+          </a:p>
+          <a:p>
+            <a:r>
+              <a:rPr lang="en-US" sz="2000" dirty="0"/>
+              <a:t>Also pass right Kafka </a:t>
+            </a:r>
+            <a:r>
+              <a:rPr lang="en-US" sz="2000" dirty="0" err="1"/>
+              <a:t>bootstrap.servers</a:t>
+            </a:r>
+            <a:r>
+              <a:rPr lang="en-US" sz="2000" dirty="0"/>
+              <a:t> and </a:t>
+            </a:r>
+            <a:r>
+              <a:rPr lang="en-US" sz="2000" dirty="0" err="1"/>
+              <a:t>kafka</a:t>
+            </a:r>
+            <a:r>
+              <a:rPr lang="en-US" sz="2000" dirty="0"/>
+              <a:t> topic while  </a:t>
+            </a:r>
+            <a:r>
+              <a:rPr lang="en-US" sz="2000" b="1" dirty="0" err="1"/>
+              <a:t>spark.readStream</a:t>
+            </a:r>
+            <a:endParaRPr lang="en-US" sz="2000" b="1" dirty="0"/>
+          </a:p>
+          <a:p>
+            <a:r>
+              <a:rPr lang="en-US" sz="2000" b="1" dirty="0"/>
+              <a:t>Cast</a:t>
+            </a:r>
+            <a:r>
+              <a:rPr lang="en-US" sz="2000" dirty="0"/>
+              <a:t> value to string and then use </a:t>
+            </a:r>
+            <a:r>
+              <a:rPr lang="en-US" sz="2000" dirty="0" err="1"/>
+              <a:t>from_jsom</a:t>
+            </a:r>
+            <a:r>
+              <a:rPr lang="en-US" sz="2000" dirty="0"/>
+              <a:t> to take Json data and use explode to </a:t>
+            </a:r>
+            <a:r>
+              <a:rPr lang="en-US" sz="2000" b="1" dirty="0"/>
+              <a:t>flatten</a:t>
+            </a:r>
+            <a:r>
+              <a:rPr lang="en-US" sz="2000" dirty="0"/>
+              <a:t> the </a:t>
+            </a:r>
+            <a:r>
+              <a:rPr lang="en-US" sz="2000" dirty="0" err="1"/>
+              <a:t>json</a:t>
+            </a:r>
+            <a:r>
+              <a:rPr lang="en-US" sz="2000" dirty="0"/>
+              <a:t> </a:t>
+            </a:r>
+          </a:p>
+        </p:txBody>
+      </p:sp>
+    </p:spTree>
+    <p:extLst>
+      <p:ext uri="{BB962C8B-B14F-4D97-AF65-F5344CB8AC3E}">
+        <p14:creationId xmlns:p14="http://schemas.microsoft.com/office/powerpoint/2010/main" val="3567786875"/>
+      </p:ext>
+    </p:extLst>
+  </p:cSld>
+  <p:clrMapOvr>
+    <a:masterClrMapping/>
+  </p:clrMapOvr>
+</p:sld>
+</file>
+
+<file path=ppt/slides/slide12.xml><?xml version="1.0" encoding="utf-8"?>
+<p:sld xmlns:a="http://schemas.openxmlformats.org/drawingml/2006/main" xmlns:r="http://schemas.openxmlformats.org/officeDocument/2006/relationships" xmlns:p="http://schemas.openxmlformats.org/presentationml/2006/main">
+  <p:cSld>
     <p:spTree>
       <p:nvGrpSpPr>
         <p:cNvPr id="1" name=""/>
@@ -7919,7 +11323,7 @@
 </p:sld>
 </file>
 
-<file path=ppt/slides/slide11.xml><?xml version="1.0" encoding="utf-8"?>
+<file path=ppt/slides/slide13.xml><?xml version="1.0" encoding="utf-8"?>
 <p:sld xmlns:a="http://schemas.openxmlformats.org/drawingml/2006/main" xmlns:r="http://schemas.openxmlformats.org/officeDocument/2006/relationships" xmlns:p="http://schemas.openxmlformats.org/presentationml/2006/main">
   <p:cSld>
     <p:spTree>
@@ -8090,7 +11494,7 @@
 </p:sld>
 </file>
 
-<file path=ppt/slides/slide12.xml><?xml version="1.0" encoding="utf-8"?>
+<file path=ppt/slides/slide14.xml><?xml version="1.0" encoding="utf-8"?>
 <p:sld xmlns:a="http://schemas.openxmlformats.org/drawingml/2006/main" xmlns:r="http://schemas.openxmlformats.org/officeDocument/2006/relationships" xmlns:p="http://schemas.openxmlformats.org/presentationml/2006/main">
   <p:cSld>
     <p:spTree>
@@ -8301,7 +11705,7 @@
 </p:sld>
 </file>
 
-<file path=ppt/slides/slide13.xml><?xml version="1.0" encoding="utf-8"?>
+<file path=ppt/slides/slide15.xml><?xml version="1.0" encoding="utf-8"?>
 <p:sld xmlns:a="http://schemas.openxmlformats.org/drawingml/2006/main" xmlns:r="http://schemas.openxmlformats.org/officeDocument/2006/relationships" xmlns:p="http://schemas.openxmlformats.org/presentationml/2006/main">
   <p:cSld>
     <p:spTree>
@@ -8520,7 +11924,7 @@
 </p:sld>
 </file>
 
-<file path=ppt/slides/slide14.xml><?xml version="1.0" encoding="utf-8"?>
+<file path=ppt/slides/slide16.xml><?xml version="1.0" encoding="utf-8"?>
 <p:sld xmlns:a="http://schemas.openxmlformats.org/drawingml/2006/main" xmlns:r="http://schemas.openxmlformats.org/officeDocument/2006/relationships" xmlns:p="http://schemas.openxmlformats.org/presentationml/2006/main">
   <p:cSld>
     <p:bg>
@@ -8934,7 +12338,7 @@
 </p:sld>
 </file>
 
-<file path=ppt/slides/slide15.xml><?xml version="1.0" encoding="utf-8"?>
+<file path=ppt/slides/slide17.xml><?xml version="1.0" encoding="utf-8"?>
 <p:sld xmlns:a="http://schemas.openxmlformats.org/drawingml/2006/main" xmlns:r="http://schemas.openxmlformats.org/officeDocument/2006/relationships" xmlns:p="http://schemas.openxmlformats.org/presentationml/2006/main">
   <p:cSld>
     <p:spTree>
@@ -9630,7 +13034,7 @@
 </p:sld>
 </file>
 
-<file path=ppt/slides/slide16.xml><?xml version="1.0" encoding="utf-8"?>
+<file path=ppt/slides/slide18.xml><?xml version="1.0" encoding="utf-8"?>
 <p:sld xmlns:a="http://schemas.openxmlformats.org/drawingml/2006/main" xmlns:r="http://schemas.openxmlformats.org/officeDocument/2006/relationships" xmlns:p="http://schemas.openxmlformats.org/presentationml/2006/main">
   <p:cSld>
     <p:spTree>
@@ -10298,7 +13702,7 @@
 </p:sld>
 </file>
 
-<file path=ppt/slides/slide17.xml><?xml version="1.0" encoding="utf-8"?>
+<file path=ppt/slides/slide19.xml><?xml version="1.0" encoding="utf-8"?>
 <p:sld xmlns:a="http://schemas.openxmlformats.org/drawingml/2006/main" xmlns:r="http://schemas.openxmlformats.org/officeDocument/2006/relationships" xmlns:p="http://schemas.openxmlformats.org/presentationml/2006/main">
   <p:cSld>
     <p:spTree>
@@ -11121,7 +14525,7 @@
 </p:sld>
 </file>
 
-<file path=ppt/slides/slide18.xml><?xml version="1.0" encoding="utf-8"?>
+<file path=ppt/slides/slide2.xml><?xml version="1.0" encoding="utf-8"?>
 <p:sld xmlns:a="http://schemas.openxmlformats.org/drawingml/2006/main" xmlns:r="http://schemas.openxmlformats.org/officeDocument/2006/relationships" xmlns:p="http://schemas.openxmlformats.org/presentationml/2006/main">
   <p:cSld>
     <p:bg>
@@ -11148,7 +14552,7 @@
       </p:grpSpPr>
       <p:sp useBgFill="1">
         <p:nvSpPr>
-          <p:cNvPr id="8" name="Rectangle 7">
+          <p:cNvPr id="17" name="Rectangle 16">
             <a:extLst>
               <a:ext uri="{FF2B5EF4-FFF2-40B4-BE49-F238E27FC236}">
                 <a16:creationId xmlns:a16="http://schemas.microsoft.com/office/drawing/2014/main" id="{1BB867FF-FC45-48F7-8104-F89BE54909F1}"/>
@@ -11208,7 +14612,7 @@
       </p:sp>
       <p:sp>
         <p:nvSpPr>
-          <p:cNvPr id="10" name="Freeform: Shape 9">
+          <p:cNvPr id="19" name="Freeform: Shape 18">
             <a:extLst>
               <a:ext uri="{FF2B5EF4-FFF2-40B4-BE49-F238E27FC236}">
                 <a16:creationId xmlns:a16="http://schemas.microsoft.com/office/drawing/2014/main" id="{8BB56887-D0D5-4F0C-9E19-7247EB83C8B7}"/>
@@ -11328,13 +14732,7 @@
       </p:sp>
       <p:sp>
         <p:nvSpPr>
-          <p:cNvPr id="2" name="Title 1">
-            <a:extLst>
-              <a:ext uri="{FF2B5EF4-FFF2-40B4-BE49-F238E27FC236}">
-                <a16:creationId xmlns:a16="http://schemas.microsoft.com/office/drawing/2014/main" id="{C4712B10-83C7-1E4C-AAD8-584315C8AC92}"/>
-              </a:ext>
-            </a:extLst>
-          </p:cNvPr>
+          <p:cNvPr id="2" name="Title 1"/>
           <p:cNvSpPr>
             <a:spLocks noGrp="1"/>
           </p:cNvSpPr>
@@ -11355,15 +14753,15 @@
           <a:lstStyle/>
           <a:p>
             <a:r>
-              <a:rPr lang="en-US" dirty="0"/>
-              <a:t>Conclusion</a:t>
-            </a:r>
-          </a:p>
-        </p:txBody>
-      </p:sp>
-      <p:sp>
-        <p:nvSpPr>
-          <p:cNvPr id="12" name="Arc 11">
+              <a:rPr lang="en-IN"/>
+              <a:t>Problem Definition</a:t>
+            </a:r>
+          </a:p>
+        </p:txBody>
+      </p:sp>
+      <p:sp>
+        <p:nvSpPr>
+          <p:cNvPr id="21" name="Arc 20">
             <a:extLst>
               <a:ext uri="{FF2B5EF4-FFF2-40B4-BE49-F238E27FC236}">
                 <a16:creationId xmlns:a16="http://schemas.microsoft.com/office/drawing/2014/main" id="{081E4A58-353D-44AE-B2FC-2A74E2E400F7}"/>
@@ -11424,6 +14822,344 @@
       </p:sp>
       <p:sp>
         <p:nvSpPr>
+          <p:cNvPr id="3" name="Content Placeholder 2"/>
+          <p:cNvSpPr>
+            <a:spLocks noGrp="1"/>
+          </p:cNvSpPr>
+          <p:nvPr>
+            <p:ph idx="1"/>
+          </p:nvPr>
+        </p:nvSpPr>
+        <p:spPr>
+          <a:xfrm>
+            <a:off x="838200" y="1825625"/>
+            <a:ext cx="10515600" cy="4351338"/>
+          </a:xfrm>
+        </p:spPr>
+        <p:txBody>
+          <a:bodyPr>
+            <a:normAutofit/>
+          </a:bodyPr>
+          <a:lstStyle/>
+          <a:p>
+            <a:r>
+              <a:rPr lang="en-IN"/>
+              <a:t>The project aims to optimize the energy grid by forecasting electricity demand using historical weather data and power consumption patterns. Accurate forecasting enables better grid management, reduces energy waste, and balances demand-supply distribution.</a:t>
+            </a:r>
+          </a:p>
+        </p:txBody>
+      </p:sp>
+    </p:spTree>
+  </p:cSld>
+  <p:clrMapOvr>
+    <a:masterClrMapping/>
+  </p:clrMapOvr>
+</p:sld>
+</file>
+
+<file path=ppt/slides/slide20.xml><?xml version="1.0" encoding="utf-8"?>
+<p:sld xmlns:a="http://schemas.openxmlformats.org/drawingml/2006/main" xmlns:r="http://schemas.openxmlformats.org/officeDocument/2006/relationships" xmlns:p="http://schemas.openxmlformats.org/presentationml/2006/main">
+  <p:cSld>
+    <p:bg>
+      <p:bgPr>
+        <a:solidFill>
+          <a:schemeClr val="bg1"/>
+        </a:solidFill>
+        <a:effectLst/>
+      </p:bgPr>
+    </p:bg>
+    <p:spTree>
+      <p:nvGrpSpPr>
+        <p:cNvPr id="1" name=""/>
+        <p:cNvGrpSpPr/>
+        <p:nvPr/>
+      </p:nvGrpSpPr>
+      <p:grpSpPr>
+        <a:xfrm>
+          <a:off x="0" y="0"/>
+          <a:ext cx="0" cy="0"/>
+          <a:chOff x="0" y="0"/>
+          <a:chExt cx="0" cy="0"/>
+        </a:xfrm>
+      </p:grpSpPr>
+      <p:sp useBgFill="1">
+        <p:nvSpPr>
+          <p:cNvPr id="8" name="Rectangle 7">
+            <a:extLst>
+              <a:ext uri="{FF2B5EF4-FFF2-40B4-BE49-F238E27FC236}">
+                <a16:creationId xmlns:a16="http://schemas.microsoft.com/office/drawing/2014/main" id="{1BB867FF-FC45-48F7-8104-F89BE54909F1}"/>
+              </a:ext>
+              <a:ext uri="{C183D7F6-B498-43B3-948B-1728B52AA6E4}">
+                <adec:decorative xmlns:adec="http://schemas.microsoft.com/office/drawing/2017/decorative" val="1"/>
+              </a:ext>
+            </a:extLst>
+          </p:cNvPr>
+          <p:cNvSpPr>
+            <a:spLocks noGrp="1" noRot="1" noChangeAspect="1" noMove="1" noResize="1" noEditPoints="1" noAdjustHandles="1" noChangeArrowheads="1" noChangeShapeType="1" noTextEdit="1"/>
+          </p:cNvSpPr>
+          <p:nvPr>
+            <p:extLst>
+              <p:ext uri="{386F3935-93C4-4BCD-93E2-E3B085C9AB24}">
+                <p16:designElem xmlns:p16="http://schemas.microsoft.com/office/powerpoint/2015/main" val="1"/>
+              </p:ext>
+            </p:extLst>
+          </p:nvPr>
+        </p:nvSpPr>
+        <p:spPr>
+          <a:xfrm>
+            <a:off x="3048" y="0"/>
+            <a:ext cx="12188952" cy="6858000"/>
+          </a:xfrm>
+          <a:prstGeom prst="rect">
+            <a:avLst/>
+          </a:prstGeom>
+          <a:ln>
+            <a:noFill/>
+          </a:ln>
+        </p:spPr>
+        <p:style>
+          <a:lnRef idx="2">
+            <a:schemeClr val="accent1">
+              <a:shade val="50000"/>
+            </a:schemeClr>
+          </a:lnRef>
+          <a:fillRef idx="1">
+            <a:schemeClr val="accent1"/>
+          </a:fillRef>
+          <a:effectRef idx="0">
+            <a:schemeClr val="accent1"/>
+          </a:effectRef>
+          <a:fontRef idx="minor">
+            <a:schemeClr val="lt1"/>
+          </a:fontRef>
+        </p:style>
+        <p:txBody>
+          <a:bodyPr rtlCol="0" anchor="ctr"/>
+          <a:lstStyle/>
+          <a:p>
+            <a:pPr algn="ctr"/>
+            <a:endParaRPr lang="en-US"/>
+          </a:p>
+        </p:txBody>
+      </p:sp>
+      <p:sp>
+        <p:nvSpPr>
+          <p:cNvPr id="10" name="Freeform: Shape 9">
+            <a:extLst>
+              <a:ext uri="{FF2B5EF4-FFF2-40B4-BE49-F238E27FC236}">
+                <a16:creationId xmlns:a16="http://schemas.microsoft.com/office/drawing/2014/main" id="{8BB56887-D0D5-4F0C-9E19-7247EB83C8B7}"/>
+              </a:ext>
+              <a:ext uri="{C183D7F6-B498-43B3-948B-1728B52AA6E4}">
+                <adec:decorative xmlns:adec="http://schemas.microsoft.com/office/drawing/2017/decorative" val="1"/>
+              </a:ext>
+            </a:extLst>
+          </p:cNvPr>
+          <p:cNvSpPr>
+            <a:spLocks noGrp="1" noRot="1" noChangeAspect="1" noMove="1" noResize="1" noEditPoints="1" noAdjustHandles="1" noChangeArrowheads="1" noChangeShapeType="1" noTextEdit="1"/>
+          </p:cNvSpPr>
+          <p:nvPr>
+            <p:extLst>
+              <p:ext uri="{386F3935-93C4-4BCD-93E2-E3B085C9AB24}">
+                <p16:designElem xmlns:p16="http://schemas.microsoft.com/office/powerpoint/2015/main" val="1"/>
+              </p:ext>
+            </p:extLst>
+          </p:nvPr>
+        </p:nvSpPr>
+        <p:spPr>
+          <a:xfrm>
+            <a:off x="10208695" y="1"/>
+            <a:ext cx="1135066" cy="477997"/>
+          </a:xfrm>
+          <a:custGeom>
+            <a:avLst/>
+            <a:gdLst>
+              <a:gd name="connsiteX0" fmla="*/ 0 w 1135066"/>
+              <a:gd name="connsiteY0" fmla="*/ 0 h 477997"/>
+              <a:gd name="connsiteX1" fmla="*/ 1135066 w 1135066"/>
+              <a:gd name="connsiteY1" fmla="*/ 0 h 477997"/>
+              <a:gd name="connsiteX2" fmla="*/ 1133370 w 1135066"/>
+              <a:gd name="connsiteY2" fmla="*/ 16827 h 477997"/>
+              <a:gd name="connsiteX3" fmla="*/ 567533 w 1135066"/>
+              <a:gd name="connsiteY3" fmla="*/ 477997 h 477997"/>
+              <a:gd name="connsiteX4" fmla="*/ 1696 w 1135066"/>
+              <a:gd name="connsiteY4" fmla="*/ 16827 h 477997"/>
+            </a:gdLst>
+            <a:ahLst/>
+            <a:cxnLst>
+              <a:cxn ang="0">
+                <a:pos x="connsiteX0" y="connsiteY0"/>
+              </a:cxn>
+              <a:cxn ang="0">
+                <a:pos x="connsiteX1" y="connsiteY1"/>
+              </a:cxn>
+              <a:cxn ang="0">
+                <a:pos x="connsiteX2" y="connsiteY2"/>
+              </a:cxn>
+              <a:cxn ang="0">
+                <a:pos x="connsiteX3" y="connsiteY3"/>
+              </a:cxn>
+              <a:cxn ang="0">
+                <a:pos x="connsiteX4" y="connsiteY4"/>
+              </a:cxn>
+            </a:cxnLst>
+            <a:rect l="l" t="t" r="r" b="b"/>
+            <a:pathLst>
+              <a:path w="1135066" h="477997">
+                <a:moveTo>
+                  <a:pt x="0" y="0"/>
+                </a:moveTo>
+                <a:lnTo>
+                  <a:pt x="1135066" y="0"/>
+                </a:lnTo>
+                <a:lnTo>
+                  <a:pt x="1133370" y="16827"/>
+                </a:lnTo>
+                <a:cubicBezTo>
+                  <a:pt x="1079514" y="280016"/>
+                  <a:pt x="846644" y="477997"/>
+                  <a:pt x="567533" y="477997"/>
+                </a:cubicBezTo>
+                <a:cubicBezTo>
+                  <a:pt x="288422" y="477997"/>
+                  <a:pt x="55552" y="280016"/>
+                  <a:pt x="1696" y="16827"/>
+                </a:cubicBezTo>
+                <a:close/>
+              </a:path>
+            </a:pathLst>
+          </a:custGeom>
+          <a:solidFill>
+            <a:schemeClr val="accent4"/>
+          </a:solidFill>
+          <a:ln>
+            <a:noFill/>
+          </a:ln>
+        </p:spPr>
+        <p:style>
+          <a:lnRef idx="2">
+            <a:schemeClr val="accent1">
+              <a:shade val="50000"/>
+            </a:schemeClr>
+          </a:lnRef>
+          <a:fillRef idx="1">
+            <a:schemeClr val="accent1"/>
+          </a:fillRef>
+          <a:effectRef idx="0">
+            <a:schemeClr val="accent1"/>
+          </a:effectRef>
+          <a:fontRef idx="minor">
+            <a:schemeClr val="lt1"/>
+          </a:fontRef>
+        </p:style>
+        <p:txBody>
+          <a:bodyPr wrap="square" rtlCol="0" anchor="ctr">
+            <a:noAutofit/>
+          </a:bodyPr>
+          <a:lstStyle/>
+          <a:p>
+            <a:pPr algn="ctr"/>
+            <a:endParaRPr lang="en-US"/>
+          </a:p>
+        </p:txBody>
+      </p:sp>
+      <p:sp>
+        <p:nvSpPr>
+          <p:cNvPr id="2" name="Title 1">
+            <a:extLst>
+              <a:ext uri="{FF2B5EF4-FFF2-40B4-BE49-F238E27FC236}">
+                <a16:creationId xmlns:a16="http://schemas.microsoft.com/office/drawing/2014/main" id="{C4712B10-83C7-1E4C-AAD8-584315C8AC92}"/>
+              </a:ext>
+            </a:extLst>
+          </p:cNvPr>
+          <p:cNvSpPr>
+            <a:spLocks noGrp="1"/>
+          </p:cNvSpPr>
+          <p:nvPr>
+            <p:ph type="title"/>
+          </p:nvPr>
+        </p:nvSpPr>
+        <p:spPr>
+          <a:xfrm>
+            <a:off x="838200" y="365125"/>
+            <a:ext cx="10515600" cy="1325563"/>
+          </a:xfrm>
+        </p:spPr>
+        <p:txBody>
+          <a:bodyPr>
+            <a:normAutofit/>
+          </a:bodyPr>
+          <a:lstStyle/>
+          <a:p>
+            <a:r>
+              <a:rPr lang="en-US" dirty="0"/>
+              <a:t>Conclusion</a:t>
+            </a:r>
+          </a:p>
+        </p:txBody>
+      </p:sp>
+      <p:sp>
+        <p:nvSpPr>
+          <p:cNvPr id="12" name="Arc 11">
+            <a:extLst>
+              <a:ext uri="{FF2B5EF4-FFF2-40B4-BE49-F238E27FC236}">
+                <a16:creationId xmlns:a16="http://schemas.microsoft.com/office/drawing/2014/main" id="{081E4A58-353D-44AE-B2FC-2A74E2E400F7}"/>
+              </a:ext>
+              <a:ext uri="{C183D7F6-B498-43B3-948B-1728B52AA6E4}">
+                <adec:decorative xmlns:adec="http://schemas.microsoft.com/office/drawing/2017/decorative" val="1"/>
+              </a:ext>
+            </a:extLst>
+          </p:cNvPr>
+          <p:cNvSpPr>
+            <a:spLocks noGrp="1" noRot="1" noChangeAspect="1" noMove="1" noResize="1" noEditPoints="1" noAdjustHandles="1" noChangeArrowheads="1" noChangeShapeType="1" noTextEdit="1"/>
+          </p:cNvSpPr>
+          <p:nvPr>
+            <p:extLst>
+              <p:ext uri="{386F3935-93C4-4BCD-93E2-E3B085C9AB24}">
+                <p16:designElem xmlns:p16="http://schemas.microsoft.com/office/powerpoint/2015/main" val="1"/>
+              </p:ext>
+            </p:extLst>
+          </p:nvPr>
+        </p:nvSpPr>
+        <p:spPr>
+          <a:xfrm rot="5400000" flipV="1">
+            <a:off x="555710" y="2183223"/>
+            <a:ext cx="4083433" cy="4083433"/>
+          </a:xfrm>
+          <a:prstGeom prst="arc">
+            <a:avLst/>
+          </a:prstGeom>
+          <a:ln w="127000" cap="rnd">
+            <a:solidFill>
+              <a:schemeClr val="accent4"/>
+            </a:solidFill>
+            <a:prstDash val="dash"/>
+          </a:ln>
+        </p:spPr>
+        <p:style>
+          <a:lnRef idx="1">
+            <a:schemeClr val="accent1"/>
+          </a:lnRef>
+          <a:fillRef idx="0">
+            <a:schemeClr val="accent1"/>
+          </a:fillRef>
+          <a:effectRef idx="0">
+            <a:schemeClr val="accent1"/>
+          </a:effectRef>
+          <a:fontRef idx="minor">
+            <a:schemeClr val="tx1"/>
+          </a:fontRef>
+        </p:style>
+        <p:txBody>
+          <a:bodyPr rtlCol="0" anchor="ctr"/>
+          <a:lstStyle/>
+          <a:p>
+            <a:pPr algn="ctr"/>
+            <a:endParaRPr lang="en-US" dirty="0"/>
+          </a:p>
+        </p:txBody>
+      </p:sp>
+      <p:sp>
+        <p:nvSpPr>
           <p:cNvPr id="3" name="Content Placeholder 2">
             <a:extLst>
               <a:ext uri="{FF2B5EF4-FFF2-40B4-BE49-F238E27FC236}">
@@ -11476,7 +15212,7 @@
 </p:sld>
 </file>
 
-<file path=ppt/slides/slide19.xml><?xml version="1.0" encoding="utf-8"?>
+<file path=ppt/slides/slide21.xml><?xml version="1.0" encoding="utf-8"?>
 <p:sld xmlns:a="http://schemas.openxmlformats.org/drawingml/2006/main" xmlns:r="http://schemas.openxmlformats.org/officeDocument/2006/relationships" xmlns:p="http://schemas.openxmlformats.org/presentationml/2006/main">
   <p:cSld>
     <p:bg>
@@ -12143,7 +15879,301 @@
 </p:sld>
 </file>
 
-<file path=ppt/slides/slide2.xml><?xml version="1.0" encoding="utf-8"?>
+<file path=ppt/slides/slide3.xml><?xml version="1.0" encoding="utf-8"?>
+<p:sld xmlns:a="http://schemas.openxmlformats.org/drawingml/2006/main" xmlns:r="http://schemas.openxmlformats.org/officeDocument/2006/relationships" xmlns:p="http://schemas.openxmlformats.org/presentationml/2006/main">
+  <p:cSld>
+    <p:spTree>
+      <p:nvGrpSpPr>
+        <p:cNvPr id="1" name="">
+          <a:extLst>
+            <a:ext uri="{FF2B5EF4-FFF2-40B4-BE49-F238E27FC236}">
+              <a16:creationId xmlns:a16="http://schemas.microsoft.com/office/drawing/2014/main" id="{AB3897E4-E9ED-3D2E-808C-698FDE3C1DBB}"/>
+            </a:ext>
+          </a:extLst>
+        </p:cNvPr>
+        <p:cNvGrpSpPr/>
+        <p:nvPr/>
+      </p:nvGrpSpPr>
+      <p:grpSpPr>
+        <a:xfrm>
+          <a:off x="0" y="0"/>
+          <a:ext cx="0" cy="0"/>
+          <a:chOff x="0" y="0"/>
+          <a:chExt cx="0" cy="0"/>
+        </a:xfrm>
+      </p:grpSpPr>
+      <p:graphicFrame>
+        <p:nvGraphicFramePr>
+          <p:cNvPr id="153" name="TextBox 85">
+            <a:extLst>
+              <a:ext uri="{FF2B5EF4-FFF2-40B4-BE49-F238E27FC236}">
+                <a16:creationId xmlns:a16="http://schemas.microsoft.com/office/drawing/2014/main" id="{8D12CA76-BC71-AAB4-A000-B742A3B92B5C}"/>
+              </a:ext>
+            </a:extLst>
+          </p:cNvPr>
+          <p:cNvGraphicFramePr/>
+          <p:nvPr>
+            <p:extLst>
+              <p:ext uri="{D42A27DB-BD31-4B8C-83A1-F6EECF244321}">
+                <p14:modId xmlns:p14="http://schemas.microsoft.com/office/powerpoint/2010/main" val="3172005949"/>
+              </p:ext>
+            </p:extLst>
+          </p:nvPr>
+        </p:nvGraphicFramePr>
+        <p:xfrm>
+          <a:off x="1115568" y="664969"/>
+          <a:ext cx="10232136" cy="5342639"/>
+        </p:xfrm>
+        <a:graphic>
+          <a:graphicData uri="http://schemas.openxmlformats.org/drawingml/2006/diagram">
+            <dgm:relIds xmlns:dgm="http://schemas.openxmlformats.org/drawingml/2006/diagram" xmlns:r="http://schemas.openxmlformats.org/officeDocument/2006/relationships" r:dm="rId2" r:lo="rId3" r:qs="rId4" r:cs="rId5"/>
+          </a:graphicData>
+        </a:graphic>
+      </p:graphicFrame>
+    </p:spTree>
+    <p:extLst>
+      <p:ext uri="{BB962C8B-B14F-4D97-AF65-F5344CB8AC3E}">
+        <p14:creationId xmlns:p14="http://schemas.microsoft.com/office/powerpoint/2010/main" val="3913561698"/>
+      </p:ext>
+    </p:extLst>
+  </p:cSld>
+  <p:clrMapOvr>
+    <a:masterClrMapping/>
+  </p:clrMapOvr>
+</p:sld>
+</file>
+
+<file path=ppt/slides/slide4.xml><?xml version="1.0" encoding="utf-8"?>
+<p:sld xmlns:a="http://schemas.openxmlformats.org/drawingml/2006/main" xmlns:r="http://schemas.openxmlformats.org/officeDocument/2006/relationships" xmlns:p="http://schemas.openxmlformats.org/presentationml/2006/main">
+  <p:cSld>
+    <p:spTree>
+      <p:nvGrpSpPr>
+        <p:cNvPr id="1" name=""/>
+        <p:cNvGrpSpPr/>
+        <p:nvPr/>
+      </p:nvGrpSpPr>
+      <p:grpSpPr>
+        <a:xfrm>
+          <a:off x="0" y="0"/>
+          <a:ext cx="0" cy="0"/>
+          <a:chOff x="0" y="0"/>
+          <a:chExt cx="0" cy="0"/>
+        </a:xfrm>
+      </p:grpSpPr>
+      <p:sp>
+        <p:nvSpPr>
+          <p:cNvPr id="9" name="TextBox 8">
+            <a:extLst>
+              <a:ext uri="{FF2B5EF4-FFF2-40B4-BE49-F238E27FC236}">
+                <a16:creationId xmlns:a16="http://schemas.microsoft.com/office/drawing/2014/main" id="{9A20B0FA-1FDF-BF13-AEA0-C00884EB60EB}"/>
+              </a:ext>
+            </a:extLst>
+          </p:cNvPr>
+          <p:cNvSpPr txBox="1"/>
+          <p:nvPr/>
+        </p:nvSpPr>
+        <p:spPr>
+          <a:xfrm>
+            <a:off x="121444" y="679966"/>
+            <a:ext cx="1263437" cy="374095"/>
+          </a:xfrm>
+          <a:prstGeom prst="rect">
+            <a:avLst/>
+          </a:prstGeom>
+          <a:noFill/>
+        </p:spPr>
+        <p:txBody>
+          <a:bodyPr wrap="square" rtlCol="0">
+            <a:spAutoFit/>
+          </a:bodyPr>
+          <a:lstStyle/>
+          <a:p>
+            <a:r>
+              <a:rPr lang="en-US" dirty="0"/>
+              <a:t>Request:</a:t>
+            </a:r>
+          </a:p>
+        </p:txBody>
+      </p:sp>
+      <p:pic>
+        <p:nvPicPr>
+          <p:cNvPr id="10" name="Picture 9">
+            <a:extLst>
+              <a:ext uri="{FF2B5EF4-FFF2-40B4-BE49-F238E27FC236}">
+                <a16:creationId xmlns:a16="http://schemas.microsoft.com/office/drawing/2014/main" id="{C212DCB1-6B4F-1194-C3ED-B10001F16E92}"/>
+              </a:ext>
+            </a:extLst>
+          </p:cNvPr>
+          <p:cNvPicPr>
+            <a:picLocks noChangeAspect="1"/>
+          </p:cNvPicPr>
+          <p:nvPr/>
+        </p:nvPicPr>
+        <p:blipFill>
+          <a:blip r:embed="rId2"/>
+          <a:stretch>
+            <a:fillRect/>
+          </a:stretch>
+        </p:blipFill>
+        <p:spPr>
+          <a:xfrm>
+            <a:off x="233363" y="1171575"/>
+            <a:ext cx="10653712" cy="1094742"/>
+          </a:xfrm>
+          <a:prstGeom prst="rect">
+            <a:avLst/>
+          </a:prstGeom>
+        </p:spPr>
+      </p:pic>
+      <p:sp>
+        <p:nvSpPr>
+          <p:cNvPr id="11" name="TextBox 10">
+            <a:extLst>
+              <a:ext uri="{FF2B5EF4-FFF2-40B4-BE49-F238E27FC236}">
+                <a16:creationId xmlns:a16="http://schemas.microsoft.com/office/drawing/2014/main" id="{DE0242F5-CD2F-DF24-4852-7B5565E9E481}"/>
+              </a:ext>
+            </a:extLst>
+          </p:cNvPr>
+          <p:cNvSpPr txBox="1"/>
+          <p:nvPr/>
+        </p:nvSpPr>
+        <p:spPr>
+          <a:xfrm>
+            <a:off x="233363" y="2416097"/>
+            <a:ext cx="1263437" cy="369332"/>
+          </a:xfrm>
+          <a:prstGeom prst="rect">
+            <a:avLst/>
+          </a:prstGeom>
+          <a:noFill/>
+        </p:spPr>
+        <p:txBody>
+          <a:bodyPr wrap="square" rtlCol="0">
+            <a:spAutoFit/>
+          </a:bodyPr>
+          <a:lstStyle/>
+          <a:p>
+            <a:r>
+              <a:rPr lang="en-US" dirty="0"/>
+              <a:t>Response:</a:t>
+            </a:r>
+          </a:p>
+        </p:txBody>
+      </p:sp>
+      <p:pic>
+        <p:nvPicPr>
+          <p:cNvPr id="15" name="Picture 14">
+            <a:extLst>
+              <a:ext uri="{FF2B5EF4-FFF2-40B4-BE49-F238E27FC236}">
+                <a16:creationId xmlns:a16="http://schemas.microsoft.com/office/drawing/2014/main" id="{A15EB7CA-4854-A9AB-ECD1-50839F02DCA5}"/>
+              </a:ext>
+            </a:extLst>
+          </p:cNvPr>
+          <p:cNvPicPr>
+            <a:picLocks noChangeAspect="1"/>
+          </p:cNvPicPr>
+          <p:nvPr/>
+        </p:nvPicPr>
+        <p:blipFill>
+          <a:blip r:embed="rId3"/>
+          <a:stretch>
+            <a:fillRect/>
+          </a:stretch>
+        </p:blipFill>
+        <p:spPr>
+          <a:xfrm>
+            <a:off x="2439991" y="2807600"/>
+            <a:ext cx="2460626" cy="3984626"/>
+          </a:xfrm>
+          <a:prstGeom prst="rect">
+            <a:avLst/>
+          </a:prstGeom>
+        </p:spPr>
+      </p:pic>
+      <p:pic>
+        <p:nvPicPr>
+          <p:cNvPr id="17" name="Picture 16">
+            <a:extLst>
+              <a:ext uri="{FF2B5EF4-FFF2-40B4-BE49-F238E27FC236}">
+                <a16:creationId xmlns:a16="http://schemas.microsoft.com/office/drawing/2014/main" id="{4B5187D9-32B1-C2C2-EACA-2B433A16067F}"/>
+              </a:ext>
+            </a:extLst>
+          </p:cNvPr>
+          <p:cNvPicPr>
+            <a:picLocks noChangeAspect="1"/>
+          </p:cNvPicPr>
+          <p:nvPr/>
+        </p:nvPicPr>
+        <p:blipFill>
+          <a:blip r:embed="rId4"/>
+          <a:stretch>
+            <a:fillRect/>
+          </a:stretch>
+        </p:blipFill>
+        <p:spPr>
+          <a:xfrm>
+            <a:off x="5503866" y="2785428"/>
+            <a:ext cx="2954338" cy="4067011"/>
+          </a:xfrm>
+          <a:prstGeom prst="rect">
+            <a:avLst/>
+          </a:prstGeom>
+        </p:spPr>
+      </p:pic>
+      <p:sp>
+        <p:nvSpPr>
+          <p:cNvPr id="18" name="TextBox 17">
+            <a:extLst>
+              <a:ext uri="{FF2B5EF4-FFF2-40B4-BE49-F238E27FC236}">
+                <a16:creationId xmlns:a16="http://schemas.microsoft.com/office/drawing/2014/main" id="{E2D54C68-C24B-0552-455D-14BADCAAA801}"/>
+              </a:ext>
+            </a:extLst>
+          </p:cNvPr>
+          <p:cNvSpPr txBox="1"/>
+          <p:nvPr/>
+        </p:nvSpPr>
+        <p:spPr>
+          <a:xfrm>
+            <a:off x="2439991" y="399459"/>
+            <a:ext cx="6856856" cy="461665"/>
+          </a:xfrm>
+          <a:prstGeom prst="rect">
+            <a:avLst/>
+          </a:prstGeom>
+          <a:noFill/>
+        </p:spPr>
+        <p:txBody>
+          <a:bodyPr wrap="square" rtlCol="0">
+            <a:spAutoFit/>
+          </a:bodyPr>
+          <a:lstStyle/>
+          <a:p>
+            <a:pPr algn="ctr"/>
+            <a:r>
+              <a:rPr lang="en-US" sz="2400" b="1" dirty="0" err="1"/>
+              <a:t>OpenWeatheMap</a:t>
+            </a:r>
+            <a:r>
+              <a:rPr lang="en-US" sz="2400" b="1" dirty="0"/>
+              <a:t> API used to get weather data</a:t>
+            </a:r>
+          </a:p>
+        </p:txBody>
+      </p:sp>
+    </p:spTree>
+    <p:extLst>
+      <p:ext uri="{BB962C8B-B14F-4D97-AF65-F5344CB8AC3E}">
+        <p14:creationId xmlns:p14="http://schemas.microsoft.com/office/powerpoint/2010/main" val="251865612"/>
+      </p:ext>
+    </p:extLst>
+  </p:cSld>
+  <p:clrMapOvr>
+    <a:masterClrMapping/>
+  </p:clrMapOvr>
+</p:sld>
+</file>
+
+<file path=ppt/slides/slide5.xml><?xml version="1.0" encoding="utf-8"?>
 <p:sld xmlns:a="http://schemas.openxmlformats.org/drawingml/2006/main" xmlns:r="http://schemas.openxmlformats.org/officeDocument/2006/relationships" xmlns:p="http://schemas.openxmlformats.org/presentationml/2006/main">
   <p:cSld>
     <p:bg>
@@ -12170,7 +16200,7 @@
       </p:grpSpPr>
       <p:sp useBgFill="1">
         <p:nvSpPr>
-          <p:cNvPr id="17" name="Rectangle 16">
+          <p:cNvPr id="8" name="Rectangle 7">
             <a:extLst>
               <a:ext uri="{FF2B5EF4-FFF2-40B4-BE49-F238E27FC236}">
                 <a16:creationId xmlns:a16="http://schemas.microsoft.com/office/drawing/2014/main" id="{1BB867FF-FC45-48F7-8104-F89BE54909F1}"/>
@@ -12230,7 +16260,7 @@
       </p:sp>
       <p:sp>
         <p:nvSpPr>
-          <p:cNvPr id="19" name="Freeform: Shape 18">
+          <p:cNvPr id="10" name="Freeform: Shape 9">
             <a:extLst>
               <a:ext uri="{FF2B5EF4-FFF2-40B4-BE49-F238E27FC236}">
                 <a16:creationId xmlns:a16="http://schemas.microsoft.com/office/drawing/2014/main" id="{8BB56887-D0D5-4F0C-9E19-7247EB83C8B7}"/>
@@ -12350,7 +16380,13 @@
       </p:sp>
       <p:sp>
         <p:nvSpPr>
-          <p:cNvPr id="2" name="Title 1"/>
+          <p:cNvPr id="2" name="Title 1">
+            <a:extLst>
+              <a:ext uri="{FF2B5EF4-FFF2-40B4-BE49-F238E27FC236}">
+                <a16:creationId xmlns:a16="http://schemas.microsoft.com/office/drawing/2014/main" id="{6260972B-9874-90C3-C64E-07D183CF1D19}"/>
+              </a:ext>
+            </a:extLst>
+          </p:cNvPr>
           <p:cNvSpPr>
             <a:spLocks noGrp="1"/>
           </p:cNvSpPr>
@@ -12371,15 +16407,15 @@
           <a:lstStyle/>
           <a:p>
             <a:r>
-              <a:rPr lang="en-IN"/>
-              <a:t>Problem Definition</a:t>
-            </a:r>
-          </a:p>
-        </p:txBody>
-      </p:sp>
-      <p:sp>
-        <p:nvSpPr>
-          <p:cNvPr id="21" name="Arc 20">
+              <a:rPr lang="en-US" dirty="0"/>
+              <a:t>Data Creation </a:t>
+            </a:r>
+          </a:p>
+        </p:txBody>
+      </p:sp>
+      <p:sp>
+        <p:nvSpPr>
+          <p:cNvPr id="12" name="Arc 11">
             <a:extLst>
               <a:ext uri="{FF2B5EF4-FFF2-40B4-BE49-F238E27FC236}">
                 <a16:creationId xmlns:a16="http://schemas.microsoft.com/office/drawing/2014/main" id="{081E4A58-353D-44AE-B2FC-2A74E2E400F7}"/>
@@ -12440,7 +16476,13 @@
       </p:sp>
       <p:sp>
         <p:nvSpPr>
-          <p:cNvPr id="3" name="Content Placeholder 2"/>
+          <p:cNvPr id="3" name="Content Placeholder 2">
+            <a:extLst>
+              <a:ext uri="{FF2B5EF4-FFF2-40B4-BE49-F238E27FC236}">
+                <a16:creationId xmlns:a16="http://schemas.microsoft.com/office/drawing/2014/main" id="{4C7D04E2-AEA9-79CD-C4A2-D3F387ADBC8C}"/>
+              </a:ext>
+            </a:extLst>
+          </p:cNvPr>
           <p:cNvSpPr>
             <a:spLocks noGrp="1"/>
           </p:cNvSpPr>
@@ -12461,386 +16503,58 @@
           <a:lstStyle/>
           <a:p>
             <a:r>
-              <a:rPr lang="en-IN"/>
-              <a:t>The project aims to optimize the energy grid by forecasting electricity demand using historical weather data and power consumption patterns. Accurate forecasting enables better grid management, reduces energy waste, and balances demand-supply distribution.</a:t>
-            </a:r>
-          </a:p>
-        </p:txBody>
-      </p:sp>
-    </p:spTree>
-  </p:cSld>
-  <p:clrMapOvr>
-    <a:masterClrMapping/>
-  </p:clrMapOvr>
-</p:sld>
-</file>
-
-<file path=ppt/slides/slide3.xml><?xml version="1.0" encoding="utf-8"?>
-<p:sld xmlns:a="http://schemas.openxmlformats.org/drawingml/2006/main" xmlns:r="http://schemas.openxmlformats.org/officeDocument/2006/relationships" xmlns:p="http://schemas.openxmlformats.org/presentationml/2006/main">
-  <p:cSld>
-    <p:bg>
-      <p:bgPr>
-        <a:solidFill>
-          <a:schemeClr val="bg1"/>
-        </a:solidFill>
-        <a:effectLst/>
-      </p:bgPr>
-    </p:bg>
-    <p:spTree>
-      <p:nvGrpSpPr>
-        <p:cNvPr id="1" name=""/>
-        <p:cNvGrpSpPr/>
-        <p:nvPr/>
-      </p:nvGrpSpPr>
-      <p:grpSpPr>
-        <a:xfrm>
-          <a:off x="0" y="0"/>
-          <a:ext cx="0" cy="0"/>
-          <a:chOff x="0" y="0"/>
-          <a:chExt cx="0" cy="0"/>
-        </a:xfrm>
-      </p:grpSpPr>
-      <p:sp useBgFill="1">
-        <p:nvSpPr>
-          <p:cNvPr id="8" name="Rectangle 7">
-            <a:extLst>
-              <a:ext uri="{FF2B5EF4-FFF2-40B4-BE49-F238E27FC236}">
-                <a16:creationId xmlns:a16="http://schemas.microsoft.com/office/drawing/2014/main" id="{1BB867FF-FC45-48F7-8104-F89BE54909F1}"/>
-              </a:ext>
-              <a:ext uri="{C183D7F6-B498-43B3-948B-1728B52AA6E4}">
-                <adec:decorative xmlns:adec="http://schemas.microsoft.com/office/drawing/2017/decorative" val="1"/>
-              </a:ext>
-            </a:extLst>
-          </p:cNvPr>
-          <p:cNvSpPr>
-            <a:spLocks noGrp="1" noRot="1" noChangeAspect="1" noMove="1" noResize="1" noEditPoints="1" noAdjustHandles="1" noChangeArrowheads="1" noChangeShapeType="1" noTextEdit="1"/>
-          </p:cNvSpPr>
-          <p:nvPr>
-            <p:extLst>
-              <p:ext uri="{386F3935-93C4-4BCD-93E2-E3B085C9AB24}">
-                <p16:designElem xmlns:p16="http://schemas.microsoft.com/office/powerpoint/2015/main" val="1"/>
-              </p:ext>
-            </p:extLst>
-          </p:nvPr>
-        </p:nvSpPr>
-        <p:spPr>
-          <a:xfrm>
-            <a:off x="3048" y="0"/>
-            <a:ext cx="12188952" cy="6858000"/>
-          </a:xfrm>
-          <a:prstGeom prst="rect">
-            <a:avLst/>
-          </a:prstGeom>
-          <a:ln>
-            <a:noFill/>
-          </a:ln>
-        </p:spPr>
-        <p:style>
-          <a:lnRef idx="2">
-            <a:schemeClr val="accent1">
-              <a:shade val="50000"/>
-            </a:schemeClr>
-          </a:lnRef>
-          <a:fillRef idx="1">
-            <a:schemeClr val="accent1"/>
-          </a:fillRef>
-          <a:effectRef idx="0">
-            <a:schemeClr val="accent1"/>
-          </a:effectRef>
-          <a:fontRef idx="minor">
-            <a:schemeClr val="lt1"/>
-          </a:fontRef>
-        </p:style>
-        <p:txBody>
-          <a:bodyPr rtlCol="0" anchor="ctr"/>
-          <a:lstStyle/>
-          <a:p>
-            <a:pPr algn="ctr"/>
-            <a:endParaRPr lang="en-US"/>
-          </a:p>
-        </p:txBody>
-      </p:sp>
-      <p:sp>
-        <p:nvSpPr>
-          <p:cNvPr id="10" name="Freeform: Shape 9">
-            <a:extLst>
-              <a:ext uri="{FF2B5EF4-FFF2-40B4-BE49-F238E27FC236}">
-                <a16:creationId xmlns:a16="http://schemas.microsoft.com/office/drawing/2014/main" id="{8BB56887-D0D5-4F0C-9E19-7247EB83C8B7}"/>
-              </a:ext>
-              <a:ext uri="{C183D7F6-B498-43B3-948B-1728B52AA6E4}">
-                <adec:decorative xmlns:adec="http://schemas.microsoft.com/office/drawing/2017/decorative" val="1"/>
-              </a:ext>
-            </a:extLst>
-          </p:cNvPr>
-          <p:cNvSpPr>
-            <a:spLocks noGrp="1" noRot="1" noChangeAspect="1" noMove="1" noResize="1" noEditPoints="1" noAdjustHandles="1" noChangeArrowheads="1" noChangeShapeType="1" noTextEdit="1"/>
-          </p:cNvSpPr>
-          <p:nvPr>
-            <p:extLst>
-              <p:ext uri="{386F3935-93C4-4BCD-93E2-E3B085C9AB24}">
-                <p16:designElem xmlns:p16="http://schemas.microsoft.com/office/powerpoint/2015/main" val="1"/>
-              </p:ext>
-            </p:extLst>
-          </p:nvPr>
-        </p:nvSpPr>
-        <p:spPr>
-          <a:xfrm>
-            <a:off x="10208695" y="1"/>
-            <a:ext cx="1135066" cy="477997"/>
-          </a:xfrm>
-          <a:custGeom>
-            <a:avLst/>
-            <a:gdLst>
-              <a:gd name="connsiteX0" fmla="*/ 0 w 1135066"/>
-              <a:gd name="connsiteY0" fmla="*/ 0 h 477997"/>
-              <a:gd name="connsiteX1" fmla="*/ 1135066 w 1135066"/>
-              <a:gd name="connsiteY1" fmla="*/ 0 h 477997"/>
-              <a:gd name="connsiteX2" fmla="*/ 1133370 w 1135066"/>
-              <a:gd name="connsiteY2" fmla="*/ 16827 h 477997"/>
-              <a:gd name="connsiteX3" fmla="*/ 567533 w 1135066"/>
-              <a:gd name="connsiteY3" fmla="*/ 477997 h 477997"/>
-              <a:gd name="connsiteX4" fmla="*/ 1696 w 1135066"/>
-              <a:gd name="connsiteY4" fmla="*/ 16827 h 477997"/>
-            </a:gdLst>
-            <a:ahLst/>
-            <a:cxnLst>
-              <a:cxn ang="0">
-                <a:pos x="connsiteX0" y="connsiteY0"/>
-              </a:cxn>
-              <a:cxn ang="0">
-                <a:pos x="connsiteX1" y="connsiteY1"/>
-              </a:cxn>
-              <a:cxn ang="0">
-                <a:pos x="connsiteX2" y="connsiteY2"/>
-              </a:cxn>
-              <a:cxn ang="0">
-                <a:pos x="connsiteX3" y="connsiteY3"/>
-              </a:cxn>
-              <a:cxn ang="0">
-                <a:pos x="connsiteX4" y="connsiteY4"/>
-              </a:cxn>
-            </a:cxnLst>
-            <a:rect l="l" t="t" r="r" b="b"/>
-            <a:pathLst>
-              <a:path w="1135066" h="477997">
-                <a:moveTo>
-                  <a:pt x="0" y="0"/>
-                </a:moveTo>
-                <a:lnTo>
-                  <a:pt x="1135066" y="0"/>
-                </a:lnTo>
-                <a:lnTo>
-                  <a:pt x="1133370" y="16827"/>
-                </a:lnTo>
-                <a:cubicBezTo>
-                  <a:pt x="1079514" y="280016"/>
-                  <a:pt x="846644" y="477997"/>
-                  <a:pt x="567533" y="477997"/>
-                </a:cubicBezTo>
-                <a:cubicBezTo>
-                  <a:pt x="288422" y="477997"/>
-                  <a:pt x="55552" y="280016"/>
-                  <a:pt x="1696" y="16827"/>
-                </a:cubicBezTo>
-                <a:close/>
-              </a:path>
-            </a:pathLst>
-          </a:custGeom>
-          <a:solidFill>
-            <a:schemeClr val="accent4"/>
-          </a:solidFill>
-          <a:ln>
-            <a:noFill/>
-          </a:ln>
-        </p:spPr>
-        <p:style>
-          <a:lnRef idx="2">
-            <a:schemeClr val="accent1">
-              <a:shade val="50000"/>
-            </a:schemeClr>
-          </a:lnRef>
-          <a:fillRef idx="1">
-            <a:schemeClr val="accent1"/>
-          </a:fillRef>
-          <a:effectRef idx="0">
-            <a:schemeClr val="accent1"/>
-          </a:effectRef>
-          <a:fontRef idx="minor">
-            <a:schemeClr val="lt1"/>
-          </a:fontRef>
-        </p:style>
-        <p:txBody>
-          <a:bodyPr wrap="square" rtlCol="0" anchor="ctr">
-            <a:noAutofit/>
-          </a:bodyPr>
-          <a:lstStyle/>
-          <a:p>
-            <a:pPr algn="ctr"/>
-            <a:endParaRPr lang="en-US"/>
-          </a:p>
-        </p:txBody>
-      </p:sp>
-      <p:sp>
-        <p:nvSpPr>
-          <p:cNvPr id="2" name="Title 1">
-            <a:extLst>
-              <a:ext uri="{FF2B5EF4-FFF2-40B4-BE49-F238E27FC236}">
-                <a16:creationId xmlns:a16="http://schemas.microsoft.com/office/drawing/2014/main" id="{6260972B-9874-90C3-C64E-07D183CF1D19}"/>
-              </a:ext>
-            </a:extLst>
-          </p:cNvPr>
-          <p:cNvSpPr>
-            <a:spLocks noGrp="1"/>
-          </p:cNvSpPr>
-          <p:nvPr>
-            <p:ph type="title"/>
-          </p:nvPr>
-        </p:nvSpPr>
-        <p:spPr>
-          <a:xfrm>
-            <a:off x="838200" y="365125"/>
-            <a:ext cx="10515600" cy="1325563"/>
-          </a:xfrm>
-        </p:spPr>
-        <p:txBody>
-          <a:bodyPr>
-            <a:normAutofit/>
-          </a:bodyPr>
-          <a:lstStyle/>
-          <a:p>
-            <a:r>
-              <a:rPr lang="en-US" dirty="0"/>
-              <a:t>Data Creation </a:t>
-            </a:r>
-          </a:p>
-        </p:txBody>
-      </p:sp>
-      <p:sp>
-        <p:nvSpPr>
-          <p:cNvPr id="12" name="Arc 11">
-            <a:extLst>
-              <a:ext uri="{FF2B5EF4-FFF2-40B4-BE49-F238E27FC236}">
-                <a16:creationId xmlns:a16="http://schemas.microsoft.com/office/drawing/2014/main" id="{081E4A58-353D-44AE-B2FC-2A74E2E400F7}"/>
-              </a:ext>
-              <a:ext uri="{C183D7F6-B498-43B3-948B-1728B52AA6E4}">
-                <adec:decorative xmlns:adec="http://schemas.microsoft.com/office/drawing/2017/decorative" val="1"/>
-              </a:ext>
-            </a:extLst>
-          </p:cNvPr>
-          <p:cNvSpPr>
-            <a:spLocks noGrp="1" noRot="1" noChangeAspect="1" noMove="1" noResize="1" noEditPoints="1" noAdjustHandles="1" noChangeArrowheads="1" noChangeShapeType="1" noTextEdit="1"/>
-          </p:cNvSpPr>
-          <p:nvPr>
-            <p:extLst>
-              <p:ext uri="{386F3935-93C4-4BCD-93E2-E3B085C9AB24}">
-                <p16:designElem xmlns:p16="http://schemas.microsoft.com/office/powerpoint/2015/main" val="1"/>
-              </p:ext>
-            </p:extLst>
-          </p:nvPr>
-        </p:nvSpPr>
-        <p:spPr>
-          <a:xfrm rot="5400000" flipV="1">
-            <a:off x="555710" y="2183223"/>
-            <a:ext cx="4083433" cy="4083433"/>
-          </a:xfrm>
-          <a:prstGeom prst="arc">
-            <a:avLst/>
-          </a:prstGeom>
-          <a:ln w="127000" cap="rnd">
-            <a:solidFill>
-              <a:schemeClr val="accent4"/>
-            </a:solidFill>
-            <a:prstDash val="dash"/>
-          </a:ln>
-        </p:spPr>
-        <p:style>
-          <a:lnRef idx="1">
-            <a:schemeClr val="accent1"/>
-          </a:lnRef>
-          <a:fillRef idx="0">
-            <a:schemeClr val="accent1"/>
-          </a:fillRef>
-          <a:effectRef idx="0">
-            <a:schemeClr val="accent1"/>
-          </a:effectRef>
-          <a:fontRef idx="minor">
-            <a:schemeClr val="tx1"/>
-          </a:fontRef>
-        </p:style>
-        <p:txBody>
-          <a:bodyPr rtlCol="0" anchor="ctr"/>
-          <a:lstStyle/>
-          <a:p>
-            <a:pPr algn="ctr"/>
-            <a:endParaRPr lang="en-US" dirty="0"/>
-          </a:p>
-        </p:txBody>
-      </p:sp>
-      <p:sp>
-        <p:nvSpPr>
-          <p:cNvPr id="3" name="Content Placeholder 2">
-            <a:extLst>
-              <a:ext uri="{FF2B5EF4-FFF2-40B4-BE49-F238E27FC236}">
-                <a16:creationId xmlns:a16="http://schemas.microsoft.com/office/drawing/2014/main" id="{4C7D04E2-AEA9-79CD-C4A2-D3F387ADBC8C}"/>
-              </a:ext>
-            </a:extLst>
-          </p:cNvPr>
-          <p:cNvSpPr>
-            <a:spLocks noGrp="1"/>
-          </p:cNvSpPr>
-          <p:nvPr>
-            <p:ph idx="1"/>
-          </p:nvPr>
-        </p:nvSpPr>
-        <p:spPr>
-          <a:xfrm>
-            <a:off x="838200" y="1825625"/>
-            <a:ext cx="10515600" cy="4351338"/>
-          </a:xfrm>
-        </p:spPr>
-        <p:txBody>
-          <a:bodyPr>
-            <a:normAutofit/>
-          </a:bodyPr>
-          <a:lstStyle/>
-          <a:p>
-            <a:r>
-              <a:rPr lang="en-US" sz="2600"/>
+              <a:rPr lang="en-US" sz="2600" dirty="0"/>
               <a:t>Open Weather provides different APIs to pull weather data .</a:t>
             </a:r>
           </a:p>
           <a:p>
             <a:r>
-              <a:rPr lang="en-US" sz="2600"/>
+              <a:rPr lang="en-US" sz="2600" dirty="0"/>
               <a:t>Updated Python code to pull bulk data from past 3 years. </a:t>
             </a:r>
           </a:p>
           <a:p>
             <a:r>
-              <a:rPr lang="en-US" sz="2600"/>
-              <a:t>When we run the code and get the data , it was actually created rows based on number of time our loop ran but the unique unix time was just duplicate ( only 2-3 unique time data in those data ) </a:t>
-            </a:r>
-          </a:p>
-          <a:p>
-            <a:r>
-              <a:rPr lang="en-US" sz="2600"/>
+              <a:rPr lang="en-US" sz="2600" dirty="0"/>
+              <a:t>When we run the code and get the data , it was actually created rows based on number of time our loop ran but the unique </a:t>
+            </a:r>
+            <a:r>
+              <a:rPr lang="en-US" sz="2600" dirty="0" err="1"/>
+              <a:t>unix</a:t>
+            </a:r>
+            <a:r>
+              <a:rPr lang="en-US" sz="2600" dirty="0"/>
+              <a:t> time was just duplicate ( only 2-3 unique time data in those data ) </a:t>
+            </a:r>
+          </a:p>
+          <a:p>
+            <a:r>
+              <a:rPr lang="en-US" sz="2600" dirty="0"/>
               <a:t>We come to know that We need Subscription to get real data . </a:t>
             </a:r>
           </a:p>
           <a:p>
             <a:r>
-              <a:rPr lang="en-US" sz="2600"/>
+              <a:rPr lang="en-US" sz="2600" dirty="0"/>
               <a:t>Search through different available source also but not able to find real data  .</a:t>
             </a:r>
           </a:p>
           <a:p>
             <a:r>
-              <a:rPr lang="en-US" sz="2600"/>
-              <a:t>We used python utility to generate 2GB of similar data which openWeather API use to return . </a:t>
-            </a:r>
-          </a:p>
-          <a:p>
-            <a:endParaRPr lang="en-US" sz="2600"/>
+              <a:rPr lang="en-US" sz="2600" dirty="0"/>
+              <a:t>We used python utility to generate 2GB of similar data which </a:t>
+            </a:r>
+            <a:r>
+              <a:rPr lang="en-US" sz="2600" dirty="0" err="1"/>
+              <a:t>openWeather</a:t>
+            </a:r>
+            <a:r>
+              <a:rPr lang="en-US" sz="2600" dirty="0"/>
+              <a:t> API use to return . </a:t>
+            </a:r>
+          </a:p>
+          <a:p>
+            <a:endParaRPr lang="en-US" sz="2600" dirty="0"/>
           </a:p>
         </p:txBody>
       </p:sp>
@@ -12857,7 +16571,7 @@
 </p:sld>
 </file>
 
-<file path=ppt/slides/slide4.xml><?xml version="1.0" encoding="utf-8"?>
+<file path=ppt/slides/slide6.xml><?xml version="1.0" encoding="utf-8"?>
 <p:sld xmlns:a="http://schemas.openxmlformats.org/drawingml/2006/main" xmlns:r="http://schemas.openxmlformats.org/officeDocument/2006/relationships" xmlns:p="http://schemas.openxmlformats.org/presentationml/2006/main">
   <p:cSld>
     <p:spTree>
@@ -12934,7 +16648,7 @@
 </p:sld>
 </file>
 
-<file path=ppt/slides/slide5.xml><?xml version="1.0" encoding="utf-8"?>
+<file path=ppt/slides/slide7.xml><?xml version="1.0" encoding="utf-8"?>
 <p:sld xmlns:a="http://schemas.openxmlformats.org/drawingml/2006/main" xmlns:r="http://schemas.openxmlformats.org/officeDocument/2006/relationships" xmlns:p="http://schemas.openxmlformats.org/presentationml/2006/main">
   <p:cSld>
     <p:spTree>
@@ -13239,7 +16953,7 @@
 </p:sld>
 </file>
 
-<file path=ppt/slides/slide6.xml><?xml version="1.0" encoding="utf-8"?>
+<file path=ppt/slides/slide8.xml><?xml version="1.0" encoding="utf-8"?>
 <p:sld xmlns:a="http://schemas.openxmlformats.org/drawingml/2006/main" xmlns:r="http://schemas.openxmlformats.org/officeDocument/2006/relationships" xmlns:p="http://schemas.openxmlformats.org/presentationml/2006/main">
   <p:cSld>
     <p:spTree>
@@ -13332,7 +17046,7 @@
 </p:sld>
 </file>
 
-<file path=ppt/slides/slide7.xml><?xml version="1.0" encoding="utf-8"?>
+<file path=ppt/slides/slide9.xml><?xml version="1.0" encoding="utf-8"?>
 <p:sld xmlns:a="http://schemas.openxmlformats.org/drawingml/2006/main" xmlns:r="http://schemas.openxmlformats.org/officeDocument/2006/relationships" xmlns:p="http://schemas.openxmlformats.org/presentationml/2006/main">
   <p:cSld>
     <p:spTree>
@@ -13592,487 +17306,6 @@
     <p:extLst>
       <p:ext uri="{BB962C8B-B14F-4D97-AF65-F5344CB8AC3E}">
         <p14:creationId xmlns:p14="http://schemas.microsoft.com/office/powerpoint/2010/main" val="241317413"/>
-      </p:ext>
-    </p:extLst>
-  </p:cSld>
-  <p:clrMapOvr>
-    <a:masterClrMapping/>
-  </p:clrMapOvr>
-</p:sld>
-</file>
-
-<file path=ppt/slides/slide8.xml><?xml version="1.0" encoding="utf-8"?>
-<p:sld xmlns:a="http://schemas.openxmlformats.org/drawingml/2006/main" xmlns:r="http://schemas.openxmlformats.org/officeDocument/2006/relationships" xmlns:p="http://schemas.openxmlformats.org/presentationml/2006/main">
-  <p:cSld>
-    <p:bg>
-      <p:bgPr>
-        <a:solidFill>
-          <a:schemeClr val="bg1"/>
-        </a:solidFill>
-        <a:effectLst/>
-      </p:bgPr>
-    </p:bg>
-    <p:spTree>
-      <p:nvGrpSpPr>
-        <p:cNvPr id="1" name=""/>
-        <p:cNvGrpSpPr/>
-        <p:nvPr/>
-      </p:nvGrpSpPr>
-      <p:grpSpPr>
-        <a:xfrm>
-          <a:off x="0" y="0"/>
-          <a:ext cx="0" cy="0"/>
-          <a:chOff x="0" y="0"/>
-          <a:chExt cx="0" cy="0"/>
-        </a:xfrm>
-      </p:grpSpPr>
-      <p:sp>
-        <p:nvSpPr>
-          <p:cNvPr id="2" name="Title 1">
-            <a:extLst>
-              <a:ext uri="{FF2B5EF4-FFF2-40B4-BE49-F238E27FC236}">
-                <a16:creationId xmlns:a16="http://schemas.microsoft.com/office/drawing/2014/main" id="{9A15630D-E779-7851-CA5E-63630A5C0CAE}"/>
-              </a:ext>
-            </a:extLst>
-          </p:cNvPr>
-          <p:cNvSpPr>
-            <a:spLocks noGrp="1"/>
-          </p:cNvSpPr>
-          <p:nvPr>
-            <p:ph type="title"/>
-          </p:nvPr>
-        </p:nvSpPr>
-        <p:spPr>
-          <a:xfrm>
-            <a:off x="762000" y="1143486"/>
-            <a:ext cx="4267200" cy="1437406"/>
-          </a:xfrm>
-        </p:spPr>
-        <p:txBody>
-          <a:bodyPr anchor="t">
-            <a:normAutofit/>
-          </a:bodyPr>
-          <a:lstStyle/>
-          <a:p>
-            <a:r>
-              <a:rPr lang="en-US" sz="3200"/>
-              <a:t>Read data from topic using spark streaming</a:t>
-            </a:r>
-          </a:p>
-        </p:txBody>
-      </p:sp>
-      <p:cxnSp>
-        <p:nvCxnSpPr>
-          <p:cNvPr id="10" name="Straight Connector 9">
-            <a:extLst>
-              <a:ext uri="{FF2B5EF4-FFF2-40B4-BE49-F238E27FC236}">
-                <a16:creationId xmlns:a16="http://schemas.microsoft.com/office/drawing/2014/main" id="{37C77032-C865-6057-7D7A-E2743CFA20F9}"/>
-              </a:ext>
-              <a:ext uri="{C183D7F6-B498-43B3-948B-1728B52AA6E4}">
-                <adec:decorative xmlns:adec="http://schemas.microsoft.com/office/drawing/2017/decorative" val="1"/>
-              </a:ext>
-            </a:extLst>
-          </p:cNvPr>
-          <p:cNvCxnSpPr>
-            <a:cxnSpLocks noGrp="1" noRot="1" noChangeAspect="1" noMove="1" noResize="1" noEditPoints="1" noAdjustHandles="1" noChangeArrowheads="1" noChangeShapeType="1"/>
-          </p:cNvCxnSpPr>
-          <p:nvPr>
-            <p:extLst>
-              <p:ext uri="{386F3935-93C4-4BCD-93E2-E3B085C9AB24}">
-                <p16:designElem xmlns:p16="http://schemas.microsoft.com/office/powerpoint/2015/main" val="1"/>
-              </p:ext>
-            </p:extLst>
-          </p:nvPr>
-        </p:nvCxnSpPr>
-        <p:spPr>
-          <a:xfrm>
-            <a:off x="865140" y="871146"/>
-            <a:ext cx="736939" cy="0"/>
-          </a:xfrm>
-          <a:prstGeom prst="line">
-            <a:avLst/>
-          </a:prstGeom>
-          <a:ln w="57150">
-            <a:solidFill>
-              <a:schemeClr val="accent4"/>
-            </a:solidFill>
-          </a:ln>
-        </p:spPr>
-        <p:style>
-          <a:lnRef idx="1">
-            <a:schemeClr val="accent1"/>
-          </a:lnRef>
-          <a:fillRef idx="0">
-            <a:schemeClr val="accent1"/>
-          </a:fillRef>
-          <a:effectRef idx="0">
-            <a:schemeClr val="accent1"/>
-          </a:effectRef>
-          <a:fontRef idx="minor">
-            <a:schemeClr val="tx1"/>
-          </a:fontRef>
-        </p:style>
-      </p:cxnSp>
-      <p:sp>
-        <p:nvSpPr>
-          <p:cNvPr id="3" name="Content Placeholder 2">
-            <a:extLst>
-              <a:ext uri="{FF2B5EF4-FFF2-40B4-BE49-F238E27FC236}">
-                <a16:creationId xmlns:a16="http://schemas.microsoft.com/office/drawing/2014/main" id="{DDEC4F10-C6D3-5583-2D58-39B0F55143ED}"/>
-              </a:ext>
-            </a:extLst>
-          </p:cNvPr>
-          <p:cNvSpPr>
-            <a:spLocks noGrp="1"/>
-          </p:cNvSpPr>
-          <p:nvPr>
-            <p:ph idx="1"/>
-          </p:nvPr>
-        </p:nvSpPr>
-        <p:spPr>
-          <a:xfrm>
-            <a:off x="5825613" y="838200"/>
-            <a:ext cx="5501247" cy="1866358"/>
-          </a:xfrm>
-        </p:spPr>
-        <p:txBody>
-          <a:bodyPr>
-            <a:normAutofit/>
-          </a:bodyPr>
-          <a:lstStyle/>
-          <a:p>
-            <a:r>
-              <a:rPr lang="en-US" sz="2000"/>
-              <a:t>While reading using format parquet ( help scale) </a:t>
-            </a:r>
-          </a:p>
-          <a:p>
-            <a:r>
-              <a:rPr lang="en-US" sz="2000"/>
-              <a:t>Also partition by city name ( help scale) </a:t>
-            </a:r>
-          </a:p>
-          <a:p>
-            <a:r>
-              <a:rPr lang="en-US" sz="2000" dirty="0"/>
-              <a:t>Git Code Repo :</a:t>
-            </a:r>
-            <a:r>
-              <a:rPr lang="en-US" sz="2000" dirty="0">
-                <a:hlinkClick r:id="rId2"/>
-              </a:rPr>
-              <a:t>Link</a:t>
-            </a:r>
-            <a:endParaRPr lang="en-US" sz="2000" dirty="0"/>
-          </a:p>
-          <a:p>
-            <a:endParaRPr lang="en-US" sz="2000"/>
-          </a:p>
-          <a:p>
-            <a:endParaRPr lang="en-US" sz="2000"/>
-          </a:p>
-        </p:txBody>
-      </p:sp>
-      <p:pic>
-        <p:nvPicPr>
-          <p:cNvPr id="5" name="Picture 4">
-            <a:extLst>
-              <a:ext uri="{FF2B5EF4-FFF2-40B4-BE49-F238E27FC236}">
-                <a16:creationId xmlns:a16="http://schemas.microsoft.com/office/drawing/2014/main" id="{277E7AB7-B384-52D5-F493-2C88AB589C23}"/>
-              </a:ext>
-            </a:extLst>
-          </p:cNvPr>
-          <p:cNvPicPr>
-            <a:picLocks noChangeAspect="1"/>
-          </p:cNvPicPr>
-          <p:nvPr/>
-        </p:nvPicPr>
-        <p:blipFill>
-          <a:blip r:embed="rId3"/>
-          <a:stretch>
-            <a:fillRect/>
-          </a:stretch>
-        </p:blipFill>
-        <p:spPr>
-          <a:xfrm>
-            <a:off x="801757" y="3431023"/>
-            <a:ext cx="10591800" cy="2489072"/>
-          </a:xfrm>
-          <a:prstGeom prst="rect">
-            <a:avLst/>
-          </a:prstGeom>
-        </p:spPr>
-      </p:pic>
-    </p:spTree>
-    <p:extLst>
-      <p:ext uri="{BB962C8B-B14F-4D97-AF65-F5344CB8AC3E}">
-        <p14:creationId xmlns:p14="http://schemas.microsoft.com/office/powerpoint/2010/main" val="1191957055"/>
-      </p:ext>
-    </p:extLst>
-  </p:cSld>
-  <p:clrMapOvr>
-    <a:masterClrMapping/>
-  </p:clrMapOvr>
-</p:sld>
-</file>
-
-<file path=ppt/slides/slide9.xml><?xml version="1.0" encoding="utf-8"?>
-<p:sld xmlns:a="http://schemas.openxmlformats.org/drawingml/2006/main" xmlns:r="http://schemas.openxmlformats.org/officeDocument/2006/relationships" xmlns:p="http://schemas.openxmlformats.org/presentationml/2006/main">
-  <p:cSld>
-    <p:spTree>
-      <p:nvGrpSpPr>
-        <p:cNvPr id="1" name=""/>
-        <p:cNvGrpSpPr/>
-        <p:nvPr/>
-      </p:nvGrpSpPr>
-      <p:grpSpPr>
-        <a:xfrm>
-          <a:off x="0" y="0"/>
-          <a:ext cx="0" cy="0"/>
-          <a:chOff x="0" y="0"/>
-          <a:chExt cx="0" cy="0"/>
-        </a:xfrm>
-      </p:grpSpPr>
-      <p:sp>
-        <p:nvSpPr>
-          <p:cNvPr id="2" name="Title 1">
-            <a:extLst>
-              <a:ext uri="{FF2B5EF4-FFF2-40B4-BE49-F238E27FC236}">
-                <a16:creationId xmlns:a16="http://schemas.microsoft.com/office/drawing/2014/main" id="{0C90C232-8A23-40FA-03A3-3E3F5CE3FD7D}"/>
-              </a:ext>
-            </a:extLst>
-          </p:cNvPr>
-          <p:cNvSpPr>
-            <a:spLocks noGrp="1"/>
-          </p:cNvSpPr>
-          <p:nvPr>
-            <p:ph type="title"/>
-          </p:nvPr>
-        </p:nvSpPr>
-        <p:spPr/>
-        <p:txBody>
-          <a:bodyPr/>
-          <a:lstStyle/>
-          <a:p>
-            <a:endParaRPr lang="en-US" dirty="0"/>
-          </a:p>
-        </p:txBody>
-      </p:sp>
-      <p:sp>
-        <p:nvSpPr>
-          <p:cNvPr id="3" name="Text Placeholder 2">
-            <a:extLst>
-              <a:ext uri="{FF2B5EF4-FFF2-40B4-BE49-F238E27FC236}">
-                <a16:creationId xmlns:a16="http://schemas.microsoft.com/office/drawing/2014/main" id="{6906A950-CF65-58FB-54E7-CA37CFFBE985}"/>
-              </a:ext>
-            </a:extLst>
-          </p:cNvPr>
-          <p:cNvSpPr>
-            <a:spLocks noGrp="1"/>
-          </p:cNvSpPr>
-          <p:nvPr>
-            <p:ph type="body" idx="1"/>
-          </p:nvPr>
-        </p:nvSpPr>
-        <p:spPr/>
-        <p:txBody>
-          <a:bodyPr/>
-          <a:lstStyle/>
-          <a:p>
-            <a:r>
-              <a:rPr lang="en-US" dirty="0"/>
-              <a:t>Problem faced</a:t>
-            </a:r>
-          </a:p>
-        </p:txBody>
-      </p:sp>
-      <p:sp>
-        <p:nvSpPr>
-          <p:cNvPr id="4" name="Content Placeholder 3">
-            <a:extLst>
-              <a:ext uri="{FF2B5EF4-FFF2-40B4-BE49-F238E27FC236}">
-                <a16:creationId xmlns:a16="http://schemas.microsoft.com/office/drawing/2014/main" id="{BB5774D5-7B33-8FE1-4D6D-8CDD9DE975E5}"/>
-              </a:ext>
-            </a:extLst>
-          </p:cNvPr>
-          <p:cNvSpPr>
-            <a:spLocks noGrp="1"/>
-          </p:cNvSpPr>
-          <p:nvPr>
-            <p:ph sz="half" idx="2"/>
-          </p:nvPr>
-        </p:nvSpPr>
-        <p:spPr/>
-        <p:txBody>
-          <a:bodyPr>
-            <a:normAutofit/>
-          </a:bodyPr>
-          <a:lstStyle/>
-          <a:p>
-            <a:r>
-              <a:rPr lang="en-US" sz="2000" dirty="0"/>
-              <a:t>Failed to create new </a:t>
-            </a:r>
-            <a:r>
-              <a:rPr lang="en-US" sz="2000" dirty="0" err="1"/>
-              <a:t>KafkaAdminClient</a:t>
-            </a:r>
-            <a:endParaRPr lang="en-US" sz="2000" dirty="0"/>
-          </a:p>
-          <a:p>
-            <a:r>
-              <a:rPr lang="en-US" sz="2000" dirty="0"/>
-              <a:t>getting error -Py4JJavaError: An error occurred while calling o39.load. </a:t>
-            </a:r>
-          </a:p>
-          <a:p>
-            <a:r>
-              <a:rPr lang="en-US" sz="2000" dirty="0"/>
-              <a:t>Main Data was stored only in  value .</a:t>
-            </a:r>
-          </a:p>
-        </p:txBody>
-      </p:sp>
-      <p:sp>
-        <p:nvSpPr>
-          <p:cNvPr id="5" name="Text Placeholder 4">
-            <a:extLst>
-              <a:ext uri="{FF2B5EF4-FFF2-40B4-BE49-F238E27FC236}">
-                <a16:creationId xmlns:a16="http://schemas.microsoft.com/office/drawing/2014/main" id="{C0103F4F-BD45-AB84-C979-C3271EBAA840}"/>
-              </a:ext>
-            </a:extLst>
-          </p:cNvPr>
-          <p:cNvSpPr>
-            <a:spLocks noGrp="1"/>
-          </p:cNvSpPr>
-          <p:nvPr>
-            <p:ph type="body" sz="quarter" idx="3"/>
-          </p:nvPr>
-        </p:nvSpPr>
-        <p:spPr/>
-        <p:txBody>
-          <a:bodyPr/>
-          <a:lstStyle/>
-          <a:p>
-            <a:r>
-              <a:rPr lang="en-US" dirty="0"/>
-              <a:t>Solution to the Problem </a:t>
-            </a:r>
-          </a:p>
-        </p:txBody>
-      </p:sp>
-      <p:sp>
-        <p:nvSpPr>
-          <p:cNvPr id="6" name="Content Placeholder 5">
-            <a:extLst>
-              <a:ext uri="{FF2B5EF4-FFF2-40B4-BE49-F238E27FC236}">
-                <a16:creationId xmlns:a16="http://schemas.microsoft.com/office/drawing/2014/main" id="{B3619215-945E-BA38-A04D-5CC0369BEB67}"/>
-              </a:ext>
-            </a:extLst>
-          </p:cNvPr>
-          <p:cNvSpPr>
-            <a:spLocks noGrp="1"/>
-          </p:cNvSpPr>
-          <p:nvPr>
-            <p:ph sz="quarter" idx="4"/>
-          </p:nvPr>
-        </p:nvSpPr>
-        <p:spPr>
-          <a:xfrm>
-            <a:off x="6172199" y="2505075"/>
-            <a:ext cx="5520447" cy="3684588"/>
-          </a:xfrm>
-        </p:spPr>
-        <p:txBody>
-          <a:bodyPr>
-            <a:normAutofit/>
-          </a:bodyPr>
-          <a:lstStyle/>
-          <a:p>
-            <a:r>
-              <a:rPr lang="en-US" sz="2000" dirty="0"/>
-              <a:t>While creating spark session set jar  </a:t>
-            </a:r>
-            <a:r>
-              <a:rPr lang="en-US" sz="1000" b="1" dirty="0"/>
-              <a:t>config("</a:t>
-            </a:r>
-            <a:r>
-              <a:rPr lang="en-US" sz="1000" b="1" dirty="0" err="1"/>
-              <a:t>spark.jars.packages</a:t>
-            </a:r>
-            <a:r>
-              <a:rPr lang="en-US" sz="1000" b="1" dirty="0"/>
-              <a:t>", "org.apache.spark:spark-sql-kafka-0-10_2.12:3.2.0,org.apache.kafka:kafka-clients:3.5.2") \</a:t>
-            </a:r>
-          </a:p>
-          <a:p>
-            <a:r>
-              <a:rPr lang="en-US" sz="2000" dirty="0"/>
-              <a:t>Also pass right Kafka </a:t>
-            </a:r>
-            <a:r>
-              <a:rPr lang="en-US" sz="2000" dirty="0" err="1"/>
-              <a:t>bootstrap.servers</a:t>
-            </a:r>
-            <a:r>
-              <a:rPr lang="en-US" sz="2000" dirty="0"/>
-              <a:t> and </a:t>
-            </a:r>
-            <a:r>
-              <a:rPr lang="en-US" sz="2000" dirty="0" err="1"/>
-              <a:t>kafka</a:t>
-            </a:r>
-            <a:r>
-              <a:rPr lang="en-US" sz="2000" dirty="0"/>
-              <a:t> topic while  </a:t>
-            </a:r>
-            <a:r>
-              <a:rPr lang="en-US" sz="2000" b="1" dirty="0" err="1"/>
-              <a:t>spark.readStream</a:t>
-            </a:r>
-            <a:endParaRPr lang="en-US" sz="2000" b="1" dirty="0"/>
-          </a:p>
-          <a:p>
-            <a:r>
-              <a:rPr lang="en-US" sz="2000" b="1" dirty="0"/>
-              <a:t>Cast</a:t>
-            </a:r>
-            <a:r>
-              <a:rPr lang="en-US" sz="2000" dirty="0"/>
-              <a:t> value to string and then use </a:t>
-            </a:r>
-            <a:r>
-              <a:rPr lang="en-US" sz="2000" dirty="0" err="1"/>
-              <a:t>from_jsom</a:t>
-            </a:r>
-            <a:r>
-              <a:rPr lang="en-US" sz="2000" dirty="0"/>
-              <a:t> to take Json data and use explode to </a:t>
-            </a:r>
-            <a:r>
-              <a:rPr lang="en-US" sz="2000" b="1" dirty="0"/>
-              <a:t>flatten</a:t>
-            </a:r>
-            <a:r>
-              <a:rPr lang="en-US" sz="2000" dirty="0"/>
-              <a:t> the </a:t>
-            </a:r>
-            <a:r>
-              <a:rPr lang="en-US" sz="2000" dirty="0" err="1"/>
-              <a:t>json</a:t>
-            </a:r>
-            <a:r>
-              <a:rPr lang="en-US" sz="2000" dirty="0"/>
-              <a:t> </a:t>
-            </a:r>
-          </a:p>
-        </p:txBody>
-      </p:sp>
-    </p:spTree>
-    <p:extLst>
-      <p:ext uri="{BB962C8B-B14F-4D97-AF65-F5344CB8AC3E}">
-        <p14:creationId xmlns:p14="http://schemas.microsoft.com/office/powerpoint/2010/main" val="3567786875"/>
       </p:ext>
     </p:extLst>
   </p:cSld>

--- a/DataEnggFinalProjectPPT.pptx
+++ b/DataEnggFinalProjectPPT.pptx
@@ -3139,7 +3139,7 @@
           <a:p>
             <a:fld id="{93967DB5-A3E6-4610-A4F6-DB08F46D69A3}" type="datetimeFigureOut">
               <a:rPr lang="en-US" smtClean="0"/>
-              <a:t>12/6/24</a:t>
+              <a:t>12/6/2024</a:t>
             </a:fld>
             <a:endParaRPr lang="en-US"/>
           </a:p>
@@ -4596,7 +4596,7 @@
           <a:p>
             <a:fld id="{B07D26D2-3556-45FC-B13E-3E27378A0FD4}" type="datetimeFigureOut">
               <a:rPr lang="en-US" smtClean="0"/>
-              <a:t>12/6/24</a:t>
+              <a:t>12/6/2024</a:t>
             </a:fld>
             <a:endParaRPr lang="en-US"/>
           </a:p>
@@ -4796,7 +4796,7 @@
           <a:p>
             <a:fld id="{B07D26D2-3556-45FC-B13E-3E27378A0FD4}" type="datetimeFigureOut">
               <a:rPr lang="en-US" smtClean="0"/>
-              <a:t>12/6/24</a:t>
+              <a:t>12/6/2024</a:t>
             </a:fld>
             <a:endParaRPr lang="en-US"/>
           </a:p>
@@ -5072,7 +5072,7 @@
           <a:p>
             <a:fld id="{B07D26D2-3556-45FC-B13E-3E27378A0FD4}" type="datetimeFigureOut">
               <a:rPr lang="en-US" smtClean="0"/>
-              <a:t>12/6/24</a:t>
+              <a:t>12/6/2024</a:t>
             </a:fld>
             <a:endParaRPr lang="en-US"/>
           </a:p>
@@ -5340,7 +5340,7 @@
           <a:p>
             <a:fld id="{B07D26D2-3556-45FC-B13E-3E27378A0FD4}" type="datetimeFigureOut">
               <a:rPr lang="en-US" smtClean="0"/>
-              <a:t>12/6/24</a:t>
+              <a:t>12/6/2024</a:t>
             </a:fld>
             <a:endParaRPr lang="en-US"/>
           </a:p>
@@ -5755,7 +5755,7 @@
           <a:p>
             <a:fld id="{B07D26D2-3556-45FC-B13E-3E27378A0FD4}" type="datetimeFigureOut">
               <a:rPr lang="en-US" smtClean="0"/>
-              <a:t>12/6/24</a:t>
+              <a:t>12/6/2024</a:t>
             </a:fld>
             <a:endParaRPr lang="en-US"/>
           </a:p>
@@ -5897,7 +5897,7 @@
           <a:p>
             <a:fld id="{B07D26D2-3556-45FC-B13E-3E27378A0FD4}" type="datetimeFigureOut">
               <a:rPr lang="en-US" smtClean="0"/>
-              <a:t>12/6/24</a:t>
+              <a:t>12/6/2024</a:t>
             </a:fld>
             <a:endParaRPr lang="en-US"/>
           </a:p>
@@ -6010,7 +6010,7 @@
           <a:p>
             <a:fld id="{B07D26D2-3556-45FC-B13E-3E27378A0FD4}" type="datetimeFigureOut">
               <a:rPr lang="en-US" smtClean="0"/>
-              <a:t>12/6/24</a:t>
+              <a:t>12/6/2024</a:t>
             </a:fld>
             <a:endParaRPr lang="en-US"/>
           </a:p>
@@ -6518,7 +6518,7 @@
           <a:p>
             <a:fld id="{B07D26D2-3556-45FC-B13E-3E27378A0FD4}" type="datetimeFigureOut">
               <a:rPr lang="en-US" smtClean="0"/>
-              <a:t>12/6/24</a:t>
+              <a:t>12/6/2024</a:t>
             </a:fld>
             <a:endParaRPr lang="en-US"/>
           </a:p>
@@ -6807,7 +6807,7 @@
           <a:p>
             <a:fld id="{B07D26D2-3556-45FC-B13E-3E27378A0FD4}" type="datetimeFigureOut">
               <a:rPr lang="en-US" smtClean="0"/>
-              <a:t>12/6/24</a:t>
+              <a:t>12/6/2024</a:t>
             </a:fld>
             <a:endParaRPr lang="en-US"/>
           </a:p>
@@ -7007,7 +7007,7 @@
           <a:p>
             <a:fld id="{B07D26D2-3556-45FC-B13E-3E27378A0FD4}" type="datetimeFigureOut">
               <a:rPr lang="en-US" smtClean="0"/>
-              <a:t>12/6/24</a:t>
+              <a:t>12/6/2024</a:t>
             </a:fld>
             <a:endParaRPr lang="en-US"/>
           </a:p>
@@ -7217,7 +7217,7 @@
           <a:p>
             <a:fld id="{B07D26D2-3556-45FC-B13E-3E27378A0FD4}" type="datetimeFigureOut">
               <a:rPr lang="en-US" smtClean="0"/>
-              <a:t>12/6/24</a:t>
+              <a:t>12/6/2024</a:t>
             </a:fld>
             <a:endParaRPr lang="en-US"/>
           </a:p>
@@ -9797,7 +9797,7 @@
           <a:p>
             <a:fld id="{B07D26D2-3556-45FC-B13E-3E27378A0FD4}" type="datetimeFigureOut">
               <a:rPr lang="en-US" smtClean="0"/>
-              <a:t>12/6/24</a:t>
+              <a:t>12/6/2024</a:t>
             </a:fld>
             <a:endParaRPr lang="en-US"/>
           </a:p>
@@ -16510,7 +16510,7 @@
           <a:p>
             <a:r>
               <a:rPr lang="en-US" sz="2600" dirty="0"/>
-              <a:t>Updated Python code to pull bulk data from past 3 years. </a:t>
+              <a:t>Updated Python code to pull bulk data from past years. </a:t>
             </a:r>
           </a:p>
           <a:p>
@@ -16524,13 +16524,13 @@
             </a:r>
             <a:r>
               <a:rPr lang="en-US" sz="2600" dirty="0"/>
-              <a:t> time was just duplicate ( only 2-3 unique time data in those data ) </a:t>
+              <a:t> time was just duplicate ( only 2-3 unique time in those data ) </a:t>
             </a:r>
           </a:p>
           <a:p>
             <a:r>
               <a:rPr lang="en-US" sz="2600" dirty="0"/>
-              <a:t>We come to know that We need Subscription to get real data . </a:t>
+              <a:t>We come to know that we need Subscription to get real data . </a:t>
             </a:r>
           </a:p>
           <a:p>

--- a/DataEnggFinalProjectPPT.pptx
+++ b/DataEnggFinalProjectPPT.pptx
@@ -6,7 +6,7 @@
     <p:sldMasterId id="2147483673" r:id="rId2"/>
   </p:sldMasterIdLst>
   <p:notesMasterIdLst>
-    <p:notesMasterId r:id="rId24"/>
+    <p:notesMasterId r:id="rId26"/>
   </p:notesMasterIdLst>
   <p:sldIdLst>
     <p:sldId id="266" r:id="rId3"/>
@@ -28,8 +28,10 @@
     <p:sldId id="268" r:id="rId19"/>
     <p:sldId id="269" r:id="rId20"/>
     <p:sldId id="270" r:id="rId21"/>
-    <p:sldId id="1613" r:id="rId22"/>
-    <p:sldId id="265" r:id="rId23"/>
+    <p:sldId id="1620" r:id="rId22"/>
+    <p:sldId id="1621" r:id="rId23"/>
+    <p:sldId id="1613" r:id="rId24"/>
+    <p:sldId id="265" r:id="rId25"/>
   </p:sldIdLst>
   <p:sldSz cx="12192000" cy="6858000"/>
   <p:notesSz cx="6858000" cy="9144000"/>
@@ -3139,7 +3141,7 @@
           <a:p>
             <a:fld id="{93967DB5-A3E6-4610-A4F6-DB08F46D69A3}" type="datetimeFigureOut">
               <a:rPr lang="en-US" smtClean="0"/>
-              <a:t>12/6/2024</a:t>
+              <a:t>12/6/24</a:t>
             </a:fld>
             <a:endParaRPr lang="en-US"/>
           </a:p>
@@ -3471,7 +3473,7 @@
           <a:p>
             <a:fld id="{D9DC0902-B928-4F0F-BBCD-04DEB66ED9A2}" type="slidenum">
               <a:rPr lang="en-US" smtClean="0"/>
-              <a:t>21</a:t>
+              <a:t>23</a:t>
             </a:fld>
             <a:endParaRPr lang="en-US"/>
           </a:p>
@@ -4596,7 +4598,7 @@
           <a:p>
             <a:fld id="{B07D26D2-3556-45FC-B13E-3E27378A0FD4}" type="datetimeFigureOut">
               <a:rPr lang="en-US" smtClean="0"/>
-              <a:t>12/6/2024</a:t>
+              <a:t>12/6/24</a:t>
             </a:fld>
             <a:endParaRPr lang="en-US"/>
           </a:p>
@@ -4796,7 +4798,7 @@
           <a:p>
             <a:fld id="{B07D26D2-3556-45FC-B13E-3E27378A0FD4}" type="datetimeFigureOut">
               <a:rPr lang="en-US" smtClean="0"/>
-              <a:t>12/6/2024</a:t>
+              <a:t>12/6/24</a:t>
             </a:fld>
             <a:endParaRPr lang="en-US"/>
           </a:p>
@@ -5072,7 +5074,7 @@
           <a:p>
             <a:fld id="{B07D26D2-3556-45FC-B13E-3E27378A0FD4}" type="datetimeFigureOut">
               <a:rPr lang="en-US" smtClean="0"/>
-              <a:t>12/6/2024</a:t>
+              <a:t>12/6/24</a:t>
             </a:fld>
             <a:endParaRPr lang="en-US"/>
           </a:p>
@@ -5340,7 +5342,7 @@
           <a:p>
             <a:fld id="{B07D26D2-3556-45FC-B13E-3E27378A0FD4}" type="datetimeFigureOut">
               <a:rPr lang="en-US" smtClean="0"/>
-              <a:t>12/6/2024</a:t>
+              <a:t>12/6/24</a:t>
             </a:fld>
             <a:endParaRPr lang="en-US"/>
           </a:p>
@@ -5755,7 +5757,7 @@
           <a:p>
             <a:fld id="{B07D26D2-3556-45FC-B13E-3E27378A0FD4}" type="datetimeFigureOut">
               <a:rPr lang="en-US" smtClean="0"/>
-              <a:t>12/6/2024</a:t>
+              <a:t>12/6/24</a:t>
             </a:fld>
             <a:endParaRPr lang="en-US"/>
           </a:p>
@@ -5897,7 +5899,7 @@
           <a:p>
             <a:fld id="{B07D26D2-3556-45FC-B13E-3E27378A0FD4}" type="datetimeFigureOut">
               <a:rPr lang="en-US" smtClean="0"/>
-              <a:t>12/6/2024</a:t>
+              <a:t>12/6/24</a:t>
             </a:fld>
             <a:endParaRPr lang="en-US"/>
           </a:p>
@@ -6010,7 +6012,7 @@
           <a:p>
             <a:fld id="{B07D26D2-3556-45FC-B13E-3E27378A0FD4}" type="datetimeFigureOut">
               <a:rPr lang="en-US" smtClean="0"/>
-              <a:t>12/6/2024</a:t>
+              <a:t>12/6/24</a:t>
             </a:fld>
             <a:endParaRPr lang="en-US"/>
           </a:p>
@@ -6518,7 +6520,7 @@
           <a:p>
             <a:fld id="{B07D26D2-3556-45FC-B13E-3E27378A0FD4}" type="datetimeFigureOut">
               <a:rPr lang="en-US" smtClean="0"/>
-              <a:t>12/6/2024</a:t>
+              <a:t>12/6/24</a:t>
             </a:fld>
             <a:endParaRPr lang="en-US"/>
           </a:p>
@@ -6807,7 +6809,7 @@
           <a:p>
             <a:fld id="{B07D26D2-3556-45FC-B13E-3E27378A0FD4}" type="datetimeFigureOut">
               <a:rPr lang="en-US" smtClean="0"/>
-              <a:t>12/6/2024</a:t>
+              <a:t>12/6/24</a:t>
             </a:fld>
             <a:endParaRPr lang="en-US"/>
           </a:p>
@@ -7007,7 +7009,7 @@
           <a:p>
             <a:fld id="{B07D26D2-3556-45FC-B13E-3E27378A0FD4}" type="datetimeFigureOut">
               <a:rPr lang="en-US" smtClean="0"/>
-              <a:t>12/6/2024</a:t>
+              <a:t>12/6/24</a:t>
             </a:fld>
             <a:endParaRPr lang="en-US"/>
           </a:p>
@@ -7217,7 +7219,7 @@
           <a:p>
             <a:fld id="{B07D26D2-3556-45FC-B13E-3E27378A0FD4}" type="datetimeFigureOut">
               <a:rPr lang="en-US" smtClean="0"/>
-              <a:t>12/6/2024</a:t>
+              <a:t>12/6/24</a:t>
             </a:fld>
             <a:endParaRPr lang="en-US"/>
           </a:p>
@@ -9797,7 +9799,7 @@
           <a:p>
             <a:fld id="{B07D26D2-3556-45FC-B13E-3E27378A0FD4}" type="datetimeFigureOut">
               <a:rPr lang="en-US" smtClean="0"/>
-              <a:t>12/6/2024</a:t>
+              <a:t>12/6/24</a:t>
             </a:fld>
             <a:endParaRPr lang="en-US"/>
           </a:p>
@@ -14884,6 +14886,1302 @@
       </p:grpSpPr>
       <p:sp useBgFill="1">
         <p:nvSpPr>
+          <p:cNvPr id="30" name="Rectangle 29">
+            <a:extLst>
+              <a:ext uri="{FF2B5EF4-FFF2-40B4-BE49-F238E27FC236}">
+                <a16:creationId xmlns:a16="http://schemas.microsoft.com/office/drawing/2014/main" id="{B6CDA21F-E7AF-4C75-8395-33F58D5B0E45}"/>
+              </a:ext>
+              <a:ext uri="{C183D7F6-B498-43B3-948B-1728B52AA6E4}">
+                <adec:decorative xmlns:adec="http://schemas.microsoft.com/office/drawing/2017/decorative" val="1"/>
+              </a:ext>
+            </a:extLst>
+          </p:cNvPr>
+          <p:cNvSpPr>
+            <a:spLocks noGrp="1" noRot="1" noChangeAspect="1" noMove="1" noResize="1" noEditPoints="1" noAdjustHandles="1" noChangeArrowheads="1" noChangeShapeType="1" noTextEdit="1"/>
+          </p:cNvSpPr>
+          <p:nvPr>
+            <p:extLst>
+              <p:ext uri="{386F3935-93C4-4BCD-93E2-E3B085C9AB24}">
+                <p16:designElem xmlns:p16="http://schemas.microsoft.com/office/powerpoint/2015/main" val="1"/>
+              </p:ext>
+            </p:extLst>
+          </p:nvPr>
+        </p:nvSpPr>
+        <p:spPr>
+          <a:xfrm>
+            <a:off x="0" y="0"/>
+            <a:ext cx="12191999" cy="6857365"/>
+          </a:xfrm>
+          <a:prstGeom prst="rect">
+            <a:avLst/>
+          </a:prstGeom>
+          <a:ln>
+            <a:noFill/>
+          </a:ln>
+        </p:spPr>
+        <p:style>
+          <a:lnRef idx="2">
+            <a:schemeClr val="accent1">
+              <a:shade val="50000"/>
+            </a:schemeClr>
+          </a:lnRef>
+          <a:fillRef idx="1">
+            <a:schemeClr val="accent1"/>
+          </a:fillRef>
+          <a:effectRef idx="0">
+            <a:schemeClr val="accent1"/>
+          </a:effectRef>
+          <a:fontRef idx="minor">
+            <a:schemeClr val="lt1"/>
+          </a:fontRef>
+        </p:style>
+        <p:txBody>
+          <a:bodyPr rtlCol="0" anchor="ctr"/>
+          <a:lstStyle/>
+          <a:p>
+            <a:pPr algn="ctr"/>
+            <a:endParaRPr lang="en-US"/>
+          </a:p>
+        </p:txBody>
+      </p:sp>
+      <p:grpSp>
+        <p:nvGrpSpPr>
+          <p:cNvPr id="32" name="Group 31">
+            <a:extLst>
+              <a:ext uri="{FF2B5EF4-FFF2-40B4-BE49-F238E27FC236}">
+                <a16:creationId xmlns:a16="http://schemas.microsoft.com/office/drawing/2014/main" id="{AE1C45F0-260A-458C-96ED-C1F6D2151219}"/>
+              </a:ext>
+              <a:ext uri="{C183D7F6-B498-43B3-948B-1728B52AA6E4}">
+                <adec:decorative xmlns:adec="http://schemas.microsoft.com/office/drawing/2017/decorative" val="1"/>
+              </a:ext>
+            </a:extLst>
+          </p:cNvPr>
+          <p:cNvGrpSpPr>
+            <a:grpSpLocks noGrp="1" noUngrp="1" noRot="1" noChangeAspect="1" noMove="1" noResize="1"/>
+          </p:cNvGrpSpPr>
+          <p:nvPr>
+            <p:extLst>
+              <p:ext uri="{386F3935-93C4-4BCD-93E2-E3B085C9AB24}">
+                <p16:designElem xmlns:p16="http://schemas.microsoft.com/office/powerpoint/2015/main" val="1"/>
+              </p:ext>
+            </p:extLst>
+          </p:nvPr>
+        </p:nvGrpSpPr>
+        <p:grpSpPr>
+          <a:xfrm>
+            <a:off x="4" y="1216597"/>
+            <a:ext cx="731521" cy="673460"/>
+            <a:chOff x="3940602" y="308034"/>
+            <a:chExt cx="2116791" cy="3428999"/>
+          </a:xfrm>
+          <a:solidFill>
+            <a:schemeClr val="accent4"/>
+          </a:solidFill>
+        </p:grpSpPr>
+        <p:sp>
+          <p:nvSpPr>
+            <p:cNvPr id="33" name="Rectangle 32">
+              <a:extLst>
+                <a:ext uri="{FF2B5EF4-FFF2-40B4-BE49-F238E27FC236}">
+                  <a16:creationId xmlns:a16="http://schemas.microsoft.com/office/drawing/2014/main" id="{A6604B49-AD5C-4590-B051-06C8222ECD99}"/>
+                </a:ext>
+                <a:ext uri="{C183D7F6-B498-43B3-948B-1728B52AA6E4}">
+                  <adec:decorative xmlns:adec="http://schemas.microsoft.com/office/drawing/2017/decorative" val="1"/>
+                </a:ext>
+              </a:extLst>
+            </p:cNvPr>
+            <p:cNvSpPr/>
+            <p:nvPr>
+              <p:extLst>
+                <p:ext uri="{386F3935-93C4-4BCD-93E2-E3B085C9AB24}">
+                  <p16:designElem xmlns:p16="http://schemas.microsoft.com/office/powerpoint/2015/main" val="1"/>
+                </p:ext>
+              </p:extLst>
+            </p:nvPr>
+          </p:nvSpPr>
+          <p:spPr>
+            <a:xfrm>
+              <a:off x="3940602" y="308034"/>
+              <a:ext cx="566743" cy="3428999"/>
+            </a:xfrm>
+            <a:prstGeom prst="rect">
+              <a:avLst/>
+            </a:prstGeom>
+            <a:grpFill/>
+            <a:ln>
+              <a:noFill/>
+            </a:ln>
+          </p:spPr>
+          <p:style>
+            <a:lnRef idx="2">
+              <a:schemeClr val="accent1">
+                <a:shade val="50000"/>
+              </a:schemeClr>
+            </a:lnRef>
+            <a:fillRef idx="1">
+              <a:schemeClr val="accent1"/>
+            </a:fillRef>
+            <a:effectRef idx="0">
+              <a:schemeClr val="accent1"/>
+            </a:effectRef>
+            <a:fontRef idx="minor">
+              <a:schemeClr val="lt1"/>
+            </a:fontRef>
+          </p:style>
+          <p:txBody>
+            <a:bodyPr rtlCol="0" anchor="ctr"/>
+            <a:lstStyle/>
+            <a:p>
+              <a:pPr algn="ctr"/>
+              <a:endParaRPr lang="en-US"/>
+            </a:p>
+          </p:txBody>
+        </p:sp>
+        <p:sp>
+          <p:nvSpPr>
+            <p:cNvPr id="34" name="Rectangle 33">
+              <a:extLst>
+                <a:ext uri="{FF2B5EF4-FFF2-40B4-BE49-F238E27FC236}">
+                  <a16:creationId xmlns:a16="http://schemas.microsoft.com/office/drawing/2014/main" id="{743ECCAF-29C5-4537-947C-7EA1292463DB}"/>
+                </a:ext>
+                <a:ext uri="{C183D7F6-B498-43B3-948B-1728B52AA6E4}">
+                  <adec:decorative xmlns:adec="http://schemas.microsoft.com/office/drawing/2017/decorative" val="1"/>
+                </a:ext>
+              </a:extLst>
+            </p:cNvPr>
+            <p:cNvSpPr/>
+            <p:nvPr>
+              <p:extLst>
+                <p:ext uri="{386F3935-93C4-4BCD-93E2-E3B085C9AB24}">
+                  <p16:designElem xmlns:p16="http://schemas.microsoft.com/office/powerpoint/2015/main" val="1"/>
+                </p:ext>
+              </p:extLst>
+            </p:nvPr>
+          </p:nvSpPr>
+          <p:spPr>
+            <a:xfrm>
+              <a:off x="4715626" y="308034"/>
+              <a:ext cx="566743" cy="3428999"/>
+            </a:xfrm>
+            <a:prstGeom prst="rect">
+              <a:avLst/>
+            </a:prstGeom>
+            <a:grpFill/>
+            <a:ln>
+              <a:noFill/>
+            </a:ln>
+          </p:spPr>
+          <p:style>
+            <a:lnRef idx="2">
+              <a:schemeClr val="accent1">
+                <a:shade val="50000"/>
+              </a:schemeClr>
+            </a:lnRef>
+            <a:fillRef idx="1">
+              <a:schemeClr val="accent1"/>
+            </a:fillRef>
+            <a:effectRef idx="0">
+              <a:schemeClr val="accent1"/>
+            </a:effectRef>
+            <a:fontRef idx="minor">
+              <a:schemeClr val="lt1"/>
+            </a:fontRef>
+          </p:style>
+          <p:txBody>
+            <a:bodyPr rtlCol="0" anchor="ctr"/>
+            <a:lstStyle/>
+            <a:p>
+              <a:pPr algn="ctr"/>
+              <a:endParaRPr lang="en-US"/>
+            </a:p>
+          </p:txBody>
+        </p:sp>
+        <p:sp>
+          <p:nvSpPr>
+            <p:cNvPr id="27" name="Rectangle 26">
+              <a:extLst>
+                <a:ext uri="{FF2B5EF4-FFF2-40B4-BE49-F238E27FC236}">
+                  <a16:creationId xmlns:a16="http://schemas.microsoft.com/office/drawing/2014/main" id="{ED49787B-8DE6-4467-AD0A-8DECC6E0C2D6}"/>
+                </a:ext>
+                <a:ext uri="{C183D7F6-B498-43B3-948B-1728B52AA6E4}">
+                  <adec:decorative xmlns:adec="http://schemas.microsoft.com/office/drawing/2017/decorative" val="1"/>
+                </a:ext>
+              </a:extLst>
+            </p:cNvPr>
+            <p:cNvSpPr/>
+            <p:nvPr>
+              <p:extLst>
+                <p:ext uri="{386F3935-93C4-4BCD-93E2-E3B085C9AB24}">
+                  <p16:designElem xmlns:p16="http://schemas.microsoft.com/office/powerpoint/2015/main" val="1"/>
+                </p:ext>
+              </p:extLst>
+            </p:nvPr>
+          </p:nvSpPr>
+          <p:spPr>
+            <a:xfrm>
+              <a:off x="5490650" y="308034"/>
+              <a:ext cx="566743" cy="3428999"/>
+            </a:xfrm>
+            <a:prstGeom prst="rect">
+              <a:avLst/>
+            </a:prstGeom>
+            <a:grpFill/>
+            <a:ln>
+              <a:noFill/>
+            </a:ln>
+          </p:spPr>
+          <p:style>
+            <a:lnRef idx="2">
+              <a:schemeClr val="accent1">
+                <a:shade val="50000"/>
+              </a:schemeClr>
+            </a:lnRef>
+            <a:fillRef idx="1">
+              <a:schemeClr val="accent1"/>
+            </a:fillRef>
+            <a:effectRef idx="0">
+              <a:schemeClr val="accent1"/>
+            </a:effectRef>
+            <a:fontRef idx="minor">
+              <a:schemeClr val="lt1"/>
+            </a:fontRef>
+          </p:style>
+          <p:txBody>
+            <a:bodyPr rtlCol="0" anchor="ctr"/>
+            <a:lstStyle/>
+            <a:p>
+              <a:pPr algn="ctr"/>
+              <a:endParaRPr lang="en-US"/>
+            </a:p>
+          </p:txBody>
+        </p:sp>
+      </p:grpSp>
+      <p:sp>
+        <p:nvSpPr>
+          <p:cNvPr id="29" name="Rectangle 28">
+            <a:extLst>
+              <a:ext uri="{FF2B5EF4-FFF2-40B4-BE49-F238E27FC236}">
+                <a16:creationId xmlns:a16="http://schemas.microsoft.com/office/drawing/2014/main" id="{D5B0017B-2ECA-49AF-B397-DC140825DF8D}"/>
+              </a:ext>
+              <a:ext uri="{C183D7F6-B498-43B3-948B-1728B52AA6E4}">
+                <adec:decorative xmlns:adec="http://schemas.microsoft.com/office/drawing/2017/decorative" val="1"/>
+              </a:ext>
+            </a:extLst>
+          </p:cNvPr>
+          <p:cNvSpPr>
+            <a:spLocks noGrp="1" noRot="1" noChangeAspect="1" noMove="1" noResize="1" noEditPoints="1" noAdjustHandles="1" noChangeArrowheads="1" noChangeShapeType="1" noTextEdit="1"/>
+          </p:cNvSpPr>
+          <p:nvPr>
+            <p:extLst>
+              <p:ext uri="{386F3935-93C4-4BCD-93E2-E3B085C9AB24}">
+                <p16:designElem xmlns:p16="http://schemas.microsoft.com/office/powerpoint/2015/main" val="1"/>
+              </p:ext>
+            </p:extLst>
+          </p:nvPr>
+        </p:nvSpPr>
+        <p:spPr>
+          <a:xfrm>
+            <a:off x="640079" y="613954"/>
+            <a:ext cx="10907487" cy="1894116"/>
+          </a:xfrm>
+          <a:prstGeom prst="rect">
+            <a:avLst/>
+          </a:prstGeom>
+          <a:solidFill>
+            <a:schemeClr val="bg1"/>
+          </a:solidFill>
+          <a:ln>
+            <a:noFill/>
+          </a:ln>
+          <a:effectLst>
+            <a:outerShdw blurRad="139700" dist="127000" dir="5400000" algn="t" rotWithShape="0">
+              <a:prstClr val="black">
+                <a:alpha val="15000"/>
+              </a:prstClr>
+            </a:outerShdw>
+          </a:effectLst>
+        </p:spPr>
+        <p:style>
+          <a:lnRef idx="2">
+            <a:schemeClr val="accent1">
+              <a:shade val="50000"/>
+            </a:schemeClr>
+          </a:lnRef>
+          <a:fillRef idx="1">
+            <a:schemeClr val="accent1"/>
+          </a:fillRef>
+          <a:effectRef idx="0">
+            <a:schemeClr val="accent1"/>
+          </a:effectRef>
+          <a:fontRef idx="minor">
+            <a:schemeClr val="lt1"/>
+          </a:fontRef>
+        </p:style>
+        <p:txBody>
+          <a:bodyPr rtlCol="0" anchor="ctr"/>
+          <a:lstStyle/>
+          <a:p>
+            <a:pPr algn="ctr"/>
+            <a:endParaRPr lang="en-US"/>
+          </a:p>
+        </p:txBody>
+      </p:sp>
+      <p:sp>
+        <p:nvSpPr>
+          <p:cNvPr id="2" name="Title 1">
+            <a:extLst>
+              <a:ext uri="{FF2B5EF4-FFF2-40B4-BE49-F238E27FC236}">
+                <a16:creationId xmlns:a16="http://schemas.microsoft.com/office/drawing/2014/main" id="{F5CF815F-8F3D-1012-5FF8-073289D619CC}"/>
+              </a:ext>
+            </a:extLst>
+          </p:cNvPr>
+          <p:cNvSpPr txBox="1">
+            <a:spLocks/>
+          </p:cNvSpPr>
+          <p:nvPr/>
+        </p:nvSpPr>
+        <p:spPr>
+          <a:xfrm>
+            <a:off x="1043631" y="809898"/>
+            <a:ext cx="9942716" cy="1554480"/>
+          </a:xfrm>
+          <a:prstGeom prst="rect">
+            <a:avLst/>
+          </a:prstGeom>
+        </p:spPr>
+        <p:txBody>
+          <a:bodyPr vert="horz" lIns="91440" tIns="45720" rIns="91440" bIns="45720" rtlCol="0" anchor="ctr">
+            <a:normAutofit/>
+          </a:bodyPr>
+          <a:lstStyle>
+            <a:lvl1pPr algn="l" defTabSz="914400" rtl="0" eaLnBrk="1" latinLnBrk="0" hangingPunct="1">
+              <a:lnSpc>
+                <a:spcPct val="90000"/>
+              </a:lnSpc>
+              <a:spcBef>
+                <a:spcPct val="0"/>
+              </a:spcBef>
+              <a:buNone/>
+              <a:defRPr sz="4400" kern="1200">
+                <a:solidFill>
+                  <a:schemeClr val="tx1"/>
+                </a:solidFill>
+                <a:latin typeface="+mj-lt"/>
+                <a:ea typeface="+mj-ea"/>
+                <a:cs typeface="+mj-cs"/>
+              </a:defRPr>
+            </a:lvl1pPr>
+          </a:lstStyle>
+          <a:p>
+            <a:pPr>
+              <a:spcAft>
+                <a:spcPts val="600"/>
+              </a:spcAft>
+            </a:pPr>
+            <a:r>
+              <a:rPr lang="en-US" sz="3400" b="1" kern="1200">
+                <a:solidFill>
+                  <a:schemeClr val="tx1"/>
+                </a:solidFill>
+                <a:latin typeface="+mj-lt"/>
+                <a:ea typeface="+mj-ea"/>
+                <a:cs typeface="+mj-cs"/>
+              </a:rPr>
+              <a:t>Deployment Summary for Grid Consumption Prediction Web Application</a:t>
+            </a:r>
+            <a:br>
+              <a:rPr lang="en-US" sz="3400" b="1" kern="1200">
+                <a:solidFill>
+                  <a:schemeClr val="tx1"/>
+                </a:solidFill>
+                <a:latin typeface="+mj-lt"/>
+                <a:ea typeface="+mj-ea"/>
+                <a:cs typeface="+mj-cs"/>
+              </a:rPr>
+            </a:br>
+            <a:endParaRPr lang="en-US" sz="3400" kern="1200" dirty="0">
+              <a:solidFill>
+                <a:schemeClr val="tx1"/>
+              </a:solidFill>
+              <a:latin typeface="+mj-lt"/>
+              <a:ea typeface="+mj-ea"/>
+              <a:cs typeface="+mj-cs"/>
+            </a:endParaRPr>
+          </a:p>
+        </p:txBody>
+      </p:sp>
+      <p:sp>
+        <p:nvSpPr>
+          <p:cNvPr id="3" name="TextBox 2">
+            <a:extLst>
+              <a:ext uri="{FF2B5EF4-FFF2-40B4-BE49-F238E27FC236}">
+                <a16:creationId xmlns:a16="http://schemas.microsoft.com/office/drawing/2014/main" id="{2082567C-408F-6C56-C5B9-A308A2C4B809}"/>
+              </a:ext>
+            </a:extLst>
+          </p:cNvPr>
+          <p:cNvSpPr txBox="1"/>
+          <p:nvPr/>
+        </p:nvSpPr>
+        <p:spPr>
+          <a:xfrm>
+            <a:off x="1045028" y="3017522"/>
+            <a:ext cx="9941319" cy="3124658"/>
+          </a:xfrm>
+          <a:prstGeom prst="rect">
+            <a:avLst/>
+          </a:prstGeom>
+        </p:spPr>
+        <p:txBody>
+          <a:bodyPr vert="horz" lIns="91440" tIns="45720" rIns="91440" bIns="45720" rtlCol="0" anchor="ctr">
+            <a:normAutofit/>
+          </a:bodyPr>
+          <a:lstStyle/>
+          <a:p>
+            <a:pPr indent="-228600">
+              <a:lnSpc>
+                <a:spcPct val="90000"/>
+              </a:lnSpc>
+              <a:spcAft>
+                <a:spcPts val="600"/>
+              </a:spcAft>
+              <a:buFont typeface="Arial" panose="020B0604020202020204" pitchFamily="34" charset="0"/>
+              <a:buChar char="•"/>
+            </a:pPr>
+            <a:r>
+              <a:rPr lang="en-US" sz="2400" b="1" i="0" u="none" strike="noStrike" dirty="0">
+                <a:effectLst/>
+              </a:rPr>
+              <a:t>Current State:</a:t>
+            </a:r>
+          </a:p>
+          <a:p>
+            <a:pPr lvl="1" indent="-228600">
+              <a:lnSpc>
+                <a:spcPct val="90000"/>
+              </a:lnSpc>
+              <a:spcAft>
+                <a:spcPts val="600"/>
+              </a:spcAft>
+              <a:buFont typeface="Arial" panose="020B0604020202020204" pitchFamily="34" charset="0"/>
+              <a:buChar char="•"/>
+            </a:pPr>
+            <a:r>
+              <a:rPr lang="en-US" sz="2400" b="0" i="0" u="none" strike="noStrike" dirty="0">
+                <a:effectLst/>
+              </a:rPr>
+              <a:t>Local deployment for Front-End (FE) and Back-End (BE) services.</a:t>
+            </a:r>
+          </a:p>
+          <a:p>
+            <a:pPr lvl="1" indent="-228600">
+              <a:lnSpc>
+                <a:spcPct val="90000"/>
+              </a:lnSpc>
+              <a:spcAft>
+                <a:spcPts val="600"/>
+              </a:spcAft>
+              <a:buFont typeface="Arial" panose="020B0604020202020204" pitchFamily="34" charset="0"/>
+              <a:buChar char="•"/>
+            </a:pPr>
+            <a:r>
+              <a:rPr lang="en-US" sz="2400" b="0" i="0" u="none" strike="noStrike" dirty="0">
+                <a:effectLst/>
+              </a:rPr>
+              <a:t>Accessible via tunneling tools for testing and development.</a:t>
+            </a:r>
+          </a:p>
+          <a:p>
+            <a:pPr indent="-228600">
+              <a:lnSpc>
+                <a:spcPct val="90000"/>
+              </a:lnSpc>
+              <a:spcAft>
+                <a:spcPts val="600"/>
+              </a:spcAft>
+              <a:buFont typeface="Arial" panose="020B0604020202020204" pitchFamily="34" charset="0"/>
+              <a:buChar char="•"/>
+            </a:pPr>
+            <a:r>
+              <a:rPr lang="en-US" sz="2400" b="1" i="0" u="none" strike="noStrike" dirty="0">
+                <a:effectLst/>
+              </a:rPr>
+              <a:t>Future Plan:</a:t>
+            </a:r>
+          </a:p>
+          <a:p>
+            <a:pPr lvl="1" indent="-228600">
+              <a:lnSpc>
+                <a:spcPct val="90000"/>
+              </a:lnSpc>
+              <a:spcAft>
+                <a:spcPts val="600"/>
+              </a:spcAft>
+              <a:buFont typeface="Arial" panose="020B0604020202020204" pitchFamily="34" charset="0"/>
+              <a:buChar char="•"/>
+            </a:pPr>
+            <a:r>
+              <a:rPr lang="en-US" sz="2400" b="1" i="0" u="none" strike="noStrike" dirty="0">
+                <a:effectLst/>
+              </a:rPr>
+              <a:t>Cloud Deployment</a:t>
+            </a:r>
+            <a:r>
+              <a:rPr lang="en-US" sz="2400" b="0" i="0" u="none" strike="noStrike" dirty="0">
+                <a:effectLst/>
+              </a:rPr>
+              <a:t>:</a:t>
+            </a:r>
+          </a:p>
+          <a:p>
+            <a:pPr marL="742950" lvl="1" indent="-228600">
+              <a:lnSpc>
+                <a:spcPct val="90000"/>
+              </a:lnSpc>
+              <a:spcAft>
+                <a:spcPts val="600"/>
+              </a:spcAft>
+              <a:buFont typeface="Arial" panose="020B0604020202020204" pitchFamily="34" charset="0"/>
+              <a:buChar char="•"/>
+            </a:pPr>
+            <a:r>
+              <a:rPr lang="en-US" sz="2400" b="0" i="0" u="none" strike="noStrike" dirty="0">
+                <a:effectLst/>
+              </a:rPr>
+              <a:t>Target platforms: AWS, Azure, or Google Cloud.</a:t>
+            </a:r>
+          </a:p>
+          <a:p>
+            <a:pPr marL="742950" lvl="1" indent="-228600">
+              <a:lnSpc>
+                <a:spcPct val="90000"/>
+              </a:lnSpc>
+              <a:spcAft>
+                <a:spcPts val="600"/>
+              </a:spcAft>
+              <a:buFont typeface="Arial" panose="020B0604020202020204" pitchFamily="34" charset="0"/>
+              <a:buChar char="•"/>
+            </a:pPr>
+            <a:r>
+              <a:rPr lang="en-US" sz="2400" b="0" i="0" u="none" strike="noStrike" dirty="0">
+                <a:effectLst/>
+              </a:rPr>
+              <a:t>Goals: High availability, scalability, and secure access.</a:t>
+            </a:r>
+          </a:p>
+        </p:txBody>
+      </p:sp>
+      <p:cxnSp>
+        <p:nvCxnSpPr>
+          <p:cNvPr id="31" name="Straight Connector 30">
+            <a:extLst>
+              <a:ext uri="{FF2B5EF4-FFF2-40B4-BE49-F238E27FC236}">
+                <a16:creationId xmlns:a16="http://schemas.microsoft.com/office/drawing/2014/main" id="{6CF1BAF6-AD41-4082-B212-8A1F9A2E8779}"/>
+              </a:ext>
+              <a:ext uri="{C183D7F6-B498-43B3-948B-1728B52AA6E4}">
+                <adec:decorative xmlns:adec="http://schemas.microsoft.com/office/drawing/2017/decorative" val="1"/>
+              </a:ext>
+            </a:extLst>
+          </p:cNvPr>
+          <p:cNvCxnSpPr>
+            <a:cxnSpLocks noGrp="1" noRot="1" noChangeAspect="1" noMove="1" noResize="1" noEditPoints="1" noAdjustHandles="1" noChangeArrowheads="1" noChangeShapeType="1"/>
+          </p:cNvCxnSpPr>
+          <p:nvPr>
+            <p:extLst>
+              <p:ext uri="{386F3935-93C4-4BCD-93E2-E3B085C9AB24}">
+                <p16:designElem xmlns:p16="http://schemas.microsoft.com/office/powerpoint/2015/main" val="1"/>
+              </p:ext>
+            </p:extLst>
+          </p:nvPr>
+        </p:nvCxnSpPr>
+        <p:spPr>
+          <a:xfrm flipH="1">
+            <a:off x="838200" y="6485313"/>
+            <a:ext cx="10515600" cy="0"/>
+          </a:xfrm>
+          <a:prstGeom prst="line">
+            <a:avLst/>
+          </a:prstGeom>
+          <a:ln w="57150">
+            <a:solidFill>
+              <a:schemeClr val="accent4"/>
+            </a:solidFill>
+          </a:ln>
+        </p:spPr>
+        <p:style>
+          <a:lnRef idx="1">
+            <a:schemeClr val="accent1"/>
+          </a:lnRef>
+          <a:fillRef idx="0">
+            <a:schemeClr val="accent1"/>
+          </a:fillRef>
+          <a:effectRef idx="0">
+            <a:schemeClr val="accent1"/>
+          </a:effectRef>
+          <a:fontRef idx="minor">
+            <a:schemeClr val="tx1"/>
+          </a:fontRef>
+        </p:style>
+      </p:cxnSp>
+    </p:spTree>
+    <p:extLst>
+      <p:ext uri="{BB962C8B-B14F-4D97-AF65-F5344CB8AC3E}">
+        <p14:creationId xmlns:p14="http://schemas.microsoft.com/office/powerpoint/2010/main" val="1947706720"/>
+      </p:ext>
+    </p:extLst>
+  </p:cSld>
+  <p:clrMapOvr>
+    <a:masterClrMapping/>
+  </p:clrMapOvr>
+</p:sld>
+</file>
+
+<file path=ppt/slides/slide21.xml><?xml version="1.0" encoding="utf-8"?>
+<p:sld xmlns:a="http://schemas.openxmlformats.org/drawingml/2006/main" xmlns:r="http://schemas.openxmlformats.org/officeDocument/2006/relationships" xmlns:p="http://schemas.openxmlformats.org/presentationml/2006/main">
+  <p:cSld>
+    <p:bg>
+      <p:bgPr>
+        <a:solidFill>
+          <a:schemeClr val="bg1"/>
+        </a:solidFill>
+        <a:effectLst/>
+      </p:bgPr>
+    </p:bg>
+    <p:spTree>
+      <p:nvGrpSpPr>
+        <p:cNvPr id="1" name=""/>
+        <p:cNvGrpSpPr/>
+        <p:nvPr/>
+      </p:nvGrpSpPr>
+      <p:grpSpPr>
+        <a:xfrm>
+          <a:off x="0" y="0"/>
+          <a:ext cx="0" cy="0"/>
+          <a:chOff x="0" y="0"/>
+          <a:chExt cx="0" cy="0"/>
+        </a:xfrm>
+      </p:grpSpPr>
+      <p:sp>
+        <p:nvSpPr>
+          <p:cNvPr id="24" name="Rectangle 23">
+            <a:extLst>
+              <a:ext uri="{FF2B5EF4-FFF2-40B4-BE49-F238E27FC236}">
+                <a16:creationId xmlns:a16="http://schemas.microsoft.com/office/drawing/2014/main" id="{F3060C83-F051-4F0E-ABAD-AA0DFC48B218}"/>
+              </a:ext>
+              <a:ext uri="{C183D7F6-B498-43B3-948B-1728B52AA6E4}">
+                <adec:decorative xmlns:adec="http://schemas.microsoft.com/office/drawing/2017/decorative" val="1"/>
+              </a:ext>
+            </a:extLst>
+          </p:cNvPr>
+          <p:cNvSpPr>
+            <a:spLocks noGrp="1" noRot="1" noChangeAspect="1" noMove="1" noResize="1" noEditPoints="1" noAdjustHandles="1" noChangeArrowheads="1" noChangeShapeType="1" noTextEdit="1"/>
+          </p:cNvSpPr>
+          <p:nvPr>
+            <p:extLst>
+              <p:ext uri="{386F3935-93C4-4BCD-93E2-E3B085C9AB24}">
+                <p16:designElem xmlns:p16="http://schemas.microsoft.com/office/powerpoint/2015/main" val="1"/>
+              </p:ext>
+            </p:extLst>
+          </p:nvPr>
+        </p:nvSpPr>
+        <p:spPr>
+          <a:xfrm>
+            <a:off x="0" y="0"/>
+            <a:ext cx="12192000" cy="6858000"/>
+          </a:xfrm>
+          <a:prstGeom prst="rect">
+            <a:avLst/>
+          </a:prstGeom>
+          <a:solidFill>
+            <a:schemeClr val="bg1"/>
+          </a:solidFill>
+          <a:ln>
+            <a:noFill/>
+          </a:ln>
+        </p:spPr>
+        <p:style>
+          <a:lnRef idx="2">
+            <a:schemeClr val="accent1">
+              <a:shade val="50000"/>
+            </a:schemeClr>
+          </a:lnRef>
+          <a:fillRef idx="1">
+            <a:schemeClr val="accent1"/>
+          </a:fillRef>
+          <a:effectRef idx="0">
+            <a:schemeClr val="accent1"/>
+          </a:effectRef>
+          <a:fontRef idx="minor">
+            <a:schemeClr val="lt1"/>
+          </a:fontRef>
+        </p:style>
+        <p:txBody>
+          <a:bodyPr rtlCol="0" anchor="ctr"/>
+          <a:lstStyle/>
+          <a:p>
+            <a:pPr algn="ctr"/>
+            <a:endParaRPr lang="en-US" dirty="0"/>
+          </a:p>
+        </p:txBody>
+      </p:sp>
+      <p:sp>
+        <p:nvSpPr>
+          <p:cNvPr id="26" name="Freeform: Shape 25">
+            <a:extLst>
+              <a:ext uri="{FF2B5EF4-FFF2-40B4-BE49-F238E27FC236}">
+                <a16:creationId xmlns:a16="http://schemas.microsoft.com/office/drawing/2014/main" id="{83C98ABE-055B-441F-B07E-44F97F083C39}"/>
+              </a:ext>
+              <a:ext uri="{C183D7F6-B498-43B3-948B-1728B52AA6E4}">
+                <adec:decorative xmlns:adec="http://schemas.microsoft.com/office/drawing/2017/decorative" val="1"/>
+              </a:ext>
+            </a:extLst>
+          </p:cNvPr>
+          <p:cNvSpPr>
+            <a:spLocks noGrp="1" noRot="1" noChangeAspect="1" noMove="1" noResize="1" noEditPoints="1" noAdjustHandles="1" noChangeArrowheads="1" noChangeShapeType="1" noTextEdit="1"/>
+          </p:cNvSpPr>
+          <p:nvPr>
+            <p:extLst>
+              <p:ext uri="{386F3935-93C4-4BCD-93E2-E3B085C9AB24}">
+                <p16:designElem xmlns:p16="http://schemas.microsoft.com/office/powerpoint/2015/main" val="1"/>
+              </p:ext>
+            </p:extLst>
+          </p:nvPr>
+        </p:nvSpPr>
+        <p:spPr>
+          <a:xfrm rot="18900000" flipH="1">
+            <a:off x="-376156" y="-253670"/>
+            <a:ext cx="1827638" cy="1376989"/>
+          </a:xfrm>
+          <a:custGeom>
+            <a:avLst/>
+            <a:gdLst>
+              <a:gd name="connsiteX0" fmla="*/ 0 w 1827638"/>
+              <a:gd name="connsiteY0" fmla="*/ 987379 h 1376989"/>
+              <a:gd name="connsiteX1" fmla="*/ 987379 w 1827638"/>
+              <a:gd name="connsiteY1" fmla="*/ 0 h 1376989"/>
+              <a:gd name="connsiteX2" fmla="*/ 1827638 w 1827638"/>
+              <a:gd name="connsiteY2" fmla="*/ 840260 h 1376989"/>
+              <a:gd name="connsiteX3" fmla="*/ 1827638 w 1827638"/>
+              <a:gd name="connsiteY3" fmla="*/ 1376989 h 1376989"/>
+              <a:gd name="connsiteX4" fmla="*/ 0 w 1827638"/>
+              <a:gd name="connsiteY4" fmla="*/ 1376989 h 1376989"/>
+            </a:gdLst>
+            <a:ahLst/>
+            <a:cxnLst>
+              <a:cxn ang="0">
+                <a:pos x="connsiteX0" y="connsiteY0"/>
+              </a:cxn>
+              <a:cxn ang="0">
+                <a:pos x="connsiteX1" y="connsiteY1"/>
+              </a:cxn>
+              <a:cxn ang="0">
+                <a:pos x="connsiteX2" y="connsiteY2"/>
+              </a:cxn>
+              <a:cxn ang="0">
+                <a:pos x="connsiteX3" y="connsiteY3"/>
+              </a:cxn>
+              <a:cxn ang="0">
+                <a:pos x="connsiteX4" y="connsiteY4"/>
+              </a:cxn>
+            </a:cxnLst>
+            <a:rect l="l" t="t" r="r" b="b"/>
+            <a:pathLst>
+              <a:path w="1827638" h="1376989">
+                <a:moveTo>
+                  <a:pt x="0" y="987379"/>
+                </a:moveTo>
+                <a:lnTo>
+                  <a:pt x="987379" y="0"/>
+                </a:lnTo>
+                <a:lnTo>
+                  <a:pt x="1827638" y="840260"/>
+                </a:lnTo>
+                <a:lnTo>
+                  <a:pt x="1827638" y="1376989"/>
+                </a:lnTo>
+                <a:lnTo>
+                  <a:pt x="0" y="1376989"/>
+                </a:lnTo>
+                <a:close/>
+              </a:path>
+            </a:pathLst>
+          </a:custGeom>
+          <a:solidFill>
+            <a:schemeClr val="accent1">
+              <a:alpha val="30000"/>
+            </a:schemeClr>
+          </a:solidFill>
+          <a:ln>
+            <a:noFill/>
+          </a:ln>
+        </p:spPr>
+        <p:style>
+          <a:lnRef idx="2">
+            <a:schemeClr val="accent1">
+              <a:shade val="50000"/>
+            </a:schemeClr>
+          </a:lnRef>
+          <a:fillRef idx="1">
+            <a:schemeClr val="accent1"/>
+          </a:fillRef>
+          <a:effectRef idx="0">
+            <a:schemeClr val="accent1"/>
+          </a:effectRef>
+          <a:fontRef idx="minor">
+            <a:schemeClr val="lt1"/>
+          </a:fontRef>
+        </p:style>
+        <p:txBody>
+          <a:bodyPr rtlCol="0" anchor="ctr"/>
+          <a:lstStyle/>
+          <a:p>
+            <a:pPr algn="ctr"/>
+            <a:endParaRPr lang="en-US" dirty="0"/>
+          </a:p>
+        </p:txBody>
+      </p:sp>
+      <p:sp>
+        <p:nvSpPr>
+          <p:cNvPr id="28" name="Rectangle 27">
+            <a:extLst>
+              <a:ext uri="{FF2B5EF4-FFF2-40B4-BE49-F238E27FC236}">
+                <a16:creationId xmlns:a16="http://schemas.microsoft.com/office/drawing/2014/main" id="{29FDB030-9B49-4CED-8CCD-4D99382388AC}"/>
+              </a:ext>
+              <a:ext uri="{C183D7F6-B498-43B3-948B-1728B52AA6E4}">
+                <adec:decorative xmlns:adec="http://schemas.microsoft.com/office/drawing/2017/decorative" val="1"/>
+              </a:ext>
+            </a:extLst>
+          </p:cNvPr>
+          <p:cNvSpPr>
+            <a:spLocks noGrp="1" noRot="1" noChangeAspect="1" noMove="1" noResize="1" noEditPoints="1" noAdjustHandles="1" noChangeArrowheads="1" noChangeShapeType="1" noTextEdit="1"/>
+          </p:cNvSpPr>
+          <p:nvPr>
+            <p:extLst>
+              <p:ext uri="{386F3935-93C4-4BCD-93E2-E3B085C9AB24}">
+                <p16:designElem xmlns:p16="http://schemas.microsoft.com/office/powerpoint/2015/main" val="1"/>
+              </p:ext>
+            </p:extLst>
+          </p:nvPr>
+        </p:nvSpPr>
+        <p:spPr>
+          <a:xfrm rot="18900000" flipH="1">
+            <a:off x="891641" y="422146"/>
+            <a:ext cx="645368" cy="645368"/>
+          </a:xfrm>
+          <a:prstGeom prst="rect">
+            <a:avLst/>
+          </a:prstGeom>
+          <a:solidFill>
+            <a:schemeClr val="accent1">
+              <a:alpha val="30000"/>
+            </a:schemeClr>
+          </a:solidFill>
+          <a:ln>
+            <a:noFill/>
+          </a:ln>
+        </p:spPr>
+        <p:style>
+          <a:lnRef idx="2">
+            <a:schemeClr val="accent1">
+              <a:shade val="50000"/>
+            </a:schemeClr>
+          </a:lnRef>
+          <a:fillRef idx="1">
+            <a:schemeClr val="accent1"/>
+          </a:fillRef>
+          <a:effectRef idx="0">
+            <a:schemeClr val="accent1"/>
+          </a:effectRef>
+          <a:fontRef idx="minor">
+            <a:schemeClr val="lt1"/>
+          </a:fontRef>
+        </p:style>
+        <p:txBody>
+          <a:bodyPr rtlCol="0" anchor="ctr"/>
+          <a:lstStyle/>
+          <a:p>
+            <a:pPr algn="ctr"/>
+            <a:endParaRPr lang="en-US"/>
+          </a:p>
+        </p:txBody>
+      </p:sp>
+      <p:sp>
+        <p:nvSpPr>
+          <p:cNvPr id="30" name="Rectangle 29">
+            <a:extLst>
+              <a:ext uri="{FF2B5EF4-FFF2-40B4-BE49-F238E27FC236}">
+                <a16:creationId xmlns:a16="http://schemas.microsoft.com/office/drawing/2014/main" id="{3783CA14-24A1-485C-8B30-D6A5D87987AD}"/>
+              </a:ext>
+              <a:ext uri="{C183D7F6-B498-43B3-948B-1728B52AA6E4}">
+                <adec:decorative xmlns:adec="http://schemas.microsoft.com/office/drawing/2017/decorative" val="1"/>
+              </a:ext>
+            </a:extLst>
+          </p:cNvPr>
+          <p:cNvSpPr>
+            <a:spLocks noGrp="1" noRot="1" noChangeAspect="1" noMove="1" noResize="1" noEditPoints="1" noAdjustHandles="1" noChangeArrowheads="1" noChangeShapeType="1" noTextEdit="1"/>
+          </p:cNvSpPr>
+          <p:nvPr>
+            <p:extLst>
+              <p:ext uri="{386F3935-93C4-4BCD-93E2-E3B085C9AB24}">
+                <p16:designElem xmlns:p16="http://schemas.microsoft.com/office/powerpoint/2015/main" val="1"/>
+              </p:ext>
+            </p:extLst>
+          </p:nvPr>
+        </p:nvSpPr>
+        <p:spPr>
+          <a:xfrm rot="18900000" flipH="1">
+            <a:off x="10043482" y="655140"/>
+            <a:ext cx="687472" cy="687472"/>
+          </a:xfrm>
+          <a:prstGeom prst="rect">
+            <a:avLst/>
+          </a:prstGeom>
+          <a:solidFill>
+            <a:schemeClr val="accent4">
+              <a:alpha val="30000"/>
+            </a:schemeClr>
+          </a:solidFill>
+          <a:ln>
+            <a:noFill/>
+          </a:ln>
+        </p:spPr>
+        <p:style>
+          <a:lnRef idx="2">
+            <a:schemeClr val="accent1">
+              <a:shade val="50000"/>
+            </a:schemeClr>
+          </a:lnRef>
+          <a:fillRef idx="1">
+            <a:schemeClr val="accent1"/>
+          </a:fillRef>
+          <a:effectRef idx="0">
+            <a:schemeClr val="accent1"/>
+          </a:effectRef>
+          <a:fontRef idx="minor">
+            <a:schemeClr val="lt1"/>
+          </a:fontRef>
+        </p:style>
+        <p:txBody>
+          <a:bodyPr rtlCol="0" anchor="ctr"/>
+          <a:lstStyle/>
+          <a:p>
+            <a:pPr algn="ctr"/>
+            <a:endParaRPr lang="en-US"/>
+          </a:p>
+        </p:txBody>
+      </p:sp>
+      <p:sp>
+        <p:nvSpPr>
+          <p:cNvPr id="32" name="Freeform: Shape 31">
+            <a:extLst>
+              <a:ext uri="{FF2B5EF4-FFF2-40B4-BE49-F238E27FC236}">
+                <a16:creationId xmlns:a16="http://schemas.microsoft.com/office/drawing/2014/main" id="{9A97C86A-04D6-40F7-AE84-31AB43E6A846}"/>
+              </a:ext>
+              <a:ext uri="{C183D7F6-B498-43B3-948B-1728B52AA6E4}">
+                <adec:decorative xmlns:adec="http://schemas.microsoft.com/office/drawing/2017/decorative" val="1"/>
+              </a:ext>
+            </a:extLst>
+          </p:cNvPr>
+          <p:cNvSpPr>
+            <a:spLocks noGrp="1" noRot="1" noChangeAspect="1" noMove="1" noResize="1" noEditPoints="1" noAdjustHandles="1" noChangeArrowheads="1" noChangeShapeType="1" noTextEdit="1"/>
+          </p:cNvSpPr>
+          <p:nvPr>
+            <p:extLst>
+              <p:ext uri="{386F3935-93C4-4BCD-93E2-E3B085C9AB24}">
+                <p16:designElem xmlns:p16="http://schemas.microsoft.com/office/powerpoint/2015/main" val="1"/>
+              </p:ext>
+            </p:extLst>
+          </p:nvPr>
+        </p:nvSpPr>
+        <p:spPr>
+          <a:xfrm rot="10800000" flipH="1">
+            <a:off x="9356643" y="0"/>
+            <a:ext cx="2835357" cy="1480837"/>
+          </a:xfrm>
+          <a:custGeom>
+            <a:avLst/>
+            <a:gdLst>
+              <a:gd name="connsiteX0" fmla="*/ 2835357 w 2835357"/>
+              <a:gd name="connsiteY0" fmla="*/ 1480837 h 1480837"/>
+              <a:gd name="connsiteX1" fmla="*/ 0 w 2835357"/>
+              <a:gd name="connsiteY1" fmla="*/ 1480837 h 1480837"/>
+              <a:gd name="connsiteX2" fmla="*/ 1552727 w 2835357"/>
+              <a:gd name="connsiteY2" fmla="*/ 0 h 1480837"/>
+              <a:gd name="connsiteX3" fmla="*/ 2835357 w 2835357"/>
+              <a:gd name="connsiteY3" fmla="*/ 1223245 h 1480837"/>
+            </a:gdLst>
+            <a:ahLst/>
+            <a:cxnLst>
+              <a:cxn ang="0">
+                <a:pos x="connsiteX0" y="connsiteY0"/>
+              </a:cxn>
+              <a:cxn ang="0">
+                <a:pos x="connsiteX1" y="connsiteY1"/>
+              </a:cxn>
+              <a:cxn ang="0">
+                <a:pos x="connsiteX2" y="connsiteY2"/>
+              </a:cxn>
+              <a:cxn ang="0">
+                <a:pos x="connsiteX3" y="connsiteY3"/>
+              </a:cxn>
+            </a:cxnLst>
+            <a:rect l="l" t="t" r="r" b="b"/>
+            <a:pathLst>
+              <a:path w="2835357" h="1480837">
+                <a:moveTo>
+                  <a:pt x="2835357" y="1480837"/>
+                </a:moveTo>
+                <a:lnTo>
+                  <a:pt x="0" y="1480837"/>
+                </a:lnTo>
+                <a:lnTo>
+                  <a:pt x="1552727" y="0"/>
+                </a:lnTo>
+                <a:lnTo>
+                  <a:pt x="2835357" y="1223245"/>
+                </a:lnTo>
+                <a:close/>
+              </a:path>
+            </a:pathLst>
+          </a:custGeom>
+          <a:solidFill>
+            <a:schemeClr val="accent4">
+              <a:alpha val="30000"/>
+            </a:schemeClr>
+          </a:solidFill>
+          <a:ln>
+            <a:noFill/>
+          </a:ln>
+        </p:spPr>
+        <p:style>
+          <a:lnRef idx="2">
+            <a:schemeClr val="accent1">
+              <a:shade val="50000"/>
+            </a:schemeClr>
+          </a:lnRef>
+          <a:fillRef idx="1">
+            <a:schemeClr val="accent1"/>
+          </a:fillRef>
+          <a:effectRef idx="0">
+            <a:schemeClr val="accent1"/>
+          </a:effectRef>
+          <a:fontRef idx="minor">
+            <a:schemeClr val="lt1"/>
+          </a:fontRef>
+        </p:style>
+        <p:txBody>
+          <a:bodyPr wrap="square" rtlCol="0" anchor="ctr">
+            <a:noAutofit/>
+          </a:bodyPr>
+          <a:lstStyle/>
+          <a:p>
+            <a:pPr algn="ctr"/>
+            <a:endParaRPr lang="en-US" dirty="0"/>
+          </a:p>
+        </p:txBody>
+      </p:sp>
+      <p:sp>
+        <p:nvSpPr>
+          <p:cNvPr id="34" name="Isosceles Triangle 33">
+            <a:extLst>
+              <a:ext uri="{FF2B5EF4-FFF2-40B4-BE49-F238E27FC236}">
+                <a16:creationId xmlns:a16="http://schemas.microsoft.com/office/drawing/2014/main" id="{FF9F2414-84E8-453E-B1F3-389FDE8192D9}"/>
+              </a:ext>
+              <a:ext uri="{C183D7F6-B498-43B3-948B-1728B52AA6E4}">
+                <adec:decorative xmlns:adec="http://schemas.microsoft.com/office/drawing/2017/decorative" val="1"/>
+              </a:ext>
+            </a:extLst>
+          </p:cNvPr>
+          <p:cNvSpPr>
+            <a:spLocks noGrp="1" noRot="1" noChangeAspect="1" noMove="1" noResize="1" noEditPoints="1" noAdjustHandles="1" noChangeArrowheads="1" noChangeShapeType="1" noTextEdit="1"/>
+          </p:cNvSpPr>
+          <p:nvPr>
+            <p:extLst>
+              <p:ext uri="{386F3935-93C4-4BCD-93E2-E3B085C9AB24}">
+                <p16:designElem xmlns:p16="http://schemas.microsoft.com/office/powerpoint/2015/main" val="1"/>
+              </p:ext>
+            </p:extLst>
+          </p:nvPr>
+        </p:nvSpPr>
+        <p:spPr>
+          <a:xfrm flipH="1">
+            <a:off x="7976344" y="6115501"/>
+            <a:ext cx="1494513" cy="742499"/>
+          </a:xfrm>
+          <a:prstGeom prst="triangle">
+            <a:avLst/>
+          </a:prstGeom>
+          <a:solidFill>
+            <a:schemeClr val="accent1">
+              <a:alpha val="30000"/>
+            </a:schemeClr>
+          </a:solidFill>
+          <a:ln>
+            <a:noFill/>
+          </a:ln>
+        </p:spPr>
+        <p:style>
+          <a:lnRef idx="2">
+            <a:schemeClr val="accent1">
+              <a:shade val="50000"/>
+            </a:schemeClr>
+          </a:lnRef>
+          <a:fillRef idx="1">
+            <a:schemeClr val="accent1"/>
+          </a:fillRef>
+          <a:effectRef idx="0">
+            <a:schemeClr val="accent1"/>
+          </a:effectRef>
+          <a:fontRef idx="minor">
+            <a:schemeClr val="lt1"/>
+          </a:fontRef>
+        </p:style>
+        <p:txBody>
+          <a:bodyPr rtlCol="0" anchor="ctr"/>
+          <a:lstStyle/>
+          <a:p>
+            <a:pPr algn="ctr"/>
+            <a:endParaRPr lang="en-US"/>
+          </a:p>
+        </p:txBody>
+      </p:sp>
+      <p:pic>
+        <p:nvPicPr>
+          <p:cNvPr id="4" name="Picture 3">
+            <a:extLst>
+              <a:ext uri="{FF2B5EF4-FFF2-40B4-BE49-F238E27FC236}">
+                <a16:creationId xmlns:a16="http://schemas.microsoft.com/office/drawing/2014/main" id="{0742B035-A4C5-4202-9483-A10423CD39A3}"/>
+              </a:ext>
+            </a:extLst>
+          </p:cNvPr>
+          <p:cNvPicPr>
+            <a:picLocks noChangeAspect="1"/>
+          </p:cNvPicPr>
+          <p:nvPr/>
+        </p:nvPicPr>
+        <p:blipFill>
+          <a:blip r:embed="rId2"/>
+          <a:stretch>
+            <a:fillRect/>
+          </a:stretch>
+        </p:blipFill>
+        <p:spPr>
+          <a:xfrm>
+            <a:off x="2357029" y="643467"/>
+            <a:ext cx="7477941" cy="5571065"/>
+          </a:xfrm>
+          <a:prstGeom prst="rect">
+            <a:avLst/>
+          </a:prstGeom>
+          <a:ln>
+            <a:noFill/>
+          </a:ln>
+        </p:spPr>
+      </p:pic>
+      <p:sp>
+        <p:nvSpPr>
+          <p:cNvPr id="36" name="Isosceles Triangle 35">
+            <a:extLst>
+              <a:ext uri="{FF2B5EF4-FFF2-40B4-BE49-F238E27FC236}">
+                <a16:creationId xmlns:a16="http://schemas.microsoft.com/office/drawing/2014/main" id="{3ECA69A1-7536-43AC-85EF-C7106179F5ED}"/>
+              </a:ext>
+              <a:ext uri="{C183D7F6-B498-43B3-948B-1728B52AA6E4}">
+                <adec:decorative xmlns:adec="http://schemas.microsoft.com/office/drawing/2017/decorative" val="1"/>
+              </a:ext>
+            </a:extLst>
+          </p:cNvPr>
+          <p:cNvSpPr>
+            <a:spLocks noGrp="1" noRot="1" noChangeAspect="1" noMove="1" noResize="1" noEditPoints="1" noAdjustHandles="1" noChangeArrowheads="1" noChangeShapeType="1" noTextEdit="1"/>
+          </p:cNvSpPr>
+          <p:nvPr>
+            <p:extLst>
+              <p:ext uri="{386F3935-93C4-4BCD-93E2-E3B085C9AB24}">
+                <p16:designElem xmlns:p16="http://schemas.microsoft.com/office/powerpoint/2015/main" val="1"/>
+              </p:ext>
+            </p:extLst>
+          </p:nvPr>
+        </p:nvSpPr>
+        <p:spPr>
+          <a:xfrm flipH="1">
+            <a:off x="7604080" y="6453143"/>
+            <a:ext cx="814903" cy="404857"/>
+          </a:xfrm>
+          <a:prstGeom prst="triangle">
+            <a:avLst/>
+          </a:prstGeom>
+          <a:solidFill>
+            <a:schemeClr val="accent1">
+              <a:alpha val="30000"/>
+            </a:schemeClr>
+          </a:solidFill>
+          <a:ln>
+            <a:noFill/>
+          </a:ln>
+        </p:spPr>
+        <p:style>
+          <a:lnRef idx="2">
+            <a:schemeClr val="accent1">
+              <a:shade val="50000"/>
+            </a:schemeClr>
+          </a:lnRef>
+          <a:fillRef idx="1">
+            <a:schemeClr val="accent1"/>
+          </a:fillRef>
+          <a:effectRef idx="0">
+            <a:schemeClr val="accent1"/>
+          </a:effectRef>
+          <a:fontRef idx="minor">
+            <a:schemeClr val="lt1"/>
+          </a:fontRef>
+        </p:style>
+        <p:txBody>
+          <a:bodyPr rtlCol="0" anchor="ctr"/>
+          <a:lstStyle/>
+          <a:p>
+            <a:pPr algn="ctr"/>
+            <a:endParaRPr lang="en-US"/>
+          </a:p>
+        </p:txBody>
+      </p:sp>
+    </p:spTree>
+    <p:extLst>
+      <p:ext uri="{BB962C8B-B14F-4D97-AF65-F5344CB8AC3E}">
+        <p14:creationId xmlns:p14="http://schemas.microsoft.com/office/powerpoint/2010/main" val="3028742495"/>
+      </p:ext>
+    </p:extLst>
+  </p:cSld>
+  <p:clrMapOvr>
+    <a:masterClrMapping/>
+  </p:clrMapOvr>
+</p:sld>
+</file>
+
+<file path=ppt/slides/slide22.xml><?xml version="1.0" encoding="utf-8"?>
+<p:sld xmlns:a="http://schemas.openxmlformats.org/drawingml/2006/main" xmlns:r="http://schemas.openxmlformats.org/officeDocument/2006/relationships" xmlns:p="http://schemas.openxmlformats.org/presentationml/2006/main">
+  <p:cSld>
+    <p:bg>
+      <p:bgPr>
+        <a:solidFill>
+          <a:schemeClr val="bg1"/>
+        </a:solidFill>
+        <a:effectLst/>
+      </p:bgPr>
+    </p:bg>
+    <p:spTree>
+      <p:nvGrpSpPr>
+        <p:cNvPr id="1" name=""/>
+        <p:cNvGrpSpPr/>
+        <p:nvPr/>
+      </p:nvGrpSpPr>
+      <p:grpSpPr>
+        <a:xfrm>
+          <a:off x="0" y="0"/>
+          <a:ext cx="0" cy="0"/>
+          <a:chOff x="0" y="0"/>
+          <a:chExt cx="0" cy="0"/>
+        </a:xfrm>
+      </p:grpSpPr>
+      <p:sp useBgFill="1">
+        <p:nvSpPr>
           <p:cNvPr id="8" name="Rectangle 7">
             <a:extLst>
               <a:ext uri="{FF2B5EF4-FFF2-40B4-BE49-F238E27FC236}">
@@ -15212,7 +16510,7 @@
 </p:sld>
 </file>
 
-<file path=ppt/slides/slide21.xml><?xml version="1.0" encoding="utf-8"?>
+<file path=ppt/slides/slide23.xml><?xml version="1.0" encoding="utf-8"?>
 <p:sld xmlns:a="http://schemas.openxmlformats.org/drawingml/2006/main" xmlns:r="http://schemas.openxmlformats.org/officeDocument/2006/relationships" xmlns:p="http://schemas.openxmlformats.org/presentationml/2006/main">
   <p:cSld>
     <p:bg>

--- a/DataEnggFinalProjectPPT.pptx
+++ b/DataEnggFinalProjectPPT.pptx
@@ -15369,7 +15369,7 @@
               <a:rPr lang="en-US" sz="2400" b="0" i="0" u="none" strike="noStrike" dirty="0">
                 <a:effectLst/>
               </a:rPr>
-              <a:t>Local deployment for Front-End (FE) and Back-End (BE) services.</a:t>
+              <a:t>Local deployment for Web application services.</a:t>
             </a:r>
           </a:p>
           <a:p>

--- a/DataEnggFinalProjectPPT.pptx
+++ b/DataEnggFinalProjectPPT.pptx
@@ -13,23 +13,23 @@
     <p:sldId id="273" r:id="rId4"/>
     <p:sldId id="1619" r:id="rId5"/>
     <p:sldId id="1617" r:id="rId6"/>
-    <p:sldId id="1608" r:id="rId7"/>
-    <p:sldId id="257" r:id="rId8"/>
-    <p:sldId id="258" r:id="rId9"/>
-    <p:sldId id="260" r:id="rId10"/>
-    <p:sldId id="259" r:id="rId11"/>
-    <p:sldId id="1614" r:id="rId12"/>
-    <p:sldId id="1615" r:id="rId13"/>
-    <p:sldId id="1612" r:id="rId14"/>
-    <p:sldId id="1609" r:id="rId15"/>
-    <p:sldId id="1610" r:id="rId16"/>
-    <p:sldId id="1611" r:id="rId17"/>
-    <p:sldId id="1616" r:id="rId18"/>
-    <p:sldId id="268" r:id="rId19"/>
-    <p:sldId id="269" r:id="rId20"/>
-    <p:sldId id="270" r:id="rId21"/>
-    <p:sldId id="1620" r:id="rId22"/>
-    <p:sldId id="1621" r:id="rId23"/>
+    <p:sldId id="257" r:id="rId7"/>
+    <p:sldId id="258" r:id="rId8"/>
+    <p:sldId id="260" r:id="rId9"/>
+    <p:sldId id="259" r:id="rId10"/>
+    <p:sldId id="1614" r:id="rId11"/>
+    <p:sldId id="1615" r:id="rId12"/>
+    <p:sldId id="1612" r:id="rId13"/>
+    <p:sldId id="1609" r:id="rId14"/>
+    <p:sldId id="1610" r:id="rId15"/>
+    <p:sldId id="1611" r:id="rId16"/>
+    <p:sldId id="1616" r:id="rId17"/>
+    <p:sldId id="268" r:id="rId18"/>
+    <p:sldId id="269" r:id="rId19"/>
+    <p:sldId id="270" r:id="rId20"/>
+    <p:sldId id="1620" r:id="rId21"/>
+    <p:sldId id="1621" r:id="rId22"/>
+    <p:sldId id="1622" r:id="rId23"/>
     <p:sldId id="1613" r:id="rId24"/>
     <p:sldId id="265" r:id="rId25"/>
   </p:sldIdLst>
@@ -10464,14 +10464,6 @@
 <file path=ppt/slides/slide10.xml><?xml version="1.0" encoding="utf-8"?>
 <p:sld xmlns:a="http://schemas.openxmlformats.org/drawingml/2006/main" xmlns:r="http://schemas.openxmlformats.org/officeDocument/2006/relationships" xmlns:p="http://schemas.openxmlformats.org/presentationml/2006/main">
   <p:cSld>
-    <p:bg>
-      <p:bgPr>
-        <a:solidFill>
-          <a:schemeClr val="bg1"/>
-        </a:solidFill>
-        <a:effectLst/>
-      </p:bgPr>
-    </p:bg>
     <p:spTree>
       <p:nvGrpSpPr>
         <p:cNvPr id="1" name=""/>
@@ -10491,213 +10483,6 @@
           <p:cNvPr id="2" name="Title 1">
             <a:extLst>
               <a:ext uri="{FF2B5EF4-FFF2-40B4-BE49-F238E27FC236}">
-                <a16:creationId xmlns:a16="http://schemas.microsoft.com/office/drawing/2014/main" id="{9A15630D-E779-7851-CA5E-63630A5C0CAE}"/>
-              </a:ext>
-            </a:extLst>
-          </p:cNvPr>
-          <p:cNvSpPr>
-            <a:spLocks noGrp="1"/>
-          </p:cNvSpPr>
-          <p:nvPr>
-            <p:ph type="title"/>
-          </p:nvPr>
-        </p:nvSpPr>
-        <p:spPr>
-          <a:xfrm>
-            <a:off x="762000" y="1143486"/>
-            <a:ext cx="4267200" cy="1437406"/>
-          </a:xfrm>
-        </p:spPr>
-        <p:txBody>
-          <a:bodyPr anchor="t">
-            <a:normAutofit/>
-          </a:bodyPr>
-          <a:lstStyle/>
-          <a:p>
-            <a:r>
-              <a:rPr lang="en-US" sz="3200"/>
-              <a:t>Read data from topic using spark streaming</a:t>
-            </a:r>
-          </a:p>
-        </p:txBody>
-      </p:sp>
-      <p:cxnSp>
-        <p:nvCxnSpPr>
-          <p:cNvPr id="10" name="Straight Connector 9">
-            <a:extLst>
-              <a:ext uri="{FF2B5EF4-FFF2-40B4-BE49-F238E27FC236}">
-                <a16:creationId xmlns:a16="http://schemas.microsoft.com/office/drawing/2014/main" id="{37C77032-C865-6057-7D7A-E2743CFA20F9}"/>
-              </a:ext>
-              <a:ext uri="{C183D7F6-B498-43B3-948B-1728B52AA6E4}">
-                <adec:decorative xmlns:adec="http://schemas.microsoft.com/office/drawing/2017/decorative" val="1"/>
-              </a:ext>
-            </a:extLst>
-          </p:cNvPr>
-          <p:cNvCxnSpPr>
-            <a:cxnSpLocks noGrp="1" noRot="1" noChangeAspect="1" noMove="1" noResize="1" noEditPoints="1" noAdjustHandles="1" noChangeArrowheads="1" noChangeShapeType="1"/>
-          </p:cNvCxnSpPr>
-          <p:nvPr>
-            <p:extLst>
-              <p:ext uri="{386F3935-93C4-4BCD-93E2-E3B085C9AB24}">
-                <p16:designElem xmlns:p16="http://schemas.microsoft.com/office/powerpoint/2015/main" val="1"/>
-              </p:ext>
-            </p:extLst>
-          </p:nvPr>
-        </p:nvCxnSpPr>
-        <p:spPr>
-          <a:xfrm>
-            <a:off x="865140" y="871146"/>
-            <a:ext cx="736939" cy="0"/>
-          </a:xfrm>
-          <a:prstGeom prst="line">
-            <a:avLst/>
-          </a:prstGeom>
-          <a:ln w="57150">
-            <a:solidFill>
-              <a:schemeClr val="accent4"/>
-            </a:solidFill>
-          </a:ln>
-        </p:spPr>
-        <p:style>
-          <a:lnRef idx="1">
-            <a:schemeClr val="accent1"/>
-          </a:lnRef>
-          <a:fillRef idx="0">
-            <a:schemeClr val="accent1"/>
-          </a:fillRef>
-          <a:effectRef idx="0">
-            <a:schemeClr val="accent1"/>
-          </a:effectRef>
-          <a:fontRef idx="minor">
-            <a:schemeClr val="tx1"/>
-          </a:fontRef>
-        </p:style>
-      </p:cxnSp>
-      <p:sp>
-        <p:nvSpPr>
-          <p:cNvPr id="3" name="Content Placeholder 2">
-            <a:extLst>
-              <a:ext uri="{FF2B5EF4-FFF2-40B4-BE49-F238E27FC236}">
-                <a16:creationId xmlns:a16="http://schemas.microsoft.com/office/drawing/2014/main" id="{DDEC4F10-C6D3-5583-2D58-39B0F55143ED}"/>
-              </a:ext>
-            </a:extLst>
-          </p:cNvPr>
-          <p:cNvSpPr>
-            <a:spLocks noGrp="1"/>
-          </p:cNvSpPr>
-          <p:nvPr>
-            <p:ph idx="1"/>
-          </p:nvPr>
-        </p:nvSpPr>
-        <p:spPr>
-          <a:xfrm>
-            <a:off x="5825613" y="838200"/>
-            <a:ext cx="5501247" cy="1866358"/>
-          </a:xfrm>
-        </p:spPr>
-        <p:txBody>
-          <a:bodyPr>
-            <a:normAutofit/>
-          </a:bodyPr>
-          <a:lstStyle/>
-          <a:p>
-            <a:r>
-              <a:rPr lang="en-US" sz="2000"/>
-              <a:t>While reading using format parquet ( help scale) </a:t>
-            </a:r>
-          </a:p>
-          <a:p>
-            <a:r>
-              <a:rPr lang="en-US" sz="2000"/>
-              <a:t>Also partition by city name ( help scale) </a:t>
-            </a:r>
-          </a:p>
-          <a:p>
-            <a:r>
-              <a:rPr lang="en-US" sz="2000" dirty="0"/>
-              <a:t>Git Code Repo :</a:t>
-            </a:r>
-            <a:r>
-              <a:rPr lang="en-US" sz="2000" dirty="0">
-                <a:hlinkClick r:id="rId2"/>
-              </a:rPr>
-              <a:t>Link</a:t>
-            </a:r>
-            <a:endParaRPr lang="en-US" sz="2000" dirty="0"/>
-          </a:p>
-          <a:p>
-            <a:endParaRPr lang="en-US" sz="2000"/>
-          </a:p>
-          <a:p>
-            <a:endParaRPr lang="en-US" sz="2000"/>
-          </a:p>
-        </p:txBody>
-      </p:sp>
-      <p:pic>
-        <p:nvPicPr>
-          <p:cNvPr id="5" name="Picture 4">
-            <a:extLst>
-              <a:ext uri="{FF2B5EF4-FFF2-40B4-BE49-F238E27FC236}">
-                <a16:creationId xmlns:a16="http://schemas.microsoft.com/office/drawing/2014/main" id="{277E7AB7-B384-52D5-F493-2C88AB589C23}"/>
-              </a:ext>
-            </a:extLst>
-          </p:cNvPr>
-          <p:cNvPicPr>
-            <a:picLocks noChangeAspect="1"/>
-          </p:cNvPicPr>
-          <p:nvPr/>
-        </p:nvPicPr>
-        <p:blipFill>
-          <a:blip r:embed="rId3"/>
-          <a:stretch>
-            <a:fillRect/>
-          </a:stretch>
-        </p:blipFill>
-        <p:spPr>
-          <a:xfrm>
-            <a:off x="801757" y="3431023"/>
-            <a:ext cx="10591800" cy="2489072"/>
-          </a:xfrm>
-          <a:prstGeom prst="rect">
-            <a:avLst/>
-          </a:prstGeom>
-        </p:spPr>
-      </p:pic>
-    </p:spTree>
-    <p:extLst>
-      <p:ext uri="{BB962C8B-B14F-4D97-AF65-F5344CB8AC3E}">
-        <p14:creationId xmlns:p14="http://schemas.microsoft.com/office/powerpoint/2010/main" val="1191957055"/>
-      </p:ext>
-    </p:extLst>
-  </p:cSld>
-  <p:clrMapOvr>
-    <a:masterClrMapping/>
-  </p:clrMapOvr>
-</p:sld>
-</file>
-
-<file path=ppt/slides/slide11.xml><?xml version="1.0" encoding="utf-8"?>
-<p:sld xmlns:a="http://schemas.openxmlformats.org/drawingml/2006/main" xmlns:r="http://schemas.openxmlformats.org/officeDocument/2006/relationships" xmlns:p="http://schemas.openxmlformats.org/presentationml/2006/main">
-  <p:cSld>
-    <p:spTree>
-      <p:nvGrpSpPr>
-        <p:cNvPr id="1" name=""/>
-        <p:cNvGrpSpPr/>
-        <p:nvPr/>
-      </p:nvGrpSpPr>
-      <p:grpSpPr>
-        <a:xfrm>
-          <a:off x="0" y="0"/>
-          <a:ext cx="0" cy="0"/>
-          <a:chOff x="0" y="0"/>
-          <a:chExt cx="0" cy="0"/>
-        </a:xfrm>
-      </p:grpSpPr>
-      <p:sp>
-        <p:nvSpPr>
-          <p:cNvPr id="2" name="Title 1">
-            <a:extLst>
-              <a:ext uri="{FF2B5EF4-FFF2-40B4-BE49-F238E27FC236}">
                 <a16:creationId xmlns:a16="http://schemas.microsoft.com/office/drawing/2014/main" id="{0C90C232-8A23-40FA-03A3-3E3F5CE3FD7D}"/>
               </a:ext>
             </a:extLst>
@@ -10942,7 +10727,7 @@
 </p:sld>
 </file>
 
-<file path=ppt/slides/slide12.xml><?xml version="1.0" encoding="utf-8"?>
+<file path=ppt/slides/slide11.xml><?xml version="1.0" encoding="utf-8"?>
 <p:sld xmlns:a="http://schemas.openxmlformats.org/drawingml/2006/main" xmlns:r="http://schemas.openxmlformats.org/officeDocument/2006/relationships" xmlns:p="http://schemas.openxmlformats.org/presentationml/2006/main">
   <p:cSld>
     <p:spTree>
@@ -11325,7 +11110,7 @@
 </p:sld>
 </file>
 
-<file path=ppt/slides/slide13.xml><?xml version="1.0" encoding="utf-8"?>
+<file path=ppt/slides/slide12.xml><?xml version="1.0" encoding="utf-8"?>
 <p:sld xmlns:a="http://schemas.openxmlformats.org/drawingml/2006/main" xmlns:r="http://schemas.openxmlformats.org/officeDocument/2006/relationships" xmlns:p="http://schemas.openxmlformats.org/presentationml/2006/main">
   <p:cSld>
     <p:spTree>
@@ -11496,7 +11281,7 @@
 </p:sld>
 </file>
 
-<file path=ppt/slides/slide14.xml><?xml version="1.0" encoding="utf-8"?>
+<file path=ppt/slides/slide13.xml><?xml version="1.0" encoding="utf-8"?>
 <p:sld xmlns:a="http://schemas.openxmlformats.org/drawingml/2006/main" xmlns:r="http://schemas.openxmlformats.org/officeDocument/2006/relationships" xmlns:p="http://schemas.openxmlformats.org/presentationml/2006/main">
   <p:cSld>
     <p:spTree>
@@ -11707,7 +11492,7 @@
 </p:sld>
 </file>
 
-<file path=ppt/slides/slide15.xml><?xml version="1.0" encoding="utf-8"?>
+<file path=ppt/slides/slide14.xml><?xml version="1.0" encoding="utf-8"?>
 <p:sld xmlns:a="http://schemas.openxmlformats.org/drawingml/2006/main" xmlns:r="http://schemas.openxmlformats.org/officeDocument/2006/relationships" xmlns:p="http://schemas.openxmlformats.org/presentationml/2006/main">
   <p:cSld>
     <p:spTree>
@@ -11926,7 +11711,7 @@
 </p:sld>
 </file>
 
-<file path=ppt/slides/slide16.xml><?xml version="1.0" encoding="utf-8"?>
+<file path=ppt/slides/slide15.xml><?xml version="1.0" encoding="utf-8"?>
 <p:sld xmlns:a="http://schemas.openxmlformats.org/drawingml/2006/main" xmlns:r="http://schemas.openxmlformats.org/officeDocument/2006/relationships" xmlns:p="http://schemas.openxmlformats.org/presentationml/2006/main">
   <p:cSld>
     <p:bg>
@@ -12340,7 +12125,7 @@
 </p:sld>
 </file>
 
-<file path=ppt/slides/slide17.xml><?xml version="1.0" encoding="utf-8"?>
+<file path=ppt/slides/slide16.xml><?xml version="1.0" encoding="utf-8"?>
 <p:sld xmlns:a="http://schemas.openxmlformats.org/drawingml/2006/main" xmlns:r="http://schemas.openxmlformats.org/officeDocument/2006/relationships" xmlns:p="http://schemas.openxmlformats.org/presentationml/2006/main">
   <p:cSld>
     <p:spTree>
@@ -13036,7 +12821,7 @@
 </p:sld>
 </file>
 
-<file path=ppt/slides/slide18.xml><?xml version="1.0" encoding="utf-8"?>
+<file path=ppt/slides/slide17.xml><?xml version="1.0" encoding="utf-8"?>
 <p:sld xmlns:a="http://schemas.openxmlformats.org/drawingml/2006/main" xmlns:r="http://schemas.openxmlformats.org/officeDocument/2006/relationships" xmlns:p="http://schemas.openxmlformats.org/presentationml/2006/main">
   <p:cSld>
     <p:spTree>
@@ -13704,7 +13489,7 @@
 </p:sld>
 </file>
 
-<file path=ppt/slides/slide19.xml><?xml version="1.0" encoding="utf-8"?>
+<file path=ppt/slides/slide18.xml><?xml version="1.0" encoding="utf-8"?>
 <p:sld xmlns:a="http://schemas.openxmlformats.org/drawingml/2006/main" xmlns:r="http://schemas.openxmlformats.org/officeDocument/2006/relationships" xmlns:p="http://schemas.openxmlformats.org/presentationml/2006/main">
   <p:cSld>
     <p:spTree>
@@ -14527,339 +14312,7 @@
 </p:sld>
 </file>
 
-<file path=ppt/slides/slide2.xml><?xml version="1.0" encoding="utf-8"?>
-<p:sld xmlns:a="http://schemas.openxmlformats.org/drawingml/2006/main" xmlns:r="http://schemas.openxmlformats.org/officeDocument/2006/relationships" xmlns:p="http://schemas.openxmlformats.org/presentationml/2006/main">
-  <p:cSld>
-    <p:bg>
-      <p:bgPr>
-        <a:solidFill>
-          <a:schemeClr val="bg1"/>
-        </a:solidFill>
-        <a:effectLst/>
-      </p:bgPr>
-    </p:bg>
-    <p:spTree>
-      <p:nvGrpSpPr>
-        <p:cNvPr id="1" name=""/>
-        <p:cNvGrpSpPr/>
-        <p:nvPr/>
-      </p:nvGrpSpPr>
-      <p:grpSpPr>
-        <a:xfrm>
-          <a:off x="0" y="0"/>
-          <a:ext cx="0" cy="0"/>
-          <a:chOff x="0" y="0"/>
-          <a:chExt cx="0" cy="0"/>
-        </a:xfrm>
-      </p:grpSpPr>
-      <p:sp useBgFill="1">
-        <p:nvSpPr>
-          <p:cNvPr id="17" name="Rectangle 16">
-            <a:extLst>
-              <a:ext uri="{FF2B5EF4-FFF2-40B4-BE49-F238E27FC236}">
-                <a16:creationId xmlns:a16="http://schemas.microsoft.com/office/drawing/2014/main" id="{1BB867FF-FC45-48F7-8104-F89BE54909F1}"/>
-              </a:ext>
-              <a:ext uri="{C183D7F6-B498-43B3-948B-1728B52AA6E4}">
-                <adec:decorative xmlns:adec="http://schemas.microsoft.com/office/drawing/2017/decorative" val="1"/>
-              </a:ext>
-            </a:extLst>
-          </p:cNvPr>
-          <p:cNvSpPr>
-            <a:spLocks noGrp="1" noRot="1" noChangeAspect="1" noMove="1" noResize="1" noEditPoints="1" noAdjustHandles="1" noChangeArrowheads="1" noChangeShapeType="1" noTextEdit="1"/>
-          </p:cNvSpPr>
-          <p:nvPr>
-            <p:extLst>
-              <p:ext uri="{386F3935-93C4-4BCD-93E2-E3B085C9AB24}">
-                <p16:designElem xmlns:p16="http://schemas.microsoft.com/office/powerpoint/2015/main" val="1"/>
-              </p:ext>
-            </p:extLst>
-          </p:nvPr>
-        </p:nvSpPr>
-        <p:spPr>
-          <a:xfrm>
-            <a:off x="3048" y="0"/>
-            <a:ext cx="12188952" cy="6858000"/>
-          </a:xfrm>
-          <a:prstGeom prst="rect">
-            <a:avLst/>
-          </a:prstGeom>
-          <a:ln>
-            <a:noFill/>
-          </a:ln>
-        </p:spPr>
-        <p:style>
-          <a:lnRef idx="2">
-            <a:schemeClr val="accent1">
-              <a:shade val="50000"/>
-            </a:schemeClr>
-          </a:lnRef>
-          <a:fillRef idx="1">
-            <a:schemeClr val="accent1"/>
-          </a:fillRef>
-          <a:effectRef idx="0">
-            <a:schemeClr val="accent1"/>
-          </a:effectRef>
-          <a:fontRef idx="minor">
-            <a:schemeClr val="lt1"/>
-          </a:fontRef>
-        </p:style>
-        <p:txBody>
-          <a:bodyPr rtlCol="0" anchor="ctr"/>
-          <a:lstStyle/>
-          <a:p>
-            <a:pPr algn="ctr"/>
-            <a:endParaRPr lang="en-US"/>
-          </a:p>
-        </p:txBody>
-      </p:sp>
-      <p:sp>
-        <p:nvSpPr>
-          <p:cNvPr id="19" name="Freeform: Shape 18">
-            <a:extLst>
-              <a:ext uri="{FF2B5EF4-FFF2-40B4-BE49-F238E27FC236}">
-                <a16:creationId xmlns:a16="http://schemas.microsoft.com/office/drawing/2014/main" id="{8BB56887-D0D5-4F0C-9E19-7247EB83C8B7}"/>
-              </a:ext>
-              <a:ext uri="{C183D7F6-B498-43B3-948B-1728B52AA6E4}">
-                <adec:decorative xmlns:adec="http://schemas.microsoft.com/office/drawing/2017/decorative" val="1"/>
-              </a:ext>
-            </a:extLst>
-          </p:cNvPr>
-          <p:cNvSpPr>
-            <a:spLocks noGrp="1" noRot="1" noChangeAspect="1" noMove="1" noResize="1" noEditPoints="1" noAdjustHandles="1" noChangeArrowheads="1" noChangeShapeType="1" noTextEdit="1"/>
-          </p:cNvSpPr>
-          <p:nvPr>
-            <p:extLst>
-              <p:ext uri="{386F3935-93C4-4BCD-93E2-E3B085C9AB24}">
-                <p16:designElem xmlns:p16="http://schemas.microsoft.com/office/powerpoint/2015/main" val="1"/>
-              </p:ext>
-            </p:extLst>
-          </p:nvPr>
-        </p:nvSpPr>
-        <p:spPr>
-          <a:xfrm>
-            <a:off x="10208695" y="1"/>
-            <a:ext cx="1135066" cy="477997"/>
-          </a:xfrm>
-          <a:custGeom>
-            <a:avLst/>
-            <a:gdLst>
-              <a:gd name="connsiteX0" fmla="*/ 0 w 1135066"/>
-              <a:gd name="connsiteY0" fmla="*/ 0 h 477997"/>
-              <a:gd name="connsiteX1" fmla="*/ 1135066 w 1135066"/>
-              <a:gd name="connsiteY1" fmla="*/ 0 h 477997"/>
-              <a:gd name="connsiteX2" fmla="*/ 1133370 w 1135066"/>
-              <a:gd name="connsiteY2" fmla="*/ 16827 h 477997"/>
-              <a:gd name="connsiteX3" fmla="*/ 567533 w 1135066"/>
-              <a:gd name="connsiteY3" fmla="*/ 477997 h 477997"/>
-              <a:gd name="connsiteX4" fmla="*/ 1696 w 1135066"/>
-              <a:gd name="connsiteY4" fmla="*/ 16827 h 477997"/>
-            </a:gdLst>
-            <a:ahLst/>
-            <a:cxnLst>
-              <a:cxn ang="0">
-                <a:pos x="connsiteX0" y="connsiteY0"/>
-              </a:cxn>
-              <a:cxn ang="0">
-                <a:pos x="connsiteX1" y="connsiteY1"/>
-              </a:cxn>
-              <a:cxn ang="0">
-                <a:pos x="connsiteX2" y="connsiteY2"/>
-              </a:cxn>
-              <a:cxn ang="0">
-                <a:pos x="connsiteX3" y="connsiteY3"/>
-              </a:cxn>
-              <a:cxn ang="0">
-                <a:pos x="connsiteX4" y="connsiteY4"/>
-              </a:cxn>
-            </a:cxnLst>
-            <a:rect l="l" t="t" r="r" b="b"/>
-            <a:pathLst>
-              <a:path w="1135066" h="477997">
-                <a:moveTo>
-                  <a:pt x="0" y="0"/>
-                </a:moveTo>
-                <a:lnTo>
-                  <a:pt x="1135066" y="0"/>
-                </a:lnTo>
-                <a:lnTo>
-                  <a:pt x="1133370" y="16827"/>
-                </a:lnTo>
-                <a:cubicBezTo>
-                  <a:pt x="1079514" y="280016"/>
-                  <a:pt x="846644" y="477997"/>
-                  <a:pt x="567533" y="477997"/>
-                </a:cubicBezTo>
-                <a:cubicBezTo>
-                  <a:pt x="288422" y="477997"/>
-                  <a:pt x="55552" y="280016"/>
-                  <a:pt x="1696" y="16827"/>
-                </a:cubicBezTo>
-                <a:close/>
-              </a:path>
-            </a:pathLst>
-          </a:custGeom>
-          <a:solidFill>
-            <a:schemeClr val="accent4"/>
-          </a:solidFill>
-          <a:ln>
-            <a:noFill/>
-          </a:ln>
-        </p:spPr>
-        <p:style>
-          <a:lnRef idx="2">
-            <a:schemeClr val="accent1">
-              <a:shade val="50000"/>
-            </a:schemeClr>
-          </a:lnRef>
-          <a:fillRef idx="1">
-            <a:schemeClr val="accent1"/>
-          </a:fillRef>
-          <a:effectRef idx="0">
-            <a:schemeClr val="accent1"/>
-          </a:effectRef>
-          <a:fontRef idx="minor">
-            <a:schemeClr val="lt1"/>
-          </a:fontRef>
-        </p:style>
-        <p:txBody>
-          <a:bodyPr wrap="square" rtlCol="0" anchor="ctr">
-            <a:noAutofit/>
-          </a:bodyPr>
-          <a:lstStyle/>
-          <a:p>
-            <a:pPr algn="ctr"/>
-            <a:endParaRPr lang="en-US"/>
-          </a:p>
-        </p:txBody>
-      </p:sp>
-      <p:sp>
-        <p:nvSpPr>
-          <p:cNvPr id="2" name="Title 1"/>
-          <p:cNvSpPr>
-            <a:spLocks noGrp="1"/>
-          </p:cNvSpPr>
-          <p:nvPr>
-            <p:ph type="title"/>
-          </p:nvPr>
-        </p:nvSpPr>
-        <p:spPr>
-          <a:xfrm>
-            <a:off x="838200" y="365125"/>
-            <a:ext cx="10515600" cy="1325563"/>
-          </a:xfrm>
-        </p:spPr>
-        <p:txBody>
-          <a:bodyPr>
-            <a:normAutofit/>
-          </a:bodyPr>
-          <a:lstStyle/>
-          <a:p>
-            <a:r>
-              <a:rPr lang="en-IN"/>
-              <a:t>Problem Definition</a:t>
-            </a:r>
-          </a:p>
-        </p:txBody>
-      </p:sp>
-      <p:sp>
-        <p:nvSpPr>
-          <p:cNvPr id="21" name="Arc 20">
-            <a:extLst>
-              <a:ext uri="{FF2B5EF4-FFF2-40B4-BE49-F238E27FC236}">
-                <a16:creationId xmlns:a16="http://schemas.microsoft.com/office/drawing/2014/main" id="{081E4A58-353D-44AE-B2FC-2A74E2E400F7}"/>
-              </a:ext>
-              <a:ext uri="{C183D7F6-B498-43B3-948B-1728B52AA6E4}">
-                <adec:decorative xmlns:adec="http://schemas.microsoft.com/office/drawing/2017/decorative" val="1"/>
-              </a:ext>
-            </a:extLst>
-          </p:cNvPr>
-          <p:cNvSpPr>
-            <a:spLocks noGrp="1" noRot="1" noChangeAspect="1" noMove="1" noResize="1" noEditPoints="1" noAdjustHandles="1" noChangeArrowheads="1" noChangeShapeType="1" noTextEdit="1"/>
-          </p:cNvSpPr>
-          <p:nvPr>
-            <p:extLst>
-              <p:ext uri="{386F3935-93C4-4BCD-93E2-E3B085C9AB24}">
-                <p16:designElem xmlns:p16="http://schemas.microsoft.com/office/powerpoint/2015/main" val="1"/>
-              </p:ext>
-            </p:extLst>
-          </p:nvPr>
-        </p:nvSpPr>
-        <p:spPr>
-          <a:xfrm rot="5400000" flipV="1">
-            <a:off x="555710" y="2183223"/>
-            <a:ext cx="4083433" cy="4083433"/>
-          </a:xfrm>
-          <a:prstGeom prst="arc">
-            <a:avLst/>
-          </a:prstGeom>
-          <a:ln w="127000" cap="rnd">
-            <a:solidFill>
-              <a:schemeClr val="accent4"/>
-            </a:solidFill>
-            <a:prstDash val="dash"/>
-          </a:ln>
-        </p:spPr>
-        <p:style>
-          <a:lnRef idx="1">
-            <a:schemeClr val="accent1"/>
-          </a:lnRef>
-          <a:fillRef idx="0">
-            <a:schemeClr val="accent1"/>
-          </a:fillRef>
-          <a:effectRef idx="0">
-            <a:schemeClr val="accent1"/>
-          </a:effectRef>
-          <a:fontRef idx="minor">
-            <a:schemeClr val="tx1"/>
-          </a:fontRef>
-        </p:style>
-        <p:txBody>
-          <a:bodyPr rtlCol="0" anchor="ctr"/>
-          <a:lstStyle/>
-          <a:p>
-            <a:pPr algn="ctr"/>
-            <a:endParaRPr lang="en-US" dirty="0"/>
-          </a:p>
-        </p:txBody>
-      </p:sp>
-      <p:sp>
-        <p:nvSpPr>
-          <p:cNvPr id="3" name="Content Placeholder 2"/>
-          <p:cNvSpPr>
-            <a:spLocks noGrp="1"/>
-          </p:cNvSpPr>
-          <p:nvPr>
-            <p:ph idx="1"/>
-          </p:nvPr>
-        </p:nvSpPr>
-        <p:spPr>
-          <a:xfrm>
-            <a:off x="838200" y="1825625"/>
-            <a:ext cx="10515600" cy="4351338"/>
-          </a:xfrm>
-        </p:spPr>
-        <p:txBody>
-          <a:bodyPr>
-            <a:normAutofit/>
-          </a:bodyPr>
-          <a:lstStyle/>
-          <a:p>
-            <a:r>
-              <a:rPr lang="en-IN"/>
-              <a:t>The project aims to optimize the energy grid by forecasting electricity demand using historical weather data and power consumption patterns. Accurate forecasting enables better grid management, reduces energy waste, and balances demand-supply distribution.</a:t>
-            </a:r>
-          </a:p>
-        </p:txBody>
-      </p:sp>
-    </p:spTree>
-  </p:cSld>
-  <p:clrMapOvr>
-    <a:masterClrMapping/>
-  </p:clrMapOvr>
-</p:sld>
-</file>
-
-<file path=ppt/slides/slide20.xml><?xml version="1.0" encoding="utf-8"?>
+<file path=ppt/slides/slide19.xml><?xml version="1.0" encoding="utf-8"?>
 <p:sld xmlns:a="http://schemas.openxmlformats.org/drawingml/2006/main" xmlns:r="http://schemas.openxmlformats.org/officeDocument/2006/relationships" xmlns:p="http://schemas.openxmlformats.org/presentationml/2006/main">
   <p:cSld>
     <p:bg>
@@ -15535,7 +14988,339 @@
 </p:sld>
 </file>
 
-<file path=ppt/slides/slide21.xml><?xml version="1.0" encoding="utf-8"?>
+<file path=ppt/slides/slide2.xml><?xml version="1.0" encoding="utf-8"?>
+<p:sld xmlns:a="http://schemas.openxmlformats.org/drawingml/2006/main" xmlns:r="http://schemas.openxmlformats.org/officeDocument/2006/relationships" xmlns:p="http://schemas.openxmlformats.org/presentationml/2006/main">
+  <p:cSld>
+    <p:bg>
+      <p:bgPr>
+        <a:solidFill>
+          <a:schemeClr val="bg1"/>
+        </a:solidFill>
+        <a:effectLst/>
+      </p:bgPr>
+    </p:bg>
+    <p:spTree>
+      <p:nvGrpSpPr>
+        <p:cNvPr id="1" name=""/>
+        <p:cNvGrpSpPr/>
+        <p:nvPr/>
+      </p:nvGrpSpPr>
+      <p:grpSpPr>
+        <a:xfrm>
+          <a:off x="0" y="0"/>
+          <a:ext cx="0" cy="0"/>
+          <a:chOff x="0" y="0"/>
+          <a:chExt cx="0" cy="0"/>
+        </a:xfrm>
+      </p:grpSpPr>
+      <p:sp useBgFill="1">
+        <p:nvSpPr>
+          <p:cNvPr id="17" name="Rectangle 16">
+            <a:extLst>
+              <a:ext uri="{FF2B5EF4-FFF2-40B4-BE49-F238E27FC236}">
+                <a16:creationId xmlns:a16="http://schemas.microsoft.com/office/drawing/2014/main" id="{1BB867FF-FC45-48F7-8104-F89BE54909F1}"/>
+              </a:ext>
+              <a:ext uri="{C183D7F6-B498-43B3-948B-1728B52AA6E4}">
+                <adec:decorative xmlns:adec="http://schemas.microsoft.com/office/drawing/2017/decorative" val="1"/>
+              </a:ext>
+            </a:extLst>
+          </p:cNvPr>
+          <p:cNvSpPr>
+            <a:spLocks noGrp="1" noRot="1" noChangeAspect="1" noMove="1" noResize="1" noEditPoints="1" noAdjustHandles="1" noChangeArrowheads="1" noChangeShapeType="1" noTextEdit="1"/>
+          </p:cNvSpPr>
+          <p:nvPr>
+            <p:extLst>
+              <p:ext uri="{386F3935-93C4-4BCD-93E2-E3B085C9AB24}">
+                <p16:designElem xmlns:p16="http://schemas.microsoft.com/office/powerpoint/2015/main" val="1"/>
+              </p:ext>
+            </p:extLst>
+          </p:nvPr>
+        </p:nvSpPr>
+        <p:spPr>
+          <a:xfrm>
+            <a:off x="3048" y="0"/>
+            <a:ext cx="12188952" cy="6858000"/>
+          </a:xfrm>
+          <a:prstGeom prst="rect">
+            <a:avLst/>
+          </a:prstGeom>
+          <a:ln>
+            <a:noFill/>
+          </a:ln>
+        </p:spPr>
+        <p:style>
+          <a:lnRef idx="2">
+            <a:schemeClr val="accent1">
+              <a:shade val="50000"/>
+            </a:schemeClr>
+          </a:lnRef>
+          <a:fillRef idx="1">
+            <a:schemeClr val="accent1"/>
+          </a:fillRef>
+          <a:effectRef idx="0">
+            <a:schemeClr val="accent1"/>
+          </a:effectRef>
+          <a:fontRef idx="minor">
+            <a:schemeClr val="lt1"/>
+          </a:fontRef>
+        </p:style>
+        <p:txBody>
+          <a:bodyPr rtlCol="0" anchor="ctr"/>
+          <a:lstStyle/>
+          <a:p>
+            <a:pPr algn="ctr"/>
+            <a:endParaRPr lang="en-US"/>
+          </a:p>
+        </p:txBody>
+      </p:sp>
+      <p:sp>
+        <p:nvSpPr>
+          <p:cNvPr id="19" name="Freeform: Shape 18">
+            <a:extLst>
+              <a:ext uri="{FF2B5EF4-FFF2-40B4-BE49-F238E27FC236}">
+                <a16:creationId xmlns:a16="http://schemas.microsoft.com/office/drawing/2014/main" id="{8BB56887-D0D5-4F0C-9E19-7247EB83C8B7}"/>
+              </a:ext>
+              <a:ext uri="{C183D7F6-B498-43B3-948B-1728B52AA6E4}">
+                <adec:decorative xmlns:adec="http://schemas.microsoft.com/office/drawing/2017/decorative" val="1"/>
+              </a:ext>
+            </a:extLst>
+          </p:cNvPr>
+          <p:cNvSpPr>
+            <a:spLocks noGrp="1" noRot="1" noChangeAspect="1" noMove="1" noResize="1" noEditPoints="1" noAdjustHandles="1" noChangeArrowheads="1" noChangeShapeType="1" noTextEdit="1"/>
+          </p:cNvSpPr>
+          <p:nvPr>
+            <p:extLst>
+              <p:ext uri="{386F3935-93C4-4BCD-93E2-E3B085C9AB24}">
+                <p16:designElem xmlns:p16="http://schemas.microsoft.com/office/powerpoint/2015/main" val="1"/>
+              </p:ext>
+            </p:extLst>
+          </p:nvPr>
+        </p:nvSpPr>
+        <p:spPr>
+          <a:xfrm>
+            <a:off x="10208695" y="1"/>
+            <a:ext cx="1135066" cy="477997"/>
+          </a:xfrm>
+          <a:custGeom>
+            <a:avLst/>
+            <a:gdLst>
+              <a:gd name="connsiteX0" fmla="*/ 0 w 1135066"/>
+              <a:gd name="connsiteY0" fmla="*/ 0 h 477997"/>
+              <a:gd name="connsiteX1" fmla="*/ 1135066 w 1135066"/>
+              <a:gd name="connsiteY1" fmla="*/ 0 h 477997"/>
+              <a:gd name="connsiteX2" fmla="*/ 1133370 w 1135066"/>
+              <a:gd name="connsiteY2" fmla="*/ 16827 h 477997"/>
+              <a:gd name="connsiteX3" fmla="*/ 567533 w 1135066"/>
+              <a:gd name="connsiteY3" fmla="*/ 477997 h 477997"/>
+              <a:gd name="connsiteX4" fmla="*/ 1696 w 1135066"/>
+              <a:gd name="connsiteY4" fmla="*/ 16827 h 477997"/>
+            </a:gdLst>
+            <a:ahLst/>
+            <a:cxnLst>
+              <a:cxn ang="0">
+                <a:pos x="connsiteX0" y="connsiteY0"/>
+              </a:cxn>
+              <a:cxn ang="0">
+                <a:pos x="connsiteX1" y="connsiteY1"/>
+              </a:cxn>
+              <a:cxn ang="0">
+                <a:pos x="connsiteX2" y="connsiteY2"/>
+              </a:cxn>
+              <a:cxn ang="0">
+                <a:pos x="connsiteX3" y="connsiteY3"/>
+              </a:cxn>
+              <a:cxn ang="0">
+                <a:pos x="connsiteX4" y="connsiteY4"/>
+              </a:cxn>
+            </a:cxnLst>
+            <a:rect l="l" t="t" r="r" b="b"/>
+            <a:pathLst>
+              <a:path w="1135066" h="477997">
+                <a:moveTo>
+                  <a:pt x="0" y="0"/>
+                </a:moveTo>
+                <a:lnTo>
+                  <a:pt x="1135066" y="0"/>
+                </a:lnTo>
+                <a:lnTo>
+                  <a:pt x="1133370" y="16827"/>
+                </a:lnTo>
+                <a:cubicBezTo>
+                  <a:pt x="1079514" y="280016"/>
+                  <a:pt x="846644" y="477997"/>
+                  <a:pt x="567533" y="477997"/>
+                </a:cubicBezTo>
+                <a:cubicBezTo>
+                  <a:pt x="288422" y="477997"/>
+                  <a:pt x="55552" y="280016"/>
+                  <a:pt x="1696" y="16827"/>
+                </a:cubicBezTo>
+                <a:close/>
+              </a:path>
+            </a:pathLst>
+          </a:custGeom>
+          <a:solidFill>
+            <a:schemeClr val="accent4"/>
+          </a:solidFill>
+          <a:ln>
+            <a:noFill/>
+          </a:ln>
+        </p:spPr>
+        <p:style>
+          <a:lnRef idx="2">
+            <a:schemeClr val="accent1">
+              <a:shade val="50000"/>
+            </a:schemeClr>
+          </a:lnRef>
+          <a:fillRef idx="1">
+            <a:schemeClr val="accent1"/>
+          </a:fillRef>
+          <a:effectRef idx="0">
+            <a:schemeClr val="accent1"/>
+          </a:effectRef>
+          <a:fontRef idx="minor">
+            <a:schemeClr val="lt1"/>
+          </a:fontRef>
+        </p:style>
+        <p:txBody>
+          <a:bodyPr wrap="square" rtlCol="0" anchor="ctr">
+            <a:noAutofit/>
+          </a:bodyPr>
+          <a:lstStyle/>
+          <a:p>
+            <a:pPr algn="ctr"/>
+            <a:endParaRPr lang="en-US"/>
+          </a:p>
+        </p:txBody>
+      </p:sp>
+      <p:sp>
+        <p:nvSpPr>
+          <p:cNvPr id="2" name="Title 1"/>
+          <p:cNvSpPr>
+            <a:spLocks noGrp="1"/>
+          </p:cNvSpPr>
+          <p:nvPr>
+            <p:ph type="title"/>
+          </p:nvPr>
+        </p:nvSpPr>
+        <p:spPr>
+          <a:xfrm>
+            <a:off x="838200" y="365125"/>
+            <a:ext cx="10515600" cy="1325563"/>
+          </a:xfrm>
+        </p:spPr>
+        <p:txBody>
+          <a:bodyPr>
+            <a:normAutofit/>
+          </a:bodyPr>
+          <a:lstStyle/>
+          <a:p>
+            <a:r>
+              <a:rPr lang="en-IN"/>
+              <a:t>Problem Definition</a:t>
+            </a:r>
+          </a:p>
+        </p:txBody>
+      </p:sp>
+      <p:sp>
+        <p:nvSpPr>
+          <p:cNvPr id="21" name="Arc 20">
+            <a:extLst>
+              <a:ext uri="{FF2B5EF4-FFF2-40B4-BE49-F238E27FC236}">
+                <a16:creationId xmlns:a16="http://schemas.microsoft.com/office/drawing/2014/main" id="{081E4A58-353D-44AE-B2FC-2A74E2E400F7}"/>
+              </a:ext>
+              <a:ext uri="{C183D7F6-B498-43B3-948B-1728B52AA6E4}">
+                <adec:decorative xmlns:adec="http://schemas.microsoft.com/office/drawing/2017/decorative" val="1"/>
+              </a:ext>
+            </a:extLst>
+          </p:cNvPr>
+          <p:cNvSpPr>
+            <a:spLocks noGrp="1" noRot="1" noChangeAspect="1" noMove="1" noResize="1" noEditPoints="1" noAdjustHandles="1" noChangeArrowheads="1" noChangeShapeType="1" noTextEdit="1"/>
+          </p:cNvSpPr>
+          <p:nvPr>
+            <p:extLst>
+              <p:ext uri="{386F3935-93C4-4BCD-93E2-E3B085C9AB24}">
+                <p16:designElem xmlns:p16="http://schemas.microsoft.com/office/powerpoint/2015/main" val="1"/>
+              </p:ext>
+            </p:extLst>
+          </p:nvPr>
+        </p:nvSpPr>
+        <p:spPr>
+          <a:xfrm rot="5400000" flipV="1">
+            <a:off x="555710" y="2183223"/>
+            <a:ext cx="4083433" cy="4083433"/>
+          </a:xfrm>
+          <a:prstGeom prst="arc">
+            <a:avLst/>
+          </a:prstGeom>
+          <a:ln w="127000" cap="rnd">
+            <a:solidFill>
+              <a:schemeClr val="accent4"/>
+            </a:solidFill>
+            <a:prstDash val="dash"/>
+          </a:ln>
+        </p:spPr>
+        <p:style>
+          <a:lnRef idx="1">
+            <a:schemeClr val="accent1"/>
+          </a:lnRef>
+          <a:fillRef idx="0">
+            <a:schemeClr val="accent1"/>
+          </a:fillRef>
+          <a:effectRef idx="0">
+            <a:schemeClr val="accent1"/>
+          </a:effectRef>
+          <a:fontRef idx="minor">
+            <a:schemeClr val="tx1"/>
+          </a:fontRef>
+        </p:style>
+        <p:txBody>
+          <a:bodyPr rtlCol="0" anchor="ctr"/>
+          <a:lstStyle/>
+          <a:p>
+            <a:pPr algn="ctr"/>
+            <a:endParaRPr lang="en-US" dirty="0"/>
+          </a:p>
+        </p:txBody>
+      </p:sp>
+      <p:sp>
+        <p:nvSpPr>
+          <p:cNvPr id="3" name="Content Placeholder 2"/>
+          <p:cNvSpPr>
+            <a:spLocks noGrp="1"/>
+          </p:cNvSpPr>
+          <p:nvPr>
+            <p:ph idx="1"/>
+          </p:nvPr>
+        </p:nvSpPr>
+        <p:spPr>
+          <a:xfrm>
+            <a:off x="838200" y="1825625"/>
+            <a:ext cx="10515600" cy="4351338"/>
+          </a:xfrm>
+        </p:spPr>
+        <p:txBody>
+          <a:bodyPr>
+            <a:normAutofit/>
+          </a:bodyPr>
+          <a:lstStyle/>
+          <a:p>
+            <a:r>
+              <a:rPr lang="en-IN"/>
+              <a:t>The project aims to optimize the energy grid by forecasting electricity demand using historical weather data and power consumption patterns. Accurate forecasting enables better grid management, reduces energy waste, and balances demand-supply distribution.</a:t>
+            </a:r>
+          </a:p>
+        </p:txBody>
+      </p:sp>
+    </p:spTree>
+  </p:cSld>
+  <p:clrMapOvr>
+    <a:masterClrMapping/>
+  </p:clrMapOvr>
+</p:sld>
+</file>
+
+<file path=ppt/slides/slide20.xml><?xml version="1.0" encoding="utf-8"?>
 <p:sld xmlns:a="http://schemas.openxmlformats.org/drawingml/2006/main" xmlns:r="http://schemas.openxmlformats.org/officeDocument/2006/relationships" xmlns:p="http://schemas.openxmlformats.org/presentationml/2006/main">
   <p:cSld>
     <p:bg>
@@ -16152,6 +15937,3597 @@
   <p:clrMapOvr>
     <a:masterClrMapping/>
   </p:clrMapOvr>
+</p:sld>
+</file>
+
+<file path=ppt/slides/slide21.xml><?xml version="1.0" encoding="utf-8"?>
+<p:sld xmlns:a="http://schemas.openxmlformats.org/drawingml/2006/main" xmlns:r="http://schemas.openxmlformats.org/officeDocument/2006/relationships" xmlns:p="http://schemas.openxmlformats.org/presentationml/2006/main">
+  <p:cSld>
+    <p:bg>
+      <p:bgPr>
+        <a:solidFill>
+          <a:schemeClr val="bg1"/>
+        </a:solidFill>
+        <a:effectLst/>
+      </p:bgPr>
+    </p:bg>
+    <p:spTree>
+      <p:nvGrpSpPr>
+        <p:cNvPr id="1" name=""/>
+        <p:cNvGrpSpPr/>
+        <p:nvPr/>
+      </p:nvGrpSpPr>
+      <p:grpSpPr>
+        <a:xfrm>
+          <a:off x="0" y="0"/>
+          <a:ext cx="0" cy="0"/>
+          <a:chOff x="0" y="0"/>
+          <a:chExt cx="0" cy="0"/>
+        </a:xfrm>
+      </p:grpSpPr>
+      <p:sp useBgFill="1">
+        <p:nvSpPr>
+          <p:cNvPr id="9" name="Rectangle 8">
+            <a:extLst>
+              <a:ext uri="{FF2B5EF4-FFF2-40B4-BE49-F238E27FC236}">
+                <a16:creationId xmlns:a16="http://schemas.microsoft.com/office/drawing/2014/main" id="{65219498-D544-41AC-98FE-8F956EF66A62}"/>
+              </a:ext>
+              <a:ext uri="{C183D7F6-B498-43B3-948B-1728B52AA6E4}">
+                <adec:decorative xmlns:adec="http://schemas.microsoft.com/office/drawing/2017/decorative" val="1"/>
+              </a:ext>
+            </a:extLst>
+          </p:cNvPr>
+          <p:cNvSpPr>
+            <a:spLocks noGrp="1" noRot="1" noChangeAspect="1" noMove="1" noResize="1" noEditPoints="1" noAdjustHandles="1" noChangeArrowheads="1" noChangeShapeType="1" noTextEdit="1"/>
+          </p:cNvSpPr>
+          <p:nvPr>
+            <p:extLst>
+              <p:ext uri="{386F3935-93C4-4BCD-93E2-E3B085C9AB24}">
+                <p16:designElem xmlns:p16="http://schemas.microsoft.com/office/powerpoint/2015/main" val="1"/>
+              </p:ext>
+            </p:extLst>
+          </p:nvPr>
+        </p:nvSpPr>
+        <p:spPr>
+          <a:xfrm>
+            <a:off x="0" y="0"/>
+            <a:ext cx="12191695" cy="6858000"/>
+          </a:xfrm>
+          <a:prstGeom prst="rect">
+            <a:avLst/>
+          </a:prstGeom>
+          <a:ln>
+            <a:noFill/>
+          </a:ln>
+        </p:spPr>
+        <p:style>
+          <a:lnRef idx="2">
+            <a:schemeClr val="accent1">
+              <a:shade val="50000"/>
+            </a:schemeClr>
+          </a:lnRef>
+          <a:fillRef idx="1">
+            <a:schemeClr val="accent1"/>
+          </a:fillRef>
+          <a:effectRef idx="0">
+            <a:schemeClr val="accent1"/>
+          </a:effectRef>
+          <a:fontRef idx="minor">
+            <a:schemeClr val="lt1"/>
+          </a:fontRef>
+        </p:style>
+        <p:txBody>
+          <a:bodyPr rtlCol="0" anchor="ctr"/>
+          <a:lstStyle/>
+          <a:p>
+            <a:pPr algn="ctr"/>
+            <a:endParaRPr lang="en-US"/>
+          </a:p>
+        </p:txBody>
+      </p:sp>
+      <p:sp>
+        <p:nvSpPr>
+          <p:cNvPr id="11" name="Rectangle 10">
+            <a:extLst>
+              <a:ext uri="{FF2B5EF4-FFF2-40B4-BE49-F238E27FC236}">
+                <a16:creationId xmlns:a16="http://schemas.microsoft.com/office/drawing/2014/main" id="{F500DBFC-17A9-4E0A-AEE2-A49F9AEEF0FD}"/>
+              </a:ext>
+              <a:ext uri="{C183D7F6-B498-43B3-948B-1728B52AA6E4}">
+                <adec:decorative xmlns:adec="http://schemas.microsoft.com/office/drawing/2017/decorative" val="1"/>
+              </a:ext>
+            </a:extLst>
+          </p:cNvPr>
+          <p:cNvSpPr>
+            <a:spLocks noGrp="1" noRot="1" noChangeAspect="1" noMove="1" noResize="1" noEditPoints="1" noAdjustHandles="1" noChangeArrowheads="1" noChangeShapeType="1" noTextEdit="1"/>
+          </p:cNvSpPr>
+          <p:nvPr>
+            <p:extLst>
+              <p:ext uri="{386F3935-93C4-4BCD-93E2-E3B085C9AB24}">
+                <p16:designElem xmlns:p16="http://schemas.microsoft.com/office/powerpoint/2015/main" val="1"/>
+              </p:ext>
+            </p:extLst>
+          </p:nvPr>
+        </p:nvSpPr>
+        <p:spPr>
+          <a:xfrm>
+            <a:off x="305" y="0"/>
+            <a:ext cx="12191695" cy="6858000"/>
+          </a:xfrm>
+          <a:prstGeom prst="rect">
+            <a:avLst/>
+          </a:prstGeom>
+          <a:solidFill>
+            <a:schemeClr val="bg1"/>
+          </a:solidFill>
+          <a:ln>
+            <a:noFill/>
+          </a:ln>
+        </p:spPr>
+        <p:style>
+          <a:lnRef idx="2">
+            <a:schemeClr val="accent1">
+              <a:shade val="50000"/>
+            </a:schemeClr>
+          </a:lnRef>
+          <a:fillRef idx="1">
+            <a:schemeClr val="accent1"/>
+          </a:fillRef>
+          <a:effectRef idx="0">
+            <a:schemeClr val="accent1"/>
+          </a:effectRef>
+          <a:fontRef idx="minor">
+            <a:schemeClr val="lt1"/>
+          </a:fontRef>
+        </p:style>
+        <p:txBody>
+          <a:bodyPr rtlCol="0" anchor="ctr"/>
+          <a:lstStyle/>
+          <a:p>
+            <a:pPr algn="ctr"/>
+            <a:endParaRPr lang="en-US"/>
+          </a:p>
+        </p:txBody>
+      </p:sp>
+      <p:sp>
+        <p:nvSpPr>
+          <p:cNvPr id="2" name="TextBox 1">
+            <a:extLst>
+              <a:ext uri="{FF2B5EF4-FFF2-40B4-BE49-F238E27FC236}">
+                <a16:creationId xmlns:a16="http://schemas.microsoft.com/office/drawing/2014/main" id="{5D9FA899-2477-8135-476B-0ED17DF99A82}"/>
+              </a:ext>
+            </a:extLst>
+          </p:cNvPr>
+          <p:cNvSpPr txBox="1"/>
+          <p:nvPr/>
+        </p:nvSpPr>
+        <p:spPr>
+          <a:xfrm>
+            <a:off x="804672" y="4267832"/>
+            <a:ext cx="4805996" cy="1297115"/>
+          </a:xfrm>
+          <a:prstGeom prst="rect">
+            <a:avLst/>
+          </a:prstGeom>
+        </p:spPr>
+        <p:txBody>
+          <a:bodyPr vert="horz" lIns="91440" tIns="45720" rIns="91440" bIns="45720" rtlCol="0" anchor="t">
+            <a:normAutofit/>
+          </a:bodyPr>
+          <a:lstStyle/>
+          <a:p>
+            <a:pPr>
+              <a:lnSpc>
+                <a:spcPct val="90000"/>
+              </a:lnSpc>
+              <a:spcBef>
+                <a:spcPct val="0"/>
+              </a:spcBef>
+              <a:spcAft>
+                <a:spcPts val="600"/>
+              </a:spcAft>
+            </a:pPr>
+            <a:r>
+              <a:rPr lang="en-US" sz="6000" kern="1200" dirty="0">
+                <a:solidFill>
+                  <a:schemeClr val="tx2"/>
+                </a:solidFill>
+                <a:latin typeface="+mj-lt"/>
+                <a:ea typeface="+mj-ea"/>
+                <a:cs typeface="+mj-cs"/>
+              </a:rPr>
+              <a:t>Demo</a:t>
+            </a:r>
+          </a:p>
+        </p:txBody>
+      </p:sp>
+      <p:grpSp>
+        <p:nvGrpSpPr>
+          <p:cNvPr id="13" name="Group 12">
+            <a:extLst>
+              <a:ext uri="{FF2B5EF4-FFF2-40B4-BE49-F238E27FC236}">
+                <a16:creationId xmlns:a16="http://schemas.microsoft.com/office/drawing/2014/main" id="{D74613BB-817C-4C4F-8A24-4936F2F064C0}"/>
+              </a:ext>
+              <a:ext uri="{C183D7F6-B498-43B3-948B-1728B52AA6E4}">
+                <adec:decorative xmlns:adec="http://schemas.microsoft.com/office/drawing/2017/decorative" val="1"/>
+              </a:ext>
+            </a:extLst>
+          </p:cNvPr>
+          <p:cNvGrpSpPr>
+            <a:grpSpLocks noGrp="1" noUngrp="1" noRot="1" noChangeAspect="1" noMove="1" noResize="1"/>
+          </p:cNvGrpSpPr>
+          <p:nvPr>
+            <p:extLst>
+              <p:ext uri="{386F3935-93C4-4BCD-93E2-E3B085C9AB24}">
+                <p16:designElem xmlns:p16="http://schemas.microsoft.com/office/powerpoint/2015/main" val="1"/>
+              </p:ext>
+            </p:extLst>
+          </p:nvPr>
+        </p:nvGrpSpPr>
+        <p:grpSpPr>
+          <a:xfrm>
+            <a:off x="6101023" y="52996"/>
+            <a:ext cx="6093363" cy="6805005"/>
+            <a:chOff x="6101023" y="52996"/>
+            <a:chExt cx="6093363" cy="6805005"/>
+          </a:xfrm>
+        </p:grpSpPr>
+        <p:sp>
+          <p:nvSpPr>
+            <p:cNvPr id="14" name="Freeform: Shape 13">
+              <a:extLst>
+                <a:ext uri="{FF2B5EF4-FFF2-40B4-BE49-F238E27FC236}">
+                  <a16:creationId xmlns:a16="http://schemas.microsoft.com/office/drawing/2014/main" id="{926C820D-9A01-44F0-AE18-C2DAB089B8C3}"/>
+                </a:ext>
+                <a:ext uri="{C183D7F6-B498-43B3-948B-1728B52AA6E4}">
+                  <adec:decorative xmlns:adec="http://schemas.microsoft.com/office/drawing/2017/decorative" val="1"/>
+                </a:ext>
+              </a:extLst>
+            </p:cNvPr>
+            <p:cNvSpPr/>
+            <p:nvPr>
+              <p:extLst>
+                <p:ext uri="{386F3935-93C4-4BCD-93E2-E3B085C9AB24}">
+                  <p16:designElem xmlns:p16="http://schemas.microsoft.com/office/powerpoint/2015/main" val="1"/>
+                </p:ext>
+              </p:extLst>
+            </p:nvPr>
+          </p:nvSpPr>
+          <p:spPr>
+            <a:xfrm>
+              <a:off x="6101024" y="52997"/>
+              <a:ext cx="6093362" cy="6805004"/>
+            </a:xfrm>
+            <a:custGeom>
+              <a:avLst/>
+              <a:gdLst>
+                <a:gd name="connsiteX0" fmla="*/ 3517682 w 5890490"/>
+                <a:gd name="connsiteY0" fmla="*/ 0 h 6578439"/>
+                <a:gd name="connsiteX1" fmla="*/ 5849513 w 5890490"/>
+                <a:gd name="connsiteY1" fmla="*/ 841730 h 6578439"/>
+                <a:gd name="connsiteX2" fmla="*/ 5890490 w 5890490"/>
+                <a:gd name="connsiteY2" fmla="*/ 879060 h 6578439"/>
+                <a:gd name="connsiteX3" fmla="*/ 5890490 w 5890490"/>
+                <a:gd name="connsiteY3" fmla="*/ 1816052 h 6578439"/>
+                <a:gd name="connsiteX4" fmla="*/ 5856961 w 5890490"/>
+                <a:gd name="connsiteY4" fmla="*/ 1771023 h 6578439"/>
+                <a:gd name="connsiteX5" fmla="*/ 5655397 w 5890490"/>
+                <a:gd name="connsiteY5" fmla="*/ 1548813 h 6578439"/>
+                <a:gd name="connsiteX6" fmla="*/ 3517682 w 5890490"/>
+                <a:gd name="connsiteY6" fmla="*/ 658717 h 6578439"/>
+                <a:gd name="connsiteX7" fmla="*/ 2395696 w 5890490"/>
+                <a:gd name="connsiteY7" fmla="*/ 850721 h 6578439"/>
+                <a:gd name="connsiteX8" fmla="*/ 1519955 w 5890490"/>
+                <a:gd name="connsiteY8" fmla="*/ 1450441 h 6578439"/>
+                <a:gd name="connsiteX9" fmla="*/ 1223630 w 5890490"/>
+                <a:gd name="connsiteY9" fmla="*/ 1841430 h 6578439"/>
+                <a:gd name="connsiteX10" fmla="*/ 1075857 w 5890490"/>
+                <a:gd name="connsiteY10" fmla="*/ 2329343 h 6578439"/>
+                <a:gd name="connsiteX11" fmla="*/ 731010 w 5890490"/>
+                <a:gd name="connsiteY11" fmla="*/ 3483744 h 6578439"/>
+                <a:gd name="connsiteX12" fmla="*/ 741000 w 5890490"/>
+                <a:gd name="connsiteY12" fmla="*/ 4479719 h 6578439"/>
+                <a:gd name="connsiteX13" fmla="*/ 1315615 w 5890490"/>
+                <a:gd name="connsiteY13" fmla="*/ 5443827 h 6578439"/>
+                <a:gd name="connsiteX14" fmla="*/ 2277503 w 5890490"/>
+                <a:gd name="connsiteY14" fmla="*/ 6259386 h 6578439"/>
+                <a:gd name="connsiteX15" fmla="*/ 3439448 w 5890490"/>
+                <a:gd name="connsiteY15" fmla="*/ 6551739 h 6578439"/>
+                <a:gd name="connsiteX16" fmla="*/ 4408732 w 5890490"/>
+                <a:gd name="connsiteY16" fmla="*/ 6255172 h 6578439"/>
+                <a:gd name="connsiteX17" fmla="*/ 5343243 w 5890490"/>
+                <a:gd name="connsiteY17" fmla="*/ 5442509 h 6578439"/>
+                <a:gd name="connsiteX18" fmla="*/ 5745566 w 5890490"/>
+                <a:gd name="connsiteY18" fmla="*/ 5056656 h 6578439"/>
+                <a:gd name="connsiteX19" fmla="*/ 5890490 w 5890490"/>
+                <a:gd name="connsiteY19" fmla="*/ 4920880 h 6578439"/>
+                <a:gd name="connsiteX20" fmla="*/ 5890490 w 5890490"/>
+                <a:gd name="connsiteY20" fmla="*/ 5821966 h 6578439"/>
+                <a:gd name="connsiteX21" fmla="*/ 5802002 w 5890490"/>
+                <a:gd name="connsiteY21" fmla="*/ 5907904 h 6578439"/>
+                <a:gd name="connsiteX22" fmla="*/ 5294358 w 5890490"/>
+                <a:gd name="connsiteY22" fmla="*/ 6397505 h 6578439"/>
+                <a:gd name="connsiteX23" fmla="*/ 5077178 w 5890490"/>
+                <a:gd name="connsiteY23" fmla="*/ 6578439 h 6578439"/>
+                <a:gd name="connsiteX24" fmla="*/ 1567290 w 5890490"/>
+                <a:gd name="connsiteY24" fmla="*/ 6578439 h 6578439"/>
+                <a:gd name="connsiteX25" fmla="*/ 1508588 w 5890490"/>
+                <a:gd name="connsiteY25" fmla="*/ 6535186 h 6578439"/>
+                <a:gd name="connsiteX26" fmla="*/ 826498 w 5890490"/>
+                <a:gd name="connsiteY26" fmla="*/ 5876034 h 6578439"/>
+                <a:gd name="connsiteX27" fmla="*/ 122403 w 5890490"/>
+                <a:gd name="connsiteY27" fmla="*/ 3255655 h 6578439"/>
+                <a:gd name="connsiteX28" fmla="*/ 1061197 w 5890490"/>
+                <a:gd name="connsiteY28" fmla="*/ 984650 h 6578439"/>
+                <a:gd name="connsiteX29" fmla="*/ 3517682 w 5890490"/>
+                <a:gd name="connsiteY29" fmla="*/ 0 h 6578439"/>
+              </a:gdLst>
+              <a:ahLst/>
+              <a:cxnLst>
+                <a:cxn ang="0">
+                  <a:pos x="connsiteX0" y="connsiteY0"/>
+                </a:cxn>
+                <a:cxn ang="0">
+                  <a:pos x="connsiteX1" y="connsiteY1"/>
+                </a:cxn>
+                <a:cxn ang="0">
+                  <a:pos x="connsiteX2" y="connsiteY2"/>
+                </a:cxn>
+                <a:cxn ang="0">
+                  <a:pos x="connsiteX3" y="connsiteY3"/>
+                </a:cxn>
+                <a:cxn ang="0">
+                  <a:pos x="connsiteX4" y="connsiteY4"/>
+                </a:cxn>
+                <a:cxn ang="0">
+                  <a:pos x="connsiteX5" y="connsiteY5"/>
+                </a:cxn>
+                <a:cxn ang="0">
+                  <a:pos x="connsiteX6" y="connsiteY6"/>
+                </a:cxn>
+                <a:cxn ang="0">
+                  <a:pos x="connsiteX7" y="connsiteY7"/>
+                </a:cxn>
+                <a:cxn ang="0">
+                  <a:pos x="connsiteX8" y="connsiteY8"/>
+                </a:cxn>
+                <a:cxn ang="0">
+                  <a:pos x="connsiteX9" y="connsiteY9"/>
+                </a:cxn>
+                <a:cxn ang="0">
+                  <a:pos x="connsiteX10" y="connsiteY10"/>
+                </a:cxn>
+                <a:cxn ang="0">
+                  <a:pos x="connsiteX11" y="connsiteY11"/>
+                </a:cxn>
+                <a:cxn ang="0">
+                  <a:pos x="connsiteX12" y="connsiteY12"/>
+                </a:cxn>
+                <a:cxn ang="0">
+                  <a:pos x="connsiteX13" y="connsiteY13"/>
+                </a:cxn>
+                <a:cxn ang="0">
+                  <a:pos x="connsiteX14" y="connsiteY14"/>
+                </a:cxn>
+                <a:cxn ang="0">
+                  <a:pos x="connsiteX15" y="connsiteY15"/>
+                </a:cxn>
+                <a:cxn ang="0">
+                  <a:pos x="connsiteX16" y="connsiteY16"/>
+                </a:cxn>
+                <a:cxn ang="0">
+                  <a:pos x="connsiteX17" y="connsiteY17"/>
+                </a:cxn>
+                <a:cxn ang="0">
+                  <a:pos x="connsiteX18" y="connsiteY18"/>
+                </a:cxn>
+                <a:cxn ang="0">
+                  <a:pos x="connsiteX19" y="connsiteY19"/>
+                </a:cxn>
+                <a:cxn ang="0">
+                  <a:pos x="connsiteX20" y="connsiteY20"/>
+                </a:cxn>
+                <a:cxn ang="0">
+                  <a:pos x="connsiteX21" y="connsiteY21"/>
+                </a:cxn>
+                <a:cxn ang="0">
+                  <a:pos x="connsiteX22" y="connsiteY22"/>
+                </a:cxn>
+                <a:cxn ang="0">
+                  <a:pos x="connsiteX23" y="connsiteY23"/>
+                </a:cxn>
+                <a:cxn ang="0">
+                  <a:pos x="connsiteX24" y="connsiteY24"/>
+                </a:cxn>
+                <a:cxn ang="0">
+                  <a:pos x="connsiteX25" y="connsiteY25"/>
+                </a:cxn>
+                <a:cxn ang="0">
+                  <a:pos x="connsiteX26" y="connsiteY26"/>
+                </a:cxn>
+                <a:cxn ang="0">
+                  <a:pos x="connsiteX27" y="connsiteY27"/>
+                </a:cxn>
+                <a:cxn ang="0">
+                  <a:pos x="connsiteX28" y="connsiteY28"/>
+                </a:cxn>
+                <a:cxn ang="0">
+                  <a:pos x="connsiteX29" y="connsiteY29"/>
+                </a:cxn>
+              </a:cxnLst>
+              <a:rect l="l" t="t" r="r" b="b"/>
+              <a:pathLst>
+                <a:path w="5890490" h="6578439">
+                  <a:moveTo>
+                    <a:pt x="3517682" y="0"/>
+                  </a:moveTo>
+                  <a:cubicBezTo>
+                    <a:pt x="4402016" y="0"/>
+                    <a:pt x="5213741" y="315483"/>
+                    <a:pt x="5849513" y="841730"/>
+                  </a:cubicBezTo>
+                  <a:lnTo>
+                    <a:pt x="5890490" y="879060"/>
+                  </a:lnTo>
+                  <a:lnTo>
+                    <a:pt x="5890490" y="1816052"/>
+                  </a:lnTo>
+                  <a:lnTo>
+                    <a:pt x="5856961" y="1771023"/>
+                  </a:lnTo>
+                  <a:cubicBezTo>
+                    <a:pt x="5793650" y="1694076"/>
+                    <a:pt x="5726429" y="1619959"/>
+                    <a:pt x="5655397" y="1548813"/>
+                  </a:cubicBezTo>
+                  <a:cubicBezTo>
+                    <a:pt x="5082208" y="974906"/>
+                    <a:pt x="4322973" y="658717"/>
+                    <a:pt x="3517682" y="658717"/>
+                  </a:cubicBezTo>
+                  <a:cubicBezTo>
+                    <a:pt x="3085520" y="658717"/>
+                    <a:pt x="2718488" y="721533"/>
+                    <a:pt x="2395696" y="850721"/>
+                  </a:cubicBezTo>
+                  <a:cubicBezTo>
+                    <a:pt x="2079132" y="977407"/>
+                    <a:pt x="1792668" y="1173626"/>
+                    <a:pt x="1519955" y="1450441"/>
+                  </a:cubicBezTo>
+                  <a:cubicBezTo>
+                    <a:pt x="1330275" y="1642840"/>
+                    <a:pt x="1263719" y="1756094"/>
+                    <a:pt x="1223630" y="1841430"/>
+                  </a:cubicBezTo>
+                  <a:cubicBezTo>
+                    <a:pt x="1166545" y="1962981"/>
+                    <a:pt x="1128532" y="2116663"/>
+                    <a:pt x="1075857" y="2329343"/>
+                  </a:cubicBezTo>
+                  <a:cubicBezTo>
+                    <a:pt x="1008652" y="2601153"/>
+                    <a:pt x="916537" y="2973574"/>
+                    <a:pt x="731010" y="3483744"/>
+                  </a:cubicBezTo>
+                  <a:cubicBezTo>
+                    <a:pt x="617488" y="3795981"/>
+                    <a:pt x="620731" y="4121653"/>
+                    <a:pt x="741000" y="4479719"/>
+                  </a:cubicBezTo>
+                  <a:cubicBezTo>
+                    <a:pt x="847257" y="4796172"/>
+                    <a:pt x="1045888" y="5129481"/>
+                    <a:pt x="1315615" y="5443827"/>
+                  </a:cubicBezTo>
+                  <a:cubicBezTo>
+                    <a:pt x="1630753" y="5810980"/>
+                    <a:pt x="1945371" y="6077784"/>
+                    <a:pt x="2277503" y="6259386"/>
+                  </a:cubicBezTo>
+                  <a:cubicBezTo>
+                    <a:pt x="2637530" y="6456133"/>
+                    <a:pt x="3017536" y="6551739"/>
+                    <a:pt x="3439448" y="6551739"/>
+                  </a:cubicBezTo>
+                  <a:cubicBezTo>
+                    <a:pt x="3781571" y="6551739"/>
+                    <a:pt x="4089573" y="6457449"/>
+                    <a:pt x="4408732" y="6255172"/>
+                  </a:cubicBezTo>
+                  <a:cubicBezTo>
+                    <a:pt x="4738010" y="6046310"/>
+                    <a:pt x="5050941" y="5739207"/>
+                    <a:pt x="5343243" y="5442509"/>
+                  </a:cubicBezTo>
+                  <a:cubicBezTo>
+                    <a:pt x="5479860" y="5303970"/>
+                    <a:pt x="5614918" y="5178206"/>
+                    <a:pt x="5745566" y="5056656"/>
+                  </a:cubicBezTo>
+                  <a:lnTo>
+                    <a:pt x="5890490" y="4920880"/>
+                  </a:lnTo>
+                  <a:lnTo>
+                    <a:pt x="5890490" y="5821966"/>
+                  </a:lnTo>
+                  <a:lnTo>
+                    <a:pt x="5802002" y="5907904"/>
+                  </a:lnTo>
+                  <a:cubicBezTo>
+                    <a:pt x="5634962" y="6077456"/>
+                    <a:pt x="5467509" y="6243625"/>
+                    <a:pt x="5294358" y="6397505"/>
+                  </a:cubicBezTo>
+                  <a:lnTo>
+                    <a:pt x="5077178" y="6578439"/>
+                  </a:lnTo>
+                  <a:lnTo>
+                    <a:pt x="1567290" y="6578439"/>
+                  </a:lnTo>
+                  <a:lnTo>
+                    <a:pt x="1508588" y="6535186"/>
+                  </a:lnTo>
+                  <a:cubicBezTo>
+                    <a:pt x="1263991" y="6345442"/>
+                    <a:pt x="1038054" y="6122666"/>
+                    <a:pt x="826498" y="5876034"/>
+                  </a:cubicBezTo>
+                  <a:cubicBezTo>
+                    <a:pt x="261613" y="5217713"/>
+                    <a:pt x="-239182" y="4250314"/>
+                    <a:pt x="122403" y="3255655"/>
+                  </a:cubicBezTo>
+                  <a:cubicBezTo>
+                    <a:pt x="607497" y="1921629"/>
+                    <a:pt x="393040" y="1662857"/>
+                    <a:pt x="1061197" y="984650"/>
+                  </a:cubicBezTo>
+                  <a:cubicBezTo>
+                    <a:pt x="1729484" y="306444"/>
+                    <a:pt x="2498060" y="0"/>
+                    <a:pt x="3517682" y="0"/>
+                  </a:cubicBezTo>
+                  <a:close/>
+                </a:path>
+              </a:pathLst>
+            </a:custGeom>
+            <a:gradFill flip="none" rotWithShape="1">
+              <a:gsLst>
+                <a:gs pos="2000">
+                  <a:schemeClr val="bg1">
+                    <a:alpha val="10000"/>
+                  </a:schemeClr>
+                </a:gs>
+                <a:gs pos="16000">
+                  <a:schemeClr val="accent6">
+                    <a:alpha val="5000"/>
+                  </a:schemeClr>
+                </a:gs>
+                <a:gs pos="100000">
+                  <a:schemeClr val="bg1">
+                    <a:alpha val="10000"/>
+                  </a:schemeClr>
+                </a:gs>
+                <a:gs pos="85000">
+                  <a:schemeClr val="accent1">
+                    <a:alpha val="5000"/>
+                  </a:schemeClr>
+                </a:gs>
+              </a:gsLst>
+              <a:lin ang="12000000" scaled="0"/>
+              <a:tileRect/>
+            </a:gradFill>
+            <a:ln>
+              <a:noFill/>
+            </a:ln>
+          </p:spPr>
+          <p:style>
+            <a:lnRef idx="2">
+              <a:schemeClr val="accent1">
+                <a:shade val="50000"/>
+              </a:schemeClr>
+            </a:lnRef>
+            <a:fillRef idx="1">
+              <a:schemeClr val="accent1"/>
+            </a:fillRef>
+            <a:effectRef idx="0">
+              <a:schemeClr val="accent1"/>
+            </a:effectRef>
+            <a:fontRef idx="minor">
+              <a:schemeClr val="lt1"/>
+            </a:fontRef>
+          </p:style>
+          <p:txBody>
+            <a:bodyPr rtlCol="0" anchor="ctr"/>
+            <a:lstStyle/>
+            <a:p>
+              <a:pPr algn="ctr"/>
+              <a:endParaRPr lang="en-US"/>
+            </a:p>
+          </p:txBody>
+        </p:sp>
+        <p:sp>
+          <p:nvSpPr>
+            <p:cNvPr id="15" name="Freeform: Shape 14">
+              <a:extLst>
+                <a:ext uri="{FF2B5EF4-FFF2-40B4-BE49-F238E27FC236}">
+                  <a16:creationId xmlns:a16="http://schemas.microsoft.com/office/drawing/2014/main" id="{458B604F-996E-4349-B131-E04ED285D8DA}"/>
+                </a:ext>
+                <a:ext uri="{C183D7F6-B498-43B3-948B-1728B52AA6E4}">
+                  <adec:decorative xmlns:adec="http://schemas.microsoft.com/office/drawing/2017/decorative" val="1"/>
+                </a:ext>
+              </a:extLst>
+            </p:cNvPr>
+            <p:cNvSpPr/>
+            <p:nvPr>
+              <p:extLst>
+                <p:ext uri="{386F3935-93C4-4BCD-93E2-E3B085C9AB24}">
+                  <p16:designElem xmlns:p16="http://schemas.microsoft.com/office/powerpoint/2015/main" val="1"/>
+                </p:ext>
+              </p:extLst>
+            </p:nvPr>
+          </p:nvSpPr>
+          <p:spPr>
+            <a:xfrm>
+              <a:off x="6101025" y="52996"/>
+              <a:ext cx="6093361" cy="6805003"/>
+            </a:xfrm>
+            <a:custGeom>
+              <a:avLst/>
+              <a:gdLst>
+                <a:gd name="connsiteX0" fmla="*/ 3391253 w 5890489"/>
+                <a:gd name="connsiteY0" fmla="*/ 0 h 6578438"/>
+                <a:gd name="connsiteX1" fmla="*/ 3434974 w 5890489"/>
+                <a:gd name="connsiteY1" fmla="*/ 646 h 6578438"/>
+                <a:gd name="connsiteX2" fmla="*/ 3522419 w 5890489"/>
+                <a:gd name="connsiteY2" fmla="*/ 2712 h 6578438"/>
+                <a:gd name="connsiteX3" fmla="*/ 3610261 w 5890489"/>
+                <a:gd name="connsiteY3" fmla="*/ 6458 h 6578438"/>
+                <a:gd name="connsiteX4" fmla="*/ 3786872 w 5890489"/>
+                <a:gd name="connsiteY4" fmla="*/ 20667 h 6578438"/>
+                <a:gd name="connsiteX5" fmla="*/ 3962291 w 5890489"/>
+                <a:gd name="connsiteY5" fmla="*/ 43530 h 6578438"/>
+                <a:gd name="connsiteX6" fmla="*/ 4135855 w 5890489"/>
+                <a:gd name="connsiteY6" fmla="*/ 75176 h 6578438"/>
+                <a:gd name="connsiteX7" fmla="*/ 4307299 w 5890489"/>
+                <a:gd name="connsiteY7" fmla="*/ 114315 h 6578438"/>
+                <a:gd name="connsiteX8" fmla="*/ 4476358 w 5890489"/>
+                <a:gd name="connsiteY8" fmla="*/ 160816 h 6578438"/>
+                <a:gd name="connsiteX9" fmla="*/ 4559829 w 5890489"/>
+                <a:gd name="connsiteY9" fmla="*/ 186779 h 6578438"/>
+                <a:gd name="connsiteX10" fmla="*/ 4642901 w 5890489"/>
+                <a:gd name="connsiteY10" fmla="*/ 213648 h 6578438"/>
+                <a:gd name="connsiteX11" fmla="*/ 5280847 w 5890489"/>
+                <a:gd name="connsiteY11" fmla="*/ 485936 h 6578438"/>
+                <a:gd name="connsiteX12" fmla="*/ 5865400 w 5890489"/>
+                <a:gd name="connsiteY12" fmla="*/ 851099 h 6578438"/>
+                <a:gd name="connsiteX13" fmla="*/ 5890489 w 5890489"/>
+                <a:gd name="connsiteY13" fmla="*/ 870950 h 6578438"/>
+                <a:gd name="connsiteX14" fmla="*/ 5890489 w 5890489"/>
+                <a:gd name="connsiteY14" fmla="*/ 1321814 h 6578438"/>
+                <a:gd name="connsiteX15" fmla="*/ 5887395 w 5890489"/>
+                <a:gd name="connsiteY15" fmla="*/ 1318952 h 6578438"/>
+                <a:gd name="connsiteX16" fmla="*/ 5830291 w 5890489"/>
+                <a:gd name="connsiteY16" fmla="*/ 1265992 h 6578438"/>
+                <a:gd name="connsiteX17" fmla="*/ 5815981 w 5890489"/>
+                <a:gd name="connsiteY17" fmla="*/ 1252687 h 6578438"/>
+                <a:gd name="connsiteX18" fmla="*/ 5801142 w 5890489"/>
+                <a:gd name="connsiteY18" fmla="*/ 1240158 h 6578438"/>
+                <a:gd name="connsiteX19" fmla="*/ 5771464 w 5890489"/>
+                <a:gd name="connsiteY19" fmla="*/ 1214969 h 6578438"/>
+                <a:gd name="connsiteX20" fmla="*/ 5651030 w 5890489"/>
+                <a:gd name="connsiteY20" fmla="*/ 1115767 h 6578438"/>
+                <a:gd name="connsiteX21" fmla="*/ 5123183 w 5890489"/>
+                <a:gd name="connsiteY21" fmla="*/ 780443 h 6578438"/>
+                <a:gd name="connsiteX22" fmla="*/ 4533860 w 5890489"/>
+                <a:gd name="connsiteY22" fmla="*/ 567701 h 6578438"/>
+                <a:gd name="connsiteX23" fmla="*/ 4457281 w 5890489"/>
+                <a:gd name="connsiteY23" fmla="*/ 550780 h 6578438"/>
+                <a:gd name="connsiteX24" fmla="*/ 4380568 w 5890489"/>
+                <a:gd name="connsiteY24" fmla="*/ 535279 h 6578438"/>
+                <a:gd name="connsiteX25" fmla="*/ 4303325 w 5890489"/>
+                <a:gd name="connsiteY25" fmla="*/ 522879 h 6578438"/>
+                <a:gd name="connsiteX26" fmla="*/ 4264769 w 5890489"/>
+                <a:gd name="connsiteY26" fmla="*/ 516679 h 6578438"/>
+                <a:gd name="connsiteX27" fmla="*/ 4226082 w 5890489"/>
+                <a:gd name="connsiteY27" fmla="*/ 511253 h 6578438"/>
+                <a:gd name="connsiteX28" fmla="*/ 4070934 w 5890489"/>
+                <a:gd name="connsiteY28" fmla="*/ 494848 h 6578438"/>
+                <a:gd name="connsiteX29" fmla="*/ 3915521 w 5890489"/>
+                <a:gd name="connsiteY29" fmla="*/ 486065 h 6578438"/>
+                <a:gd name="connsiteX30" fmla="*/ 3760241 w 5890489"/>
+                <a:gd name="connsiteY30" fmla="*/ 484257 h 6578438"/>
+                <a:gd name="connsiteX31" fmla="*/ 3682734 w 5890489"/>
+                <a:gd name="connsiteY31" fmla="*/ 486581 h 6578438"/>
+                <a:gd name="connsiteX32" fmla="*/ 3605491 w 5890489"/>
+                <a:gd name="connsiteY32" fmla="*/ 488907 h 6578438"/>
+                <a:gd name="connsiteX33" fmla="*/ 3527454 w 5890489"/>
+                <a:gd name="connsiteY33" fmla="*/ 493169 h 6578438"/>
+                <a:gd name="connsiteX34" fmla="*/ 3449151 w 5890489"/>
+                <a:gd name="connsiteY34" fmla="*/ 498336 h 6578438"/>
+                <a:gd name="connsiteX35" fmla="*/ 3410067 w 5890489"/>
+                <a:gd name="connsiteY35" fmla="*/ 500532 h 6578438"/>
+                <a:gd name="connsiteX36" fmla="*/ 3371246 w 5890489"/>
+                <a:gd name="connsiteY36" fmla="*/ 504279 h 6578438"/>
+                <a:gd name="connsiteX37" fmla="*/ 3293739 w 5890489"/>
+                <a:gd name="connsiteY37" fmla="*/ 511512 h 6578438"/>
+                <a:gd name="connsiteX38" fmla="*/ 2689445 w 5890489"/>
+                <a:gd name="connsiteY38" fmla="*/ 610198 h 6578438"/>
+                <a:gd name="connsiteX39" fmla="*/ 2117875 w 5890489"/>
+                <a:gd name="connsiteY39" fmla="*/ 800335 h 6578438"/>
+                <a:gd name="connsiteX40" fmla="*/ 1981276 w 5890489"/>
+                <a:gd name="connsiteY40" fmla="*/ 865566 h 6578438"/>
+                <a:gd name="connsiteX41" fmla="*/ 1847991 w 5890489"/>
+                <a:gd name="connsiteY41" fmla="*/ 938676 h 6578438"/>
+                <a:gd name="connsiteX42" fmla="*/ 1783069 w 5890489"/>
+                <a:gd name="connsiteY42" fmla="*/ 978718 h 6578438"/>
+                <a:gd name="connsiteX43" fmla="*/ 1750609 w 5890489"/>
+                <a:gd name="connsiteY43" fmla="*/ 998869 h 6578438"/>
+                <a:gd name="connsiteX44" fmla="*/ 1734312 w 5890489"/>
+                <a:gd name="connsiteY44" fmla="*/ 1008945 h 6578438"/>
+                <a:gd name="connsiteX45" fmla="*/ 1718547 w 5890489"/>
+                <a:gd name="connsiteY45" fmla="*/ 1019924 h 6578438"/>
+                <a:gd name="connsiteX46" fmla="*/ 1655481 w 5890489"/>
+                <a:gd name="connsiteY46" fmla="*/ 1063582 h 6578438"/>
+                <a:gd name="connsiteX47" fmla="*/ 1593077 w 5890489"/>
+                <a:gd name="connsiteY47" fmla="*/ 1108664 h 6578438"/>
+                <a:gd name="connsiteX48" fmla="*/ 1532263 w 5890489"/>
+                <a:gd name="connsiteY48" fmla="*/ 1156197 h 6578438"/>
+                <a:gd name="connsiteX49" fmla="*/ 1472509 w 5890489"/>
+                <a:gd name="connsiteY49" fmla="*/ 1205152 h 6578438"/>
+                <a:gd name="connsiteX50" fmla="*/ 1414212 w 5890489"/>
+                <a:gd name="connsiteY50" fmla="*/ 1256175 h 6578438"/>
+                <a:gd name="connsiteX51" fmla="*/ 1357242 w 5890489"/>
+                <a:gd name="connsiteY51" fmla="*/ 1308359 h 6578438"/>
+                <a:gd name="connsiteX52" fmla="*/ 1153072 w 5890489"/>
+                <a:gd name="connsiteY52" fmla="*/ 1529498 h 6578438"/>
+                <a:gd name="connsiteX53" fmla="*/ 1002694 w 5890489"/>
+                <a:gd name="connsiteY53" fmla="*/ 1770658 h 6578438"/>
+                <a:gd name="connsiteX54" fmla="*/ 974076 w 5890489"/>
+                <a:gd name="connsiteY54" fmla="*/ 1835371 h 6578438"/>
+                <a:gd name="connsiteX55" fmla="*/ 949564 w 5890489"/>
+                <a:gd name="connsiteY55" fmla="*/ 1903573 h 6578438"/>
+                <a:gd name="connsiteX56" fmla="*/ 927173 w 5890489"/>
+                <a:gd name="connsiteY56" fmla="*/ 1974229 h 6578438"/>
+                <a:gd name="connsiteX57" fmla="*/ 906107 w 5890489"/>
+                <a:gd name="connsiteY57" fmla="*/ 2046952 h 6578438"/>
+                <a:gd name="connsiteX58" fmla="*/ 751092 w 5890489"/>
+                <a:gd name="connsiteY58" fmla="*/ 2676266 h 6578438"/>
+                <a:gd name="connsiteX59" fmla="*/ 547189 w 5890489"/>
+                <a:gd name="connsiteY59" fmla="*/ 3308422 h 6578438"/>
+                <a:gd name="connsiteX60" fmla="*/ 441195 w 5890489"/>
+                <a:gd name="connsiteY60" fmla="*/ 3866306 h 6578438"/>
+                <a:gd name="connsiteX61" fmla="*/ 527182 w 5890489"/>
+                <a:gd name="connsiteY61" fmla="*/ 4439174 h 6578438"/>
+                <a:gd name="connsiteX62" fmla="*/ 775073 w 5890489"/>
+                <a:gd name="connsiteY62" fmla="*/ 4987240 h 6578438"/>
+                <a:gd name="connsiteX63" fmla="*/ 943206 w 5890489"/>
+                <a:gd name="connsiteY63" fmla="*/ 5244933 h 6578438"/>
+                <a:gd name="connsiteX64" fmla="*/ 1133728 w 5890489"/>
+                <a:gd name="connsiteY64" fmla="*/ 5490356 h 6578438"/>
+                <a:gd name="connsiteX65" fmla="*/ 1359626 w 5890489"/>
+                <a:gd name="connsiteY65" fmla="*/ 5709815 h 6578438"/>
+                <a:gd name="connsiteX66" fmla="*/ 1481254 w 5890489"/>
+                <a:gd name="connsiteY66" fmla="*/ 5809146 h 6578438"/>
+                <a:gd name="connsiteX67" fmla="*/ 1543260 w 5890489"/>
+                <a:gd name="connsiteY67" fmla="*/ 5856940 h 6578438"/>
+                <a:gd name="connsiteX68" fmla="*/ 1607518 w 5890489"/>
+                <a:gd name="connsiteY68" fmla="*/ 5901374 h 6578438"/>
+                <a:gd name="connsiteX69" fmla="*/ 2145566 w 5890489"/>
+                <a:gd name="connsiteY69" fmla="*/ 6193814 h 6578438"/>
+                <a:gd name="connsiteX70" fmla="*/ 2214991 w 5890489"/>
+                <a:gd name="connsiteY70" fmla="*/ 6221844 h 6578438"/>
+                <a:gd name="connsiteX71" fmla="*/ 2249307 w 5890489"/>
+                <a:gd name="connsiteY71" fmla="*/ 6236182 h 6578438"/>
+                <a:gd name="connsiteX72" fmla="*/ 2284285 w 5890489"/>
+                <a:gd name="connsiteY72" fmla="*/ 6248711 h 6578438"/>
+                <a:gd name="connsiteX73" fmla="*/ 2354241 w 5890489"/>
+                <a:gd name="connsiteY73" fmla="*/ 6273124 h 6578438"/>
+                <a:gd name="connsiteX74" fmla="*/ 2371597 w 5890489"/>
+                <a:gd name="connsiteY74" fmla="*/ 6279324 h 6578438"/>
+                <a:gd name="connsiteX75" fmla="*/ 2387894 w 5890489"/>
+                <a:gd name="connsiteY75" fmla="*/ 6287719 h 6578438"/>
+                <a:gd name="connsiteX76" fmla="*/ 2421414 w 5890489"/>
+                <a:gd name="connsiteY76" fmla="*/ 6302186 h 6578438"/>
+                <a:gd name="connsiteX77" fmla="*/ 2489117 w 5890489"/>
+                <a:gd name="connsiteY77" fmla="*/ 6329441 h 6578438"/>
+                <a:gd name="connsiteX78" fmla="*/ 2522902 w 5890489"/>
+                <a:gd name="connsiteY78" fmla="*/ 6343134 h 6578438"/>
+                <a:gd name="connsiteX79" fmla="*/ 2556953 w 5890489"/>
+                <a:gd name="connsiteY79" fmla="*/ 6356051 h 6578438"/>
+                <a:gd name="connsiteX80" fmla="*/ 2695009 w 5890489"/>
+                <a:gd name="connsiteY80" fmla="*/ 6401905 h 6578438"/>
+                <a:gd name="connsiteX81" fmla="*/ 3268035 w 5890489"/>
+                <a:gd name="connsiteY81" fmla="*/ 6501238 h 6578438"/>
+                <a:gd name="connsiteX82" fmla="*/ 3341038 w 5890489"/>
+                <a:gd name="connsiteY82" fmla="*/ 6506145 h 6578438"/>
+                <a:gd name="connsiteX83" fmla="*/ 3414703 w 5890489"/>
+                <a:gd name="connsiteY83" fmla="*/ 6507050 h 6578438"/>
+                <a:gd name="connsiteX84" fmla="*/ 3488237 w 5890489"/>
+                <a:gd name="connsiteY84" fmla="*/ 6508212 h 6578438"/>
+                <a:gd name="connsiteX85" fmla="*/ 3524142 w 5890489"/>
+                <a:gd name="connsiteY85" fmla="*/ 6507955 h 6578438"/>
+                <a:gd name="connsiteX86" fmla="*/ 3559252 w 5890489"/>
+                <a:gd name="connsiteY86" fmla="*/ 6506921 h 6578438"/>
+                <a:gd name="connsiteX87" fmla="*/ 3629207 w 5890489"/>
+                <a:gd name="connsiteY87" fmla="*/ 6503045 h 6578438"/>
+                <a:gd name="connsiteX88" fmla="*/ 3698633 w 5890489"/>
+                <a:gd name="connsiteY88" fmla="*/ 6496845 h 6578438"/>
+                <a:gd name="connsiteX89" fmla="*/ 3733213 w 5890489"/>
+                <a:gd name="connsiteY89" fmla="*/ 6493357 h 6578438"/>
+                <a:gd name="connsiteX90" fmla="*/ 3767529 w 5890489"/>
+                <a:gd name="connsiteY90" fmla="*/ 6488707 h 6578438"/>
+                <a:gd name="connsiteX91" fmla="*/ 3801845 w 5890489"/>
+                <a:gd name="connsiteY91" fmla="*/ 6484057 h 6578438"/>
+                <a:gd name="connsiteX92" fmla="*/ 3835895 w 5890489"/>
+                <a:gd name="connsiteY92" fmla="*/ 6478116 h 6578438"/>
+                <a:gd name="connsiteX93" fmla="*/ 4364801 w 5890489"/>
+                <a:gd name="connsiteY93" fmla="*/ 6308517 h 6578438"/>
+                <a:gd name="connsiteX94" fmla="*/ 4861379 w 5890489"/>
+                <a:gd name="connsiteY94" fmla="*/ 6000576 h 6578438"/>
+                <a:gd name="connsiteX95" fmla="*/ 5341263 w 5890489"/>
+                <a:gd name="connsiteY95" fmla="*/ 5605834 h 6578438"/>
+                <a:gd name="connsiteX96" fmla="*/ 5587301 w 5890489"/>
+                <a:gd name="connsiteY96" fmla="*/ 5390379 h 6578438"/>
+                <a:gd name="connsiteX97" fmla="*/ 5849105 w 5890489"/>
+                <a:gd name="connsiteY97" fmla="*/ 5176344 h 6578438"/>
+                <a:gd name="connsiteX98" fmla="*/ 5890489 w 5890489"/>
+                <a:gd name="connsiteY98" fmla="*/ 5145260 h 6578438"/>
+                <a:gd name="connsiteX99" fmla="*/ 5890489 w 5890489"/>
+                <a:gd name="connsiteY99" fmla="*/ 5995323 h 6578438"/>
+                <a:gd name="connsiteX100" fmla="*/ 5811477 w 5890489"/>
+                <a:gd name="connsiteY100" fmla="*/ 6077819 h 6578438"/>
+                <a:gd name="connsiteX101" fmla="*/ 5301384 w 5890489"/>
+                <a:gd name="connsiteY101" fmla="*/ 6542958 h 6578438"/>
+                <a:gd name="connsiteX102" fmla="*/ 5252008 w 5890489"/>
+                <a:gd name="connsiteY102" fmla="*/ 6578438 h 6578438"/>
+                <a:gd name="connsiteX103" fmla="*/ 1653730 w 5890489"/>
+                <a:gd name="connsiteY103" fmla="*/ 6578438 h 6578438"/>
+                <a:gd name="connsiteX104" fmla="*/ 1549768 w 5890489"/>
+                <a:gd name="connsiteY104" fmla="*/ 6488821 h 6578438"/>
+                <a:gd name="connsiteX105" fmla="*/ 1298282 w 5890489"/>
+                <a:gd name="connsiteY105" fmla="*/ 6243932 h 6578438"/>
+                <a:gd name="connsiteX106" fmla="*/ 1237999 w 5890489"/>
+                <a:gd name="connsiteY106" fmla="*/ 6181671 h 6578438"/>
+                <a:gd name="connsiteX107" fmla="*/ 1179967 w 5890489"/>
+                <a:gd name="connsiteY107" fmla="*/ 6117862 h 6578438"/>
+                <a:gd name="connsiteX108" fmla="*/ 1121936 w 5890489"/>
+                <a:gd name="connsiteY108" fmla="*/ 6054569 h 6578438"/>
+                <a:gd name="connsiteX109" fmla="*/ 1065628 w 5890489"/>
+                <a:gd name="connsiteY109" fmla="*/ 5990243 h 6578438"/>
+                <a:gd name="connsiteX110" fmla="*/ 954335 w 5890489"/>
+                <a:gd name="connsiteY110" fmla="*/ 5861460 h 6578438"/>
+                <a:gd name="connsiteX111" fmla="*/ 898953 w 5890489"/>
+                <a:gd name="connsiteY111" fmla="*/ 5797393 h 6578438"/>
+                <a:gd name="connsiteX112" fmla="*/ 842908 w 5890489"/>
+                <a:gd name="connsiteY112" fmla="*/ 5733582 h 6578438"/>
+                <a:gd name="connsiteX113" fmla="*/ 622442 w 5890489"/>
+                <a:gd name="connsiteY113" fmla="*/ 5471884 h 6578438"/>
+                <a:gd name="connsiteX114" fmla="*/ 425559 w 5890489"/>
+                <a:gd name="connsiteY114" fmla="*/ 5190036 h 6578438"/>
+                <a:gd name="connsiteX115" fmla="*/ 123877 w 5890489"/>
+                <a:gd name="connsiteY115" fmla="*/ 4564210 h 6578438"/>
+                <a:gd name="connsiteX116" fmla="*/ 130 w 5890489"/>
+                <a:gd name="connsiteY116" fmla="*/ 3865530 h 6578438"/>
+                <a:gd name="connsiteX117" fmla="*/ 30602 w 5890489"/>
+                <a:gd name="connsiteY117" fmla="*/ 3505793 h 6578438"/>
+                <a:gd name="connsiteX118" fmla="*/ 126924 w 5890489"/>
+                <a:gd name="connsiteY118" fmla="*/ 3157164 h 6578438"/>
+                <a:gd name="connsiteX119" fmla="*/ 334803 w 5890489"/>
+                <a:gd name="connsiteY119" fmla="*/ 2560530 h 6578438"/>
+                <a:gd name="connsiteX120" fmla="*/ 381176 w 5890489"/>
+                <a:gd name="connsiteY120" fmla="*/ 2409144 h 6578438"/>
+                <a:gd name="connsiteX121" fmla="*/ 425825 w 5890489"/>
+                <a:gd name="connsiteY121" fmla="*/ 2255819 h 6578438"/>
+                <a:gd name="connsiteX122" fmla="*/ 470210 w 5890489"/>
+                <a:gd name="connsiteY122" fmla="*/ 2099523 h 6578438"/>
+                <a:gd name="connsiteX123" fmla="*/ 492998 w 5890489"/>
+                <a:gd name="connsiteY123" fmla="*/ 2020213 h 6578438"/>
+                <a:gd name="connsiteX124" fmla="*/ 517509 w 5890489"/>
+                <a:gd name="connsiteY124" fmla="*/ 1939224 h 6578438"/>
+                <a:gd name="connsiteX125" fmla="*/ 544007 w 5890489"/>
+                <a:gd name="connsiteY125" fmla="*/ 1857201 h 6578438"/>
+                <a:gd name="connsiteX126" fmla="*/ 573288 w 5890489"/>
+                <a:gd name="connsiteY126" fmla="*/ 1774274 h 6578438"/>
+                <a:gd name="connsiteX127" fmla="*/ 606146 w 5890489"/>
+                <a:gd name="connsiteY127" fmla="*/ 1690832 h 6578438"/>
+                <a:gd name="connsiteX128" fmla="*/ 644569 w 5890489"/>
+                <a:gd name="connsiteY128" fmla="*/ 1607775 h 6578438"/>
+                <a:gd name="connsiteX129" fmla="*/ 837874 w 5890489"/>
+                <a:gd name="connsiteY129" fmla="*/ 1297638 h 6578438"/>
+                <a:gd name="connsiteX130" fmla="*/ 1069602 w 5890489"/>
+                <a:gd name="connsiteY130" fmla="*/ 1032194 h 6578438"/>
+                <a:gd name="connsiteX131" fmla="*/ 1130548 w 5890489"/>
+                <a:gd name="connsiteY131" fmla="*/ 970839 h 6578438"/>
+                <a:gd name="connsiteX132" fmla="*/ 1192024 w 5890489"/>
+                <a:gd name="connsiteY132" fmla="*/ 910129 h 6578438"/>
+                <a:gd name="connsiteX133" fmla="*/ 1255356 w 5890489"/>
+                <a:gd name="connsiteY133" fmla="*/ 850841 h 6578438"/>
+                <a:gd name="connsiteX134" fmla="*/ 1319614 w 5890489"/>
+                <a:gd name="connsiteY134" fmla="*/ 792068 h 6578438"/>
+                <a:gd name="connsiteX135" fmla="*/ 1385728 w 5890489"/>
+                <a:gd name="connsiteY135" fmla="*/ 734975 h 6578438"/>
+                <a:gd name="connsiteX136" fmla="*/ 1452768 w 5890489"/>
+                <a:gd name="connsiteY136" fmla="*/ 678528 h 6578438"/>
+                <a:gd name="connsiteX137" fmla="*/ 1469594 w 5890489"/>
+                <a:gd name="connsiteY137" fmla="*/ 664449 h 6578438"/>
+                <a:gd name="connsiteX138" fmla="*/ 1487083 w 5890489"/>
+                <a:gd name="connsiteY138" fmla="*/ 651015 h 6578438"/>
+                <a:gd name="connsiteX139" fmla="*/ 1522193 w 5890489"/>
+                <a:gd name="connsiteY139" fmla="*/ 624277 h 6578438"/>
+                <a:gd name="connsiteX140" fmla="*/ 1592415 w 5890489"/>
+                <a:gd name="connsiteY140" fmla="*/ 570671 h 6578438"/>
+                <a:gd name="connsiteX141" fmla="*/ 1738287 w 5890489"/>
+                <a:gd name="connsiteY141" fmla="*/ 469402 h 6578438"/>
+                <a:gd name="connsiteX142" fmla="*/ 1890918 w 5890489"/>
+                <a:gd name="connsiteY142" fmla="*/ 376530 h 6578438"/>
+                <a:gd name="connsiteX143" fmla="*/ 2555363 w 5890489"/>
+                <a:gd name="connsiteY143" fmla="*/ 105274 h 6578438"/>
+                <a:gd name="connsiteX144" fmla="*/ 3259291 w 5890489"/>
+                <a:gd name="connsiteY144" fmla="*/ 3229 h 6578438"/>
+                <a:gd name="connsiteX145" fmla="*/ 3347265 w 5890489"/>
+                <a:gd name="connsiteY145" fmla="*/ 903 h 6578438"/>
+              </a:gdLst>
+              <a:ahLst/>
+              <a:cxnLst>
+                <a:cxn ang="0">
+                  <a:pos x="connsiteX0" y="connsiteY0"/>
+                </a:cxn>
+                <a:cxn ang="0">
+                  <a:pos x="connsiteX1" y="connsiteY1"/>
+                </a:cxn>
+                <a:cxn ang="0">
+                  <a:pos x="connsiteX2" y="connsiteY2"/>
+                </a:cxn>
+                <a:cxn ang="0">
+                  <a:pos x="connsiteX3" y="connsiteY3"/>
+                </a:cxn>
+                <a:cxn ang="0">
+                  <a:pos x="connsiteX4" y="connsiteY4"/>
+                </a:cxn>
+                <a:cxn ang="0">
+                  <a:pos x="connsiteX5" y="connsiteY5"/>
+                </a:cxn>
+                <a:cxn ang="0">
+                  <a:pos x="connsiteX6" y="connsiteY6"/>
+                </a:cxn>
+                <a:cxn ang="0">
+                  <a:pos x="connsiteX7" y="connsiteY7"/>
+                </a:cxn>
+                <a:cxn ang="0">
+                  <a:pos x="connsiteX8" y="connsiteY8"/>
+                </a:cxn>
+                <a:cxn ang="0">
+                  <a:pos x="connsiteX9" y="connsiteY9"/>
+                </a:cxn>
+                <a:cxn ang="0">
+                  <a:pos x="connsiteX10" y="connsiteY10"/>
+                </a:cxn>
+                <a:cxn ang="0">
+                  <a:pos x="connsiteX11" y="connsiteY11"/>
+                </a:cxn>
+                <a:cxn ang="0">
+                  <a:pos x="connsiteX12" y="connsiteY12"/>
+                </a:cxn>
+                <a:cxn ang="0">
+                  <a:pos x="connsiteX13" y="connsiteY13"/>
+                </a:cxn>
+                <a:cxn ang="0">
+                  <a:pos x="connsiteX14" y="connsiteY14"/>
+                </a:cxn>
+                <a:cxn ang="0">
+                  <a:pos x="connsiteX15" y="connsiteY15"/>
+                </a:cxn>
+                <a:cxn ang="0">
+                  <a:pos x="connsiteX16" y="connsiteY16"/>
+                </a:cxn>
+                <a:cxn ang="0">
+                  <a:pos x="connsiteX17" y="connsiteY17"/>
+                </a:cxn>
+                <a:cxn ang="0">
+                  <a:pos x="connsiteX18" y="connsiteY18"/>
+                </a:cxn>
+                <a:cxn ang="0">
+                  <a:pos x="connsiteX19" y="connsiteY19"/>
+                </a:cxn>
+                <a:cxn ang="0">
+                  <a:pos x="connsiteX20" y="connsiteY20"/>
+                </a:cxn>
+                <a:cxn ang="0">
+                  <a:pos x="connsiteX21" y="connsiteY21"/>
+                </a:cxn>
+                <a:cxn ang="0">
+                  <a:pos x="connsiteX22" y="connsiteY22"/>
+                </a:cxn>
+                <a:cxn ang="0">
+                  <a:pos x="connsiteX23" y="connsiteY23"/>
+                </a:cxn>
+                <a:cxn ang="0">
+                  <a:pos x="connsiteX24" y="connsiteY24"/>
+                </a:cxn>
+                <a:cxn ang="0">
+                  <a:pos x="connsiteX25" y="connsiteY25"/>
+                </a:cxn>
+                <a:cxn ang="0">
+                  <a:pos x="connsiteX26" y="connsiteY26"/>
+                </a:cxn>
+                <a:cxn ang="0">
+                  <a:pos x="connsiteX27" y="connsiteY27"/>
+                </a:cxn>
+                <a:cxn ang="0">
+                  <a:pos x="connsiteX28" y="connsiteY28"/>
+                </a:cxn>
+                <a:cxn ang="0">
+                  <a:pos x="connsiteX29" y="connsiteY29"/>
+                </a:cxn>
+                <a:cxn ang="0">
+                  <a:pos x="connsiteX30" y="connsiteY30"/>
+                </a:cxn>
+                <a:cxn ang="0">
+                  <a:pos x="connsiteX31" y="connsiteY31"/>
+                </a:cxn>
+                <a:cxn ang="0">
+                  <a:pos x="connsiteX32" y="connsiteY32"/>
+                </a:cxn>
+                <a:cxn ang="0">
+                  <a:pos x="connsiteX33" y="connsiteY33"/>
+                </a:cxn>
+                <a:cxn ang="0">
+                  <a:pos x="connsiteX34" y="connsiteY34"/>
+                </a:cxn>
+                <a:cxn ang="0">
+                  <a:pos x="connsiteX35" y="connsiteY35"/>
+                </a:cxn>
+                <a:cxn ang="0">
+                  <a:pos x="connsiteX36" y="connsiteY36"/>
+                </a:cxn>
+                <a:cxn ang="0">
+                  <a:pos x="connsiteX37" y="connsiteY37"/>
+                </a:cxn>
+                <a:cxn ang="0">
+                  <a:pos x="connsiteX38" y="connsiteY38"/>
+                </a:cxn>
+                <a:cxn ang="0">
+                  <a:pos x="connsiteX39" y="connsiteY39"/>
+                </a:cxn>
+                <a:cxn ang="0">
+                  <a:pos x="connsiteX40" y="connsiteY40"/>
+                </a:cxn>
+                <a:cxn ang="0">
+                  <a:pos x="connsiteX41" y="connsiteY41"/>
+                </a:cxn>
+                <a:cxn ang="0">
+                  <a:pos x="connsiteX42" y="connsiteY42"/>
+                </a:cxn>
+                <a:cxn ang="0">
+                  <a:pos x="connsiteX43" y="connsiteY43"/>
+                </a:cxn>
+                <a:cxn ang="0">
+                  <a:pos x="connsiteX44" y="connsiteY44"/>
+                </a:cxn>
+                <a:cxn ang="0">
+                  <a:pos x="connsiteX45" y="connsiteY45"/>
+                </a:cxn>
+                <a:cxn ang="0">
+                  <a:pos x="connsiteX46" y="connsiteY46"/>
+                </a:cxn>
+                <a:cxn ang="0">
+                  <a:pos x="connsiteX47" y="connsiteY47"/>
+                </a:cxn>
+                <a:cxn ang="0">
+                  <a:pos x="connsiteX48" y="connsiteY48"/>
+                </a:cxn>
+                <a:cxn ang="0">
+                  <a:pos x="connsiteX49" y="connsiteY49"/>
+                </a:cxn>
+                <a:cxn ang="0">
+                  <a:pos x="connsiteX50" y="connsiteY50"/>
+                </a:cxn>
+                <a:cxn ang="0">
+                  <a:pos x="connsiteX51" y="connsiteY51"/>
+                </a:cxn>
+                <a:cxn ang="0">
+                  <a:pos x="connsiteX52" y="connsiteY52"/>
+                </a:cxn>
+                <a:cxn ang="0">
+                  <a:pos x="connsiteX53" y="connsiteY53"/>
+                </a:cxn>
+                <a:cxn ang="0">
+                  <a:pos x="connsiteX54" y="connsiteY54"/>
+                </a:cxn>
+                <a:cxn ang="0">
+                  <a:pos x="connsiteX55" y="connsiteY55"/>
+                </a:cxn>
+                <a:cxn ang="0">
+                  <a:pos x="connsiteX56" y="connsiteY56"/>
+                </a:cxn>
+                <a:cxn ang="0">
+                  <a:pos x="connsiteX57" y="connsiteY57"/>
+                </a:cxn>
+                <a:cxn ang="0">
+                  <a:pos x="connsiteX58" y="connsiteY58"/>
+                </a:cxn>
+                <a:cxn ang="0">
+                  <a:pos x="connsiteX59" y="connsiteY59"/>
+                </a:cxn>
+                <a:cxn ang="0">
+                  <a:pos x="connsiteX60" y="connsiteY60"/>
+                </a:cxn>
+                <a:cxn ang="0">
+                  <a:pos x="connsiteX61" y="connsiteY61"/>
+                </a:cxn>
+                <a:cxn ang="0">
+                  <a:pos x="connsiteX62" y="connsiteY62"/>
+                </a:cxn>
+                <a:cxn ang="0">
+                  <a:pos x="connsiteX63" y="connsiteY63"/>
+                </a:cxn>
+                <a:cxn ang="0">
+                  <a:pos x="connsiteX64" y="connsiteY64"/>
+                </a:cxn>
+                <a:cxn ang="0">
+                  <a:pos x="connsiteX65" y="connsiteY65"/>
+                </a:cxn>
+                <a:cxn ang="0">
+                  <a:pos x="connsiteX66" y="connsiteY66"/>
+                </a:cxn>
+                <a:cxn ang="0">
+                  <a:pos x="connsiteX67" y="connsiteY67"/>
+                </a:cxn>
+                <a:cxn ang="0">
+                  <a:pos x="connsiteX68" y="connsiteY68"/>
+                </a:cxn>
+                <a:cxn ang="0">
+                  <a:pos x="connsiteX69" y="connsiteY69"/>
+                </a:cxn>
+                <a:cxn ang="0">
+                  <a:pos x="connsiteX70" y="connsiteY70"/>
+                </a:cxn>
+                <a:cxn ang="0">
+                  <a:pos x="connsiteX71" y="connsiteY71"/>
+                </a:cxn>
+                <a:cxn ang="0">
+                  <a:pos x="connsiteX72" y="connsiteY72"/>
+                </a:cxn>
+                <a:cxn ang="0">
+                  <a:pos x="connsiteX73" y="connsiteY73"/>
+                </a:cxn>
+                <a:cxn ang="0">
+                  <a:pos x="connsiteX74" y="connsiteY74"/>
+                </a:cxn>
+                <a:cxn ang="0">
+                  <a:pos x="connsiteX75" y="connsiteY75"/>
+                </a:cxn>
+                <a:cxn ang="0">
+                  <a:pos x="connsiteX76" y="connsiteY76"/>
+                </a:cxn>
+                <a:cxn ang="0">
+                  <a:pos x="connsiteX77" y="connsiteY77"/>
+                </a:cxn>
+                <a:cxn ang="0">
+                  <a:pos x="connsiteX78" y="connsiteY78"/>
+                </a:cxn>
+                <a:cxn ang="0">
+                  <a:pos x="connsiteX79" y="connsiteY79"/>
+                </a:cxn>
+                <a:cxn ang="0">
+                  <a:pos x="connsiteX80" y="connsiteY80"/>
+                </a:cxn>
+                <a:cxn ang="0">
+                  <a:pos x="connsiteX81" y="connsiteY81"/>
+                </a:cxn>
+                <a:cxn ang="0">
+                  <a:pos x="connsiteX82" y="connsiteY82"/>
+                </a:cxn>
+                <a:cxn ang="0">
+                  <a:pos x="connsiteX83" y="connsiteY83"/>
+                </a:cxn>
+                <a:cxn ang="0">
+                  <a:pos x="connsiteX84" y="connsiteY84"/>
+                </a:cxn>
+                <a:cxn ang="0">
+                  <a:pos x="connsiteX85" y="connsiteY85"/>
+                </a:cxn>
+                <a:cxn ang="0">
+                  <a:pos x="connsiteX86" y="connsiteY86"/>
+                </a:cxn>
+                <a:cxn ang="0">
+                  <a:pos x="connsiteX87" y="connsiteY87"/>
+                </a:cxn>
+                <a:cxn ang="0">
+                  <a:pos x="connsiteX88" y="connsiteY88"/>
+                </a:cxn>
+                <a:cxn ang="0">
+                  <a:pos x="connsiteX89" y="connsiteY89"/>
+                </a:cxn>
+                <a:cxn ang="0">
+                  <a:pos x="connsiteX90" y="connsiteY90"/>
+                </a:cxn>
+                <a:cxn ang="0">
+                  <a:pos x="connsiteX91" y="connsiteY91"/>
+                </a:cxn>
+                <a:cxn ang="0">
+                  <a:pos x="connsiteX92" y="connsiteY92"/>
+                </a:cxn>
+                <a:cxn ang="0">
+                  <a:pos x="connsiteX93" y="connsiteY93"/>
+                </a:cxn>
+                <a:cxn ang="0">
+                  <a:pos x="connsiteX94" y="connsiteY94"/>
+                </a:cxn>
+                <a:cxn ang="0">
+                  <a:pos x="connsiteX95" y="connsiteY95"/>
+                </a:cxn>
+                <a:cxn ang="0">
+                  <a:pos x="connsiteX96" y="connsiteY96"/>
+                </a:cxn>
+                <a:cxn ang="0">
+                  <a:pos x="connsiteX97" y="connsiteY97"/>
+                </a:cxn>
+                <a:cxn ang="0">
+                  <a:pos x="connsiteX98" y="connsiteY98"/>
+                </a:cxn>
+                <a:cxn ang="0">
+                  <a:pos x="connsiteX99" y="connsiteY99"/>
+                </a:cxn>
+                <a:cxn ang="0">
+                  <a:pos x="connsiteX100" y="connsiteY100"/>
+                </a:cxn>
+                <a:cxn ang="0">
+                  <a:pos x="connsiteX101" y="connsiteY101"/>
+                </a:cxn>
+                <a:cxn ang="0">
+                  <a:pos x="connsiteX102" y="connsiteY102"/>
+                </a:cxn>
+                <a:cxn ang="0">
+                  <a:pos x="connsiteX103" y="connsiteY103"/>
+                </a:cxn>
+                <a:cxn ang="0">
+                  <a:pos x="connsiteX104" y="connsiteY104"/>
+                </a:cxn>
+                <a:cxn ang="0">
+                  <a:pos x="connsiteX105" y="connsiteY105"/>
+                </a:cxn>
+                <a:cxn ang="0">
+                  <a:pos x="connsiteX106" y="connsiteY106"/>
+                </a:cxn>
+                <a:cxn ang="0">
+                  <a:pos x="connsiteX107" y="connsiteY107"/>
+                </a:cxn>
+                <a:cxn ang="0">
+                  <a:pos x="connsiteX108" y="connsiteY108"/>
+                </a:cxn>
+                <a:cxn ang="0">
+                  <a:pos x="connsiteX109" y="connsiteY109"/>
+                </a:cxn>
+                <a:cxn ang="0">
+                  <a:pos x="connsiteX110" y="connsiteY110"/>
+                </a:cxn>
+                <a:cxn ang="0">
+                  <a:pos x="connsiteX111" y="connsiteY111"/>
+                </a:cxn>
+                <a:cxn ang="0">
+                  <a:pos x="connsiteX112" y="connsiteY112"/>
+                </a:cxn>
+                <a:cxn ang="0">
+                  <a:pos x="connsiteX113" y="connsiteY113"/>
+                </a:cxn>
+                <a:cxn ang="0">
+                  <a:pos x="connsiteX114" y="connsiteY114"/>
+                </a:cxn>
+                <a:cxn ang="0">
+                  <a:pos x="connsiteX115" y="connsiteY115"/>
+                </a:cxn>
+                <a:cxn ang="0">
+                  <a:pos x="connsiteX116" y="connsiteY116"/>
+                </a:cxn>
+                <a:cxn ang="0">
+                  <a:pos x="connsiteX117" y="connsiteY117"/>
+                </a:cxn>
+                <a:cxn ang="0">
+                  <a:pos x="connsiteX118" y="connsiteY118"/>
+                </a:cxn>
+                <a:cxn ang="0">
+                  <a:pos x="connsiteX119" y="connsiteY119"/>
+                </a:cxn>
+                <a:cxn ang="0">
+                  <a:pos x="connsiteX120" y="connsiteY120"/>
+                </a:cxn>
+                <a:cxn ang="0">
+                  <a:pos x="connsiteX121" y="connsiteY121"/>
+                </a:cxn>
+                <a:cxn ang="0">
+                  <a:pos x="connsiteX122" y="connsiteY122"/>
+                </a:cxn>
+                <a:cxn ang="0">
+                  <a:pos x="connsiteX123" y="connsiteY123"/>
+                </a:cxn>
+                <a:cxn ang="0">
+                  <a:pos x="connsiteX124" y="connsiteY124"/>
+                </a:cxn>
+                <a:cxn ang="0">
+                  <a:pos x="connsiteX125" y="connsiteY125"/>
+                </a:cxn>
+                <a:cxn ang="0">
+                  <a:pos x="connsiteX126" y="connsiteY126"/>
+                </a:cxn>
+                <a:cxn ang="0">
+                  <a:pos x="connsiteX127" y="connsiteY127"/>
+                </a:cxn>
+                <a:cxn ang="0">
+                  <a:pos x="connsiteX128" y="connsiteY128"/>
+                </a:cxn>
+                <a:cxn ang="0">
+                  <a:pos x="connsiteX129" y="connsiteY129"/>
+                </a:cxn>
+                <a:cxn ang="0">
+                  <a:pos x="connsiteX130" y="connsiteY130"/>
+                </a:cxn>
+                <a:cxn ang="0">
+                  <a:pos x="connsiteX131" y="connsiteY131"/>
+                </a:cxn>
+                <a:cxn ang="0">
+                  <a:pos x="connsiteX132" y="connsiteY132"/>
+                </a:cxn>
+                <a:cxn ang="0">
+                  <a:pos x="connsiteX133" y="connsiteY133"/>
+                </a:cxn>
+                <a:cxn ang="0">
+                  <a:pos x="connsiteX134" y="connsiteY134"/>
+                </a:cxn>
+                <a:cxn ang="0">
+                  <a:pos x="connsiteX135" y="connsiteY135"/>
+                </a:cxn>
+                <a:cxn ang="0">
+                  <a:pos x="connsiteX136" y="connsiteY136"/>
+                </a:cxn>
+                <a:cxn ang="0">
+                  <a:pos x="connsiteX137" y="connsiteY137"/>
+                </a:cxn>
+                <a:cxn ang="0">
+                  <a:pos x="connsiteX138" y="connsiteY138"/>
+                </a:cxn>
+                <a:cxn ang="0">
+                  <a:pos x="connsiteX139" y="connsiteY139"/>
+                </a:cxn>
+                <a:cxn ang="0">
+                  <a:pos x="connsiteX140" y="connsiteY140"/>
+                </a:cxn>
+                <a:cxn ang="0">
+                  <a:pos x="connsiteX141" y="connsiteY141"/>
+                </a:cxn>
+                <a:cxn ang="0">
+                  <a:pos x="connsiteX142" y="connsiteY142"/>
+                </a:cxn>
+                <a:cxn ang="0">
+                  <a:pos x="connsiteX143" y="connsiteY143"/>
+                </a:cxn>
+                <a:cxn ang="0">
+                  <a:pos x="connsiteX144" y="connsiteY144"/>
+                </a:cxn>
+                <a:cxn ang="0">
+                  <a:pos x="connsiteX145" y="connsiteY145"/>
+                </a:cxn>
+              </a:cxnLst>
+              <a:rect l="l" t="t" r="r" b="b"/>
+              <a:pathLst>
+                <a:path w="5890489" h="6578438">
+                  <a:moveTo>
+                    <a:pt x="3391253" y="0"/>
+                  </a:moveTo>
+                  <a:lnTo>
+                    <a:pt x="3434974" y="646"/>
+                  </a:lnTo>
+                  <a:lnTo>
+                    <a:pt x="3522419" y="2712"/>
+                  </a:lnTo>
+                  <a:cubicBezTo>
+                    <a:pt x="3551567" y="3488"/>
+                    <a:pt x="3580451" y="3746"/>
+                    <a:pt x="3610261" y="6458"/>
+                  </a:cubicBezTo>
+                  <a:cubicBezTo>
+                    <a:pt x="3669353" y="10850"/>
+                    <a:pt x="3728179" y="14337"/>
+                    <a:pt x="3786872" y="20667"/>
+                  </a:cubicBezTo>
+                  <a:lnTo>
+                    <a:pt x="3962291" y="43530"/>
+                  </a:lnTo>
+                  <a:lnTo>
+                    <a:pt x="4135855" y="75176"/>
+                  </a:lnTo>
+                  <a:cubicBezTo>
+                    <a:pt x="4193224" y="87836"/>
+                    <a:pt x="4250328" y="101398"/>
+                    <a:pt x="4307299" y="114315"/>
+                  </a:cubicBezTo>
+                  <a:cubicBezTo>
+                    <a:pt x="4364139" y="128394"/>
+                    <a:pt x="4420050" y="145575"/>
+                    <a:pt x="4476358" y="160816"/>
+                  </a:cubicBezTo>
+                  <a:cubicBezTo>
+                    <a:pt x="4504580" y="167921"/>
+                    <a:pt x="4532138" y="177995"/>
+                    <a:pt x="4559829" y="186779"/>
+                  </a:cubicBezTo>
+                  <a:lnTo>
+                    <a:pt x="4642901" y="213648"/>
+                  </a:lnTo>
+                  <a:cubicBezTo>
+                    <a:pt x="4863234" y="288307"/>
+                    <a:pt x="5076414" y="379371"/>
+                    <a:pt x="5280847" y="485936"/>
+                  </a:cubicBezTo>
+                  <a:cubicBezTo>
+                    <a:pt x="5485018" y="592631"/>
+                    <a:pt x="5681768" y="713145"/>
+                    <a:pt x="5865400" y="851099"/>
+                  </a:cubicBezTo>
+                  <a:lnTo>
+                    <a:pt x="5890489" y="870950"/>
+                  </a:lnTo>
+                  <a:lnTo>
+                    <a:pt x="5890489" y="1321814"/>
+                  </a:lnTo>
+                  <a:lnTo>
+                    <a:pt x="5887395" y="1318952"/>
+                  </a:lnTo>
+                  <a:lnTo>
+                    <a:pt x="5830291" y="1265992"/>
+                  </a:lnTo>
+                  <a:lnTo>
+                    <a:pt x="5815981" y="1252687"/>
+                  </a:lnTo>
+                  <a:lnTo>
+                    <a:pt x="5801142" y="1240158"/>
+                  </a:lnTo>
+                  <a:lnTo>
+                    <a:pt x="5771464" y="1214969"/>
+                  </a:lnTo>
+                  <a:cubicBezTo>
+                    <a:pt x="5731849" y="1181385"/>
+                    <a:pt x="5692897" y="1146896"/>
+                    <a:pt x="5651030" y="1115767"/>
+                  </a:cubicBezTo>
+                  <a:cubicBezTo>
+                    <a:pt x="5487534" y="986985"/>
+                    <a:pt x="5311321" y="872542"/>
+                    <a:pt x="5123183" y="780443"/>
+                  </a:cubicBezTo>
+                  <a:cubicBezTo>
+                    <a:pt x="4935309" y="688087"/>
+                    <a:pt x="4737102" y="616398"/>
+                    <a:pt x="4533860" y="567701"/>
+                  </a:cubicBezTo>
+                  <a:lnTo>
+                    <a:pt x="4457281" y="550780"/>
+                  </a:lnTo>
+                  <a:cubicBezTo>
+                    <a:pt x="4431709" y="545484"/>
+                    <a:pt x="4406536" y="538896"/>
+                    <a:pt x="4380568" y="535279"/>
+                  </a:cubicBezTo>
+                  <a:lnTo>
+                    <a:pt x="4303325" y="522879"/>
+                  </a:lnTo>
+                  <a:lnTo>
+                    <a:pt x="4264769" y="516679"/>
+                  </a:lnTo>
+                  <a:cubicBezTo>
+                    <a:pt x="4251918" y="514612"/>
+                    <a:pt x="4239067" y="512415"/>
+                    <a:pt x="4226082" y="511253"/>
+                  </a:cubicBezTo>
+                  <a:cubicBezTo>
+                    <a:pt x="4174145" y="505829"/>
+                    <a:pt x="4122606" y="499498"/>
+                    <a:pt x="4070934" y="494848"/>
+                  </a:cubicBezTo>
+                  <a:lnTo>
+                    <a:pt x="3915521" y="486065"/>
+                  </a:lnTo>
+                  <a:lnTo>
+                    <a:pt x="3760241" y="484257"/>
+                  </a:lnTo>
+                  <a:cubicBezTo>
+                    <a:pt x="3734405" y="483869"/>
+                    <a:pt x="3708571" y="485936"/>
+                    <a:pt x="3682734" y="486581"/>
+                  </a:cubicBezTo>
+                  <a:lnTo>
+                    <a:pt x="3605491" y="488907"/>
+                  </a:lnTo>
+                  <a:cubicBezTo>
+                    <a:pt x="3579921" y="489165"/>
+                    <a:pt x="3553555" y="491490"/>
+                    <a:pt x="3527454" y="493169"/>
+                  </a:cubicBezTo>
+                  <a:lnTo>
+                    <a:pt x="3449151" y="498336"/>
+                  </a:lnTo>
+                  <a:lnTo>
+                    <a:pt x="3410067" y="500532"/>
+                  </a:lnTo>
+                  <a:lnTo>
+                    <a:pt x="3371246" y="504279"/>
+                  </a:lnTo>
+                  <a:cubicBezTo>
+                    <a:pt x="3345410" y="506862"/>
+                    <a:pt x="3319575" y="509315"/>
+                    <a:pt x="3293739" y="511512"/>
+                  </a:cubicBezTo>
+                  <a:cubicBezTo>
+                    <a:pt x="3087450" y="531662"/>
+                    <a:pt x="2885531" y="563180"/>
+                    <a:pt x="2689445" y="610198"/>
+                  </a:cubicBezTo>
+                  <a:cubicBezTo>
+                    <a:pt x="2493357" y="657344"/>
+                    <a:pt x="2302303" y="719088"/>
+                    <a:pt x="2117875" y="800335"/>
+                  </a:cubicBezTo>
+                  <a:cubicBezTo>
+                    <a:pt x="2072298" y="821648"/>
+                    <a:pt x="2026854" y="843606"/>
+                    <a:pt x="1981276" y="865566"/>
+                  </a:cubicBezTo>
+                  <a:cubicBezTo>
+                    <a:pt x="1937025" y="889978"/>
+                    <a:pt x="1891978" y="913229"/>
+                    <a:pt x="1847991" y="938676"/>
+                  </a:cubicBezTo>
+                  <a:lnTo>
+                    <a:pt x="1783069" y="978718"/>
+                  </a:lnTo>
+                  <a:lnTo>
+                    <a:pt x="1750609" y="998869"/>
+                  </a:lnTo>
+                  <a:lnTo>
+                    <a:pt x="1734312" y="1008945"/>
+                  </a:lnTo>
+                  <a:lnTo>
+                    <a:pt x="1718547" y="1019924"/>
+                  </a:lnTo>
+                  <a:lnTo>
+                    <a:pt x="1655481" y="1063582"/>
+                  </a:lnTo>
+                  <a:cubicBezTo>
+                    <a:pt x="1634414" y="1078178"/>
+                    <a:pt x="1612950" y="1092259"/>
+                    <a:pt x="1593077" y="1108664"/>
+                  </a:cubicBezTo>
+                  <a:lnTo>
+                    <a:pt x="1532263" y="1156197"/>
+                  </a:lnTo>
+                  <a:cubicBezTo>
+                    <a:pt x="1511992" y="1172085"/>
+                    <a:pt x="1491587" y="1187844"/>
+                    <a:pt x="1472509" y="1205152"/>
+                  </a:cubicBezTo>
+                  <a:lnTo>
+                    <a:pt x="1414212" y="1256175"/>
+                  </a:lnTo>
+                  <a:cubicBezTo>
+                    <a:pt x="1395001" y="1273354"/>
+                    <a:pt x="1375127" y="1290147"/>
+                    <a:pt x="1357242" y="1308359"/>
+                  </a:cubicBezTo>
+                  <a:cubicBezTo>
+                    <a:pt x="1283178" y="1379532"/>
+                    <a:pt x="1212163" y="1452513"/>
+                    <a:pt x="1153072" y="1529498"/>
+                  </a:cubicBezTo>
+                  <a:cubicBezTo>
+                    <a:pt x="1090933" y="1605578"/>
+                    <a:pt x="1043501" y="1685794"/>
+                    <a:pt x="1002694" y="1770658"/>
+                  </a:cubicBezTo>
+                  <a:lnTo>
+                    <a:pt x="974076" y="1835371"/>
+                  </a:lnTo>
+                  <a:lnTo>
+                    <a:pt x="949564" y="1903573"/>
+                  </a:lnTo>
+                  <a:cubicBezTo>
+                    <a:pt x="940820" y="1925661"/>
+                    <a:pt x="934593" y="1950719"/>
+                    <a:pt x="927173" y="1974229"/>
+                  </a:cubicBezTo>
+                  <a:cubicBezTo>
+                    <a:pt x="920019" y="1998254"/>
+                    <a:pt x="912468" y="2021504"/>
+                    <a:pt x="906107" y="2046952"/>
+                  </a:cubicBezTo>
+                  <a:cubicBezTo>
+                    <a:pt x="853906" y="2245614"/>
+                    <a:pt x="809918" y="2463136"/>
+                    <a:pt x="751092" y="2676266"/>
+                  </a:cubicBezTo>
+                  <a:cubicBezTo>
+                    <a:pt x="693458" y="2889912"/>
+                    <a:pt x="624166" y="3100976"/>
+                    <a:pt x="547189" y="3308422"/>
+                  </a:cubicBezTo>
+                  <a:cubicBezTo>
+                    <a:pt x="479617" y="3487580"/>
+                    <a:pt x="444109" y="3675523"/>
+                    <a:pt x="441195" y="3866306"/>
+                  </a:cubicBezTo>
+                  <a:cubicBezTo>
+                    <a:pt x="438014" y="4057089"/>
+                    <a:pt x="469282" y="4250456"/>
+                    <a:pt x="527182" y="4439174"/>
+                  </a:cubicBezTo>
+                  <a:cubicBezTo>
+                    <a:pt x="584815" y="4628278"/>
+                    <a:pt x="671067" y="4811828"/>
+                    <a:pt x="775073" y="4987240"/>
+                  </a:cubicBezTo>
+                  <a:cubicBezTo>
+                    <a:pt x="827009" y="5075075"/>
+                    <a:pt x="884246" y="5160327"/>
+                    <a:pt x="943206" y="5244933"/>
+                  </a:cubicBezTo>
+                  <a:cubicBezTo>
+                    <a:pt x="1002296" y="5329411"/>
+                    <a:pt x="1064964" y="5412337"/>
+                    <a:pt x="1133728" y="5490356"/>
+                  </a:cubicBezTo>
+                  <a:cubicBezTo>
+                    <a:pt x="1203949" y="5567728"/>
+                    <a:pt x="1279337" y="5642259"/>
+                    <a:pt x="1359626" y="5709815"/>
+                  </a:cubicBezTo>
+                  <a:cubicBezTo>
+                    <a:pt x="1398711" y="5744949"/>
+                    <a:pt x="1439916" y="5777241"/>
+                    <a:pt x="1481254" y="5809146"/>
+                  </a:cubicBezTo>
+                  <a:cubicBezTo>
+                    <a:pt x="1501922" y="5825163"/>
+                    <a:pt x="1522325" y="5841309"/>
+                    <a:pt x="1543260" y="5856940"/>
+                  </a:cubicBezTo>
+                  <a:cubicBezTo>
+                    <a:pt x="1564591" y="5871923"/>
+                    <a:pt x="1585921" y="5886777"/>
+                    <a:pt x="1607518" y="5901374"/>
+                  </a:cubicBezTo>
+                  <a:cubicBezTo>
+                    <a:pt x="1778565" y="6019693"/>
+                    <a:pt x="1961271" y="6115924"/>
+                    <a:pt x="2145566" y="6193814"/>
+                  </a:cubicBezTo>
+                  <a:lnTo>
+                    <a:pt x="2214991" y="6221844"/>
+                  </a:lnTo>
+                  <a:lnTo>
+                    <a:pt x="2249307" y="6236182"/>
+                  </a:lnTo>
+                  <a:cubicBezTo>
+                    <a:pt x="2260702" y="6241089"/>
+                    <a:pt x="2272625" y="6244577"/>
+                    <a:pt x="2284285" y="6248711"/>
+                  </a:cubicBezTo>
+                  <a:lnTo>
+                    <a:pt x="2354241" y="6273124"/>
+                  </a:lnTo>
+                  <a:cubicBezTo>
+                    <a:pt x="2360070" y="6275190"/>
+                    <a:pt x="2365899" y="6277128"/>
+                    <a:pt x="2371597" y="6279324"/>
+                  </a:cubicBezTo>
+                  <a:cubicBezTo>
+                    <a:pt x="2377161" y="6281778"/>
+                    <a:pt x="2382329" y="6285007"/>
+                    <a:pt x="2387894" y="6287719"/>
+                  </a:cubicBezTo>
+                  <a:cubicBezTo>
+                    <a:pt x="2398757" y="6293274"/>
+                    <a:pt x="2410153" y="6297666"/>
+                    <a:pt x="2421414" y="6302186"/>
+                  </a:cubicBezTo>
+                  <a:lnTo>
+                    <a:pt x="2489117" y="6329441"/>
+                  </a:lnTo>
+                  <a:lnTo>
+                    <a:pt x="2522902" y="6343134"/>
+                  </a:lnTo>
+                  <a:cubicBezTo>
+                    <a:pt x="2534165" y="6347654"/>
+                    <a:pt x="2545294" y="6352563"/>
+                    <a:pt x="2556953" y="6356051"/>
+                  </a:cubicBezTo>
+                  <a:lnTo>
+                    <a:pt x="2695009" y="6401905"/>
+                  </a:lnTo>
+                  <a:cubicBezTo>
+                    <a:pt x="2880895" y="6457190"/>
+                    <a:pt x="3073141" y="6489095"/>
+                    <a:pt x="3268035" y="6501238"/>
+                  </a:cubicBezTo>
+                  <a:cubicBezTo>
+                    <a:pt x="3292413" y="6502659"/>
+                    <a:pt x="3316527" y="6505629"/>
+                    <a:pt x="3341038" y="6506145"/>
+                  </a:cubicBezTo>
+                  <a:lnTo>
+                    <a:pt x="3414703" y="6507050"/>
+                  </a:lnTo>
+                  <a:lnTo>
+                    <a:pt x="3488237" y="6508212"/>
+                  </a:lnTo>
+                  <a:cubicBezTo>
+                    <a:pt x="3500690" y="6508729"/>
+                    <a:pt x="3512483" y="6508471"/>
+                    <a:pt x="3524142" y="6507955"/>
+                  </a:cubicBezTo>
+                  <a:lnTo>
+                    <a:pt x="3559252" y="6506921"/>
+                  </a:lnTo>
+                  <a:cubicBezTo>
+                    <a:pt x="3582835" y="6506792"/>
+                    <a:pt x="3605889" y="6504467"/>
+                    <a:pt x="3629207" y="6503045"/>
+                  </a:cubicBezTo>
+                  <a:cubicBezTo>
+                    <a:pt x="3652526" y="6502012"/>
+                    <a:pt x="3675579" y="6499171"/>
+                    <a:pt x="3698633" y="6496845"/>
+                  </a:cubicBezTo>
+                  <a:cubicBezTo>
+                    <a:pt x="3710160" y="6495683"/>
+                    <a:pt x="3721819" y="6494907"/>
+                    <a:pt x="3733213" y="6493357"/>
+                  </a:cubicBezTo>
+                  <a:lnTo>
+                    <a:pt x="3767529" y="6488707"/>
+                  </a:lnTo>
+                  <a:lnTo>
+                    <a:pt x="3801845" y="6484057"/>
+                  </a:lnTo>
+                  <a:lnTo>
+                    <a:pt x="3835895" y="6478116"/>
+                  </a:lnTo>
+                  <a:cubicBezTo>
+                    <a:pt x="4017673" y="6446727"/>
+                    <a:pt x="4194152" y="6390281"/>
+                    <a:pt x="4364801" y="6308517"/>
+                  </a:cubicBezTo>
+                  <a:cubicBezTo>
+                    <a:pt x="4535583" y="6227139"/>
+                    <a:pt x="4700138" y="6120962"/>
+                    <a:pt x="4861379" y="6000576"/>
+                  </a:cubicBezTo>
+                  <a:cubicBezTo>
+                    <a:pt x="5022621" y="5879931"/>
+                    <a:pt x="5180684" y="5745337"/>
+                    <a:pt x="5341263" y="5605834"/>
+                  </a:cubicBezTo>
+                  <a:lnTo>
+                    <a:pt x="5587301" y="5390379"/>
+                  </a:lnTo>
+                  <a:cubicBezTo>
+                    <a:pt x="5674216" y="5315718"/>
+                    <a:pt x="5761527" y="5244416"/>
+                    <a:pt x="5849105" y="5176344"/>
+                  </a:cubicBezTo>
+                  <a:lnTo>
+                    <a:pt x="5890489" y="5145260"/>
+                  </a:lnTo>
+                  <a:lnTo>
+                    <a:pt x="5890489" y="5995323"/>
+                  </a:lnTo>
+                  <a:lnTo>
+                    <a:pt x="5811477" y="6077819"/>
+                  </a:lnTo>
+                  <a:cubicBezTo>
+                    <a:pt x="5654739" y="6238377"/>
+                    <a:pt x="5487138" y="6396093"/>
+                    <a:pt x="5301384" y="6542958"/>
+                  </a:cubicBezTo>
+                  <a:lnTo>
+                    <a:pt x="5252008" y="6578438"/>
+                  </a:lnTo>
+                  <a:lnTo>
+                    <a:pt x="1653730" y="6578438"/>
+                  </a:lnTo>
+                  <a:lnTo>
+                    <a:pt x="1549768" y="6488821"/>
+                  </a:lnTo>
+                  <a:cubicBezTo>
+                    <a:pt x="1461976" y="6409495"/>
+                    <a:pt x="1378573" y="6327182"/>
+                    <a:pt x="1298282" y="6243932"/>
+                  </a:cubicBezTo>
+                  <a:cubicBezTo>
+                    <a:pt x="1278277" y="6223006"/>
+                    <a:pt x="1258138" y="6202210"/>
+                    <a:pt x="1237999" y="6181671"/>
+                  </a:cubicBezTo>
+                  <a:lnTo>
+                    <a:pt x="1179967" y="6117862"/>
+                  </a:lnTo>
+                  <a:lnTo>
+                    <a:pt x="1121936" y="6054569"/>
+                  </a:lnTo>
+                  <a:cubicBezTo>
+                    <a:pt x="1102328" y="6033644"/>
+                    <a:pt x="1084573" y="6011427"/>
+                    <a:pt x="1065628" y="5990243"/>
+                  </a:cubicBezTo>
+                  <a:cubicBezTo>
+                    <a:pt x="1028662" y="5947099"/>
+                    <a:pt x="990239" y="5904991"/>
+                    <a:pt x="954335" y="5861460"/>
+                  </a:cubicBezTo>
+                  <a:cubicBezTo>
+                    <a:pt x="936050" y="5840018"/>
+                    <a:pt x="917634" y="5818446"/>
+                    <a:pt x="898953" y="5797393"/>
+                  </a:cubicBezTo>
+                  <a:cubicBezTo>
+                    <a:pt x="880404" y="5776208"/>
+                    <a:pt x="861325" y="5755412"/>
+                    <a:pt x="842908" y="5733582"/>
+                  </a:cubicBezTo>
+                  <a:cubicBezTo>
+                    <a:pt x="767919" y="5647942"/>
+                    <a:pt x="693061" y="5561786"/>
+                    <a:pt x="622442" y="5471884"/>
+                  </a:cubicBezTo>
+                  <a:cubicBezTo>
+                    <a:pt x="551559" y="5382112"/>
+                    <a:pt x="486639" y="5287430"/>
+                    <a:pt x="425559" y="5190036"/>
+                  </a:cubicBezTo>
+                  <a:cubicBezTo>
+                    <a:pt x="303668" y="4994990"/>
+                    <a:pt x="200193" y="4786123"/>
+                    <a:pt x="123877" y="4564210"/>
+                  </a:cubicBezTo>
+                  <a:cubicBezTo>
+                    <a:pt x="47694" y="4342555"/>
+                    <a:pt x="2249" y="4106045"/>
+                    <a:pt x="130" y="3865530"/>
+                  </a:cubicBezTo>
+                  <a:cubicBezTo>
+                    <a:pt x="-1328" y="3745403"/>
+                    <a:pt x="9537" y="3624629"/>
+                    <a:pt x="30602" y="3505793"/>
+                  </a:cubicBezTo>
+                  <a:cubicBezTo>
+                    <a:pt x="51802" y="3386828"/>
+                    <a:pt x="84659" y="3270059"/>
+                    <a:pt x="126924" y="3157164"/>
+                  </a:cubicBezTo>
+                  <a:cubicBezTo>
+                    <a:pt x="200457" y="2959276"/>
+                    <a:pt x="271737" y="2761388"/>
+                    <a:pt x="334803" y="2560530"/>
+                  </a:cubicBezTo>
+                  <a:lnTo>
+                    <a:pt x="381176" y="2409144"/>
+                  </a:lnTo>
+                  <a:lnTo>
+                    <a:pt x="425825" y="2255819"/>
+                  </a:lnTo>
+                  <a:lnTo>
+                    <a:pt x="470210" y="2099523"/>
+                  </a:lnTo>
+                  <a:lnTo>
+                    <a:pt x="492998" y="2020213"/>
+                  </a:lnTo>
+                  <a:lnTo>
+                    <a:pt x="517509" y="1939224"/>
+                  </a:lnTo>
+                  <a:cubicBezTo>
+                    <a:pt x="525061" y="1912485"/>
+                    <a:pt x="534866" y="1884586"/>
+                    <a:pt x="544007" y="1857201"/>
+                  </a:cubicBezTo>
+                  <a:cubicBezTo>
+                    <a:pt x="553680" y="1829559"/>
+                    <a:pt x="561496" y="1802304"/>
+                    <a:pt x="573288" y="1774274"/>
+                  </a:cubicBezTo>
+                  <a:lnTo>
+                    <a:pt x="606146" y="1690832"/>
+                  </a:lnTo>
+                  <a:cubicBezTo>
+                    <a:pt x="618467" y="1663060"/>
+                    <a:pt x="631716" y="1635417"/>
+                    <a:pt x="644569" y="1607775"/>
+                  </a:cubicBezTo>
+                  <a:cubicBezTo>
+                    <a:pt x="698625" y="1498368"/>
+                    <a:pt x="763413" y="1391287"/>
+                    <a:pt x="837874" y="1297638"/>
+                  </a:cubicBezTo>
+                  <a:cubicBezTo>
+                    <a:pt x="910348" y="1201278"/>
+                    <a:pt x="990107" y="1115897"/>
+                    <a:pt x="1069602" y="1032194"/>
+                  </a:cubicBezTo>
+                  <a:cubicBezTo>
+                    <a:pt x="1089079" y="1010624"/>
+                    <a:pt x="1110012" y="990990"/>
+                    <a:pt x="1130548" y="970839"/>
+                  </a:cubicBezTo>
+                  <a:lnTo>
+                    <a:pt x="1192024" y="910129"/>
+                  </a:lnTo>
+                  <a:cubicBezTo>
+                    <a:pt x="1212031" y="889462"/>
+                    <a:pt x="1234024" y="870475"/>
+                    <a:pt x="1255356" y="850841"/>
+                  </a:cubicBezTo>
+                  <a:lnTo>
+                    <a:pt x="1319614" y="792068"/>
+                  </a:lnTo>
+                  <a:cubicBezTo>
+                    <a:pt x="1340680" y="772176"/>
+                    <a:pt x="1363469" y="753834"/>
+                    <a:pt x="1385728" y="734975"/>
+                  </a:cubicBezTo>
+                  <a:lnTo>
+                    <a:pt x="1452768" y="678528"/>
+                  </a:lnTo>
+                  <a:lnTo>
+                    <a:pt x="1469594" y="664449"/>
+                  </a:lnTo>
+                  <a:lnTo>
+                    <a:pt x="1487083" y="651015"/>
+                  </a:lnTo>
+                  <a:lnTo>
+                    <a:pt x="1522193" y="624277"/>
+                  </a:lnTo>
+                  <a:lnTo>
+                    <a:pt x="1592415" y="570671"/>
+                  </a:lnTo>
+                  <a:cubicBezTo>
+                    <a:pt x="1640110" y="535925"/>
+                    <a:pt x="1689531" y="503245"/>
+                    <a:pt x="1738287" y="469402"/>
+                  </a:cubicBezTo>
+                  <a:cubicBezTo>
+                    <a:pt x="1788634" y="438015"/>
+                    <a:pt x="1839643" y="407013"/>
+                    <a:pt x="1890918" y="376530"/>
+                  </a:cubicBezTo>
+                  <a:cubicBezTo>
+                    <a:pt x="2098400" y="258209"/>
+                    <a:pt x="2323503" y="166241"/>
+                    <a:pt x="2555363" y="105274"/>
+                  </a:cubicBezTo>
+                  <a:cubicBezTo>
+                    <a:pt x="2787223" y="44047"/>
+                    <a:pt x="3024516" y="12013"/>
+                    <a:pt x="3259291" y="3229"/>
+                  </a:cubicBezTo>
+                  <a:lnTo>
+                    <a:pt x="3347265" y="903"/>
+                  </a:lnTo>
+                  <a:close/>
+                </a:path>
+              </a:pathLst>
+            </a:custGeom>
+            <a:gradFill flip="none" rotWithShape="1">
+              <a:gsLst>
+                <a:gs pos="2000">
+                  <a:schemeClr val="bg1">
+                    <a:alpha val="10000"/>
+                  </a:schemeClr>
+                </a:gs>
+                <a:gs pos="16000">
+                  <a:schemeClr val="accent6">
+                    <a:alpha val="5000"/>
+                  </a:schemeClr>
+                </a:gs>
+                <a:gs pos="100000">
+                  <a:schemeClr val="bg1">
+                    <a:alpha val="10000"/>
+                  </a:schemeClr>
+                </a:gs>
+                <a:gs pos="85000">
+                  <a:schemeClr val="accent1">
+                    <a:alpha val="5000"/>
+                  </a:schemeClr>
+                </a:gs>
+              </a:gsLst>
+              <a:lin ang="12000000" scaled="0"/>
+              <a:tileRect/>
+            </a:gradFill>
+            <a:ln>
+              <a:noFill/>
+            </a:ln>
+          </p:spPr>
+          <p:style>
+            <a:lnRef idx="2">
+              <a:schemeClr val="accent1">
+                <a:shade val="50000"/>
+              </a:schemeClr>
+            </a:lnRef>
+            <a:fillRef idx="1">
+              <a:schemeClr val="accent1"/>
+            </a:fillRef>
+            <a:effectRef idx="0">
+              <a:schemeClr val="accent1"/>
+            </a:effectRef>
+            <a:fontRef idx="minor">
+              <a:schemeClr val="lt1"/>
+            </a:fontRef>
+          </p:style>
+          <p:txBody>
+            <a:bodyPr rtlCol="0" anchor="ctr"/>
+            <a:lstStyle/>
+            <a:p>
+              <a:pPr algn="ctr"/>
+              <a:endParaRPr lang="en-US"/>
+            </a:p>
+          </p:txBody>
+        </p:sp>
+        <p:sp>
+          <p:nvSpPr>
+            <p:cNvPr id="16" name="Freeform: Shape 15">
+              <a:extLst>
+                <a:ext uri="{FF2B5EF4-FFF2-40B4-BE49-F238E27FC236}">
+                  <a16:creationId xmlns:a16="http://schemas.microsoft.com/office/drawing/2014/main" id="{27CCEAF3-651B-4605-AE58-F96E22703636}"/>
+                </a:ext>
+                <a:ext uri="{C183D7F6-B498-43B3-948B-1728B52AA6E4}">
+                  <adec:decorative xmlns:adec="http://schemas.microsoft.com/office/drawing/2017/decorative" val="1"/>
+                </a:ext>
+              </a:extLst>
+            </p:cNvPr>
+            <p:cNvSpPr/>
+            <p:nvPr>
+              <p:extLst>
+                <p:ext uri="{386F3935-93C4-4BCD-93E2-E3B085C9AB24}">
+                  <p16:designElem xmlns:p16="http://schemas.microsoft.com/office/powerpoint/2015/main" val="1"/>
+                </p:ext>
+              </p:extLst>
+            </p:nvPr>
+          </p:nvSpPr>
+          <p:spPr>
+            <a:xfrm>
+              <a:off x="6101023" y="52997"/>
+              <a:ext cx="6093363" cy="6805004"/>
+            </a:xfrm>
+            <a:custGeom>
+              <a:avLst/>
+              <a:gdLst>
+                <a:gd name="connsiteX0" fmla="*/ 3517682 w 5890491"/>
+                <a:gd name="connsiteY0" fmla="*/ 0 h 6578439"/>
+                <a:gd name="connsiteX1" fmla="*/ 5849513 w 5890491"/>
+                <a:gd name="connsiteY1" fmla="*/ 841730 h 6578439"/>
+                <a:gd name="connsiteX2" fmla="*/ 5890491 w 5890491"/>
+                <a:gd name="connsiteY2" fmla="*/ 879061 h 6578439"/>
+                <a:gd name="connsiteX3" fmla="*/ 5890491 w 5890491"/>
+                <a:gd name="connsiteY3" fmla="*/ 2034114 h 6578439"/>
+                <a:gd name="connsiteX4" fmla="*/ 5757065 w 5890491"/>
+                <a:gd name="connsiteY4" fmla="*/ 1854938 h 6578439"/>
+                <a:gd name="connsiteX5" fmla="*/ 5564060 w 5890491"/>
+                <a:gd name="connsiteY5" fmla="*/ 1642182 h 6578439"/>
+                <a:gd name="connsiteX6" fmla="*/ 3517551 w 5890491"/>
+                <a:gd name="connsiteY6" fmla="*/ 790012 h 6578439"/>
+                <a:gd name="connsiteX7" fmla="*/ 1611552 w 5890491"/>
+                <a:gd name="connsiteY7" fmla="*/ 1543282 h 6578439"/>
+                <a:gd name="connsiteX8" fmla="*/ 1340656 w 5890491"/>
+                <a:gd name="connsiteY8" fmla="*/ 1897925 h 6578439"/>
+                <a:gd name="connsiteX9" fmla="*/ 1201705 w 5890491"/>
+                <a:gd name="connsiteY9" fmla="*/ 2361213 h 6578439"/>
+                <a:gd name="connsiteX10" fmla="*/ 852705 w 5890491"/>
+                <a:gd name="connsiteY10" fmla="*/ 3529176 h 6578439"/>
+                <a:gd name="connsiteX11" fmla="*/ 863863 w 5890491"/>
+                <a:gd name="connsiteY11" fmla="*/ 4437051 h 6578439"/>
+                <a:gd name="connsiteX12" fmla="*/ 1413569 w 5890491"/>
+                <a:gd name="connsiteY12" fmla="*/ 5357174 h 6578439"/>
+                <a:gd name="connsiteX13" fmla="*/ 2339129 w 5890491"/>
+                <a:gd name="connsiteY13" fmla="*/ 6143367 h 6578439"/>
+                <a:gd name="connsiteX14" fmla="*/ 3439449 w 5890491"/>
+                <a:gd name="connsiteY14" fmla="*/ 6420049 h 6578439"/>
+                <a:gd name="connsiteX15" fmla="*/ 5251388 w 5890491"/>
+                <a:gd name="connsiteY15" fmla="*/ 5349009 h 6578439"/>
+                <a:gd name="connsiteX16" fmla="*/ 5657731 w 5890491"/>
+                <a:gd name="connsiteY16" fmla="*/ 4959205 h 6578439"/>
+                <a:gd name="connsiteX17" fmla="*/ 5836127 w 5890491"/>
+                <a:gd name="connsiteY17" fmla="*/ 4792052 h 6578439"/>
+                <a:gd name="connsiteX18" fmla="*/ 5890491 w 5890491"/>
+                <a:gd name="connsiteY18" fmla="*/ 4738662 h 6578439"/>
+                <a:gd name="connsiteX19" fmla="*/ 5890491 w 5890491"/>
+                <a:gd name="connsiteY19" fmla="*/ 5821964 h 6578439"/>
+                <a:gd name="connsiteX20" fmla="*/ 5802001 w 5890491"/>
+                <a:gd name="connsiteY20" fmla="*/ 5907904 h 6578439"/>
+                <a:gd name="connsiteX21" fmla="*/ 5294358 w 5890491"/>
+                <a:gd name="connsiteY21" fmla="*/ 6397505 h 6578439"/>
+                <a:gd name="connsiteX22" fmla="*/ 5077178 w 5890491"/>
+                <a:gd name="connsiteY22" fmla="*/ 6578439 h 6578439"/>
+                <a:gd name="connsiteX23" fmla="*/ 1567290 w 5890491"/>
+                <a:gd name="connsiteY23" fmla="*/ 6578439 h 6578439"/>
+                <a:gd name="connsiteX24" fmla="*/ 1508588 w 5890491"/>
+                <a:gd name="connsiteY24" fmla="*/ 6535186 h 6578439"/>
+                <a:gd name="connsiteX25" fmla="*/ 826498 w 5890491"/>
+                <a:gd name="connsiteY25" fmla="*/ 5876034 h 6578439"/>
+                <a:gd name="connsiteX26" fmla="*/ 122403 w 5890491"/>
+                <a:gd name="connsiteY26" fmla="*/ 3255655 h 6578439"/>
+                <a:gd name="connsiteX27" fmla="*/ 1061197 w 5890491"/>
+                <a:gd name="connsiteY27" fmla="*/ 984650 h 6578439"/>
+                <a:gd name="connsiteX28" fmla="*/ 3517682 w 5890491"/>
+                <a:gd name="connsiteY28" fmla="*/ 0 h 6578439"/>
+              </a:gdLst>
+              <a:ahLst/>
+              <a:cxnLst>
+                <a:cxn ang="0">
+                  <a:pos x="connsiteX0" y="connsiteY0"/>
+                </a:cxn>
+                <a:cxn ang="0">
+                  <a:pos x="connsiteX1" y="connsiteY1"/>
+                </a:cxn>
+                <a:cxn ang="0">
+                  <a:pos x="connsiteX2" y="connsiteY2"/>
+                </a:cxn>
+                <a:cxn ang="0">
+                  <a:pos x="connsiteX3" y="connsiteY3"/>
+                </a:cxn>
+                <a:cxn ang="0">
+                  <a:pos x="connsiteX4" y="connsiteY4"/>
+                </a:cxn>
+                <a:cxn ang="0">
+                  <a:pos x="connsiteX5" y="connsiteY5"/>
+                </a:cxn>
+                <a:cxn ang="0">
+                  <a:pos x="connsiteX6" y="connsiteY6"/>
+                </a:cxn>
+                <a:cxn ang="0">
+                  <a:pos x="connsiteX7" y="connsiteY7"/>
+                </a:cxn>
+                <a:cxn ang="0">
+                  <a:pos x="connsiteX8" y="connsiteY8"/>
+                </a:cxn>
+                <a:cxn ang="0">
+                  <a:pos x="connsiteX9" y="connsiteY9"/>
+                </a:cxn>
+                <a:cxn ang="0">
+                  <a:pos x="connsiteX10" y="connsiteY10"/>
+                </a:cxn>
+                <a:cxn ang="0">
+                  <a:pos x="connsiteX11" y="connsiteY11"/>
+                </a:cxn>
+                <a:cxn ang="0">
+                  <a:pos x="connsiteX12" y="connsiteY12"/>
+                </a:cxn>
+                <a:cxn ang="0">
+                  <a:pos x="connsiteX13" y="connsiteY13"/>
+                </a:cxn>
+                <a:cxn ang="0">
+                  <a:pos x="connsiteX14" y="connsiteY14"/>
+                </a:cxn>
+                <a:cxn ang="0">
+                  <a:pos x="connsiteX15" y="connsiteY15"/>
+                </a:cxn>
+                <a:cxn ang="0">
+                  <a:pos x="connsiteX16" y="connsiteY16"/>
+                </a:cxn>
+                <a:cxn ang="0">
+                  <a:pos x="connsiteX17" y="connsiteY17"/>
+                </a:cxn>
+                <a:cxn ang="0">
+                  <a:pos x="connsiteX18" y="connsiteY18"/>
+                </a:cxn>
+                <a:cxn ang="0">
+                  <a:pos x="connsiteX19" y="connsiteY19"/>
+                </a:cxn>
+                <a:cxn ang="0">
+                  <a:pos x="connsiteX20" y="connsiteY20"/>
+                </a:cxn>
+                <a:cxn ang="0">
+                  <a:pos x="connsiteX21" y="connsiteY21"/>
+                </a:cxn>
+                <a:cxn ang="0">
+                  <a:pos x="connsiteX22" y="connsiteY22"/>
+                </a:cxn>
+                <a:cxn ang="0">
+                  <a:pos x="connsiteX23" y="connsiteY23"/>
+                </a:cxn>
+                <a:cxn ang="0">
+                  <a:pos x="connsiteX24" y="connsiteY24"/>
+                </a:cxn>
+                <a:cxn ang="0">
+                  <a:pos x="connsiteX25" y="connsiteY25"/>
+                </a:cxn>
+                <a:cxn ang="0">
+                  <a:pos x="connsiteX26" y="connsiteY26"/>
+                </a:cxn>
+                <a:cxn ang="0">
+                  <a:pos x="connsiteX27" y="connsiteY27"/>
+                </a:cxn>
+                <a:cxn ang="0">
+                  <a:pos x="connsiteX28" y="connsiteY28"/>
+                </a:cxn>
+              </a:cxnLst>
+              <a:rect l="l" t="t" r="r" b="b"/>
+              <a:pathLst>
+                <a:path w="5890491" h="6578439">
+                  <a:moveTo>
+                    <a:pt x="3517682" y="0"/>
+                  </a:moveTo>
+                  <a:cubicBezTo>
+                    <a:pt x="4402017" y="0"/>
+                    <a:pt x="5213742" y="315483"/>
+                    <a:pt x="5849513" y="841730"/>
+                  </a:cubicBezTo>
+                  <a:lnTo>
+                    <a:pt x="5890491" y="879061"/>
+                  </a:lnTo>
+                  <a:lnTo>
+                    <a:pt x="5890491" y="2034114"/>
+                  </a:lnTo>
+                  <a:lnTo>
+                    <a:pt x="5757065" y="1854938"/>
+                  </a:lnTo>
+                  <a:cubicBezTo>
+                    <a:pt x="5696443" y="1781264"/>
+                    <a:pt x="5632076" y="1710299"/>
+                    <a:pt x="5564060" y="1642182"/>
+                  </a:cubicBezTo>
+                  <a:cubicBezTo>
+                    <a:pt x="5015393" y="1092636"/>
+                    <a:pt x="4288592" y="790012"/>
+                    <a:pt x="3517551" y="790012"/>
+                  </a:cubicBezTo>
+                  <a:cubicBezTo>
+                    <a:pt x="2701750" y="790012"/>
+                    <a:pt x="2131676" y="1015335"/>
+                    <a:pt x="1611552" y="1543282"/>
+                  </a:cubicBezTo>
+                  <a:cubicBezTo>
+                    <a:pt x="1435754" y="1721722"/>
+                    <a:pt x="1375945" y="1822729"/>
+                    <a:pt x="1340656" y="1897925"/>
+                  </a:cubicBezTo>
+                  <a:cubicBezTo>
+                    <a:pt x="1289148" y="2007623"/>
+                    <a:pt x="1252432" y="2155907"/>
+                    <a:pt x="1201705" y="2361213"/>
+                  </a:cubicBezTo>
+                  <a:cubicBezTo>
+                    <a:pt x="1133721" y="2635919"/>
+                    <a:pt x="1040568" y="3012290"/>
+                    <a:pt x="852705" y="3529176"/>
+                  </a:cubicBezTo>
+                  <a:cubicBezTo>
+                    <a:pt x="749952" y="3811784"/>
+                    <a:pt x="753584" y="4108747"/>
+                    <a:pt x="863863" y="4437051"/>
+                  </a:cubicBezTo>
+                  <a:cubicBezTo>
+                    <a:pt x="964800" y="4737438"/>
+                    <a:pt x="1154869" y="5055603"/>
+                    <a:pt x="1413569" y="5357174"/>
+                  </a:cubicBezTo>
+                  <a:cubicBezTo>
+                    <a:pt x="1718326" y="5712343"/>
+                    <a:pt x="2021008" y="5969404"/>
+                    <a:pt x="2339129" y="6143367"/>
+                  </a:cubicBezTo>
+                  <a:cubicBezTo>
+                    <a:pt x="2679565" y="6329577"/>
+                    <a:pt x="3039591" y="6420049"/>
+                    <a:pt x="3439449" y="6420049"/>
+                  </a:cubicBezTo>
+                  <a:cubicBezTo>
+                    <a:pt x="4142246" y="6420049"/>
+                    <a:pt x="4633828" y="5976251"/>
+                    <a:pt x="5251388" y="5349009"/>
+                  </a:cubicBezTo>
+                  <a:cubicBezTo>
+                    <a:pt x="5389949" y="5208364"/>
+                    <a:pt x="5526047" y="5081677"/>
+                    <a:pt x="5657731" y="4959205"/>
+                  </a:cubicBezTo>
+                  <a:cubicBezTo>
+                    <a:pt x="5719520" y="4901722"/>
+                    <a:pt x="5779200" y="4846206"/>
+                    <a:pt x="5836127" y="4792052"/>
+                  </a:cubicBezTo>
+                  <a:lnTo>
+                    <a:pt x="5890491" y="4738662"/>
+                  </a:lnTo>
+                  <a:lnTo>
+                    <a:pt x="5890491" y="5821964"/>
+                  </a:lnTo>
+                  <a:lnTo>
+                    <a:pt x="5802001" y="5907904"/>
+                  </a:lnTo>
+                  <a:cubicBezTo>
+                    <a:pt x="5634962" y="6077456"/>
+                    <a:pt x="5467509" y="6243625"/>
+                    <a:pt x="5294358" y="6397505"/>
+                  </a:cubicBezTo>
+                  <a:lnTo>
+                    <a:pt x="5077178" y="6578439"/>
+                  </a:lnTo>
+                  <a:lnTo>
+                    <a:pt x="1567290" y="6578439"/>
+                  </a:lnTo>
+                  <a:lnTo>
+                    <a:pt x="1508588" y="6535186"/>
+                  </a:lnTo>
+                  <a:cubicBezTo>
+                    <a:pt x="1263991" y="6345442"/>
+                    <a:pt x="1038054" y="6122666"/>
+                    <a:pt x="826498" y="5876034"/>
+                  </a:cubicBezTo>
+                  <a:cubicBezTo>
+                    <a:pt x="261613" y="5217713"/>
+                    <a:pt x="-239182" y="4250314"/>
+                    <a:pt x="122403" y="3255655"/>
+                  </a:cubicBezTo>
+                  <a:cubicBezTo>
+                    <a:pt x="607497" y="1921629"/>
+                    <a:pt x="393040" y="1662857"/>
+                    <a:pt x="1061197" y="984650"/>
+                  </a:cubicBezTo>
+                  <a:cubicBezTo>
+                    <a:pt x="1729484" y="306444"/>
+                    <a:pt x="2498060" y="0"/>
+                    <a:pt x="3517682" y="0"/>
+                  </a:cubicBezTo>
+                  <a:close/>
+                </a:path>
+              </a:pathLst>
+            </a:custGeom>
+            <a:gradFill flip="none" rotWithShape="1">
+              <a:gsLst>
+                <a:gs pos="2000">
+                  <a:schemeClr val="bg1"/>
+                </a:gs>
+                <a:gs pos="16000">
+                  <a:schemeClr val="accent6">
+                    <a:alpha val="10000"/>
+                  </a:schemeClr>
+                </a:gs>
+                <a:gs pos="100000">
+                  <a:schemeClr val="bg1">
+                    <a:alpha val="10000"/>
+                  </a:schemeClr>
+                </a:gs>
+                <a:gs pos="85000">
+                  <a:schemeClr val="accent1">
+                    <a:alpha val="10000"/>
+                  </a:schemeClr>
+                </a:gs>
+              </a:gsLst>
+              <a:lin ang="12000000" scaled="0"/>
+              <a:tileRect/>
+            </a:gradFill>
+            <a:ln>
+              <a:noFill/>
+            </a:ln>
+          </p:spPr>
+          <p:style>
+            <a:lnRef idx="2">
+              <a:schemeClr val="accent1">
+                <a:shade val="50000"/>
+              </a:schemeClr>
+            </a:lnRef>
+            <a:fillRef idx="1">
+              <a:schemeClr val="accent1"/>
+            </a:fillRef>
+            <a:effectRef idx="0">
+              <a:schemeClr val="accent1"/>
+            </a:effectRef>
+            <a:fontRef idx="minor">
+              <a:schemeClr val="lt1"/>
+            </a:fontRef>
+          </p:style>
+          <p:txBody>
+            <a:bodyPr rtlCol="0" anchor="ctr"/>
+            <a:lstStyle/>
+            <a:p>
+              <a:pPr algn="ctr"/>
+              <a:endParaRPr lang="en-US" dirty="0"/>
+            </a:p>
+          </p:txBody>
+        </p:sp>
+        <p:sp>
+          <p:nvSpPr>
+            <p:cNvPr id="17" name="Freeform: Shape 16">
+              <a:extLst>
+                <a:ext uri="{FF2B5EF4-FFF2-40B4-BE49-F238E27FC236}">
+                  <a16:creationId xmlns:a16="http://schemas.microsoft.com/office/drawing/2014/main" id="{ED519330-E5F1-4248-B58C-1AA0D9E6DABA}"/>
+                </a:ext>
+                <a:ext uri="{C183D7F6-B498-43B3-948B-1728B52AA6E4}">
+                  <adec:decorative xmlns:adec="http://schemas.microsoft.com/office/drawing/2017/decorative" val="1"/>
+                </a:ext>
+              </a:extLst>
+            </p:cNvPr>
+            <p:cNvSpPr/>
+            <p:nvPr>
+              <p:extLst>
+                <p:ext uri="{386F3935-93C4-4BCD-93E2-E3B085C9AB24}">
+                  <p16:designElem xmlns:p16="http://schemas.microsoft.com/office/powerpoint/2015/main" val="1"/>
+                </p:ext>
+              </p:extLst>
+            </p:nvPr>
+          </p:nvSpPr>
+          <p:spPr>
+            <a:xfrm>
+              <a:off x="6101024" y="52997"/>
+              <a:ext cx="6093362" cy="6805004"/>
+            </a:xfrm>
+            <a:custGeom>
+              <a:avLst/>
+              <a:gdLst>
+                <a:gd name="connsiteX0" fmla="*/ 5890490 w 5890490"/>
+                <a:gd name="connsiteY0" fmla="*/ 5389037 h 6578439"/>
+                <a:gd name="connsiteX1" fmla="*/ 5890490 w 5890490"/>
+                <a:gd name="connsiteY1" fmla="*/ 5855587 h 6578439"/>
+                <a:gd name="connsiteX2" fmla="*/ 5784593 w 5890490"/>
+                <a:gd name="connsiteY2" fmla="*/ 5962054 h 6578439"/>
+                <a:gd name="connsiteX3" fmla="*/ 5663414 w 5890490"/>
+                <a:gd name="connsiteY3" fmla="*/ 6082564 h 6578439"/>
+                <a:gd name="connsiteX4" fmla="*/ 5147099 w 5890490"/>
+                <a:gd name="connsiteY4" fmla="*/ 6547726 h 6578439"/>
+                <a:gd name="connsiteX5" fmla="*/ 5105015 w 5890490"/>
+                <a:gd name="connsiteY5" fmla="*/ 6578439 h 6578439"/>
+                <a:gd name="connsiteX6" fmla="*/ 4385601 w 5890490"/>
+                <a:gd name="connsiteY6" fmla="*/ 6578439 h 6578439"/>
+                <a:gd name="connsiteX7" fmla="*/ 4507252 w 5890490"/>
+                <a:gd name="connsiteY7" fmla="*/ 6515968 h 6578439"/>
+                <a:gd name="connsiteX8" fmla="*/ 4909330 w 5890490"/>
+                <a:gd name="connsiteY8" fmla="*/ 6253453 h 6578439"/>
+                <a:gd name="connsiteX9" fmla="*/ 5411374 w 5890490"/>
+                <a:gd name="connsiteY9" fmla="*/ 5828544 h 6578439"/>
+                <a:gd name="connsiteX10" fmla="*/ 5533570 w 5890490"/>
+                <a:gd name="connsiteY10" fmla="*/ 5714534 h 6578439"/>
+                <a:gd name="connsiteX11" fmla="*/ 5657425 w 5890490"/>
+                <a:gd name="connsiteY11" fmla="*/ 5597650 h 6578439"/>
+                <a:gd name="connsiteX12" fmla="*/ 3336813 w 5890490"/>
+                <a:gd name="connsiteY12" fmla="*/ 499 h 6578439"/>
+                <a:gd name="connsiteX13" fmla="*/ 3513674 w 5890490"/>
+                <a:gd name="connsiteY13" fmla="*/ 1202 h 6578439"/>
+                <a:gd name="connsiteX14" fmla="*/ 3602743 w 5890490"/>
+                <a:gd name="connsiteY14" fmla="*/ 4827 h 6578439"/>
+                <a:gd name="connsiteX15" fmla="*/ 3647213 w 5890490"/>
+                <a:gd name="connsiteY15" fmla="*/ 6703 h 6578439"/>
+                <a:gd name="connsiteX16" fmla="*/ 3691684 w 5890490"/>
+                <a:gd name="connsiteY16" fmla="*/ 9453 h 6578439"/>
+                <a:gd name="connsiteX17" fmla="*/ 3868927 w 5890490"/>
+                <a:gd name="connsiteY17" fmla="*/ 27080 h 6578439"/>
+                <a:gd name="connsiteX18" fmla="*/ 5200872 w 5890490"/>
+                <a:gd name="connsiteY18" fmla="*/ 472240 h 6578439"/>
+                <a:gd name="connsiteX19" fmla="*/ 5772711 w 5890490"/>
+                <a:gd name="connsiteY19" fmla="*/ 866334 h 6578439"/>
+                <a:gd name="connsiteX20" fmla="*/ 5890490 w 5890490"/>
+                <a:gd name="connsiteY20" fmla="*/ 972426 h 6578439"/>
+                <a:gd name="connsiteX21" fmla="*/ 5890490 w 5890490"/>
+                <a:gd name="connsiteY21" fmla="*/ 1158576 h 6578439"/>
+                <a:gd name="connsiteX22" fmla="*/ 5676045 w 5890490"/>
+                <a:gd name="connsiteY22" fmla="*/ 986969 h 6578439"/>
+                <a:gd name="connsiteX23" fmla="*/ 5103776 w 5890490"/>
+                <a:gd name="connsiteY23" fmla="*/ 655879 h 6578439"/>
+                <a:gd name="connsiteX24" fmla="*/ 4482465 w 5890490"/>
+                <a:gd name="connsiteY24" fmla="*/ 440363 h 6578439"/>
+                <a:gd name="connsiteX25" fmla="*/ 4402444 w 5890490"/>
+                <a:gd name="connsiteY25" fmla="*/ 422111 h 6578439"/>
+                <a:gd name="connsiteX26" fmla="*/ 4322423 w 5890490"/>
+                <a:gd name="connsiteY26" fmla="*/ 404610 h 6578439"/>
+                <a:gd name="connsiteX27" fmla="*/ 4241892 w 5890490"/>
+                <a:gd name="connsiteY27" fmla="*/ 389858 h 6578439"/>
+                <a:gd name="connsiteX28" fmla="*/ 4201627 w 5890490"/>
+                <a:gd name="connsiteY28" fmla="*/ 382483 h 6578439"/>
+                <a:gd name="connsiteX29" fmla="*/ 4161234 w 5890490"/>
+                <a:gd name="connsiteY29" fmla="*/ 375857 h 6578439"/>
+                <a:gd name="connsiteX30" fmla="*/ 3999280 w 5890490"/>
+                <a:gd name="connsiteY30" fmla="*/ 353606 h 6578439"/>
+                <a:gd name="connsiteX31" fmla="*/ 3836817 w 5890490"/>
+                <a:gd name="connsiteY31" fmla="*/ 338480 h 6578439"/>
+                <a:gd name="connsiteX32" fmla="*/ 3673972 w 5890490"/>
+                <a:gd name="connsiteY32" fmla="*/ 330604 h 6578439"/>
+                <a:gd name="connsiteX33" fmla="*/ 3511126 w 5890490"/>
+                <a:gd name="connsiteY33" fmla="*/ 328978 h 6578439"/>
+                <a:gd name="connsiteX34" fmla="*/ 3183142 w 5890490"/>
+                <a:gd name="connsiteY34" fmla="*/ 342854 h 6578439"/>
+                <a:gd name="connsiteX35" fmla="*/ 2541444 w 5890490"/>
+                <a:gd name="connsiteY35" fmla="*/ 439988 h 6578439"/>
+                <a:gd name="connsiteX36" fmla="*/ 1933895 w 5890490"/>
+                <a:gd name="connsiteY36" fmla="*/ 650505 h 6578439"/>
+                <a:gd name="connsiteX37" fmla="*/ 1378079 w 5890490"/>
+                <a:gd name="connsiteY37" fmla="*/ 983905 h 6578439"/>
+                <a:gd name="connsiteX38" fmla="*/ 1312967 w 5890490"/>
+                <a:gd name="connsiteY38" fmla="*/ 1033660 h 6578439"/>
+                <a:gd name="connsiteX39" fmla="*/ 1248364 w 5890490"/>
+                <a:gd name="connsiteY39" fmla="*/ 1084413 h 6578439"/>
+                <a:gd name="connsiteX40" fmla="*/ 1185163 w 5890490"/>
+                <a:gd name="connsiteY40" fmla="*/ 1137168 h 6578439"/>
+                <a:gd name="connsiteX41" fmla="*/ 1122852 w 5890490"/>
+                <a:gd name="connsiteY41" fmla="*/ 1190922 h 6578439"/>
+                <a:gd name="connsiteX42" fmla="*/ 892092 w 5890490"/>
+                <a:gd name="connsiteY42" fmla="*/ 1421440 h 6578439"/>
+                <a:gd name="connsiteX43" fmla="*/ 707202 w 5890490"/>
+                <a:gd name="connsiteY43" fmla="*/ 1684212 h 6578439"/>
+                <a:gd name="connsiteX44" fmla="*/ 670121 w 5890490"/>
+                <a:gd name="connsiteY44" fmla="*/ 1756093 h 6578439"/>
+                <a:gd name="connsiteX45" fmla="*/ 637630 w 5890490"/>
+                <a:gd name="connsiteY45" fmla="*/ 1830724 h 6578439"/>
+                <a:gd name="connsiteX46" fmla="*/ 607685 w 5890490"/>
+                <a:gd name="connsiteY46" fmla="*/ 1907105 h 6578439"/>
+                <a:gd name="connsiteX47" fmla="*/ 580034 w 5890490"/>
+                <a:gd name="connsiteY47" fmla="*/ 1984986 h 6578439"/>
+                <a:gd name="connsiteX48" fmla="*/ 481919 w 5890490"/>
+                <a:gd name="connsiteY48" fmla="*/ 2304386 h 6578439"/>
+                <a:gd name="connsiteX49" fmla="*/ 433881 w 5890490"/>
+                <a:gd name="connsiteY49" fmla="*/ 2465399 h 6578439"/>
+                <a:gd name="connsiteX50" fmla="*/ 384442 w 5890490"/>
+                <a:gd name="connsiteY50" fmla="*/ 2626163 h 6578439"/>
+                <a:gd name="connsiteX51" fmla="*/ 166039 w 5890490"/>
+                <a:gd name="connsiteY51" fmla="*/ 3261338 h 6578439"/>
+                <a:gd name="connsiteX52" fmla="*/ 56202 w 5890490"/>
+                <a:gd name="connsiteY52" fmla="*/ 3910265 h 6578439"/>
+                <a:gd name="connsiteX53" fmla="*/ 93664 w 5890490"/>
+                <a:gd name="connsiteY53" fmla="*/ 4237292 h 6578439"/>
+                <a:gd name="connsiteX54" fmla="*/ 111758 w 5890490"/>
+                <a:gd name="connsiteY54" fmla="*/ 4317548 h 6578439"/>
+                <a:gd name="connsiteX55" fmla="*/ 133038 w 5890490"/>
+                <a:gd name="connsiteY55" fmla="*/ 4397054 h 6578439"/>
+                <a:gd name="connsiteX56" fmla="*/ 157757 w 5890490"/>
+                <a:gd name="connsiteY56" fmla="*/ 4475560 h 6578439"/>
+                <a:gd name="connsiteX57" fmla="*/ 185153 w 5890490"/>
+                <a:gd name="connsiteY57" fmla="*/ 4553066 h 6578439"/>
+                <a:gd name="connsiteX58" fmla="*/ 493642 w 5890490"/>
+                <a:gd name="connsiteY58" fmla="*/ 5132239 h 6578439"/>
+                <a:gd name="connsiteX59" fmla="*/ 914391 w 5890490"/>
+                <a:gd name="connsiteY59" fmla="*/ 5636528 h 6578439"/>
+                <a:gd name="connsiteX60" fmla="*/ 1402034 w 5890490"/>
+                <a:gd name="connsiteY60" fmla="*/ 6076188 h 6578439"/>
+                <a:gd name="connsiteX61" fmla="*/ 1664397 w 5890490"/>
+                <a:gd name="connsiteY61" fmla="*/ 6267079 h 6578439"/>
+                <a:gd name="connsiteX62" fmla="*/ 1938992 w 5890490"/>
+                <a:gd name="connsiteY62" fmla="*/ 6434343 h 6578439"/>
+                <a:gd name="connsiteX63" fmla="*/ 2225931 w 5890490"/>
+                <a:gd name="connsiteY63" fmla="*/ 6574322 h 6578439"/>
+                <a:gd name="connsiteX64" fmla="*/ 2236328 w 5890490"/>
+                <a:gd name="connsiteY64" fmla="*/ 6578439 h 6578439"/>
+                <a:gd name="connsiteX65" fmla="*/ 1504665 w 5890490"/>
+                <a:gd name="connsiteY65" fmla="*/ 6578439 h 6578439"/>
+                <a:gd name="connsiteX66" fmla="*/ 1456827 w 5890490"/>
+                <a:gd name="connsiteY66" fmla="*/ 6543476 h 6578439"/>
+                <a:gd name="connsiteX67" fmla="*/ 1188475 w 5890490"/>
+                <a:gd name="connsiteY67" fmla="*/ 6314083 h 6578439"/>
+                <a:gd name="connsiteX68" fmla="*/ 721728 w 5890490"/>
+                <a:gd name="connsiteY68" fmla="*/ 5798666 h 6578439"/>
+                <a:gd name="connsiteX69" fmla="*/ 344175 w 5890490"/>
+                <a:gd name="connsiteY69" fmla="*/ 5219495 h 6578439"/>
+                <a:gd name="connsiteX70" fmla="*/ 87293 w 5890490"/>
+                <a:gd name="connsiteY70" fmla="*/ 4583569 h 6578439"/>
+                <a:gd name="connsiteX71" fmla="*/ 65886 w 5890490"/>
+                <a:gd name="connsiteY71" fmla="*/ 4500813 h 6578439"/>
+                <a:gd name="connsiteX72" fmla="*/ 47409 w 5890490"/>
+                <a:gd name="connsiteY72" fmla="*/ 4417431 h 6578439"/>
+                <a:gd name="connsiteX73" fmla="*/ 39000 w 5890490"/>
+                <a:gd name="connsiteY73" fmla="*/ 4375677 h 6578439"/>
+                <a:gd name="connsiteX74" fmla="*/ 31610 w 5890490"/>
+                <a:gd name="connsiteY74" fmla="*/ 4333674 h 6578439"/>
+                <a:gd name="connsiteX75" fmla="*/ 18868 w 5890490"/>
+                <a:gd name="connsiteY75" fmla="*/ 4249417 h 6578439"/>
+                <a:gd name="connsiteX76" fmla="*/ 646 w 5890490"/>
+                <a:gd name="connsiteY76" fmla="*/ 3910265 h 6578439"/>
+                <a:gd name="connsiteX77" fmla="*/ 130234 w 5890490"/>
+                <a:gd name="connsiteY77" fmla="*/ 3248337 h 6578439"/>
+                <a:gd name="connsiteX78" fmla="*/ 335383 w 5890490"/>
+                <a:gd name="connsiteY78" fmla="*/ 2611911 h 6578439"/>
+                <a:gd name="connsiteX79" fmla="*/ 487272 w 5890490"/>
+                <a:gd name="connsiteY79" fmla="*/ 1958609 h 6578439"/>
+                <a:gd name="connsiteX80" fmla="*/ 508550 w 5890490"/>
+                <a:gd name="connsiteY80" fmla="*/ 1876227 h 6578439"/>
+                <a:gd name="connsiteX81" fmla="*/ 531742 w 5890490"/>
+                <a:gd name="connsiteY81" fmla="*/ 1793721 h 6578439"/>
+                <a:gd name="connsiteX82" fmla="*/ 558245 w 5890490"/>
+                <a:gd name="connsiteY82" fmla="*/ 1711465 h 6578439"/>
+                <a:gd name="connsiteX83" fmla="*/ 590100 w 5890490"/>
+                <a:gd name="connsiteY83" fmla="*/ 1630332 h 6578439"/>
+                <a:gd name="connsiteX84" fmla="*/ 758680 w 5890490"/>
+                <a:gd name="connsiteY84" fmla="*/ 1322433 h 6578439"/>
+                <a:gd name="connsiteX85" fmla="*/ 976317 w 5890490"/>
+                <a:gd name="connsiteY85" fmla="*/ 1049286 h 6578439"/>
+                <a:gd name="connsiteX86" fmla="*/ 1035314 w 5890490"/>
+                <a:gd name="connsiteY86" fmla="*/ 985406 h 6578439"/>
+                <a:gd name="connsiteX87" fmla="*/ 1095329 w 5890490"/>
+                <a:gd name="connsiteY87" fmla="*/ 922526 h 6578439"/>
+                <a:gd name="connsiteX88" fmla="*/ 1157384 w 5890490"/>
+                <a:gd name="connsiteY88" fmla="*/ 861271 h 6578439"/>
+                <a:gd name="connsiteX89" fmla="*/ 1220841 w 5890490"/>
+                <a:gd name="connsiteY89" fmla="*/ 801017 h 6578439"/>
+                <a:gd name="connsiteX90" fmla="*/ 1286462 w 5890490"/>
+                <a:gd name="connsiteY90" fmla="*/ 742886 h 6578439"/>
+                <a:gd name="connsiteX91" fmla="*/ 1353233 w 5890490"/>
+                <a:gd name="connsiteY91" fmla="*/ 685632 h 6578439"/>
+                <a:gd name="connsiteX92" fmla="*/ 1369924 w 5890490"/>
+                <a:gd name="connsiteY92" fmla="*/ 671256 h 6578439"/>
+                <a:gd name="connsiteX93" fmla="*/ 1387380 w 5890490"/>
+                <a:gd name="connsiteY93" fmla="*/ 657755 h 6578439"/>
+                <a:gd name="connsiteX94" fmla="*/ 1422422 w 5890490"/>
+                <a:gd name="connsiteY94" fmla="*/ 630877 h 6578439"/>
+                <a:gd name="connsiteX95" fmla="*/ 1492759 w 5890490"/>
+                <a:gd name="connsiteY95" fmla="*/ 577248 h 6578439"/>
+                <a:gd name="connsiteX96" fmla="*/ 1528820 w 5890490"/>
+                <a:gd name="connsiteY96" fmla="*/ 551496 h 6578439"/>
+                <a:gd name="connsiteX97" fmla="*/ 1565390 w 5890490"/>
+                <a:gd name="connsiteY97" fmla="*/ 526370 h 6578439"/>
+                <a:gd name="connsiteX98" fmla="*/ 1639040 w 5890490"/>
+                <a:gd name="connsiteY98" fmla="*/ 476490 h 6578439"/>
+                <a:gd name="connsiteX99" fmla="*/ 1792075 w 5890490"/>
+                <a:gd name="connsiteY99" fmla="*/ 384859 h 6578439"/>
+                <a:gd name="connsiteX100" fmla="*/ 2455943 w 5890490"/>
+                <a:gd name="connsiteY100" fmla="*/ 117836 h 6578439"/>
+                <a:gd name="connsiteX101" fmla="*/ 3159952 w 5890490"/>
+                <a:gd name="connsiteY101" fmla="*/ 7203 h 6578439"/>
+                <a:gd name="connsiteX102" fmla="*/ 3336813 w 5890490"/>
+                <a:gd name="connsiteY102" fmla="*/ 499 h 6578439"/>
+              </a:gdLst>
+              <a:ahLst/>
+              <a:cxnLst>
+                <a:cxn ang="0">
+                  <a:pos x="connsiteX0" y="connsiteY0"/>
+                </a:cxn>
+                <a:cxn ang="0">
+                  <a:pos x="connsiteX1" y="connsiteY1"/>
+                </a:cxn>
+                <a:cxn ang="0">
+                  <a:pos x="connsiteX2" y="connsiteY2"/>
+                </a:cxn>
+                <a:cxn ang="0">
+                  <a:pos x="connsiteX3" y="connsiteY3"/>
+                </a:cxn>
+                <a:cxn ang="0">
+                  <a:pos x="connsiteX4" y="connsiteY4"/>
+                </a:cxn>
+                <a:cxn ang="0">
+                  <a:pos x="connsiteX5" y="connsiteY5"/>
+                </a:cxn>
+                <a:cxn ang="0">
+                  <a:pos x="connsiteX6" y="connsiteY6"/>
+                </a:cxn>
+                <a:cxn ang="0">
+                  <a:pos x="connsiteX7" y="connsiteY7"/>
+                </a:cxn>
+                <a:cxn ang="0">
+                  <a:pos x="connsiteX8" y="connsiteY8"/>
+                </a:cxn>
+                <a:cxn ang="0">
+                  <a:pos x="connsiteX9" y="connsiteY9"/>
+                </a:cxn>
+                <a:cxn ang="0">
+                  <a:pos x="connsiteX10" y="connsiteY10"/>
+                </a:cxn>
+                <a:cxn ang="0">
+                  <a:pos x="connsiteX11" y="connsiteY11"/>
+                </a:cxn>
+                <a:cxn ang="0">
+                  <a:pos x="connsiteX12" y="connsiteY12"/>
+                </a:cxn>
+                <a:cxn ang="0">
+                  <a:pos x="connsiteX13" y="connsiteY13"/>
+                </a:cxn>
+                <a:cxn ang="0">
+                  <a:pos x="connsiteX14" y="connsiteY14"/>
+                </a:cxn>
+                <a:cxn ang="0">
+                  <a:pos x="connsiteX15" y="connsiteY15"/>
+                </a:cxn>
+                <a:cxn ang="0">
+                  <a:pos x="connsiteX16" y="connsiteY16"/>
+                </a:cxn>
+                <a:cxn ang="0">
+                  <a:pos x="connsiteX17" y="connsiteY17"/>
+                </a:cxn>
+                <a:cxn ang="0">
+                  <a:pos x="connsiteX18" y="connsiteY18"/>
+                </a:cxn>
+                <a:cxn ang="0">
+                  <a:pos x="connsiteX19" y="connsiteY19"/>
+                </a:cxn>
+                <a:cxn ang="0">
+                  <a:pos x="connsiteX20" y="connsiteY20"/>
+                </a:cxn>
+                <a:cxn ang="0">
+                  <a:pos x="connsiteX21" y="connsiteY21"/>
+                </a:cxn>
+                <a:cxn ang="0">
+                  <a:pos x="connsiteX22" y="connsiteY22"/>
+                </a:cxn>
+                <a:cxn ang="0">
+                  <a:pos x="connsiteX23" y="connsiteY23"/>
+                </a:cxn>
+                <a:cxn ang="0">
+                  <a:pos x="connsiteX24" y="connsiteY24"/>
+                </a:cxn>
+                <a:cxn ang="0">
+                  <a:pos x="connsiteX25" y="connsiteY25"/>
+                </a:cxn>
+                <a:cxn ang="0">
+                  <a:pos x="connsiteX26" y="connsiteY26"/>
+                </a:cxn>
+                <a:cxn ang="0">
+                  <a:pos x="connsiteX27" y="connsiteY27"/>
+                </a:cxn>
+                <a:cxn ang="0">
+                  <a:pos x="connsiteX28" y="connsiteY28"/>
+                </a:cxn>
+                <a:cxn ang="0">
+                  <a:pos x="connsiteX29" y="connsiteY29"/>
+                </a:cxn>
+                <a:cxn ang="0">
+                  <a:pos x="connsiteX30" y="connsiteY30"/>
+                </a:cxn>
+                <a:cxn ang="0">
+                  <a:pos x="connsiteX31" y="connsiteY31"/>
+                </a:cxn>
+                <a:cxn ang="0">
+                  <a:pos x="connsiteX32" y="connsiteY32"/>
+                </a:cxn>
+                <a:cxn ang="0">
+                  <a:pos x="connsiteX33" y="connsiteY33"/>
+                </a:cxn>
+                <a:cxn ang="0">
+                  <a:pos x="connsiteX34" y="connsiteY34"/>
+                </a:cxn>
+                <a:cxn ang="0">
+                  <a:pos x="connsiteX35" y="connsiteY35"/>
+                </a:cxn>
+                <a:cxn ang="0">
+                  <a:pos x="connsiteX36" y="connsiteY36"/>
+                </a:cxn>
+                <a:cxn ang="0">
+                  <a:pos x="connsiteX37" y="connsiteY37"/>
+                </a:cxn>
+                <a:cxn ang="0">
+                  <a:pos x="connsiteX38" y="connsiteY38"/>
+                </a:cxn>
+                <a:cxn ang="0">
+                  <a:pos x="connsiteX39" y="connsiteY39"/>
+                </a:cxn>
+                <a:cxn ang="0">
+                  <a:pos x="connsiteX40" y="connsiteY40"/>
+                </a:cxn>
+                <a:cxn ang="0">
+                  <a:pos x="connsiteX41" y="connsiteY41"/>
+                </a:cxn>
+                <a:cxn ang="0">
+                  <a:pos x="connsiteX42" y="connsiteY42"/>
+                </a:cxn>
+                <a:cxn ang="0">
+                  <a:pos x="connsiteX43" y="connsiteY43"/>
+                </a:cxn>
+                <a:cxn ang="0">
+                  <a:pos x="connsiteX44" y="connsiteY44"/>
+                </a:cxn>
+                <a:cxn ang="0">
+                  <a:pos x="connsiteX45" y="connsiteY45"/>
+                </a:cxn>
+                <a:cxn ang="0">
+                  <a:pos x="connsiteX46" y="connsiteY46"/>
+                </a:cxn>
+                <a:cxn ang="0">
+                  <a:pos x="connsiteX47" y="connsiteY47"/>
+                </a:cxn>
+                <a:cxn ang="0">
+                  <a:pos x="connsiteX48" y="connsiteY48"/>
+                </a:cxn>
+                <a:cxn ang="0">
+                  <a:pos x="connsiteX49" y="connsiteY49"/>
+                </a:cxn>
+                <a:cxn ang="0">
+                  <a:pos x="connsiteX50" y="connsiteY50"/>
+                </a:cxn>
+                <a:cxn ang="0">
+                  <a:pos x="connsiteX51" y="connsiteY51"/>
+                </a:cxn>
+                <a:cxn ang="0">
+                  <a:pos x="connsiteX52" y="connsiteY52"/>
+                </a:cxn>
+                <a:cxn ang="0">
+                  <a:pos x="connsiteX53" y="connsiteY53"/>
+                </a:cxn>
+                <a:cxn ang="0">
+                  <a:pos x="connsiteX54" y="connsiteY54"/>
+                </a:cxn>
+                <a:cxn ang="0">
+                  <a:pos x="connsiteX55" y="connsiteY55"/>
+                </a:cxn>
+                <a:cxn ang="0">
+                  <a:pos x="connsiteX56" y="connsiteY56"/>
+                </a:cxn>
+                <a:cxn ang="0">
+                  <a:pos x="connsiteX57" y="connsiteY57"/>
+                </a:cxn>
+                <a:cxn ang="0">
+                  <a:pos x="connsiteX58" y="connsiteY58"/>
+                </a:cxn>
+                <a:cxn ang="0">
+                  <a:pos x="connsiteX59" y="connsiteY59"/>
+                </a:cxn>
+                <a:cxn ang="0">
+                  <a:pos x="connsiteX60" y="connsiteY60"/>
+                </a:cxn>
+                <a:cxn ang="0">
+                  <a:pos x="connsiteX61" y="connsiteY61"/>
+                </a:cxn>
+                <a:cxn ang="0">
+                  <a:pos x="connsiteX62" y="connsiteY62"/>
+                </a:cxn>
+                <a:cxn ang="0">
+                  <a:pos x="connsiteX63" y="connsiteY63"/>
+                </a:cxn>
+                <a:cxn ang="0">
+                  <a:pos x="connsiteX64" y="connsiteY64"/>
+                </a:cxn>
+                <a:cxn ang="0">
+                  <a:pos x="connsiteX65" y="connsiteY65"/>
+                </a:cxn>
+                <a:cxn ang="0">
+                  <a:pos x="connsiteX66" y="connsiteY66"/>
+                </a:cxn>
+                <a:cxn ang="0">
+                  <a:pos x="connsiteX67" y="connsiteY67"/>
+                </a:cxn>
+                <a:cxn ang="0">
+                  <a:pos x="connsiteX68" y="connsiteY68"/>
+                </a:cxn>
+                <a:cxn ang="0">
+                  <a:pos x="connsiteX69" y="connsiteY69"/>
+                </a:cxn>
+                <a:cxn ang="0">
+                  <a:pos x="connsiteX70" y="connsiteY70"/>
+                </a:cxn>
+                <a:cxn ang="0">
+                  <a:pos x="connsiteX71" y="connsiteY71"/>
+                </a:cxn>
+                <a:cxn ang="0">
+                  <a:pos x="connsiteX72" y="connsiteY72"/>
+                </a:cxn>
+                <a:cxn ang="0">
+                  <a:pos x="connsiteX73" y="connsiteY73"/>
+                </a:cxn>
+                <a:cxn ang="0">
+                  <a:pos x="connsiteX74" y="connsiteY74"/>
+                </a:cxn>
+                <a:cxn ang="0">
+                  <a:pos x="connsiteX75" y="connsiteY75"/>
+                </a:cxn>
+                <a:cxn ang="0">
+                  <a:pos x="connsiteX76" y="connsiteY76"/>
+                </a:cxn>
+                <a:cxn ang="0">
+                  <a:pos x="connsiteX77" y="connsiteY77"/>
+                </a:cxn>
+                <a:cxn ang="0">
+                  <a:pos x="connsiteX78" y="connsiteY78"/>
+                </a:cxn>
+                <a:cxn ang="0">
+                  <a:pos x="connsiteX79" y="connsiteY79"/>
+                </a:cxn>
+                <a:cxn ang="0">
+                  <a:pos x="connsiteX80" y="connsiteY80"/>
+                </a:cxn>
+                <a:cxn ang="0">
+                  <a:pos x="connsiteX81" y="connsiteY81"/>
+                </a:cxn>
+                <a:cxn ang="0">
+                  <a:pos x="connsiteX82" y="connsiteY82"/>
+                </a:cxn>
+                <a:cxn ang="0">
+                  <a:pos x="connsiteX83" y="connsiteY83"/>
+                </a:cxn>
+                <a:cxn ang="0">
+                  <a:pos x="connsiteX84" y="connsiteY84"/>
+                </a:cxn>
+                <a:cxn ang="0">
+                  <a:pos x="connsiteX85" y="connsiteY85"/>
+                </a:cxn>
+                <a:cxn ang="0">
+                  <a:pos x="connsiteX86" y="connsiteY86"/>
+                </a:cxn>
+                <a:cxn ang="0">
+                  <a:pos x="connsiteX87" y="connsiteY87"/>
+                </a:cxn>
+                <a:cxn ang="0">
+                  <a:pos x="connsiteX88" y="connsiteY88"/>
+                </a:cxn>
+                <a:cxn ang="0">
+                  <a:pos x="connsiteX89" y="connsiteY89"/>
+                </a:cxn>
+                <a:cxn ang="0">
+                  <a:pos x="connsiteX90" y="connsiteY90"/>
+                </a:cxn>
+                <a:cxn ang="0">
+                  <a:pos x="connsiteX91" y="connsiteY91"/>
+                </a:cxn>
+                <a:cxn ang="0">
+                  <a:pos x="connsiteX92" y="connsiteY92"/>
+                </a:cxn>
+                <a:cxn ang="0">
+                  <a:pos x="connsiteX93" y="connsiteY93"/>
+                </a:cxn>
+                <a:cxn ang="0">
+                  <a:pos x="connsiteX94" y="connsiteY94"/>
+                </a:cxn>
+                <a:cxn ang="0">
+                  <a:pos x="connsiteX95" y="connsiteY95"/>
+                </a:cxn>
+                <a:cxn ang="0">
+                  <a:pos x="connsiteX96" y="connsiteY96"/>
+                </a:cxn>
+                <a:cxn ang="0">
+                  <a:pos x="connsiteX97" y="connsiteY97"/>
+                </a:cxn>
+                <a:cxn ang="0">
+                  <a:pos x="connsiteX98" y="connsiteY98"/>
+                </a:cxn>
+                <a:cxn ang="0">
+                  <a:pos x="connsiteX99" y="connsiteY99"/>
+                </a:cxn>
+                <a:cxn ang="0">
+                  <a:pos x="connsiteX100" y="connsiteY100"/>
+                </a:cxn>
+                <a:cxn ang="0">
+                  <a:pos x="connsiteX101" y="connsiteY101"/>
+                </a:cxn>
+                <a:cxn ang="0">
+                  <a:pos x="connsiteX102" y="connsiteY102"/>
+                </a:cxn>
+              </a:cxnLst>
+              <a:rect l="l" t="t" r="r" b="b"/>
+              <a:pathLst>
+                <a:path w="5890490" h="6578439">
+                  <a:moveTo>
+                    <a:pt x="5890490" y="5389037"/>
+                  </a:moveTo>
+                  <a:lnTo>
+                    <a:pt x="5890490" y="5855587"/>
+                  </a:lnTo>
+                  <a:lnTo>
+                    <a:pt x="5784593" y="5962054"/>
+                  </a:lnTo>
+                  <a:cubicBezTo>
+                    <a:pt x="5744454" y="6002308"/>
+                    <a:pt x="5704062" y="6042436"/>
+                    <a:pt x="5663414" y="6082564"/>
+                  </a:cubicBezTo>
+                  <a:cubicBezTo>
+                    <a:pt x="5500314" y="6242577"/>
+                    <a:pt x="5330970" y="6400714"/>
+                    <a:pt x="5147099" y="6547726"/>
+                  </a:cubicBezTo>
+                  <a:lnTo>
+                    <a:pt x="5105015" y="6578439"/>
+                  </a:lnTo>
+                  <a:lnTo>
+                    <a:pt x="4385601" y="6578439"/>
+                  </a:lnTo>
+                  <a:lnTo>
+                    <a:pt x="4507252" y="6515968"/>
+                  </a:lnTo>
+                  <a:cubicBezTo>
+                    <a:pt x="4645901" y="6439679"/>
+                    <a:pt x="4779837" y="6350961"/>
+                    <a:pt x="4909330" y="6253453"/>
+                  </a:cubicBezTo>
+                  <a:cubicBezTo>
+                    <a:pt x="5082369" y="6123567"/>
+                    <a:pt x="5248145" y="5979180"/>
+                    <a:pt x="5411374" y="5828544"/>
+                  </a:cubicBezTo>
+                  <a:cubicBezTo>
+                    <a:pt x="5452149" y="5790791"/>
+                    <a:pt x="5492924" y="5752788"/>
+                    <a:pt x="5533570" y="5714534"/>
+                  </a:cubicBezTo>
+                  <a:lnTo>
+                    <a:pt x="5657425" y="5597650"/>
+                  </a:lnTo>
+                  <a:close/>
+                  <a:moveTo>
+                    <a:pt x="3336813" y="499"/>
+                  </a:moveTo>
+                  <a:cubicBezTo>
+                    <a:pt x="3395682" y="-392"/>
+                    <a:pt x="3454550" y="-48"/>
+                    <a:pt x="3513674" y="1202"/>
+                  </a:cubicBezTo>
+                  <a:lnTo>
+                    <a:pt x="3602743" y="4827"/>
+                  </a:lnTo>
+                  <a:lnTo>
+                    <a:pt x="3647213" y="6703"/>
+                  </a:lnTo>
+                  <a:cubicBezTo>
+                    <a:pt x="3661994" y="7327"/>
+                    <a:pt x="3676903" y="7703"/>
+                    <a:pt x="3691684" y="9453"/>
+                  </a:cubicBezTo>
+                  <a:lnTo>
+                    <a:pt x="3868927" y="27080"/>
+                  </a:lnTo>
+                  <a:cubicBezTo>
+                    <a:pt x="4340645" y="85584"/>
+                    <a:pt x="4795160" y="243221"/>
+                    <a:pt x="5200872" y="472240"/>
+                  </a:cubicBezTo>
+                  <a:cubicBezTo>
+                    <a:pt x="5403855" y="587124"/>
+                    <a:pt x="5594988" y="719447"/>
+                    <a:pt x="5772711" y="866334"/>
+                  </a:cubicBezTo>
+                  <a:lnTo>
+                    <a:pt x="5890490" y="972426"/>
+                  </a:lnTo>
+                  <a:lnTo>
+                    <a:pt x="5890490" y="1158576"/>
+                  </a:lnTo>
+                  <a:lnTo>
+                    <a:pt x="5676045" y="986969"/>
+                  </a:lnTo>
+                  <a:cubicBezTo>
+                    <a:pt x="5496587" y="857740"/>
+                    <a:pt x="5304275" y="746699"/>
+                    <a:pt x="5103776" y="655879"/>
+                  </a:cubicBezTo>
+                  <a:cubicBezTo>
+                    <a:pt x="4903214" y="564747"/>
+                    <a:pt x="4695006" y="492492"/>
+                    <a:pt x="4482465" y="440363"/>
+                  </a:cubicBezTo>
+                  <a:lnTo>
+                    <a:pt x="4402444" y="422111"/>
+                  </a:lnTo>
+                  <a:cubicBezTo>
+                    <a:pt x="4375813" y="416111"/>
+                    <a:pt x="4349436" y="408859"/>
+                    <a:pt x="4322423" y="404610"/>
+                  </a:cubicBezTo>
+                  <a:lnTo>
+                    <a:pt x="4241892" y="389858"/>
+                  </a:lnTo>
+                  <a:lnTo>
+                    <a:pt x="4201627" y="382483"/>
+                  </a:lnTo>
+                  <a:cubicBezTo>
+                    <a:pt x="4188248" y="379983"/>
+                    <a:pt x="4174869" y="377483"/>
+                    <a:pt x="4161234" y="375857"/>
+                  </a:cubicBezTo>
+                  <a:cubicBezTo>
+                    <a:pt x="4107208" y="368482"/>
+                    <a:pt x="4053308" y="360482"/>
+                    <a:pt x="3999280" y="353606"/>
+                  </a:cubicBezTo>
+                  <a:cubicBezTo>
+                    <a:pt x="3944999" y="348855"/>
+                    <a:pt x="3890844" y="343854"/>
+                    <a:pt x="3836817" y="338480"/>
+                  </a:cubicBezTo>
+                  <a:lnTo>
+                    <a:pt x="3673972" y="330604"/>
+                  </a:lnTo>
+                  <a:cubicBezTo>
+                    <a:pt x="3619690" y="329104"/>
+                    <a:pt x="3565281" y="329604"/>
+                    <a:pt x="3511126" y="328978"/>
+                  </a:cubicBezTo>
+                  <a:cubicBezTo>
+                    <a:pt x="3402054" y="330728"/>
+                    <a:pt x="3291706" y="334604"/>
+                    <a:pt x="3183142" y="342854"/>
+                  </a:cubicBezTo>
+                  <a:cubicBezTo>
+                    <a:pt x="2965505" y="358855"/>
+                    <a:pt x="2750670" y="389733"/>
+                    <a:pt x="2541444" y="439988"/>
+                  </a:cubicBezTo>
+                  <a:cubicBezTo>
+                    <a:pt x="2332216" y="490117"/>
+                    <a:pt x="2128850" y="559997"/>
+                    <a:pt x="1933895" y="650505"/>
+                  </a:cubicBezTo>
+                  <a:cubicBezTo>
+                    <a:pt x="1738939" y="741261"/>
+                    <a:pt x="1553540" y="854146"/>
+                    <a:pt x="1378079" y="983905"/>
+                  </a:cubicBezTo>
+                  <a:lnTo>
+                    <a:pt x="1312967" y="1033660"/>
+                  </a:lnTo>
+                  <a:cubicBezTo>
+                    <a:pt x="1291178" y="1050286"/>
+                    <a:pt x="1269006" y="1066412"/>
+                    <a:pt x="1248364" y="1084413"/>
+                  </a:cubicBezTo>
+                  <a:lnTo>
+                    <a:pt x="1185163" y="1137168"/>
+                  </a:lnTo>
+                  <a:cubicBezTo>
+                    <a:pt x="1164138" y="1154794"/>
+                    <a:pt x="1142603" y="1172046"/>
+                    <a:pt x="1122852" y="1190922"/>
+                  </a:cubicBezTo>
+                  <a:cubicBezTo>
+                    <a:pt x="1041557" y="1264303"/>
+                    <a:pt x="961663" y="1339309"/>
+                    <a:pt x="892092" y="1421440"/>
+                  </a:cubicBezTo>
+                  <a:cubicBezTo>
+                    <a:pt x="819589" y="1501822"/>
+                    <a:pt x="759827" y="1590329"/>
+                    <a:pt x="707202" y="1684212"/>
+                  </a:cubicBezTo>
+                  <a:cubicBezTo>
+                    <a:pt x="694715" y="1708089"/>
+                    <a:pt x="682227" y="1731841"/>
+                    <a:pt x="670121" y="1756093"/>
+                  </a:cubicBezTo>
+                  <a:lnTo>
+                    <a:pt x="637630" y="1830724"/>
+                  </a:lnTo>
+                  <a:cubicBezTo>
+                    <a:pt x="626161" y="1855350"/>
+                    <a:pt x="617624" y="1881603"/>
+                    <a:pt x="607685" y="1907105"/>
+                  </a:cubicBezTo>
+                  <a:cubicBezTo>
+                    <a:pt x="598128" y="1932857"/>
+                    <a:pt x="588317" y="1958483"/>
+                    <a:pt x="580034" y="1984986"/>
+                  </a:cubicBezTo>
+                  <a:cubicBezTo>
+                    <a:pt x="544611" y="2089620"/>
+                    <a:pt x="513393" y="2197128"/>
+                    <a:pt x="481919" y="2304386"/>
+                  </a:cubicBezTo>
+                  <a:lnTo>
+                    <a:pt x="433881" y="2465399"/>
+                  </a:lnTo>
+                  <a:lnTo>
+                    <a:pt x="384442" y="2626163"/>
+                  </a:lnTo>
+                  <a:cubicBezTo>
+                    <a:pt x="317672" y="2839680"/>
+                    <a:pt x="243129" y="3050946"/>
+                    <a:pt x="166039" y="3261338"/>
+                  </a:cubicBezTo>
+                  <a:cubicBezTo>
+                    <a:pt x="88822" y="3468979"/>
+                    <a:pt x="50850" y="3690248"/>
+                    <a:pt x="56202" y="3910265"/>
+                  </a:cubicBezTo>
+                  <a:cubicBezTo>
+                    <a:pt x="58495" y="4020274"/>
+                    <a:pt x="71493" y="4129783"/>
+                    <a:pt x="93664" y="4237292"/>
+                  </a:cubicBezTo>
+                  <a:cubicBezTo>
+                    <a:pt x="99143" y="4264168"/>
+                    <a:pt x="104623" y="4291045"/>
+                    <a:pt x="111758" y="4317548"/>
+                  </a:cubicBezTo>
+                  <a:cubicBezTo>
+                    <a:pt x="118384" y="4344176"/>
+                    <a:pt x="124627" y="4370802"/>
+                    <a:pt x="133038" y="4397054"/>
+                  </a:cubicBezTo>
+                  <a:cubicBezTo>
+                    <a:pt x="140810" y="4423307"/>
+                    <a:pt x="148456" y="4449683"/>
+                    <a:pt x="157757" y="4475560"/>
+                  </a:cubicBezTo>
+                  <a:cubicBezTo>
+                    <a:pt x="166549" y="4501562"/>
+                    <a:pt x="175087" y="4527564"/>
+                    <a:pt x="185153" y="4553066"/>
+                  </a:cubicBezTo>
+                  <a:cubicBezTo>
+                    <a:pt x="262371" y="4758458"/>
+                    <a:pt x="368895" y="4951974"/>
+                    <a:pt x="493642" y="5132239"/>
+                  </a:cubicBezTo>
+                  <a:cubicBezTo>
+                    <a:pt x="618389" y="5312627"/>
+                    <a:pt x="760846" y="5480391"/>
+                    <a:pt x="914391" y="5636528"/>
+                  </a:cubicBezTo>
+                  <a:cubicBezTo>
+                    <a:pt x="1069081" y="5793166"/>
+                    <a:pt x="1231544" y="5941677"/>
+                    <a:pt x="1402034" y="6076188"/>
+                  </a:cubicBezTo>
+                  <a:cubicBezTo>
+                    <a:pt x="1487535" y="6143320"/>
+                    <a:pt x="1574565" y="6207574"/>
+                    <a:pt x="1664397" y="6267079"/>
+                  </a:cubicBezTo>
+                  <a:cubicBezTo>
+                    <a:pt x="1753592" y="6327459"/>
+                    <a:pt x="1845336" y="6383088"/>
+                    <a:pt x="1938992" y="6434343"/>
+                  </a:cubicBezTo>
+                  <a:cubicBezTo>
+                    <a:pt x="2032647" y="6485659"/>
+                    <a:pt x="2128309" y="6532600"/>
+                    <a:pt x="2225931" y="6574322"/>
+                  </a:cubicBezTo>
+                  <a:lnTo>
+                    <a:pt x="2236328" y="6578439"/>
+                  </a:lnTo>
+                  <a:lnTo>
+                    <a:pt x="1504665" y="6578439"/>
+                  </a:lnTo>
+                  <a:lnTo>
+                    <a:pt x="1456827" y="6543476"/>
+                  </a:lnTo>
+                  <a:cubicBezTo>
+                    <a:pt x="1363554" y="6470595"/>
+                    <a:pt x="1273848" y="6394340"/>
+                    <a:pt x="1188475" y="6314083"/>
+                  </a:cubicBezTo>
+                  <a:cubicBezTo>
+                    <a:pt x="1017856" y="6153445"/>
+                    <a:pt x="863803" y="5979931"/>
+                    <a:pt x="721728" y="5798666"/>
+                  </a:cubicBezTo>
+                  <a:cubicBezTo>
+                    <a:pt x="579397" y="5616027"/>
+                    <a:pt x="452103" y="5422511"/>
+                    <a:pt x="344175" y="5219495"/>
+                  </a:cubicBezTo>
+                  <a:cubicBezTo>
+                    <a:pt x="236505" y="5016354"/>
+                    <a:pt x="147946" y="4803586"/>
+                    <a:pt x="87293" y="4583569"/>
+                  </a:cubicBezTo>
+                  <a:cubicBezTo>
+                    <a:pt x="79138" y="4556193"/>
+                    <a:pt x="72639" y="4528440"/>
+                    <a:pt x="65886" y="4500813"/>
+                  </a:cubicBezTo>
+                  <a:cubicBezTo>
+                    <a:pt x="58751" y="4473311"/>
+                    <a:pt x="53144" y="4445308"/>
+                    <a:pt x="47409" y="4417431"/>
+                  </a:cubicBezTo>
+                  <a:cubicBezTo>
+                    <a:pt x="44733" y="4403430"/>
+                    <a:pt x="41294" y="4389679"/>
+                    <a:pt x="39000" y="4375677"/>
+                  </a:cubicBezTo>
+                  <a:lnTo>
+                    <a:pt x="31610" y="4333674"/>
+                  </a:lnTo>
+                  <a:cubicBezTo>
+                    <a:pt x="26258" y="4305797"/>
+                    <a:pt x="22563" y="4277544"/>
+                    <a:pt x="18868" y="4249417"/>
+                  </a:cubicBezTo>
+                  <a:cubicBezTo>
+                    <a:pt x="4214" y="4136784"/>
+                    <a:pt x="-2158" y="4023275"/>
+                    <a:pt x="646" y="3910265"/>
+                  </a:cubicBezTo>
+                  <a:cubicBezTo>
+                    <a:pt x="5997" y="3683872"/>
+                    <a:pt x="50596" y="3459605"/>
+                    <a:pt x="130234" y="3248337"/>
+                  </a:cubicBezTo>
+                  <a:cubicBezTo>
+                    <a:pt x="207961" y="3039196"/>
+                    <a:pt x="278044" y="2827179"/>
+                    <a:pt x="335383" y="2611911"/>
+                  </a:cubicBezTo>
+                  <a:cubicBezTo>
+                    <a:pt x="393743" y="2396644"/>
+                    <a:pt x="435792" y="2178627"/>
+                    <a:pt x="487272" y="1958609"/>
+                  </a:cubicBezTo>
+                  <a:cubicBezTo>
+                    <a:pt x="493259" y="1931107"/>
+                    <a:pt x="501287" y="1903730"/>
+                    <a:pt x="508550" y="1876227"/>
+                  </a:cubicBezTo>
+                  <a:cubicBezTo>
+                    <a:pt x="516195" y="1848725"/>
+                    <a:pt x="522312" y="1820972"/>
+                    <a:pt x="531742" y="1793721"/>
+                  </a:cubicBezTo>
+                  <a:lnTo>
+                    <a:pt x="558245" y="1711465"/>
+                  </a:lnTo>
+                  <a:cubicBezTo>
+                    <a:pt x="568439" y="1684337"/>
+                    <a:pt x="579652" y="1657459"/>
+                    <a:pt x="590100" y="1630332"/>
+                  </a:cubicBezTo>
+                  <a:cubicBezTo>
+                    <a:pt x="635080" y="1523075"/>
+                    <a:pt x="690637" y="1417566"/>
+                    <a:pt x="758680" y="1322433"/>
+                  </a:cubicBezTo>
+                  <a:cubicBezTo>
+                    <a:pt x="824430" y="1225051"/>
+                    <a:pt x="899610" y="1136168"/>
+                    <a:pt x="976317" y="1049286"/>
+                  </a:cubicBezTo>
+                  <a:cubicBezTo>
+                    <a:pt x="995049" y="1027035"/>
+                    <a:pt x="1015436" y="1006533"/>
+                    <a:pt x="1035314" y="985406"/>
+                  </a:cubicBezTo>
+                  <a:lnTo>
+                    <a:pt x="1095329" y="922526"/>
+                  </a:lnTo>
+                  <a:cubicBezTo>
+                    <a:pt x="1114953" y="901149"/>
+                    <a:pt x="1136359" y="881397"/>
+                    <a:pt x="1157384" y="861271"/>
+                  </a:cubicBezTo>
+                  <a:lnTo>
+                    <a:pt x="1220841" y="801017"/>
+                  </a:lnTo>
+                  <a:cubicBezTo>
+                    <a:pt x="1241610" y="780514"/>
+                    <a:pt x="1264418" y="762014"/>
+                    <a:pt x="1286462" y="742886"/>
+                  </a:cubicBezTo>
+                  <a:lnTo>
+                    <a:pt x="1353233" y="685632"/>
+                  </a:lnTo>
+                  <a:lnTo>
+                    <a:pt x="1369924" y="671256"/>
+                  </a:lnTo>
+                  <a:cubicBezTo>
+                    <a:pt x="1375658" y="666631"/>
+                    <a:pt x="1381520" y="662255"/>
+                    <a:pt x="1387380" y="657755"/>
+                  </a:cubicBezTo>
+                  <a:lnTo>
+                    <a:pt x="1422422" y="630877"/>
+                  </a:lnTo>
+                  <a:lnTo>
+                    <a:pt x="1492759" y="577248"/>
+                  </a:lnTo>
+                  <a:cubicBezTo>
+                    <a:pt x="1504355" y="567997"/>
+                    <a:pt x="1516714" y="559997"/>
+                    <a:pt x="1528820" y="551496"/>
+                  </a:cubicBezTo>
+                  <a:lnTo>
+                    <a:pt x="1565390" y="526370"/>
+                  </a:lnTo>
+                  <a:lnTo>
+                    <a:pt x="1639040" y="476490"/>
+                  </a:lnTo>
+                  <a:cubicBezTo>
+                    <a:pt x="1689754" y="445613"/>
+                    <a:pt x="1740723" y="414986"/>
+                    <a:pt x="1792075" y="384859"/>
+                  </a:cubicBezTo>
+                  <a:cubicBezTo>
+                    <a:pt x="2000282" y="268724"/>
+                    <a:pt x="2224927" y="179467"/>
+                    <a:pt x="2455943" y="117836"/>
+                  </a:cubicBezTo>
+                  <a:cubicBezTo>
+                    <a:pt x="2687088" y="55957"/>
+                    <a:pt x="2923964" y="21204"/>
+                    <a:pt x="3159952" y="7203"/>
+                  </a:cubicBezTo>
+                  <a:cubicBezTo>
+                    <a:pt x="3219076" y="3515"/>
+                    <a:pt x="3277945" y="1389"/>
+                    <a:pt x="3336813" y="499"/>
+                  </a:cubicBezTo>
+                  <a:close/>
+                </a:path>
+              </a:pathLst>
+            </a:custGeom>
+            <a:gradFill flip="none" rotWithShape="1">
+              <a:gsLst>
+                <a:gs pos="2000">
+                  <a:schemeClr val="bg1">
+                    <a:alpha val="10000"/>
+                  </a:schemeClr>
+                </a:gs>
+                <a:gs pos="16000">
+                  <a:schemeClr val="accent6">
+                    <a:alpha val="5000"/>
+                  </a:schemeClr>
+                </a:gs>
+                <a:gs pos="100000">
+                  <a:schemeClr val="bg1">
+                    <a:alpha val="10000"/>
+                  </a:schemeClr>
+                </a:gs>
+                <a:gs pos="85000">
+                  <a:schemeClr val="accent1">
+                    <a:alpha val="10000"/>
+                  </a:schemeClr>
+                </a:gs>
+              </a:gsLst>
+              <a:lin ang="12000000" scaled="0"/>
+              <a:tileRect/>
+            </a:gradFill>
+            <a:ln>
+              <a:noFill/>
+            </a:ln>
+          </p:spPr>
+          <p:style>
+            <a:lnRef idx="2">
+              <a:schemeClr val="accent1">
+                <a:shade val="50000"/>
+              </a:schemeClr>
+            </a:lnRef>
+            <a:fillRef idx="1">
+              <a:schemeClr val="accent1"/>
+            </a:fillRef>
+            <a:effectRef idx="0">
+              <a:schemeClr val="accent1"/>
+            </a:effectRef>
+            <a:fontRef idx="minor">
+              <a:schemeClr val="lt1"/>
+            </a:fontRef>
+          </p:style>
+          <p:txBody>
+            <a:bodyPr rtlCol="0" anchor="ctr"/>
+            <a:lstStyle/>
+            <a:p>
+              <a:pPr algn="ctr"/>
+              <a:endParaRPr lang="en-US" dirty="0"/>
+            </a:p>
+          </p:txBody>
+        </p:sp>
+      </p:grpSp>
+      <p:pic>
+        <p:nvPicPr>
+          <p:cNvPr id="6" name="Graphic 5" descr="Play">
+            <a:extLst>
+              <a:ext uri="{FF2B5EF4-FFF2-40B4-BE49-F238E27FC236}">
+                <a16:creationId xmlns:a16="http://schemas.microsoft.com/office/drawing/2014/main" id="{2625DFBB-2765-5247-4B45-CAC692E17EBC}"/>
+              </a:ext>
+            </a:extLst>
+          </p:cNvPr>
+          <p:cNvPicPr>
+            <a:picLocks noChangeAspect="1"/>
+          </p:cNvPicPr>
+          <p:nvPr/>
+        </p:nvPicPr>
+        <p:blipFill>
+          <a:blip r:embed="rId2">
+            <a:extLst>
+              <a:ext uri="{28A0092B-C50C-407E-A947-70E740481C1C}">
+                <a14:useLocalDpi xmlns:a14="http://schemas.microsoft.com/office/drawing/2010/main" val="0"/>
+              </a:ext>
+              <a:ext uri="{96DAC541-7B7A-43D3-8B79-37D633B846F1}">
+                <asvg:svgBlip xmlns:asvg="http://schemas.microsoft.com/office/drawing/2016/SVG/main" r:embed="rId3"/>
+              </a:ext>
+            </a:extLst>
+          </a:blip>
+          <a:stretch>
+            <a:fillRect/>
+          </a:stretch>
+        </p:blipFill>
+        <p:spPr>
+          <a:xfrm>
+            <a:off x="7729652" y="1859078"/>
+            <a:ext cx="3821102" cy="3821102"/>
+          </a:xfrm>
+          <a:prstGeom prst="rect">
+            <a:avLst/>
+          </a:prstGeom>
+          <a:ln>
+            <a:noFill/>
+          </a:ln>
+        </p:spPr>
+      </p:pic>
+    </p:spTree>
+    <p:extLst>
+      <p:ext uri="{BB962C8B-B14F-4D97-AF65-F5344CB8AC3E}">
+        <p14:creationId xmlns:p14="http://schemas.microsoft.com/office/powerpoint/2010/main" val="369694898"/>
+      </p:ext>
+    </p:extLst>
+  </p:cSld>
+  <p:clrMapOvr>
+    <a:masterClrMapping/>
+  </p:clrMapOvr>
+  <p:timing>
+    <p:tnLst>
+      <p:par>
+        <p:cTn id="1" dur="indefinite" restart="never" nodeType="tmRoot">
+          <p:childTnLst>
+            <p:seq concurrent="1" nextAc="seek">
+              <p:cTn id="2" dur="indefinite" nodeType="mainSeq">
+                <p:childTnLst>
+                  <p:par>
+                    <p:cTn id="3" fill="hold">
+                      <p:stCondLst>
+                        <p:cond delay="indefinite"/>
+                        <p:cond evt="onBegin" delay="0">
+                          <p:tn val="2"/>
+                        </p:cond>
+                      </p:stCondLst>
+                      <p:childTnLst>
+                        <p:par>
+                          <p:cTn id="4" fill="hold">
+                            <p:stCondLst>
+                              <p:cond delay="0"/>
+                            </p:stCondLst>
+                            <p:childTnLst>
+                              <p:par>
+                                <p:cTn id="5" presetID="10" presetClass="entr" presetSubtype="0" fill="hold" nodeType="withEffect">
+                                  <p:stCondLst>
+                                    <p:cond delay="500"/>
+                                  </p:stCondLst>
+                                  <p:iterate>
+                                    <p:tmPct val="10000"/>
+                                  </p:iterate>
+                                  <p:childTnLst>
+                                    <p:set>
+                                      <p:cBhvr>
+                                        <p:cTn id="6" dur="1" fill="hold">
+                                          <p:stCondLst>
+                                            <p:cond delay="0"/>
+                                          </p:stCondLst>
+                                        </p:cTn>
+                                        <p:tgtEl>
+                                          <p:spTgt spid="6"/>
+                                        </p:tgtEl>
+                                        <p:attrNameLst>
+                                          <p:attrName>style.visibility</p:attrName>
+                                        </p:attrNameLst>
+                                      </p:cBhvr>
+                                      <p:to>
+                                        <p:strVal val="visible"/>
+                                      </p:to>
+                                    </p:set>
+                                    <p:animEffect transition="in" filter="fade">
+                                      <p:cBhvr>
+                                        <p:cTn id="7" dur="700"/>
+                                        <p:tgtEl>
+                                          <p:spTgt spid="6"/>
+                                        </p:tgtEl>
+                                      </p:cBhvr>
+                                    </p:animEffect>
+                                  </p:childTnLst>
+                                </p:cTn>
+                              </p:par>
+                            </p:childTnLst>
+                          </p:cTn>
+                        </p:par>
+                      </p:childTnLst>
+                    </p:cTn>
+                  </p:par>
+                </p:childTnLst>
+              </p:cTn>
+              <p:prevCondLst>
+                <p:cond evt="onPrev" delay="0">
+                  <p:tgtEl>
+                    <p:sldTgt/>
+                  </p:tgtEl>
+                </p:cond>
+              </p:prevCondLst>
+              <p:nextCondLst>
+                <p:cond evt="onNext" delay="0">
+                  <p:tgtEl>
+                    <p:sldTgt/>
+                  </p:tgtEl>
+                </p:cond>
+              </p:nextCondLst>
+            </p:seq>
+          </p:childTnLst>
+        </p:cTn>
+      </p:par>
+    </p:tnLst>
+  </p:timing>
 </p:sld>
 </file>
 
@@ -17474,404 +20850,6 @@
 <file path=ppt/slides/slide5.xml><?xml version="1.0" encoding="utf-8"?>
 <p:sld xmlns:a="http://schemas.openxmlformats.org/drawingml/2006/main" xmlns:r="http://schemas.openxmlformats.org/officeDocument/2006/relationships" xmlns:p="http://schemas.openxmlformats.org/presentationml/2006/main">
   <p:cSld>
-    <p:bg>
-      <p:bgPr>
-        <a:solidFill>
-          <a:schemeClr val="bg1"/>
-        </a:solidFill>
-        <a:effectLst/>
-      </p:bgPr>
-    </p:bg>
-    <p:spTree>
-      <p:nvGrpSpPr>
-        <p:cNvPr id="1" name=""/>
-        <p:cNvGrpSpPr/>
-        <p:nvPr/>
-      </p:nvGrpSpPr>
-      <p:grpSpPr>
-        <a:xfrm>
-          <a:off x="0" y="0"/>
-          <a:ext cx="0" cy="0"/>
-          <a:chOff x="0" y="0"/>
-          <a:chExt cx="0" cy="0"/>
-        </a:xfrm>
-      </p:grpSpPr>
-      <p:sp useBgFill="1">
-        <p:nvSpPr>
-          <p:cNvPr id="8" name="Rectangle 7">
-            <a:extLst>
-              <a:ext uri="{FF2B5EF4-FFF2-40B4-BE49-F238E27FC236}">
-                <a16:creationId xmlns:a16="http://schemas.microsoft.com/office/drawing/2014/main" id="{1BB867FF-FC45-48F7-8104-F89BE54909F1}"/>
-              </a:ext>
-              <a:ext uri="{C183D7F6-B498-43B3-948B-1728B52AA6E4}">
-                <adec:decorative xmlns:adec="http://schemas.microsoft.com/office/drawing/2017/decorative" val="1"/>
-              </a:ext>
-            </a:extLst>
-          </p:cNvPr>
-          <p:cNvSpPr>
-            <a:spLocks noGrp="1" noRot="1" noChangeAspect="1" noMove="1" noResize="1" noEditPoints="1" noAdjustHandles="1" noChangeArrowheads="1" noChangeShapeType="1" noTextEdit="1"/>
-          </p:cNvSpPr>
-          <p:nvPr>
-            <p:extLst>
-              <p:ext uri="{386F3935-93C4-4BCD-93E2-E3B085C9AB24}">
-                <p16:designElem xmlns:p16="http://schemas.microsoft.com/office/powerpoint/2015/main" val="1"/>
-              </p:ext>
-            </p:extLst>
-          </p:nvPr>
-        </p:nvSpPr>
-        <p:spPr>
-          <a:xfrm>
-            <a:off x="3048" y="0"/>
-            <a:ext cx="12188952" cy="6858000"/>
-          </a:xfrm>
-          <a:prstGeom prst="rect">
-            <a:avLst/>
-          </a:prstGeom>
-          <a:ln>
-            <a:noFill/>
-          </a:ln>
-        </p:spPr>
-        <p:style>
-          <a:lnRef idx="2">
-            <a:schemeClr val="accent1">
-              <a:shade val="50000"/>
-            </a:schemeClr>
-          </a:lnRef>
-          <a:fillRef idx="1">
-            <a:schemeClr val="accent1"/>
-          </a:fillRef>
-          <a:effectRef idx="0">
-            <a:schemeClr val="accent1"/>
-          </a:effectRef>
-          <a:fontRef idx="minor">
-            <a:schemeClr val="lt1"/>
-          </a:fontRef>
-        </p:style>
-        <p:txBody>
-          <a:bodyPr rtlCol="0" anchor="ctr"/>
-          <a:lstStyle/>
-          <a:p>
-            <a:pPr algn="ctr"/>
-            <a:endParaRPr lang="en-US"/>
-          </a:p>
-        </p:txBody>
-      </p:sp>
-      <p:sp>
-        <p:nvSpPr>
-          <p:cNvPr id="10" name="Freeform: Shape 9">
-            <a:extLst>
-              <a:ext uri="{FF2B5EF4-FFF2-40B4-BE49-F238E27FC236}">
-                <a16:creationId xmlns:a16="http://schemas.microsoft.com/office/drawing/2014/main" id="{8BB56887-D0D5-4F0C-9E19-7247EB83C8B7}"/>
-              </a:ext>
-              <a:ext uri="{C183D7F6-B498-43B3-948B-1728B52AA6E4}">
-                <adec:decorative xmlns:adec="http://schemas.microsoft.com/office/drawing/2017/decorative" val="1"/>
-              </a:ext>
-            </a:extLst>
-          </p:cNvPr>
-          <p:cNvSpPr>
-            <a:spLocks noGrp="1" noRot="1" noChangeAspect="1" noMove="1" noResize="1" noEditPoints="1" noAdjustHandles="1" noChangeArrowheads="1" noChangeShapeType="1" noTextEdit="1"/>
-          </p:cNvSpPr>
-          <p:nvPr>
-            <p:extLst>
-              <p:ext uri="{386F3935-93C4-4BCD-93E2-E3B085C9AB24}">
-                <p16:designElem xmlns:p16="http://schemas.microsoft.com/office/powerpoint/2015/main" val="1"/>
-              </p:ext>
-            </p:extLst>
-          </p:nvPr>
-        </p:nvSpPr>
-        <p:spPr>
-          <a:xfrm>
-            <a:off x="10208695" y="1"/>
-            <a:ext cx="1135066" cy="477997"/>
-          </a:xfrm>
-          <a:custGeom>
-            <a:avLst/>
-            <a:gdLst>
-              <a:gd name="connsiteX0" fmla="*/ 0 w 1135066"/>
-              <a:gd name="connsiteY0" fmla="*/ 0 h 477997"/>
-              <a:gd name="connsiteX1" fmla="*/ 1135066 w 1135066"/>
-              <a:gd name="connsiteY1" fmla="*/ 0 h 477997"/>
-              <a:gd name="connsiteX2" fmla="*/ 1133370 w 1135066"/>
-              <a:gd name="connsiteY2" fmla="*/ 16827 h 477997"/>
-              <a:gd name="connsiteX3" fmla="*/ 567533 w 1135066"/>
-              <a:gd name="connsiteY3" fmla="*/ 477997 h 477997"/>
-              <a:gd name="connsiteX4" fmla="*/ 1696 w 1135066"/>
-              <a:gd name="connsiteY4" fmla="*/ 16827 h 477997"/>
-            </a:gdLst>
-            <a:ahLst/>
-            <a:cxnLst>
-              <a:cxn ang="0">
-                <a:pos x="connsiteX0" y="connsiteY0"/>
-              </a:cxn>
-              <a:cxn ang="0">
-                <a:pos x="connsiteX1" y="connsiteY1"/>
-              </a:cxn>
-              <a:cxn ang="0">
-                <a:pos x="connsiteX2" y="connsiteY2"/>
-              </a:cxn>
-              <a:cxn ang="0">
-                <a:pos x="connsiteX3" y="connsiteY3"/>
-              </a:cxn>
-              <a:cxn ang="0">
-                <a:pos x="connsiteX4" y="connsiteY4"/>
-              </a:cxn>
-            </a:cxnLst>
-            <a:rect l="l" t="t" r="r" b="b"/>
-            <a:pathLst>
-              <a:path w="1135066" h="477997">
-                <a:moveTo>
-                  <a:pt x="0" y="0"/>
-                </a:moveTo>
-                <a:lnTo>
-                  <a:pt x="1135066" y="0"/>
-                </a:lnTo>
-                <a:lnTo>
-                  <a:pt x="1133370" y="16827"/>
-                </a:lnTo>
-                <a:cubicBezTo>
-                  <a:pt x="1079514" y="280016"/>
-                  <a:pt x="846644" y="477997"/>
-                  <a:pt x="567533" y="477997"/>
-                </a:cubicBezTo>
-                <a:cubicBezTo>
-                  <a:pt x="288422" y="477997"/>
-                  <a:pt x="55552" y="280016"/>
-                  <a:pt x="1696" y="16827"/>
-                </a:cubicBezTo>
-                <a:close/>
-              </a:path>
-            </a:pathLst>
-          </a:custGeom>
-          <a:solidFill>
-            <a:schemeClr val="accent4"/>
-          </a:solidFill>
-          <a:ln>
-            <a:noFill/>
-          </a:ln>
-        </p:spPr>
-        <p:style>
-          <a:lnRef idx="2">
-            <a:schemeClr val="accent1">
-              <a:shade val="50000"/>
-            </a:schemeClr>
-          </a:lnRef>
-          <a:fillRef idx="1">
-            <a:schemeClr val="accent1"/>
-          </a:fillRef>
-          <a:effectRef idx="0">
-            <a:schemeClr val="accent1"/>
-          </a:effectRef>
-          <a:fontRef idx="minor">
-            <a:schemeClr val="lt1"/>
-          </a:fontRef>
-        </p:style>
-        <p:txBody>
-          <a:bodyPr wrap="square" rtlCol="0" anchor="ctr">
-            <a:noAutofit/>
-          </a:bodyPr>
-          <a:lstStyle/>
-          <a:p>
-            <a:pPr algn="ctr"/>
-            <a:endParaRPr lang="en-US"/>
-          </a:p>
-        </p:txBody>
-      </p:sp>
-      <p:sp>
-        <p:nvSpPr>
-          <p:cNvPr id="2" name="Title 1">
-            <a:extLst>
-              <a:ext uri="{FF2B5EF4-FFF2-40B4-BE49-F238E27FC236}">
-                <a16:creationId xmlns:a16="http://schemas.microsoft.com/office/drawing/2014/main" id="{6260972B-9874-90C3-C64E-07D183CF1D19}"/>
-              </a:ext>
-            </a:extLst>
-          </p:cNvPr>
-          <p:cNvSpPr>
-            <a:spLocks noGrp="1"/>
-          </p:cNvSpPr>
-          <p:nvPr>
-            <p:ph type="title"/>
-          </p:nvPr>
-        </p:nvSpPr>
-        <p:spPr>
-          <a:xfrm>
-            <a:off x="838200" y="365125"/>
-            <a:ext cx="10515600" cy="1325563"/>
-          </a:xfrm>
-        </p:spPr>
-        <p:txBody>
-          <a:bodyPr>
-            <a:normAutofit/>
-          </a:bodyPr>
-          <a:lstStyle/>
-          <a:p>
-            <a:r>
-              <a:rPr lang="en-US" dirty="0"/>
-              <a:t>Data Creation </a:t>
-            </a:r>
-          </a:p>
-        </p:txBody>
-      </p:sp>
-      <p:sp>
-        <p:nvSpPr>
-          <p:cNvPr id="12" name="Arc 11">
-            <a:extLst>
-              <a:ext uri="{FF2B5EF4-FFF2-40B4-BE49-F238E27FC236}">
-                <a16:creationId xmlns:a16="http://schemas.microsoft.com/office/drawing/2014/main" id="{081E4A58-353D-44AE-B2FC-2A74E2E400F7}"/>
-              </a:ext>
-              <a:ext uri="{C183D7F6-B498-43B3-948B-1728B52AA6E4}">
-                <adec:decorative xmlns:adec="http://schemas.microsoft.com/office/drawing/2017/decorative" val="1"/>
-              </a:ext>
-            </a:extLst>
-          </p:cNvPr>
-          <p:cNvSpPr>
-            <a:spLocks noGrp="1" noRot="1" noChangeAspect="1" noMove="1" noResize="1" noEditPoints="1" noAdjustHandles="1" noChangeArrowheads="1" noChangeShapeType="1" noTextEdit="1"/>
-          </p:cNvSpPr>
-          <p:nvPr>
-            <p:extLst>
-              <p:ext uri="{386F3935-93C4-4BCD-93E2-E3B085C9AB24}">
-                <p16:designElem xmlns:p16="http://schemas.microsoft.com/office/powerpoint/2015/main" val="1"/>
-              </p:ext>
-            </p:extLst>
-          </p:nvPr>
-        </p:nvSpPr>
-        <p:spPr>
-          <a:xfrm rot="5400000" flipV="1">
-            <a:off x="555710" y="2183223"/>
-            <a:ext cx="4083433" cy="4083433"/>
-          </a:xfrm>
-          <a:prstGeom prst="arc">
-            <a:avLst/>
-          </a:prstGeom>
-          <a:ln w="127000" cap="rnd">
-            <a:solidFill>
-              <a:schemeClr val="accent4"/>
-            </a:solidFill>
-            <a:prstDash val="dash"/>
-          </a:ln>
-        </p:spPr>
-        <p:style>
-          <a:lnRef idx="1">
-            <a:schemeClr val="accent1"/>
-          </a:lnRef>
-          <a:fillRef idx="0">
-            <a:schemeClr val="accent1"/>
-          </a:fillRef>
-          <a:effectRef idx="0">
-            <a:schemeClr val="accent1"/>
-          </a:effectRef>
-          <a:fontRef idx="minor">
-            <a:schemeClr val="tx1"/>
-          </a:fontRef>
-        </p:style>
-        <p:txBody>
-          <a:bodyPr rtlCol="0" anchor="ctr"/>
-          <a:lstStyle/>
-          <a:p>
-            <a:pPr algn="ctr"/>
-            <a:endParaRPr lang="en-US" dirty="0"/>
-          </a:p>
-        </p:txBody>
-      </p:sp>
-      <p:sp>
-        <p:nvSpPr>
-          <p:cNvPr id="3" name="Content Placeholder 2">
-            <a:extLst>
-              <a:ext uri="{FF2B5EF4-FFF2-40B4-BE49-F238E27FC236}">
-                <a16:creationId xmlns:a16="http://schemas.microsoft.com/office/drawing/2014/main" id="{4C7D04E2-AEA9-79CD-C4A2-D3F387ADBC8C}"/>
-              </a:ext>
-            </a:extLst>
-          </p:cNvPr>
-          <p:cNvSpPr>
-            <a:spLocks noGrp="1"/>
-          </p:cNvSpPr>
-          <p:nvPr>
-            <p:ph idx="1"/>
-          </p:nvPr>
-        </p:nvSpPr>
-        <p:spPr>
-          <a:xfrm>
-            <a:off x="838200" y="1825625"/>
-            <a:ext cx="10515600" cy="4351338"/>
-          </a:xfrm>
-        </p:spPr>
-        <p:txBody>
-          <a:bodyPr>
-            <a:normAutofit/>
-          </a:bodyPr>
-          <a:lstStyle/>
-          <a:p>
-            <a:r>
-              <a:rPr lang="en-US" sz="2600" dirty="0"/>
-              <a:t>Open Weather provides different APIs to pull weather data .</a:t>
-            </a:r>
-          </a:p>
-          <a:p>
-            <a:r>
-              <a:rPr lang="en-US" sz="2600" dirty="0"/>
-              <a:t>Updated Python code to pull bulk data from past years. </a:t>
-            </a:r>
-          </a:p>
-          <a:p>
-            <a:r>
-              <a:rPr lang="en-US" sz="2600" dirty="0"/>
-              <a:t>When we run the code and get the data , it was actually created rows based on number of time our loop ran but the unique </a:t>
-            </a:r>
-            <a:r>
-              <a:rPr lang="en-US" sz="2600" dirty="0" err="1"/>
-              <a:t>unix</a:t>
-            </a:r>
-            <a:r>
-              <a:rPr lang="en-US" sz="2600" dirty="0"/>
-              <a:t> time was just duplicate ( only 2-3 unique time in those data ) </a:t>
-            </a:r>
-          </a:p>
-          <a:p>
-            <a:r>
-              <a:rPr lang="en-US" sz="2600" dirty="0"/>
-              <a:t>We come to know that we need Subscription to get real data . </a:t>
-            </a:r>
-          </a:p>
-          <a:p>
-            <a:r>
-              <a:rPr lang="en-US" sz="2600" dirty="0"/>
-              <a:t>Search through different available source also but not able to find real data  .</a:t>
-            </a:r>
-          </a:p>
-          <a:p>
-            <a:r>
-              <a:rPr lang="en-US" sz="2600" dirty="0"/>
-              <a:t>We used python utility to generate 2GB of similar data which </a:t>
-            </a:r>
-            <a:r>
-              <a:rPr lang="en-US" sz="2600" dirty="0" err="1"/>
-              <a:t>openWeather</a:t>
-            </a:r>
-            <a:r>
-              <a:rPr lang="en-US" sz="2600" dirty="0"/>
-              <a:t> API use to return . </a:t>
-            </a:r>
-          </a:p>
-          <a:p>
-            <a:endParaRPr lang="en-US" sz="2600" dirty="0"/>
-          </a:p>
-        </p:txBody>
-      </p:sp>
-    </p:spTree>
-    <p:extLst>
-      <p:ext uri="{BB962C8B-B14F-4D97-AF65-F5344CB8AC3E}">
-        <p14:creationId xmlns:p14="http://schemas.microsoft.com/office/powerpoint/2010/main" val="1227620139"/>
-      </p:ext>
-    </p:extLst>
-  </p:cSld>
-  <p:clrMapOvr>
-    <a:masterClrMapping/>
-  </p:clrMapOvr>
-</p:sld>
-</file>
-
-<file path=ppt/slides/slide6.xml><?xml version="1.0" encoding="utf-8"?>
-<p:sld xmlns:a="http://schemas.openxmlformats.org/drawingml/2006/main" xmlns:r="http://schemas.openxmlformats.org/officeDocument/2006/relationships" xmlns:p="http://schemas.openxmlformats.org/presentationml/2006/main">
-  <p:cSld>
     <p:spTree>
       <p:nvGrpSpPr>
         <p:cNvPr id="1" name=""/>
@@ -17888,10 +20866,10 @@
       </p:grpSpPr>
       <p:pic>
         <p:nvPicPr>
-          <p:cNvPr id="1026" name="Picture 2">
+          <p:cNvPr id="2" name="Picture 2">
             <a:extLst>
               <a:ext uri="{FF2B5EF4-FFF2-40B4-BE49-F238E27FC236}">
-                <a16:creationId xmlns:a16="http://schemas.microsoft.com/office/drawing/2014/main" id="{C4378562-C366-EE9C-D3DD-9F10058F2E60}"/>
+                <a16:creationId xmlns:a16="http://schemas.microsoft.com/office/drawing/2014/main" id="{11E190F3-EB16-30AA-E174-357987EE1E6D}"/>
               </a:ext>
             </a:extLst>
           </p:cNvPr>
@@ -17915,8 +20893,8 @@
         </p:blipFill>
         <p:spPr bwMode="auto">
           <a:xfrm>
-            <a:off x="188119" y="0"/>
-            <a:ext cx="11815762" cy="7157060"/>
+            <a:off x="1146175" y="0"/>
+            <a:ext cx="9899650" cy="6858000"/>
           </a:xfrm>
           <a:prstGeom prst="rect">
             <a:avLst/>
@@ -17946,7 +20924,7 @@
 </p:sld>
 </file>
 
-<file path=ppt/slides/slide7.xml><?xml version="1.0" encoding="utf-8"?>
+<file path=ppt/slides/slide6.xml><?xml version="1.0" encoding="utf-8"?>
 <p:sld xmlns:a="http://schemas.openxmlformats.org/drawingml/2006/main" xmlns:r="http://schemas.openxmlformats.org/officeDocument/2006/relationships" xmlns:p="http://schemas.openxmlformats.org/presentationml/2006/main">
   <p:cSld>
     <p:spTree>
@@ -18251,7 +21229,7 @@
 </p:sld>
 </file>
 
-<file path=ppt/slides/slide8.xml><?xml version="1.0" encoding="utf-8"?>
+<file path=ppt/slides/slide7.xml><?xml version="1.0" encoding="utf-8"?>
 <p:sld xmlns:a="http://schemas.openxmlformats.org/drawingml/2006/main" xmlns:r="http://schemas.openxmlformats.org/officeDocument/2006/relationships" xmlns:p="http://schemas.openxmlformats.org/presentationml/2006/main">
   <p:cSld>
     <p:spTree>
@@ -18344,7 +21322,7 @@
 </p:sld>
 </file>
 
-<file path=ppt/slides/slide9.xml><?xml version="1.0" encoding="utf-8"?>
+<file path=ppt/slides/slide8.xml><?xml version="1.0" encoding="utf-8"?>
 <p:sld xmlns:a="http://schemas.openxmlformats.org/drawingml/2006/main" xmlns:r="http://schemas.openxmlformats.org/officeDocument/2006/relationships" xmlns:p="http://schemas.openxmlformats.org/presentationml/2006/main">
   <p:cSld>
     <p:spTree>
@@ -18604,6 +21582,221 @@
     <p:extLst>
       <p:ext uri="{BB962C8B-B14F-4D97-AF65-F5344CB8AC3E}">
         <p14:creationId xmlns:p14="http://schemas.microsoft.com/office/powerpoint/2010/main" val="241317413"/>
+      </p:ext>
+    </p:extLst>
+  </p:cSld>
+  <p:clrMapOvr>
+    <a:masterClrMapping/>
+  </p:clrMapOvr>
+</p:sld>
+</file>
+
+<file path=ppt/slides/slide9.xml><?xml version="1.0" encoding="utf-8"?>
+<p:sld xmlns:a="http://schemas.openxmlformats.org/drawingml/2006/main" xmlns:r="http://schemas.openxmlformats.org/officeDocument/2006/relationships" xmlns:p="http://schemas.openxmlformats.org/presentationml/2006/main">
+  <p:cSld>
+    <p:bg>
+      <p:bgPr>
+        <a:solidFill>
+          <a:schemeClr val="bg1"/>
+        </a:solidFill>
+        <a:effectLst/>
+      </p:bgPr>
+    </p:bg>
+    <p:spTree>
+      <p:nvGrpSpPr>
+        <p:cNvPr id="1" name=""/>
+        <p:cNvGrpSpPr/>
+        <p:nvPr/>
+      </p:nvGrpSpPr>
+      <p:grpSpPr>
+        <a:xfrm>
+          <a:off x="0" y="0"/>
+          <a:ext cx="0" cy="0"/>
+          <a:chOff x="0" y="0"/>
+          <a:chExt cx="0" cy="0"/>
+        </a:xfrm>
+      </p:grpSpPr>
+      <p:sp>
+        <p:nvSpPr>
+          <p:cNvPr id="2" name="Title 1">
+            <a:extLst>
+              <a:ext uri="{FF2B5EF4-FFF2-40B4-BE49-F238E27FC236}">
+                <a16:creationId xmlns:a16="http://schemas.microsoft.com/office/drawing/2014/main" id="{9A15630D-E779-7851-CA5E-63630A5C0CAE}"/>
+              </a:ext>
+            </a:extLst>
+          </p:cNvPr>
+          <p:cNvSpPr>
+            <a:spLocks noGrp="1"/>
+          </p:cNvSpPr>
+          <p:nvPr>
+            <p:ph type="title"/>
+          </p:nvPr>
+        </p:nvSpPr>
+        <p:spPr>
+          <a:xfrm>
+            <a:off x="762000" y="1143486"/>
+            <a:ext cx="4267200" cy="1437406"/>
+          </a:xfrm>
+        </p:spPr>
+        <p:txBody>
+          <a:bodyPr anchor="t">
+            <a:normAutofit/>
+          </a:bodyPr>
+          <a:lstStyle/>
+          <a:p>
+            <a:r>
+              <a:rPr lang="en-US" sz="3200"/>
+              <a:t>Read data from topic using spark streaming</a:t>
+            </a:r>
+          </a:p>
+        </p:txBody>
+      </p:sp>
+      <p:cxnSp>
+        <p:nvCxnSpPr>
+          <p:cNvPr id="10" name="Straight Connector 9">
+            <a:extLst>
+              <a:ext uri="{FF2B5EF4-FFF2-40B4-BE49-F238E27FC236}">
+                <a16:creationId xmlns:a16="http://schemas.microsoft.com/office/drawing/2014/main" id="{37C77032-C865-6057-7D7A-E2743CFA20F9}"/>
+              </a:ext>
+              <a:ext uri="{C183D7F6-B498-43B3-948B-1728B52AA6E4}">
+                <adec:decorative xmlns:adec="http://schemas.microsoft.com/office/drawing/2017/decorative" val="1"/>
+              </a:ext>
+            </a:extLst>
+          </p:cNvPr>
+          <p:cNvCxnSpPr>
+            <a:cxnSpLocks noGrp="1" noRot="1" noChangeAspect="1" noMove="1" noResize="1" noEditPoints="1" noAdjustHandles="1" noChangeArrowheads="1" noChangeShapeType="1"/>
+          </p:cNvCxnSpPr>
+          <p:nvPr>
+            <p:extLst>
+              <p:ext uri="{386F3935-93C4-4BCD-93E2-E3B085C9AB24}">
+                <p16:designElem xmlns:p16="http://schemas.microsoft.com/office/powerpoint/2015/main" val="1"/>
+              </p:ext>
+            </p:extLst>
+          </p:nvPr>
+        </p:nvCxnSpPr>
+        <p:spPr>
+          <a:xfrm>
+            <a:off x="865140" y="871146"/>
+            <a:ext cx="736939" cy="0"/>
+          </a:xfrm>
+          <a:prstGeom prst="line">
+            <a:avLst/>
+          </a:prstGeom>
+          <a:ln w="57150">
+            <a:solidFill>
+              <a:schemeClr val="accent4"/>
+            </a:solidFill>
+          </a:ln>
+        </p:spPr>
+        <p:style>
+          <a:lnRef idx="1">
+            <a:schemeClr val="accent1"/>
+          </a:lnRef>
+          <a:fillRef idx="0">
+            <a:schemeClr val="accent1"/>
+          </a:fillRef>
+          <a:effectRef idx="0">
+            <a:schemeClr val="accent1"/>
+          </a:effectRef>
+          <a:fontRef idx="minor">
+            <a:schemeClr val="tx1"/>
+          </a:fontRef>
+        </p:style>
+      </p:cxnSp>
+      <p:sp>
+        <p:nvSpPr>
+          <p:cNvPr id="3" name="Content Placeholder 2">
+            <a:extLst>
+              <a:ext uri="{FF2B5EF4-FFF2-40B4-BE49-F238E27FC236}">
+                <a16:creationId xmlns:a16="http://schemas.microsoft.com/office/drawing/2014/main" id="{DDEC4F10-C6D3-5583-2D58-39B0F55143ED}"/>
+              </a:ext>
+            </a:extLst>
+          </p:cNvPr>
+          <p:cNvSpPr>
+            <a:spLocks noGrp="1"/>
+          </p:cNvSpPr>
+          <p:nvPr>
+            <p:ph idx="1"/>
+          </p:nvPr>
+        </p:nvSpPr>
+        <p:spPr>
+          <a:xfrm>
+            <a:off x="5825613" y="838200"/>
+            <a:ext cx="5501247" cy="1866358"/>
+          </a:xfrm>
+        </p:spPr>
+        <p:txBody>
+          <a:bodyPr>
+            <a:normAutofit/>
+          </a:bodyPr>
+          <a:lstStyle/>
+          <a:p>
+            <a:r>
+              <a:rPr lang="en-US" sz="2000"/>
+              <a:t>While reading using format parquet ( help scale) </a:t>
+            </a:r>
+          </a:p>
+          <a:p>
+            <a:r>
+              <a:rPr lang="en-US" sz="2000"/>
+              <a:t>Also partition by city name ( help scale) </a:t>
+            </a:r>
+          </a:p>
+          <a:p>
+            <a:r>
+              <a:rPr lang="en-US" sz="2000" dirty="0"/>
+              <a:t>Git Code Repo :</a:t>
+            </a:r>
+            <a:r>
+              <a:rPr lang="en-US" sz="2000" dirty="0">
+                <a:hlinkClick r:id="rId2"/>
+              </a:rPr>
+              <a:t>Link</a:t>
+            </a:r>
+            <a:endParaRPr lang="en-US" sz="2000" dirty="0"/>
+          </a:p>
+          <a:p>
+            <a:endParaRPr lang="en-US" sz="2000"/>
+          </a:p>
+          <a:p>
+            <a:endParaRPr lang="en-US" sz="2000"/>
+          </a:p>
+        </p:txBody>
+      </p:sp>
+      <p:pic>
+        <p:nvPicPr>
+          <p:cNvPr id="5" name="Picture 4">
+            <a:extLst>
+              <a:ext uri="{FF2B5EF4-FFF2-40B4-BE49-F238E27FC236}">
+                <a16:creationId xmlns:a16="http://schemas.microsoft.com/office/drawing/2014/main" id="{277E7AB7-B384-52D5-F493-2C88AB589C23}"/>
+              </a:ext>
+            </a:extLst>
+          </p:cNvPr>
+          <p:cNvPicPr>
+            <a:picLocks noChangeAspect="1"/>
+          </p:cNvPicPr>
+          <p:nvPr/>
+        </p:nvPicPr>
+        <p:blipFill>
+          <a:blip r:embed="rId3"/>
+          <a:stretch>
+            <a:fillRect/>
+          </a:stretch>
+        </p:blipFill>
+        <p:spPr>
+          <a:xfrm>
+            <a:off x="801757" y="3431023"/>
+            <a:ext cx="10591800" cy="2489072"/>
+          </a:xfrm>
+          <a:prstGeom prst="rect">
+            <a:avLst/>
+          </a:prstGeom>
+        </p:spPr>
+      </p:pic>
+    </p:spTree>
+    <p:extLst>
+      <p:ext uri="{BB962C8B-B14F-4D97-AF65-F5344CB8AC3E}">
+        <p14:creationId xmlns:p14="http://schemas.microsoft.com/office/powerpoint/2010/main" val="1191957055"/>
       </p:ext>
     </p:extLst>
   </p:cSld>

--- a/DataEnggFinalProjectPPT.pptx
+++ b/DataEnggFinalProjectPPT.pptx
@@ -3141,7 +3141,7 @@
           <a:p>
             <a:fld id="{93967DB5-A3E6-4610-A4F6-DB08F46D69A3}" type="datetimeFigureOut">
               <a:rPr lang="en-US" smtClean="0"/>
-              <a:t>12/6/24</a:t>
+              <a:t>12/7/24</a:t>
             </a:fld>
             <a:endParaRPr lang="en-US"/>
           </a:p>
@@ -4598,7 +4598,7 @@
           <a:p>
             <a:fld id="{B07D26D2-3556-45FC-B13E-3E27378A0FD4}" type="datetimeFigureOut">
               <a:rPr lang="en-US" smtClean="0"/>
-              <a:t>12/6/24</a:t>
+              <a:t>12/7/24</a:t>
             </a:fld>
             <a:endParaRPr lang="en-US"/>
           </a:p>
@@ -4798,7 +4798,7 @@
           <a:p>
             <a:fld id="{B07D26D2-3556-45FC-B13E-3E27378A0FD4}" type="datetimeFigureOut">
               <a:rPr lang="en-US" smtClean="0"/>
-              <a:t>12/6/24</a:t>
+              <a:t>12/7/24</a:t>
             </a:fld>
             <a:endParaRPr lang="en-US"/>
           </a:p>
@@ -5074,7 +5074,7 @@
           <a:p>
             <a:fld id="{B07D26D2-3556-45FC-B13E-3E27378A0FD4}" type="datetimeFigureOut">
               <a:rPr lang="en-US" smtClean="0"/>
-              <a:t>12/6/24</a:t>
+              <a:t>12/7/24</a:t>
             </a:fld>
             <a:endParaRPr lang="en-US"/>
           </a:p>
@@ -5342,7 +5342,7 @@
           <a:p>
             <a:fld id="{B07D26D2-3556-45FC-B13E-3E27378A0FD4}" type="datetimeFigureOut">
               <a:rPr lang="en-US" smtClean="0"/>
-              <a:t>12/6/24</a:t>
+              <a:t>12/7/24</a:t>
             </a:fld>
             <a:endParaRPr lang="en-US"/>
           </a:p>
@@ -5757,7 +5757,7 @@
           <a:p>
             <a:fld id="{B07D26D2-3556-45FC-B13E-3E27378A0FD4}" type="datetimeFigureOut">
               <a:rPr lang="en-US" smtClean="0"/>
-              <a:t>12/6/24</a:t>
+              <a:t>12/7/24</a:t>
             </a:fld>
             <a:endParaRPr lang="en-US"/>
           </a:p>
@@ -5899,7 +5899,7 @@
           <a:p>
             <a:fld id="{B07D26D2-3556-45FC-B13E-3E27378A0FD4}" type="datetimeFigureOut">
               <a:rPr lang="en-US" smtClean="0"/>
-              <a:t>12/6/24</a:t>
+              <a:t>12/7/24</a:t>
             </a:fld>
             <a:endParaRPr lang="en-US"/>
           </a:p>
@@ -6012,7 +6012,7 @@
           <a:p>
             <a:fld id="{B07D26D2-3556-45FC-B13E-3E27378A0FD4}" type="datetimeFigureOut">
               <a:rPr lang="en-US" smtClean="0"/>
-              <a:t>12/6/24</a:t>
+              <a:t>12/7/24</a:t>
             </a:fld>
             <a:endParaRPr lang="en-US"/>
           </a:p>
@@ -6520,7 +6520,7 @@
           <a:p>
             <a:fld id="{B07D26D2-3556-45FC-B13E-3E27378A0FD4}" type="datetimeFigureOut">
               <a:rPr lang="en-US" smtClean="0"/>
-              <a:t>12/6/24</a:t>
+              <a:t>12/7/24</a:t>
             </a:fld>
             <a:endParaRPr lang="en-US"/>
           </a:p>
@@ -6809,7 +6809,7 @@
           <a:p>
             <a:fld id="{B07D26D2-3556-45FC-B13E-3E27378A0FD4}" type="datetimeFigureOut">
               <a:rPr lang="en-US" smtClean="0"/>
-              <a:t>12/6/24</a:t>
+              <a:t>12/7/24</a:t>
             </a:fld>
             <a:endParaRPr lang="en-US"/>
           </a:p>
@@ -7009,7 +7009,7 @@
           <a:p>
             <a:fld id="{B07D26D2-3556-45FC-B13E-3E27378A0FD4}" type="datetimeFigureOut">
               <a:rPr lang="en-US" smtClean="0"/>
-              <a:t>12/6/24</a:t>
+              <a:t>12/7/24</a:t>
             </a:fld>
             <a:endParaRPr lang="en-US"/>
           </a:p>
@@ -7219,7 +7219,7 @@
           <a:p>
             <a:fld id="{B07D26D2-3556-45FC-B13E-3E27378A0FD4}" type="datetimeFigureOut">
               <a:rPr lang="en-US" smtClean="0"/>
-              <a:t>12/6/24</a:t>
+              <a:t>12/7/24</a:t>
             </a:fld>
             <a:endParaRPr lang="en-US"/>
           </a:p>
@@ -9799,7 +9799,7 @@
           <a:p>
             <a:fld id="{B07D26D2-3556-45FC-B13E-3E27378A0FD4}" type="datetimeFigureOut">
               <a:rPr lang="en-US" smtClean="0"/>
-              <a:t>12/6/24</a:t>
+              <a:t>12/7/24</a:t>
             </a:fld>
             <a:endParaRPr lang="en-US"/>
           </a:p>
@@ -20825,7 +20825,7 @@
             <a:pPr algn="ctr"/>
             <a:r>
               <a:rPr lang="en-US" sz="2400" b="1" dirty="0" err="1"/>
-              <a:t>OpenWeatheMap</a:t>
+              <a:t>OpenWeatherMap</a:t>
             </a:r>
             <a:r>
               <a:rPr lang="en-US" sz="2400" b="1" dirty="0"/>

--- a/DataEnggFinalProjectPPT.pptx
+++ b/DataEnggFinalProjectPPT.pptx
@@ -10480,31 +10480,6 @@
       </p:grpSpPr>
       <p:sp>
         <p:nvSpPr>
-          <p:cNvPr id="2" name="Title 1">
-            <a:extLst>
-              <a:ext uri="{FF2B5EF4-FFF2-40B4-BE49-F238E27FC236}">
-                <a16:creationId xmlns:a16="http://schemas.microsoft.com/office/drawing/2014/main" id="{0C90C232-8A23-40FA-03A3-3E3F5CE3FD7D}"/>
-              </a:ext>
-            </a:extLst>
-          </p:cNvPr>
-          <p:cNvSpPr>
-            <a:spLocks noGrp="1"/>
-          </p:cNvSpPr>
-          <p:nvPr>
-            <p:ph type="title"/>
-          </p:nvPr>
-        </p:nvSpPr>
-        <p:spPr/>
-        <p:txBody>
-          <a:bodyPr/>
-          <a:lstStyle/>
-          <a:p>
-            <a:endParaRPr lang="en-US" dirty="0"/>
-          </a:p>
-        </p:txBody>
-      </p:sp>
-      <p:sp>
-        <p:nvSpPr>
           <p:cNvPr id="3" name="Text Placeholder 2">
             <a:extLst>
               <a:ext uri="{FF2B5EF4-FFF2-40B4-BE49-F238E27FC236}">
@@ -20866,10 +20841,10 @@
       </p:grpSpPr>
       <p:pic>
         <p:nvPicPr>
-          <p:cNvPr id="2" name="Picture 2">
+          <p:cNvPr id="1028" name="Picture 4">
             <a:extLst>
               <a:ext uri="{FF2B5EF4-FFF2-40B4-BE49-F238E27FC236}">
-                <a16:creationId xmlns:a16="http://schemas.microsoft.com/office/drawing/2014/main" id="{11E190F3-EB16-30AA-E174-357987EE1E6D}"/>
+                <a16:creationId xmlns:a16="http://schemas.microsoft.com/office/drawing/2014/main" id="{530C4D3A-B1AF-667D-3EDE-CFE223A412AB}"/>
               </a:ext>
             </a:extLst>
           </p:cNvPr>

--- a/DataEnggFinalProjectPPT.pptx
+++ b/DataEnggFinalProjectPPT.pptx
@@ -6,32 +6,29 @@
     <p:sldMasterId id="2147483673" r:id="rId2"/>
   </p:sldMasterIdLst>
   <p:notesMasterIdLst>
-    <p:notesMasterId r:id="rId26"/>
+    <p:notesMasterId r:id="rId23"/>
   </p:notesMasterIdLst>
   <p:sldIdLst>
     <p:sldId id="266" r:id="rId3"/>
     <p:sldId id="273" r:id="rId4"/>
     <p:sldId id="1619" r:id="rId5"/>
-    <p:sldId id="1617" r:id="rId6"/>
-    <p:sldId id="257" r:id="rId7"/>
-    <p:sldId id="258" r:id="rId8"/>
-    <p:sldId id="260" r:id="rId9"/>
-    <p:sldId id="259" r:id="rId10"/>
-    <p:sldId id="1614" r:id="rId11"/>
-    <p:sldId id="1615" r:id="rId12"/>
-    <p:sldId id="1612" r:id="rId13"/>
-    <p:sldId id="1609" r:id="rId14"/>
-    <p:sldId id="1610" r:id="rId15"/>
-    <p:sldId id="1611" r:id="rId16"/>
-    <p:sldId id="1616" r:id="rId17"/>
-    <p:sldId id="268" r:id="rId18"/>
-    <p:sldId id="269" r:id="rId19"/>
-    <p:sldId id="270" r:id="rId20"/>
-    <p:sldId id="1620" r:id="rId21"/>
-    <p:sldId id="1621" r:id="rId22"/>
-    <p:sldId id="1622" r:id="rId23"/>
-    <p:sldId id="1613" r:id="rId24"/>
-    <p:sldId id="265" r:id="rId25"/>
+    <p:sldId id="257" r:id="rId6"/>
+    <p:sldId id="258" r:id="rId7"/>
+    <p:sldId id="260" r:id="rId8"/>
+    <p:sldId id="259" r:id="rId9"/>
+    <p:sldId id="1614" r:id="rId10"/>
+    <p:sldId id="1615" r:id="rId11"/>
+    <p:sldId id="1612" r:id="rId12"/>
+    <p:sldId id="1609" r:id="rId13"/>
+    <p:sldId id="1610" r:id="rId14"/>
+    <p:sldId id="1611" r:id="rId15"/>
+    <p:sldId id="1616" r:id="rId16"/>
+    <p:sldId id="268" r:id="rId17"/>
+    <p:sldId id="269" r:id="rId18"/>
+    <p:sldId id="270" r:id="rId19"/>
+    <p:sldId id="1620" r:id="rId20"/>
+    <p:sldId id="1613" r:id="rId21"/>
+    <p:sldId id="265" r:id="rId22"/>
   </p:sldIdLst>
   <p:sldSz cx="12192000" cy="6858000"/>
   <p:notesSz cx="6858000" cy="9144000"/>
@@ -3141,7 +3138,7 @@
           <a:p>
             <a:fld id="{93967DB5-A3E6-4610-A4F6-DB08F46D69A3}" type="datetimeFigureOut">
               <a:rPr lang="en-US" smtClean="0"/>
-              <a:t>12/7/24</a:t>
+              <a:t>12/16/2024</a:t>
             </a:fld>
             <a:endParaRPr lang="en-US"/>
           </a:p>
@@ -3473,7 +3470,7 @@
           <a:p>
             <a:fld id="{D9DC0902-B928-4F0F-BBCD-04DEB66ED9A2}" type="slidenum">
               <a:rPr lang="en-US" smtClean="0"/>
-              <a:t>23</a:t>
+              <a:t>20</a:t>
             </a:fld>
             <a:endParaRPr lang="en-US"/>
           </a:p>
@@ -4598,7 +4595,7 @@
           <a:p>
             <a:fld id="{B07D26D2-3556-45FC-B13E-3E27378A0FD4}" type="datetimeFigureOut">
               <a:rPr lang="en-US" smtClean="0"/>
-              <a:t>12/7/24</a:t>
+              <a:t>12/16/2024</a:t>
             </a:fld>
             <a:endParaRPr lang="en-US"/>
           </a:p>
@@ -4798,7 +4795,7 @@
           <a:p>
             <a:fld id="{B07D26D2-3556-45FC-B13E-3E27378A0FD4}" type="datetimeFigureOut">
               <a:rPr lang="en-US" smtClean="0"/>
-              <a:t>12/7/24</a:t>
+              <a:t>12/16/2024</a:t>
             </a:fld>
             <a:endParaRPr lang="en-US"/>
           </a:p>
@@ -5074,7 +5071,7 @@
           <a:p>
             <a:fld id="{B07D26D2-3556-45FC-B13E-3E27378A0FD4}" type="datetimeFigureOut">
               <a:rPr lang="en-US" smtClean="0"/>
-              <a:t>12/7/24</a:t>
+              <a:t>12/16/2024</a:t>
             </a:fld>
             <a:endParaRPr lang="en-US"/>
           </a:p>
@@ -5342,7 +5339,7 @@
           <a:p>
             <a:fld id="{B07D26D2-3556-45FC-B13E-3E27378A0FD4}" type="datetimeFigureOut">
               <a:rPr lang="en-US" smtClean="0"/>
-              <a:t>12/7/24</a:t>
+              <a:t>12/16/2024</a:t>
             </a:fld>
             <a:endParaRPr lang="en-US"/>
           </a:p>
@@ -5757,7 +5754,7 @@
           <a:p>
             <a:fld id="{B07D26D2-3556-45FC-B13E-3E27378A0FD4}" type="datetimeFigureOut">
               <a:rPr lang="en-US" smtClean="0"/>
-              <a:t>12/7/24</a:t>
+              <a:t>12/16/2024</a:t>
             </a:fld>
             <a:endParaRPr lang="en-US"/>
           </a:p>
@@ -5899,7 +5896,7 @@
           <a:p>
             <a:fld id="{B07D26D2-3556-45FC-B13E-3E27378A0FD4}" type="datetimeFigureOut">
               <a:rPr lang="en-US" smtClean="0"/>
-              <a:t>12/7/24</a:t>
+              <a:t>12/16/2024</a:t>
             </a:fld>
             <a:endParaRPr lang="en-US"/>
           </a:p>
@@ -6012,7 +6009,7 @@
           <a:p>
             <a:fld id="{B07D26D2-3556-45FC-B13E-3E27378A0FD4}" type="datetimeFigureOut">
               <a:rPr lang="en-US" smtClean="0"/>
-              <a:t>12/7/24</a:t>
+              <a:t>12/16/2024</a:t>
             </a:fld>
             <a:endParaRPr lang="en-US"/>
           </a:p>
@@ -6520,7 +6517,7 @@
           <a:p>
             <a:fld id="{B07D26D2-3556-45FC-B13E-3E27378A0FD4}" type="datetimeFigureOut">
               <a:rPr lang="en-US" smtClean="0"/>
-              <a:t>12/7/24</a:t>
+              <a:t>12/16/2024</a:t>
             </a:fld>
             <a:endParaRPr lang="en-US"/>
           </a:p>
@@ -6809,7 +6806,7 @@
           <a:p>
             <a:fld id="{B07D26D2-3556-45FC-B13E-3E27378A0FD4}" type="datetimeFigureOut">
               <a:rPr lang="en-US" smtClean="0"/>
-              <a:t>12/7/24</a:t>
+              <a:t>12/16/2024</a:t>
             </a:fld>
             <a:endParaRPr lang="en-US"/>
           </a:p>
@@ -7009,7 +7006,7 @@
           <a:p>
             <a:fld id="{B07D26D2-3556-45FC-B13E-3E27378A0FD4}" type="datetimeFigureOut">
               <a:rPr lang="en-US" smtClean="0"/>
-              <a:t>12/7/24</a:t>
+              <a:t>12/16/2024</a:t>
             </a:fld>
             <a:endParaRPr lang="en-US"/>
           </a:p>
@@ -7219,7 +7216,7 @@
           <a:p>
             <a:fld id="{B07D26D2-3556-45FC-B13E-3E27378A0FD4}" type="datetimeFigureOut">
               <a:rPr lang="en-US" smtClean="0"/>
-              <a:t>12/7/24</a:t>
+              <a:t>12/16/2024</a:t>
             </a:fld>
             <a:endParaRPr lang="en-US"/>
           </a:p>
@@ -9799,7 +9796,7 @@
           <a:p>
             <a:fld id="{B07D26D2-3556-45FC-B13E-3E27378A0FD4}" type="datetimeFigureOut">
               <a:rPr lang="en-US" smtClean="0"/>
-              <a:t>12/7/24</a:t>
+              <a:t>12/16/2024</a:t>
             </a:fld>
             <a:endParaRPr lang="en-US"/>
           </a:p>
@@ -10480,247 +10477,6 @@
       </p:grpSpPr>
       <p:sp>
         <p:nvSpPr>
-          <p:cNvPr id="3" name="Text Placeholder 2">
-            <a:extLst>
-              <a:ext uri="{FF2B5EF4-FFF2-40B4-BE49-F238E27FC236}">
-                <a16:creationId xmlns:a16="http://schemas.microsoft.com/office/drawing/2014/main" id="{6906A950-CF65-58FB-54E7-CA37CFFBE985}"/>
-              </a:ext>
-            </a:extLst>
-          </p:cNvPr>
-          <p:cNvSpPr>
-            <a:spLocks noGrp="1"/>
-          </p:cNvSpPr>
-          <p:nvPr>
-            <p:ph type="body" idx="1"/>
-          </p:nvPr>
-        </p:nvSpPr>
-        <p:spPr/>
-        <p:txBody>
-          <a:bodyPr/>
-          <a:lstStyle/>
-          <a:p>
-            <a:r>
-              <a:rPr lang="en-US" dirty="0"/>
-              <a:t>Problem faced</a:t>
-            </a:r>
-          </a:p>
-        </p:txBody>
-      </p:sp>
-      <p:sp>
-        <p:nvSpPr>
-          <p:cNvPr id="4" name="Content Placeholder 3">
-            <a:extLst>
-              <a:ext uri="{FF2B5EF4-FFF2-40B4-BE49-F238E27FC236}">
-                <a16:creationId xmlns:a16="http://schemas.microsoft.com/office/drawing/2014/main" id="{BB5774D5-7B33-8FE1-4D6D-8CDD9DE975E5}"/>
-              </a:ext>
-            </a:extLst>
-          </p:cNvPr>
-          <p:cNvSpPr>
-            <a:spLocks noGrp="1"/>
-          </p:cNvSpPr>
-          <p:nvPr>
-            <p:ph sz="half" idx="2"/>
-          </p:nvPr>
-        </p:nvSpPr>
-        <p:spPr/>
-        <p:txBody>
-          <a:bodyPr>
-            <a:normAutofit/>
-          </a:bodyPr>
-          <a:lstStyle/>
-          <a:p>
-            <a:r>
-              <a:rPr lang="en-US" sz="2000" dirty="0"/>
-              <a:t>Failed to create new </a:t>
-            </a:r>
-            <a:r>
-              <a:rPr lang="en-US" sz="2000" dirty="0" err="1"/>
-              <a:t>KafkaAdminClient</a:t>
-            </a:r>
-            <a:endParaRPr lang="en-US" sz="2000" dirty="0"/>
-          </a:p>
-          <a:p>
-            <a:r>
-              <a:rPr lang="en-US" sz="2000" dirty="0"/>
-              <a:t>getting error -Py4JJavaError: An error occurred while calling o39.load. </a:t>
-            </a:r>
-          </a:p>
-          <a:p>
-            <a:r>
-              <a:rPr lang="en-US" sz="2000" dirty="0"/>
-              <a:t>Main Data was stored only in  value .</a:t>
-            </a:r>
-          </a:p>
-        </p:txBody>
-      </p:sp>
-      <p:sp>
-        <p:nvSpPr>
-          <p:cNvPr id="5" name="Text Placeholder 4">
-            <a:extLst>
-              <a:ext uri="{FF2B5EF4-FFF2-40B4-BE49-F238E27FC236}">
-                <a16:creationId xmlns:a16="http://schemas.microsoft.com/office/drawing/2014/main" id="{C0103F4F-BD45-AB84-C979-C3271EBAA840}"/>
-              </a:ext>
-            </a:extLst>
-          </p:cNvPr>
-          <p:cNvSpPr>
-            <a:spLocks noGrp="1"/>
-          </p:cNvSpPr>
-          <p:nvPr>
-            <p:ph type="body" sz="quarter" idx="3"/>
-          </p:nvPr>
-        </p:nvSpPr>
-        <p:spPr/>
-        <p:txBody>
-          <a:bodyPr/>
-          <a:lstStyle/>
-          <a:p>
-            <a:r>
-              <a:rPr lang="en-US" dirty="0"/>
-              <a:t>Solution to the Problem </a:t>
-            </a:r>
-          </a:p>
-        </p:txBody>
-      </p:sp>
-      <p:sp>
-        <p:nvSpPr>
-          <p:cNvPr id="6" name="Content Placeholder 5">
-            <a:extLst>
-              <a:ext uri="{FF2B5EF4-FFF2-40B4-BE49-F238E27FC236}">
-                <a16:creationId xmlns:a16="http://schemas.microsoft.com/office/drawing/2014/main" id="{B3619215-945E-BA38-A04D-5CC0369BEB67}"/>
-              </a:ext>
-            </a:extLst>
-          </p:cNvPr>
-          <p:cNvSpPr>
-            <a:spLocks noGrp="1"/>
-          </p:cNvSpPr>
-          <p:nvPr>
-            <p:ph sz="quarter" idx="4"/>
-          </p:nvPr>
-        </p:nvSpPr>
-        <p:spPr>
-          <a:xfrm>
-            <a:off x="6172199" y="2505075"/>
-            <a:ext cx="5520447" cy="3684588"/>
-          </a:xfrm>
-        </p:spPr>
-        <p:txBody>
-          <a:bodyPr>
-            <a:normAutofit/>
-          </a:bodyPr>
-          <a:lstStyle/>
-          <a:p>
-            <a:r>
-              <a:rPr lang="en-US" sz="2000" dirty="0"/>
-              <a:t>While creating spark session set jar  </a:t>
-            </a:r>
-            <a:r>
-              <a:rPr lang="en-US" sz="1000" b="1" dirty="0"/>
-              <a:t>config("</a:t>
-            </a:r>
-            <a:r>
-              <a:rPr lang="en-US" sz="1000" b="1" dirty="0" err="1"/>
-              <a:t>spark.jars.packages</a:t>
-            </a:r>
-            <a:r>
-              <a:rPr lang="en-US" sz="1000" b="1" dirty="0"/>
-              <a:t>", "org.apache.spark:spark-sql-kafka-0-10_2.12:3.2.0,org.apache.kafka:kafka-clients:3.5.2") \</a:t>
-            </a:r>
-          </a:p>
-          <a:p>
-            <a:r>
-              <a:rPr lang="en-US" sz="2000" dirty="0"/>
-              <a:t>Also pass right Kafka </a:t>
-            </a:r>
-            <a:r>
-              <a:rPr lang="en-US" sz="2000" dirty="0" err="1"/>
-              <a:t>bootstrap.servers</a:t>
-            </a:r>
-            <a:r>
-              <a:rPr lang="en-US" sz="2000" dirty="0"/>
-              <a:t> and </a:t>
-            </a:r>
-            <a:r>
-              <a:rPr lang="en-US" sz="2000" dirty="0" err="1"/>
-              <a:t>kafka</a:t>
-            </a:r>
-            <a:r>
-              <a:rPr lang="en-US" sz="2000" dirty="0"/>
-              <a:t> topic while  </a:t>
-            </a:r>
-            <a:r>
-              <a:rPr lang="en-US" sz="2000" b="1" dirty="0" err="1"/>
-              <a:t>spark.readStream</a:t>
-            </a:r>
-            <a:endParaRPr lang="en-US" sz="2000" b="1" dirty="0"/>
-          </a:p>
-          <a:p>
-            <a:r>
-              <a:rPr lang="en-US" sz="2000" b="1" dirty="0"/>
-              <a:t>Cast</a:t>
-            </a:r>
-            <a:r>
-              <a:rPr lang="en-US" sz="2000" dirty="0"/>
-              <a:t> value to string and then use </a:t>
-            </a:r>
-            <a:r>
-              <a:rPr lang="en-US" sz="2000" dirty="0" err="1"/>
-              <a:t>from_jsom</a:t>
-            </a:r>
-            <a:r>
-              <a:rPr lang="en-US" sz="2000" dirty="0"/>
-              <a:t> to take Json data and use explode to </a:t>
-            </a:r>
-            <a:r>
-              <a:rPr lang="en-US" sz="2000" b="1" dirty="0"/>
-              <a:t>flatten</a:t>
-            </a:r>
-            <a:r>
-              <a:rPr lang="en-US" sz="2000" dirty="0"/>
-              <a:t> the </a:t>
-            </a:r>
-            <a:r>
-              <a:rPr lang="en-US" sz="2000" dirty="0" err="1"/>
-              <a:t>json</a:t>
-            </a:r>
-            <a:r>
-              <a:rPr lang="en-US" sz="2000" dirty="0"/>
-              <a:t> </a:t>
-            </a:r>
-          </a:p>
-        </p:txBody>
-      </p:sp>
-    </p:spTree>
-    <p:extLst>
-      <p:ext uri="{BB962C8B-B14F-4D97-AF65-F5344CB8AC3E}">
-        <p14:creationId xmlns:p14="http://schemas.microsoft.com/office/powerpoint/2010/main" val="3567786875"/>
-      </p:ext>
-    </p:extLst>
-  </p:cSld>
-  <p:clrMapOvr>
-    <a:masterClrMapping/>
-  </p:clrMapOvr>
-</p:sld>
-</file>
-
-<file path=ppt/slides/slide11.xml><?xml version="1.0" encoding="utf-8"?>
-<p:sld xmlns:a="http://schemas.openxmlformats.org/drawingml/2006/main" xmlns:r="http://schemas.openxmlformats.org/officeDocument/2006/relationships" xmlns:p="http://schemas.openxmlformats.org/presentationml/2006/main">
-  <p:cSld>
-    <p:spTree>
-      <p:nvGrpSpPr>
-        <p:cNvPr id="1" name=""/>
-        <p:cNvGrpSpPr/>
-        <p:nvPr/>
-      </p:nvGrpSpPr>
-      <p:grpSpPr>
-        <a:xfrm>
-          <a:off x="0" y="0"/>
-          <a:ext cx="0" cy="0"/>
-          <a:chOff x="0" y="0"/>
-          <a:chExt cx="0" cy="0"/>
-        </a:xfrm>
-      </p:grpSpPr>
-      <p:sp>
-        <p:nvSpPr>
           <p:cNvPr id="8" name="Title 7">
             <a:extLst>
               <a:ext uri="{FF2B5EF4-FFF2-40B4-BE49-F238E27FC236}">
@@ -11085,7 +10841,7 @@
 </p:sld>
 </file>
 
-<file path=ppt/slides/slide12.xml><?xml version="1.0" encoding="utf-8"?>
+<file path=ppt/slides/slide11.xml><?xml version="1.0" encoding="utf-8"?>
 <p:sld xmlns:a="http://schemas.openxmlformats.org/drawingml/2006/main" xmlns:r="http://schemas.openxmlformats.org/officeDocument/2006/relationships" xmlns:p="http://schemas.openxmlformats.org/presentationml/2006/main">
   <p:cSld>
     <p:spTree>
@@ -11256,7 +11012,7 @@
 </p:sld>
 </file>
 
-<file path=ppt/slides/slide13.xml><?xml version="1.0" encoding="utf-8"?>
+<file path=ppt/slides/slide12.xml><?xml version="1.0" encoding="utf-8"?>
 <p:sld xmlns:a="http://schemas.openxmlformats.org/drawingml/2006/main" xmlns:r="http://schemas.openxmlformats.org/officeDocument/2006/relationships" xmlns:p="http://schemas.openxmlformats.org/presentationml/2006/main">
   <p:cSld>
     <p:spTree>
@@ -11467,7 +11223,7 @@
 </p:sld>
 </file>
 
-<file path=ppt/slides/slide14.xml><?xml version="1.0" encoding="utf-8"?>
+<file path=ppt/slides/slide13.xml><?xml version="1.0" encoding="utf-8"?>
 <p:sld xmlns:a="http://schemas.openxmlformats.org/drawingml/2006/main" xmlns:r="http://schemas.openxmlformats.org/officeDocument/2006/relationships" xmlns:p="http://schemas.openxmlformats.org/presentationml/2006/main">
   <p:cSld>
     <p:spTree>
@@ -11686,7 +11442,7 @@
 </p:sld>
 </file>
 
-<file path=ppt/slides/slide15.xml><?xml version="1.0" encoding="utf-8"?>
+<file path=ppt/slides/slide14.xml><?xml version="1.0" encoding="utf-8"?>
 <p:sld xmlns:a="http://schemas.openxmlformats.org/drawingml/2006/main" xmlns:r="http://schemas.openxmlformats.org/officeDocument/2006/relationships" xmlns:p="http://schemas.openxmlformats.org/presentationml/2006/main">
   <p:cSld>
     <p:bg>
@@ -12100,7 +11856,7 @@
 </p:sld>
 </file>
 
-<file path=ppt/slides/slide16.xml><?xml version="1.0" encoding="utf-8"?>
+<file path=ppt/slides/slide15.xml><?xml version="1.0" encoding="utf-8"?>
 <p:sld xmlns:a="http://schemas.openxmlformats.org/drawingml/2006/main" xmlns:r="http://schemas.openxmlformats.org/officeDocument/2006/relationships" xmlns:p="http://schemas.openxmlformats.org/presentationml/2006/main">
   <p:cSld>
     <p:spTree>
@@ -12796,7 +12552,7 @@
 </p:sld>
 </file>
 
-<file path=ppt/slides/slide17.xml><?xml version="1.0" encoding="utf-8"?>
+<file path=ppt/slides/slide16.xml><?xml version="1.0" encoding="utf-8"?>
 <p:sld xmlns:a="http://schemas.openxmlformats.org/drawingml/2006/main" xmlns:r="http://schemas.openxmlformats.org/officeDocument/2006/relationships" xmlns:p="http://schemas.openxmlformats.org/presentationml/2006/main">
   <p:cSld>
     <p:spTree>
@@ -13464,7 +13220,7 @@
 </p:sld>
 </file>
 
-<file path=ppt/slides/slide18.xml><?xml version="1.0" encoding="utf-8"?>
+<file path=ppt/slides/slide17.xml><?xml version="1.0" encoding="utf-8"?>
 <p:sld xmlns:a="http://schemas.openxmlformats.org/drawingml/2006/main" xmlns:r="http://schemas.openxmlformats.org/officeDocument/2006/relationships" xmlns:p="http://schemas.openxmlformats.org/presentationml/2006/main">
   <p:cSld>
     <p:spTree>
@@ -14278,6 +14034,746 @@
     <p:extLst>
       <p:ext uri="{BB962C8B-B14F-4D97-AF65-F5344CB8AC3E}">
         <p14:creationId xmlns:p14="http://schemas.microsoft.com/office/powerpoint/2010/main" val="3697532501"/>
+      </p:ext>
+    </p:extLst>
+  </p:cSld>
+  <p:clrMapOvr>
+    <a:masterClrMapping/>
+  </p:clrMapOvr>
+</p:sld>
+</file>
+
+<file path=ppt/slides/slide18.xml><?xml version="1.0" encoding="utf-8"?>
+<p:sld xmlns:a="http://schemas.openxmlformats.org/drawingml/2006/main" xmlns:r="http://schemas.openxmlformats.org/officeDocument/2006/relationships" xmlns:p="http://schemas.openxmlformats.org/presentationml/2006/main">
+  <p:cSld>
+    <p:bg>
+      <p:bgPr>
+        <a:solidFill>
+          <a:schemeClr val="bg1"/>
+        </a:solidFill>
+        <a:effectLst/>
+      </p:bgPr>
+    </p:bg>
+    <p:spTree>
+      <p:nvGrpSpPr>
+        <p:cNvPr id="1" name=""/>
+        <p:cNvGrpSpPr/>
+        <p:nvPr/>
+      </p:nvGrpSpPr>
+      <p:grpSpPr>
+        <a:xfrm>
+          <a:off x="0" y="0"/>
+          <a:ext cx="0" cy="0"/>
+          <a:chOff x="0" y="0"/>
+          <a:chExt cx="0" cy="0"/>
+        </a:xfrm>
+      </p:grpSpPr>
+      <p:sp useBgFill="1">
+        <p:nvSpPr>
+          <p:cNvPr id="44" name="Rectangle 43">
+            <a:extLst>
+              <a:ext uri="{FF2B5EF4-FFF2-40B4-BE49-F238E27FC236}">
+                <a16:creationId xmlns:a16="http://schemas.microsoft.com/office/drawing/2014/main" id="{2EB492CD-616E-47F8-933B-5E2D952A0593}"/>
+              </a:ext>
+              <a:ext uri="{C183D7F6-B498-43B3-948B-1728B52AA6E4}">
+                <adec:decorative xmlns:adec="http://schemas.microsoft.com/office/drawing/2017/decorative" val="1"/>
+              </a:ext>
+            </a:extLst>
+          </p:cNvPr>
+          <p:cNvSpPr>
+            <a:spLocks noGrp="1" noRot="1" noChangeAspect="1" noMove="1" noResize="1" noEditPoints="1" noAdjustHandles="1" noChangeArrowheads="1" noChangeShapeType="1" noTextEdit="1"/>
+          </p:cNvSpPr>
+          <p:nvPr>
+            <p:extLst>
+              <p:ext uri="{386F3935-93C4-4BCD-93E2-E3B085C9AB24}">
+                <p16:designElem xmlns:p16="http://schemas.microsoft.com/office/powerpoint/2015/main" val="1"/>
+              </p:ext>
+            </p:extLst>
+          </p:nvPr>
+        </p:nvSpPr>
+        <p:spPr bwMode="white">
+          <a:xfrm>
+            <a:off x="0" y="0"/>
+            <a:ext cx="12192000" cy="6858000"/>
+          </a:xfrm>
+          <a:prstGeom prst="rect">
+            <a:avLst/>
+          </a:prstGeom>
+          <a:ln>
+            <a:noFill/>
+          </a:ln>
+        </p:spPr>
+        <p:style>
+          <a:lnRef idx="2">
+            <a:schemeClr val="accent1">
+              <a:shade val="50000"/>
+            </a:schemeClr>
+          </a:lnRef>
+          <a:fillRef idx="1">
+            <a:schemeClr val="accent1"/>
+          </a:fillRef>
+          <a:effectRef idx="0">
+            <a:schemeClr val="accent1"/>
+          </a:effectRef>
+          <a:fontRef idx="minor">
+            <a:schemeClr val="lt1"/>
+          </a:fontRef>
+        </p:style>
+        <p:txBody>
+          <a:bodyPr rtlCol="0" anchor="ctr"/>
+          <a:lstStyle>
+            <a:defPPr>
+              <a:defRPr lang="en-US"/>
+            </a:defPPr>
+            <a:lvl1pPr marL="0" algn="l" defTabSz="914400" rtl="0" eaLnBrk="1" latinLnBrk="0" hangingPunct="1">
+              <a:defRPr sz="1800" kern="1200">
+                <a:solidFill>
+                  <a:schemeClr val="lt1"/>
+                </a:solidFill>
+                <a:latin typeface="+mn-lt"/>
+                <a:ea typeface="+mn-ea"/>
+                <a:cs typeface="+mn-cs"/>
+              </a:defRPr>
+            </a:lvl1pPr>
+            <a:lvl2pPr marL="457200" algn="l" defTabSz="914400" rtl="0" eaLnBrk="1" latinLnBrk="0" hangingPunct="1">
+              <a:defRPr sz="1800" kern="1200">
+                <a:solidFill>
+                  <a:schemeClr val="lt1"/>
+                </a:solidFill>
+                <a:latin typeface="+mn-lt"/>
+                <a:ea typeface="+mn-ea"/>
+                <a:cs typeface="+mn-cs"/>
+              </a:defRPr>
+            </a:lvl2pPr>
+            <a:lvl3pPr marL="914400" algn="l" defTabSz="914400" rtl="0" eaLnBrk="1" latinLnBrk="0" hangingPunct="1">
+              <a:defRPr sz="1800" kern="1200">
+                <a:solidFill>
+                  <a:schemeClr val="lt1"/>
+                </a:solidFill>
+                <a:latin typeface="+mn-lt"/>
+                <a:ea typeface="+mn-ea"/>
+                <a:cs typeface="+mn-cs"/>
+              </a:defRPr>
+            </a:lvl3pPr>
+            <a:lvl4pPr marL="1371600" algn="l" defTabSz="914400" rtl="0" eaLnBrk="1" latinLnBrk="0" hangingPunct="1">
+              <a:defRPr sz="1800" kern="1200">
+                <a:solidFill>
+                  <a:schemeClr val="lt1"/>
+                </a:solidFill>
+                <a:latin typeface="+mn-lt"/>
+                <a:ea typeface="+mn-ea"/>
+                <a:cs typeface="+mn-cs"/>
+              </a:defRPr>
+            </a:lvl4pPr>
+            <a:lvl5pPr marL="1828800" algn="l" defTabSz="914400" rtl="0" eaLnBrk="1" latinLnBrk="0" hangingPunct="1">
+              <a:defRPr sz="1800" kern="1200">
+                <a:solidFill>
+                  <a:schemeClr val="lt1"/>
+                </a:solidFill>
+                <a:latin typeface="+mn-lt"/>
+                <a:ea typeface="+mn-ea"/>
+                <a:cs typeface="+mn-cs"/>
+              </a:defRPr>
+            </a:lvl5pPr>
+            <a:lvl6pPr marL="2286000" algn="l" defTabSz="914400" rtl="0" eaLnBrk="1" latinLnBrk="0" hangingPunct="1">
+              <a:defRPr sz="1800" kern="1200">
+                <a:solidFill>
+                  <a:schemeClr val="lt1"/>
+                </a:solidFill>
+                <a:latin typeface="+mn-lt"/>
+                <a:ea typeface="+mn-ea"/>
+                <a:cs typeface="+mn-cs"/>
+              </a:defRPr>
+            </a:lvl6pPr>
+            <a:lvl7pPr marL="2743200" algn="l" defTabSz="914400" rtl="0" eaLnBrk="1" latinLnBrk="0" hangingPunct="1">
+              <a:defRPr sz="1800" kern="1200">
+                <a:solidFill>
+                  <a:schemeClr val="lt1"/>
+                </a:solidFill>
+                <a:latin typeface="+mn-lt"/>
+                <a:ea typeface="+mn-ea"/>
+                <a:cs typeface="+mn-cs"/>
+              </a:defRPr>
+            </a:lvl7pPr>
+            <a:lvl8pPr marL="3200400" algn="l" defTabSz="914400" rtl="0" eaLnBrk="1" latinLnBrk="0" hangingPunct="1">
+              <a:defRPr sz="1800" kern="1200">
+                <a:solidFill>
+                  <a:schemeClr val="lt1"/>
+                </a:solidFill>
+                <a:latin typeface="+mn-lt"/>
+                <a:ea typeface="+mn-ea"/>
+                <a:cs typeface="+mn-cs"/>
+              </a:defRPr>
+            </a:lvl8pPr>
+            <a:lvl9pPr marL="3657600" algn="l" defTabSz="914400" rtl="0" eaLnBrk="1" latinLnBrk="0" hangingPunct="1">
+              <a:defRPr sz="1800" kern="1200">
+                <a:solidFill>
+                  <a:schemeClr val="lt1"/>
+                </a:solidFill>
+                <a:latin typeface="+mn-lt"/>
+                <a:ea typeface="+mn-ea"/>
+                <a:cs typeface="+mn-cs"/>
+              </a:defRPr>
+            </a:lvl9pPr>
+          </a:lstStyle>
+          <a:p>
+            <a:pPr algn="ctr"/>
+            <a:endParaRPr lang="en-US"/>
+          </a:p>
+        </p:txBody>
+      </p:sp>
+      <p:sp>
+        <p:nvSpPr>
+          <p:cNvPr id="45" name="Arc 44">
+            <a:extLst>
+              <a:ext uri="{FF2B5EF4-FFF2-40B4-BE49-F238E27FC236}">
+                <a16:creationId xmlns:a16="http://schemas.microsoft.com/office/drawing/2014/main" id="{59383CF9-23B5-4335-9B21-1791C4CF1C75}"/>
+              </a:ext>
+              <a:ext uri="{C183D7F6-B498-43B3-948B-1728B52AA6E4}">
+                <adec:decorative xmlns:adec="http://schemas.microsoft.com/office/drawing/2017/decorative" val="1"/>
+              </a:ext>
+            </a:extLst>
+          </p:cNvPr>
+          <p:cNvSpPr>
+            <a:spLocks noGrp="1" noRot="1" noChangeAspect="1" noMove="1" noResize="1" noEditPoints="1" noAdjustHandles="1" noChangeArrowheads="1" noChangeShapeType="1" noTextEdit="1"/>
+          </p:cNvSpPr>
+          <p:nvPr>
+            <p:extLst>
+              <p:ext uri="{386F3935-93C4-4BCD-93E2-E3B085C9AB24}">
+                <p16:designElem xmlns:p16="http://schemas.microsoft.com/office/powerpoint/2015/main" val="1"/>
+              </p:ext>
+            </p:extLst>
+          </p:nvPr>
+        </p:nvSpPr>
+        <p:spPr>
+          <a:xfrm rot="3967198" flipH="1">
+            <a:off x="8631348" y="490493"/>
+            <a:ext cx="2987899" cy="2987899"/>
+          </a:xfrm>
+          <a:prstGeom prst="arc">
+            <a:avLst>
+              <a:gd name="adj1" fmla="val 14441841"/>
+              <a:gd name="adj2" fmla="val 0"/>
+            </a:avLst>
+          </a:prstGeom>
+          <a:ln w="127000" cap="rnd">
+            <a:solidFill>
+              <a:schemeClr val="accent4"/>
+            </a:solidFill>
+            <a:prstDash val="dash"/>
+            <a:miter lim="800000"/>
+          </a:ln>
+        </p:spPr>
+        <p:style>
+          <a:lnRef idx="1">
+            <a:schemeClr val="accent1"/>
+          </a:lnRef>
+          <a:fillRef idx="0">
+            <a:schemeClr val="accent1"/>
+          </a:fillRef>
+          <a:effectRef idx="0">
+            <a:schemeClr val="accent1"/>
+          </a:effectRef>
+          <a:fontRef idx="minor">
+            <a:schemeClr val="tx1"/>
+          </a:fontRef>
+        </p:style>
+        <p:txBody>
+          <a:bodyPr rtlCol="0" anchor="ctr"/>
+          <a:lstStyle/>
+          <a:p>
+            <a:pPr marL="0" marR="0" lvl="0" indent="0" algn="ctr" defTabSz="914400" rtl="0" eaLnBrk="1" fontAlgn="auto" latinLnBrk="0" hangingPunct="1">
+              <a:lnSpc>
+                <a:spcPct val="100000"/>
+              </a:lnSpc>
+              <a:spcBef>
+                <a:spcPts val="0"/>
+              </a:spcBef>
+              <a:spcAft>
+                <a:spcPts val="0"/>
+              </a:spcAft>
+              <a:buClrTx/>
+              <a:buSzTx/>
+              <a:buFontTx/>
+              <a:buNone/>
+              <a:tabLst/>
+              <a:defRPr/>
+            </a:pPr>
+            <a:endParaRPr kumimoji="0" lang="en-US" sz="1800" b="0" i="0" u="none" strike="noStrike" kern="1200" cap="none" spc="0" normalizeH="0" baseline="0" noProof="0">
+              <a:ln>
+                <a:noFill/>
+              </a:ln>
+              <a:solidFill>
+                <a:srgbClr val="000000"/>
+              </a:solidFill>
+              <a:effectLst/>
+              <a:uLnTx/>
+              <a:uFillTx/>
+              <a:latin typeface="Calibri" panose="020F0502020204030204"/>
+              <a:ea typeface="+mn-ea"/>
+              <a:cs typeface="+mn-cs"/>
+            </a:endParaRPr>
+          </a:p>
+        </p:txBody>
+      </p:sp>
+      <p:sp>
+        <p:nvSpPr>
+          <p:cNvPr id="2" name="Title 1">
+            <a:extLst>
+              <a:ext uri="{FF2B5EF4-FFF2-40B4-BE49-F238E27FC236}">
+                <a16:creationId xmlns:a16="http://schemas.microsoft.com/office/drawing/2014/main" id="{F5CF815F-8F3D-1012-5FF8-073289D619CC}"/>
+              </a:ext>
+            </a:extLst>
+          </p:cNvPr>
+          <p:cNvSpPr txBox="1">
+            <a:spLocks/>
+          </p:cNvSpPr>
+          <p:nvPr/>
+        </p:nvSpPr>
+        <p:spPr>
+          <a:xfrm>
+            <a:off x="5894962" y="479493"/>
+            <a:ext cx="5458838" cy="1325563"/>
+          </a:xfrm>
+          <a:prstGeom prst="rect">
+            <a:avLst/>
+          </a:prstGeom>
+        </p:spPr>
+        <p:txBody>
+          <a:bodyPr vert="horz" lIns="91440" tIns="45720" rIns="91440" bIns="45720" rtlCol="0" anchor="ctr">
+            <a:normAutofit/>
+          </a:bodyPr>
+          <a:lstStyle>
+            <a:lvl1pPr algn="l" defTabSz="914400" rtl="0" eaLnBrk="1" latinLnBrk="0" hangingPunct="1">
+              <a:lnSpc>
+                <a:spcPct val="90000"/>
+              </a:lnSpc>
+              <a:spcBef>
+                <a:spcPct val="0"/>
+              </a:spcBef>
+              <a:buNone/>
+              <a:defRPr sz="4400" kern="1200">
+                <a:solidFill>
+                  <a:schemeClr val="tx1"/>
+                </a:solidFill>
+                <a:latin typeface="+mj-lt"/>
+                <a:ea typeface="+mj-ea"/>
+                <a:cs typeface="+mj-cs"/>
+              </a:defRPr>
+            </a:lvl1pPr>
+          </a:lstStyle>
+          <a:p>
+            <a:pPr>
+              <a:spcAft>
+                <a:spcPts val="600"/>
+              </a:spcAft>
+            </a:pPr>
+            <a:r>
+              <a:rPr lang="en-US" sz="2100" b="1" kern="1200">
+                <a:solidFill>
+                  <a:schemeClr val="tx1"/>
+                </a:solidFill>
+                <a:latin typeface="+mj-lt"/>
+                <a:ea typeface="+mj-ea"/>
+                <a:cs typeface="+mj-cs"/>
+              </a:rPr>
+              <a:t>Deployment Summary for Grid Consumption Prediction Web Application</a:t>
+            </a:r>
+            <a:br>
+              <a:rPr lang="en-US" sz="2100" b="1" kern="1200">
+                <a:solidFill>
+                  <a:schemeClr val="tx1"/>
+                </a:solidFill>
+                <a:latin typeface="+mj-lt"/>
+                <a:ea typeface="+mj-ea"/>
+                <a:cs typeface="+mj-cs"/>
+              </a:rPr>
+            </a:br>
+            <a:endParaRPr lang="en-US" sz="2100" kern="1200">
+              <a:solidFill>
+                <a:schemeClr val="tx1"/>
+              </a:solidFill>
+              <a:latin typeface="+mj-lt"/>
+              <a:ea typeface="+mj-ea"/>
+              <a:cs typeface="+mj-cs"/>
+            </a:endParaRPr>
+          </a:p>
+        </p:txBody>
+      </p:sp>
+      <p:sp>
+        <p:nvSpPr>
+          <p:cNvPr id="43" name="Freeform: Shape 42">
+            <a:extLst>
+              <a:ext uri="{FF2B5EF4-FFF2-40B4-BE49-F238E27FC236}">
+                <a16:creationId xmlns:a16="http://schemas.microsoft.com/office/drawing/2014/main" id="{0007FE00-9498-4706-B255-6437B0252C02}"/>
+              </a:ext>
+              <a:ext uri="{C183D7F6-B498-43B3-948B-1728B52AA6E4}">
+                <adec:decorative xmlns:adec="http://schemas.microsoft.com/office/drawing/2017/decorative" val="1"/>
+              </a:ext>
+            </a:extLst>
+          </p:cNvPr>
+          <p:cNvSpPr>
+            <a:spLocks noGrp="1" noRot="1" noChangeAspect="1" noMove="1" noResize="1" noEditPoints="1" noAdjustHandles="1" noChangeArrowheads="1" noChangeShapeType="1" noTextEdit="1"/>
+          </p:cNvSpPr>
+          <p:nvPr>
+            <p:extLst>
+              <p:ext uri="{386F3935-93C4-4BCD-93E2-E3B085C9AB24}">
+                <p16:designElem xmlns:p16="http://schemas.microsoft.com/office/powerpoint/2015/main" val="1"/>
+              </p:ext>
+            </p:extLst>
+          </p:nvPr>
+        </p:nvSpPr>
+        <p:spPr>
+          <a:xfrm flipH="1">
+            <a:off x="0" y="5486400"/>
+            <a:ext cx="2672863" cy="1371600"/>
+          </a:xfrm>
+          <a:custGeom>
+            <a:avLst/>
+            <a:gdLst>
+              <a:gd name="connsiteX0" fmla="*/ 1721734 w 2672863"/>
+              <a:gd name="connsiteY0" fmla="*/ 0 h 1371600"/>
+              <a:gd name="connsiteX1" fmla="*/ 2564444 w 2672863"/>
+              <a:gd name="connsiteY1" fmla="*/ 213382 h 1371600"/>
+              <a:gd name="connsiteX2" fmla="*/ 2672863 w 2672863"/>
+              <a:gd name="connsiteY2" fmla="*/ 279248 h 1371600"/>
+              <a:gd name="connsiteX3" fmla="*/ 2672863 w 2672863"/>
+              <a:gd name="connsiteY3" fmla="*/ 1371600 h 1371600"/>
+              <a:gd name="connsiteX4" fmla="*/ 0 w 2672863"/>
+              <a:gd name="connsiteY4" fmla="*/ 1371600 h 1371600"/>
+              <a:gd name="connsiteX5" fmla="*/ 33268 w 2672863"/>
+              <a:gd name="connsiteY5" fmla="*/ 1242216 h 1371600"/>
+              <a:gd name="connsiteX6" fmla="*/ 1721734 w 2672863"/>
+              <a:gd name="connsiteY6" fmla="*/ 0 h 1371600"/>
+            </a:gdLst>
+            <a:ahLst/>
+            <a:cxnLst>
+              <a:cxn ang="0">
+                <a:pos x="connsiteX0" y="connsiteY0"/>
+              </a:cxn>
+              <a:cxn ang="0">
+                <a:pos x="connsiteX1" y="connsiteY1"/>
+              </a:cxn>
+              <a:cxn ang="0">
+                <a:pos x="connsiteX2" y="connsiteY2"/>
+              </a:cxn>
+              <a:cxn ang="0">
+                <a:pos x="connsiteX3" y="connsiteY3"/>
+              </a:cxn>
+              <a:cxn ang="0">
+                <a:pos x="connsiteX4" y="connsiteY4"/>
+              </a:cxn>
+              <a:cxn ang="0">
+                <a:pos x="connsiteX5" y="connsiteY5"/>
+              </a:cxn>
+              <a:cxn ang="0">
+                <a:pos x="connsiteX6" y="connsiteY6"/>
+              </a:cxn>
+            </a:cxnLst>
+            <a:rect l="l" t="t" r="r" b="b"/>
+            <a:pathLst>
+              <a:path w="2672863" h="1371600">
+                <a:moveTo>
+                  <a:pt x="1721734" y="0"/>
+                </a:moveTo>
+                <a:cubicBezTo>
+                  <a:pt x="2026863" y="0"/>
+                  <a:pt x="2313937" y="77299"/>
+                  <a:pt x="2564444" y="213382"/>
+                </a:cubicBezTo>
+                <a:lnTo>
+                  <a:pt x="2672863" y="279248"/>
+                </a:lnTo>
+                <a:lnTo>
+                  <a:pt x="2672863" y="1371600"/>
+                </a:lnTo>
+                <a:lnTo>
+                  <a:pt x="0" y="1371600"/>
+                </a:lnTo>
+                <a:lnTo>
+                  <a:pt x="33268" y="1242216"/>
+                </a:lnTo>
+                <a:cubicBezTo>
+                  <a:pt x="257110" y="522539"/>
+                  <a:pt x="928399" y="0"/>
+                  <a:pt x="1721734" y="0"/>
+                </a:cubicBezTo>
+                <a:close/>
+              </a:path>
+            </a:pathLst>
+          </a:custGeom>
+          <a:solidFill>
+            <a:schemeClr val="accent4"/>
+          </a:solidFill>
+          <a:ln>
+            <a:noFill/>
+          </a:ln>
+        </p:spPr>
+        <p:style>
+          <a:lnRef idx="2">
+            <a:schemeClr val="accent1">
+              <a:shade val="50000"/>
+            </a:schemeClr>
+          </a:lnRef>
+          <a:fillRef idx="1">
+            <a:schemeClr val="accent1"/>
+          </a:fillRef>
+          <a:effectRef idx="0">
+            <a:schemeClr val="accent1"/>
+          </a:effectRef>
+          <a:fontRef idx="minor">
+            <a:schemeClr val="lt1"/>
+          </a:fontRef>
+        </p:style>
+        <p:txBody>
+          <a:bodyPr wrap="square" rtlCol="0" anchor="ctr">
+            <a:noAutofit/>
+          </a:bodyPr>
+          <a:lstStyle/>
+          <a:p>
+            <a:pPr algn="ctr"/>
+            <a:endParaRPr lang="en-US"/>
+          </a:p>
+        </p:txBody>
+      </p:sp>
+      <p:pic>
+        <p:nvPicPr>
+          <p:cNvPr id="4" name="Picture 3" descr="A screenshot of a web page&#10;&#10;Description automatically generated">
+            <a:extLst>
+              <a:ext uri="{FF2B5EF4-FFF2-40B4-BE49-F238E27FC236}">
+                <a16:creationId xmlns:a16="http://schemas.microsoft.com/office/drawing/2014/main" id="{64938EAD-30A0-56CE-0B4C-AFA7D299EC1F}"/>
+              </a:ext>
+            </a:extLst>
+          </p:cNvPr>
+          <p:cNvPicPr>
+            <a:picLocks noChangeAspect="1"/>
+          </p:cNvPicPr>
+          <p:nvPr/>
+        </p:nvPicPr>
+        <p:blipFill>
+          <a:blip r:embed="rId2"/>
+          <a:stretch>
+            <a:fillRect/>
+          </a:stretch>
+        </p:blipFill>
+        <p:spPr>
+          <a:xfrm>
+            <a:off x="703182" y="1564554"/>
+            <a:ext cx="4777381" cy="3559148"/>
+          </a:xfrm>
+          <a:custGeom>
+            <a:avLst/>
+            <a:gdLst/>
+            <a:ahLst/>
+            <a:cxnLst/>
+            <a:rect l="l" t="t" r="r" b="b"/>
+            <a:pathLst>
+              <a:path w="4777381" h="5643794">
+                <a:moveTo>
+                  <a:pt x="143704" y="0"/>
+                </a:moveTo>
+                <a:lnTo>
+                  <a:pt x="4633677" y="0"/>
+                </a:lnTo>
+                <a:cubicBezTo>
+                  <a:pt x="4713043" y="0"/>
+                  <a:pt x="4777381" y="64338"/>
+                  <a:pt x="4777381" y="143704"/>
+                </a:cubicBezTo>
+                <a:lnTo>
+                  <a:pt x="4777381" y="5500090"/>
+                </a:lnTo>
+                <a:cubicBezTo>
+                  <a:pt x="4777381" y="5579456"/>
+                  <a:pt x="4713043" y="5643794"/>
+                  <a:pt x="4633677" y="5643794"/>
+                </a:cubicBezTo>
+                <a:lnTo>
+                  <a:pt x="143704" y="5643794"/>
+                </a:lnTo>
+                <a:cubicBezTo>
+                  <a:pt x="64338" y="5643794"/>
+                  <a:pt x="0" y="5579456"/>
+                  <a:pt x="0" y="5500090"/>
+                </a:cubicBezTo>
+                <a:lnTo>
+                  <a:pt x="0" y="143704"/>
+                </a:lnTo>
+                <a:cubicBezTo>
+                  <a:pt x="0" y="64338"/>
+                  <a:pt x="64338" y="0"/>
+                  <a:pt x="143704" y="0"/>
+                </a:cubicBezTo>
+                <a:close/>
+              </a:path>
+            </a:pathLst>
+          </a:custGeom>
+        </p:spPr>
+      </p:pic>
+      <p:sp>
+        <p:nvSpPr>
+          <p:cNvPr id="3" name="TextBox 2">
+            <a:extLst>
+              <a:ext uri="{FF2B5EF4-FFF2-40B4-BE49-F238E27FC236}">
+                <a16:creationId xmlns:a16="http://schemas.microsoft.com/office/drawing/2014/main" id="{2082567C-408F-6C56-C5B9-A308A2C4B809}"/>
+              </a:ext>
+            </a:extLst>
+          </p:cNvPr>
+          <p:cNvSpPr txBox="1"/>
+          <p:nvPr/>
+        </p:nvSpPr>
+        <p:spPr>
+          <a:xfrm>
+            <a:off x="5894962" y="1984443"/>
+            <a:ext cx="5458838" cy="4192520"/>
+          </a:xfrm>
+          <a:prstGeom prst="rect">
+            <a:avLst/>
+          </a:prstGeom>
+        </p:spPr>
+        <p:txBody>
+          <a:bodyPr vert="horz" lIns="91440" tIns="45720" rIns="91440" bIns="45720" rtlCol="0">
+            <a:normAutofit/>
+          </a:bodyPr>
+          <a:lstStyle/>
+          <a:p>
+            <a:pPr indent="-228600">
+              <a:lnSpc>
+                <a:spcPct val="90000"/>
+              </a:lnSpc>
+              <a:spcAft>
+                <a:spcPts val="600"/>
+              </a:spcAft>
+              <a:buFont typeface="Arial" panose="020B0604020202020204" pitchFamily="34" charset="0"/>
+              <a:buChar char="•"/>
+            </a:pPr>
+            <a:r>
+              <a:rPr lang="en-US" b="1" i="0" u="none" strike="noStrike">
+                <a:effectLst/>
+              </a:rPr>
+              <a:t>Current State:</a:t>
+            </a:r>
+          </a:p>
+          <a:p>
+            <a:pPr lvl="1" indent="-228600">
+              <a:lnSpc>
+                <a:spcPct val="90000"/>
+              </a:lnSpc>
+              <a:spcAft>
+                <a:spcPts val="600"/>
+              </a:spcAft>
+              <a:buFont typeface="Arial" panose="020B0604020202020204" pitchFamily="34" charset="0"/>
+              <a:buChar char="•"/>
+            </a:pPr>
+            <a:r>
+              <a:rPr lang="en-US" b="0" i="0" u="none" strike="noStrike">
+                <a:effectLst/>
+              </a:rPr>
+              <a:t>Local deployment for Web application services.</a:t>
+            </a:r>
+          </a:p>
+          <a:p>
+            <a:pPr lvl="1" indent="-228600">
+              <a:lnSpc>
+                <a:spcPct val="90000"/>
+              </a:lnSpc>
+              <a:spcAft>
+                <a:spcPts val="600"/>
+              </a:spcAft>
+              <a:buFont typeface="Arial" panose="020B0604020202020204" pitchFamily="34" charset="0"/>
+              <a:buChar char="•"/>
+            </a:pPr>
+            <a:r>
+              <a:rPr lang="en-US" b="0" i="0" u="none" strike="noStrike">
+                <a:effectLst/>
+              </a:rPr>
+              <a:t>Accessible via tunneling tools for testing and development.</a:t>
+            </a:r>
+          </a:p>
+          <a:p>
+            <a:pPr indent="-228600">
+              <a:lnSpc>
+                <a:spcPct val="90000"/>
+              </a:lnSpc>
+              <a:spcAft>
+                <a:spcPts val="600"/>
+              </a:spcAft>
+              <a:buFont typeface="Arial" panose="020B0604020202020204" pitchFamily="34" charset="0"/>
+              <a:buChar char="•"/>
+            </a:pPr>
+            <a:r>
+              <a:rPr lang="en-US" b="1" i="0" u="none" strike="noStrike">
+                <a:effectLst/>
+              </a:rPr>
+              <a:t>Future Plan:</a:t>
+            </a:r>
+          </a:p>
+          <a:p>
+            <a:pPr lvl="1" indent="-228600">
+              <a:lnSpc>
+                <a:spcPct val="90000"/>
+              </a:lnSpc>
+              <a:spcAft>
+                <a:spcPts val="600"/>
+              </a:spcAft>
+              <a:buFont typeface="Arial" panose="020B0604020202020204" pitchFamily="34" charset="0"/>
+              <a:buChar char="•"/>
+            </a:pPr>
+            <a:r>
+              <a:rPr lang="en-US" b="1" i="0" u="none" strike="noStrike">
+                <a:effectLst/>
+              </a:rPr>
+              <a:t>Cloud Deployment</a:t>
+            </a:r>
+            <a:r>
+              <a:rPr lang="en-US" b="0" i="0" u="none" strike="noStrike">
+                <a:effectLst/>
+              </a:rPr>
+              <a:t>:</a:t>
+            </a:r>
+          </a:p>
+          <a:p>
+            <a:pPr marL="742950" lvl="1" indent="-228600">
+              <a:lnSpc>
+                <a:spcPct val="90000"/>
+              </a:lnSpc>
+              <a:spcAft>
+                <a:spcPts val="600"/>
+              </a:spcAft>
+              <a:buFont typeface="Arial" panose="020B0604020202020204" pitchFamily="34" charset="0"/>
+              <a:buChar char="•"/>
+            </a:pPr>
+            <a:r>
+              <a:rPr lang="en-US" b="0" i="0" u="none" strike="noStrike">
+                <a:effectLst/>
+              </a:rPr>
+              <a:t>Target platforms: AWS, Azure, or Google Cloud.</a:t>
+            </a:r>
+          </a:p>
+          <a:p>
+            <a:pPr marL="742950" lvl="1" indent="-228600">
+              <a:lnSpc>
+                <a:spcPct val="90000"/>
+              </a:lnSpc>
+              <a:spcAft>
+                <a:spcPts val="600"/>
+              </a:spcAft>
+              <a:buFont typeface="Arial" panose="020B0604020202020204" pitchFamily="34" charset="0"/>
+              <a:buChar char="•"/>
+            </a:pPr>
+            <a:r>
+              <a:rPr lang="en-US" b="0" i="0" u="none" strike="noStrike">
+                <a:effectLst/>
+              </a:rPr>
+              <a:t>Goals: High availability, scalability, and secure access.</a:t>
+            </a:r>
+          </a:p>
+        </p:txBody>
+      </p:sp>
+    </p:spTree>
+    <p:extLst>
+      <p:ext uri="{BB962C8B-B14F-4D97-AF65-F5344CB8AC3E}">
+        <p14:creationId xmlns:p14="http://schemas.microsoft.com/office/powerpoint/2010/main" val="1947706720"/>
       </p:ext>
     </p:extLst>
   </p:cSld>
@@ -14314,683 +14810,7 @@
       </p:grpSpPr>
       <p:sp useBgFill="1">
         <p:nvSpPr>
-          <p:cNvPr id="30" name="Rectangle 29">
-            <a:extLst>
-              <a:ext uri="{FF2B5EF4-FFF2-40B4-BE49-F238E27FC236}">
-                <a16:creationId xmlns:a16="http://schemas.microsoft.com/office/drawing/2014/main" id="{B6CDA21F-E7AF-4C75-8395-33F58D5B0E45}"/>
-              </a:ext>
-              <a:ext uri="{C183D7F6-B498-43B3-948B-1728B52AA6E4}">
-                <adec:decorative xmlns:adec="http://schemas.microsoft.com/office/drawing/2017/decorative" val="1"/>
-              </a:ext>
-            </a:extLst>
-          </p:cNvPr>
-          <p:cNvSpPr>
-            <a:spLocks noGrp="1" noRot="1" noChangeAspect="1" noMove="1" noResize="1" noEditPoints="1" noAdjustHandles="1" noChangeArrowheads="1" noChangeShapeType="1" noTextEdit="1"/>
-          </p:cNvSpPr>
-          <p:nvPr>
-            <p:extLst>
-              <p:ext uri="{386F3935-93C4-4BCD-93E2-E3B085C9AB24}">
-                <p16:designElem xmlns:p16="http://schemas.microsoft.com/office/powerpoint/2015/main" val="1"/>
-              </p:ext>
-            </p:extLst>
-          </p:nvPr>
-        </p:nvSpPr>
-        <p:spPr>
-          <a:xfrm>
-            <a:off x="0" y="0"/>
-            <a:ext cx="12191999" cy="6857365"/>
-          </a:xfrm>
-          <a:prstGeom prst="rect">
-            <a:avLst/>
-          </a:prstGeom>
-          <a:ln>
-            <a:noFill/>
-          </a:ln>
-        </p:spPr>
-        <p:style>
-          <a:lnRef idx="2">
-            <a:schemeClr val="accent1">
-              <a:shade val="50000"/>
-            </a:schemeClr>
-          </a:lnRef>
-          <a:fillRef idx="1">
-            <a:schemeClr val="accent1"/>
-          </a:fillRef>
-          <a:effectRef idx="0">
-            <a:schemeClr val="accent1"/>
-          </a:effectRef>
-          <a:fontRef idx="minor">
-            <a:schemeClr val="lt1"/>
-          </a:fontRef>
-        </p:style>
-        <p:txBody>
-          <a:bodyPr rtlCol="0" anchor="ctr"/>
-          <a:lstStyle/>
-          <a:p>
-            <a:pPr algn="ctr"/>
-            <a:endParaRPr lang="en-US"/>
-          </a:p>
-        </p:txBody>
-      </p:sp>
-      <p:grpSp>
-        <p:nvGrpSpPr>
-          <p:cNvPr id="32" name="Group 31">
-            <a:extLst>
-              <a:ext uri="{FF2B5EF4-FFF2-40B4-BE49-F238E27FC236}">
-                <a16:creationId xmlns:a16="http://schemas.microsoft.com/office/drawing/2014/main" id="{AE1C45F0-260A-458C-96ED-C1F6D2151219}"/>
-              </a:ext>
-              <a:ext uri="{C183D7F6-B498-43B3-948B-1728B52AA6E4}">
-                <adec:decorative xmlns:adec="http://schemas.microsoft.com/office/drawing/2017/decorative" val="1"/>
-              </a:ext>
-            </a:extLst>
-          </p:cNvPr>
-          <p:cNvGrpSpPr>
-            <a:grpSpLocks noGrp="1" noUngrp="1" noRot="1" noChangeAspect="1" noMove="1" noResize="1"/>
-          </p:cNvGrpSpPr>
-          <p:nvPr>
-            <p:extLst>
-              <p:ext uri="{386F3935-93C4-4BCD-93E2-E3B085C9AB24}">
-                <p16:designElem xmlns:p16="http://schemas.microsoft.com/office/powerpoint/2015/main" val="1"/>
-              </p:ext>
-            </p:extLst>
-          </p:nvPr>
-        </p:nvGrpSpPr>
-        <p:grpSpPr>
-          <a:xfrm>
-            <a:off x="4" y="1216597"/>
-            <a:ext cx="731521" cy="673460"/>
-            <a:chOff x="3940602" y="308034"/>
-            <a:chExt cx="2116791" cy="3428999"/>
-          </a:xfrm>
-          <a:solidFill>
-            <a:schemeClr val="accent4"/>
-          </a:solidFill>
-        </p:grpSpPr>
-        <p:sp>
-          <p:nvSpPr>
-            <p:cNvPr id="33" name="Rectangle 32">
-              <a:extLst>
-                <a:ext uri="{FF2B5EF4-FFF2-40B4-BE49-F238E27FC236}">
-                  <a16:creationId xmlns:a16="http://schemas.microsoft.com/office/drawing/2014/main" id="{A6604B49-AD5C-4590-B051-06C8222ECD99}"/>
-                </a:ext>
-                <a:ext uri="{C183D7F6-B498-43B3-948B-1728B52AA6E4}">
-                  <adec:decorative xmlns:adec="http://schemas.microsoft.com/office/drawing/2017/decorative" val="1"/>
-                </a:ext>
-              </a:extLst>
-            </p:cNvPr>
-            <p:cNvSpPr/>
-            <p:nvPr>
-              <p:extLst>
-                <p:ext uri="{386F3935-93C4-4BCD-93E2-E3B085C9AB24}">
-                  <p16:designElem xmlns:p16="http://schemas.microsoft.com/office/powerpoint/2015/main" val="1"/>
-                </p:ext>
-              </p:extLst>
-            </p:nvPr>
-          </p:nvSpPr>
-          <p:spPr>
-            <a:xfrm>
-              <a:off x="3940602" y="308034"/>
-              <a:ext cx="566743" cy="3428999"/>
-            </a:xfrm>
-            <a:prstGeom prst="rect">
-              <a:avLst/>
-            </a:prstGeom>
-            <a:grpFill/>
-            <a:ln>
-              <a:noFill/>
-            </a:ln>
-          </p:spPr>
-          <p:style>
-            <a:lnRef idx="2">
-              <a:schemeClr val="accent1">
-                <a:shade val="50000"/>
-              </a:schemeClr>
-            </a:lnRef>
-            <a:fillRef idx="1">
-              <a:schemeClr val="accent1"/>
-            </a:fillRef>
-            <a:effectRef idx="0">
-              <a:schemeClr val="accent1"/>
-            </a:effectRef>
-            <a:fontRef idx="minor">
-              <a:schemeClr val="lt1"/>
-            </a:fontRef>
-          </p:style>
-          <p:txBody>
-            <a:bodyPr rtlCol="0" anchor="ctr"/>
-            <a:lstStyle/>
-            <a:p>
-              <a:pPr algn="ctr"/>
-              <a:endParaRPr lang="en-US"/>
-            </a:p>
-          </p:txBody>
-        </p:sp>
-        <p:sp>
-          <p:nvSpPr>
-            <p:cNvPr id="34" name="Rectangle 33">
-              <a:extLst>
-                <a:ext uri="{FF2B5EF4-FFF2-40B4-BE49-F238E27FC236}">
-                  <a16:creationId xmlns:a16="http://schemas.microsoft.com/office/drawing/2014/main" id="{743ECCAF-29C5-4537-947C-7EA1292463DB}"/>
-                </a:ext>
-                <a:ext uri="{C183D7F6-B498-43B3-948B-1728B52AA6E4}">
-                  <adec:decorative xmlns:adec="http://schemas.microsoft.com/office/drawing/2017/decorative" val="1"/>
-                </a:ext>
-              </a:extLst>
-            </p:cNvPr>
-            <p:cNvSpPr/>
-            <p:nvPr>
-              <p:extLst>
-                <p:ext uri="{386F3935-93C4-4BCD-93E2-E3B085C9AB24}">
-                  <p16:designElem xmlns:p16="http://schemas.microsoft.com/office/powerpoint/2015/main" val="1"/>
-                </p:ext>
-              </p:extLst>
-            </p:nvPr>
-          </p:nvSpPr>
-          <p:spPr>
-            <a:xfrm>
-              <a:off x="4715626" y="308034"/>
-              <a:ext cx="566743" cy="3428999"/>
-            </a:xfrm>
-            <a:prstGeom prst="rect">
-              <a:avLst/>
-            </a:prstGeom>
-            <a:grpFill/>
-            <a:ln>
-              <a:noFill/>
-            </a:ln>
-          </p:spPr>
-          <p:style>
-            <a:lnRef idx="2">
-              <a:schemeClr val="accent1">
-                <a:shade val="50000"/>
-              </a:schemeClr>
-            </a:lnRef>
-            <a:fillRef idx="1">
-              <a:schemeClr val="accent1"/>
-            </a:fillRef>
-            <a:effectRef idx="0">
-              <a:schemeClr val="accent1"/>
-            </a:effectRef>
-            <a:fontRef idx="minor">
-              <a:schemeClr val="lt1"/>
-            </a:fontRef>
-          </p:style>
-          <p:txBody>
-            <a:bodyPr rtlCol="0" anchor="ctr"/>
-            <a:lstStyle/>
-            <a:p>
-              <a:pPr algn="ctr"/>
-              <a:endParaRPr lang="en-US"/>
-            </a:p>
-          </p:txBody>
-        </p:sp>
-        <p:sp>
-          <p:nvSpPr>
-            <p:cNvPr id="27" name="Rectangle 26">
-              <a:extLst>
-                <a:ext uri="{FF2B5EF4-FFF2-40B4-BE49-F238E27FC236}">
-                  <a16:creationId xmlns:a16="http://schemas.microsoft.com/office/drawing/2014/main" id="{ED49787B-8DE6-4467-AD0A-8DECC6E0C2D6}"/>
-                </a:ext>
-                <a:ext uri="{C183D7F6-B498-43B3-948B-1728B52AA6E4}">
-                  <adec:decorative xmlns:adec="http://schemas.microsoft.com/office/drawing/2017/decorative" val="1"/>
-                </a:ext>
-              </a:extLst>
-            </p:cNvPr>
-            <p:cNvSpPr/>
-            <p:nvPr>
-              <p:extLst>
-                <p:ext uri="{386F3935-93C4-4BCD-93E2-E3B085C9AB24}">
-                  <p16:designElem xmlns:p16="http://schemas.microsoft.com/office/powerpoint/2015/main" val="1"/>
-                </p:ext>
-              </p:extLst>
-            </p:nvPr>
-          </p:nvSpPr>
-          <p:spPr>
-            <a:xfrm>
-              <a:off x="5490650" y="308034"/>
-              <a:ext cx="566743" cy="3428999"/>
-            </a:xfrm>
-            <a:prstGeom prst="rect">
-              <a:avLst/>
-            </a:prstGeom>
-            <a:grpFill/>
-            <a:ln>
-              <a:noFill/>
-            </a:ln>
-          </p:spPr>
-          <p:style>
-            <a:lnRef idx="2">
-              <a:schemeClr val="accent1">
-                <a:shade val="50000"/>
-              </a:schemeClr>
-            </a:lnRef>
-            <a:fillRef idx="1">
-              <a:schemeClr val="accent1"/>
-            </a:fillRef>
-            <a:effectRef idx="0">
-              <a:schemeClr val="accent1"/>
-            </a:effectRef>
-            <a:fontRef idx="minor">
-              <a:schemeClr val="lt1"/>
-            </a:fontRef>
-          </p:style>
-          <p:txBody>
-            <a:bodyPr rtlCol="0" anchor="ctr"/>
-            <a:lstStyle/>
-            <a:p>
-              <a:pPr algn="ctr"/>
-              <a:endParaRPr lang="en-US"/>
-            </a:p>
-          </p:txBody>
-        </p:sp>
-      </p:grpSp>
-      <p:sp>
-        <p:nvSpPr>
-          <p:cNvPr id="29" name="Rectangle 28">
-            <a:extLst>
-              <a:ext uri="{FF2B5EF4-FFF2-40B4-BE49-F238E27FC236}">
-                <a16:creationId xmlns:a16="http://schemas.microsoft.com/office/drawing/2014/main" id="{D5B0017B-2ECA-49AF-B397-DC140825DF8D}"/>
-              </a:ext>
-              <a:ext uri="{C183D7F6-B498-43B3-948B-1728B52AA6E4}">
-                <adec:decorative xmlns:adec="http://schemas.microsoft.com/office/drawing/2017/decorative" val="1"/>
-              </a:ext>
-            </a:extLst>
-          </p:cNvPr>
-          <p:cNvSpPr>
-            <a:spLocks noGrp="1" noRot="1" noChangeAspect="1" noMove="1" noResize="1" noEditPoints="1" noAdjustHandles="1" noChangeArrowheads="1" noChangeShapeType="1" noTextEdit="1"/>
-          </p:cNvSpPr>
-          <p:nvPr>
-            <p:extLst>
-              <p:ext uri="{386F3935-93C4-4BCD-93E2-E3B085C9AB24}">
-                <p16:designElem xmlns:p16="http://schemas.microsoft.com/office/powerpoint/2015/main" val="1"/>
-              </p:ext>
-            </p:extLst>
-          </p:nvPr>
-        </p:nvSpPr>
-        <p:spPr>
-          <a:xfrm>
-            <a:off x="640079" y="613954"/>
-            <a:ext cx="10907487" cy="1894116"/>
-          </a:xfrm>
-          <a:prstGeom prst="rect">
-            <a:avLst/>
-          </a:prstGeom>
-          <a:solidFill>
-            <a:schemeClr val="bg1"/>
-          </a:solidFill>
-          <a:ln>
-            <a:noFill/>
-          </a:ln>
-          <a:effectLst>
-            <a:outerShdw blurRad="139700" dist="127000" dir="5400000" algn="t" rotWithShape="0">
-              <a:prstClr val="black">
-                <a:alpha val="15000"/>
-              </a:prstClr>
-            </a:outerShdw>
-          </a:effectLst>
-        </p:spPr>
-        <p:style>
-          <a:lnRef idx="2">
-            <a:schemeClr val="accent1">
-              <a:shade val="50000"/>
-            </a:schemeClr>
-          </a:lnRef>
-          <a:fillRef idx="1">
-            <a:schemeClr val="accent1"/>
-          </a:fillRef>
-          <a:effectRef idx="0">
-            <a:schemeClr val="accent1"/>
-          </a:effectRef>
-          <a:fontRef idx="minor">
-            <a:schemeClr val="lt1"/>
-          </a:fontRef>
-        </p:style>
-        <p:txBody>
-          <a:bodyPr rtlCol="0" anchor="ctr"/>
-          <a:lstStyle/>
-          <a:p>
-            <a:pPr algn="ctr"/>
-            <a:endParaRPr lang="en-US"/>
-          </a:p>
-        </p:txBody>
-      </p:sp>
-      <p:sp>
-        <p:nvSpPr>
-          <p:cNvPr id="2" name="Title 1">
-            <a:extLst>
-              <a:ext uri="{FF2B5EF4-FFF2-40B4-BE49-F238E27FC236}">
-                <a16:creationId xmlns:a16="http://schemas.microsoft.com/office/drawing/2014/main" id="{F5CF815F-8F3D-1012-5FF8-073289D619CC}"/>
-              </a:ext>
-            </a:extLst>
-          </p:cNvPr>
-          <p:cNvSpPr txBox="1">
-            <a:spLocks/>
-          </p:cNvSpPr>
-          <p:nvPr/>
-        </p:nvSpPr>
-        <p:spPr>
-          <a:xfrm>
-            <a:off x="1043631" y="809898"/>
-            <a:ext cx="9942716" cy="1554480"/>
-          </a:xfrm>
-          <a:prstGeom prst="rect">
-            <a:avLst/>
-          </a:prstGeom>
-        </p:spPr>
-        <p:txBody>
-          <a:bodyPr vert="horz" lIns="91440" tIns="45720" rIns="91440" bIns="45720" rtlCol="0" anchor="ctr">
-            <a:normAutofit/>
-          </a:bodyPr>
-          <a:lstStyle>
-            <a:lvl1pPr algn="l" defTabSz="914400" rtl="0" eaLnBrk="1" latinLnBrk="0" hangingPunct="1">
-              <a:lnSpc>
-                <a:spcPct val="90000"/>
-              </a:lnSpc>
-              <a:spcBef>
-                <a:spcPct val="0"/>
-              </a:spcBef>
-              <a:buNone/>
-              <a:defRPr sz="4400" kern="1200">
-                <a:solidFill>
-                  <a:schemeClr val="tx1"/>
-                </a:solidFill>
-                <a:latin typeface="+mj-lt"/>
-                <a:ea typeface="+mj-ea"/>
-                <a:cs typeface="+mj-cs"/>
-              </a:defRPr>
-            </a:lvl1pPr>
-          </a:lstStyle>
-          <a:p>
-            <a:pPr>
-              <a:spcAft>
-                <a:spcPts val="600"/>
-              </a:spcAft>
-            </a:pPr>
-            <a:r>
-              <a:rPr lang="en-US" sz="3400" b="1" kern="1200">
-                <a:solidFill>
-                  <a:schemeClr val="tx1"/>
-                </a:solidFill>
-                <a:latin typeface="+mj-lt"/>
-                <a:ea typeface="+mj-ea"/>
-                <a:cs typeface="+mj-cs"/>
-              </a:rPr>
-              <a:t>Deployment Summary for Grid Consumption Prediction Web Application</a:t>
-            </a:r>
-            <a:br>
-              <a:rPr lang="en-US" sz="3400" b="1" kern="1200">
-                <a:solidFill>
-                  <a:schemeClr val="tx1"/>
-                </a:solidFill>
-                <a:latin typeface="+mj-lt"/>
-                <a:ea typeface="+mj-ea"/>
-                <a:cs typeface="+mj-cs"/>
-              </a:rPr>
-            </a:br>
-            <a:endParaRPr lang="en-US" sz="3400" kern="1200" dirty="0">
-              <a:solidFill>
-                <a:schemeClr val="tx1"/>
-              </a:solidFill>
-              <a:latin typeface="+mj-lt"/>
-              <a:ea typeface="+mj-ea"/>
-              <a:cs typeface="+mj-cs"/>
-            </a:endParaRPr>
-          </a:p>
-        </p:txBody>
-      </p:sp>
-      <p:sp>
-        <p:nvSpPr>
-          <p:cNvPr id="3" name="TextBox 2">
-            <a:extLst>
-              <a:ext uri="{FF2B5EF4-FFF2-40B4-BE49-F238E27FC236}">
-                <a16:creationId xmlns:a16="http://schemas.microsoft.com/office/drawing/2014/main" id="{2082567C-408F-6C56-C5B9-A308A2C4B809}"/>
-              </a:ext>
-            </a:extLst>
-          </p:cNvPr>
-          <p:cNvSpPr txBox="1"/>
-          <p:nvPr/>
-        </p:nvSpPr>
-        <p:spPr>
-          <a:xfrm>
-            <a:off x="1045028" y="3017522"/>
-            <a:ext cx="9941319" cy="3124658"/>
-          </a:xfrm>
-          <a:prstGeom prst="rect">
-            <a:avLst/>
-          </a:prstGeom>
-        </p:spPr>
-        <p:txBody>
-          <a:bodyPr vert="horz" lIns="91440" tIns="45720" rIns="91440" bIns="45720" rtlCol="0" anchor="ctr">
-            <a:normAutofit/>
-          </a:bodyPr>
-          <a:lstStyle/>
-          <a:p>
-            <a:pPr indent="-228600">
-              <a:lnSpc>
-                <a:spcPct val="90000"/>
-              </a:lnSpc>
-              <a:spcAft>
-                <a:spcPts val="600"/>
-              </a:spcAft>
-              <a:buFont typeface="Arial" panose="020B0604020202020204" pitchFamily="34" charset="0"/>
-              <a:buChar char="•"/>
-            </a:pPr>
-            <a:r>
-              <a:rPr lang="en-US" sz="2400" b="1" i="0" u="none" strike="noStrike" dirty="0">
-                <a:effectLst/>
-              </a:rPr>
-              <a:t>Current State:</a:t>
-            </a:r>
-          </a:p>
-          <a:p>
-            <a:pPr lvl="1" indent="-228600">
-              <a:lnSpc>
-                <a:spcPct val="90000"/>
-              </a:lnSpc>
-              <a:spcAft>
-                <a:spcPts val="600"/>
-              </a:spcAft>
-              <a:buFont typeface="Arial" panose="020B0604020202020204" pitchFamily="34" charset="0"/>
-              <a:buChar char="•"/>
-            </a:pPr>
-            <a:r>
-              <a:rPr lang="en-US" sz="2400" b="0" i="0" u="none" strike="noStrike" dirty="0">
-                <a:effectLst/>
-              </a:rPr>
-              <a:t>Local deployment for Web application services.</a:t>
-            </a:r>
-          </a:p>
-          <a:p>
-            <a:pPr lvl="1" indent="-228600">
-              <a:lnSpc>
-                <a:spcPct val="90000"/>
-              </a:lnSpc>
-              <a:spcAft>
-                <a:spcPts val="600"/>
-              </a:spcAft>
-              <a:buFont typeface="Arial" panose="020B0604020202020204" pitchFamily="34" charset="0"/>
-              <a:buChar char="•"/>
-            </a:pPr>
-            <a:r>
-              <a:rPr lang="en-US" sz="2400" b="0" i="0" u="none" strike="noStrike" dirty="0">
-                <a:effectLst/>
-              </a:rPr>
-              <a:t>Accessible via tunneling tools for testing and development.</a:t>
-            </a:r>
-          </a:p>
-          <a:p>
-            <a:pPr indent="-228600">
-              <a:lnSpc>
-                <a:spcPct val="90000"/>
-              </a:lnSpc>
-              <a:spcAft>
-                <a:spcPts val="600"/>
-              </a:spcAft>
-              <a:buFont typeface="Arial" panose="020B0604020202020204" pitchFamily="34" charset="0"/>
-              <a:buChar char="•"/>
-            </a:pPr>
-            <a:r>
-              <a:rPr lang="en-US" sz="2400" b="1" i="0" u="none" strike="noStrike" dirty="0">
-                <a:effectLst/>
-              </a:rPr>
-              <a:t>Future Plan:</a:t>
-            </a:r>
-          </a:p>
-          <a:p>
-            <a:pPr lvl="1" indent="-228600">
-              <a:lnSpc>
-                <a:spcPct val="90000"/>
-              </a:lnSpc>
-              <a:spcAft>
-                <a:spcPts val="600"/>
-              </a:spcAft>
-              <a:buFont typeface="Arial" panose="020B0604020202020204" pitchFamily="34" charset="0"/>
-              <a:buChar char="•"/>
-            </a:pPr>
-            <a:r>
-              <a:rPr lang="en-US" sz="2400" b="1" i="0" u="none" strike="noStrike" dirty="0">
-                <a:effectLst/>
-              </a:rPr>
-              <a:t>Cloud Deployment</a:t>
-            </a:r>
-            <a:r>
-              <a:rPr lang="en-US" sz="2400" b="0" i="0" u="none" strike="noStrike" dirty="0">
-                <a:effectLst/>
-              </a:rPr>
-              <a:t>:</a:t>
-            </a:r>
-          </a:p>
-          <a:p>
-            <a:pPr marL="742950" lvl="1" indent="-228600">
-              <a:lnSpc>
-                <a:spcPct val="90000"/>
-              </a:lnSpc>
-              <a:spcAft>
-                <a:spcPts val="600"/>
-              </a:spcAft>
-              <a:buFont typeface="Arial" panose="020B0604020202020204" pitchFamily="34" charset="0"/>
-              <a:buChar char="•"/>
-            </a:pPr>
-            <a:r>
-              <a:rPr lang="en-US" sz="2400" b="0" i="0" u="none" strike="noStrike" dirty="0">
-                <a:effectLst/>
-              </a:rPr>
-              <a:t>Target platforms: AWS, Azure, or Google Cloud.</a:t>
-            </a:r>
-          </a:p>
-          <a:p>
-            <a:pPr marL="742950" lvl="1" indent="-228600">
-              <a:lnSpc>
-                <a:spcPct val="90000"/>
-              </a:lnSpc>
-              <a:spcAft>
-                <a:spcPts val="600"/>
-              </a:spcAft>
-              <a:buFont typeface="Arial" panose="020B0604020202020204" pitchFamily="34" charset="0"/>
-              <a:buChar char="•"/>
-            </a:pPr>
-            <a:r>
-              <a:rPr lang="en-US" sz="2400" b="0" i="0" u="none" strike="noStrike" dirty="0">
-                <a:effectLst/>
-              </a:rPr>
-              <a:t>Goals: High availability, scalability, and secure access.</a:t>
-            </a:r>
-          </a:p>
-        </p:txBody>
-      </p:sp>
-      <p:cxnSp>
-        <p:nvCxnSpPr>
-          <p:cNvPr id="31" name="Straight Connector 30">
-            <a:extLst>
-              <a:ext uri="{FF2B5EF4-FFF2-40B4-BE49-F238E27FC236}">
-                <a16:creationId xmlns:a16="http://schemas.microsoft.com/office/drawing/2014/main" id="{6CF1BAF6-AD41-4082-B212-8A1F9A2E8779}"/>
-              </a:ext>
-              <a:ext uri="{C183D7F6-B498-43B3-948B-1728B52AA6E4}">
-                <adec:decorative xmlns:adec="http://schemas.microsoft.com/office/drawing/2017/decorative" val="1"/>
-              </a:ext>
-            </a:extLst>
-          </p:cNvPr>
-          <p:cNvCxnSpPr>
-            <a:cxnSpLocks noGrp="1" noRot="1" noChangeAspect="1" noMove="1" noResize="1" noEditPoints="1" noAdjustHandles="1" noChangeArrowheads="1" noChangeShapeType="1"/>
-          </p:cNvCxnSpPr>
-          <p:nvPr>
-            <p:extLst>
-              <p:ext uri="{386F3935-93C4-4BCD-93E2-E3B085C9AB24}">
-                <p16:designElem xmlns:p16="http://schemas.microsoft.com/office/powerpoint/2015/main" val="1"/>
-              </p:ext>
-            </p:extLst>
-          </p:nvPr>
-        </p:nvCxnSpPr>
-        <p:spPr>
-          <a:xfrm flipH="1">
-            <a:off x="838200" y="6485313"/>
-            <a:ext cx="10515600" cy="0"/>
-          </a:xfrm>
-          <a:prstGeom prst="line">
-            <a:avLst/>
-          </a:prstGeom>
-          <a:ln w="57150">
-            <a:solidFill>
-              <a:schemeClr val="accent4"/>
-            </a:solidFill>
-          </a:ln>
-        </p:spPr>
-        <p:style>
-          <a:lnRef idx="1">
-            <a:schemeClr val="accent1"/>
-          </a:lnRef>
-          <a:fillRef idx="0">
-            <a:schemeClr val="accent1"/>
-          </a:fillRef>
-          <a:effectRef idx="0">
-            <a:schemeClr val="accent1"/>
-          </a:effectRef>
-          <a:fontRef idx="minor">
-            <a:schemeClr val="tx1"/>
-          </a:fontRef>
-        </p:style>
-      </p:cxnSp>
-    </p:spTree>
-    <p:extLst>
-      <p:ext uri="{BB962C8B-B14F-4D97-AF65-F5344CB8AC3E}">
-        <p14:creationId xmlns:p14="http://schemas.microsoft.com/office/powerpoint/2010/main" val="1947706720"/>
-      </p:ext>
-    </p:extLst>
-  </p:cSld>
-  <p:clrMapOvr>
-    <a:masterClrMapping/>
-  </p:clrMapOvr>
-</p:sld>
-</file>
-
-<file path=ppt/slides/slide2.xml><?xml version="1.0" encoding="utf-8"?>
-<p:sld xmlns:a="http://schemas.openxmlformats.org/drawingml/2006/main" xmlns:r="http://schemas.openxmlformats.org/officeDocument/2006/relationships" xmlns:p="http://schemas.openxmlformats.org/presentationml/2006/main">
-  <p:cSld>
-    <p:bg>
-      <p:bgPr>
-        <a:solidFill>
-          <a:schemeClr val="bg1"/>
-        </a:solidFill>
-        <a:effectLst/>
-      </p:bgPr>
-    </p:bg>
-    <p:spTree>
-      <p:nvGrpSpPr>
-        <p:cNvPr id="1" name=""/>
-        <p:cNvGrpSpPr/>
-        <p:nvPr/>
-      </p:nvGrpSpPr>
-      <p:grpSpPr>
-        <a:xfrm>
-          <a:off x="0" y="0"/>
-          <a:ext cx="0" cy="0"/>
-          <a:chOff x="0" y="0"/>
-          <a:chExt cx="0" cy="0"/>
-        </a:xfrm>
-      </p:grpSpPr>
-      <p:sp useBgFill="1">
-        <p:nvSpPr>
-          <p:cNvPr id="17" name="Rectangle 16">
+          <p:cNvPr id="8" name="Rectangle 7">
             <a:extLst>
               <a:ext uri="{FF2B5EF4-FFF2-40B4-BE49-F238E27FC236}">
                 <a16:creationId xmlns:a16="http://schemas.microsoft.com/office/drawing/2014/main" id="{1BB867FF-FC45-48F7-8104-F89BE54909F1}"/>
@@ -15050,7 +14870,7 @@
       </p:sp>
       <p:sp>
         <p:nvSpPr>
-          <p:cNvPr id="19" name="Freeform: Shape 18">
+          <p:cNvPr id="10" name="Freeform: Shape 9">
             <a:extLst>
               <a:ext uri="{FF2B5EF4-FFF2-40B4-BE49-F238E27FC236}">
                 <a16:creationId xmlns:a16="http://schemas.microsoft.com/office/drawing/2014/main" id="{8BB56887-D0D5-4F0C-9E19-7247EB83C8B7}"/>
@@ -15170,7 +14990,13 @@
       </p:sp>
       <p:sp>
         <p:nvSpPr>
-          <p:cNvPr id="2" name="Title 1"/>
+          <p:cNvPr id="2" name="Title 1">
+            <a:extLst>
+              <a:ext uri="{FF2B5EF4-FFF2-40B4-BE49-F238E27FC236}">
+                <a16:creationId xmlns:a16="http://schemas.microsoft.com/office/drawing/2014/main" id="{C4712B10-83C7-1E4C-AAD8-584315C8AC92}"/>
+              </a:ext>
+            </a:extLst>
+          </p:cNvPr>
           <p:cNvSpPr>
             <a:spLocks noGrp="1"/>
           </p:cNvSpPr>
@@ -15191,15 +15017,15 @@
           <a:lstStyle/>
           <a:p>
             <a:r>
-              <a:rPr lang="en-IN"/>
-              <a:t>Problem Definition</a:t>
-            </a:r>
-          </a:p>
-        </p:txBody>
-      </p:sp>
-      <p:sp>
-        <p:nvSpPr>
-          <p:cNvPr id="21" name="Arc 20">
+              <a:rPr lang="en-US" dirty="0"/>
+              <a:t>Conclusion</a:t>
+            </a:r>
+          </a:p>
+        </p:txBody>
+      </p:sp>
+      <p:sp>
+        <p:nvSpPr>
+          <p:cNvPr id="12" name="Arc 11">
             <a:extLst>
               <a:ext uri="{FF2B5EF4-FFF2-40B4-BE49-F238E27FC236}">
                 <a16:creationId xmlns:a16="http://schemas.microsoft.com/office/drawing/2014/main" id="{081E4A58-353D-44AE-B2FC-2A74E2E400F7}"/>
@@ -15260,7 +15086,13 @@
       </p:sp>
       <p:sp>
         <p:nvSpPr>
-          <p:cNvPr id="3" name="Content Placeholder 2"/>
+          <p:cNvPr id="3" name="Content Placeholder 2">
+            <a:extLst>
+              <a:ext uri="{FF2B5EF4-FFF2-40B4-BE49-F238E27FC236}">
+                <a16:creationId xmlns:a16="http://schemas.microsoft.com/office/drawing/2014/main" id="{3A2CAFD5-5413-9F6E-F176-F4480E4DFAE5}"/>
+              </a:ext>
+            </a:extLst>
+          </p:cNvPr>
           <p:cNvSpPr>
             <a:spLocks noGrp="1"/>
           </p:cNvSpPr>
@@ -15280,632 +15112,23 @@
           </a:bodyPr>
           <a:lstStyle/>
           <a:p>
-            <a:r>
-              <a:rPr lang="en-IN"/>
-              <a:t>The project aims to optimize the energy grid by forecasting electricity demand using historical weather data and power consumption patterns. Accurate forecasting enables better grid management, reduces energy waste, and balances demand-supply distribution.</a:t>
-            </a:r>
-          </a:p>
-        </p:txBody>
-      </p:sp>
-    </p:spTree>
-  </p:cSld>
-  <p:clrMapOvr>
-    <a:masterClrMapping/>
-  </p:clrMapOvr>
-</p:sld>
-</file>
-
-<file path=ppt/slides/slide20.xml><?xml version="1.0" encoding="utf-8"?>
-<p:sld xmlns:a="http://schemas.openxmlformats.org/drawingml/2006/main" xmlns:r="http://schemas.openxmlformats.org/officeDocument/2006/relationships" xmlns:p="http://schemas.openxmlformats.org/presentationml/2006/main">
-  <p:cSld>
-    <p:bg>
-      <p:bgPr>
-        <a:solidFill>
-          <a:schemeClr val="bg1"/>
-        </a:solidFill>
-        <a:effectLst/>
-      </p:bgPr>
-    </p:bg>
-    <p:spTree>
-      <p:nvGrpSpPr>
-        <p:cNvPr id="1" name=""/>
-        <p:cNvGrpSpPr/>
-        <p:nvPr/>
-      </p:nvGrpSpPr>
-      <p:grpSpPr>
-        <a:xfrm>
-          <a:off x="0" y="0"/>
-          <a:ext cx="0" cy="0"/>
-          <a:chOff x="0" y="0"/>
-          <a:chExt cx="0" cy="0"/>
-        </a:xfrm>
-      </p:grpSpPr>
-      <p:sp>
-        <p:nvSpPr>
-          <p:cNvPr id="24" name="Rectangle 23">
-            <a:extLst>
-              <a:ext uri="{FF2B5EF4-FFF2-40B4-BE49-F238E27FC236}">
-                <a16:creationId xmlns:a16="http://schemas.microsoft.com/office/drawing/2014/main" id="{F3060C83-F051-4F0E-ABAD-AA0DFC48B218}"/>
-              </a:ext>
-              <a:ext uri="{C183D7F6-B498-43B3-948B-1728B52AA6E4}">
-                <adec:decorative xmlns:adec="http://schemas.microsoft.com/office/drawing/2017/decorative" val="1"/>
-              </a:ext>
-            </a:extLst>
-          </p:cNvPr>
-          <p:cNvSpPr>
-            <a:spLocks noGrp="1" noRot="1" noChangeAspect="1" noMove="1" noResize="1" noEditPoints="1" noAdjustHandles="1" noChangeArrowheads="1" noChangeShapeType="1" noTextEdit="1"/>
-          </p:cNvSpPr>
-          <p:nvPr>
-            <p:extLst>
-              <p:ext uri="{386F3935-93C4-4BCD-93E2-E3B085C9AB24}">
-                <p16:designElem xmlns:p16="http://schemas.microsoft.com/office/powerpoint/2015/main" val="1"/>
-              </p:ext>
-            </p:extLst>
-          </p:nvPr>
-        </p:nvSpPr>
-        <p:spPr>
-          <a:xfrm>
-            <a:off x="0" y="0"/>
-            <a:ext cx="12192000" cy="6858000"/>
-          </a:xfrm>
-          <a:prstGeom prst="rect">
-            <a:avLst/>
-          </a:prstGeom>
-          <a:solidFill>
-            <a:schemeClr val="bg1"/>
-          </a:solidFill>
-          <a:ln>
-            <a:noFill/>
-          </a:ln>
-        </p:spPr>
-        <p:style>
-          <a:lnRef idx="2">
-            <a:schemeClr val="accent1">
-              <a:shade val="50000"/>
-            </a:schemeClr>
-          </a:lnRef>
-          <a:fillRef idx="1">
-            <a:schemeClr val="accent1"/>
-          </a:fillRef>
-          <a:effectRef idx="0">
-            <a:schemeClr val="accent1"/>
-          </a:effectRef>
-          <a:fontRef idx="minor">
-            <a:schemeClr val="lt1"/>
-          </a:fontRef>
-        </p:style>
-        <p:txBody>
-          <a:bodyPr rtlCol="0" anchor="ctr"/>
-          <a:lstStyle/>
-          <a:p>
-            <a:pPr algn="ctr"/>
+            <a:pPr marL="0" indent="0">
+              <a:buNone/>
+            </a:pPr>
+            <a:r>
+              <a:rPr lang="en-US" dirty="0"/>
+              <a:t>The integration of weather forecasting and big data analytics for energy grid optimization shows promise in addressing current energy management challenges by providing reliable, scalable, and efficient energy demand forecasts.</a:t>
+            </a:r>
+          </a:p>
+          <a:p>
             <a:endParaRPr lang="en-US" dirty="0"/>
-          </a:p>
-        </p:txBody>
-      </p:sp>
-      <p:sp>
-        <p:nvSpPr>
-          <p:cNvPr id="26" name="Freeform: Shape 25">
-            <a:extLst>
-              <a:ext uri="{FF2B5EF4-FFF2-40B4-BE49-F238E27FC236}">
-                <a16:creationId xmlns:a16="http://schemas.microsoft.com/office/drawing/2014/main" id="{83C98ABE-055B-441F-B07E-44F97F083C39}"/>
-              </a:ext>
-              <a:ext uri="{C183D7F6-B498-43B3-948B-1728B52AA6E4}">
-                <adec:decorative xmlns:adec="http://schemas.microsoft.com/office/drawing/2017/decorative" val="1"/>
-              </a:ext>
-            </a:extLst>
-          </p:cNvPr>
-          <p:cNvSpPr>
-            <a:spLocks noGrp="1" noRot="1" noChangeAspect="1" noMove="1" noResize="1" noEditPoints="1" noAdjustHandles="1" noChangeArrowheads="1" noChangeShapeType="1" noTextEdit="1"/>
-          </p:cNvSpPr>
-          <p:nvPr>
-            <p:extLst>
-              <p:ext uri="{386F3935-93C4-4BCD-93E2-E3B085C9AB24}">
-                <p16:designElem xmlns:p16="http://schemas.microsoft.com/office/powerpoint/2015/main" val="1"/>
-              </p:ext>
-            </p:extLst>
-          </p:nvPr>
-        </p:nvSpPr>
-        <p:spPr>
-          <a:xfrm rot="18900000" flipH="1">
-            <a:off x="-376156" y="-253670"/>
-            <a:ext cx="1827638" cy="1376989"/>
-          </a:xfrm>
-          <a:custGeom>
-            <a:avLst/>
-            <a:gdLst>
-              <a:gd name="connsiteX0" fmla="*/ 0 w 1827638"/>
-              <a:gd name="connsiteY0" fmla="*/ 987379 h 1376989"/>
-              <a:gd name="connsiteX1" fmla="*/ 987379 w 1827638"/>
-              <a:gd name="connsiteY1" fmla="*/ 0 h 1376989"/>
-              <a:gd name="connsiteX2" fmla="*/ 1827638 w 1827638"/>
-              <a:gd name="connsiteY2" fmla="*/ 840260 h 1376989"/>
-              <a:gd name="connsiteX3" fmla="*/ 1827638 w 1827638"/>
-              <a:gd name="connsiteY3" fmla="*/ 1376989 h 1376989"/>
-              <a:gd name="connsiteX4" fmla="*/ 0 w 1827638"/>
-              <a:gd name="connsiteY4" fmla="*/ 1376989 h 1376989"/>
-            </a:gdLst>
-            <a:ahLst/>
-            <a:cxnLst>
-              <a:cxn ang="0">
-                <a:pos x="connsiteX0" y="connsiteY0"/>
-              </a:cxn>
-              <a:cxn ang="0">
-                <a:pos x="connsiteX1" y="connsiteY1"/>
-              </a:cxn>
-              <a:cxn ang="0">
-                <a:pos x="connsiteX2" y="connsiteY2"/>
-              </a:cxn>
-              <a:cxn ang="0">
-                <a:pos x="connsiteX3" y="connsiteY3"/>
-              </a:cxn>
-              <a:cxn ang="0">
-                <a:pos x="connsiteX4" y="connsiteY4"/>
-              </a:cxn>
-            </a:cxnLst>
-            <a:rect l="l" t="t" r="r" b="b"/>
-            <a:pathLst>
-              <a:path w="1827638" h="1376989">
-                <a:moveTo>
-                  <a:pt x="0" y="987379"/>
-                </a:moveTo>
-                <a:lnTo>
-                  <a:pt x="987379" y="0"/>
-                </a:lnTo>
-                <a:lnTo>
-                  <a:pt x="1827638" y="840260"/>
-                </a:lnTo>
-                <a:lnTo>
-                  <a:pt x="1827638" y="1376989"/>
-                </a:lnTo>
-                <a:lnTo>
-                  <a:pt x="0" y="1376989"/>
-                </a:lnTo>
-                <a:close/>
-              </a:path>
-            </a:pathLst>
-          </a:custGeom>
-          <a:solidFill>
-            <a:schemeClr val="accent1">
-              <a:alpha val="30000"/>
-            </a:schemeClr>
-          </a:solidFill>
-          <a:ln>
-            <a:noFill/>
-          </a:ln>
-        </p:spPr>
-        <p:style>
-          <a:lnRef idx="2">
-            <a:schemeClr val="accent1">
-              <a:shade val="50000"/>
-            </a:schemeClr>
-          </a:lnRef>
-          <a:fillRef idx="1">
-            <a:schemeClr val="accent1"/>
-          </a:fillRef>
-          <a:effectRef idx="0">
-            <a:schemeClr val="accent1"/>
-          </a:effectRef>
-          <a:fontRef idx="minor">
-            <a:schemeClr val="lt1"/>
-          </a:fontRef>
-        </p:style>
-        <p:txBody>
-          <a:bodyPr rtlCol="0" anchor="ctr"/>
-          <a:lstStyle/>
-          <a:p>
-            <a:pPr algn="ctr"/>
-            <a:endParaRPr lang="en-US" dirty="0"/>
-          </a:p>
-        </p:txBody>
-      </p:sp>
-      <p:sp>
-        <p:nvSpPr>
-          <p:cNvPr id="28" name="Rectangle 27">
-            <a:extLst>
-              <a:ext uri="{FF2B5EF4-FFF2-40B4-BE49-F238E27FC236}">
-                <a16:creationId xmlns:a16="http://schemas.microsoft.com/office/drawing/2014/main" id="{29FDB030-9B49-4CED-8CCD-4D99382388AC}"/>
-              </a:ext>
-              <a:ext uri="{C183D7F6-B498-43B3-948B-1728B52AA6E4}">
-                <adec:decorative xmlns:adec="http://schemas.microsoft.com/office/drawing/2017/decorative" val="1"/>
-              </a:ext>
-            </a:extLst>
-          </p:cNvPr>
-          <p:cNvSpPr>
-            <a:spLocks noGrp="1" noRot="1" noChangeAspect="1" noMove="1" noResize="1" noEditPoints="1" noAdjustHandles="1" noChangeArrowheads="1" noChangeShapeType="1" noTextEdit="1"/>
-          </p:cNvSpPr>
-          <p:nvPr>
-            <p:extLst>
-              <p:ext uri="{386F3935-93C4-4BCD-93E2-E3B085C9AB24}">
-                <p16:designElem xmlns:p16="http://schemas.microsoft.com/office/powerpoint/2015/main" val="1"/>
-              </p:ext>
-            </p:extLst>
-          </p:nvPr>
-        </p:nvSpPr>
-        <p:spPr>
-          <a:xfrm rot="18900000" flipH="1">
-            <a:off x="891641" y="422146"/>
-            <a:ext cx="645368" cy="645368"/>
-          </a:xfrm>
-          <a:prstGeom prst="rect">
-            <a:avLst/>
-          </a:prstGeom>
-          <a:solidFill>
-            <a:schemeClr val="accent1">
-              <a:alpha val="30000"/>
-            </a:schemeClr>
-          </a:solidFill>
-          <a:ln>
-            <a:noFill/>
-          </a:ln>
-        </p:spPr>
-        <p:style>
-          <a:lnRef idx="2">
-            <a:schemeClr val="accent1">
-              <a:shade val="50000"/>
-            </a:schemeClr>
-          </a:lnRef>
-          <a:fillRef idx="1">
-            <a:schemeClr val="accent1"/>
-          </a:fillRef>
-          <a:effectRef idx="0">
-            <a:schemeClr val="accent1"/>
-          </a:effectRef>
-          <a:fontRef idx="minor">
-            <a:schemeClr val="lt1"/>
-          </a:fontRef>
-        </p:style>
-        <p:txBody>
-          <a:bodyPr rtlCol="0" anchor="ctr"/>
-          <a:lstStyle/>
-          <a:p>
-            <a:pPr algn="ctr"/>
-            <a:endParaRPr lang="en-US"/>
-          </a:p>
-        </p:txBody>
-      </p:sp>
-      <p:sp>
-        <p:nvSpPr>
-          <p:cNvPr id="30" name="Rectangle 29">
-            <a:extLst>
-              <a:ext uri="{FF2B5EF4-FFF2-40B4-BE49-F238E27FC236}">
-                <a16:creationId xmlns:a16="http://schemas.microsoft.com/office/drawing/2014/main" id="{3783CA14-24A1-485C-8B30-D6A5D87987AD}"/>
-              </a:ext>
-              <a:ext uri="{C183D7F6-B498-43B3-948B-1728B52AA6E4}">
-                <adec:decorative xmlns:adec="http://schemas.microsoft.com/office/drawing/2017/decorative" val="1"/>
-              </a:ext>
-            </a:extLst>
-          </p:cNvPr>
-          <p:cNvSpPr>
-            <a:spLocks noGrp="1" noRot="1" noChangeAspect="1" noMove="1" noResize="1" noEditPoints="1" noAdjustHandles="1" noChangeArrowheads="1" noChangeShapeType="1" noTextEdit="1"/>
-          </p:cNvSpPr>
-          <p:nvPr>
-            <p:extLst>
-              <p:ext uri="{386F3935-93C4-4BCD-93E2-E3B085C9AB24}">
-                <p16:designElem xmlns:p16="http://schemas.microsoft.com/office/powerpoint/2015/main" val="1"/>
-              </p:ext>
-            </p:extLst>
-          </p:nvPr>
-        </p:nvSpPr>
-        <p:spPr>
-          <a:xfrm rot="18900000" flipH="1">
-            <a:off x="10043482" y="655140"/>
-            <a:ext cx="687472" cy="687472"/>
-          </a:xfrm>
-          <a:prstGeom prst="rect">
-            <a:avLst/>
-          </a:prstGeom>
-          <a:solidFill>
-            <a:schemeClr val="accent4">
-              <a:alpha val="30000"/>
-            </a:schemeClr>
-          </a:solidFill>
-          <a:ln>
-            <a:noFill/>
-          </a:ln>
-        </p:spPr>
-        <p:style>
-          <a:lnRef idx="2">
-            <a:schemeClr val="accent1">
-              <a:shade val="50000"/>
-            </a:schemeClr>
-          </a:lnRef>
-          <a:fillRef idx="1">
-            <a:schemeClr val="accent1"/>
-          </a:fillRef>
-          <a:effectRef idx="0">
-            <a:schemeClr val="accent1"/>
-          </a:effectRef>
-          <a:fontRef idx="minor">
-            <a:schemeClr val="lt1"/>
-          </a:fontRef>
-        </p:style>
-        <p:txBody>
-          <a:bodyPr rtlCol="0" anchor="ctr"/>
-          <a:lstStyle/>
-          <a:p>
-            <a:pPr algn="ctr"/>
-            <a:endParaRPr lang="en-US"/>
-          </a:p>
-        </p:txBody>
-      </p:sp>
-      <p:sp>
-        <p:nvSpPr>
-          <p:cNvPr id="32" name="Freeform: Shape 31">
-            <a:extLst>
-              <a:ext uri="{FF2B5EF4-FFF2-40B4-BE49-F238E27FC236}">
-                <a16:creationId xmlns:a16="http://schemas.microsoft.com/office/drawing/2014/main" id="{9A97C86A-04D6-40F7-AE84-31AB43E6A846}"/>
-              </a:ext>
-              <a:ext uri="{C183D7F6-B498-43B3-948B-1728B52AA6E4}">
-                <adec:decorative xmlns:adec="http://schemas.microsoft.com/office/drawing/2017/decorative" val="1"/>
-              </a:ext>
-            </a:extLst>
-          </p:cNvPr>
-          <p:cNvSpPr>
-            <a:spLocks noGrp="1" noRot="1" noChangeAspect="1" noMove="1" noResize="1" noEditPoints="1" noAdjustHandles="1" noChangeArrowheads="1" noChangeShapeType="1" noTextEdit="1"/>
-          </p:cNvSpPr>
-          <p:nvPr>
-            <p:extLst>
-              <p:ext uri="{386F3935-93C4-4BCD-93E2-E3B085C9AB24}">
-                <p16:designElem xmlns:p16="http://schemas.microsoft.com/office/powerpoint/2015/main" val="1"/>
-              </p:ext>
-            </p:extLst>
-          </p:nvPr>
-        </p:nvSpPr>
-        <p:spPr>
-          <a:xfrm rot="10800000" flipH="1">
-            <a:off x="9356643" y="0"/>
-            <a:ext cx="2835357" cy="1480837"/>
-          </a:xfrm>
-          <a:custGeom>
-            <a:avLst/>
-            <a:gdLst>
-              <a:gd name="connsiteX0" fmla="*/ 2835357 w 2835357"/>
-              <a:gd name="connsiteY0" fmla="*/ 1480837 h 1480837"/>
-              <a:gd name="connsiteX1" fmla="*/ 0 w 2835357"/>
-              <a:gd name="connsiteY1" fmla="*/ 1480837 h 1480837"/>
-              <a:gd name="connsiteX2" fmla="*/ 1552727 w 2835357"/>
-              <a:gd name="connsiteY2" fmla="*/ 0 h 1480837"/>
-              <a:gd name="connsiteX3" fmla="*/ 2835357 w 2835357"/>
-              <a:gd name="connsiteY3" fmla="*/ 1223245 h 1480837"/>
-            </a:gdLst>
-            <a:ahLst/>
-            <a:cxnLst>
-              <a:cxn ang="0">
-                <a:pos x="connsiteX0" y="connsiteY0"/>
-              </a:cxn>
-              <a:cxn ang="0">
-                <a:pos x="connsiteX1" y="connsiteY1"/>
-              </a:cxn>
-              <a:cxn ang="0">
-                <a:pos x="connsiteX2" y="connsiteY2"/>
-              </a:cxn>
-              <a:cxn ang="0">
-                <a:pos x="connsiteX3" y="connsiteY3"/>
-              </a:cxn>
-            </a:cxnLst>
-            <a:rect l="l" t="t" r="r" b="b"/>
-            <a:pathLst>
-              <a:path w="2835357" h="1480837">
-                <a:moveTo>
-                  <a:pt x="2835357" y="1480837"/>
-                </a:moveTo>
-                <a:lnTo>
-                  <a:pt x="0" y="1480837"/>
-                </a:lnTo>
-                <a:lnTo>
-                  <a:pt x="1552727" y="0"/>
-                </a:lnTo>
-                <a:lnTo>
-                  <a:pt x="2835357" y="1223245"/>
-                </a:lnTo>
-                <a:close/>
-              </a:path>
-            </a:pathLst>
-          </a:custGeom>
-          <a:solidFill>
-            <a:schemeClr val="accent4">
-              <a:alpha val="30000"/>
-            </a:schemeClr>
-          </a:solidFill>
-          <a:ln>
-            <a:noFill/>
-          </a:ln>
-        </p:spPr>
-        <p:style>
-          <a:lnRef idx="2">
-            <a:schemeClr val="accent1">
-              <a:shade val="50000"/>
-            </a:schemeClr>
-          </a:lnRef>
-          <a:fillRef idx="1">
-            <a:schemeClr val="accent1"/>
-          </a:fillRef>
-          <a:effectRef idx="0">
-            <a:schemeClr val="accent1"/>
-          </a:effectRef>
-          <a:fontRef idx="minor">
-            <a:schemeClr val="lt1"/>
-          </a:fontRef>
-        </p:style>
-        <p:txBody>
-          <a:bodyPr wrap="square" rtlCol="0" anchor="ctr">
-            <a:noAutofit/>
-          </a:bodyPr>
-          <a:lstStyle/>
-          <a:p>
-            <a:pPr algn="ctr"/>
-            <a:endParaRPr lang="en-US" dirty="0"/>
-          </a:p>
-        </p:txBody>
-      </p:sp>
-      <p:sp>
-        <p:nvSpPr>
-          <p:cNvPr id="34" name="Isosceles Triangle 33">
-            <a:extLst>
-              <a:ext uri="{FF2B5EF4-FFF2-40B4-BE49-F238E27FC236}">
-                <a16:creationId xmlns:a16="http://schemas.microsoft.com/office/drawing/2014/main" id="{FF9F2414-84E8-453E-B1F3-389FDE8192D9}"/>
-              </a:ext>
-              <a:ext uri="{C183D7F6-B498-43B3-948B-1728B52AA6E4}">
-                <adec:decorative xmlns:adec="http://schemas.microsoft.com/office/drawing/2017/decorative" val="1"/>
-              </a:ext>
-            </a:extLst>
-          </p:cNvPr>
-          <p:cNvSpPr>
-            <a:spLocks noGrp="1" noRot="1" noChangeAspect="1" noMove="1" noResize="1" noEditPoints="1" noAdjustHandles="1" noChangeArrowheads="1" noChangeShapeType="1" noTextEdit="1"/>
-          </p:cNvSpPr>
-          <p:nvPr>
-            <p:extLst>
-              <p:ext uri="{386F3935-93C4-4BCD-93E2-E3B085C9AB24}">
-                <p16:designElem xmlns:p16="http://schemas.microsoft.com/office/powerpoint/2015/main" val="1"/>
-              </p:ext>
-            </p:extLst>
-          </p:nvPr>
-        </p:nvSpPr>
-        <p:spPr>
-          <a:xfrm flipH="1">
-            <a:off x="7976344" y="6115501"/>
-            <a:ext cx="1494513" cy="742499"/>
-          </a:xfrm>
-          <a:prstGeom prst="triangle">
-            <a:avLst/>
-          </a:prstGeom>
-          <a:solidFill>
-            <a:schemeClr val="accent1">
-              <a:alpha val="30000"/>
-            </a:schemeClr>
-          </a:solidFill>
-          <a:ln>
-            <a:noFill/>
-          </a:ln>
-        </p:spPr>
-        <p:style>
-          <a:lnRef idx="2">
-            <a:schemeClr val="accent1">
-              <a:shade val="50000"/>
-            </a:schemeClr>
-          </a:lnRef>
-          <a:fillRef idx="1">
-            <a:schemeClr val="accent1"/>
-          </a:fillRef>
-          <a:effectRef idx="0">
-            <a:schemeClr val="accent1"/>
-          </a:effectRef>
-          <a:fontRef idx="minor">
-            <a:schemeClr val="lt1"/>
-          </a:fontRef>
-        </p:style>
-        <p:txBody>
-          <a:bodyPr rtlCol="0" anchor="ctr"/>
-          <a:lstStyle/>
-          <a:p>
-            <a:pPr algn="ctr"/>
-            <a:endParaRPr lang="en-US"/>
-          </a:p>
-        </p:txBody>
-      </p:sp>
-      <p:pic>
-        <p:nvPicPr>
-          <p:cNvPr id="4" name="Picture 3">
-            <a:extLst>
-              <a:ext uri="{FF2B5EF4-FFF2-40B4-BE49-F238E27FC236}">
-                <a16:creationId xmlns:a16="http://schemas.microsoft.com/office/drawing/2014/main" id="{0742B035-A4C5-4202-9483-A10423CD39A3}"/>
-              </a:ext>
-            </a:extLst>
-          </p:cNvPr>
-          <p:cNvPicPr>
-            <a:picLocks noChangeAspect="1"/>
-          </p:cNvPicPr>
-          <p:nvPr/>
-        </p:nvPicPr>
-        <p:blipFill>
-          <a:blip r:embed="rId2"/>
-          <a:stretch>
-            <a:fillRect/>
-          </a:stretch>
-        </p:blipFill>
-        <p:spPr>
-          <a:xfrm>
-            <a:off x="2357029" y="643467"/>
-            <a:ext cx="7477941" cy="5571065"/>
-          </a:xfrm>
-          <a:prstGeom prst="rect">
-            <a:avLst/>
-          </a:prstGeom>
-          <a:ln>
-            <a:noFill/>
-          </a:ln>
-        </p:spPr>
-      </p:pic>
-      <p:sp>
-        <p:nvSpPr>
-          <p:cNvPr id="36" name="Isosceles Triangle 35">
-            <a:extLst>
-              <a:ext uri="{FF2B5EF4-FFF2-40B4-BE49-F238E27FC236}">
-                <a16:creationId xmlns:a16="http://schemas.microsoft.com/office/drawing/2014/main" id="{3ECA69A1-7536-43AC-85EF-C7106179F5ED}"/>
-              </a:ext>
-              <a:ext uri="{C183D7F6-B498-43B3-948B-1728B52AA6E4}">
-                <adec:decorative xmlns:adec="http://schemas.microsoft.com/office/drawing/2017/decorative" val="1"/>
-              </a:ext>
-            </a:extLst>
-          </p:cNvPr>
-          <p:cNvSpPr>
-            <a:spLocks noGrp="1" noRot="1" noChangeAspect="1" noMove="1" noResize="1" noEditPoints="1" noAdjustHandles="1" noChangeArrowheads="1" noChangeShapeType="1" noTextEdit="1"/>
-          </p:cNvSpPr>
-          <p:nvPr>
-            <p:extLst>
-              <p:ext uri="{386F3935-93C4-4BCD-93E2-E3B085C9AB24}">
-                <p16:designElem xmlns:p16="http://schemas.microsoft.com/office/powerpoint/2015/main" val="1"/>
-              </p:ext>
-            </p:extLst>
-          </p:nvPr>
-        </p:nvSpPr>
-        <p:spPr>
-          <a:xfrm flipH="1">
-            <a:off x="7604080" y="6453143"/>
-            <a:ext cx="814903" cy="404857"/>
-          </a:xfrm>
-          <a:prstGeom prst="triangle">
-            <a:avLst/>
-          </a:prstGeom>
-          <a:solidFill>
-            <a:schemeClr val="accent1">
-              <a:alpha val="30000"/>
-            </a:schemeClr>
-          </a:solidFill>
-          <a:ln>
-            <a:noFill/>
-          </a:ln>
-        </p:spPr>
-        <p:style>
-          <a:lnRef idx="2">
-            <a:schemeClr val="accent1">
-              <a:shade val="50000"/>
-            </a:schemeClr>
-          </a:lnRef>
-          <a:fillRef idx="1">
-            <a:schemeClr val="accent1"/>
-          </a:fillRef>
-          <a:effectRef idx="0">
-            <a:schemeClr val="accent1"/>
-          </a:effectRef>
-          <a:fontRef idx="minor">
-            <a:schemeClr val="lt1"/>
-          </a:fontRef>
-        </p:style>
-        <p:txBody>
-          <a:bodyPr rtlCol="0" anchor="ctr"/>
-          <a:lstStyle/>
-          <a:p>
-            <a:pPr algn="ctr"/>
-            <a:endParaRPr lang="en-US"/>
           </a:p>
         </p:txBody>
       </p:sp>
     </p:spTree>
     <p:extLst>
       <p:ext uri="{BB962C8B-B14F-4D97-AF65-F5344CB8AC3E}">
-        <p14:creationId xmlns:p14="http://schemas.microsoft.com/office/powerpoint/2010/main" val="3028742495"/>
+        <p14:creationId xmlns:p14="http://schemas.microsoft.com/office/powerpoint/2010/main" val="1488130352"/>
       </p:ext>
     </p:extLst>
   </p:cSld>
@@ -15915,7 +15138,7 @@
 </p:sld>
 </file>
 
-<file path=ppt/slides/slide21.xml><?xml version="1.0" encoding="utf-8"?>
+<file path=ppt/slides/slide2.xml><?xml version="1.0" encoding="utf-8"?>
 <p:sld xmlns:a="http://schemas.openxmlformats.org/drawingml/2006/main" xmlns:r="http://schemas.openxmlformats.org/officeDocument/2006/relationships" xmlns:p="http://schemas.openxmlformats.org/presentationml/2006/main">
   <p:cSld>
     <p:bg>
@@ -15942,3598 +15165,7 @@
       </p:grpSpPr>
       <p:sp useBgFill="1">
         <p:nvSpPr>
-          <p:cNvPr id="9" name="Rectangle 8">
-            <a:extLst>
-              <a:ext uri="{FF2B5EF4-FFF2-40B4-BE49-F238E27FC236}">
-                <a16:creationId xmlns:a16="http://schemas.microsoft.com/office/drawing/2014/main" id="{65219498-D544-41AC-98FE-8F956EF66A62}"/>
-              </a:ext>
-              <a:ext uri="{C183D7F6-B498-43B3-948B-1728B52AA6E4}">
-                <adec:decorative xmlns:adec="http://schemas.microsoft.com/office/drawing/2017/decorative" val="1"/>
-              </a:ext>
-            </a:extLst>
-          </p:cNvPr>
-          <p:cNvSpPr>
-            <a:spLocks noGrp="1" noRot="1" noChangeAspect="1" noMove="1" noResize="1" noEditPoints="1" noAdjustHandles="1" noChangeArrowheads="1" noChangeShapeType="1" noTextEdit="1"/>
-          </p:cNvSpPr>
-          <p:nvPr>
-            <p:extLst>
-              <p:ext uri="{386F3935-93C4-4BCD-93E2-E3B085C9AB24}">
-                <p16:designElem xmlns:p16="http://schemas.microsoft.com/office/powerpoint/2015/main" val="1"/>
-              </p:ext>
-            </p:extLst>
-          </p:nvPr>
-        </p:nvSpPr>
-        <p:spPr>
-          <a:xfrm>
-            <a:off x="0" y="0"/>
-            <a:ext cx="12191695" cy="6858000"/>
-          </a:xfrm>
-          <a:prstGeom prst="rect">
-            <a:avLst/>
-          </a:prstGeom>
-          <a:ln>
-            <a:noFill/>
-          </a:ln>
-        </p:spPr>
-        <p:style>
-          <a:lnRef idx="2">
-            <a:schemeClr val="accent1">
-              <a:shade val="50000"/>
-            </a:schemeClr>
-          </a:lnRef>
-          <a:fillRef idx="1">
-            <a:schemeClr val="accent1"/>
-          </a:fillRef>
-          <a:effectRef idx="0">
-            <a:schemeClr val="accent1"/>
-          </a:effectRef>
-          <a:fontRef idx="minor">
-            <a:schemeClr val="lt1"/>
-          </a:fontRef>
-        </p:style>
-        <p:txBody>
-          <a:bodyPr rtlCol="0" anchor="ctr"/>
-          <a:lstStyle/>
-          <a:p>
-            <a:pPr algn="ctr"/>
-            <a:endParaRPr lang="en-US"/>
-          </a:p>
-        </p:txBody>
-      </p:sp>
-      <p:sp>
-        <p:nvSpPr>
-          <p:cNvPr id="11" name="Rectangle 10">
-            <a:extLst>
-              <a:ext uri="{FF2B5EF4-FFF2-40B4-BE49-F238E27FC236}">
-                <a16:creationId xmlns:a16="http://schemas.microsoft.com/office/drawing/2014/main" id="{F500DBFC-17A9-4E0A-AEE2-A49F9AEEF0FD}"/>
-              </a:ext>
-              <a:ext uri="{C183D7F6-B498-43B3-948B-1728B52AA6E4}">
-                <adec:decorative xmlns:adec="http://schemas.microsoft.com/office/drawing/2017/decorative" val="1"/>
-              </a:ext>
-            </a:extLst>
-          </p:cNvPr>
-          <p:cNvSpPr>
-            <a:spLocks noGrp="1" noRot="1" noChangeAspect="1" noMove="1" noResize="1" noEditPoints="1" noAdjustHandles="1" noChangeArrowheads="1" noChangeShapeType="1" noTextEdit="1"/>
-          </p:cNvSpPr>
-          <p:nvPr>
-            <p:extLst>
-              <p:ext uri="{386F3935-93C4-4BCD-93E2-E3B085C9AB24}">
-                <p16:designElem xmlns:p16="http://schemas.microsoft.com/office/powerpoint/2015/main" val="1"/>
-              </p:ext>
-            </p:extLst>
-          </p:nvPr>
-        </p:nvSpPr>
-        <p:spPr>
-          <a:xfrm>
-            <a:off x="305" y="0"/>
-            <a:ext cx="12191695" cy="6858000"/>
-          </a:xfrm>
-          <a:prstGeom prst="rect">
-            <a:avLst/>
-          </a:prstGeom>
-          <a:solidFill>
-            <a:schemeClr val="bg1"/>
-          </a:solidFill>
-          <a:ln>
-            <a:noFill/>
-          </a:ln>
-        </p:spPr>
-        <p:style>
-          <a:lnRef idx="2">
-            <a:schemeClr val="accent1">
-              <a:shade val="50000"/>
-            </a:schemeClr>
-          </a:lnRef>
-          <a:fillRef idx="1">
-            <a:schemeClr val="accent1"/>
-          </a:fillRef>
-          <a:effectRef idx="0">
-            <a:schemeClr val="accent1"/>
-          </a:effectRef>
-          <a:fontRef idx="minor">
-            <a:schemeClr val="lt1"/>
-          </a:fontRef>
-        </p:style>
-        <p:txBody>
-          <a:bodyPr rtlCol="0" anchor="ctr"/>
-          <a:lstStyle/>
-          <a:p>
-            <a:pPr algn="ctr"/>
-            <a:endParaRPr lang="en-US"/>
-          </a:p>
-        </p:txBody>
-      </p:sp>
-      <p:sp>
-        <p:nvSpPr>
-          <p:cNvPr id="2" name="TextBox 1">
-            <a:extLst>
-              <a:ext uri="{FF2B5EF4-FFF2-40B4-BE49-F238E27FC236}">
-                <a16:creationId xmlns:a16="http://schemas.microsoft.com/office/drawing/2014/main" id="{5D9FA899-2477-8135-476B-0ED17DF99A82}"/>
-              </a:ext>
-            </a:extLst>
-          </p:cNvPr>
-          <p:cNvSpPr txBox="1"/>
-          <p:nvPr/>
-        </p:nvSpPr>
-        <p:spPr>
-          <a:xfrm>
-            <a:off x="804672" y="4267832"/>
-            <a:ext cx="4805996" cy="1297115"/>
-          </a:xfrm>
-          <a:prstGeom prst="rect">
-            <a:avLst/>
-          </a:prstGeom>
-        </p:spPr>
-        <p:txBody>
-          <a:bodyPr vert="horz" lIns="91440" tIns="45720" rIns="91440" bIns="45720" rtlCol="0" anchor="t">
-            <a:normAutofit/>
-          </a:bodyPr>
-          <a:lstStyle/>
-          <a:p>
-            <a:pPr>
-              <a:lnSpc>
-                <a:spcPct val="90000"/>
-              </a:lnSpc>
-              <a:spcBef>
-                <a:spcPct val="0"/>
-              </a:spcBef>
-              <a:spcAft>
-                <a:spcPts val="600"/>
-              </a:spcAft>
-            </a:pPr>
-            <a:r>
-              <a:rPr lang="en-US" sz="6000" kern="1200" dirty="0">
-                <a:solidFill>
-                  <a:schemeClr val="tx2"/>
-                </a:solidFill>
-                <a:latin typeface="+mj-lt"/>
-                <a:ea typeface="+mj-ea"/>
-                <a:cs typeface="+mj-cs"/>
-              </a:rPr>
-              <a:t>Demo</a:t>
-            </a:r>
-          </a:p>
-        </p:txBody>
-      </p:sp>
-      <p:grpSp>
-        <p:nvGrpSpPr>
-          <p:cNvPr id="13" name="Group 12">
-            <a:extLst>
-              <a:ext uri="{FF2B5EF4-FFF2-40B4-BE49-F238E27FC236}">
-                <a16:creationId xmlns:a16="http://schemas.microsoft.com/office/drawing/2014/main" id="{D74613BB-817C-4C4F-8A24-4936F2F064C0}"/>
-              </a:ext>
-              <a:ext uri="{C183D7F6-B498-43B3-948B-1728B52AA6E4}">
-                <adec:decorative xmlns:adec="http://schemas.microsoft.com/office/drawing/2017/decorative" val="1"/>
-              </a:ext>
-            </a:extLst>
-          </p:cNvPr>
-          <p:cNvGrpSpPr>
-            <a:grpSpLocks noGrp="1" noUngrp="1" noRot="1" noChangeAspect="1" noMove="1" noResize="1"/>
-          </p:cNvGrpSpPr>
-          <p:nvPr>
-            <p:extLst>
-              <p:ext uri="{386F3935-93C4-4BCD-93E2-E3B085C9AB24}">
-                <p16:designElem xmlns:p16="http://schemas.microsoft.com/office/powerpoint/2015/main" val="1"/>
-              </p:ext>
-            </p:extLst>
-          </p:nvPr>
-        </p:nvGrpSpPr>
-        <p:grpSpPr>
-          <a:xfrm>
-            <a:off x="6101023" y="52996"/>
-            <a:ext cx="6093363" cy="6805005"/>
-            <a:chOff x="6101023" y="52996"/>
-            <a:chExt cx="6093363" cy="6805005"/>
-          </a:xfrm>
-        </p:grpSpPr>
-        <p:sp>
-          <p:nvSpPr>
-            <p:cNvPr id="14" name="Freeform: Shape 13">
-              <a:extLst>
-                <a:ext uri="{FF2B5EF4-FFF2-40B4-BE49-F238E27FC236}">
-                  <a16:creationId xmlns:a16="http://schemas.microsoft.com/office/drawing/2014/main" id="{926C820D-9A01-44F0-AE18-C2DAB089B8C3}"/>
-                </a:ext>
-                <a:ext uri="{C183D7F6-B498-43B3-948B-1728B52AA6E4}">
-                  <adec:decorative xmlns:adec="http://schemas.microsoft.com/office/drawing/2017/decorative" val="1"/>
-                </a:ext>
-              </a:extLst>
-            </p:cNvPr>
-            <p:cNvSpPr/>
-            <p:nvPr>
-              <p:extLst>
-                <p:ext uri="{386F3935-93C4-4BCD-93E2-E3B085C9AB24}">
-                  <p16:designElem xmlns:p16="http://schemas.microsoft.com/office/powerpoint/2015/main" val="1"/>
-                </p:ext>
-              </p:extLst>
-            </p:nvPr>
-          </p:nvSpPr>
-          <p:spPr>
-            <a:xfrm>
-              <a:off x="6101024" y="52997"/>
-              <a:ext cx="6093362" cy="6805004"/>
-            </a:xfrm>
-            <a:custGeom>
-              <a:avLst/>
-              <a:gdLst>
-                <a:gd name="connsiteX0" fmla="*/ 3517682 w 5890490"/>
-                <a:gd name="connsiteY0" fmla="*/ 0 h 6578439"/>
-                <a:gd name="connsiteX1" fmla="*/ 5849513 w 5890490"/>
-                <a:gd name="connsiteY1" fmla="*/ 841730 h 6578439"/>
-                <a:gd name="connsiteX2" fmla="*/ 5890490 w 5890490"/>
-                <a:gd name="connsiteY2" fmla="*/ 879060 h 6578439"/>
-                <a:gd name="connsiteX3" fmla="*/ 5890490 w 5890490"/>
-                <a:gd name="connsiteY3" fmla="*/ 1816052 h 6578439"/>
-                <a:gd name="connsiteX4" fmla="*/ 5856961 w 5890490"/>
-                <a:gd name="connsiteY4" fmla="*/ 1771023 h 6578439"/>
-                <a:gd name="connsiteX5" fmla="*/ 5655397 w 5890490"/>
-                <a:gd name="connsiteY5" fmla="*/ 1548813 h 6578439"/>
-                <a:gd name="connsiteX6" fmla="*/ 3517682 w 5890490"/>
-                <a:gd name="connsiteY6" fmla="*/ 658717 h 6578439"/>
-                <a:gd name="connsiteX7" fmla="*/ 2395696 w 5890490"/>
-                <a:gd name="connsiteY7" fmla="*/ 850721 h 6578439"/>
-                <a:gd name="connsiteX8" fmla="*/ 1519955 w 5890490"/>
-                <a:gd name="connsiteY8" fmla="*/ 1450441 h 6578439"/>
-                <a:gd name="connsiteX9" fmla="*/ 1223630 w 5890490"/>
-                <a:gd name="connsiteY9" fmla="*/ 1841430 h 6578439"/>
-                <a:gd name="connsiteX10" fmla="*/ 1075857 w 5890490"/>
-                <a:gd name="connsiteY10" fmla="*/ 2329343 h 6578439"/>
-                <a:gd name="connsiteX11" fmla="*/ 731010 w 5890490"/>
-                <a:gd name="connsiteY11" fmla="*/ 3483744 h 6578439"/>
-                <a:gd name="connsiteX12" fmla="*/ 741000 w 5890490"/>
-                <a:gd name="connsiteY12" fmla="*/ 4479719 h 6578439"/>
-                <a:gd name="connsiteX13" fmla="*/ 1315615 w 5890490"/>
-                <a:gd name="connsiteY13" fmla="*/ 5443827 h 6578439"/>
-                <a:gd name="connsiteX14" fmla="*/ 2277503 w 5890490"/>
-                <a:gd name="connsiteY14" fmla="*/ 6259386 h 6578439"/>
-                <a:gd name="connsiteX15" fmla="*/ 3439448 w 5890490"/>
-                <a:gd name="connsiteY15" fmla="*/ 6551739 h 6578439"/>
-                <a:gd name="connsiteX16" fmla="*/ 4408732 w 5890490"/>
-                <a:gd name="connsiteY16" fmla="*/ 6255172 h 6578439"/>
-                <a:gd name="connsiteX17" fmla="*/ 5343243 w 5890490"/>
-                <a:gd name="connsiteY17" fmla="*/ 5442509 h 6578439"/>
-                <a:gd name="connsiteX18" fmla="*/ 5745566 w 5890490"/>
-                <a:gd name="connsiteY18" fmla="*/ 5056656 h 6578439"/>
-                <a:gd name="connsiteX19" fmla="*/ 5890490 w 5890490"/>
-                <a:gd name="connsiteY19" fmla="*/ 4920880 h 6578439"/>
-                <a:gd name="connsiteX20" fmla="*/ 5890490 w 5890490"/>
-                <a:gd name="connsiteY20" fmla="*/ 5821966 h 6578439"/>
-                <a:gd name="connsiteX21" fmla="*/ 5802002 w 5890490"/>
-                <a:gd name="connsiteY21" fmla="*/ 5907904 h 6578439"/>
-                <a:gd name="connsiteX22" fmla="*/ 5294358 w 5890490"/>
-                <a:gd name="connsiteY22" fmla="*/ 6397505 h 6578439"/>
-                <a:gd name="connsiteX23" fmla="*/ 5077178 w 5890490"/>
-                <a:gd name="connsiteY23" fmla="*/ 6578439 h 6578439"/>
-                <a:gd name="connsiteX24" fmla="*/ 1567290 w 5890490"/>
-                <a:gd name="connsiteY24" fmla="*/ 6578439 h 6578439"/>
-                <a:gd name="connsiteX25" fmla="*/ 1508588 w 5890490"/>
-                <a:gd name="connsiteY25" fmla="*/ 6535186 h 6578439"/>
-                <a:gd name="connsiteX26" fmla="*/ 826498 w 5890490"/>
-                <a:gd name="connsiteY26" fmla="*/ 5876034 h 6578439"/>
-                <a:gd name="connsiteX27" fmla="*/ 122403 w 5890490"/>
-                <a:gd name="connsiteY27" fmla="*/ 3255655 h 6578439"/>
-                <a:gd name="connsiteX28" fmla="*/ 1061197 w 5890490"/>
-                <a:gd name="connsiteY28" fmla="*/ 984650 h 6578439"/>
-                <a:gd name="connsiteX29" fmla="*/ 3517682 w 5890490"/>
-                <a:gd name="connsiteY29" fmla="*/ 0 h 6578439"/>
-              </a:gdLst>
-              <a:ahLst/>
-              <a:cxnLst>
-                <a:cxn ang="0">
-                  <a:pos x="connsiteX0" y="connsiteY0"/>
-                </a:cxn>
-                <a:cxn ang="0">
-                  <a:pos x="connsiteX1" y="connsiteY1"/>
-                </a:cxn>
-                <a:cxn ang="0">
-                  <a:pos x="connsiteX2" y="connsiteY2"/>
-                </a:cxn>
-                <a:cxn ang="0">
-                  <a:pos x="connsiteX3" y="connsiteY3"/>
-                </a:cxn>
-                <a:cxn ang="0">
-                  <a:pos x="connsiteX4" y="connsiteY4"/>
-                </a:cxn>
-                <a:cxn ang="0">
-                  <a:pos x="connsiteX5" y="connsiteY5"/>
-                </a:cxn>
-                <a:cxn ang="0">
-                  <a:pos x="connsiteX6" y="connsiteY6"/>
-                </a:cxn>
-                <a:cxn ang="0">
-                  <a:pos x="connsiteX7" y="connsiteY7"/>
-                </a:cxn>
-                <a:cxn ang="0">
-                  <a:pos x="connsiteX8" y="connsiteY8"/>
-                </a:cxn>
-                <a:cxn ang="0">
-                  <a:pos x="connsiteX9" y="connsiteY9"/>
-                </a:cxn>
-                <a:cxn ang="0">
-                  <a:pos x="connsiteX10" y="connsiteY10"/>
-                </a:cxn>
-                <a:cxn ang="0">
-                  <a:pos x="connsiteX11" y="connsiteY11"/>
-                </a:cxn>
-                <a:cxn ang="0">
-                  <a:pos x="connsiteX12" y="connsiteY12"/>
-                </a:cxn>
-                <a:cxn ang="0">
-                  <a:pos x="connsiteX13" y="connsiteY13"/>
-                </a:cxn>
-                <a:cxn ang="0">
-                  <a:pos x="connsiteX14" y="connsiteY14"/>
-                </a:cxn>
-                <a:cxn ang="0">
-                  <a:pos x="connsiteX15" y="connsiteY15"/>
-                </a:cxn>
-                <a:cxn ang="0">
-                  <a:pos x="connsiteX16" y="connsiteY16"/>
-                </a:cxn>
-                <a:cxn ang="0">
-                  <a:pos x="connsiteX17" y="connsiteY17"/>
-                </a:cxn>
-                <a:cxn ang="0">
-                  <a:pos x="connsiteX18" y="connsiteY18"/>
-                </a:cxn>
-                <a:cxn ang="0">
-                  <a:pos x="connsiteX19" y="connsiteY19"/>
-                </a:cxn>
-                <a:cxn ang="0">
-                  <a:pos x="connsiteX20" y="connsiteY20"/>
-                </a:cxn>
-                <a:cxn ang="0">
-                  <a:pos x="connsiteX21" y="connsiteY21"/>
-                </a:cxn>
-                <a:cxn ang="0">
-                  <a:pos x="connsiteX22" y="connsiteY22"/>
-                </a:cxn>
-                <a:cxn ang="0">
-                  <a:pos x="connsiteX23" y="connsiteY23"/>
-                </a:cxn>
-                <a:cxn ang="0">
-                  <a:pos x="connsiteX24" y="connsiteY24"/>
-                </a:cxn>
-                <a:cxn ang="0">
-                  <a:pos x="connsiteX25" y="connsiteY25"/>
-                </a:cxn>
-                <a:cxn ang="0">
-                  <a:pos x="connsiteX26" y="connsiteY26"/>
-                </a:cxn>
-                <a:cxn ang="0">
-                  <a:pos x="connsiteX27" y="connsiteY27"/>
-                </a:cxn>
-                <a:cxn ang="0">
-                  <a:pos x="connsiteX28" y="connsiteY28"/>
-                </a:cxn>
-                <a:cxn ang="0">
-                  <a:pos x="connsiteX29" y="connsiteY29"/>
-                </a:cxn>
-              </a:cxnLst>
-              <a:rect l="l" t="t" r="r" b="b"/>
-              <a:pathLst>
-                <a:path w="5890490" h="6578439">
-                  <a:moveTo>
-                    <a:pt x="3517682" y="0"/>
-                  </a:moveTo>
-                  <a:cubicBezTo>
-                    <a:pt x="4402016" y="0"/>
-                    <a:pt x="5213741" y="315483"/>
-                    <a:pt x="5849513" y="841730"/>
-                  </a:cubicBezTo>
-                  <a:lnTo>
-                    <a:pt x="5890490" y="879060"/>
-                  </a:lnTo>
-                  <a:lnTo>
-                    <a:pt x="5890490" y="1816052"/>
-                  </a:lnTo>
-                  <a:lnTo>
-                    <a:pt x="5856961" y="1771023"/>
-                  </a:lnTo>
-                  <a:cubicBezTo>
-                    <a:pt x="5793650" y="1694076"/>
-                    <a:pt x="5726429" y="1619959"/>
-                    <a:pt x="5655397" y="1548813"/>
-                  </a:cubicBezTo>
-                  <a:cubicBezTo>
-                    <a:pt x="5082208" y="974906"/>
-                    <a:pt x="4322973" y="658717"/>
-                    <a:pt x="3517682" y="658717"/>
-                  </a:cubicBezTo>
-                  <a:cubicBezTo>
-                    <a:pt x="3085520" y="658717"/>
-                    <a:pt x="2718488" y="721533"/>
-                    <a:pt x="2395696" y="850721"/>
-                  </a:cubicBezTo>
-                  <a:cubicBezTo>
-                    <a:pt x="2079132" y="977407"/>
-                    <a:pt x="1792668" y="1173626"/>
-                    <a:pt x="1519955" y="1450441"/>
-                  </a:cubicBezTo>
-                  <a:cubicBezTo>
-                    <a:pt x="1330275" y="1642840"/>
-                    <a:pt x="1263719" y="1756094"/>
-                    <a:pt x="1223630" y="1841430"/>
-                  </a:cubicBezTo>
-                  <a:cubicBezTo>
-                    <a:pt x="1166545" y="1962981"/>
-                    <a:pt x="1128532" y="2116663"/>
-                    <a:pt x="1075857" y="2329343"/>
-                  </a:cubicBezTo>
-                  <a:cubicBezTo>
-                    <a:pt x="1008652" y="2601153"/>
-                    <a:pt x="916537" y="2973574"/>
-                    <a:pt x="731010" y="3483744"/>
-                  </a:cubicBezTo>
-                  <a:cubicBezTo>
-                    <a:pt x="617488" y="3795981"/>
-                    <a:pt x="620731" y="4121653"/>
-                    <a:pt x="741000" y="4479719"/>
-                  </a:cubicBezTo>
-                  <a:cubicBezTo>
-                    <a:pt x="847257" y="4796172"/>
-                    <a:pt x="1045888" y="5129481"/>
-                    <a:pt x="1315615" y="5443827"/>
-                  </a:cubicBezTo>
-                  <a:cubicBezTo>
-                    <a:pt x="1630753" y="5810980"/>
-                    <a:pt x="1945371" y="6077784"/>
-                    <a:pt x="2277503" y="6259386"/>
-                  </a:cubicBezTo>
-                  <a:cubicBezTo>
-                    <a:pt x="2637530" y="6456133"/>
-                    <a:pt x="3017536" y="6551739"/>
-                    <a:pt x="3439448" y="6551739"/>
-                  </a:cubicBezTo>
-                  <a:cubicBezTo>
-                    <a:pt x="3781571" y="6551739"/>
-                    <a:pt x="4089573" y="6457449"/>
-                    <a:pt x="4408732" y="6255172"/>
-                  </a:cubicBezTo>
-                  <a:cubicBezTo>
-                    <a:pt x="4738010" y="6046310"/>
-                    <a:pt x="5050941" y="5739207"/>
-                    <a:pt x="5343243" y="5442509"/>
-                  </a:cubicBezTo>
-                  <a:cubicBezTo>
-                    <a:pt x="5479860" y="5303970"/>
-                    <a:pt x="5614918" y="5178206"/>
-                    <a:pt x="5745566" y="5056656"/>
-                  </a:cubicBezTo>
-                  <a:lnTo>
-                    <a:pt x="5890490" y="4920880"/>
-                  </a:lnTo>
-                  <a:lnTo>
-                    <a:pt x="5890490" y="5821966"/>
-                  </a:lnTo>
-                  <a:lnTo>
-                    <a:pt x="5802002" y="5907904"/>
-                  </a:lnTo>
-                  <a:cubicBezTo>
-                    <a:pt x="5634962" y="6077456"/>
-                    <a:pt x="5467509" y="6243625"/>
-                    <a:pt x="5294358" y="6397505"/>
-                  </a:cubicBezTo>
-                  <a:lnTo>
-                    <a:pt x="5077178" y="6578439"/>
-                  </a:lnTo>
-                  <a:lnTo>
-                    <a:pt x="1567290" y="6578439"/>
-                  </a:lnTo>
-                  <a:lnTo>
-                    <a:pt x="1508588" y="6535186"/>
-                  </a:lnTo>
-                  <a:cubicBezTo>
-                    <a:pt x="1263991" y="6345442"/>
-                    <a:pt x="1038054" y="6122666"/>
-                    <a:pt x="826498" y="5876034"/>
-                  </a:cubicBezTo>
-                  <a:cubicBezTo>
-                    <a:pt x="261613" y="5217713"/>
-                    <a:pt x="-239182" y="4250314"/>
-                    <a:pt x="122403" y="3255655"/>
-                  </a:cubicBezTo>
-                  <a:cubicBezTo>
-                    <a:pt x="607497" y="1921629"/>
-                    <a:pt x="393040" y="1662857"/>
-                    <a:pt x="1061197" y="984650"/>
-                  </a:cubicBezTo>
-                  <a:cubicBezTo>
-                    <a:pt x="1729484" y="306444"/>
-                    <a:pt x="2498060" y="0"/>
-                    <a:pt x="3517682" y="0"/>
-                  </a:cubicBezTo>
-                  <a:close/>
-                </a:path>
-              </a:pathLst>
-            </a:custGeom>
-            <a:gradFill flip="none" rotWithShape="1">
-              <a:gsLst>
-                <a:gs pos="2000">
-                  <a:schemeClr val="bg1">
-                    <a:alpha val="10000"/>
-                  </a:schemeClr>
-                </a:gs>
-                <a:gs pos="16000">
-                  <a:schemeClr val="accent6">
-                    <a:alpha val="5000"/>
-                  </a:schemeClr>
-                </a:gs>
-                <a:gs pos="100000">
-                  <a:schemeClr val="bg1">
-                    <a:alpha val="10000"/>
-                  </a:schemeClr>
-                </a:gs>
-                <a:gs pos="85000">
-                  <a:schemeClr val="accent1">
-                    <a:alpha val="5000"/>
-                  </a:schemeClr>
-                </a:gs>
-              </a:gsLst>
-              <a:lin ang="12000000" scaled="0"/>
-              <a:tileRect/>
-            </a:gradFill>
-            <a:ln>
-              <a:noFill/>
-            </a:ln>
-          </p:spPr>
-          <p:style>
-            <a:lnRef idx="2">
-              <a:schemeClr val="accent1">
-                <a:shade val="50000"/>
-              </a:schemeClr>
-            </a:lnRef>
-            <a:fillRef idx="1">
-              <a:schemeClr val="accent1"/>
-            </a:fillRef>
-            <a:effectRef idx="0">
-              <a:schemeClr val="accent1"/>
-            </a:effectRef>
-            <a:fontRef idx="minor">
-              <a:schemeClr val="lt1"/>
-            </a:fontRef>
-          </p:style>
-          <p:txBody>
-            <a:bodyPr rtlCol="0" anchor="ctr"/>
-            <a:lstStyle/>
-            <a:p>
-              <a:pPr algn="ctr"/>
-              <a:endParaRPr lang="en-US"/>
-            </a:p>
-          </p:txBody>
-        </p:sp>
-        <p:sp>
-          <p:nvSpPr>
-            <p:cNvPr id="15" name="Freeform: Shape 14">
-              <a:extLst>
-                <a:ext uri="{FF2B5EF4-FFF2-40B4-BE49-F238E27FC236}">
-                  <a16:creationId xmlns:a16="http://schemas.microsoft.com/office/drawing/2014/main" id="{458B604F-996E-4349-B131-E04ED285D8DA}"/>
-                </a:ext>
-                <a:ext uri="{C183D7F6-B498-43B3-948B-1728B52AA6E4}">
-                  <adec:decorative xmlns:adec="http://schemas.microsoft.com/office/drawing/2017/decorative" val="1"/>
-                </a:ext>
-              </a:extLst>
-            </p:cNvPr>
-            <p:cNvSpPr/>
-            <p:nvPr>
-              <p:extLst>
-                <p:ext uri="{386F3935-93C4-4BCD-93E2-E3B085C9AB24}">
-                  <p16:designElem xmlns:p16="http://schemas.microsoft.com/office/powerpoint/2015/main" val="1"/>
-                </p:ext>
-              </p:extLst>
-            </p:nvPr>
-          </p:nvSpPr>
-          <p:spPr>
-            <a:xfrm>
-              <a:off x="6101025" y="52996"/>
-              <a:ext cx="6093361" cy="6805003"/>
-            </a:xfrm>
-            <a:custGeom>
-              <a:avLst/>
-              <a:gdLst>
-                <a:gd name="connsiteX0" fmla="*/ 3391253 w 5890489"/>
-                <a:gd name="connsiteY0" fmla="*/ 0 h 6578438"/>
-                <a:gd name="connsiteX1" fmla="*/ 3434974 w 5890489"/>
-                <a:gd name="connsiteY1" fmla="*/ 646 h 6578438"/>
-                <a:gd name="connsiteX2" fmla="*/ 3522419 w 5890489"/>
-                <a:gd name="connsiteY2" fmla="*/ 2712 h 6578438"/>
-                <a:gd name="connsiteX3" fmla="*/ 3610261 w 5890489"/>
-                <a:gd name="connsiteY3" fmla="*/ 6458 h 6578438"/>
-                <a:gd name="connsiteX4" fmla="*/ 3786872 w 5890489"/>
-                <a:gd name="connsiteY4" fmla="*/ 20667 h 6578438"/>
-                <a:gd name="connsiteX5" fmla="*/ 3962291 w 5890489"/>
-                <a:gd name="connsiteY5" fmla="*/ 43530 h 6578438"/>
-                <a:gd name="connsiteX6" fmla="*/ 4135855 w 5890489"/>
-                <a:gd name="connsiteY6" fmla="*/ 75176 h 6578438"/>
-                <a:gd name="connsiteX7" fmla="*/ 4307299 w 5890489"/>
-                <a:gd name="connsiteY7" fmla="*/ 114315 h 6578438"/>
-                <a:gd name="connsiteX8" fmla="*/ 4476358 w 5890489"/>
-                <a:gd name="connsiteY8" fmla="*/ 160816 h 6578438"/>
-                <a:gd name="connsiteX9" fmla="*/ 4559829 w 5890489"/>
-                <a:gd name="connsiteY9" fmla="*/ 186779 h 6578438"/>
-                <a:gd name="connsiteX10" fmla="*/ 4642901 w 5890489"/>
-                <a:gd name="connsiteY10" fmla="*/ 213648 h 6578438"/>
-                <a:gd name="connsiteX11" fmla="*/ 5280847 w 5890489"/>
-                <a:gd name="connsiteY11" fmla="*/ 485936 h 6578438"/>
-                <a:gd name="connsiteX12" fmla="*/ 5865400 w 5890489"/>
-                <a:gd name="connsiteY12" fmla="*/ 851099 h 6578438"/>
-                <a:gd name="connsiteX13" fmla="*/ 5890489 w 5890489"/>
-                <a:gd name="connsiteY13" fmla="*/ 870950 h 6578438"/>
-                <a:gd name="connsiteX14" fmla="*/ 5890489 w 5890489"/>
-                <a:gd name="connsiteY14" fmla="*/ 1321814 h 6578438"/>
-                <a:gd name="connsiteX15" fmla="*/ 5887395 w 5890489"/>
-                <a:gd name="connsiteY15" fmla="*/ 1318952 h 6578438"/>
-                <a:gd name="connsiteX16" fmla="*/ 5830291 w 5890489"/>
-                <a:gd name="connsiteY16" fmla="*/ 1265992 h 6578438"/>
-                <a:gd name="connsiteX17" fmla="*/ 5815981 w 5890489"/>
-                <a:gd name="connsiteY17" fmla="*/ 1252687 h 6578438"/>
-                <a:gd name="connsiteX18" fmla="*/ 5801142 w 5890489"/>
-                <a:gd name="connsiteY18" fmla="*/ 1240158 h 6578438"/>
-                <a:gd name="connsiteX19" fmla="*/ 5771464 w 5890489"/>
-                <a:gd name="connsiteY19" fmla="*/ 1214969 h 6578438"/>
-                <a:gd name="connsiteX20" fmla="*/ 5651030 w 5890489"/>
-                <a:gd name="connsiteY20" fmla="*/ 1115767 h 6578438"/>
-                <a:gd name="connsiteX21" fmla="*/ 5123183 w 5890489"/>
-                <a:gd name="connsiteY21" fmla="*/ 780443 h 6578438"/>
-                <a:gd name="connsiteX22" fmla="*/ 4533860 w 5890489"/>
-                <a:gd name="connsiteY22" fmla="*/ 567701 h 6578438"/>
-                <a:gd name="connsiteX23" fmla="*/ 4457281 w 5890489"/>
-                <a:gd name="connsiteY23" fmla="*/ 550780 h 6578438"/>
-                <a:gd name="connsiteX24" fmla="*/ 4380568 w 5890489"/>
-                <a:gd name="connsiteY24" fmla="*/ 535279 h 6578438"/>
-                <a:gd name="connsiteX25" fmla="*/ 4303325 w 5890489"/>
-                <a:gd name="connsiteY25" fmla="*/ 522879 h 6578438"/>
-                <a:gd name="connsiteX26" fmla="*/ 4264769 w 5890489"/>
-                <a:gd name="connsiteY26" fmla="*/ 516679 h 6578438"/>
-                <a:gd name="connsiteX27" fmla="*/ 4226082 w 5890489"/>
-                <a:gd name="connsiteY27" fmla="*/ 511253 h 6578438"/>
-                <a:gd name="connsiteX28" fmla="*/ 4070934 w 5890489"/>
-                <a:gd name="connsiteY28" fmla="*/ 494848 h 6578438"/>
-                <a:gd name="connsiteX29" fmla="*/ 3915521 w 5890489"/>
-                <a:gd name="connsiteY29" fmla="*/ 486065 h 6578438"/>
-                <a:gd name="connsiteX30" fmla="*/ 3760241 w 5890489"/>
-                <a:gd name="connsiteY30" fmla="*/ 484257 h 6578438"/>
-                <a:gd name="connsiteX31" fmla="*/ 3682734 w 5890489"/>
-                <a:gd name="connsiteY31" fmla="*/ 486581 h 6578438"/>
-                <a:gd name="connsiteX32" fmla="*/ 3605491 w 5890489"/>
-                <a:gd name="connsiteY32" fmla="*/ 488907 h 6578438"/>
-                <a:gd name="connsiteX33" fmla="*/ 3527454 w 5890489"/>
-                <a:gd name="connsiteY33" fmla="*/ 493169 h 6578438"/>
-                <a:gd name="connsiteX34" fmla="*/ 3449151 w 5890489"/>
-                <a:gd name="connsiteY34" fmla="*/ 498336 h 6578438"/>
-                <a:gd name="connsiteX35" fmla="*/ 3410067 w 5890489"/>
-                <a:gd name="connsiteY35" fmla="*/ 500532 h 6578438"/>
-                <a:gd name="connsiteX36" fmla="*/ 3371246 w 5890489"/>
-                <a:gd name="connsiteY36" fmla="*/ 504279 h 6578438"/>
-                <a:gd name="connsiteX37" fmla="*/ 3293739 w 5890489"/>
-                <a:gd name="connsiteY37" fmla="*/ 511512 h 6578438"/>
-                <a:gd name="connsiteX38" fmla="*/ 2689445 w 5890489"/>
-                <a:gd name="connsiteY38" fmla="*/ 610198 h 6578438"/>
-                <a:gd name="connsiteX39" fmla="*/ 2117875 w 5890489"/>
-                <a:gd name="connsiteY39" fmla="*/ 800335 h 6578438"/>
-                <a:gd name="connsiteX40" fmla="*/ 1981276 w 5890489"/>
-                <a:gd name="connsiteY40" fmla="*/ 865566 h 6578438"/>
-                <a:gd name="connsiteX41" fmla="*/ 1847991 w 5890489"/>
-                <a:gd name="connsiteY41" fmla="*/ 938676 h 6578438"/>
-                <a:gd name="connsiteX42" fmla="*/ 1783069 w 5890489"/>
-                <a:gd name="connsiteY42" fmla="*/ 978718 h 6578438"/>
-                <a:gd name="connsiteX43" fmla="*/ 1750609 w 5890489"/>
-                <a:gd name="connsiteY43" fmla="*/ 998869 h 6578438"/>
-                <a:gd name="connsiteX44" fmla="*/ 1734312 w 5890489"/>
-                <a:gd name="connsiteY44" fmla="*/ 1008945 h 6578438"/>
-                <a:gd name="connsiteX45" fmla="*/ 1718547 w 5890489"/>
-                <a:gd name="connsiteY45" fmla="*/ 1019924 h 6578438"/>
-                <a:gd name="connsiteX46" fmla="*/ 1655481 w 5890489"/>
-                <a:gd name="connsiteY46" fmla="*/ 1063582 h 6578438"/>
-                <a:gd name="connsiteX47" fmla="*/ 1593077 w 5890489"/>
-                <a:gd name="connsiteY47" fmla="*/ 1108664 h 6578438"/>
-                <a:gd name="connsiteX48" fmla="*/ 1532263 w 5890489"/>
-                <a:gd name="connsiteY48" fmla="*/ 1156197 h 6578438"/>
-                <a:gd name="connsiteX49" fmla="*/ 1472509 w 5890489"/>
-                <a:gd name="connsiteY49" fmla="*/ 1205152 h 6578438"/>
-                <a:gd name="connsiteX50" fmla="*/ 1414212 w 5890489"/>
-                <a:gd name="connsiteY50" fmla="*/ 1256175 h 6578438"/>
-                <a:gd name="connsiteX51" fmla="*/ 1357242 w 5890489"/>
-                <a:gd name="connsiteY51" fmla="*/ 1308359 h 6578438"/>
-                <a:gd name="connsiteX52" fmla="*/ 1153072 w 5890489"/>
-                <a:gd name="connsiteY52" fmla="*/ 1529498 h 6578438"/>
-                <a:gd name="connsiteX53" fmla="*/ 1002694 w 5890489"/>
-                <a:gd name="connsiteY53" fmla="*/ 1770658 h 6578438"/>
-                <a:gd name="connsiteX54" fmla="*/ 974076 w 5890489"/>
-                <a:gd name="connsiteY54" fmla="*/ 1835371 h 6578438"/>
-                <a:gd name="connsiteX55" fmla="*/ 949564 w 5890489"/>
-                <a:gd name="connsiteY55" fmla="*/ 1903573 h 6578438"/>
-                <a:gd name="connsiteX56" fmla="*/ 927173 w 5890489"/>
-                <a:gd name="connsiteY56" fmla="*/ 1974229 h 6578438"/>
-                <a:gd name="connsiteX57" fmla="*/ 906107 w 5890489"/>
-                <a:gd name="connsiteY57" fmla="*/ 2046952 h 6578438"/>
-                <a:gd name="connsiteX58" fmla="*/ 751092 w 5890489"/>
-                <a:gd name="connsiteY58" fmla="*/ 2676266 h 6578438"/>
-                <a:gd name="connsiteX59" fmla="*/ 547189 w 5890489"/>
-                <a:gd name="connsiteY59" fmla="*/ 3308422 h 6578438"/>
-                <a:gd name="connsiteX60" fmla="*/ 441195 w 5890489"/>
-                <a:gd name="connsiteY60" fmla="*/ 3866306 h 6578438"/>
-                <a:gd name="connsiteX61" fmla="*/ 527182 w 5890489"/>
-                <a:gd name="connsiteY61" fmla="*/ 4439174 h 6578438"/>
-                <a:gd name="connsiteX62" fmla="*/ 775073 w 5890489"/>
-                <a:gd name="connsiteY62" fmla="*/ 4987240 h 6578438"/>
-                <a:gd name="connsiteX63" fmla="*/ 943206 w 5890489"/>
-                <a:gd name="connsiteY63" fmla="*/ 5244933 h 6578438"/>
-                <a:gd name="connsiteX64" fmla="*/ 1133728 w 5890489"/>
-                <a:gd name="connsiteY64" fmla="*/ 5490356 h 6578438"/>
-                <a:gd name="connsiteX65" fmla="*/ 1359626 w 5890489"/>
-                <a:gd name="connsiteY65" fmla="*/ 5709815 h 6578438"/>
-                <a:gd name="connsiteX66" fmla="*/ 1481254 w 5890489"/>
-                <a:gd name="connsiteY66" fmla="*/ 5809146 h 6578438"/>
-                <a:gd name="connsiteX67" fmla="*/ 1543260 w 5890489"/>
-                <a:gd name="connsiteY67" fmla="*/ 5856940 h 6578438"/>
-                <a:gd name="connsiteX68" fmla="*/ 1607518 w 5890489"/>
-                <a:gd name="connsiteY68" fmla="*/ 5901374 h 6578438"/>
-                <a:gd name="connsiteX69" fmla="*/ 2145566 w 5890489"/>
-                <a:gd name="connsiteY69" fmla="*/ 6193814 h 6578438"/>
-                <a:gd name="connsiteX70" fmla="*/ 2214991 w 5890489"/>
-                <a:gd name="connsiteY70" fmla="*/ 6221844 h 6578438"/>
-                <a:gd name="connsiteX71" fmla="*/ 2249307 w 5890489"/>
-                <a:gd name="connsiteY71" fmla="*/ 6236182 h 6578438"/>
-                <a:gd name="connsiteX72" fmla="*/ 2284285 w 5890489"/>
-                <a:gd name="connsiteY72" fmla="*/ 6248711 h 6578438"/>
-                <a:gd name="connsiteX73" fmla="*/ 2354241 w 5890489"/>
-                <a:gd name="connsiteY73" fmla="*/ 6273124 h 6578438"/>
-                <a:gd name="connsiteX74" fmla="*/ 2371597 w 5890489"/>
-                <a:gd name="connsiteY74" fmla="*/ 6279324 h 6578438"/>
-                <a:gd name="connsiteX75" fmla="*/ 2387894 w 5890489"/>
-                <a:gd name="connsiteY75" fmla="*/ 6287719 h 6578438"/>
-                <a:gd name="connsiteX76" fmla="*/ 2421414 w 5890489"/>
-                <a:gd name="connsiteY76" fmla="*/ 6302186 h 6578438"/>
-                <a:gd name="connsiteX77" fmla="*/ 2489117 w 5890489"/>
-                <a:gd name="connsiteY77" fmla="*/ 6329441 h 6578438"/>
-                <a:gd name="connsiteX78" fmla="*/ 2522902 w 5890489"/>
-                <a:gd name="connsiteY78" fmla="*/ 6343134 h 6578438"/>
-                <a:gd name="connsiteX79" fmla="*/ 2556953 w 5890489"/>
-                <a:gd name="connsiteY79" fmla="*/ 6356051 h 6578438"/>
-                <a:gd name="connsiteX80" fmla="*/ 2695009 w 5890489"/>
-                <a:gd name="connsiteY80" fmla="*/ 6401905 h 6578438"/>
-                <a:gd name="connsiteX81" fmla="*/ 3268035 w 5890489"/>
-                <a:gd name="connsiteY81" fmla="*/ 6501238 h 6578438"/>
-                <a:gd name="connsiteX82" fmla="*/ 3341038 w 5890489"/>
-                <a:gd name="connsiteY82" fmla="*/ 6506145 h 6578438"/>
-                <a:gd name="connsiteX83" fmla="*/ 3414703 w 5890489"/>
-                <a:gd name="connsiteY83" fmla="*/ 6507050 h 6578438"/>
-                <a:gd name="connsiteX84" fmla="*/ 3488237 w 5890489"/>
-                <a:gd name="connsiteY84" fmla="*/ 6508212 h 6578438"/>
-                <a:gd name="connsiteX85" fmla="*/ 3524142 w 5890489"/>
-                <a:gd name="connsiteY85" fmla="*/ 6507955 h 6578438"/>
-                <a:gd name="connsiteX86" fmla="*/ 3559252 w 5890489"/>
-                <a:gd name="connsiteY86" fmla="*/ 6506921 h 6578438"/>
-                <a:gd name="connsiteX87" fmla="*/ 3629207 w 5890489"/>
-                <a:gd name="connsiteY87" fmla="*/ 6503045 h 6578438"/>
-                <a:gd name="connsiteX88" fmla="*/ 3698633 w 5890489"/>
-                <a:gd name="connsiteY88" fmla="*/ 6496845 h 6578438"/>
-                <a:gd name="connsiteX89" fmla="*/ 3733213 w 5890489"/>
-                <a:gd name="connsiteY89" fmla="*/ 6493357 h 6578438"/>
-                <a:gd name="connsiteX90" fmla="*/ 3767529 w 5890489"/>
-                <a:gd name="connsiteY90" fmla="*/ 6488707 h 6578438"/>
-                <a:gd name="connsiteX91" fmla="*/ 3801845 w 5890489"/>
-                <a:gd name="connsiteY91" fmla="*/ 6484057 h 6578438"/>
-                <a:gd name="connsiteX92" fmla="*/ 3835895 w 5890489"/>
-                <a:gd name="connsiteY92" fmla="*/ 6478116 h 6578438"/>
-                <a:gd name="connsiteX93" fmla="*/ 4364801 w 5890489"/>
-                <a:gd name="connsiteY93" fmla="*/ 6308517 h 6578438"/>
-                <a:gd name="connsiteX94" fmla="*/ 4861379 w 5890489"/>
-                <a:gd name="connsiteY94" fmla="*/ 6000576 h 6578438"/>
-                <a:gd name="connsiteX95" fmla="*/ 5341263 w 5890489"/>
-                <a:gd name="connsiteY95" fmla="*/ 5605834 h 6578438"/>
-                <a:gd name="connsiteX96" fmla="*/ 5587301 w 5890489"/>
-                <a:gd name="connsiteY96" fmla="*/ 5390379 h 6578438"/>
-                <a:gd name="connsiteX97" fmla="*/ 5849105 w 5890489"/>
-                <a:gd name="connsiteY97" fmla="*/ 5176344 h 6578438"/>
-                <a:gd name="connsiteX98" fmla="*/ 5890489 w 5890489"/>
-                <a:gd name="connsiteY98" fmla="*/ 5145260 h 6578438"/>
-                <a:gd name="connsiteX99" fmla="*/ 5890489 w 5890489"/>
-                <a:gd name="connsiteY99" fmla="*/ 5995323 h 6578438"/>
-                <a:gd name="connsiteX100" fmla="*/ 5811477 w 5890489"/>
-                <a:gd name="connsiteY100" fmla="*/ 6077819 h 6578438"/>
-                <a:gd name="connsiteX101" fmla="*/ 5301384 w 5890489"/>
-                <a:gd name="connsiteY101" fmla="*/ 6542958 h 6578438"/>
-                <a:gd name="connsiteX102" fmla="*/ 5252008 w 5890489"/>
-                <a:gd name="connsiteY102" fmla="*/ 6578438 h 6578438"/>
-                <a:gd name="connsiteX103" fmla="*/ 1653730 w 5890489"/>
-                <a:gd name="connsiteY103" fmla="*/ 6578438 h 6578438"/>
-                <a:gd name="connsiteX104" fmla="*/ 1549768 w 5890489"/>
-                <a:gd name="connsiteY104" fmla="*/ 6488821 h 6578438"/>
-                <a:gd name="connsiteX105" fmla="*/ 1298282 w 5890489"/>
-                <a:gd name="connsiteY105" fmla="*/ 6243932 h 6578438"/>
-                <a:gd name="connsiteX106" fmla="*/ 1237999 w 5890489"/>
-                <a:gd name="connsiteY106" fmla="*/ 6181671 h 6578438"/>
-                <a:gd name="connsiteX107" fmla="*/ 1179967 w 5890489"/>
-                <a:gd name="connsiteY107" fmla="*/ 6117862 h 6578438"/>
-                <a:gd name="connsiteX108" fmla="*/ 1121936 w 5890489"/>
-                <a:gd name="connsiteY108" fmla="*/ 6054569 h 6578438"/>
-                <a:gd name="connsiteX109" fmla="*/ 1065628 w 5890489"/>
-                <a:gd name="connsiteY109" fmla="*/ 5990243 h 6578438"/>
-                <a:gd name="connsiteX110" fmla="*/ 954335 w 5890489"/>
-                <a:gd name="connsiteY110" fmla="*/ 5861460 h 6578438"/>
-                <a:gd name="connsiteX111" fmla="*/ 898953 w 5890489"/>
-                <a:gd name="connsiteY111" fmla="*/ 5797393 h 6578438"/>
-                <a:gd name="connsiteX112" fmla="*/ 842908 w 5890489"/>
-                <a:gd name="connsiteY112" fmla="*/ 5733582 h 6578438"/>
-                <a:gd name="connsiteX113" fmla="*/ 622442 w 5890489"/>
-                <a:gd name="connsiteY113" fmla="*/ 5471884 h 6578438"/>
-                <a:gd name="connsiteX114" fmla="*/ 425559 w 5890489"/>
-                <a:gd name="connsiteY114" fmla="*/ 5190036 h 6578438"/>
-                <a:gd name="connsiteX115" fmla="*/ 123877 w 5890489"/>
-                <a:gd name="connsiteY115" fmla="*/ 4564210 h 6578438"/>
-                <a:gd name="connsiteX116" fmla="*/ 130 w 5890489"/>
-                <a:gd name="connsiteY116" fmla="*/ 3865530 h 6578438"/>
-                <a:gd name="connsiteX117" fmla="*/ 30602 w 5890489"/>
-                <a:gd name="connsiteY117" fmla="*/ 3505793 h 6578438"/>
-                <a:gd name="connsiteX118" fmla="*/ 126924 w 5890489"/>
-                <a:gd name="connsiteY118" fmla="*/ 3157164 h 6578438"/>
-                <a:gd name="connsiteX119" fmla="*/ 334803 w 5890489"/>
-                <a:gd name="connsiteY119" fmla="*/ 2560530 h 6578438"/>
-                <a:gd name="connsiteX120" fmla="*/ 381176 w 5890489"/>
-                <a:gd name="connsiteY120" fmla="*/ 2409144 h 6578438"/>
-                <a:gd name="connsiteX121" fmla="*/ 425825 w 5890489"/>
-                <a:gd name="connsiteY121" fmla="*/ 2255819 h 6578438"/>
-                <a:gd name="connsiteX122" fmla="*/ 470210 w 5890489"/>
-                <a:gd name="connsiteY122" fmla="*/ 2099523 h 6578438"/>
-                <a:gd name="connsiteX123" fmla="*/ 492998 w 5890489"/>
-                <a:gd name="connsiteY123" fmla="*/ 2020213 h 6578438"/>
-                <a:gd name="connsiteX124" fmla="*/ 517509 w 5890489"/>
-                <a:gd name="connsiteY124" fmla="*/ 1939224 h 6578438"/>
-                <a:gd name="connsiteX125" fmla="*/ 544007 w 5890489"/>
-                <a:gd name="connsiteY125" fmla="*/ 1857201 h 6578438"/>
-                <a:gd name="connsiteX126" fmla="*/ 573288 w 5890489"/>
-                <a:gd name="connsiteY126" fmla="*/ 1774274 h 6578438"/>
-                <a:gd name="connsiteX127" fmla="*/ 606146 w 5890489"/>
-                <a:gd name="connsiteY127" fmla="*/ 1690832 h 6578438"/>
-                <a:gd name="connsiteX128" fmla="*/ 644569 w 5890489"/>
-                <a:gd name="connsiteY128" fmla="*/ 1607775 h 6578438"/>
-                <a:gd name="connsiteX129" fmla="*/ 837874 w 5890489"/>
-                <a:gd name="connsiteY129" fmla="*/ 1297638 h 6578438"/>
-                <a:gd name="connsiteX130" fmla="*/ 1069602 w 5890489"/>
-                <a:gd name="connsiteY130" fmla="*/ 1032194 h 6578438"/>
-                <a:gd name="connsiteX131" fmla="*/ 1130548 w 5890489"/>
-                <a:gd name="connsiteY131" fmla="*/ 970839 h 6578438"/>
-                <a:gd name="connsiteX132" fmla="*/ 1192024 w 5890489"/>
-                <a:gd name="connsiteY132" fmla="*/ 910129 h 6578438"/>
-                <a:gd name="connsiteX133" fmla="*/ 1255356 w 5890489"/>
-                <a:gd name="connsiteY133" fmla="*/ 850841 h 6578438"/>
-                <a:gd name="connsiteX134" fmla="*/ 1319614 w 5890489"/>
-                <a:gd name="connsiteY134" fmla="*/ 792068 h 6578438"/>
-                <a:gd name="connsiteX135" fmla="*/ 1385728 w 5890489"/>
-                <a:gd name="connsiteY135" fmla="*/ 734975 h 6578438"/>
-                <a:gd name="connsiteX136" fmla="*/ 1452768 w 5890489"/>
-                <a:gd name="connsiteY136" fmla="*/ 678528 h 6578438"/>
-                <a:gd name="connsiteX137" fmla="*/ 1469594 w 5890489"/>
-                <a:gd name="connsiteY137" fmla="*/ 664449 h 6578438"/>
-                <a:gd name="connsiteX138" fmla="*/ 1487083 w 5890489"/>
-                <a:gd name="connsiteY138" fmla="*/ 651015 h 6578438"/>
-                <a:gd name="connsiteX139" fmla="*/ 1522193 w 5890489"/>
-                <a:gd name="connsiteY139" fmla="*/ 624277 h 6578438"/>
-                <a:gd name="connsiteX140" fmla="*/ 1592415 w 5890489"/>
-                <a:gd name="connsiteY140" fmla="*/ 570671 h 6578438"/>
-                <a:gd name="connsiteX141" fmla="*/ 1738287 w 5890489"/>
-                <a:gd name="connsiteY141" fmla="*/ 469402 h 6578438"/>
-                <a:gd name="connsiteX142" fmla="*/ 1890918 w 5890489"/>
-                <a:gd name="connsiteY142" fmla="*/ 376530 h 6578438"/>
-                <a:gd name="connsiteX143" fmla="*/ 2555363 w 5890489"/>
-                <a:gd name="connsiteY143" fmla="*/ 105274 h 6578438"/>
-                <a:gd name="connsiteX144" fmla="*/ 3259291 w 5890489"/>
-                <a:gd name="connsiteY144" fmla="*/ 3229 h 6578438"/>
-                <a:gd name="connsiteX145" fmla="*/ 3347265 w 5890489"/>
-                <a:gd name="connsiteY145" fmla="*/ 903 h 6578438"/>
-              </a:gdLst>
-              <a:ahLst/>
-              <a:cxnLst>
-                <a:cxn ang="0">
-                  <a:pos x="connsiteX0" y="connsiteY0"/>
-                </a:cxn>
-                <a:cxn ang="0">
-                  <a:pos x="connsiteX1" y="connsiteY1"/>
-                </a:cxn>
-                <a:cxn ang="0">
-                  <a:pos x="connsiteX2" y="connsiteY2"/>
-                </a:cxn>
-                <a:cxn ang="0">
-                  <a:pos x="connsiteX3" y="connsiteY3"/>
-                </a:cxn>
-                <a:cxn ang="0">
-                  <a:pos x="connsiteX4" y="connsiteY4"/>
-                </a:cxn>
-                <a:cxn ang="0">
-                  <a:pos x="connsiteX5" y="connsiteY5"/>
-                </a:cxn>
-                <a:cxn ang="0">
-                  <a:pos x="connsiteX6" y="connsiteY6"/>
-                </a:cxn>
-                <a:cxn ang="0">
-                  <a:pos x="connsiteX7" y="connsiteY7"/>
-                </a:cxn>
-                <a:cxn ang="0">
-                  <a:pos x="connsiteX8" y="connsiteY8"/>
-                </a:cxn>
-                <a:cxn ang="0">
-                  <a:pos x="connsiteX9" y="connsiteY9"/>
-                </a:cxn>
-                <a:cxn ang="0">
-                  <a:pos x="connsiteX10" y="connsiteY10"/>
-                </a:cxn>
-                <a:cxn ang="0">
-                  <a:pos x="connsiteX11" y="connsiteY11"/>
-                </a:cxn>
-                <a:cxn ang="0">
-                  <a:pos x="connsiteX12" y="connsiteY12"/>
-                </a:cxn>
-                <a:cxn ang="0">
-                  <a:pos x="connsiteX13" y="connsiteY13"/>
-                </a:cxn>
-                <a:cxn ang="0">
-                  <a:pos x="connsiteX14" y="connsiteY14"/>
-                </a:cxn>
-                <a:cxn ang="0">
-                  <a:pos x="connsiteX15" y="connsiteY15"/>
-                </a:cxn>
-                <a:cxn ang="0">
-                  <a:pos x="connsiteX16" y="connsiteY16"/>
-                </a:cxn>
-                <a:cxn ang="0">
-                  <a:pos x="connsiteX17" y="connsiteY17"/>
-                </a:cxn>
-                <a:cxn ang="0">
-                  <a:pos x="connsiteX18" y="connsiteY18"/>
-                </a:cxn>
-                <a:cxn ang="0">
-                  <a:pos x="connsiteX19" y="connsiteY19"/>
-                </a:cxn>
-                <a:cxn ang="0">
-                  <a:pos x="connsiteX20" y="connsiteY20"/>
-                </a:cxn>
-                <a:cxn ang="0">
-                  <a:pos x="connsiteX21" y="connsiteY21"/>
-                </a:cxn>
-                <a:cxn ang="0">
-                  <a:pos x="connsiteX22" y="connsiteY22"/>
-                </a:cxn>
-                <a:cxn ang="0">
-                  <a:pos x="connsiteX23" y="connsiteY23"/>
-                </a:cxn>
-                <a:cxn ang="0">
-                  <a:pos x="connsiteX24" y="connsiteY24"/>
-                </a:cxn>
-                <a:cxn ang="0">
-                  <a:pos x="connsiteX25" y="connsiteY25"/>
-                </a:cxn>
-                <a:cxn ang="0">
-                  <a:pos x="connsiteX26" y="connsiteY26"/>
-                </a:cxn>
-                <a:cxn ang="0">
-                  <a:pos x="connsiteX27" y="connsiteY27"/>
-                </a:cxn>
-                <a:cxn ang="0">
-                  <a:pos x="connsiteX28" y="connsiteY28"/>
-                </a:cxn>
-                <a:cxn ang="0">
-                  <a:pos x="connsiteX29" y="connsiteY29"/>
-                </a:cxn>
-                <a:cxn ang="0">
-                  <a:pos x="connsiteX30" y="connsiteY30"/>
-                </a:cxn>
-                <a:cxn ang="0">
-                  <a:pos x="connsiteX31" y="connsiteY31"/>
-                </a:cxn>
-                <a:cxn ang="0">
-                  <a:pos x="connsiteX32" y="connsiteY32"/>
-                </a:cxn>
-                <a:cxn ang="0">
-                  <a:pos x="connsiteX33" y="connsiteY33"/>
-                </a:cxn>
-                <a:cxn ang="0">
-                  <a:pos x="connsiteX34" y="connsiteY34"/>
-                </a:cxn>
-                <a:cxn ang="0">
-                  <a:pos x="connsiteX35" y="connsiteY35"/>
-                </a:cxn>
-                <a:cxn ang="0">
-                  <a:pos x="connsiteX36" y="connsiteY36"/>
-                </a:cxn>
-                <a:cxn ang="0">
-                  <a:pos x="connsiteX37" y="connsiteY37"/>
-                </a:cxn>
-                <a:cxn ang="0">
-                  <a:pos x="connsiteX38" y="connsiteY38"/>
-                </a:cxn>
-                <a:cxn ang="0">
-                  <a:pos x="connsiteX39" y="connsiteY39"/>
-                </a:cxn>
-                <a:cxn ang="0">
-                  <a:pos x="connsiteX40" y="connsiteY40"/>
-                </a:cxn>
-                <a:cxn ang="0">
-                  <a:pos x="connsiteX41" y="connsiteY41"/>
-                </a:cxn>
-                <a:cxn ang="0">
-                  <a:pos x="connsiteX42" y="connsiteY42"/>
-                </a:cxn>
-                <a:cxn ang="0">
-                  <a:pos x="connsiteX43" y="connsiteY43"/>
-                </a:cxn>
-                <a:cxn ang="0">
-                  <a:pos x="connsiteX44" y="connsiteY44"/>
-                </a:cxn>
-                <a:cxn ang="0">
-                  <a:pos x="connsiteX45" y="connsiteY45"/>
-                </a:cxn>
-                <a:cxn ang="0">
-                  <a:pos x="connsiteX46" y="connsiteY46"/>
-                </a:cxn>
-                <a:cxn ang="0">
-                  <a:pos x="connsiteX47" y="connsiteY47"/>
-                </a:cxn>
-                <a:cxn ang="0">
-                  <a:pos x="connsiteX48" y="connsiteY48"/>
-                </a:cxn>
-                <a:cxn ang="0">
-                  <a:pos x="connsiteX49" y="connsiteY49"/>
-                </a:cxn>
-                <a:cxn ang="0">
-                  <a:pos x="connsiteX50" y="connsiteY50"/>
-                </a:cxn>
-                <a:cxn ang="0">
-                  <a:pos x="connsiteX51" y="connsiteY51"/>
-                </a:cxn>
-                <a:cxn ang="0">
-                  <a:pos x="connsiteX52" y="connsiteY52"/>
-                </a:cxn>
-                <a:cxn ang="0">
-                  <a:pos x="connsiteX53" y="connsiteY53"/>
-                </a:cxn>
-                <a:cxn ang="0">
-                  <a:pos x="connsiteX54" y="connsiteY54"/>
-                </a:cxn>
-                <a:cxn ang="0">
-                  <a:pos x="connsiteX55" y="connsiteY55"/>
-                </a:cxn>
-                <a:cxn ang="0">
-                  <a:pos x="connsiteX56" y="connsiteY56"/>
-                </a:cxn>
-                <a:cxn ang="0">
-                  <a:pos x="connsiteX57" y="connsiteY57"/>
-                </a:cxn>
-                <a:cxn ang="0">
-                  <a:pos x="connsiteX58" y="connsiteY58"/>
-                </a:cxn>
-                <a:cxn ang="0">
-                  <a:pos x="connsiteX59" y="connsiteY59"/>
-                </a:cxn>
-                <a:cxn ang="0">
-                  <a:pos x="connsiteX60" y="connsiteY60"/>
-                </a:cxn>
-                <a:cxn ang="0">
-                  <a:pos x="connsiteX61" y="connsiteY61"/>
-                </a:cxn>
-                <a:cxn ang="0">
-                  <a:pos x="connsiteX62" y="connsiteY62"/>
-                </a:cxn>
-                <a:cxn ang="0">
-                  <a:pos x="connsiteX63" y="connsiteY63"/>
-                </a:cxn>
-                <a:cxn ang="0">
-                  <a:pos x="connsiteX64" y="connsiteY64"/>
-                </a:cxn>
-                <a:cxn ang="0">
-                  <a:pos x="connsiteX65" y="connsiteY65"/>
-                </a:cxn>
-                <a:cxn ang="0">
-                  <a:pos x="connsiteX66" y="connsiteY66"/>
-                </a:cxn>
-                <a:cxn ang="0">
-                  <a:pos x="connsiteX67" y="connsiteY67"/>
-                </a:cxn>
-                <a:cxn ang="0">
-                  <a:pos x="connsiteX68" y="connsiteY68"/>
-                </a:cxn>
-                <a:cxn ang="0">
-                  <a:pos x="connsiteX69" y="connsiteY69"/>
-                </a:cxn>
-                <a:cxn ang="0">
-                  <a:pos x="connsiteX70" y="connsiteY70"/>
-                </a:cxn>
-                <a:cxn ang="0">
-                  <a:pos x="connsiteX71" y="connsiteY71"/>
-                </a:cxn>
-                <a:cxn ang="0">
-                  <a:pos x="connsiteX72" y="connsiteY72"/>
-                </a:cxn>
-                <a:cxn ang="0">
-                  <a:pos x="connsiteX73" y="connsiteY73"/>
-                </a:cxn>
-                <a:cxn ang="0">
-                  <a:pos x="connsiteX74" y="connsiteY74"/>
-                </a:cxn>
-                <a:cxn ang="0">
-                  <a:pos x="connsiteX75" y="connsiteY75"/>
-                </a:cxn>
-                <a:cxn ang="0">
-                  <a:pos x="connsiteX76" y="connsiteY76"/>
-                </a:cxn>
-                <a:cxn ang="0">
-                  <a:pos x="connsiteX77" y="connsiteY77"/>
-                </a:cxn>
-                <a:cxn ang="0">
-                  <a:pos x="connsiteX78" y="connsiteY78"/>
-                </a:cxn>
-                <a:cxn ang="0">
-                  <a:pos x="connsiteX79" y="connsiteY79"/>
-                </a:cxn>
-                <a:cxn ang="0">
-                  <a:pos x="connsiteX80" y="connsiteY80"/>
-                </a:cxn>
-                <a:cxn ang="0">
-                  <a:pos x="connsiteX81" y="connsiteY81"/>
-                </a:cxn>
-                <a:cxn ang="0">
-                  <a:pos x="connsiteX82" y="connsiteY82"/>
-                </a:cxn>
-                <a:cxn ang="0">
-                  <a:pos x="connsiteX83" y="connsiteY83"/>
-                </a:cxn>
-                <a:cxn ang="0">
-                  <a:pos x="connsiteX84" y="connsiteY84"/>
-                </a:cxn>
-                <a:cxn ang="0">
-                  <a:pos x="connsiteX85" y="connsiteY85"/>
-                </a:cxn>
-                <a:cxn ang="0">
-                  <a:pos x="connsiteX86" y="connsiteY86"/>
-                </a:cxn>
-                <a:cxn ang="0">
-                  <a:pos x="connsiteX87" y="connsiteY87"/>
-                </a:cxn>
-                <a:cxn ang="0">
-                  <a:pos x="connsiteX88" y="connsiteY88"/>
-                </a:cxn>
-                <a:cxn ang="0">
-                  <a:pos x="connsiteX89" y="connsiteY89"/>
-                </a:cxn>
-                <a:cxn ang="0">
-                  <a:pos x="connsiteX90" y="connsiteY90"/>
-                </a:cxn>
-                <a:cxn ang="0">
-                  <a:pos x="connsiteX91" y="connsiteY91"/>
-                </a:cxn>
-                <a:cxn ang="0">
-                  <a:pos x="connsiteX92" y="connsiteY92"/>
-                </a:cxn>
-                <a:cxn ang="0">
-                  <a:pos x="connsiteX93" y="connsiteY93"/>
-                </a:cxn>
-                <a:cxn ang="0">
-                  <a:pos x="connsiteX94" y="connsiteY94"/>
-                </a:cxn>
-                <a:cxn ang="0">
-                  <a:pos x="connsiteX95" y="connsiteY95"/>
-                </a:cxn>
-                <a:cxn ang="0">
-                  <a:pos x="connsiteX96" y="connsiteY96"/>
-                </a:cxn>
-                <a:cxn ang="0">
-                  <a:pos x="connsiteX97" y="connsiteY97"/>
-                </a:cxn>
-                <a:cxn ang="0">
-                  <a:pos x="connsiteX98" y="connsiteY98"/>
-                </a:cxn>
-                <a:cxn ang="0">
-                  <a:pos x="connsiteX99" y="connsiteY99"/>
-                </a:cxn>
-                <a:cxn ang="0">
-                  <a:pos x="connsiteX100" y="connsiteY100"/>
-                </a:cxn>
-                <a:cxn ang="0">
-                  <a:pos x="connsiteX101" y="connsiteY101"/>
-                </a:cxn>
-                <a:cxn ang="0">
-                  <a:pos x="connsiteX102" y="connsiteY102"/>
-                </a:cxn>
-                <a:cxn ang="0">
-                  <a:pos x="connsiteX103" y="connsiteY103"/>
-                </a:cxn>
-                <a:cxn ang="0">
-                  <a:pos x="connsiteX104" y="connsiteY104"/>
-                </a:cxn>
-                <a:cxn ang="0">
-                  <a:pos x="connsiteX105" y="connsiteY105"/>
-                </a:cxn>
-                <a:cxn ang="0">
-                  <a:pos x="connsiteX106" y="connsiteY106"/>
-                </a:cxn>
-                <a:cxn ang="0">
-                  <a:pos x="connsiteX107" y="connsiteY107"/>
-                </a:cxn>
-                <a:cxn ang="0">
-                  <a:pos x="connsiteX108" y="connsiteY108"/>
-                </a:cxn>
-                <a:cxn ang="0">
-                  <a:pos x="connsiteX109" y="connsiteY109"/>
-                </a:cxn>
-                <a:cxn ang="0">
-                  <a:pos x="connsiteX110" y="connsiteY110"/>
-                </a:cxn>
-                <a:cxn ang="0">
-                  <a:pos x="connsiteX111" y="connsiteY111"/>
-                </a:cxn>
-                <a:cxn ang="0">
-                  <a:pos x="connsiteX112" y="connsiteY112"/>
-                </a:cxn>
-                <a:cxn ang="0">
-                  <a:pos x="connsiteX113" y="connsiteY113"/>
-                </a:cxn>
-                <a:cxn ang="0">
-                  <a:pos x="connsiteX114" y="connsiteY114"/>
-                </a:cxn>
-                <a:cxn ang="0">
-                  <a:pos x="connsiteX115" y="connsiteY115"/>
-                </a:cxn>
-                <a:cxn ang="0">
-                  <a:pos x="connsiteX116" y="connsiteY116"/>
-                </a:cxn>
-                <a:cxn ang="0">
-                  <a:pos x="connsiteX117" y="connsiteY117"/>
-                </a:cxn>
-                <a:cxn ang="0">
-                  <a:pos x="connsiteX118" y="connsiteY118"/>
-                </a:cxn>
-                <a:cxn ang="0">
-                  <a:pos x="connsiteX119" y="connsiteY119"/>
-                </a:cxn>
-                <a:cxn ang="0">
-                  <a:pos x="connsiteX120" y="connsiteY120"/>
-                </a:cxn>
-                <a:cxn ang="0">
-                  <a:pos x="connsiteX121" y="connsiteY121"/>
-                </a:cxn>
-                <a:cxn ang="0">
-                  <a:pos x="connsiteX122" y="connsiteY122"/>
-                </a:cxn>
-                <a:cxn ang="0">
-                  <a:pos x="connsiteX123" y="connsiteY123"/>
-                </a:cxn>
-                <a:cxn ang="0">
-                  <a:pos x="connsiteX124" y="connsiteY124"/>
-                </a:cxn>
-                <a:cxn ang="0">
-                  <a:pos x="connsiteX125" y="connsiteY125"/>
-                </a:cxn>
-                <a:cxn ang="0">
-                  <a:pos x="connsiteX126" y="connsiteY126"/>
-                </a:cxn>
-                <a:cxn ang="0">
-                  <a:pos x="connsiteX127" y="connsiteY127"/>
-                </a:cxn>
-                <a:cxn ang="0">
-                  <a:pos x="connsiteX128" y="connsiteY128"/>
-                </a:cxn>
-                <a:cxn ang="0">
-                  <a:pos x="connsiteX129" y="connsiteY129"/>
-                </a:cxn>
-                <a:cxn ang="0">
-                  <a:pos x="connsiteX130" y="connsiteY130"/>
-                </a:cxn>
-                <a:cxn ang="0">
-                  <a:pos x="connsiteX131" y="connsiteY131"/>
-                </a:cxn>
-                <a:cxn ang="0">
-                  <a:pos x="connsiteX132" y="connsiteY132"/>
-                </a:cxn>
-                <a:cxn ang="0">
-                  <a:pos x="connsiteX133" y="connsiteY133"/>
-                </a:cxn>
-                <a:cxn ang="0">
-                  <a:pos x="connsiteX134" y="connsiteY134"/>
-                </a:cxn>
-                <a:cxn ang="0">
-                  <a:pos x="connsiteX135" y="connsiteY135"/>
-                </a:cxn>
-                <a:cxn ang="0">
-                  <a:pos x="connsiteX136" y="connsiteY136"/>
-                </a:cxn>
-                <a:cxn ang="0">
-                  <a:pos x="connsiteX137" y="connsiteY137"/>
-                </a:cxn>
-                <a:cxn ang="0">
-                  <a:pos x="connsiteX138" y="connsiteY138"/>
-                </a:cxn>
-                <a:cxn ang="0">
-                  <a:pos x="connsiteX139" y="connsiteY139"/>
-                </a:cxn>
-                <a:cxn ang="0">
-                  <a:pos x="connsiteX140" y="connsiteY140"/>
-                </a:cxn>
-                <a:cxn ang="0">
-                  <a:pos x="connsiteX141" y="connsiteY141"/>
-                </a:cxn>
-                <a:cxn ang="0">
-                  <a:pos x="connsiteX142" y="connsiteY142"/>
-                </a:cxn>
-                <a:cxn ang="0">
-                  <a:pos x="connsiteX143" y="connsiteY143"/>
-                </a:cxn>
-                <a:cxn ang="0">
-                  <a:pos x="connsiteX144" y="connsiteY144"/>
-                </a:cxn>
-                <a:cxn ang="0">
-                  <a:pos x="connsiteX145" y="connsiteY145"/>
-                </a:cxn>
-              </a:cxnLst>
-              <a:rect l="l" t="t" r="r" b="b"/>
-              <a:pathLst>
-                <a:path w="5890489" h="6578438">
-                  <a:moveTo>
-                    <a:pt x="3391253" y="0"/>
-                  </a:moveTo>
-                  <a:lnTo>
-                    <a:pt x="3434974" y="646"/>
-                  </a:lnTo>
-                  <a:lnTo>
-                    <a:pt x="3522419" y="2712"/>
-                  </a:lnTo>
-                  <a:cubicBezTo>
-                    <a:pt x="3551567" y="3488"/>
-                    <a:pt x="3580451" y="3746"/>
-                    <a:pt x="3610261" y="6458"/>
-                  </a:cubicBezTo>
-                  <a:cubicBezTo>
-                    <a:pt x="3669353" y="10850"/>
-                    <a:pt x="3728179" y="14337"/>
-                    <a:pt x="3786872" y="20667"/>
-                  </a:cubicBezTo>
-                  <a:lnTo>
-                    <a:pt x="3962291" y="43530"/>
-                  </a:lnTo>
-                  <a:lnTo>
-                    <a:pt x="4135855" y="75176"/>
-                  </a:lnTo>
-                  <a:cubicBezTo>
-                    <a:pt x="4193224" y="87836"/>
-                    <a:pt x="4250328" y="101398"/>
-                    <a:pt x="4307299" y="114315"/>
-                  </a:cubicBezTo>
-                  <a:cubicBezTo>
-                    <a:pt x="4364139" y="128394"/>
-                    <a:pt x="4420050" y="145575"/>
-                    <a:pt x="4476358" y="160816"/>
-                  </a:cubicBezTo>
-                  <a:cubicBezTo>
-                    <a:pt x="4504580" y="167921"/>
-                    <a:pt x="4532138" y="177995"/>
-                    <a:pt x="4559829" y="186779"/>
-                  </a:cubicBezTo>
-                  <a:lnTo>
-                    <a:pt x="4642901" y="213648"/>
-                  </a:lnTo>
-                  <a:cubicBezTo>
-                    <a:pt x="4863234" y="288307"/>
-                    <a:pt x="5076414" y="379371"/>
-                    <a:pt x="5280847" y="485936"/>
-                  </a:cubicBezTo>
-                  <a:cubicBezTo>
-                    <a:pt x="5485018" y="592631"/>
-                    <a:pt x="5681768" y="713145"/>
-                    <a:pt x="5865400" y="851099"/>
-                  </a:cubicBezTo>
-                  <a:lnTo>
-                    <a:pt x="5890489" y="870950"/>
-                  </a:lnTo>
-                  <a:lnTo>
-                    <a:pt x="5890489" y="1321814"/>
-                  </a:lnTo>
-                  <a:lnTo>
-                    <a:pt x="5887395" y="1318952"/>
-                  </a:lnTo>
-                  <a:lnTo>
-                    <a:pt x="5830291" y="1265992"/>
-                  </a:lnTo>
-                  <a:lnTo>
-                    <a:pt x="5815981" y="1252687"/>
-                  </a:lnTo>
-                  <a:lnTo>
-                    <a:pt x="5801142" y="1240158"/>
-                  </a:lnTo>
-                  <a:lnTo>
-                    <a:pt x="5771464" y="1214969"/>
-                  </a:lnTo>
-                  <a:cubicBezTo>
-                    <a:pt x="5731849" y="1181385"/>
-                    <a:pt x="5692897" y="1146896"/>
-                    <a:pt x="5651030" y="1115767"/>
-                  </a:cubicBezTo>
-                  <a:cubicBezTo>
-                    <a:pt x="5487534" y="986985"/>
-                    <a:pt x="5311321" y="872542"/>
-                    <a:pt x="5123183" y="780443"/>
-                  </a:cubicBezTo>
-                  <a:cubicBezTo>
-                    <a:pt x="4935309" y="688087"/>
-                    <a:pt x="4737102" y="616398"/>
-                    <a:pt x="4533860" y="567701"/>
-                  </a:cubicBezTo>
-                  <a:lnTo>
-                    <a:pt x="4457281" y="550780"/>
-                  </a:lnTo>
-                  <a:cubicBezTo>
-                    <a:pt x="4431709" y="545484"/>
-                    <a:pt x="4406536" y="538896"/>
-                    <a:pt x="4380568" y="535279"/>
-                  </a:cubicBezTo>
-                  <a:lnTo>
-                    <a:pt x="4303325" y="522879"/>
-                  </a:lnTo>
-                  <a:lnTo>
-                    <a:pt x="4264769" y="516679"/>
-                  </a:lnTo>
-                  <a:cubicBezTo>
-                    <a:pt x="4251918" y="514612"/>
-                    <a:pt x="4239067" y="512415"/>
-                    <a:pt x="4226082" y="511253"/>
-                  </a:cubicBezTo>
-                  <a:cubicBezTo>
-                    <a:pt x="4174145" y="505829"/>
-                    <a:pt x="4122606" y="499498"/>
-                    <a:pt x="4070934" y="494848"/>
-                  </a:cubicBezTo>
-                  <a:lnTo>
-                    <a:pt x="3915521" y="486065"/>
-                  </a:lnTo>
-                  <a:lnTo>
-                    <a:pt x="3760241" y="484257"/>
-                  </a:lnTo>
-                  <a:cubicBezTo>
-                    <a:pt x="3734405" y="483869"/>
-                    <a:pt x="3708571" y="485936"/>
-                    <a:pt x="3682734" y="486581"/>
-                  </a:cubicBezTo>
-                  <a:lnTo>
-                    <a:pt x="3605491" y="488907"/>
-                  </a:lnTo>
-                  <a:cubicBezTo>
-                    <a:pt x="3579921" y="489165"/>
-                    <a:pt x="3553555" y="491490"/>
-                    <a:pt x="3527454" y="493169"/>
-                  </a:cubicBezTo>
-                  <a:lnTo>
-                    <a:pt x="3449151" y="498336"/>
-                  </a:lnTo>
-                  <a:lnTo>
-                    <a:pt x="3410067" y="500532"/>
-                  </a:lnTo>
-                  <a:lnTo>
-                    <a:pt x="3371246" y="504279"/>
-                  </a:lnTo>
-                  <a:cubicBezTo>
-                    <a:pt x="3345410" y="506862"/>
-                    <a:pt x="3319575" y="509315"/>
-                    <a:pt x="3293739" y="511512"/>
-                  </a:cubicBezTo>
-                  <a:cubicBezTo>
-                    <a:pt x="3087450" y="531662"/>
-                    <a:pt x="2885531" y="563180"/>
-                    <a:pt x="2689445" y="610198"/>
-                  </a:cubicBezTo>
-                  <a:cubicBezTo>
-                    <a:pt x="2493357" y="657344"/>
-                    <a:pt x="2302303" y="719088"/>
-                    <a:pt x="2117875" y="800335"/>
-                  </a:cubicBezTo>
-                  <a:cubicBezTo>
-                    <a:pt x="2072298" y="821648"/>
-                    <a:pt x="2026854" y="843606"/>
-                    <a:pt x="1981276" y="865566"/>
-                  </a:cubicBezTo>
-                  <a:cubicBezTo>
-                    <a:pt x="1937025" y="889978"/>
-                    <a:pt x="1891978" y="913229"/>
-                    <a:pt x="1847991" y="938676"/>
-                  </a:cubicBezTo>
-                  <a:lnTo>
-                    <a:pt x="1783069" y="978718"/>
-                  </a:lnTo>
-                  <a:lnTo>
-                    <a:pt x="1750609" y="998869"/>
-                  </a:lnTo>
-                  <a:lnTo>
-                    <a:pt x="1734312" y="1008945"/>
-                  </a:lnTo>
-                  <a:lnTo>
-                    <a:pt x="1718547" y="1019924"/>
-                  </a:lnTo>
-                  <a:lnTo>
-                    <a:pt x="1655481" y="1063582"/>
-                  </a:lnTo>
-                  <a:cubicBezTo>
-                    <a:pt x="1634414" y="1078178"/>
-                    <a:pt x="1612950" y="1092259"/>
-                    <a:pt x="1593077" y="1108664"/>
-                  </a:cubicBezTo>
-                  <a:lnTo>
-                    <a:pt x="1532263" y="1156197"/>
-                  </a:lnTo>
-                  <a:cubicBezTo>
-                    <a:pt x="1511992" y="1172085"/>
-                    <a:pt x="1491587" y="1187844"/>
-                    <a:pt x="1472509" y="1205152"/>
-                  </a:cubicBezTo>
-                  <a:lnTo>
-                    <a:pt x="1414212" y="1256175"/>
-                  </a:lnTo>
-                  <a:cubicBezTo>
-                    <a:pt x="1395001" y="1273354"/>
-                    <a:pt x="1375127" y="1290147"/>
-                    <a:pt x="1357242" y="1308359"/>
-                  </a:cubicBezTo>
-                  <a:cubicBezTo>
-                    <a:pt x="1283178" y="1379532"/>
-                    <a:pt x="1212163" y="1452513"/>
-                    <a:pt x="1153072" y="1529498"/>
-                  </a:cubicBezTo>
-                  <a:cubicBezTo>
-                    <a:pt x="1090933" y="1605578"/>
-                    <a:pt x="1043501" y="1685794"/>
-                    <a:pt x="1002694" y="1770658"/>
-                  </a:cubicBezTo>
-                  <a:lnTo>
-                    <a:pt x="974076" y="1835371"/>
-                  </a:lnTo>
-                  <a:lnTo>
-                    <a:pt x="949564" y="1903573"/>
-                  </a:lnTo>
-                  <a:cubicBezTo>
-                    <a:pt x="940820" y="1925661"/>
-                    <a:pt x="934593" y="1950719"/>
-                    <a:pt x="927173" y="1974229"/>
-                  </a:cubicBezTo>
-                  <a:cubicBezTo>
-                    <a:pt x="920019" y="1998254"/>
-                    <a:pt x="912468" y="2021504"/>
-                    <a:pt x="906107" y="2046952"/>
-                  </a:cubicBezTo>
-                  <a:cubicBezTo>
-                    <a:pt x="853906" y="2245614"/>
-                    <a:pt x="809918" y="2463136"/>
-                    <a:pt x="751092" y="2676266"/>
-                  </a:cubicBezTo>
-                  <a:cubicBezTo>
-                    <a:pt x="693458" y="2889912"/>
-                    <a:pt x="624166" y="3100976"/>
-                    <a:pt x="547189" y="3308422"/>
-                  </a:cubicBezTo>
-                  <a:cubicBezTo>
-                    <a:pt x="479617" y="3487580"/>
-                    <a:pt x="444109" y="3675523"/>
-                    <a:pt x="441195" y="3866306"/>
-                  </a:cubicBezTo>
-                  <a:cubicBezTo>
-                    <a:pt x="438014" y="4057089"/>
-                    <a:pt x="469282" y="4250456"/>
-                    <a:pt x="527182" y="4439174"/>
-                  </a:cubicBezTo>
-                  <a:cubicBezTo>
-                    <a:pt x="584815" y="4628278"/>
-                    <a:pt x="671067" y="4811828"/>
-                    <a:pt x="775073" y="4987240"/>
-                  </a:cubicBezTo>
-                  <a:cubicBezTo>
-                    <a:pt x="827009" y="5075075"/>
-                    <a:pt x="884246" y="5160327"/>
-                    <a:pt x="943206" y="5244933"/>
-                  </a:cubicBezTo>
-                  <a:cubicBezTo>
-                    <a:pt x="1002296" y="5329411"/>
-                    <a:pt x="1064964" y="5412337"/>
-                    <a:pt x="1133728" y="5490356"/>
-                  </a:cubicBezTo>
-                  <a:cubicBezTo>
-                    <a:pt x="1203949" y="5567728"/>
-                    <a:pt x="1279337" y="5642259"/>
-                    <a:pt x="1359626" y="5709815"/>
-                  </a:cubicBezTo>
-                  <a:cubicBezTo>
-                    <a:pt x="1398711" y="5744949"/>
-                    <a:pt x="1439916" y="5777241"/>
-                    <a:pt x="1481254" y="5809146"/>
-                  </a:cubicBezTo>
-                  <a:cubicBezTo>
-                    <a:pt x="1501922" y="5825163"/>
-                    <a:pt x="1522325" y="5841309"/>
-                    <a:pt x="1543260" y="5856940"/>
-                  </a:cubicBezTo>
-                  <a:cubicBezTo>
-                    <a:pt x="1564591" y="5871923"/>
-                    <a:pt x="1585921" y="5886777"/>
-                    <a:pt x="1607518" y="5901374"/>
-                  </a:cubicBezTo>
-                  <a:cubicBezTo>
-                    <a:pt x="1778565" y="6019693"/>
-                    <a:pt x="1961271" y="6115924"/>
-                    <a:pt x="2145566" y="6193814"/>
-                  </a:cubicBezTo>
-                  <a:lnTo>
-                    <a:pt x="2214991" y="6221844"/>
-                  </a:lnTo>
-                  <a:lnTo>
-                    <a:pt x="2249307" y="6236182"/>
-                  </a:lnTo>
-                  <a:cubicBezTo>
-                    <a:pt x="2260702" y="6241089"/>
-                    <a:pt x="2272625" y="6244577"/>
-                    <a:pt x="2284285" y="6248711"/>
-                  </a:cubicBezTo>
-                  <a:lnTo>
-                    <a:pt x="2354241" y="6273124"/>
-                  </a:lnTo>
-                  <a:cubicBezTo>
-                    <a:pt x="2360070" y="6275190"/>
-                    <a:pt x="2365899" y="6277128"/>
-                    <a:pt x="2371597" y="6279324"/>
-                  </a:cubicBezTo>
-                  <a:cubicBezTo>
-                    <a:pt x="2377161" y="6281778"/>
-                    <a:pt x="2382329" y="6285007"/>
-                    <a:pt x="2387894" y="6287719"/>
-                  </a:cubicBezTo>
-                  <a:cubicBezTo>
-                    <a:pt x="2398757" y="6293274"/>
-                    <a:pt x="2410153" y="6297666"/>
-                    <a:pt x="2421414" y="6302186"/>
-                  </a:cubicBezTo>
-                  <a:lnTo>
-                    <a:pt x="2489117" y="6329441"/>
-                  </a:lnTo>
-                  <a:lnTo>
-                    <a:pt x="2522902" y="6343134"/>
-                  </a:lnTo>
-                  <a:cubicBezTo>
-                    <a:pt x="2534165" y="6347654"/>
-                    <a:pt x="2545294" y="6352563"/>
-                    <a:pt x="2556953" y="6356051"/>
-                  </a:cubicBezTo>
-                  <a:lnTo>
-                    <a:pt x="2695009" y="6401905"/>
-                  </a:lnTo>
-                  <a:cubicBezTo>
-                    <a:pt x="2880895" y="6457190"/>
-                    <a:pt x="3073141" y="6489095"/>
-                    <a:pt x="3268035" y="6501238"/>
-                  </a:cubicBezTo>
-                  <a:cubicBezTo>
-                    <a:pt x="3292413" y="6502659"/>
-                    <a:pt x="3316527" y="6505629"/>
-                    <a:pt x="3341038" y="6506145"/>
-                  </a:cubicBezTo>
-                  <a:lnTo>
-                    <a:pt x="3414703" y="6507050"/>
-                  </a:lnTo>
-                  <a:lnTo>
-                    <a:pt x="3488237" y="6508212"/>
-                  </a:lnTo>
-                  <a:cubicBezTo>
-                    <a:pt x="3500690" y="6508729"/>
-                    <a:pt x="3512483" y="6508471"/>
-                    <a:pt x="3524142" y="6507955"/>
-                  </a:cubicBezTo>
-                  <a:lnTo>
-                    <a:pt x="3559252" y="6506921"/>
-                  </a:lnTo>
-                  <a:cubicBezTo>
-                    <a:pt x="3582835" y="6506792"/>
-                    <a:pt x="3605889" y="6504467"/>
-                    <a:pt x="3629207" y="6503045"/>
-                  </a:cubicBezTo>
-                  <a:cubicBezTo>
-                    <a:pt x="3652526" y="6502012"/>
-                    <a:pt x="3675579" y="6499171"/>
-                    <a:pt x="3698633" y="6496845"/>
-                  </a:cubicBezTo>
-                  <a:cubicBezTo>
-                    <a:pt x="3710160" y="6495683"/>
-                    <a:pt x="3721819" y="6494907"/>
-                    <a:pt x="3733213" y="6493357"/>
-                  </a:cubicBezTo>
-                  <a:lnTo>
-                    <a:pt x="3767529" y="6488707"/>
-                  </a:lnTo>
-                  <a:lnTo>
-                    <a:pt x="3801845" y="6484057"/>
-                  </a:lnTo>
-                  <a:lnTo>
-                    <a:pt x="3835895" y="6478116"/>
-                  </a:lnTo>
-                  <a:cubicBezTo>
-                    <a:pt x="4017673" y="6446727"/>
-                    <a:pt x="4194152" y="6390281"/>
-                    <a:pt x="4364801" y="6308517"/>
-                  </a:cubicBezTo>
-                  <a:cubicBezTo>
-                    <a:pt x="4535583" y="6227139"/>
-                    <a:pt x="4700138" y="6120962"/>
-                    <a:pt x="4861379" y="6000576"/>
-                  </a:cubicBezTo>
-                  <a:cubicBezTo>
-                    <a:pt x="5022621" y="5879931"/>
-                    <a:pt x="5180684" y="5745337"/>
-                    <a:pt x="5341263" y="5605834"/>
-                  </a:cubicBezTo>
-                  <a:lnTo>
-                    <a:pt x="5587301" y="5390379"/>
-                  </a:lnTo>
-                  <a:cubicBezTo>
-                    <a:pt x="5674216" y="5315718"/>
-                    <a:pt x="5761527" y="5244416"/>
-                    <a:pt x="5849105" y="5176344"/>
-                  </a:cubicBezTo>
-                  <a:lnTo>
-                    <a:pt x="5890489" y="5145260"/>
-                  </a:lnTo>
-                  <a:lnTo>
-                    <a:pt x="5890489" y="5995323"/>
-                  </a:lnTo>
-                  <a:lnTo>
-                    <a:pt x="5811477" y="6077819"/>
-                  </a:lnTo>
-                  <a:cubicBezTo>
-                    <a:pt x="5654739" y="6238377"/>
-                    <a:pt x="5487138" y="6396093"/>
-                    <a:pt x="5301384" y="6542958"/>
-                  </a:cubicBezTo>
-                  <a:lnTo>
-                    <a:pt x="5252008" y="6578438"/>
-                  </a:lnTo>
-                  <a:lnTo>
-                    <a:pt x="1653730" y="6578438"/>
-                  </a:lnTo>
-                  <a:lnTo>
-                    <a:pt x="1549768" y="6488821"/>
-                  </a:lnTo>
-                  <a:cubicBezTo>
-                    <a:pt x="1461976" y="6409495"/>
-                    <a:pt x="1378573" y="6327182"/>
-                    <a:pt x="1298282" y="6243932"/>
-                  </a:cubicBezTo>
-                  <a:cubicBezTo>
-                    <a:pt x="1278277" y="6223006"/>
-                    <a:pt x="1258138" y="6202210"/>
-                    <a:pt x="1237999" y="6181671"/>
-                  </a:cubicBezTo>
-                  <a:lnTo>
-                    <a:pt x="1179967" y="6117862"/>
-                  </a:lnTo>
-                  <a:lnTo>
-                    <a:pt x="1121936" y="6054569"/>
-                  </a:lnTo>
-                  <a:cubicBezTo>
-                    <a:pt x="1102328" y="6033644"/>
-                    <a:pt x="1084573" y="6011427"/>
-                    <a:pt x="1065628" y="5990243"/>
-                  </a:cubicBezTo>
-                  <a:cubicBezTo>
-                    <a:pt x="1028662" y="5947099"/>
-                    <a:pt x="990239" y="5904991"/>
-                    <a:pt x="954335" y="5861460"/>
-                  </a:cubicBezTo>
-                  <a:cubicBezTo>
-                    <a:pt x="936050" y="5840018"/>
-                    <a:pt x="917634" y="5818446"/>
-                    <a:pt x="898953" y="5797393"/>
-                  </a:cubicBezTo>
-                  <a:cubicBezTo>
-                    <a:pt x="880404" y="5776208"/>
-                    <a:pt x="861325" y="5755412"/>
-                    <a:pt x="842908" y="5733582"/>
-                  </a:cubicBezTo>
-                  <a:cubicBezTo>
-                    <a:pt x="767919" y="5647942"/>
-                    <a:pt x="693061" y="5561786"/>
-                    <a:pt x="622442" y="5471884"/>
-                  </a:cubicBezTo>
-                  <a:cubicBezTo>
-                    <a:pt x="551559" y="5382112"/>
-                    <a:pt x="486639" y="5287430"/>
-                    <a:pt x="425559" y="5190036"/>
-                  </a:cubicBezTo>
-                  <a:cubicBezTo>
-                    <a:pt x="303668" y="4994990"/>
-                    <a:pt x="200193" y="4786123"/>
-                    <a:pt x="123877" y="4564210"/>
-                  </a:cubicBezTo>
-                  <a:cubicBezTo>
-                    <a:pt x="47694" y="4342555"/>
-                    <a:pt x="2249" y="4106045"/>
-                    <a:pt x="130" y="3865530"/>
-                  </a:cubicBezTo>
-                  <a:cubicBezTo>
-                    <a:pt x="-1328" y="3745403"/>
-                    <a:pt x="9537" y="3624629"/>
-                    <a:pt x="30602" y="3505793"/>
-                  </a:cubicBezTo>
-                  <a:cubicBezTo>
-                    <a:pt x="51802" y="3386828"/>
-                    <a:pt x="84659" y="3270059"/>
-                    <a:pt x="126924" y="3157164"/>
-                  </a:cubicBezTo>
-                  <a:cubicBezTo>
-                    <a:pt x="200457" y="2959276"/>
-                    <a:pt x="271737" y="2761388"/>
-                    <a:pt x="334803" y="2560530"/>
-                  </a:cubicBezTo>
-                  <a:lnTo>
-                    <a:pt x="381176" y="2409144"/>
-                  </a:lnTo>
-                  <a:lnTo>
-                    <a:pt x="425825" y="2255819"/>
-                  </a:lnTo>
-                  <a:lnTo>
-                    <a:pt x="470210" y="2099523"/>
-                  </a:lnTo>
-                  <a:lnTo>
-                    <a:pt x="492998" y="2020213"/>
-                  </a:lnTo>
-                  <a:lnTo>
-                    <a:pt x="517509" y="1939224"/>
-                  </a:lnTo>
-                  <a:cubicBezTo>
-                    <a:pt x="525061" y="1912485"/>
-                    <a:pt x="534866" y="1884586"/>
-                    <a:pt x="544007" y="1857201"/>
-                  </a:cubicBezTo>
-                  <a:cubicBezTo>
-                    <a:pt x="553680" y="1829559"/>
-                    <a:pt x="561496" y="1802304"/>
-                    <a:pt x="573288" y="1774274"/>
-                  </a:cubicBezTo>
-                  <a:lnTo>
-                    <a:pt x="606146" y="1690832"/>
-                  </a:lnTo>
-                  <a:cubicBezTo>
-                    <a:pt x="618467" y="1663060"/>
-                    <a:pt x="631716" y="1635417"/>
-                    <a:pt x="644569" y="1607775"/>
-                  </a:cubicBezTo>
-                  <a:cubicBezTo>
-                    <a:pt x="698625" y="1498368"/>
-                    <a:pt x="763413" y="1391287"/>
-                    <a:pt x="837874" y="1297638"/>
-                  </a:cubicBezTo>
-                  <a:cubicBezTo>
-                    <a:pt x="910348" y="1201278"/>
-                    <a:pt x="990107" y="1115897"/>
-                    <a:pt x="1069602" y="1032194"/>
-                  </a:cubicBezTo>
-                  <a:cubicBezTo>
-                    <a:pt x="1089079" y="1010624"/>
-                    <a:pt x="1110012" y="990990"/>
-                    <a:pt x="1130548" y="970839"/>
-                  </a:cubicBezTo>
-                  <a:lnTo>
-                    <a:pt x="1192024" y="910129"/>
-                  </a:lnTo>
-                  <a:cubicBezTo>
-                    <a:pt x="1212031" y="889462"/>
-                    <a:pt x="1234024" y="870475"/>
-                    <a:pt x="1255356" y="850841"/>
-                  </a:cubicBezTo>
-                  <a:lnTo>
-                    <a:pt x="1319614" y="792068"/>
-                  </a:lnTo>
-                  <a:cubicBezTo>
-                    <a:pt x="1340680" y="772176"/>
-                    <a:pt x="1363469" y="753834"/>
-                    <a:pt x="1385728" y="734975"/>
-                  </a:cubicBezTo>
-                  <a:lnTo>
-                    <a:pt x="1452768" y="678528"/>
-                  </a:lnTo>
-                  <a:lnTo>
-                    <a:pt x="1469594" y="664449"/>
-                  </a:lnTo>
-                  <a:lnTo>
-                    <a:pt x="1487083" y="651015"/>
-                  </a:lnTo>
-                  <a:lnTo>
-                    <a:pt x="1522193" y="624277"/>
-                  </a:lnTo>
-                  <a:lnTo>
-                    <a:pt x="1592415" y="570671"/>
-                  </a:lnTo>
-                  <a:cubicBezTo>
-                    <a:pt x="1640110" y="535925"/>
-                    <a:pt x="1689531" y="503245"/>
-                    <a:pt x="1738287" y="469402"/>
-                  </a:cubicBezTo>
-                  <a:cubicBezTo>
-                    <a:pt x="1788634" y="438015"/>
-                    <a:pt x="1839643" y="407013"/>
-                    <a:pt x="1890918" y="376530"/>
-                  </a:cubicBezTo>
-                  <a:cubicBezTo>
-                    <a:pt x="2098400" y="258209"/>
-                    <a:pt x="2323503" y="166241"/>
-                    <a:pt x="2555363" y="105274"/>
-                  </a:cubicBezTo>
-                  <a:cubicBezTo>
-                    <a:pt x="2787223" y="44047"/>
-                    <a:pt x="3024516" y="12013"/>
-                    <a:pt x="3259291" y="3229"/>
-                  </a:cubicBezTo>
-                  <a:lnTo>
-                    <a:pt x="3347265" y="903"/>
-                  </a:lnTo>
-                  <a:close/>
-                </a:path>
-              </a:pathLst>
-            </a:custGeom>
-            <a:gradFill flip="none" rotWithShape="1">
-              <a:gsLst>
-                <a:gs pos="2000">
-                  <a:schemeClr val="bg1">
-                    <a:alpha val="10000"/>
-                  </a:schemeClr>
-                </a:gs>
-                <a:gs pos="16000">
-                  <a:schemeClr val="accent6">
-                    <a:alpha val="5000"/>
-                  </a:schemeClr>
-                </a:gs>
-                <a:gs pos="100000">
-                  <a:schemeClr val="bg1">
-                    <a:alpha val="10000"/>
-                  </a:schemeClr>
-                </a:gs>
-                <a:gs pos="85000">
-                  <a:schemeClr val="accent1">
-                    <a:alpha val="5000"/>
-                  </a:schemeClr>
-                </a:gs>
-              </a:gsLst>
-              <a:lin ang="12000000" scaled="0"/>
-              <a:tileRect/>
-            </a:gradFill>
-            <a:ln>
-              <a:noFill/>
-            </a:ln>
-          </p:spPr>
-          <p:style>
-            <a:lnRef idx="2">
-              <a:schemeClr val="accent1">
-                <a:shade val="50000"/>
-              </a:schemeClr>
-            </a:lnRef>
-            <a:fillRef idx="1">
-              <a:schemeClr val="accent1"/>
-            </a:fillRef>
-            <a:effectRef idx="0">
-              <a:schemeClr val="accent1"/>
-            </a:effectRef>
-            <a:fontRef idx="minor">
-              <a:schemeClr val="lt1"/>
-            </a:fontRef>
-          </p:style>
-          <p:txBody>
-            <a:bodyPr rtlCol="0" anchor="ctr"/>
-            <a:lstStyle/>
-            <a:p>
-              <a:pPr algn="ctr"/>
-              <a:endParaRPr lang="en-US"/>
-            </a:p>
-          </p:txBody>
-        </p:sp>
-        <p:sp>
-          <p:nvSpPr>
-            <p:cNvPr id="16" name="Freeform: Shape 15">
-              <a:extLst>
-                <a:ext uri="{FF2B5EF4-FFF2-40B4-BE49-F238E27FC236}">
-                  <a16:creationId xmlns:a16="http://schemas.microsoft.com/office/drawing/2014/main" id="{27CCEAF3-651B-4605-AE58-F96E22703636}"/>
-                </a:ext>
-                <a:ext uri="{C183D7F6-B498-43B3-948B-1728B52AA6E4}">
-                  <adec:decorative xmlns:adec="http://schemas.microsoft.com/office/drawing/2017/decorative" val="1"/>
-                </a:ext>
-              </a:extLst>
-            </p:cNvPr>
-            <p:cNvSpPr/>
-            <p:nvPr>
-              <p:extLst>
-                <p:ext uri="{386F3935-93C4-4BCD-93E2-E3B085C9AB24}">
-                  <p16:designElem xmlns:p16="http://schemas.microsoft.com/office/powerpoint/2015/main" val="1"/>
-                </p:ext>
-              </p:extLst>
-            </p:nvPr>
-          </p:nvSpPr>
-          <p:spPr>
-            <a:xfrm>
-              <a:off x="6101023" y="52997"/>
-              <a:ext cx="6093363" cy="6805004"/>
-            </a:xfrm>
-            <a:custGeom>
-              <a:avLst/>
-              <a:gdLst>
-                <a:gd name="connsiteX0" fmla="*/ 3517682 w 5890491"/>
-                <a:gd name="connsiteY0" fmla="*/ 0 h 6578439"/>
-                <a:gd name="connsiteX1" fmla="*/ 5849513 w 5890491"/>
-                <a:gd name="connsiteY1" fmla="*/ 841730 h 6578439"/>
-                <a:gd name="connsiteX2" fmla="*/ 5890491 w 5890491"/>
-                <a:gd name="connsiteY2" fmla="*/ 879061 h 6578439"/>
-                <a:gd name="connsiteX3" fmla="*/ 5890491 w 5890491"/>
-                <a:gd name="connsiteY3" fmla="*/ 2034114 h 6578439"/>
-                <a:gd name="connsiteX4" fmla="*/ 5757065 w 5890491"/>
-                <a:gd name="connsiteY4" fmla="*/ 1854938 h 6578439"/>
-                <a:gd name="connsiteX5" fmla="*/ 5564060 w 5890491"/>
-                <a:gd name="connsiteY5" fmla="*/ 1642182 h 6578439"/>
-                <a:gd name="connsiteX6" fmla="*/ 3517551 w 5890491"/>
-                <a:gd name="connsiteY6" fmla="*/ 790012 h 6578439"/>
-                <a:gd name="connsiteX7" fmla="*/ 1611552 w 5890491"/>
-                <a:gd name="connsiteY7" fmla="*/ 1543282 h 6578439"/>
-                <a:gd name="connsiteX8" fmla="*/ 1340656 w 5890491"/>
-                <a:gd name="connsiteY8" fmla="*/ 1897925 h 6578439"/>
-                <a:gd name="connsiteX9" fmla="*/ 1201705 w 5890491"/>
-                <a:gd name="connsiteY9" fmla="*/ 2361213 h 6578439"/>
-                <a:gd name="connsiteX10" fmla="*/ 852705 w 5890491"/>
-                <a:gd name="connsiteY10" fmla="*/ 3529176 h 6578439"/>
-                <a:gd name="connsiteX11" fmla="*/ 863863 w 5890491"/>
-                <a:gd name="connsiteY11" fmla="*/ 4437051 h 6578439"/>
-                <a:gd name="connsiteX12" fmla="*/ 1413569 w 5890491"/>
-                <a:gd name="connsiteY12" fmla="*/ 5357174 h 6578439"/>
-                <a:gd name="connsiteX13" fmla="*/ 2339129 w 5890491"/>
-                <a:gd name="connsiteY13" fmla="*/ 6143367 h 6578439"/>
-                <a:gd name="connsiteX14" fmla="*/ 3439449 w 5890491"/>
-                <a:gd name="connsiteY14" fmla="*/ 6420049 h 6578439"/>
-                <a:gd name="connsiteX15" fmla="*/ 5251388 w 5890491"/>
-                <a:gd name="connsiteY15" fmla="*/ 5349009 h 6578439"/>
-                <a:gd name="connsiteX16" fmla="*/ 5657731 w 5890491"/>
-                <a:gd name="connsiteY16" fmla="*/ 4959205 h 6578439"/>
-                <a:gd name="connsiteX17" fmla="*/ 5836127 w 5890491"/>
-                <a:gd name="connsiteY17" fmla="*/ 4792052 h 6578439"/>
-                <a:gd name="connsiteX18" fmla="*/ 5890491 w 5890491"/>
-                <a:gd name="connsiteY18" fmla="*/ 4738662 h 6578439"/>
-                <a:gd name="connsiteX19" fmla="*/ 5890491 w 5890491"/>
-                <a:gd name="connsiteY19" fmla="*/ 5821964 h 6578439"/>
-                <a:gd name="connsiteX20" fmla="*/ 5802001 w 5890491"/>
-                <a:gd name="connsiteY20" fmla="*/ 5907904 h 6578439"/>
-                <a:gd name="connsiteX21" fmla="*/ 5294358 w 5890491"/>
-                <a:gd name="connsiteY21" fmla="*/ 6397505 h 6578439"/>
-                <a:gd name="connsiteX22" fmla="*/ 5077178 w 5890491"/>
-                <a:gd name="connsiteY22" fmla="*/ 6578439 h 6578439"/>
-                <a:gd name="connsiteX23" fmla="*/ 1567290 w 5890491"/>
-                <a:gd name="connsiteY23" fmla="*/ 6578439 h 6578439"/>
-                <a:gd name="connsiteX24" fmla="*/ 1508588 w 5890491"/>
-                <a:gd name="connsiteY24" fmla="*/ 6535186 h 6578439"/>
-                <a:gd name="connsiteX25" fmla="*/ 826498 w 5890491"/>
-                <a:gd name="connsiteY25" fmla="*/ 5876034 h 6578439"/>
-                <a:gd name="connsiteX26" fmla="*/ 122403 w 5890491"/>
-                <a:gd name="connsiteY26" fmla="*/ 3255655 h 6578439"/>
-                <a:gd name="connsiteX27" fmla="*/ 1061197 w 5890491"/>
-                <a:gd name="connsiteY27" fmla="*/ 984650 h 6578439"/>
-                <a:gd name="connsiteX28" fmla="*/ 3517682 w 5890491"/>
-                <a:gd name="connsiteY28" fmla="*/ 0 h 6578439"/>
-              </a:gdLst>
-              <a:ahLst/>
-              <a:cxnLst>
-                <a:cxn ang="0">
-                  <a:pos x="connsiteX0" y="connsiteY0"/>
-                </a:cxn>
-                <a:cxn ang="0">
-                  <a:pos x="connsiteX1" y="connsiteY1"/>
-                </a:cxn>
-                <a:cxn ang="0">
-                  <a:pos x="connsiteX2" y="connsiteY2"/>
-                </a:cxn>
-                <a:cxn ang="0">
-                  <a:pos x="connsiteX3" y="connsiteY3"/>
-                </a:cxn>
-                <a:cxn ang="0">
-                  <a:pos x="connsiteX4" y="connsiteY4"/>
-                </a:cxn>
-                <a:cxn ang="0">
-                  <a:pos x="connsiteX5" y="connsiteY5"/>
-                </a:cxn>
-                <a:cxn ang="0">
-                  <a:pos x="connsiteX6" y="connsiteY6"/>
-                </a:cxn>
-                <a:cxn ang="0">
-                  <a:pos x="connsiteX7" y="connsiteY7"/>
-                </a:cxn>
-                <a:cxn ang="0">
-                  <a:pos x="connsiteX8" y="connsiteY8"/>
-                </a:cxn>
-                <a:cxn ang="0">
-                  <a:pos x="connsiteX9" y="connsiteY9"/>
-                </a:cxn>
-                <a:cxn ang="0">
-                  <a:pos x="connsiteX10" y="connsiteY10"/>
-                </a:cxn>
-                <a:cxn ang="0">
-                  <a:pos x="connsiteX11" y="connsiteY11"/>
-                </a:cxn>
-                <a:cxn ang="0">
-                  <a:pos x="connsiteX12" y="connsiteY12"/>
-                </a:cxn>
-                <a:cxn ang="0">
-                  <a:pos x="connsiteX13" y="connsiteY13"/>
-                </a:cxn>
-                <a:cxn ang="0">
-                  <a:pos x="connsiteX14" y="connsiteY14"/>
-                </a:cxn>
-                <a:cxn ang="0">
-                  <a:pos x="connsiteX15" y="connsiteY15"/>
-                </a:cxn>
-                <a:cxn ang="0">
-                  <a:pos x="connsiteX16" y="connsiteY16"/>
-                </a:cxn>
-                <a:cxn ang="0">
-                  <a:pos x="connsiteX17" y="connsiteY17"/>
-                </a:cxn>
-                <a:cxn ang="0">
-                  <a:pos x="connsiteX18" y="connsiteY18"/>
-                </a:cxn>
-                <a:cxn ang="0">
-                  <a:pos x="connsiteX19" y="connsiteY19"/>
-                </a:cxn>
-                <a:cxn ang="0">
-                  <a:pos x="connsiteX20" y="connsiteY20"/>
-                </a:cxn>
-                <a:cxn ang="0">
-                  <a:pos x="connsiteX21" y="connsiteY21"/>
-                </a:cxn>
-                <a:cxn ang="0">
-                  <a:pos x="connsiteX22" y="connsiteY22"/>
-                </a:cxn>
-                <a:cxn ang="0">
-                  <a:pos x="connsiteX23" y="connsiteY23"/>
-                </a:cxn>
-                <a:cxn ang="0">
-                  <a:pos x="connsiteX24" y="connsiteY24"/>
-                </a:cxn>
-                <a:cxn ang="0">
-                  <a:pos x="connsiteX25" y="connsiteY25"/>
-                </a:cxn>
-                <a:cxn ang="0">
-                  <a:pos x="connsiteX26" y="connsiteY26"/>
-                </a:cxn>
-                <a:cxn ang="0">
-                  <a:pos x="connsiteX27" y="connsiteY27"/>
-                </a:cxn>
-                <a:cxn ang="0">
-                  <a:pos x="connsiteX28" y="connsiteY28"/>
-                </a:cxn>
-              </a:cxnLst>
-              <a:rect l="l" t="t" r="r" b="b"/>
-              <a:pathLst>
-                <a:path w="5890491" h="6578439">
-                  <a:moveTo>
-                    <a:pt x="3517682" y="0"/>
-                  </a:moveTo>
-                  <a:cubicBezTo>
-                    <a:pt x="4402017" y="0"/>
-                    <a:pt x="5213742" y="315483"/>
-                    <a:pt x="5849513" y="841730"/>
-                  </a:cubicBezTo>
-                  <a:lnTo>
-                    <a:pt x="5890491" y="879061"/>
-                  </a:lnTo>
-                  <a:lnTo>
-                    <a:pt x="5890491" y="2034114"/>
-                  </a:lnTo>
-                  <a:lnTo>
-                    <a:pt x="5757065" y="1854938"/>
-                  </a:lnTo>
-                  <a:cubicBezTo>
-                    <a:pt x="5696443" y="1781264"/>
-                    <a:pt x="5632076" y="1710299"/>
-                    <a:pt x="5564060" y="1642182"/>
-                  </a:cubicBezTo>
-                  <a:cubicBezTo>
-                    <a:pt x="5015393" y="1092636"/>
-                    <a:pt x="4288592" y="790012"/>
-                    <a:pt x="3517551" y="790012"/>
-                  </a:cubicBezTo>
-                  <a:cubicBezTo>
-                    <a:pt x="2701750" y="790012"/>
-                    <a:pt x="2131676" y="1015335"/>
-                    <a:pt x="1611552" y="1543282"/>
-                  </a:cubicBezTo>
-                  <a:cubicBezTo>
-                    <a:pt x="1435754" y="1721722"/>
-                    <a:pt x="1375945" y="1822729"/>
-                    <a:pt x="1340656" y="1897925"/>
-                  </a:cubicBezTo>
-                  <a:cubicBezTo>
-                    <a:pt x="1289148" y="2007623"/>
-                    <a:pt x="1252432" y="2155907"/>
-                    <a:pt x="1201705" y="2361213"/>
-                  </a:cubicBezTo>
-                  <a:cubicBezTo>
-                    <a:pt x="1133721" y="2635919"/>
-                    <a:pt x="1040568" y="3012290"/>
-                    <a:pt x="852705" y="3529176"/>
-                  </a:cubicBezTo>
-                  <a:cubicBezTo>
-                    <a:pt x="749952" y="3811784"/>
-                    <a:pt x="753584" y="4108747"/>
-                    <a:pt x="863863" y="4437051"/>
-                  </a:cubicBezTo>
-                  <a:cubicBezTo>
-                    <a:pt x="964800" y="4737438"/>
-                    <a:pt x="1154869" y="5055603"/>
-                    <a:pt x="1413569" y="5357174"/>
-                  </a:cubicBezTo>
-                  <a:cubicBezTo>
-                    <a:pt x="1718326" y="5712343"/>
-                    <a:pt x="2021008" y="5969404"/>
-                    <a:pt x="2339129" y="6143367"/>
-                  </a:cubicBezTo>
-                  <a:cubicBezTo>
-                    <a:pt x="2679565" y="6329577"/>
-                    <a:pt x="3039591" y="6420049"/>
-                    <a:pt x="3439449" y="6420049"/>
-                  </a:cubicBezTo>
-                  <a:cubicBezTo>
-                    <a:pt x="4142246" y="6420049"/>
-                    <a:pt x="4633828" y="5976251"/>
-                    <a:pt x="5251388" y="5349009"/>
-                  </a:cubicBezTo>
-                  <a:cubicBezTo>
-                    <a:pt x="5389949" y="5208364"/>
-                    <a:pt x="5526047" y="5081677"/>
-                    <a:pt x="5657731" y="4959205"/>
-                  </a:cubicBezTo>
-                  <a:cubicBezTo>
-                    <a:pt x="5719520" y="4901722"/>
-                    <a:pt x="5779200" y="4846206"/>
-                    <a:pt x="5836127" y="4792052"/>
-                  </a:cubicBezTo>
-                  <a:lnTo>
-                    <a:pt x="5890491" y="4738662"/>
-                  </a:lnTo>
-                  <a:lnTo>
-                    <a:pt x="5890491" y="5821964"/>
-                  </a:lnTo>
-                  <a:lnTo>
-                    <a:pt x="5802001" y="5907904"/>
-                  </a:lnTo>
-                  <a:cubicBezTo>
-                    <a:pt x="5634962" y="6077456"/>
-                    <a:pt x="5467509" y="6243625"/>
-                    <a:pt x="5294358" y="6397505"/>
-                  </a:cubicBezTo>
-                  <a:lnTo>
-                    <a:pt x="5077178" y="6578439"/>
-                  </a:lnTo>
-                  <a:lnTo>
-                    <a:pt x="1567290" y="6578439"/>
-                  </a:lnTo>
-                  <a:lnTo>
-                    <a:pt x="1508588" y="6535186"/>
-                  </a:lnTo>
-                  <a:cubicBezTo>
-                    <a:pt x="1263991" y="6345442"/>
-                    <a:pt x="1038054" y="6122666"/>
-                    <a:pt x="826498" y="5876034"/>
-                  </a:cubicBezTo>
-                  <a:cubicBezTo>
-                    <a:pt x="261613" y="5217713"/>
-                    <a:pt x="-239182" y="4250314"/>
-                    <a:pt x="122403" y="3255655"/>
-                  </a:cubicBezTo>
-                  <a:cubicBezTo>
-                    <a:pt x="607497" y="1921629"/>
-                    <a:pt x="393040" y="1662857"/>
-                    <a:pt x="1061197" y="984650"/>
-                  </a:cubicBezTo>
-                  <a:cubicBezTo>
-                    <a:pt x="1729484" y="306444"/>
-                    <a:pt x="2498060" y="0"/>
-                    <a:pt x="3517682" y="0"/>
-                  </a:cubicBezTo>
-                  <a:close/>
-                </a:path>
-              </a:pathLst>
-            </a:custGeom>
-            <a:gradFill flip="none" rotWithShape="1">
-              <a:gsLst>
-                <a:gs pos="2000">
-                  <a:schemeClr val="bg1"/>
-                </a:gs>
-                <a:gs pos="16000">
-                  <a:schemeClr val="accent6">
-                    <a:alpha val="10000"/>
-                  </a:schemeClr>
-                </a:gs>
-                <a:gs pos="100000">
-                  <a:schemeClr val="bg1">
-                    <a:alpha val="10000"/>
-                  </a:schemeClr>
-                </a:gs>
-                <a:gs pos="85000">
-                  <a:schemeClr val="accent1">
-                    <a:alpha val="10000"/>
-                  </a:schemeClr>
-                </a:gs>
-              </a:gsLst>
-              <a:lin ang="12000000" scaled="0"/>
-              <a:tileRect/>
-            </a:gradFill>
-            <a:ln>
-              <a:noFill/>
-            </a:ln>
-          </p:spPr>
-          <p:style>
-            <a:lnRef idx="2">
-              <a:schemeClr val="accent1">
-                <a:shade val="50000"/>
-              </a:schemeClr>
-            </a:lnRef>
-            <a:fillRef idx="1">
-              <a:schemeClr val="accent1"/>
-            </a:fillRef>
-            <a:effectRef idx="0">
-              <a:schemeClr val="accent1"/>
-            </a:effectRef>
-            <a:fontRef idx="minor">
-              <a:schemeClr val="lt1"/>
-            </a:fontRef>
-          </p:style>
-          <p:txBody>
-            <a:bodyPr rtlCol="0" anchor="ctr"/>
-            <a:lstStyle/>
-            <a:p>
-              <a:pPr algn="ctr"/>
-              <a:endParaRPr lang="en-US" dirty="0"/>
-            </a:p>
-          </p:txBody>
-        </p:sp>
-        <p:sp>
-          <p:nvSpPr>
-            <p:cNvPr id="17" name="Freeform: Shape 16">
-              <a:extLst>
-                <a:ext uri="{FF2B5EF4-FFF2-40B4-BE49-F238E27FC236}">
-                  <a16:creationId xmlns:a16="http://schemas.microsoft.com/office/drawing/2014/main" id="{ED519330-E5F1-4248-B58C-1AA0D9E6DABA}"/>
-                </a:ext>
-                <a:ext uri="{C183D7F6-B498-43B3-948B-1728B52AA6E4}">
-                  <adec:decorative xmlns:adec="http://schemas.microsoft.com/office/drawing/2017/decorative" val="1"/>
-                </a:ext>
-              </a:extLst>
-            </p:cNvPr>
-            <p:cNvSpPr/>
-            <p:nvPr>
-              <p:extLst>
-                <p:ext uri="{386F3935-93C4-4BCD-93E2-E3B085C9AB24}">
-                  <p16:designElem xmlns:p16="http://schemas.microsoft.com/office/powerpoint/2015/main" val="1"/>
-                </p:ext>
-              </p:extLst>
-            </p:nvPr>
-          </p:nvSpPr>
-          <p:spPr>
-            <a:xfrm>
-              <a:off x="6101024" y="52997"/>
-              <a:ext cx="6093362" cy="6805004"/>
-            </a:xfrm>
-            <a:custGeom>
-              <a:avLst/>
-              <a:gdLst>
-                <a:gd name="connsiteX0" fmla="*/ 5890490 w 5890490"/>
-                <a:gd name="connsiteY0" fmla="*/ 5389037 h 6578439"/>
-                <a:gd name="connsiteX1" fmla="*/ 5890490 w 5890490"/>
-                <a:gd name="connsiteY1" fmla="*/ 5855587 h 6578439"/>
-                <a:gd name="connsiteX2" fmla="*/ 5784593 w 5890490"/>
-                <a:gd name="connsiteY2" fmla="*/ 5962054 h 6578439"/>
-                <a:gd name="connsiteX3" fmla="*/ 5663414 w 5890490"/>
-                <a:gd name="connsiteY3" fmla="*/ 6082564 h 6578439"/>
-                <a:gd name="connsiteX4" fmla="*/ 5147099 w 5890490"/>
-                <a:gd name="connsiteY4" fmla="*/ 6547726 h 6578439"/>
-                <a:gd name="connsiteX5" fmla="*/ 5105015 w 5890490"/>
-                <a:gd name="connsiteY5" fmla="*/ 6578439 h 6578439"/>
-                <a:gd name="connsiteX6" fmla="*/ 4385601 w 5890490"/>
-                <a:gd name="connsiteY6" fmla="*/ 6578439 h 6578439"/>
-                <a:gd name="connsiteX7" fmla="*/ 4507252 w 5890490"/>
-                <a:gd name="connsiteY7" fmla="*/ 6515968 h 6578439"/>
-                <a:gd name="connsiteX8" fmla="*/ 4909330 w 5890490"/>
-                <a:gd name="connsiteY8" fmla="*/ 6253453 h 6578439"/>
-                <a:gd name="connsiteX9" fmla="*/ 5411374 w 5890490"/>
-                <a:gd name="connsiteY9" fmla="*/ 5828544 h 6578439"/>
-                <a:gd name="connsiteX10" fmla="*/ 5533570 w 5890490"/>
-                <a:gd name="connsiteY10" fmla="*/ 5714534 h 6578439"/>
-                <a:gd name="connsiteX11" fmla="*/ 5657425 w 5890490"/>
-                <a:gd name="connsiteY11" fmla="*/ 5597650 h 6578439"/>
-                <a:gd name="connsiteX12" fmla="*/ 3336813 w 5890490"/>
-                <a:gd name="connsiteY12" fmla="*/ 499 h 6578439"/>
-                <a:gd name="connsiteX13" fmla="*/ 3513674 w 5890490"/>
-                <a:gd name="connsiteY13" fmla="*/ 1202 h 6578439"/>
-                <a:gd name="connsiteX14" fmla="*/ 3602743 w 5890490"/>
-                <a:gd name="connsiteY14" fmla="*/ 4827 h 6578439"/>
-                <a:gd name="connsiteX15" fmla="*/ 3647213 w 5890490"/>
-                <a:gd name="connsiteY15" fmla="*/ 6703 h 6578439"/>
-                <a:gd name="connsiteX16" fmla="*/ 3691684 w 5890490"/>
-                <a:gd name="connsiteY16" fmla="*/ 9453 h 6578439"/>
-                <a:gd name="connsiteX17" fmla="*/ 3868927 w 5890490"/>
-                <a:gd name="connsiteY17" fmla="*/ 27080 h 6578439"/>
-                <a:gd name="connsiteX18" fmla="*/ 5200872 w 5890490"/>
-                <a:gd name="connsiteY18" fmla="*/ 472240 h 6578439"/>
-                <a:gd name="connsiteX19" fmla="*/ 5772711 w 5890490"/>
-                <a:gd name="connsiteY19" fmla="*/ 866334 h 6578439"/>
-                <a:gd name="connsiteX20" fmla="*/ 5890490 w 5890490"/>
-                <a:gd name="connsiteY20" fmla="*/ 972426 h 6578439"/>
-                <a:gd name="connsiteX21" fmla="*/ 5890490 w 5890490"/>
-                <a:gd name="connsiteY21" fmla="*/ 1158576 h 6578439"/>
-                <a:gd name="connsiteX22" fmla="*/ 5676045 w 5890490"/>
-                <a:gd name="connsiteY22" fmla="*/ 986969 h 6578439"/>
-                <a:gd name="connsiteX23" fmla="*/ 5103776 w 5890490"/>
-                <a:gd name="connsiteY23" fmla="*/ 655879 h 6578439"/>
-                <a:gd name="connsiteX24" fmla="*/ 4482465 w 5890490"/>
-                <a:gd name="connsiteY24" fmla="*/ 440363 h 6578439"/>
-                <a:gd name="connsiteX25" fmla="*/ 4402444 w 5890490"/>
-                <a:gd name="connsiteY25" fmla="*/ 422111 h 6578439"/>
-                <a:gd name="connsiteX26" fmla="*/ 4322423 w 5890490"/>
-                <a:gd name="connsiteY26" fmla="*/ 404610 h 6578439"/>
-                <a:gd name="connsiteX27" fmla="*/ 4241892 w 5890490"/>
-                <a:gd name="connsiteY27" fmla="*/ 389858 h 6578439"/>
-                <a:gd name="connsiteX28" fmla="*/ 4201627 w 5890490"/>
-                <a:gd name="connsiteY28" fmla="*/ 382483 h 6578439"/>
-                <a:gd name="connsiteX29" fmla="*/ 4161234 w 5890490"/>
-                <a:gd name="connsiteY29" fmla="*/ 375857 h 6578439"/>
-                <a:gd name="connsiteX30" fmla="*/ 3999280 w 5890490"/>
-                <a:gd name="connsiteY30" fmla="*/ 353606 h 6578439"/>
-                <a:gd name="connsiteX31" fmla="*/ 3836817 w 5890490"/>
-                <a:gd name="connsiteY31" fmla="*/ 338480 h 6578439"/>
-                <a:gd name="connsiteX32" fmla="*/ 3673972 w 5890490"/>
-                <a:gd name="connsiteY32" fmla="*/ 330604 h 6578439"/>
-                <a:gd name="connsiteX33" fmla="*/ 3511126 w 5890490"/>
-                <a:gd name="connsiteY33" fmla="*/ 328978 h 6578439"/>
-                <a:gd name="connsiteX34" fmla="*/ 3183142 w 5890490"/>
-                <a:gd name="connsiteY34" fmla="*/ 342854 h 6578439"/>
-                <a:gd name="connsiteX35" fmla="*/ 2541444 w 5890490"/>
-                <a:gd name="connsiteY35" fmla="*/ 439988 h 6578439"/>
-                <a:gd name="connsiteX36" fmla="*/ 1933895 w 5890490"/>
-                <a:gd name="connsiteY36" fmla="*/ 650505 h 6578439"/>
-                <a:gd name="connsiteX37" fmla="*/ 1378079 w 5890490"/>
-                <a:gd name="connsiteY37" fmla="*/ 983905 h 6578439"/>
-                <a:gd name="connsiteX38" fmla="*/ 1312967 w 5890490"/>
-                <a:gd name="connsiteY38" fmla="*/ 1033660 h 6578439"/>
-                <a:gd name="connsiteX39" fmla="*/ 1248364 w 5890490"/>
-                <a:gd name="connsiteY39" fmla="*/ 1084413 h 6578439"/>
-                <a:gd name="connsiteX40" fmla="*/ 1185163 w 5890490"/>
-                <a:gd name="connsiteY40" fmla="*/ 1137168 h 6578439"/>
-                <a:gd name="connsiteX41" fmla="*/ 1122852 w 5890490"/>
-                <a:gd name="connsiteY41" fmla="*/ 1190922 h 6578439"/>
-                <a:gd name="connsiteX42" fmla="*/ 892092 w 5890490"/>
-                <a:gd name="connsiteY42" fmla="*/ 1421440 h 6578439"/>
-                <a:gd name="connsiteX43" fmla="*/ 707202 w 5890490"/>
-                <a:gd name="connsiteY43" fmla="*/ 1684212 h 6578439"/>
-                <a:gd name="connsiteX44" fmla="*/ 670121 w 5890490"/>
-                <a:gd name="connsiteY44" fmla="*/ 1756093 h 6578439"/>
-                <a:gd name="connsiteX45" fmla="*/ 637630 w 5890490"/>
-                <a:gd name="connsiteY45" fmla="*/ 1830724 h 6578439"/>
-                <a:gd name="connsiteX46" fmla="*/ 607685 w 5890490"/>
-                <a:gd name="connsiteY46" fmla="*/ 1907105 h 6578439"/>
-                <a:gd name="connsiteX47" fmla="*/ 580034 w 5890490"/>
-                <a:gd name="connsiteY47" fmla="*/ 1984986 h 6578439"/>
-                <a:gd name="connsiteX48" fmla="*/ 481919 w 5890490"/>
-                <a:gd name="connsiteY48" fmla="*/ 2304386 h 6578439"/>
-                <a:gd name="connsiteX49" fmla="*/ 433881 w 5890490"/>
-                <a:gd name="connsiteY49" fmla="*/ 2465399 h 6578439"/>
-                <a:gd name="connsiteX50" fmla="*/ 384442 w 5890490"/>
-                <a:gd name="connsiteY50" fmla="*/ 2626163 h 6578439"/>
-                <a:gd name="connsiteX51" fmla="*/ 166039 w 5890490"/>
-                <a:gd name="connsiteY51" fmla="*/ 3261338 h 6578439"/>
-                <a:gd name="connsiteX52" fmla="*/ 56202 w 5890490"/>
-                <a:gd name="connsiteY52" fmla="*/ 3910265 h 6578439"/>
-                <a:gd name="connsiteX53" fmla="*/ 93664 w 5890490"/>
-                <a:gd name="connsiteY53" fmla="*/ 4237292 h 6578439"/>
-                <a:gd name="connsiteX54" fmla="*/ 111758 w 5890490"/>
-                <a:gd name="connsiteY54" fmla="*/ 4317548 h 6578439"/>
-                <a:gd name="connsiteX55" fmla="*/ 133038 w 5890490"/>
-                <a:gd name="connsiteY55" fmla="*/ 4397054 h 6578439"/>
-                <a:gd name="connsiteX56" fmla="*/ 157757 w 5890490"/>
-                <a:gd name="connsiteY56" fmla="*/ 4475560 h 6578439"/>
-                <a:gd name="connsiteX57" fmla="*/ 185153 w 5890490"/>
-                <a:gd name="connsiteY57" fmla="*/ 4553066 h 6578439"/>
-                <a:gd name="connsiteX58" fmla="*/ 493642 w 5890490"/>
-                <a:gd name="connsiteY58" fmla="*/ 5132239 h 6578439"/>
-                <a:gd name="connsiteX59" fmla="*/ 914391 w 5890490"/>
-                <a:gd name="connsiteY59" fmla="*/ 5636528 h 6578439"/>
-                <a:gd name="connsiteX60" fmla="*/ 1402034 w 5890490"/>
-                <a:gd name="connsiteY60" fmla="*/ 6076188 h 6578439"/>
-                <a:gd name="connsiteX61" fmla="*/ 1664397 w 5890490"/>
-                <a:gd name="connsiteY61" fmla="*/ 6267079 h 6578439"/>
-                <a:gd name="connsiteX62" fmla="*/ 1938992 w 5890490"/>
-                <a:gd name="connsiteY62" fmla="*/ 6434343 h 6578439"/>
-                <a:gd name="connsiteX63" fmla="*/ 2225931 w 5890490"/>
-                <a:gd name="connsiteY63" fmla="*/ 6574322 h 6578439"/>
-                <a:gd name="connsiteX64" fmla="*/ 2236328 w 5890490"/>
-                <a:gd name="connsiteY64" fmla="*/ 6578439 h 6578439"/>
-                <a:gd name="connsiteX65" fmla="*/ 1504665 w 5890490"/>
-                <a:gd name="connsiteY65" fmla="*/ 6578439 h 6578439"/>
-                <a:gd name="connsiteX66" fmla="*/ 1456827 w 5890490"/>
-                <a:gd name="connsiteY66" fmla="*/ 6543476 h 6578439"/>
-                <a:gd name="connsiteX67" fmla="*/ 1188475 w 5890490"/>
-                <a:gd name="connsiteY67" fmla="*/ 6314083 h 6578439"/>
-                <a:gd name="connsiteX68" fmla="*/ 721728 w 5890490"/>
-                <a:gd name="connsiteY68" fmla="*/ 5798666 h 6578439"/>
-                <a:gd name="connsiteX69" fmla="*/ 344175 w 5890490"/>
-                <a:gd name="connsiteY69" fmla="*/ 5219495 h 6578439"/>
-                <a:gd name="connsiteX70" fmla="*/ 87293 w 5890490"/>
-                <a:gd name="connsiteY70" fmla="*/ 4583569 h 6578439"/>
-                <a:gd name="connsiteX71" fmla="*/ 65886 w 5890490"/>
-                <a:gd name="connsiteY71" fmla="*/ 4500813 h 6578439"/>
-                <a:gd name="connsiteX72" fmla="*/ 47409 w 5890490"/>
-                <a:gd name="connsiteY72" fmla="*/ 4417431 h 6578439"/>
-                <a:gd name="connsiteX73" fmla="*/ 39000 w 5890490"/>
-                <a:gd name="connsiteY73" fmla="*/ 4375677 h 6578439"/>
-                <a:gd name="connsiteX74" fmla="*/ 31610 w 5890490"/>
-                <a:gd name="connsiteY74" fmla="*/ 4333674 h 6578439"/>
-                <a:gd name="connsiteX75" fmla="*/ 18868 w 5890490"/>
-                <a:gd name="connsiteY75" fmla="*/ 4249417 h 6578439"/>
-                <a:gd name="connsiteX76" fmla="*/ 646 w 5890490"/>
-                <a:gd name="connsiteY76" fmla="*/ 3910265 h 6578439"/>
-                <a:gd name="connsiteX77" fmla="*/ 130234 w 5890490"/>
-                <a:gd name="connsiteY77" fmla="*/ 3248337 h 6578439"/>
-                <a:gd name="connsiteX78" fmla="*/ 335383 w 5890490"/>
-                <a:gd name="connsiteY78" fmla="*/ 2611911 h 6578439"/>
-                <a:gd name="connsiteX79" fmla="*/ 487272 w 5890490"/>
-                <a:gd name="connsiteY79" fmla="*/ 1958609 h 6578439"/>
-                <a:gd name="connsiteX80" fmla="*/ 508550 w 5890490"/>
-                <a:gd name="connsiteY80" fmla="*/ 1876227 h 6578439"/>
-                <a:gd name="connsiteX81" fmla="*/ 531742 w 5890490"/>
-                <a:gd name="connsiteY81" fmla="*/ 1793721 h 6578439"/>
-                <a:gd name="connsiteX82" fmla="*/ 558245 w 5890490"/>
-                <a:gd name="connsiteY82" fmla="*/ 1711465 h 6578439"/>
-                <a:gd name="connsiteX83" fmla="*/ 590100 w 5890490"/>
-                <a:gd name="connsiteY83" fmla="*/ 1630332 h 6578439"/>
-                <a:gd name="connsiteX84" fmla="*/ 758680 w 5890490"/>
-                <a:gd name="connsiteY84" fmla="*/ 1322433 h 6578439"/>
-                <a:gd name="connsiteX85" fmla="*/ 976317 w 5890490"/>
-                <a:gd name="connsiteY85" fmla="*/ 1049286 h 6578439"/>
-                <a:gd name="connsiteX86" fmla="*/ 1035314 w 5890490"/>
-                <a:gd name="connsiteY86" fmla="*/ 985406 h 6578439"/>
-                <a:gd name="connsiteX87" fmla="*/ 1095329 w 5890490"/>
-                <a:gd name="connsiteY87" fmla="*/ 922526 h 6578439"/>
-                <a:gd name="connsiteX88" fmla="*/ 1157384 w 5890490"/>
-                <a:gd name="connsiteY88" fmla="*/ 861271 h 6578439"/>
-                <a:gd name="connsiteX89" fmla="*/ 1220841 w 5890490"/>
-                <a:gd name="connsiteY89" fmla="*/ 801017 h 6578439"/>
-                <a:gd name="connsiteX90" fmla="*/ 1286462 w 5890490"/>
-                <a:gd name="connsiteY90" fmla="*/ 742886 h 6578439"/>
-                <a:gd name="connsiteX91" fmla="*/ 1353233 w 5890490"/>
-                <a:gd name="connsiteY91" fmla="*/ 685632 h 6578439"/>
-                <a:gd name="connsiteX92" fmla="*/ 1369924 w 5890490"/>
-                <a:gd name="connsiteY92" fmla="*/ 671256 h 6578439"/>
-                <a:gd name="connsiteX93" fmla="*/ 1387380 w 5890490"/>
-                <a:gd name="connsiteY93" fmla="*/ 657755 h 6578439"/>
-                <a:gd name="connsiteX94" fmla="*/ 1422422 w 5890490"/>
-                <a:gd name="connsiteY94" fmla="*/ 630877 h 6578439"/>
-                <a:gd name="connsiteX95" fmla="*/ 1492759 w 5890490"/>
-                <a:gd name="connsiteY95" fmla="*/ 577248 h 6578439"/>
-                <a:gd name="connsiteX96" fmla="*/ 1528820 w 5890490"/>
-                <a:gd name="connsiteY96" fmla="*/ 551496 h 6578439"/>
-                <a:gd name="connsiteX97" fmla="*/ 1565390 w 5890490"/>
-                <a:gd name="connsiteY97" fmla="*/ 526370 h 6578439"/>
-                <a:gd name="connsiteX98" fmla="*/ 1639040 w 5890490"/>
-                <a:gd name="connsiteY98" fmla="*/ 476490 h 6578439"/>
-                <a:gd name="connsiteX99" fmla="*/ 1792075 w 5890490"/>
-                <a:gd name="connsiteY99" fmla="*/ 384859 h 6578439"/>
-                <a:gd name="connsiteX100" fmla="*/ 2455943 w 5890490"/>
-                <a:gd name="connsiteY100" fmla="*/ 117836 h 6578439"/>
-                <a:gd name="connsiteX101" fmla="*/ 3159952 w 5890490"/>
-                <a:gd name="connsiteY101" fmla="*/ 7203 h 6578439"/>
-                <a:gd name="connsiteX102" fmla="*/ 3336813 w 5890490"/>
-                <a:gd name="connsiteY102" fmla="*/ 499 h 6578439"/>
-              </a:gdLst>
-              <a:ahLst/>
-              <a:cxnLst>
-                <a:cxn ang="0">
-                  <a:pos x="connsiteX0" y="connsiteY0"/>
-                </a:cxn>
-                <a:cxn ang="0">
-                  <a:pos x="connsiteX1" y="connsiteY1"/>
-                </a:cxn>
-                <a:cxn ang="0">
-                  <a:pos x="connsiteX2" y="connsiteY2"/>
-                </a:cxn>
-                <a:cxn ang="0">
-                  <a:pos x="connsiteX3" y="connsiteY3"/>
-                </a:cxn>
-                <a:cxn ang="0">
-                  <a:pos x="connsiteX4" y="connsiteY4"/>
-                </a:cxn>
-                <a:cxn ang="0">
-                  <a:pos x="connsiteX5" y="connsiteY5"/>
-                </a:cxn>
-                <a:cxn ang="0">
-                  <a:pos x="connsiteX6" y="connsiteY6"/>
-                </a:cxn>
-                <a:cxn ang="0">
-                  <a:pos x="connsiteX7" y="connsiteY7"/>
-                </a:cxn>
-                <a:cxn ang="0">
-                  <a:pos x="connsiteX8" y="connsiteY8"/>
-                </a:cxn>
-                <a:cxn ang="0">
-                  <a:pos x="connsiteX9" y="connsiteY9"/>
-                </a:cxn>
-                <a:cxn ang="0">
-                  <a:pos x="connsiteX10" y="connsiteY10"/>
-                </a:cxn>
-                <a:cxn ang="0">
-                  <a:pos x="connsiteX11" y="connsiteY11"/>
-                </a:cxn>
-                <a:cxn ang="0">
-                  <a:pos x="connsiteX12" y="connsiteY12"/>
-                </a:cxn>
-                <a:cxn ang="0">
-                  <a:pos x="connsiteX13" y="connsiteY13"/>
-                </a:cxn>
-                <a:cxn ang="0">
-                  <a:pos x="connsiteX14" y="connsiteY14"/>
-                </a:cxn>
-                <a:cxn ang="0">
-                  <a:pos x="connsiteX15" y="connsiteY15"/>
-                </a:cxn>
-                <a:cxn ang="0">
-                  <a:pos x="connsiteX16" y="connsiteY16"/>
-                </a:cxn>
-                <a:cxn ang="0">
-                  <a:pos x="connsiteX17" y="connsiteY17"/>
-                </a:cxn>
-                <a:cxn ang="0">
-                  <a:pos x="connsiteX18" y="connsiteY18"/>
-                </a:cxn>
-                <a:cxn ang="0">
-                  <a:pos x="connsiteX19" y="connsiteY19"/>
-                </a:cxn>
-                <a:cxn ang="0">
-                  <a:pos x="connsiteX20" y="connsiteY20"/>
-                </a:cxn>
-                <a:cxn ang="0">
-                  <a:pos x="connsiteX21" y="connsiteY21"/>
-                </a:cxn>
-                <a:cxn ang="0">
-                  <a:pos x="connsiteX22" y="connsiteY22"/>
-                </a:cxn>
-                <a:cxn ang="0">
-                  <a:pos x="connsiteX23" y="connsiteY23"/>
-                </a:cxn>
-                <a:cxn ang="0">
-                  <a:pos x="connsiteX24" y="connsiteY24"/>
-                </a:cxn>
-                <a:cxn ang="0">
-                  <a:pos x="connsiteX25" y="connsiteY25"/>
-                </a:cxn>
-                <a:cxn ang="0">
-                  <a:pos x="connsiteX26" y="connsiteY26"/>
-                </a:cxn>
-                <a:cxn ang="0">
-                  <a:pos x="connsiteX27" y="connsiteY27"/>
-                </a:cxn>
-                <a:cxn ang="0">
-                  <a:pos x="connsiteX28" y="connsiteY28"/>
-                </a:cxn>
-                <a:cxn ang="0">
-                  <a:pos x="connsiteX29" y="connsiteY29"/>
-                </a:cxn>
-                <a:cxn ang="0">
-                  <a:pos x="connsiteX30" y="connsiteY30"/>
-                </a:cxn>
-                <a:cxn ang="0">
-                  <a:pos x="connsiteX31" y="connsiteY31"/>
-                </a:cxn>
-                <a:cxn ang="0">
-                  <a:pos x="connsiteX32" y="connsiteY32"/>
-                </a:cxn>
-                <a:cxn ang="0">
-                  <a:pos x="connsiteX33" y="connsiteY33"/>
-                </a:cxn>
-                <a:cxn ang="0">
-                  <a:pos x="connsiteX34" y="connsiteY34"/>
-                </a:cxn>
-                <a:cxn ang="0">
-                  <a:pos x="connsiteX35" y="connsiteY35"/>
-                </a:cxn>
-                <a:cxn ang="0">
-                  <a:pos x="connsiteX36" y="connsiteY36"/>
-                </a:cxn>
-                <a:cxn ang="0">
-                  <a:pos x="connsiteX37" y="connsiteY37"/>
-                </a:cxn>
-                <a:cxn ang="0">
-                  <a:pos x="connsiteX38" y="connsiteY38"/>
-                </a:cxn>
-                <a:cxn ang="0">
-                  <a:pos x="connsiteX39" y="connsiteY39"/>
-                </a:cxn>
-                <a:cxn ang="0">
-                  <a:pos x="connsiteX40" y="connsiteY40"/>
-                </a:cxn>
-                <a:cxn ang="0">
-                  <a:pos x="connsiteX41" y="connsiteY41"/>
-                </a:cxn>
-                <a:cxn ang="0">
-                  <a:pos x="connsiteX42" y="connsiteY42"/>
-                </a:cxn>
-                <a:cxn ang="0">
-                  <a:pos x="connsiteX43" y="connsiteY43"/>
-                </a:cxn>
-                <a:cxn ang="0">
-                  <a:pos x="connsiteX44" y="connsiteY44"/>
-                </a:cxn>
-                <a:cxn ang="0">
-                  <a:pos x="connsiteX45" y="connsiteY45"/>
-                </a:cxn>
-                <a:cxn ang="0">
-                  <a:pos x="connsiteX46" y="connsiteY46"/>
-                </a:cxn>
-                <a:cxn ang="0">
-                  <a:pos x="connsiteX47" y="connsiteY47"/>
-                </a:cxn>
-                <a:cxn ang="0">
-                  <a:pos x="connsiteX48" y="connsiteY48"/>
-                </a:cxn>
-                <a:cxn ang="0">
-                  <a:pos x="connsiteX49" y="connsiteY49"/>
-                </a:cxn>
-                <a:cxn ang="0">
-                  <a:pos x="connsiteX50" y="connsiteY50"/>
-                </a:cxn>
-                <a:cxn ang="0">
-                  <a:pos x="connsiteX51" y="connsiteY51"/>
-                </a:cxn>
-                <a:cxn ang="0">
-                  <a:pos x="connsiteX52" y="connsiteY52"/>
-                </a:cxn>
-                <a:cxn ang="0">
-                  <a:pos x="connsiteX53" y="connsiteY53"/>
-                </a:cxn>
-                <a:cxn ang="0">
-                  <a:pos x="connsiteX54" y="connsiteY54"/>
-                </a:cxn>
-                <a:cxn ang="0">
-                  <a:pos x="connsiteX55" y="connsiteY55"/>
-                </a:cxn>
-                <a:cxn ang="0">
-                  <a:pos x="connsiteX56" y="connsiteY56"/>
-                </a:cxn>
-                <a:cxn ang="0">
-                  <a:pos x="connsiteX57" y="connsiteY57"/>
-                </a:cxn>
-                <a:cxn ang="0">
-                  <a:pos x="connsiteX58" y="connsiteY58"/>
-                </a:cxn>
-                <a:cxn ang="0">
-                  <a:pos x="connsiteX59" y="connsiteY59"/>
-                </a:cxn>
-                <a:cxn ang="0">
-                  <a:pos x="connsiteX60" y="connsiteY60"/>
-                </a:cxn>
-                <a:cxn ang="0">
-                  <a:pos x="connsiteX61" y="connsiteY61"/>
-                </a:cxn>
-                <a:cxn ang="0">
-                  <a:pos x="connsiteX62" y="connsiteY62"/>
-                </a:cxn>
-                <a:cxn ang="0">
-                  <a:pos x="connsiteX63" y="connsiteY63"/>
-                </a:cxn>
-                <a:cxn ang="0">
-                  <a:pos x="connsiteX64" y="connsiteY64"/>
-                </a:cxn>
-                <a:cxn ang="0">
-                  <a:pos x="connsiteX65" y="connsiteY65"/>
-                </a:cxn>
-                <a:cxn ang="0">
-                  <a:pos x="connsiteX66" y="connsiteY66"/>
-                </a:cxn>
-                <a:cxn ang="0">
-                  <a:pos x="connsiteX67" y="connsiteY67"/>
-                </a:cxn>
-                <a:cxn ang="0">
-                  <a:pos x="connsiteX68" y="connsiteY68"/>
-                </a:cxn>
-                <a:cxn ang="0">
-                  <a:pos x="connsiteX69" y="connsiteY69"/>
-                </a:cxn>
-                <a:cxn ang="0">
-                  <a:pos x="connsiteX70" y="connsiteY70"/>
-                </a:cxn>
-                <a:cxn ang="0">
-                  <a:pos x="connsiteX71" y="connsiteY71"/>
-                </a:cxn>
-                <a:cxn ang="0">
-                  <a:pos x="connsiteX72" y="connsiteY72"/>
-                </a:cxn>
-                <a:cxn ang="0">
-                  <a:pos x="connsiteX73" y="connsiteY73"/>
-                </a:cxn>
-                <a:cxn ang="0">
-                  <a:pos x="connsiteX74" y="connsiteY74"/>
-                </a:cxn>
-                <a:cxn ang="0">
-                  <a:pos x="connsiteX75" y="connsiteY75"/>
-                </a:cxn>
-                <a:cxn ang="0">
-                  <a:pos x="connsiteX76" y="connsiteY76"/>
-                </a:cxn>
-                <a:cxn ang="0">
-                  <a:pos x="connsiteX77" y="connsiteY77"/>
-                </a:cxn>
-                <a:cxn ang="0">
-                  <a:pos x="connsiteX78" y="connsiteY78"/>
-                </a:cxn>
-                <a:cxn ang="0">
-                  <a:pos x="connsiteX79" y="connsiteY79"/>
-                </a:cxn>
-                <a:cxn ang="0">
-                  <a:pos x="connsiteX80" y="connsiteY80"/>
-                </a:cxn>
-                <a:cxn ang="0">
-                  <a:pos x="connsiteX81" y="connsiteY81"/>
-                </a:cxn>
-                <a:cxn ang="0">
-                  <a:pos x="connsiteX82" y="connsiteY82"/>
-                </a:cxn>
-                <a:cxn ang="0">
-                  <a:pos x="connsiteX83" y="connsiteY83"/>
-                </a:cxn>
-                <a:cxn ang="0">
-                  <a:pos x="connsiteX84" y="connsiteY84"/>
-                </a:cxn>
-                <a:cxn ang="0">
-                  <a:pos x="connsiteX85" y="connsiteY85"/>
-                </a:cxn>
-                <a:cxn ang="0">
-                  <a:pos x="connsiteX86" y="connsiteY86"/>
-                </a:cxn>
-                <a:cxn ang="0">
-                  <a:pos x="connsiteX87" y="connsiteY87"/>
-                </a:cxn>
-                <a:cxn ang="0">
-                  <a:pos x="connsiteX88" y="connsiteY88"/>
-                </a:cxn>
-                <a:cxn ang="0">
-                  <a:pos x="connsiteX89" y="connsiteY89"/>
-                </a:cxn>
-                <a:cxn ang="0">
-                  <a:pos x="connsiteX90" y="connsiteY90"/>
-                </a:cxn>
-                <a:cxn ang="0">
-                  <a:pos x="connsiteX91" y="connsiteY91"/>
-                </a:cxn>
-                <a:cxn ang="0">
-                  <a:pos x="connsiteX92" y="connsiteY92"/>
-                </a:cxn>
-                <a:cxn ang="0">
-                  <a:pos x="connsiteX93" y="connsiteY93"/>
-                </a:cxn>
-                <a:cxn ang="0">
-                  <a:pos x="connsiteX94" y="connsiteY94"/>
-                </a:cxn>
-                <a:cxn ang="0">
-                  <a:pos x="connsiteX95" y="connsiteY95"/>
-                </a:cxn>
-                <a:cxn ang="0">
-                  <a:pos x="connsiteX96" y="connsiteY96"/>
-                </a:cxn>
-                <a:cxn ang="0">
-                  <a:pos x="connsiteX97" y="connsiteY97"/>
-                </a:cxn>
-                <a:cxn ang="0">
-                  <a:pos x="connsiteX98" y="connsiteY98"/>
-                </a:cxn>
-                <a:cxn ang="0">
-                  <a:pos x="connsiteX99" y="connsiteY99"/>
-                </a:cxn>
-                <a:cxn ang="0">
-                  <a:pos x="connsiteX100" y="connsiteY100"/>
-                </a:cxn>
-                <a:cxn ang="0">
-                  <a:pos x="connsiteX101" y="connsiteY101"/>
-                </a:cxn>
-                <a:cxn ang="0">
-                  <a:pos x="connsiteX102" y="connsiteY102"/>
-                </a:cxn>
-              </a:cxnLst>
-              <a:rect l="l" t="t" r="r" b="b"/>
-              <a:pathLst>
-                <a:path w="5890490" h="6578439">
-                  <a:moveTo>
-                    <a:pt x="5890490" y="5389037"/>
-                  </a:moveTo>
-                  <a:lnTo>
-                    <a:pt x="5890490" y="5855587"/>
-                  </a:lnTo>
-                  <a:lnTo>
-                    <a:pt x="5784593" y="5962054"/>
-                  </a:lnTo>
-                  <a:cubicBezTo>
-                    <a:pt x="5744454" y="6002308"/>
-                    <a:pt x="5704062" y="6042436"/>
-                    <a:pt x="5663414" y="6082564"/>
-                  </a:cubicBezTo>
-                  <a:cubicBezTo>
-                    <a:pt x="5500314" y="6242577"/>
-                    <a:pt x="5330970" y="6400714"/>
-                    <a:pt x="5147099" y="6547726"/>
-                  </a:cubicBezTo>
-                  <a:lnTo>
-                    <a:pt x="5105015" y="6578439"/>
-                  </a:lnTo>
-                  <a:lnTo>
-                    <a:pt x="4385601" y="6578439"/>
-                  </a:lnTo>
-                  <a:lnTo>
-                    <a:pt x="4507252" y="6515968"/>
-                  </a:lnTo>
-                  <a:cubicBezTo>
-                    <a:pt x="4645901" y="6439679"/>
-                    <a:pt x="4779837" y="6350961"/>
-                    <a:pt x="4909330" y="6253453"/>
-                  </a:cubicBezTo>
-                  <a:cubicBezTo>
-                    <a:pt x="5082369" y="6123567"/>
-                    <a:pt x="5248145" y="5979180"/>
-                    <a:pt x="5411374" y="5828544"/>
-                  </a:cubicBezTo>
-                  <a:cubicBezTo>
-                    <a:pt x="5452149" y="5790791"/>
-                    <a:pt x="5492924" y="5752788"/>
-                    <a:pt x="5533570" y="5714534"/>
-                  </a:cubicBezTo>
-                  <a:lnTo>
-                    <a:pt x="5657425" y="5597650"/>
-                  </a:lnTo>
-                  <a:close/>
-                  <a:moveTo>
-                    <a:pt x="3336813" y="499"/>
-                  </a:moveTo>
-                  <a:cubicBezTo>
-                    <a:pt x="3395682" y="-392"/>
-                    <a:pt x="3454550" y="-48"/>
-                    <a:pt x="3513674" y="1202"/>
-                  </a:cubicBezTo>
-                  <a:lnTo>
-                    <a:pt x="3602743" y="4827"/>
-                  </a:lnTo>
-                  <a:lnTo>
-                    <a:pt x="3647213" y="6703"/>
-                  </a:lnTo>
-                  <a:cubicBezTo>
-                    <a:pt x="3661994" y="7327"/>
-                    <a:pt x="3676903" y="7703"/>
-                    <a:pt x="3691684" y="9453"/>
-                  </a:cubicBezTo>
-                  <a:lnTo>
-                    <a:pt x="3868927" y="27080"/>
-                  </a:lnTo>
-                  <a:cubicBezTo>
-                    <a:pt x="4340645" y="85584"/>
-                    <a:pt x="4795160" y="243221"/>
-                    <a:pt x="5200872" y="472240"/>
-                  </a:cubicBezTo>
-                  <a:cubicBezTo>
-                    <a:pt x="5403855" y="587124"/>
-                    <a:pt x="5594988" y="719447"/>
-                    <a:pt x="5772711" y="866334"/>
-                  </a:cubicBezTo>
-                  <a:lnTo>
-                    <a:pt x="5890490" y="972426"/>
-                  </a:lnTo>
-                  <a:lnTo>
-                    <a:pt x="5890490" y="1158576"/>
-                  </a:lnTo>
-                  <a:lnTo>
-                    <a:pt x="5676045" y="986969"/>
-                  </a:lnTo>
-                  <a:cubicBezTo>
-                    <a:pt x="5496587" y="857740"/>
-                    <a:pt x="5304275" y="746699"/>
-                    <a:pt x="5103776" y="655879"/>
-                  </a:cubicBezTo>
-                  <a:cubicBezTo>
-                    <a:pt x="4903214" y="564747"/>
-                    <a:pt x="4695006" y="492492"/>
-                    <a:pt x="4482465" y="440363"/>
-                  </a:cubicBezTo>
-                  <a:lnTo>
-                    <a:pt x="4402444" y="422111"/>
-                  </a:lnTo>
-                  <a:cubicBezTo>
-                    <a:pt x="4375813" y="416111"/>
-                    <a:pt x="4349436" y="408859"/>
-                    <a:pt x="4322423" y="404610"/>
-                  </a:cubicBezTo>
-                  <a:lnTo>
-                    <a:pt x="4241892" y="389858"/>
-                  </a:lnTo>
-                  <a:lnTo>
-                    <a:pt x="4201627" y="382483"/>
-                  </a:lnTo>
-                  <a:cubicBezTo>
-                    <a:pt x="4188248" y="379983"/>
-                    <a:pt x="4174869" y="377483"/>
-                    <a:pt x="4161234" y="375857"/>
-                  </a:cubicBezTo>
-                  <a:cubicBezTo>
-                    <a:pt x="4107208" y="368482"/>
-                    <a:pt x="4053308" y="360482"/>
-                    <a:pt x="3999280" y="353606"/>
-                  </a:cubicBezTo>
-                  <a:cubicBezTo>
-                    <a:pt x="3944999" y="348855"/>
-                    <a:pt x="3890844" y="343854"/>
-                    <a:pt x="3836817" y="338480"/>
-                  </a:cubicBezTo>
-                  <a:lnTo>
-                    <a:pt x="3673972" y="330604"/>
-                  </a:lnTo>
-                  <a:cubicBezTo>
-                    <a:pt x="3619690" y="329104"/>
-                    <a:pt x="3565281" y="329604"/>
-                    <a:pt x="3511126" y="328978"/>
-                  </a:cubicBezTo>
-                  <a:cubicBezTo>
-                    <a:pt x="3402054" y="330728"/>
-                    <a:pt x="3291706" y="334604"/>
-                    <a:pt x="3183142" y="342854"/>
-                  </a:cubicBezTo>
-                  <a:cubicBezTo>
-                    <a:pt x="2965505" y="358855"/>
-                    <a:pt x="2750670" y="389733"/>
-                    <a:pt x="2541444" y="439988"/>
-                  </a:cubicBezTo>
-                  <a:cubicBezTo>
-                    <a:pt x="2332216" y="490117"/>
-                    <a:pt x="2128850" y="559997"/>
-                    <a:pt x="1933895" y="650505"/>
-                  </a:cubicBezTo>
-                  <a:cubicBezTo>
-                    <a:pt x="1738939" y="741261"/>
-                    <a:pt x="1553540" y="854146"/>
-                    <a:pt x="1378079" y="983905"/>
-                  </a:cubicBezTo>
-                  <a:lnTo>
-                    <a:pt x="1312967" y="1033660"/>
-                  </a:lnTo>
-                  <a:cubicBezTo>
-                    <a:pt x="1291178" y="1050286"/>
-                    <a:pt x="1269006" y="1066412"/>
-                    <a:pt x="1248364" y="1084413"/>
-                  </a:cubicBezTo>
-                  <a:lnTo>
-                    <a:pt x="1185163" y="1137168"/>
-                  </a:lnTo>
-                  <a:cubicBezTo>
-                    <a:pt x="1164138" y="1154794"/>
-                    <a:pt x="1142603" y="1172046"/>
-                    <a:pt x="1122852" y="1190922"/>
-                  </a:cubicBezTo>
-                  <a:cubicBezTo>
-                    <a:pt x="1041557" y="1264303"/>
-                    <a:pt x="961663" y="1339309"/>
-                    <a:pt x="892092" y="1421440"/>
-                  </a:cubicBezTo>
-                  <a:cubicBezTo>
-                    <a:pt x="819589" y="1501822"/>
-                    <a:pt x="759827" y="1590329"/>
-                    <a:pt x="707202" y="1684212"/>
-                  </a:cubicBezTo>
-                  <a:cubicBezTo>
-                    <a:pt x="694715" y="1708089"/>
-                    <a:pt x="682227" y="1731841"/>
-                    <a:pt x="670121" y="1756093"/>
-                  </a:cubicBezTo>
-                  <a:lnTo>
-                    <a:pt x="637630" y="1830724"/>
-                  </a:lnTo>
-                  <a:cubicBezTo>
-                    <a:pt x="626161" y="1855350"/>
-                    <a:pt x="617624" y="1881603"/>
-                    <a:pt x="607685" y="1907105"/>
-                  </a:cubicBezTo>
-                  <a:cubicBezTo>
-                    <a:pt x="598128" y="1932857"/>
-                    <a:pt x="588317" y="1958483"/>
-                    <a:pt x="580034" y="1984986"/>
-                  </a:cubicBezTo>
-                  <a:cubicBezTo>
-                    <a:pt x="544611" y="2089620"/>
-                    <a:pt x="513393" y="2197128"/>
-                    <a:pt x="481919" y="2304386"/>
-                  </a:cubicBezTo>
-                  <a:lnTo>
-                    <a:pt x="433881" y="2465399"/>
-                  </a:lnTo>
-                  <a:lnTo>
-                    <a:pt x="384442" y="2626163"/>
-                  </a:lnTo>
-                  <a:cubicBezTo>
-                    <a:pt x="317672" y="2839680"/>
-                    <a:pt x="243129" y="3050946"/>
-                    <a:pt x="166039" y="3261338"/>
-                  </a:cubicBezTo>
-                  <a:cubicBezTo>
-                    <a:pt x="88822" y="3468979"/>
-                    <a:pt x="50850" y="3690248"/>
-                    <a:pt x="56202" y="3910265"/>
-                  </a:cubicBezTo>
-                  <a:cubicBezTo>
-                    <a:pt x="58495" y="4020274"/>
-                    <a:pt x="71493" y="4129783"/>
-                    <a:pt x="93664" y="4237292"/>
-                  </a:cubicBezTo>
-                  <a:cubicBezTo>
-                    <a:pt x="99143" y="4264168"/>
-                    <a:pt x="104623" y="4291045"/>
-                    <a:pt x="111758" y="4317548"/>
-                  </a:cubicBezTo>
-                  <a:cubicBezTo>
-                    <a:pt x="118384" y="4344176"/>
-                    <a:pt x="124627" y="4370802"/>
-                    <a:pt x="133038" y="4397054"/>
-                  </a:cubicBezTo>
-                  <a:cubicBezTo>
-                    <a:pt x="140810" y="4423307"/>
-                    <a:pt x="148456" y="4449683"/>
-                    <a:pt x="157757" y="4475560"/>
-                  </a:cubicBezTo>
-                  <a:cubicBezTo>
-                    <a:pt x="166549" y="4501562"/>
-                    <a:pt x="175087" y="4527564"/>
-                    <a:pt x="185153" y="4553066"/>
-                  </a:cubicBezTo>
-                  <a:cubicBezTo>
-                    <a:pt x="262371" y="4758458"/>
-                    <a:pt x="368895" y="4951974"/>
-                    <a:pt x="493642" y="5132239"/>
-                  </a:cubicBezTo>
-                  <a:cubicBezTo>
-                    <a:pt x="618389" y="5312627"/>
-                    <a:pt x="760846" y="5480391"/>
-                    <a:pt x="914391" y="5636528"/>
-                  </a:cubicBezTo>
-                  <a:cubicBezTo>
-                    <a:pt x="1069081" y="5793166"/>
-                    <a:pt x="1231544" y="5941677"/>
-                    <a:pt x="1402034" y="6076188"/>
-                  </a:cubicBezTo>
-                  <a:cubicBezTo>
-                    <a:pt x="1487535" y="6143320"/>
-                    <a:pt x="1574565" y="6207574"/>
-                    <a:pt x="1664397" y="6267079"/>
-                  </a:cubicBezTo>
-                  <a:cubicBezTo>
-                    <a:pt x="1753592" y="6327459"/>
-                    <a:pt x="1845336" y="6383088"/>
-                    <a:pt x="1938992" y="6434343"/>
-                  </a:cubicBezTo>
-                  <a:cubicBezTo>
-                    <a:pt x="2032647" y="6485659"/>
-                    <a:pt x="2128309" y="6532600"/>
-                    <a:pt x="2225931" y="6574322"/>
-                  </a:cubicBezTo>
-                  <a:lnTo>
-                    <a:pt x="2236328" y="6578439"/>
-                  </a:lnTo>
-                  <a:lnTo>
-                    <a:pt x="1504665" y="6578439"/>
-                  </a:lnTo>
-                  <a:lnTo>
-                    <a:pt x="1456827" y="6543476"/>
-                  </a:lnTo>
-                  <a:cubicBezTo>
-                    <a:pt x="1363554" y="6470595"/>
-                    <a:pt x="1273848" y="6394340"/>
-                    <a:pt x="1188475" y="6314083"/>
-                  </a:cubicBezTo>
-                  <a:cubicBezTo>
-                    <a:pt x="1017856" y="6153445"/>
-                    <a:pt x="863803" y="5979931"/>
-                    <a:pt x="721728" y="5798666"/>
-                  </a:cubicBezTo>
-                  <a:cubicBezTo>
-                    <a:pt x="579397" y="5616027"/>
-                    <a:pt x="452103" y="5422511"/>
-                    <a:pt x="344175" y="5219495"/>
-                  </a:cubicBezTo>
-                  <a:cubicBezTo>
-                    <a:pt x="236505" y="5016354"/>
-                    <a:pt x="147946" y="4803586"/>
-                    <a:pt x="87293" y="4583569"/>
-                  </a:cubicBezTo>
-                  <a:cubicBezTo>
-                    <a:pt x="79138" y="4556193"/>
-                    <a:pt x="72639" y="4528440"/>
-                    <a:pt x="65886" y="4500813"/>
-                  </a:cubicBezTo>
-                  <a:cubicBezTo>
-                    <a:pt x="58751" y="4473311"/>
-                    <a:pt x="53144" y="4445308"/>
-                    <a:pt x="47409" y="4417431"/>
-                  </a:cubicBezTo>
-                  <a:cubicBezTo>
-                    <a:pt x="44733" y="4403430"/>
-                    <a:pt x="41294" y="4389679"/>
-                    <a:pt x="39000" y="4375677"/>
-                  </a:cubicBezTo>
-                  <a:lnTo>
-                    <a:pt x="31610" y="4333674"/>
-                  </a:lnTo>
-                  <a:cubicBezTo>
-                    <a:pt x="26258" y="4305797"/>
-                    <a:pt x="22563" y="4277544"/>
-                    <a:pt x="18868" y="4249417"/>
-                  </a:cubicBezTo>
-                  <a:cubicBezTo>
-                    <a:pt x="4214" y="4136784"/>
-                    <a:pt x="-2158" y="4023275"/>
-                    <a:pt x="646" y="3910265"/>
-                  </a:cubicBezTo>
-                  <a:cubicBezTo>
-                    <a:pt x="5997" y="3683872"/>
-                    <a:pt x="50596" y="3459605"/>
-                    <a:pt x="130234" y="3248337"/>
-                  </a:cubicBezTo>
-                  <a:cubicBezTo>
-                    <a:pt x="207961" y="3039196"/>
-                    <a:pt x="278044" y="2827179"/>
-                    <a:pt x="335383" y="2611911"/>
-                  </a:cubicBezTo>
-                  <a:cubicBezTo>
-                    <a:pt x="393743" y="2396644"/>
-                    <a:pt x="435792" y="2178627"/>
-                    <a:pt x="487272" y="1958609"/>
-                  </a:cubicBezTo>
-                  <a:cubicBezTo>
-                    <a:pt x="493259" y="1931107"/>
-                    <a:pt x="501287" y="1903730"/>
-                    <a:pt x="508550" y="1876227"/>
-                  </a:cubicBezTo>
-                  <a:cubicBezTo>
-                    <a:pt x="516195" y="1848725"/>
-                    <a:pt x="522312" y="1820972"/>
-                    <a:pt x="531742" y="1793721"/>
-                  </a:cubicBezTo>
-                  <a:lnTo>
-                    <a:pt x="558245" y="1711465"/>
-                  </a:lnTo>
-                  <a:cubicBezTo>
-                    <a:pt x="568439" y="1684337"/>
-                    <a:pt x="579652" y="1657459"/>
-                    <a:pt x="590100" y="1630332"/>
-                  </a:cubicBezTo>
-                  <a:cubicBezTo>
-                    <a:pt x="635080" y="1523075"/>
-                    <a:pt x="690637" y="1417566"/>
-                    <a:pt x="758680" y="1322433"/>
-                  </a:cubicBezTo>
-                  <a:cubicBezTo>
-                    <a:pt x="824430" y="1225051"/>
-                    <a:pt x="899610" y="1136168"/>
-                    <a:pt x="976317" y="1049286"/>
-                  </a:cubicBezTo>
-                  <a:cubicBezTo>
-                    <a:pt x="995049" y="1027035"/>
-                    <a:pt x="1015436" y="1006533"/>
-                    <a:pt x="1035314" y="985406"/>
-                  </a:cubicBezTo>
-                  <a:lnTo>
-                    <a:pt x="1095329" y="922526"/>
-                  </a:lnTo>
-                  <a:cubicBezTo>
-                    <a:pt x="1114953" y="901149"/>
-                    <a:pt x="1136359" y="881397"/>
-                    <a:pt x="1157384" y="861271"/>
-                  </a:cubicBezTo>
-                  <a:lnTo>
-                    <a:pt x="1220841" y="801017"/>
-                  </a:lnTo>
-                  <a:cubicBezTo>
-                    <a:pt x="1241610" y="780514"/>
-                    <a:pt x="1264418" y="762014"/>
-                    <a:pt x="1286462" y="742886"/>
-                  </a:cubicBezTo>
-                  <a:lnTo>
-                    <a:pt x="1353233" y="685632"/>
-                  </a:lnTo>
-                  <a:lnTo>
-                    <a:pt x="1369924" y="671256"/>
-                  </a:lnTo>
-                  <a:cubicBezTo>
-                    <a:pt x="1375658" y="666631"/>
-                    <a:pt x="1381520" y="662255"/>
-                    <a:pt x="1387380" y="657755"/>
-                  </a:cubicBezTo>
-                  <a:lnTo>
-                    <a:pt x="1422422" y="630877"/>
-                  </a:lnTo>
-                  <a:lnTo>
-                    <a:pt x="1492759" y="577248"/>
-                  </a:lnTo>
-                  <a:cubicBezTo>
-                    <a:pt x="1504355" y="567997"/>
-                    <a:pt x="1516714" y="559997"/>
-                    <a:pt x="1528820" y="551496"/>
-                  </a:cubicBezTo>
-                  <a:lnTo>
-                    <a:pt x="1565390" y="526370"/>
-                  </a:lnTo>
-                  <a:lnTo>
-                    <a:pt x="1639040" y="476490"/>
-                  </a:lnTo>
-                  <a:cubicBezTo>
-                    <a:pt x="1689754" y="445613"/>
-                    <a:pt x="1740723" y="414986"/>
-                    <a:pt x="1792075" y="384859"/>
-                  </a:cubicBezTo>
-                  <a:cubicBezTo>
-                    <a:pt x="2000282" y="268724"/>
-                    <a:pt x="2224927" y="179467"/>
-                    <a:pt x="2455943" y="117836"/>
-                  </a:cubicBezTo>
-                  <a:cubicBezTo>
-                    <a:pt x="2687088" y="55957"/>
-                    <a:pt x="2923964" y="21204"/>
-                    <a:pt x="3159952" y="7203"/>
-                  </a:cubicBezTo>
-                  <a:cubicBezTo>
-                    <a:pt x="3219076" y="3515"/>
-                    <a:pt x="3277945" y="1389"/>
-                    <a:pt x="3336813" y="499"/>
-                  </a:cubicBezTo>
-                  <a:close/>
-                </a:path>
-              </a:pathLst>
-            </a:custGeom>
-            <a:gradFill flip="none" rotWithShape="1">
-              <a:gsLst>
-                <a:gs pos="2000">
-                  <a:schemeClr val="bg1">
-                    <a:alpha val="10000"/>
-                  </a:schemeClr>
-                </a:gs>
-                <a:gs pos="16000">
-                  <a:schemeClr val="accent6">
-                    <a:alpha val="5000"/>
-                  </a:schemeClr>
-                </a:gs>
-                <a:gs pos="100000">
-                  <a:schemeClr val="bg1">
-                    <a:alpha val="10000"/>
-                  </a:schemeClr>
-                </a:gs>
-                <a:gs pos="85000">
-                  <a:schemeClr val="accent1">
-                    <a:alpha val="10000"/>
-                  </a:schemeClr>
-                </a:gs>
-              </a:gsLst>
-              <a:lin ang="12000000" scaled="0"/>
-              <a:tileRect/>
-            </a:gradFill>
-            <a:ln>
-              <a:noFill/>
-            </a:ln>
-          </p:spPr>
-          <p:style>
-            <a:lnRef idx="2">
-              <a:schemeClr val="accent1">
-                <a:shade val="50000"/>
-              </a:schemeClr>
-            </a:lnRef>
-            <a:fillRef idx="1">
-              <a:schemeClr val="accent1"/>
-            </a:fillRef>
-            <a:effectRef idx="0">
-              <a:schemeClr val="accent1"/>
-            </a:effectRef>
-            <a:fontRef idx="minor">
-              <a:schemeClr val="lt1"/>
-            </a:fontRef>
-          </p:style>
-          <p:txBody>
-            <a:bodyPr rtlCol="0" anchor="ctr"/>
-            <a:lstStyle/>
-            <a:p>
-              <a:pPr algn="ctr"/>
-              <a:endParaRPr lang="en-US" dirty="0"/>
-            </a:p>
-          </p:txBody>
-        </p:sp>
-      </p:grpSp>
-      <p:pic>
-        <p:nvPicPr>
-          <p:cNvPr id="6" name="Graphic 5" descr="Play">
-            <a:extLst>
-              <a:ext uri="{FF2B5EF4-FFF2-40B4-BE49-F238E27FC236}">
-                <a16:creationId xmlns:a16="http://schemas.microsoft.com/office/drawing/2014/main" id="{2625DFBB-2765-5247-4B45-CAC692E17EBC}"/>
-              </a:ext>
-            </a:extLst>
-          </p:cNvPr>
-          <p:cNvPicPr>
-            <a:picLocks noChangeAspect="1"/>
-          </p:cNvPicPr>
-          <p:nvPr/>
-        </p:nvPicPr>
-        <p:blipFill>
-          <a:blip r:embed="rId2">
-            <a:extLst>
-              <a:ext uri="{28A0092B-C50C-407E-A947-70E740481C1C}">
-                <a14:useLocalDpi xmlns:a14="http://schemas.microsoft.com/office/drawing/2010/main" val="0"/>
-              </a:ext>
-              <a:ext uri="{96DAC541-7B7A-43D3-8B79-37D633B846F1}">
-                <asvg:svgBlip xmlns:asvg="http://schemas.microsoft.com/office/drawing/2016/SVG/main" r:embed="rId3"/>
-              </a:ext>
-            </a:extLst>
-          </a:blip>
-          <a:stretch>
-            <a:fillRect/>
-          </a:stretch>
-        </p:blipFill>
-        <p:spPr>
-          <a:xfrm>
-            <a:off x="7729652" y="1859078"/>
-            <a:ext cx="3821102" cy="3821102"/>
-          </a:xfrm>
-          <a:prstGeom prst="rect">
-            <a:avLst/>
-          </a:prstGeom>
-          <a:ln>
-            <a:noFill/>
-          </a:ln>
-        </p:spPr>
-      </p:pic>
-    </p:spTree>
-    <p:extLst>
-      <p:ext uri="{BB962C8B-B14F-4D97-AF65-F5344CB8AC3E}">
-        <p14:creationId xmlns:p14="http://schemas.microsoft.com/office/powerpoint/2010/main" val="369694898"/>
-      </p:ext>
-    </p:extLst>
-  </p:cSld>
-  <p:clrMapOvr>
-    <a:masterClrMapping/>
-  </p:clrMapOvr>
-  <p:timing>
-    <p:tnLst>
-      <p:par>
-        <p:cTn id="1" dur="indefinite" restart="never" nodeType="tmRoot">
-          <p:childTnLst>
-            <p:seq concurrent="1" nextAc="seek">
-              <p:cTn id="2" dur="indefinite" nodeType="mainSeq">
-                <p:childTnLst>
-                  <p:par>
-                    <p:cTn id="3" fill="hold">
-                      <p:stCondLst>
-                        <p:cond delay="indefinite"/>
-                        <p:cond evt="onBegin" delay="0">
-                          <p:tn val="2"/>
-                        </p:cond>
-                      </p:stCondLst>
-                      <p:childTnLst>
-                        <p:par>
-                          <p:cTn id="4" fill="hold">
-                            <p:stCondLst>
-                              <p:cond delay="0"/>
-                            </p:stCondLst>
-                            <p:childTnLst>
-                              <p:par>
-                                <p:cTn id="5" presetID="10" presetClass="entr" presetSubtype="0" fill="hold" nodeType="withEffect">
-                                  <p:stCondLst>
-                                    <p:cond delay="500"/>
-                                  </p:stCondLst>
-                                  <p:iterate>
-                                    <p:tmPct val="10000"/>
-                                  </p:iterate>
-                                  <p:childTnLst>
-                                    <p:set>
-                                      <p:cBhvr>
-                                        <p:cTn id="6" dur="1" fill="hold">
-                                          <p:stCondLst>
-                                            <p:cond delay="0"/>
-                                          </p:stCondLst>
-                                        </p:cTn>
-                                        <p:tgtEl>
-                                          <p:spTgt spid="6"/>
-                                        </p:tgtEl>
-                                        <p:attrNameLst>
-                                          <p:attrName>style.visibility</p:attrName>
-                                        </p:attrNameLst>
-                                      </p:cBhvr>
-                                      <p:to>
-                                        <p:strVal val="visible"/>
-                                      </p:to>
-                                    </p:set>
-                                    <p:animEffect transition="in" filter="fade">
-                                      <p:cBhvr>
-                                        <p:cTn id="7" dur="700"/>
-                                        <p:tgtEl>
-                                          <p:spTgt spid="6"/>
-                                        </p:tgtEl>
-                                      </p:cBhvr>
-                                    </p:animEffect>
-                                  </p:childTnLst>
-                                </p:cTn>
-                              </p:par>
-                            </p:childTnLst>
-                          </p:cTn>
-                        </p:par>
-                      </p:childTnLst>
-                    </p:cTn>
-                  </p:par>
-                </p:childTnLst>
-              </p:cTn>
-              <p:prevCondLst>
-                <p:cond evt="onPrev" delay="0">
-                  <p:tgtEl>
-                    <p:sldTgt/>
-                  </p:tgtEl>
-                </p:cond>
-              </p:prevCondLst>
-              <p:nextCondLst>
-                <p:cond evt="onNext" delay="0">
-                  <p:tgtEl>
-                    <p:sldTgt/>
-                  </p:tgtEl>
-                </p:cond>
-              </p:nextCondLst>
-            </p:seq>
-          </p:childTnLst>
-        </p:cTn>
-      </p:par>
-    </p:tnLst>
-  </p:timing>
-</p:sld>
-</file>
-
-<file path=ppt/slides/slide22.xml><?xml version="1.0" encoding="utf-8"?>
-<p:sld xmlns:a="http://schemas.openxmlformats.org/drawingml/2006/main" xmlns:r="http://schemas.openxmlformats.org/officeDocument/2006/relationships" xmlns:p="http://schemas.openxmlformats.org/presentationml/2006/main">
-  <p:cSld>
-    <p:bg>
-      <p:bgPr>
-        <a:solidFill>
-          <a:schemeClr val="bg1"/>
-        </a:solidFill>
-        <a:effectLst/>
-      </p:bgPr>
-    </p:bg>
-    <p:spTree>
-      <p:nvGrpSpPr>
-        <p:cNvPr id="1" name=""/>
-        <p:cNvGrpSpPr/>
-        <p:nvPr/>
-      </p:nvGrpSpPr>
-      <p:grpSpPr>
-        <a:xfrm>
-          <a:off x="0" y="0"/>
-          <a:ext cx="0" cy="0"/>
-          <a:chOff x="0" y="0"/>
-          <a:chExt cx="0" cy="0"/>
-        </a:xfrm>
-      </p:grpSpPr>
-      <p:sp useBgFill="1">
-        <p:nvSpPr>
-          <p:cNvPr id="8" name="Rectangle 7">
+          <p:cNvPr id="17" name="Rectangle 16">
             <a:extLst>
               <a:ext uri="{FF2B5EF4-FFF2-40B4-BE49-F238E27FC236}">
                 <a16:creationId xmlns:a16="http://schemas.microsoft.com/office/drawing/2014/main" id="{1BB867FF-FC45-48F7-8104-F89BE54909F1}"/>
@@ -19593,7 +15225,7 @@
       </p:sp>
       <p:sp>
         <p:nvSpPr>
-          <p:cNvPr id="10" name="Freeform: Shape 9">
+          <p:cNvPr id="19" name="Freeform: Shape 18">
             <a:extLst>
               <a:ext uri="{FF2B5EF4-FFF2-40B4-BE49-F238E27FC236}">
                 <a16:creationId xmlns:a16="http://schemas.microsoft.com/office/drawing/2014/main" id="{8BB56887-D0D5-4F0C-9E19-7247EB83C8B7}"/>
@@ -19713,13 +15345,7 @@
       </p:sp>
       <p:sp>
         <p:nvSpPr>
-          <p:cNvPr id="2" name="Title 1">
-            <a:extLst>
-              <a:ext uri="{FF2B5EF4-FFF2-40B4-BE49-F238E27FC236}">
-                <a16:creationId xmlns:a16="http://schemas.microsoft.com/office/drawing/2014/main" id="{C4712B10-83C7-1E4C-AAD8-584315C8AC92}"/>
-              </a:ext>
-            </a:extLst>
-          </p:cNvPr>
+          <p:cNvPr id="2" name="Title 1"/>
           <p:cNvSpPr>
             <a:spLocks noGrp="1"/>
           </p:cNvSpPr>
@@ -19740,15 +15366,15 @@
           <a:lstStyle/>
           <a:p>
             <a:r>
-              <a:rPr lang="en-US" dirty="0"/>
-              <a:t>Conclusion</a:t>
-            </a:r>
-          </a:p>
-        </p:txBody>
-      </p:sp>
-      <p:sp>
-        <p:nvSpPr>
-          <p:cNvPr id="12" name="Arc 11">
+              <a:rPr lang="en-IN"/>
+              <a:t>Problem Definition</a:t>
+            </a:r>
+          </a:p>
+        </p:txBody>
+      </p:sp>
+      <p:sp>
+        <p:nvSpPr>
+          <p:cNvPr id="21" name="Arc 20">
             <a:extLst>
               <a:ext uri="{FF2B5EF4-FFF2-40B4-BE49-F238E27FC236}">
                 <a16:creationId xmlns:a16="http://schemas.microsoft.com/office/drawing/2014/main" id="{081E4A58-353D-44AE-B2FC-2A74E2E400F7}"/>
@@ -19809,13 +15435,7 @@
       </p:sp>
       <p:sp>
         <p:nvSpPr>
-          <p:cNvPr id="3" name="Content Placeholder 2">
-            <a:extLst>
-              <a:ext uri="{FF2B5EF4-FFF2-40B4-BE49-F238E27FC236}">
-                <a16:creationId xmlns:a16="http://schemas.microsoft.com/office/drawing/2014/main" id="{3A2CAFD5-5413-9F6E-F176-F4480E4DFAE5}"/>
-              </a:ext>
-            </a:extLst>
-          </p:cNvPr>
+          <p:cNvPr id="3" name="Content Placeholder 2"/>
           <p:cNvSpPr>
             <a:spLocks noGrp="1"/>
           </p:cNvSpPr>
@@ -19835,25 +15455,14 @@
           </a:bodyPr>
           <a:lstStyle/>
           <a:p>
-            <a:pPr marL="0" indent="0">
-              <a:buNone/>
-            </a:pPr>
-            <a:r>
-              <a:rPr lang="en-US" dirty="0"/>
-              <a:t>The integration of weather forecasting and big data analytics for energy grid optimization shows promise in addressing current energy management challenges by providing reliable, scalable, and efficient energy demand forecasts.</a:t>
-            </a:r>
-          </a:p>
-          <a:p>
-            <a:endParaRPr lang="en-US" dirty="0"/>
+            <a:r>
+              <a:rPr lang="en-IN"/>
+              <a:t>The project aims to optimize the energy grid by forecasting electricity demand using historical weather data and power consumption patterns. Accurate forecasting enables better grid management, reduces energy waste, and balances demand-supply distribution.</a:t>
+            </a:r>
           </a:p>
         </p:txBody>
       </p:sp>
     </p:spTree>
-    <p:extLst>
-      <p:ext uri="{BB962C8B-B14F-4D97-AF65-F5344CB8AC3E}">
-        <p14:creationId xmlns:p14="http://schemas.microsoft.com/office/powerpoint/2010/main" val="1488130352"/>
-      </p:ext>
-    </p:extLst>
   </p:cSld>
   <p:clrMapOvr>
     <a:masterClrMapping/>
@@ -19861,7 +15470,7 @@
 </p:sld>
 </file>
 
-<file path=ppt/slides/slide23.xml><?xml version="1.0" encoding="utf-8"?>
+<file path=ppt/slides/slide20.xml><?xml version="1.0" encoding="utf-8"?>
 <p:sld xmlns:a="http://schemas.openxmlformats.org/drawingml/2006/main" xmlns:r="http://schemas.openxmlformats.org/officeDocument/2006/relationships" xmlns:p="http://schemas.openxmlformats.org/presentationml/2006/main">
   <p:cSld>
     <p:bg>
@@ -20609,236 +16218,6 @@
           <a:chExt cx="0" cy="0"/>
         </a:xfrm>
       </p:grpSpPr>
-      <p:sp>
-        <p:nvSpPr>
-          <p:cNvPr id="9" name="TextBox 8">
-            <a:extLst>
-              <a:ext uri="{FF2B5EF4-FFF2-40B4-BE49-F238E27FC236}">
-                <a16:creationId xmlns:a16="http://schemas.microsoft.com/office/drawing/2014/main" id="{9A20B0FA-1FDF-BF13-AEA0-C00884EB60EB}"/>
-              </a:ext>
-            </a:extLst>
-          </p:cNvPr>
-          <p:cNvSpPr txBox="1"/>
-          <p:nvPr/>
-        </p:nvSpPr>
-        <p:spPr>
-          <a:xfrm>
-            <a:off x="121444" y="679966"/>
-            <a:ext cx="1263437" cy="374095"/>
-          </a:xfrm>
-          <a:prstGeom prst="rect">
-            <a:avLst/>
-          </a:prstGeom>
-          <a:noFill/>
-        </p:spPr>
-        <p:txBody>
-          <a:bodyPr wrap="square" rtlCol="0">
-            <a:spAutoFit/>
-          </a:bodyPr>
-          <a:lstStyle/>
-          <a:p>
-            <a:r>
-              <a:rPr lang="en-US" dirty="0"/>
-              <a:t>Request:</a:t>
-            </a:r>
-          </a:p>
-        </p:txBody>
-      </p:sp>
-      <p:pic>
-        <p:nvPicPr>
-          <p:cNvPr id="10" name="Picture 9">
-            <a:extLst>
-              <a:ext uri="{FF2B5EF4-FFF2-40B4-BE49-F238E27FC236}">
-                <a16:creationId xmlns:a16="http://schemas.microsoft.com/office/drawing/2014/main" id="{C212DCB1-6B4F-1194-C3ED-B10001F16E92}"/>
-              </a:ext>
-            </a:extLst>
-          </p:cNvPr>
-          <p:cNvPicPr>
-            <a:picLocks noChangeAspect="1"/>
-          </p:cNvPicPr>
-          <p:nvPr/>
-        </p:nvPicPr>
-        <p:blipFill>
-          <a:blip r:embed="rId2"/>
-          <a:stretch>
-            <a:fillRect/>
-          </a:stretch>
-        </p:blipFill>
-        <p:spPr>
-          <a:xfrm>
-            <a:off x="233363" y="1171575"/>
-            <a:ext cx="10653712" cy="1094742"/>
-          </a:xfrm>
-          <a:prstGeom prst="rect">
-            <a:avLst/>
-          </a:prstGeom>
-        </p:spPr>
-      </p:pic>
-      <p:sp>
-        <p:nvSpPr>
-          <p:cNvPr id="11" name="TextBox 10">
-            <a:extLst>
-              <a:ext uri="{FF2B5EF4-FFF2-40B4-BE49-F238E27FC236}">
-                <a16:creationId xmlns:a16="http://schemas.microsoft.com/office/drawing/2014/main" id="{DE0242F5-CD2F-DF24-4852-7B5565E9E481}"/>
-              </a:ext>
-            </a:extLst>
-          </p:cNvPr>
-          <p:cNvSpPr txBox="1"/>
-          <p:nvPr/>
-        </p:nvSpPr>
-        <p:spPr>
-          <a:xfrm>
-            <a:off x="233363" y="2416097"/>
-            <a:ext cx="1263437" cy="369332"/>
-          </a:xfrm>
-          <a:prstGeom prst="rect">
-            <a:avLst/>
-          </a:prstGeom>
-          <a:noFill/>
-        </p:spPr>
-        <p:txBody>
-          <a:bodyPr wrap="square" rtlCol="0">
-            <a:spAutoFit/>
-          </a:bodyPr>
-          <a:lstStyle/>
-          <a:p>
-            <a:r>
-              <a:rPr lang="en-US" dirty="0"/>
-              <a:t>Response:</a:t>
-            </a:r>
-          </a:p>
-        </p:txBody>
-      </p:sp>
-      <p:pic>
-        <p:nvPicPr>
-          <p:cNvPr id="15" name="Picture 14">
-            <a:extLst>
-              <a:ext uri="{FF2B5EF4-FFF2-40B4-BE49-F238E27FC236}">
-                <a16:creationId xmlns:a16="http://schemas.microsoft.com/office/drawing/2014/main" id="{A15EB7CA-4854-A9AB-ECD1-50839F02DCA5}"/>
-              </a:ext>
-            </a:extLst>
-          </p:cNvPr>
-          <p:cNvPicPr>
-            <a:picLocks noChangeAspect="1"/>
-          </p:cNvPicPr>
-          <p:nvPr/>
-        </p:nvPicPr>
-        <p:blipFill>
-          <a:blip r:embed="rId3"/>
-          <a:stretch>
-            <a:fillRect/>
-          </a:stretch>
-        </p:blipFill>
-        <p:spPr>
-          <a:xfrm>
-            <a:off x="2439991" y="2807600"/>
-            <a:ext cx="2460626" cy="3984626"/>
-          </a:xfrm>
-          <a:prstGeom prst="rect">
-            <a:avLst/>
-          </a:prstGeom>
-        </p:spPr>
-      </p:pic>
-      <p:pic>
-        <p:nvPicPr>
-          <p:cNvPr id="17" name="Picture 16">
-            <a:extLst>
-              <a:ext uri="{FF2B5EF4-FFF2-40B4-BE49-F238E27FC236}">
-                <a16:creationId xmlns:a16="http://schemas.microsoft.com/office/drawing/2014/main" id="{4B5187D9-32B1-C2C2-EACA-2B433A16067F}"/>
-              </a:ext>
-            </a:extLst>
-          </p:cNvPr>
-          <p:cNvPicPr>
-            <a:picLocks noChangeAspect="1"/>
-          </p:cNvPicPr>
-          <p:nvPr/>
-        </p:nvPicPr>
-        <p:blipFill>
-          <a:blip r:embed="rId4"/>
-          <a:stretch>
-            <a:fillRect/>
-          </a:stretch>
-        </p:blipFill>
-        <p:spPr>
-          <a:xfrm>
-            <a:off x="5503866" y="2785428"/>
-            <a:ext cx="2954338" cy="4067011"/>
-          </a:xfrm>
-          <a:prstGeom prst="rect">
-            <a:avLst/>
-          </a:prstGeom>
-        </p:spPr>
-      </p:pic>
-      <p:sp>
-        <p:nvSpPr>
-          <p:cNvPr id="18" name="TextBox 17">
-            <a:extLst>
-              <a:ext uri="{FF2B5EF4-FFF2-40B4-BE49-F238E27FC236}">
-                <a16:creationId xmlns:a16="http://schemas.microsoft.com/office/drawing/2014/main" id="{E2D54C68-C24B-0552-455D-14BADCAAA801}"/>
-              </a:ext>
-            </a:extLst>
-          </p:cNvPr>
-          <p:cNvSpPr txBox="1"/>
-          <p:nvPr/>
-        </p:nvSpPr>
-        <p:spPr>
-          <a:xfrm>
-            <a:off x="2439991" y="399459"/>
-            <a:ext cx="6856856" cy="461665"/>
-          </a:xfrm>
-          <a:prstGeom prst="rect">
-            <a:avLst/>
-          </a:prstGeom>
-          <a:noFill/>
-        </p:spPr>
-        <p:txBody>
-          <a:bodyPr wrap="square" rtlCol="0">
-            <a:spAutoFit/>
-          </a:bodyPr>
-          <a:lstStyle/>
-          <a:p>
-            <a:pPr algn="ctr"/>
-            <a:r>
-              <a:rPr lang="en-US" sz="2400" b="1" dirty="0" err="1"/>
-              <a:t>OpenWeatherMap</a:t>
-            </a:r>
-            <a:r>
-              <a:rPr lang="en-US" sz="2400" b="1" dirty="0"/>
-              <a:t> API used to get weather data</a:t>
-            </a:r>
-          </a:p>
-        </p:txBody>
-      </p:sp>
-    </p:spTree>
-    <p:extLst>
-      <p:ext uri="{BB962C8B-B14F-4D97-AF65-F5344CB8AC3E}">
-        <p14:creationId xmlns:p14="http://schemas.microsoft.com/office/powerpoint/2010/main" val="251865612"/>
-      </p:ext>
-    </p:extLst>
-  </p:cSld>
-  <p:clrMapOvr>
-    <a:masterClrMapping/>
-  </p:clrMapOvr>
-</p:sld>
-</file>
-
-<file path=ppt/slides/slide5.xml><?xml version="1.0" encoding="utf-8"?>
-<p:sld xmlns:a="http://schemas.openxmlformats.org/drawingml/2006/main" xmlns:r="http://schemas.openxmlformats.org/officeDocument/2006/relationships" xmlns:p="http://schemas.openxmlformats.org/presentationml/2006/main">
-  <p:cSld>
-    <p:spTree>
-      <p:nvGrpSpPr>
-        <p:cNvPr id="1" name=""/>
-        <p:cNvGrpSpPr/>
-        <p:nvPr/>
-      </p:nvGrpSpPr>
-      <p:grpSpPr>
-        <a:xfrm>
-          <a:off x="0" y="0"/>
-          <a:ext cx="0" cy="0"/>
-          <a:chOff x="0" y="0"/>
-          <a:chExt cx="0" cy="0"/>
-        </a:xfrm>
-      </p:grpSpPr>
       <p:pic>
         <p:nvPicPr>
           <p:cNvPr id="1028" name="Picture 4">
@@ -20899,7 +16278,7 @@
 </p:sld>
 </file>
 
-<file path=ppt/slides/slide6.xml><?xml version="1.0" encoding="utf-8"?>
+<file path=ppt/slides/slide5.xml><?xml version="1.0" encoding="utf-8"?>
 <p:sld xmlns:a="http://schemas.openxmlformats.org/drawingml/2006/main" xmlns:r="http://schemas.openxmlformats.org/officeDocument/2006/relationships" xmlns:p="http://schemas.openxmlformats.org/presentationml/2006/main">
   <p:cSld>
     <p:spTree>
@@ -21204,7 +16583,7 @@
 </p:sld>
 </file>
 
-<file path=ppt/slides/slide7.xml><?xml version="1.0" encoding="utf-8"?>
+<file path=ppt/slides/slide6.xml><?xml version="1.0" encoding="utf-8"?>
 <p:sld xmlns:a="http://schemas.openxmlformats.org/drawingml/2006/main" xmlns:r="http://schemas.openxmlformats.org/officeDocument/2006/relationships" xmlns:p="http://schemas.openxmlformats.org/presentationml/2006/main">
   <p:cSld>
     <p:spTree>
@@ -21297,7 +16676,7 @@
 </p:sld>
 </file>
 
-<file path=ppt/slides/slide8.xml><?xml version="1.0" encoding="utf-8"?>
+<file path=ppt/slides/slide7.xml><?xml version="1.0" encoding="utf-8"?>
 <p:sld xmlns:a="http://schemas.openxmlformats.org/drawingml/2006/main" xmlns:r="http://schemas.openxmlformats.org/officeDocument/2006/relationships" xmlns:p="http://schemas.openxmlformats.org/presentationml/2006/main">
   <p:cSld>
     <p:spTree>
@@ -21566,7 +16945,7 @@
 </p:sld>
 </file>
 
-<file path=ppt/slides/slide9.xml><?xml version="1.0" encoding="utf-8"?>
+<file path=ppt/slides/slide8.xml><?xml version="1.0" encoding="utf-8"?>
 <p:sld xmlns:a="http://schemas.openxmlformats.org/drawingml/2006/main" xmlns:r="http://schemas.openxmlformats.org/officeDocument/2006/relationships" xmlns:p="http://schemas.openxmlformats.org/presentationml/2006/main">
   <p:cSld>
     <p:bg>
@@ -21772,6 +17151,247 @@
     <p:extLst>
       <p:ext uri="{BB962C8B-B14F-4D97-AF65-F5344CB8AC3E}">
         <p14:creationId xmlns:p14="http://schemas.microsoft.com/office/powerpoint/2010/main" val="1191957055"/>
+      </p:ext>
+    </p:extLst>
+  </p:cSld>
+  <p:clrMapOvr>
+    <a:masterClrMapping/>
+  </p:clrMapOvr>
+</p:sld>
+</file>
+
+<file path=ppt/slides/slide9.xml><?xml version="1.0" encoding="utf-8"?>
+<p:sld xmlns:a="http://schemas.openxmlformats.org/drawingml/2006/main" xmlns:r="http://schemas.openxmlformats.org/officeDocument/2006/relationships" xmlns:p="http://schemas.openxmlformats.org/presentationml/2006/main">
+  <p:cSld>
+    <p:spTree>
+      <p:nvGrpSpPr>
+        <p:cNvPr id="1" name=""/>
+        <p:cNvGrpSpPr/>
+        <p:nvPr/>
+      </p:nvGrpSpPr>
+      <p:grpSpPr>
+        <a:xfrm>
+          <a:off x="0" y="0"/>
+          <a:ext cx="0" cy="0"/>
+          <a:chOff x="0" y="0"/>
+          <a:chExt cx="0" cy="0"/>
+        </a:xfrm>
+      </p:grpSpPr>
+      <p:sp>
+        <p:nvSpPr>
+          <p:cNvPr id="3" name="Text Placeholder 2">
+            <a:extLst>
+              <a:ext uri="{FF2B5EF4-FFF2-40B4-BE49-F238E27FC236}">
+                <a16:creationId xmlns:a16="http://schemas.microsoft.com/office/drawing/2014/main" id="{6906A950-CF65-58FB-54E7-CA37CFFBE985}"/>
+              </a:ext>
+            </a:extLst>
+          </p:cNvPr>
+          <p:cNvSpPr>
+            <a:spLocks noGrp="1"/>
+          </p:cNvSpPr>
+          <p:nvPr>
+            <p:ph type="body" idx="1"/>
+          </p:nvPr>
+        </p:nvSpPr>
+        <p:spPr/>
+        <p:txBody>
+          <a:bodyPr/>
+          <a:lstStyle/>
+          <a:p>
+            <a:r>
+              <a:rPr lang="en-US" dirty="0"/>
+              <a:t>Problem faced</a:t>
+            </a:r>
+          </a:p>
+        </p:txBody>
+      </p:sp>
+      <p:sp>
+        <p:nvSpPr>
+          <p:cNvPr id="4" name="Content Placeholder 3">
+            <a:extLst>
+              <a:ext uri="{FF2B5EF4-FFF2-40B4-BE49-F238E27FC236}">
+                <a16:creationId xmlns:a16="http://schemas.microsoft.com/office/drawing/2014/main" id="{BB5774D5-7B33-8FE1-4D6D-8CDD9DE975E5}"/>
+              </a:ext>
+            </a:extLst>
+          </p:cNvPr>
+          <p:cNvSpPr>
+            <a:spLocks noGrp="1"/>
+          </p:cNvSpPr>
+          <p:nvPr>
+            <p:ph sz="half" idx="2"/>
+          </p:nvPr>
+        </p:nvSpPr>
+        <p:spPr/>
+        <p:txBody>
+          <a:bodyPr>
+            <a:normAutofit/>
+          </a:bodyPr>
+          <a:lstStyle/>
+          <a:p>
+            <a:r>
+              <a:rPr lang="en-US" sz="2000" dirty="0"/>
+              <a:t>Failed to create new </a:t>
+            </a:r>
+            <a:r>
+              <a:rPr lang="en-US" sz="2000" dirty="0" err="1"/>
+              <a:t>KafkaAdminClient</a:t>
+            </a:r>
+            <a:endParaRPr lang="en-US" sz="2000" dirty="0"/>
+          </a:p>
+          <a:p>
+            <a:r>
+              <a:rPr lang="en-US" sz="2000" dirty="0"/>
+              <a:t>getting error -Py4JJavaError: An error occurred while calling o39.load. </a:t>
+            </a:r>
+          </a:p>
+          <a:p>
+            <a:r>
+              <a:rPr lang="en-US" sz="2000" dirty="0"/>
+              <a:t>Main Data was stored only in  value .</a:t>
+            </a:r>
+          </a:p>
+        </p:txBody>
+      </p:sp>
+      <p:sp>
+        <p:nvSpPr>
+          <p:cNvPr id="5" name="Text Placeholder 4">
+            <a:extLst>
+              <a:ext uri="{FF2B5EF4-FFF2-40B4-BE49-F238E27FC236}">
+                <a16:creationId xmlns:a16="http://schemas.microsoft.com/office/drawing/2014/main" id="{C0103F4F-BD45-AB84-C979-C3271EBAA840}"/>
+              </a:ext>
+            </a:extLst>
+          </p:cNvPr>
+          <p:cNvSpPr>
+            <a:spLocks noGrp="1"/>
+          </p:cNvSpPr>
+          <p:nvPr>
+            <p:ph type="body" sz="quarter" idx="3"/>
+          </p:nvPr>
+        </p:nvSpPr>
+        <p:spPr/>
+        <p:txBody>
+          <a:bodyPr/>
+          <a:lstStyle/>
+          <a:p>
+            <a:r>
+              <a:rPr lang="en-US" dirty="0"/>
+              <a:t>Solution to the Problem </a:t>
+            </a:r>
+          </a:p>
+        </p:txBody>
+      </p:sp>
+      <p:sp>
+        <p:nvSpPr>
+          <p:cNvPr id="6" name="Content Placeholder 5">
+            <a:extLst>
+              <a:ext uri="{FF2B5EF4-FFF2-40B4-BE49-F238E27FC236}">
+                <a16:creationId xmlns:a16="http://schemas.microsoft.com/office/drawing/2014/main" id="{B3619215-945E-BA38-A04D-5CC0369BEB67}"/>
+              </a:ext>
+            </a:extLst>
+          </p:cNvPr>
+          <p:cNvSpPr>
+            <a:spLocks noGrp="1"/>
+          </p:cNvSpPr>
+          <p:nvPr>
+            <p:ph sz="quarter" idx="4"/>
+          </p:nvPr>
+        </p:nvSpPr>
+        <p:spPr>
+          <a:xfrm>
+            <a:off x="6172199" y="2505075"/>
+            <a:ext cx="5520447" cy="3684588"/>
+          </a:xfrm>
+        </p:spPr>
+        <p:txBody>
+          <a:bodyPr>
+            <a:normAutofit/>
+          </a:bodyPr>
+          <a:lstStyle/>
+          <a:p>
+            <a:r>
+              <a:rPr lang="en-US" sz="2000" dirty="0"/>
+              <a:t>While creating spark session set jar  </a:t>
+            </a:r>
+            <a:r>
+              <a:rPr lang="en-US" sz="1000" b="1" dirty="0"/>
+              <a:t>config("</a:t>
+            </a:r>
+            <a:r>
+              <a:rPr lang="en-US" sz="1000" b="1" dirty="0" err="1"/>
+              <a:t>spark.jars.packages</a:t>
+            </a:r>
+            <a:r>
+              <a:rPr lang="en-US" sz="1000" b="1" dirty="0"/>
+              <a:t>", "org.apache.spark:spark-sql-kafka-0-10_2.12:3.2.0,org.apache.kafka:kafka-clients:3.5.2") \</a:t>
+            </a:r>
+          </a:p>
+          <a:p>
+            <a:r>
+              <a:rPr lang="en-US" sz="2000" dirty="0"/>
+              <a:t>Also pass right Kafka </a:t>
+            </a:r>
+            <a:r>
+              <a:rPr lang="en-US" sz="2000" dirty="0" err="1"/>
+              <a:t>bootstrap.servers</a:t>
+            </a:r>
+            <a:r>
+              <a:rPr lang="en-US" sz="2000" dirty="0"/>
+              <a:t> and </a:t>
+            </a:r>
+            <a:r>
+              <a:rPr lang="en-US" sz="2000" dirty="0" err="1"/>
+              <a:t>kafka</a:t>
+            </a:r>
+            <a:r>
+              <a:rPr lang="en-US" sz="2000" dirty="0"/>
+              <a:t> topic while  </a:t>
+            </a:r>
+            <a:r>
+              <a:rPr lang="en-US" sz="2000" b="1" dirty="0" err="1"/>
+              <a:t>spark.readStream</a:t>
+            </a:r>
+            <a:endParaRPr lang="en-US" sz="2000" b="1" dirty="0"/>
+          </a:p>
+          <a:p>
+            <a:r>
+              <a:rPr lang="en-US" sz="2000" b="1" dirty="0"/>
+              <a:t>Cast</a:t>
+            </a:r>
+            <a:r>
+              <a:rPr lang="en-US" sz="2000" dirty="0"/>
+              <a:t> value to string and then use </a:t>
+            </a:r>
+            <a:r>
+              <a:rPr lang="en-US" sz="2000" dirty="0" err="1"/>
+              <a:t>from_jsom</a:t>
+            </a:r>
+            <a:r>
+              <a:rPr lang="en-US" sz="2000" dirty="0"/>
+              <a:t> to take Json data and use explode to </a:t>
+            </a:r>
+            <a:r>
+              <a:rPr lang="en-US" sz="2000" b="1" dirty="0"/>
+              <a:t>flatten</a:t>
+            </a:r>
+            <a:r>
+              <a:rPr lang="en-US" sz="2000" dirty="0"/>
+              <a:t> the </a:t>
+            </a:r>
+            <a:r>
+              <a:rPr lang="en-US" sz="2000" dirty="0" err="1"/>
+              <a:t>json</a:t>
+            </a:r>
+            <a:r>
+              <a:rPr lang="en-US" sz="2000" dirty="0"/>
+              <a:t> </a:t>
+            </a:r>
+          </a:p>
+        </p:txBody>
+      </p:sp>
+    </p:spTree>
+    <p:extLst>
+      <p:ext uri="{BB962C8B-B14F-4D97-AF65-F5344CB8AC3E}">
+        <p14:creationId xmlns:p14="http://schemas.microsoft.com/office/powerpoint/2010/main" val="3567786875"/>
       </p:ext>
     </p:extLst>
   </p:cSld>
